--- a/CAS NLP Module 4_jd_bb.pptx
+++ b/CAS NLP Module 4_jd_bb.pptx
@@ -4,6 +4,9 @@
   <p:sldMasterIdLst>
     <p:sldMasterId id="2147483660" r:id="rId1"/>
   </p:sldMasterIdLst>
+  <p:notesMasterIdLst>
+    <p:notesMasterId r:id="rId15"/>
+  </p:notesMasterIdLst>
   <p:sldIdLst>
     <p:sldId id="256" r:id="rId2"/>
     <p:sldId id="258" r:id="rId3"/>
@@ -116,7 +119,1971 @@
       </a:defRPr>
     </a:lvl9pPr>
   </p:defaultTextStyle>
+  <p:extLst>
+    <p:ext uri="{EFAFB233-063F-42B5-8137-9DF3F51BA10A}">
+      <p15:sldGuideLst xmlns:p15="http://schemas.microsoft.com/office/powerpoint/2012/main"/>
+    </p:ext>
+  </p:extLst>
 </p:presentation>
+</file>
+
+<file path=ppt/notesMasters/notesMaster1.xml><?xml version="1.0" encoding="utf-8"?>
+<p:notesMaster xmlns:a="http://schemas.openxmlformats.org/drawingml/2006/main" xmlns:r="http://schemas.openxmlformats.org/officeDocument/2006/relationships" xmlns:p="http://schemas.openxmlformats.org/presentationml/2006/main">
+  <p:cSld>
+    <p:bg>
+      <p:bgRef idx="1001">
+        <a:schemeClr val="bg1"/>
+      </p:bgRef>
+    </p:bg>
+    <p:spTree>
+      <p:nvGrpSpPr>
+        <p:cNvPr id="1" name=""/>
+        <p:cNvGrpSpPr/>
+        <p:nvPr/>
+      </p:nvGrpSpPr>
+      <p:grpSpPr>
+        <a:xfrm>
+          <a:off x="0" y="0"/>
+          <a:ext cx="0" cy="0"/>
+          <a:chOff x="0" y="0"/>
+          <a:chExt cx="0" cy="0"/>
+        </a:xfrm>
+      </p:grpSpPr>
+      <p:sp>
+        <p:nvSpPr>
+          <p:cNvPr id="2" name="Header Placeholder 1"/>
+          <p:cNvSpPr>
+            <a:spLocks noGrp="1"/>
+          </p:cNvSpPr>
+          <p:nvPr>
+            <p:ph type="hdr" sz="quarter"/>
+          </p:nvPr>
+        </p:nvSpPr>
+        <p:spPr>
+          <a:xfrm>
+            <a:off x="0" y="0"/>
+            <a:ext cx="2971800" cy="458788"/>
+          </a:xfrm>
+          <a:prstGeom prst="rect">
+            <a:avLst/>
+          </a:prstGeom>
+        </p:spPr>
+        <p:txBody>
+          <a:bodyPr vert="horz" lIns="91440" tIns="45720" rIns="91440" bIns="45720" rtlCol="0"/>
+          <a:lstStyle>
+            <a:lvl1pPr algn="l">
+              <a:defRPr sz="1200"/>
+            </a:lvl1pPr>
+          </a:lstStyle>
+          <a:p>
+            <a:endParaRPr lang="en-US"/>
+          </a:p>
+        </p:txBody>
+      </p:sp>
+      <p:sp>
+        <p:nvSpPr>
+          <p:cNvPr id="3" name="Date Placeholder 2"/>
+          <p:cNvSpPr>
+            <a:spLocks noGrp="1"/>
+          </p:cNvSpPr>
+          <p:nvPr>
+            <p:ph type="dt" idx="1"/>
+          </p:nvPr>
+        </p:nvSpPr>
+        <p:spPr>
+          <a:xfrm>
+            <a:off x="3884613" y="0"/>
+            <a:ext cx="2971800" cy="458788"/>
+          </a:xfrm>
+          <a:prstGeom prst="rect">
+            <a:avLst/>
+          </a:prstGeom>
+        </p:spPr>
+        <p:txBody>
+          <a:bodyPr vert="horz" lIns="91440" tIns="45720" rIns="91440" bIns="45720" rtlCol="0"/>
+          <a:lstStyle>
+            <a:lvl1pPr algn="r">
+              <a:defRPr sz="1200"/>
+            </a:lvl1pPr>
+          </a:lstStyle>
+          <a:p>
+            <a:fld id="{E51474CE-351A-4402-BD16-5C3CE3808280}" type="datetimeFigureOut">
+              <a:rPr lang="en-US" smtClean="0"/>
+              <a:t>1/18/2025</a:t>
+            </a:fld>
+            <a:endParaRPr lang="en-US"/>
+          </a:p>
+        </p:txBody>
+      </p:sp>
+      <p:sp>
+        <p:nvSpPr>
+          <p:cNvPr id="4" name="Slide Image Placeholder 3"/>
+          <p:cNvSpPr>
+            <a:spLocks noGrp="1" noRot="1" noChangeAspect="1"/>
+          </p:cNvSpPr>
+          <p:nvPr>
+            <p:ph type="sldImg" idx="2"/>
+          </p:nvPr>
+        </p:nvSpPr>
+        <p:spPr>
+          <a:xfrm>
+            <a:off x="685800" y="1143000"/>
+            <a:ext cx="5486400" cy="3086100"/>
+          </a:xfrm>
+          <a:prstGeom prst="rect">
+            <a:avLst/>
+          </a:prstGeom>
+          <a:noFill/>
+          <a:ln w="12700">
+            <a:solidFill>
+              <a:prstClr val="black"/>
+            </a:solidFill>
+          </a:ln>
+        </p:spPr>
+        <p:txBody>
+          <a:bodyPr vert="horz" lIns="91440" tIns="45720" rIns="91440" bIns="45720" rtlCol="0" anchor="ctr"/>
+          <a:lstStyle/>
+          <a:p>
+            <a:endParaRPr lang="en-US"/>
+          </a:p>
+        </p:txBody>
+      </p:sp>
+      <p:sp>
+        <p:nvSpPr>
+          <p:cNvPr id="5" name="Notes Placeholder 4"/>
+          <p:cNvSpPr>
+            <a:spLocks noGrp="1"/>
+          </p:cNvSpPr>
+          <p:nvPr>
+            <p:ph type="body" sz="quarter" idx="3"/>
+          </p:nvPr>
+        </p:nvSpPr>
+        <p:spPr>
+          <a:xfrm>
+            <a:off x="685800" y="4400550"/>
+            <a:ext cx="5486400" cy="3600450"/>
+          </a:xfrm>
+          <a:prstGeom prst="rect">
+            <a:avLst/>
+          </a:prstGeom>
+        </p:spPr>
+        <p:txBody>
+          <a:bodyPr vert="horz" lIns="91440" tIns="45720" rIns="91440" bIns="45720" rtlCol="0"/>
+          <a:lstStyle/>
+          <a:p>
+            <a:pPr lvl="0"/>
+            <a:r>
+              <a:rPr lang="en-US"/>
+              <a:t>Click to edit Master text styles</a:t>
+            </a:r>
+          </a:p>
+          <a:p>
+            <a:pPr lvl="1"/>
+            <a:r>
+              <a:rPr lang="en-US"/>
+              <a:t>Second level</a:t>
+            </a:r>
+          </a:p>
+          <a:p>
+            <a:pPr lvl="2"/>
+            <a:r>
+              <a:rPr lang="en-US"/>
+              <a:t>Third level</a:t>
+            </a:r>
+          </a:p>
+          <a:p>
+            <a:pPr lvl="3"/>
+            <a:r>
+              <a:rPr lang="en-US"/>
+              <a:t>Fourth level</a:t>
+            </a:r>
+          </a:p>
+          <a:p>
+            <a:pPr lvl="4"/>
+            <a:r>
+              <a:rPr lang="en-US"/>
+              <a:t>Fifth level</a:t>
+            </a:r>
+          </a:p>
+        </p:txBody>
+      </p:sp>
+      <p:sp>
+        <p:nvSpPr>
+          <p:cNvPr id="6" name="Footer Placeholder 5"/>
+          <p:cNvSpPr>
+            <a:spLocks noGrp="1"/>
+          </p:cNvSpPr>
+          <p:nvPr>
+            <p:ph type="ftr" sz="quarter" idx="4"/>
+          </p:nvPr>
+        </p:nvSpPr>
+        <p:spPr>
+          <a:xfrm>
+            <a:off x="0" y="8685213"/>
+            <a:ext cx="2971800" cy="458787"/>
+          </a:xfrm>
+          <a:prstGeom prst="rect">
+            <a:avLst/>
+          </a:prstGeom>
+        </p:spPr>
+        <p:txBody>
+          <a:bodyPr vert="horz" lIns="91440" tIns="45720" rIns="91440" bIns="45720" rtlCol="0" anchor="b"/>
+          <a:lstStyle>
+            <a:lvl1pPr algn="l">
+              <a:defRPr sz="1200"/>
+            </a:lvl1pPr>
+          </a:lstStyle>
+          <a:p>
+            <a:endParaRPr lang="en-US"/>
+          </a:p>
+        </p:txBody>
+      </p:sp>
+      <p:sp>
+        <p:nvSpPr>
+          <p:cNvPr id="7" name="Slide Number Placeholder 6"/>
+          <p:cNvSpPr>
+            <a:spLocks noGrp="1"/>
+          </p:cNvSpPr>
+          <p:nvPr>
+            <p:ph type="sldNum" sz="quarter" idx="5"/>
+          </p:nvPr>
+        </p:nvSpPr>
+        <p:spPr>
+          <a:xfrm>
+            <a:off x="3884613" y="8685213"/>
+            <a:ext cx="2971800" cy="458787"/>
+          </a:xfrm>
+          <a:prstGeom prst="rect">
+            <a:avLst/>
+          </a:prstGeom>
+        </p:spPr>
+        <p:txBody>
+          <a:bodyPr vert="horz" lIns="91440" tIns="45720" rIns="91440" bIns="45720" rtlCol="0" anchor="b"/>
+          <a:lstStyle>
+            <a:lvl1pPr algn="r">
+              <a:defRPr sz="1200"/>
+            </a:lvl1pPr>
+          </a:lstStyle>
+          <a:p>
+            <a:fld id="{2DA66685-3D22-47BB-B74E-10995D7F8271}" type="slidenum">
+              <a:rPr lang="en-US" smtClean="0"/>
+              <a:t>‹#›</a:t>
+            </a:fld>
+            <a:endParaRPr lang="en-US"/>
+          </a:p>
+        </p:txBody>
+      </p:sp>
+    </p:spTree>
+    <p:extLst>
+      <p:ext uri="{BB962C8B-B14F-4D97-AF65-F5344CB8AC3E}">
+        <p14:creationId xmlns:p14="http://schemas.microsoft.com/office/powerpoint/2010/main" val="2337606197"/>
+      </p:ext>
+    </p:extLst>
+  </p:cSld>
+  <p:clrMap bg1="lt1" tx1="dk1" bg2="lt2" tx2="dk2" accent1="accent1" accent2="accent2" accent3="accent3" accent4="accent4" accent5="accent5" accent6="accent6" hlink="hlink" folHlink="folHlink"/>
+  <p:notesStyle>
+    <a:lvl1pPr marL="0" algn="l" defTabSz="914400" rtl="0" eaLnBrk="1" latinLnBrk="0" hangingPunct="1">
+      <a:defRPr sz="1200" kern="1200">
+        <a:solidFill>
+          <a:schemeClr val="tx1"/>
+        </a:solidFill>
+        <a:latin typeface="+mn-lt"/>
+        <a:ea typeface="+mn-ea"/>
+        <a:cs typeface="+mn-cs"/>
+      </a:defRPr>
+    </a:lvl1pPr>
+    <a:lvl2pPr marL="457200" algn="l" defTabSz="914400" rtl="0" eaLnBrk="1" latinLnBrk="0" hangingPunct="1">
+      <a:defRPr sz="1200" kern="1200">
+        <a:solidFill>
+          <a:schemeClr val="tx1"/>
+        </a:solidFill>
+        <a:latin typeface="+mn-lt"/>
+        <a:ea typeface="+mn-ea"/>
+        <a:cs typeface="+mn-cs"/>
+      </a:defRPr>
+    </a:lvl2pPr>
+    <a:lvl3pPr marL="914400" algn="l" defTabSz="914400" rtl="0" eaLnBrk="1" latinLnBrk="0" hangingPunct="1">
+      <a:defRPr sz="1200" kern="1200">
+        <a:solidFill>
+          <a:schemeClr val="tx1"/>
+        </a:solidFill>
+        <a:latin typeface="+mn-lt"/>
+        <a:ea typeface="+mn-ea"/>
+        <a:cs typeface="+mn-cs"/>
+      </a:defRPr>
+    </a:lvl3pPr>
+    <a:lvl4pPr marL="1371600" algn="l" defTabSz="914400" rtl="0" eaLnBrk="1" latinLnBrk="0" hangingPunct="1">
+      <a:defRPr sz="1200" kern="1200">
+        <a:solidFill>
+          <a:schemeClr val="tx1"/>
+        </a:solidFill>
+        <a:latin typeface="+mn-lt"/>
+        <a:ea typeface="+mn-ea"/>
+        <a:cs typeface="+mn-cs"/>
+      </a:defRPr>
+    </a:lvl4pPr>
+    <a:lvl5pPr marL="1828800" algn="l" defTabSz="914400" rtl="0" eaLnBrk="1" latinLnBrk="0" hangingPunct="1">
+      <a:defRPr sz="1200" kern="1200">
+        <a:solidFill>
+          <a:schemeClr val="tx1"/>
+        </a:solidFill>
+        <a:latin typeface="+mn-lt"/>
+        <a:ea typeface="+mn-ea"/>
+        <a:cs typeface="+mn-cs"/>
+      </a:defRPr>
+    </a:lvl5pPr>
+    <a:lvl6pPr marL="2286000" algn="l" defTabSz="914400" rtl="0" eaLnBrk="1" latinLnBrk="0" hangingPunct="1">
+      <a:defRPr sz="1200" kern="1200">
+        <a:solidFill>
+          <a:schemeClr val="tx1"/>
+        </a:solidFill>
+        <a:latin typeface="+mn-lt"/>
+        <a:ea typeface="+mn-ea"/>
+        <a:cs typeface="+mn-cs"/>
+      </a:defRPr>
+    </a:lvl6pPr>
+    <a:lvl7pPr marL="2743200" algn="l" defTabSz="914400" rtl="0" eaLnBrk="1" latinLnBrk="0" hangingPunct="1">
+      <a:defRPr sz="1200" kern="1200">
+        <a:solidFill>
+          <a:schemeClr val="tx1"/>
+        </a:solidFill>
+        <a:latin typeface="+mn-lt"/>
+        <a:ea typeface="+mn-ea"/>
+        <a:cs typeface="+mn-cs"/>
+      </a:defRPr>
+    </a:lvl7pPr>
+    <a:lvl8pPr marL="3200400" algn="l" defTabSz="914400" rtl="0" eaLnBrk="1" latinLnBrk="0" hangingPunct="1">
+      <a:defRPr sz="1200" kern="1200">
+        <a:solidFill>
+          <a:schemeClr val="tx1"/>
+        </a:solidFill>
+        <a:latin typeface="+mn-lt"/>
+        <a:ea typeface="+mn-ea"/>
+        <a:cs typeface="+mn-cs"/>
+      </a:defRPr>
+    </a:lvl8pPr>
+    <a:lvl9pPr marL="3657600" algn="l" defTabSz="914400" rtl="0" eaLnBrk="1" latinLnBrk="0" hangingPunct="1">
+      <a:defRPr sz="1200" kern="1200">
+        <a:solidFill>
+          <a:schemeClr val="tx1"/>
+        </a:solidFill>
+        <a:latin typeface="+mn-lt"/>
+        <a:ea typeface="+mn-ea"/>
+        <a:cs typeface="+mn-cs"/>
+      </a:defRPr>
+    </a:lvl9pPr>
+  </p:notesStyle>
+</p:notesMaster>
+</file>
+
+<file path=ppt/notesSlides/notesSlide1.xml><?xml version="1.0" encoding="utf-8"?>
+<p:notes xmlns:a="http://schemas.openxmlformats.org/drawingml/2006/main" xmlns:r="http://schemas.openxmlformats.org/officeDocument/2006/relationships" xmlns:p="http://schemas.openxmlformats.org/presentationml/2006/main">
+  <p:cSld>
+    <p:spTree>
+      <p:nvGrpSpPr>
+        <p:cNvPr id="1" name=""/>
+        <p:cNvGrpSpPr/>
+        <p:nvPr/>
+      </p:nvGrpSpPr>
+      <p:grpSpPr>
+        <a:xfrm>
+          <a:off x="0" y="0"/>
+          <a:ext cx="0" cy="0"/>
+          <a:chOff x="0" y="0"/>
+          <a:chExt cx="0" cy="0"/>
+        </a:xfrm>
+      </p:grpSpPr>
+      <p:sp>
+        <p:nvSpPr>
+          <p:cNvPr id="2" name="Slide Image Placeholder 1"/>
+          <p:cNvSpPr>
+            <a:spLocks noGrp="1" noRot="1" noChangeAspect="1"/>
+          </p:cNvSpPr>
+          <p:nvPr>
+            <p:ph type="sldImg"/>
+          </p:nvPr>
+        </p:nvSpPr>
+        <p:spPr/>
+      </p:sp>
+      <p:sp>
+        <p:nvSpPr>
+          <p:cNvPr id="3" name="Notes Placeholder 2"/>
+          <p:cNvSpPr>
+            <a:spLocks noGrp="1"/>
+          </p:cNvSpPr>
+          <p:nvPr>
+            <p:ph type="body" idx="1"/>
+          </p:nvPr>
+        </p:nvSpPr>
+        <p:spPr/>
+        <p:txBody>
+          <a:bodyPr/>
+          <a:lstStyle/>
+          <a:p>
+            <a:r>
+              <a:rPr lang="de-CH" b="1" dirty="0"/>
+              <a:t>Model:</a:t>
+            </a:r>
+          </a:p>
+          <a:p>
+            <a:r>
+              <a:rPr lang="de-CH" dirty="0" err="1"/>
+              <a:t>According</a:t>
+            </a:r>
+            <a:r>
+              <a:rPr lang="de-CH" dirty="0"/>
+              <a:t> </a:t>
+            </a:r>
+            <a:r>
+              <a:rPr lang="de-CH" dirty="0" err="1"/>
+              <a:t>to</a:t>
+            </a:r>
+            <a:r>
+              <a:rPr lang="de-CH" dirty="0"/>
+              <a:t> </a:t>
+            </a:r>
+            <a:r>
+              <a:rPr lang="de-CH" dirty="0" err="1"/>
+              <a:t>Perplexity</a:t>
+            </a:r>
+            <a:r>
+              <a:rPr lang="de-CH" dirty="0"/>
+              <a:t>:</a:t>
+            </a:r>
+          </a:p>
+          <a:p>
+            <a:pPr marL="0" marR="0" lvl="0" indent="0" algn="l" defTabSz="914400" rtl="0" eaLnBrk="1" fontAlgn="auto" latinLnBrk="0" hangingPunct="1">
+              <a:lnSpc>
+                <a:spcPct val="100000"/>
+              </a:lnSpc>
+              <a:spcBef>
+                <a:spcPts val="0"/>
+              </a:spcBef>
+              <a:spcAft>
+                <a:spcPts val="0"/>
+              </a:spcAft>
+              <a:buClrTx/>
+              <a:buSzTx/>
+              <a:buFontTx/>
+              <a:buNone/>
+              <a:tabLst/>
+              <a:defRPr/>
+            </a:pPr>
+            <a:r>
+              <a:rPr lang="de-CH" sz="1800" dirty="0" err="1">
+                <a:effectLst/>
+                <a:latin typeface="__fkGroteskNeue_598ab8"/>
+              </a:rPr>
+              <a:t>While</a:t>
+            </a:r>
+            <a:r>
+              <a:rPr lang="de-CH" sz="1800" dirty="0">
+                <a:effectLst/>
+                <a:latin typeface="__fkGroteskNeue_598ab8"/>
+              </a:rPr>
+              <a:t> </a:t>
+            </a:r>
+            <a:r>
+              <a:rPr lang="de-CH" sz="1800" dirty="0" err="1">
+                <a:effectLst/>
+                <a:latin typeface="__fkGroteskNeue_598ab8"/>
+              </a:rPr>
+              <a:t>the</a:t>
+            </a:r>
+            <a:r>
+              <a:rPr lang="de-CH" sz="1800" dirty="0">
+                <a:effectLst/>
+                <a:latin typeface="__fkGroteskNeue_598ab8"/>
+              </a:rPr>
+              <a:t> </a:t>
+            </a:r>
+            <a:r>
+              <a:rPr lang="de-CH" sz="1800" dirty="0" err="1">
+                <a:effectLst/>
+                <a:latin typeface="__fkGroteskNeue_598ab8"/>
+              </a:rPr>
+              <a:t>other</a:t>
+            </a:r>
+            <a:r>
+              <a:rPr lang="de-CH" sz="1800" dirty="0">
+                <a:effectLst/>
+                <a:latin typeface="__fkGroteskNeue_598ab8"/>
+              </a:rPr>
+              <a:t> </a:t>
+            </a:r>
+            <a:r>
+              <a:rPr lang="de-CH" sz="1800" dirty="0" err="1">
+                <a:effectLst/>
+                <a:latin typeface="__fkGroteskNeue_598ab8"/>
+              </a:rPr>
+              <a:t>models</a:t>
+            </a:r>
+            <a:r>
+              <a:rPr lang="de-CH" sz="1800" dirty="0">
+                <a:effectLst/>
+                <a:latin typeface="__fkGroteskNeue_598ab8"/>
+              </a:rPr>
+              <a:t> (</a:t>
+            </a:r>
+            <a:r>
+              <a:rPr lang="de-CH" sz="1800" dirty="0" err="1">
+                <a:effectLst/>
+                <a:latin typeface="__fkGroteskNeue_598ab8"/>
+              </a:rPr>
+              <a:t>google-bert</a:t>
+            </a:r>
+            <a:r>
+              <a:rPr lang="de-CH" sz="1800" dirty="0">
+                <a:effectLst/>
+                <a:latin typeface="__fkGroteskNeue_598ab8"/>
+              </a:rPr>
+              <a:t>/</a:t>
+            </a:r>
+            <a:r>
+              <a:rPr lang="de-CH" sz="1800" dirty="0" err="1">
+                <a:effectLst/>
+                <a:latin typeface="__fkGroteskNeue_598ab8"/>
+              </a:rPr>
+              <a:t>bert</a:t>
+            </a:r>
+            <a:r>
+              <a:rPr lang="de-CH" sz="1800" dirty="0">
+                <a:effectLst/>
+                <a:latin typeface="__fkGroteskNeue_598ab8"/>
+              </a:rPr>
+              <a:t>-base-multilingual-</a:t>
+            </a:r>
+            <a:r>
+              <a:rPr lang="de-CH" sz="1800" dirty="0" err="1">
+                <a:effectLst/>
+                <a:latin typeface="__fkGroteskNeue_598ab8"/>
+              </a:rPr>
+              <a:t>cased</a:t>
+            </a:r>
+            <a:r>
+              <a:rPr lang="de-CH" sz="1800" dirty="0">
+                <a:effectLst/>
+                <a:latin typeface="__fkGroteskNeue_598ab8"/>
+              </a:rPr>
+              <a:t> and </a:t>
+            </a:r>
+            <a:r>
+              <a:rPr lang="de-CH" sz="1800" dirty="0" err="1">
+                <a:effectLst/>
+                <a:latin typeface="__fkGroteskNeue_598ab8"/>
+              </a:rPr>
+              <a:t>FacebookAI</a:t>
+            </a:r>
+            <a:r>
+              <a:rPr lang="de-CH" sz="1800" dirty="0">
+                <a:effectLst/>
+                <a:latin typeface="__fkGroteskNeue_598ab8"/>
+              </a:rPr>
+              <a:t>/</a:t>
+            </a:r>
+            <a:r>
+              <a:rPr lang="de-CH" sz="1800" dirty="0" err="1">
+                <a:effectLst/>
+                <a:latin typeface="__fkGroteskNeue_598ab8"/>
+              </a:rPr>
+              <a:t>xlm</a:t>
+            </a:r>
+            <a:r>
+              <a:rPr lang="de-CH" sz="1800" dirty="0">
+                <a:effectLst/>
+                <a:latin typeface="__fkGroteskNeue_598ab8"/>
+              </a:rPr>
+              <a:t>-</a:t>
+            </a:r>
+            <a:r>
+              <a:rPr lang="de-CH" sz="1800" dirty="0" err="1">
+                <a:effectLst/>
+                <a:latin typeface="__fkGroteskNeue_598ab8"/>
+              </a:rPr>
+              <a:t>roberta</a:t>
+            </a:r>
+            <a:r>
+              <a:rPr lang="de-CH" sz="1800" dirty="0">
+                <a:effectLst/>
+                <a:latin typeface="__fkGroteskNeue_598ab8"/>
+              </a:rPr>
+              <a:t>-base) </a:t>
+            </a:r>
+            <a:r>
+              <a:rPr lang="de-CH" sz="1800" dirty="0" err="1">
+                <a:effectLst/>
+                <a:latin typeface="__fkGroteskNeue_598ab8"/>
+              </a:rPr>
+              <a:t>are</a:t>
+            </a:r>
+            <a:r>
+              <a:rPr lang="de-CH" sz="1800" dirty="0">
+                <a:effectLst/>
+                <a:latin typeface="__fkGroteskNeue_598ab8"/>
+              </a:rPr>
+              <a:t> also multilingual, </a:t>
+            </a:r>
+            <a:r>
+              <a:rPr lang="de-CH" sz="1800" dirty="0" err="1">
+                <a:effectLst/>
+                <a:latin typeface="__fkGroteskNeue_598ab8"/>
+              </a:rPr>
+              <a:t>they</a:t>
+            </a:r>
+            <a:r>
+              <a:rPr lang="de-CH" sz="1800" dirty="0">
+                <a:effectLst/>
+                <a:latin typeface="__fkGroteskNeue_598ab8"/>
+              </a:rPr>
+              <a:t> </a:t>
+            </a:r>
+            <a:r>
+              <a:rPr lang="de-CH" sz="1800" dirty="0" err="1">
+                <a:effectLst/>
+                <a:latin typeface="__fkGroteskNeue_598ab8"/>
+              </a:rPr>
+              <a:t>are</a:t>
+            </a:r>
+            <a:r>
+              <a:rPr lang="de-CH" sz="1800" dirty="0">
+                <a:effectLst/>
+                <a:latin typeface="__fkGroteskNeue_598ab8"/>
+              </a:rPr>
+              <a:t> not </a:t>
+            </a:r>
+            <a:r>
+              <a:rPr lang="de-CH" sz="1800" dirty="0" err="1">
+                <a:effectLst/>
+                <a:latin typeface="__fkGroteskNeue_598ab8"/>
+              </a:rPr>
+              <a:t>specifically</a:t>
+            </a:r>
+            <a:r>
+              <a:rPr lang="de-CH" sz="1800" dirty="0">
+                <a:effectLst/>
+                <a:latin typeface="__fkGroteskNeue_598ab8"/>
+              </a:rPr>
+              <a:t> </a:t>
+            </a:r>
+            <a:r>
+              <a:rPr lang="de-CH" sz="1800" dirty="0" err="1">
+                <a:effectLst/>
+                <a:latin typeface="__fkGroteskNeue_598ab8"/>
+              </a:rPr>
+              <a:t>fine-tuned</a:t>
+            </a:r>
+            <a:r>
+              <a:rPr lang="de-CH" sz="1800" dirty="0">
+                <a:effectLst/>
+                <a:latin typeface="__fkGroteskNeue_598ab8"/>
+              </a:rPr>
+              <a:t> </a:t>
+            </a:r>
+            <a:r>
+              <a:rPr lang="de-CH" sz="1800" dirty="0" err="1">
+                <a:effectLst/>
+                <a:latin typeface="__fkGroteskNeue_598ab8"/>
+              </a:rPr>
+              <a:t>for</a:t>
+            </a:r>
+            <a:r>
+              <a:rPr lang="de-CH" sz="1800" dirty="0">
+                <a:effectLst/>
+                <a:latin typeface="__fkGroteskNeue_598ab8"/>
+              </a:rPr>
+              <a:t> NER </a:t>
+            </a:r>
+            <a:r>
+              <a:rPr lang="de-CH" sz="1800" dirty="0" err="1">
+                <a:effectLst/>
+                <a:latin typeface="__fkGroteskNeue_598ab8"/>
+              </a:rPr>
+              <a:t>tasks</a:t>
+            </a:r>
+            <a:r>
+              <a:rPr lang="de-CH" sz="1800" dirty="0">
+                <a:effectLst/>
+                <a:latin typeface="__fkGroteskNeue_598ab8"/>
+              </a:rPr>
+              <a:t>. The </a:t>
+            </a:r>
+            <a:r>
+              <a:rPr lang="de-CH" sz="1800" dirty="0" err="1">
+                <a:effectLst/>
+                <a:latin typeface="__fkGroteskNeue_598ab8"/>
+              </a:rPr>
+              <a:t>wikineural</a:t>
+            </a:r>
+            <a:r>
+              <a:rPr lang="de-CH" sz="1800" dirty="0">
+                <a:effectLst/>
+                <a:latin typeface="__fkGroteskNeue_598ab8"/>
+              </a:rPr>
+              <a:t>-multilingual-</a:t>
+            </a:r>
+            <a:r>
+              <a:rPr lang="de-CH" sz="1800" dirty="0" err="1">
+                <a:effectLst/>
+                <a:latin typeface="__fkGroteskNeue_598ab8"/>
+              </a:rPr>
+              <a:t>ner</a:t>
+            </a:r>
+            <a:r>
+              <a:rPr lang="de-CH" sz="1800" dirty="0">
+                <a:effectLst/>
+                <a:latin typeface="__fkGroteskNeue_598ab8"/>
+              </a:rPr>
+              <a:t> </a:t>
+            </a:r>
+            <a:r>
+              <a:rPr lang="de-CH" sz="1800" dirty="0" err="1">
+                <a:effectLst/>
+                <a:latin typeface="__fkGroteskNeue_598ab8"/>
+              </a:rPr>
+              <a:t>model's</a:t>
+            </a:r>
+            <a:r>
+              <a:rPr lang="de-CH" sz="1800" dirty="0">
+                <a:effectLst/>
+                <a:latin typeface="__fkGroteskNeue_598ab8"/>
+              </a:rPr>
+              <a:t> </a:t>
+            </a:r>
+            <a:r>
+              <a:rPr lang="de-CH" sz="1800" dirty="0" err="1">
+                <a:effectLst/>
+                <a:latin typeface="__fkGroteskNeue_598ab8"/>
+              </a:rPr>
+              <a:t>specialized</a:t>
+            </a:r>
+            <a:r>
+              <a:rPr lang="de-CH" sz="1800" dirty="0">
+                <a:effectLst/>
+                <a:latin typeface="__fkGroteskNeue_598ab8"/>
+              </a:rPr>
+              <a:t> </a:t>
+            </a:r>
+            <a:r>
+              <a:rPr lang="de-CH" sz="1800" dirty="0" err="1">
+                <a:effectLst/>
+                <a:latin typeface="__fkGroteskNeue_598ab8"/>
+              </a:rPr>
+              <a:t>training</a:t>
+            </a:r>
+            <a:r>
+              <a:rPr lang="de-CH" sz="1800" dirty="0">
+                <a:effectLst/>
+                <a:latin typeface="__fkGroteskNeue_598ab8"/>
+              </a:rPr>
+              <a:t> on NER </a:t>
+            </a:r>
+            <a:r>
+              <a:rPr lang="de-CH" sz="1800" dirty="0" err="1">
+                <a:effectLst/>
+                <a:latin typeface="__fkGroteskNeue_598ab8"/>
+              </a:rPr>
+              <a:t>tasks</a:t>
+            </a:r>
+            <a:r>
+              <a:rPr lang="de-CH" sz="1800" dirty="0">
+                <a:effectLst/>
+                <a:latin typeface="__fkGroteskNeue_598ab8"/>
+              </a:rPr>
+              <a:t> </a:t>
+            </a:r>
+            <a:r>
+              <a:rPr lang="de-CH" sz="1800" dirty="0" err="1">
+                <a:effectLst/>
+                <a:latin typeface="__fkGroteskNeue_598ab8"/>
+              </a:rPr>
+              <a:t>across</a:t>
+            </a:r>
+            <a:r>
+              <a:rPr lang="de-CH" sz="1800" dirty="0">
+                <a:effectLst/>
+                <a:latin typeface="__fkGroteskNeue_598ab8"/>
+              </a:rPr>
+              <a:t> multiple </a:t>
+            </a:r>
+            <a:r>
+              <a:rPr lang="de-CH" sz="1800" dirty="0" err="1">
+                <a:effectLst/>
+                <a:latin typeface="__fkGroteskNeue_598ab8"/>
+              </a:rPr>
+              <a:t>languages</a:t>
+            </a:r>
+            <a:r>
+              <a:rPr lang="de-CH" sz="1800" dirty="0">
+                <a:effectLst/>
+                <a:latin typeface="__fkGroteskNeue_598ab8"/>
+              </a:rPr>
+              <a:t> </a:t>
+            </a:r>
+            <a:r>
+              <a:rPr lang="de-CH" sz="1800" dirty="0" err="1">
+                <a:effectLst/>
+                <a:latin typeface="__fkGroteskNeue_598ab8"/>
+              </a:rPr>
+              <a:t>makes</a:t>
+            </a:r>
+            <a:r>
+              <a:rPr lang="de-CH" sz="1800" dirty="0">
+                <a:effectLst/>
+                <a:latin typeface="__fkGroteskNeue_598ab8"/>
+              </a:rPr>
+              <a:t> </a:t>
+            </a:r>
+            <a:r>
+              <a:rPr lang="de-CH" sz="1800" dirty="0" err="1">
+                <a:effectLst/>
+                <a:latin typeface="__fkGroteskNeue_598ab8"/>
+              </a:rPr>
+              <a:t>it</a:t>
+            </a:r>
+            <a:r>
+              <a:rPr lang="de-CH" sz="1800" dirty="0">
+                <a:effectLst/>
+                <a:latin typeface="__fkGroteskNeue_598ab8"/>
+              </a:rPr>
+              <a:t> </a:t>
+            </a:r>
+            <a:r>
+              <a:rPr lang="de-CH" sz="1800" dirty="0" err="1">
+                <a:effectLst/>
+                <a:latin typeface="__fkGroteskNeue_598ab8"/>
+              </a:rPr>
+              <a:t>the</a:t>
+            </a:r>
+            <a:r>
+              <a:rPr lang="de-CH" sz="1800" dirty="0">
+                <a:effectLst/>
+                <a:latin typeface="__fkGroteskNeue_598ab8"/>
+              </a:rPr>
+              <a:t> </a:t>
+            </a:r>
+            <a:r>
+              <a:rPr lang="de-CH" sz="1800" dirty="0" err="1">
+                <a:effectLst/>
+                <a:latin typeface="__fkGroteskNeue_598ab8"/>
+              </a:rPr>
+              <a:t>most</a:t>
+            </a:r>
+            <a:r>
+              <a:rPr lang="de-CH" sz="1800" dirty="0">
+                <a:effectLst/>
+                <a:latin typeface="__fkGroteskNeue_598ab8"/>
+              </a:rPr>
+              <a:t> </a:t>
+            </a:r>
+            <a:r>
+              <a:rPr lang="de-CH" sz="1800" dirty="0" err="1">
+                <a:effectLst/>
+                <a:latin typeface="__fkGroteskNeue_598ab8"/>
+              </a:rPr>
+              <a:t>suitable</a:t>
+            </a:r>
+            <a:r>
+              <a:rPr lang="de-CH" sz="1800" dirty="0">
+                <a:effectLst/>
+                <a:latin typeface="__fkGroteskNeue_598ab8"/>
+              </a:rPr>
+              <a:t> </a:t>
+            </a:r>
+            <a:r>
+              <a:rPr lang="de-CH" sz="1800" dirty="0" err="1">
+                <a:effectLst/>
+                <a:latin typeface="__fkGroteskNeue_598ab8"/>
+              </a:rPr>
+              <a:t>choice</a:t>
+            </a:r>
+            <a:r>
+              <a:rPr lang="de-CH" sz="1800" dirty="0">
+                <a:effectLst/>
+                <a:latin typeface="__fkGroteskNeue_598ab8"/>
+              </a:rPr>
+              <a:t> </a:t>
+            </a:r>
+            <a:r>
+              <a:rPr lang="de-CH" sz="1800" dirty="0" err="1">
+                <a:effectLst/>
+                <a:latin typeface="__fkGroteskNeue_598ab8"/>
+              </a:rPr>
+              <a:t>for</a:t>
+            </a:r>
+            <a:r>
+              <a:rPr lang="de-CH" sz="1800" dirty="0">
+                <a:effectLst/>
+                <a:latin typeface="__fkGroteskNeue_598ab8"/>
+              </a:rPr>
+              <a:t> </a:t>
+            </a:r>
+            <a:r>
+              <a:rPr lang="de-CH" sz="1800" dirty="0" err="1">
+                <a:effectLst/>
+                <a:latin typeface="__fkGroteskNeue_598ab8"/>
+              </a:rPr>
+              <a:t>your</a:t>
+            </a:r>
+            <a:r>
+              <a:rPr lang="de-CH" sz="1800" dirty="0">
+                <a:effectLst/>
+                <a:latin typeface="__fkGroteskNeue_598ab8"/>
+              </a:rPr>
+              <a:t> </a:t>
+            </a:r>
+            <a:r>
+              <a:rPr lang="de-CH" sz="1800" dirty="0" err="1">
+                <a:effectLst/>
+                <a:latin typeface="__fkGroteskNeue_598ab8"/>
+              </a:rPr>
+              <a:t>specific</a:t>
+            </a:r>
+            <a:r>
+              <a:rPr lang="de-CH" sz="1800" dirty="0">
+                <a:effectLst/>
+                <a:latin typeface="__fkGroteskNeue_598ab8"/>
+              </a:rPr>
+              <a:t> </a:t>
+            </a:r>
+            <a:r>
+              <a:rPr lang="de-CH" sz="1800" dirty="0" err="1">
+                <a:effectLst/>
+                <a:latin typeface="__fkGroteskNeue_598ab8"/>
+              </a:rPr>
+              <a:t>requirements</a:t>
+            </a:r>
+            <a:r>
+              <a:rPr lang="de-CH" sz="1800" dirty="0">
+                <a:effectLst/>
+                <a:latin typeface="__fkGroteskNeue_598ab8"/>
+              </a:rPr>
+              <a:t>.</a:t>
+            </a:r>
+          </a:p>
+          <a:p>
+            <a:r>
+              <a:rPr lang="en-US" dirty="0"/>
+              <a:t>Advantages with this model:</a:t>
+            </a:r>
+          </a:p>
+          <a:p>
+            <a:pPr marL="285750" indent="-285750" rtl="0" fontAlgn="ctr">
+              <a:spcBef>
+                <a:spcPts val="0"/>
+              </a:spcBef>
+              <a:spcAft>
+                <a:spcPts val="0"/>
+              </a:spcAft>
+              <a:buFont typeface="Arial" panose="020B0604020202020204" pitchFamily="34" charset="0"/>
+              <a:buChar char="•"/>
+            </a:pPr>
+            <a:r>
+              <a:rPr lang="de-CH" sz="1800" b="0" i="0" dirty="0">
+                <a:effectLst/>
+                <a:latin typeface="__fkGroteskNeue_598ab8"/>
+              </a:rPr>
+              <a:t>Language support: This </a:t>
+            </a:r>
+            <a:r>
+              <a:rPr lang="de-CH" sz="1800" b="0" i="0" dirty="0" err="1">
+                <a:effectLst/>
+                <a:latin typeface="__fkGroteskNeue_598ab8"/>
+              </a:rPr>
+              <a:t>model</a:t>
+            </a:r>
+            <a:r>
+              <a:rPr lang="de-CH" sz="1800" b="0" i="0" dirty="0">
+                <a:effectLst/>
+                <a:latin typeface="__fkGroteskNeue_598ab8"/>
+              </a:rPr>
+              <a:t> </a:t>
+            </a:r>
+            <a:r>
+              <a:rPr lang="de-CH" sz="1800" b="0" i="0" dirty="0" err="1">
+                <a:effectLst/>
+                <a:latin typeface="__fkGroteskNeue_598ab8"/>
+              </a:rPr>
+              <a:t>supports</a:t>
+            </a:r>
+            <a:r>
+              <a:rPr lang="de-CH" sz="1800" b="0" i="0" dirty="0">
+                <a:effectLst/>
+                <a:latin typeface="__fkGroteskNeue_598ab8"/>
+              </a:rPr>
+              <a:t> all </a:t>
+            </a:r>
+            <a:r>
+              <a:rPr lang="de-CH" sz="1800" b="0" i="0" dirty="0" err="1">
+                <a:effectLst/>
+                <a:latin typeface="__fkGroteskNeue_598ab8"/>
+              </a:rPr>
+              <a:t>four</a:t>
+            </a:r>
+            <a:r>
+              <a:rPr lang="de-CH" sz="1800" b="0" i="0" dirty="0">
+                <a:effectLst/>
+                <a:latin typeface="__fkGroteskNeue_598ab8"/>
+              </a:rPr>
+              <a:t> </a:t>
+            </a:r>
+            <a:r>
+              <a:rPr lang="de-CH" sz="1800" b="0" i="0" dirty="0" err="1">
+                <a:effectLst/>
+                <a:latin typeface="__fkGroteskNeue_598ab8"/>
+              </a:rPr>
+              <a:t>required</a:t>
+            </a:r>
+            <a:r>
+              <a:rPr lang="de-CH" sz="1800" b="0" i="0" dirty="0">
+                <a:effectLst/>
+                <a:latin typeface="__fkGroteskNeue_598ab8"/>
+              </a:rPr>
+              <a:t> </a:t>
+            </a:r>
+            <a:r>
+              <a:rPr lang="de-CH" sz="1800" b="0" i="0" dirty="0" err="1">
+                <a:effectLst/>
+                <a:latin typeface="__fkGroteskNeue_598ab8"/>
+              </a:rPr>
+              <a:t>languages</a:t>
+            </a:r>
+            <a:r>
+              <a:rPr lang="de-CH" sz="1800" b="0" i="0" dirty="0">
+                <a:effectLst/>
+                <a:latin typeface="__fkGroteskNeue_598ab8"/>
+              </a:rPr>
+              <a:t> (English, French, </a:t>
+            </a:r>
+            <a:r>
+              <a:rPr lang="de-CH" sz="1800" b="0" i="0" dirty="0" err="1">
+                <a:effectLst/>
+                <a:latin typeface="__fkGroteskNeue_598ab8"/>
+              </a:rPr>
+              <a:t>Italian</a:t>
+            </a:r>
+            <a:r>
+              <a:rPr lang="de-CH" sz="1800" b="0" i="0" dirty="0">
+                <a:effectLst/>
+                <a:latin typeface="__fkGroteskNeue_598ab8"/>
+              </a:rPr>
+              <a:t>, and German)</a:t>
+            </a:r>
+          </a:p>
+          <a:p>
+            <a:pPr marL="285750" indent="-285750" rtl="0" fontAlgn="ctr">
+              <a:spcBef>
+                <a:spcPts val="0"/>
+              </a:spcBef>
+              <a:spcAft>
+                <a:spcPts val="0"/>
+              </a:spcAft>
+              <a:buFont typeface="Arial" panose="020B0604020202020204" pitchFamily="34" charset="0"/>
+              <a:buChar char="•"/>
+            </a:pPr>
+            <a:r>
+              <a:rPr lang="de-CH" sz="1800" b="0" i="0" dirty="0">
+                <a:effectLst/>
+                <a:latin typeface="__fkGroteskNeue_598ab8"/>
+              </a:rPr>
+              <a:t>Multilingual NER </a:t>
+            </a:r>
+            <a:r>
+              <a:rPr lang="de-CH" sz="1800" b="0" i="0" dirty="0" err="1">
+                <a:effectLst/>
+                <a:latin typeface="__fkGroteskNeue_598ab8"/>
+              </a:rPr>
+              <a:t>capability</a:t>
+            </a:r>
+            <a:r>
+              <a:rPr lang="de-CH" sz="1800" b="0" i="0" dirty="0">
+                <a:effectLst/>
+                <a:latin typeface="__fkGroteskNeue_598ab8"/>
+              </a:rPr>
+              <a:t>: </a:t>
+            </a:r>
+            <a:r>
+              <a:rPr lang="de-CH" sz="1800" b="0" i="0" dirty="0" err="1">
+                <a:effectLst/>
+                <a:latin typeface="__fkGroteskNeue_598ab8"/>
+              </a:rPr>
+              <a:t>It</a:t>
+            </a:r>
+            <a:r>
+              <a:rPr lang="de-CH" sz="1800" b="0" i="0" dirty="0">
+                <a:effectLst/>
+                <a:latin typeface="__fkGroteskNeue_598ab8"/>
+              </a:rPr>
+              <a:t> </a:t>
+            </a:r>
+            <a:r>
+              <a:rPr lang="de-CH" sz="1800" b="0" i="0" dirty="0" err="1">
+                <a:effectLst/>
+                <a:latin typeface="__fkGroteskNeue_598ab8"/>
+              </a:rPr>
+              <a:t>is</a:t>
+            </a:r>
+            <a:r>
+              <a:rPr lang="de-CH" sz="1800" b="0" i="0" dirty="0">
+                <a:effectLst/>
+                <a:latin typeface="__fkGroteskNeue_598ab8"/>
+              </a:rPr>
+              <a:t> </a:t>
+            </a:r>
+            <a:r>
+              <a:rPr lang="de-CH" sz="1800" b="0" i="0" dirty="0" err="1">
+                <a:effectLst/>
+                <a:latin typeface="__fkGroteskNeue_598ab8"/>
+              </a:rPr>
+              <a:t>specifically</a:t>
+            </a:r>
+            <a:r>
+              <a:rPr lang="de-CH" sz="1800" b="0" i="0" dirty="0">
+                <a:effectLst/>
+                <a:latin typeface="__fkGroteskNeue_598ab8"/>
+              </a:rPr>
+              <a:t> </a:t>
+            </a:r>
+            <a:r>
+              <a:rPr lang="de-CH" sz="1800" b="0" i="0" dirty="0" err="1">
+                <a:effectLst/>
+                <a:latin typeface="__fkGroteskNeue_598ab8"/>
+              </a:rPr>
+              <a:t>designed</a:t>
+            </a:r>
+            <a:r>
+              <a:rPr lang="de-CH" sz="1800" b="0" i="0" dirty="0">
+                <a:effectLst/>
+                <a:latin typeface="__fkGroteskNeue_598ab8"/>
+              </a:rPr>
+              <a:t> </a:t>
+            </a:r>
+            <a:r>
+              <a:rPr lang="de-CH" sz="1800" b="0" i="0" dirty="0" err="1">
+                <a:effectLst/>
+                <a:latin typeface="__fkGroteskNeue_598ab8"/>
+              </a:rPr>
+              <a:t>for</a:t>
+            </a:r>
+            <a:r>
+              <a:rPr lang="de-CH" sz="1800" b="0" i="0" dirty="0">
+                <a:effectLst/>
+                <a:latin typeface="__fkGroteskNeue_598ab8"/>
+              </a:rPr>
+              <a:t> </a:t>
+            </a:r>
+            <a:r>
+              <a:rPr lang="de-CH" sz="1800" b="0" i="0" dirty="0" err="1">
+                <a:effectLst/>
+                <a:latin typeface="__fkGroteskNeue_598ab8"/>
+              </a:rPr>
+              <a:t>Named</a:t>
+            </a:r>
+            <a:r>
+              <a:rPr lang="de-CH" sz="1800" b="0" i="0" dirty="0">
+                <a:effectLst/>
+                <a:latin typeface="__fkGroteskNeue_598ab8"/>
+              </a:rPr>
+              <a:t> Entity Recognition (NER) </a:t>
+            </a:r>
+            <a:r>
+              <a:rPr lang="de-CH" sz="1800" b="0" i="0" dirty="0" err="1">
+                <a:effectLst/>
+                <a:latin typeface="__fkGroteskNeue_598ab8"/>
+              </a:rPr>
+              <a:t>tasks</a:t>
+            </a:r>
+            <a:r>
+              <a:rPr lang="de-CH" sz="1800" b="0" i="0" dirty="0">
+                <a:effectLst/>
+                <a:latin typeface="__fkGroteskNeue_598ab8"/>
+              </a:rPr>
+              <a:t> </a:t>
+            </a:r>
+            <a:r>
+              <a:rPr lang="de-CH" sz="1800" b="0" i="0" dirty="0" err="1">
+                <a:effectLst/>
+                <a:latin typeface="__fkGroteskNeue_598ab8"/>
+              </a:rPr>
+              <a:t>across</a:t>
+            </a:r>
+            <a:r>
+              <a:rPr lang="de-CH" sz="1800" b="0" i="0" dirty="0">
+                <a:effectLst/>
+                <a:latin typeface="__fkGroteskNeue_598ab8"/>
+              </a:rPr>
+              <a:t> multiple </a:t>
+            </a:r>
+            <a:r>
+              <a:rPr lang="de-CH" sz="1800" b="0" i="0" dirty="0" err="1">
+                <a:effectLst/>
+                <a:latin typeface="__fkGroteskNeue_598ab8"/>
+              </a:rPr>
+              <a:t>languages</a:t>
+            </a:r>
+            <a:endParaRPr lang="de-CH" sz="1800" b="0" i="0" dirty="0">
+              <a:effectLst/>
+              <a:latin typeface="__fkGroteskNeue_598ab8"/>
+            </a:endParaRPr>
+          </a:p>
+          <a:p>
+            <a:pPr marL="285750" indent="-285750" rtl="0" fontAlgn="ctr">
+              <a:spcBef>
+                <a:spcPts val="0"/>
+              </a:spcBef>
+              <a:spcAft>
+                <a:spcPts val="0"/>
+              </a:spcAft>
+              <a:buFont typeface="Arial" panose="020B0604020202020204" pitchFamily="34" charset="0"/>
+              <a:buChar char="•"/>
+            </a:pPr>
+            <a:r>
+              <a:rPr lang="de-CH" sz="1800" b="0" i="0" dirty="0">
+                <a:effectLst/>
+                <a:latin typeface="__fkGroteskNeue_598ab8"/>
+              </a:rPr>
+              <a:t>Transfer </a:t>
+            </a:r>
+            <a:r>
+              <a:rPr lang="de-CH" sz="1800" b="0" i="0" dirty="0" err="1">
+                <a:effectLst/>
+                <a:latin typeface="__fkGroteskNeue_598ab8"/>
+              </a:rPr>
+              <a:t>learning</a:t>
+            </a:r>
+            <a:r>
+              <a:rPr lang="de-CH" sz="1800" b="0" i="0" dirty="0">
+                <a:effectLst/>
+                <a:latin typeface="__fkGroteskNeue_598ab8"/>
+              </a:rPr>
+              <a:t> potential: The </a:t>
+            </a:r>
+            <a:r>
+              <a:rPr lang="de-CH" sz="1800" b="0" i="0" dirty="0" err="1">
+                <a:effectLst/>
+                <a:latin typeface="__fkGroteskNeue_598ab8"/>
+              </a:rPr>
+              <a:t>model</a:t>
+            </a:r>
+            <a:r>
+              <a:rPr lang="de-CH" sz="1800" b="0" i="0" dirty="0">
+                <a:effectLst/>
+                <a:latin typeface="__fkGroteskNeue_598ab8"/>
+              </a:rPr>
+              <a:t> </a:t>
+            </a:r>
+            <a:r>
+              <a:rPr lang="de-CH" sz="1800" b="0" i="0" dirty="0" err="1">
+                <a:effectLst/>
+                <a:latin typeface="__fkGroteskNeue_598ab8"/>
+              </a:rPr>
+              <a:t>is</a:t>
+            </a:r>
+            <a:r>
+              <a:rPr lang="de-CH" sz="1800" b="0" i="0" dirty="0">
+                <a:effectLst/>
+                <a:latin typeface="__fkGroteskNeue_598ab8"/>
+              </a:rPr>
+              <a:t> </a:t>
+            </a:r>
+            <a:r>
+              <a:rPr lang="de-CH" sz="1800" b="0" i="0" dirty="0" err="1">
+                <a:effectLst/>
+                <a:latin typeface="__fkGroteskNeue_598ab8"/>
+              </a:rPr>
+              <a:t>trained</a:t>
+            </a:r>
+            <a:r>
+              <a:rPr lang="de-CH" sz="1800" b="0" i="0" dirty="0">
+                <a:effectLst/>
+                <a:latin typeface="__fkGroteskNeue_598ab8"/>
+              </a:rPr>
+              <a:t> on a large </a:t>
+            </a:r>
+            <a:r>
+              <a:rPr lang="de-CH" sz="1800" b="0" i="0" dirty="0" err="1">
+                <a:effectLst/>
+                <a:latin typeface="__fkGroteskNeue_598ab8"/>
+              </a:rPr>
+              <a:t>dataset</a:t>
+            </a:r>
+            <a:r>
+              <a:rPr lang="de-CH" sz="1800" b="0" i="0" dirty="0">
+                <a:effectLst/>
+                <a:latin typeface="__fkGroteskNeue_598ab8"/>
+              </a:rPr>
+              <a:t> </a:t>
+            </a:r>
+            <a:r>
+              <a:rPr lang="de-CH" sz="1800" b="0" i="0" dirty="0" err="1">
+                <a:effectLst/>
+                <a:latin typeface="__fkGroteskNeue_598ab8"/>
+              </a:rPr>
+              <a:t>derived</a:t>
+            </a:r>
+            <a:r>
+              <a:rPr lang="de-CH" sz="1800" b="0" i="0" dirty="0">
+                <a:effectLst/>
+                <a:latin typeface="__fkGroteskNeue_598ab8"/>
+              </a:rPr>
+              <a:t> </a:t>
+            </a:r>
+            <a:r>
+              <a:rPr lang="de-CH" sz="1800" b="0" i="0" dirty="0" err="1">
+                <a:effectLst/>
+                <a:latin typeface="__fkGroteskNeue_598ab8"/>
+              </a:rPr>
+              <a:t>from</a:t>
+            </a:r>
+            <a:r>
+              <a:rPr lang="de-CH" sz="1800" b="0" i="0" dirty="0">
+                <a:effectLst/>
+                <a:latin typeface="__fkGroteskNeue_598ab8"/>
+              </a:rPr>
+              <a:t> Wikipedia, </a:t>
+            </a:r>
+            <a:r>
+              <a:rPr lang="de-CH" sz="1800" b="0" i="0" dirty="0" err="1">
+                <a:effectLst/>
+                <a:latin typeface="__fkGroteskNeue_598ab8"/>
+              </a:rPr>
+              <a:t>combining</a:t>
+            </a:r>
+            <a:r>
+              <a:rPr lang="de-CH" sz="1800" b="0" i="0" dirty="0">
+                <a:effectLst/>
+                <a:latin typeface="__fkGroteskNeue_598ab8"/>
+              </a:rPr>
+              <a:t> </a:t>
+            </a:r>
+            <a:r>
+              <a:rPr lang="de-CH" sz="1800" b="0" i="0" dirty="0" err="1">
+                <a:effectLst/>
+                <a:latin typeface="__fkGroteskNeue_598ab8"/>
+              </a:rPr>
+              <a:t>neural</a:t>
+            </a:r>
+            <a:r>
+              <a:rPr lang="de-CH" sz="1800" b="0" i="0" dirty="0">
+                <a:effectLst/>
+                <a:latin typeface="__fkGroteskNeue_598ab8"/>
+              </a:rPr>
+              <a:t> and </a:t>
+            </a:r>
+            <a:r>
+              <a:rPr lang="de-CH" sz="1800" b="0" i="0" dirty="0" err="1">
+                <a:effectLst/>
+                <a:latin typeface="__fkGroteskNeue_598ab8"/>
+              </a:rPr>
+              <a:t>knowledge-based</a:t>
+            </a:r>
+            <a:r>
+              <a:rPr lang="de-CH" sz="1800" b="0" i="0" dirty="0">
+                <a:effectLst/>
+                <a:latin typeface="__fkGroteskNeue_598ab8"/>
+              </a:rPr>
+              <a:t> </a:t>
+            </a:r>
+            <a:r>
+              <a:rPr lang="de-CH" sz="1800" b="0" i="0" dirty="0" err="1">
+                <a:effectLst/>
+                <a:latin typeface="__fkGroteskNeue_598ab8"/>
+              </a:rPr>
+              <a:t>approaches</a:t>
+            </a:r>
+            <a:r>
+              <a:rPr lang="de-CH" sz="1800" b="0" i="0" dirty="0">
+                <a:effectLst/>
+                <a:latin typeface="__fkGroteskNeue_598ab8"/>
+              </a:rPr>
+              <a:t>. This </a:t>
+            </a:r>
+            <a:r>
+              <a:rPr lang="de-CH" sz="1800" b="0" i="0" dirty="0" err="1">
+                <a:effectLst/>
+                <a:latin typeface="__fkGroteskNeue_598ab8"/>
+              </a:rPr>
+              <a:t>makes</a:t>
+            </a:r>
+            <a:r>
+              <a:rPr lang="de-CH" sz="1800" b="0" i="0" dirty="0">
+                <a:effectLst/>
+                <a:latin typeface="__fkGroteskNeue_598ab8"/>
+              </a:rPr>
+              <a:t> </a:t>
+            </a:r>
+            <a:r>
+              <a:rPr lang="de-CH" sz="1800" b="0" i="0" dirty="0" err="1">
+                <a:effectLst/>
+                <a:latin typeface="__fkGroteskNeue_598ab8"/>
+              </a:rPr>
+              <a:t>it</a:t>
+            </a:r>
+            <a:r>
+              <a:rPr lang="de-CH" sz="1800" b="0" i="0" dirty="0">
+                <a:effectLst/>
+                <a:latin typeface="__fkGroteskNeue_598ab8"/>
+              </a:rPr>
+              <a:t> </a:t>
+            </a:r>
+            <a:r>
+              <a:rPr lang="de-CH" sz="1800" b="0" i="0" dirty="0" err="1">
+                <a:effectLst/>
+                <a:latin typeface="__fkGroteskNeue_598ab8"/>
+              </a:rPr>
+              <a:t>suitable</a:t>
+            </a:r>
+            <a:r>
+              <a:rPr lang="de-CH" sz="1800" b="0" i="0" dirty="0">
+                <a:effectLst/>
+                <a:latin typeface="__fkGroteskNeue_598ab8"/>
+              </a:rPr>
+              <a:t> </a:t>
+            </a:r>
+            <a:r>
+              <a:rPr lang="de-CH" sz="1800" b="0" i="0" dirty="0" err="1">
+                <a:effectLst/>
+                <a:latin typeface="__fkGroteskNeue_598ab8"/>
+              </a:rPr>
+              <a:t>for</a:t>
+            </a:r>
+            <a:r>
+              <a:rPr lang="de-CH" sz="1800" b="0" i="0" dirty="0">
+                <a:effectLst/>
+                <a:latin typeface="__fkGroteskNeue_598ab8"/>
+              </a:rPr>
+              <a:t> </a:t>
+            </a:r>
+            <a:r>
+              <a:rPr lang="de-CH" sz="1800" b="0" i="0" dirty="0" err="1">
+                <a:effectLst/>
+                <a:latin typeface="__fkGroteskNeue_598ab8"/>
+              </a:rPr>
+              <a:t>transfer</a:t>
+            </a:r>
+            <a:r>
+              <a:rPr lang="de-CH" sz="1800" b="0" i="0" dirty="0">
+                <a:effectLst/>
+                <a:latin typeface="__fkGroteskNeue_598ab8"/>
+              </a:rPr>
+              <a:t> </a:t>
+            </a:r>
+            <a:r>
+              <a:rPr lang="de-CH" sz="1800" b="0" i="0" dirty="0" err="1">
+                <a:effectLst/>
+                <a:latin typeface="__fkGroteskNeue_598ab8"/>
+              </a:rPr>
+              <a:t>learning</a:t>
+            </a:r>
+            <a:r>
+              <a:rPr lang="de-CH" sz="1800" b="0" i="0" dirty="0">
+                <a:effectLst/>
+                <a:latin typeface="__fkGroteskNeue_598ab8"/>
+              </a:rPr>
+              <a:t> </a:t>
+            </a:r>
+            <a:r>
+              <a:rPr lang="de-CH" sz="1800" b="0" i="0" dirty="0" err="1">
+                <a:effectLst/>
+                <a:latin typeface="__fkGroteskNeue_598ab8"/>
+              </a:rPr>
+              <a:t>from</a:t>
+            </a:r>
+            <a:r>
+              <a:rPr lang="de-CH" sz="1800" b="0" i="0" dirty="0">
+                <a:effectLst/>
+                <a:latin typeface="__fkGroteskNeue_598ab8"/>
+              </a:rPr>
+              <a:t> English </a:t>
+            </a:r>
+            <a:r>
+              <a:rPr lang="de-CH" sz="1800" b="0" i="0" dirty="0" err="1">
+                <a:effectLst/>
+                <a:latin typeface="__fkGroteskNeue_598ab8"/>
+              </a:rPr>
+              <a:t>to</a:t>
+            </a:r>
+            <a:r>
+              <a:rPr lang="de-CH" sz="1800" b="0" i="0" dirty="0">
+                <a:effectLst/>
+                <a:latin typeface="__fkGroteskNeue_598ab8"/>
+              </a:rPr>
+              <a:t> </a:t>
+            </a:r>
+            <a:r>
+              <a:rPr lang="de-CH" sz="1800" b="0" i="0" dirty="0" err="1">
+                <a:effectLst/>
+                <a:latin typeface="__fkGroteskNeue_598ab8"/>
+              </a:rPr>
+              <a:t>other</a:t>
+            </a:r>
+            <a:r>
+              <a:rPr lang="de-CH" sz="1800" b="0" i="0" dirty="0">
+                <a:effectLst/>
+                <a:latin typeface="__fkGroteskNeue_598ab8"/>
+              </a:rPr>
+              <a:t> </a:t>
+            </a:r>
+            <a:r>
+              <a:rPr lang="de-CH" sz="1800" b="0" i="0" dirty="0" err="1">
+                <a:effectLst/>
+                <a:latin typeface="__fkGroteskNeue_598ab8"/>
+              </a:rPr>
+              <a:t>languages</a:t>
+            </a:r>
+            <a:endParaRPr lang="de-CH" sz="1800" b="0" i="0" dirty="0">
+              <a:effectLst/>
+              <a:latin typeface="__fkGroteskNeue_598ab8"/>
+            </a:endParaRPr>
+          </a:p>
+          <a:p>
+            <a:pPr marL="285750" indent="-285750" rtl="0" fontAlgn="ctr">
+              <a:spcBef>
+                <a:spcPts val="0"/>
+              </a:spcBef>
+              <a:spcAft>
+                <a:spcPts val="0"/>
+              </a:spcAft>
+              <a:buFont typeface="Arial" panose="020B0604020202020204" pitchFamily="34" charset="0"/>
+              <a:buChar char="•"/>
+            </a:pPr>
+            <a:r>
+              <a:rPr lang="de-CH" sz="1800" b="0" i="0" dirty="0">
+                <a:effectLst/>
+                <a:latin typeface="__fkGroteskNeue_598ab8"/>
+              </a:rPr>
+              <a:t>Performance: </a:t>
+            </a:r>
+            <a:r>
+              <a:rPr lang="de-CH" sz="1800" b="0" i="0" dirty="0" err="1">
+                <a:effectLst/>
+                <a:latin typeface="__fkGroteskNeue_598ab8"/>
+              </a:rPr>
+              <a:t>It</a:t>
+            </a:r>
+            <a:r>
+              <a:rPr lang="de-CH" sz="1800" b="0" i="0" dirty="0">
+                <a:effectLst/>
+                <a:latin typeface="__fkGroteskNeue_598ab8"/>
+              </a:rPr>
+              <a:t> </a:t>
+            </a:r>
+            <a:r>
+              <a:rPr lang="de-CH" sz="1800" b="0" i="0" dirty="0" err="1">
+                <a:effectLst/>
+                <a:latin typeface="__fkGroteskNeue_598ab8"/>
+              </a:rPr>
+              <a:t>achieves</a:t>
+            </a:r>
+            <a:r>
+              <a:rPr lang="de-CH" sz="1800" b="0" i="0" dirty="0">
+                <a:effectLst/>
+                <a:latin typeface="__fkGroteskNeue_598ab8"/>
+              </a:rPr>
+              <a:t> </a:t>
+            </a:r>
+            <a:r>
+              <a:rPr lang="de-CH" sz="1800" b="0" i="0" dirty="0" err="1">
+                <a:effectLst/>
+                <a:latin typeface="__fkGroteskNeue_598ab8"/>
+              </a:rPr>
+              <a:t>state</a:t>
+            </a:r>
+            <a:r>
+              <a:rPr lang="de-CH" sz="1800" b="0" i="0" dirty="0">
+                <a:effectLst/>
+                <a:latin typeface="__fkGroteskNeue_598ab8"/>
+              </a:rPr>
+              <a:t>-</a:t>
+            </a:r>
+            <a:r>
+              <a:rPr lang="de-CH" sz="1800" b="0" i="0" dirty="0" err="1">
+                <a:effectLst/>
+                <a:latin typeface="__fkGroteskNeue_598ab8"/>
+              </a:rPr>
+              <a:t>of</a:t>
+            </a:r>
+            <a:r>
+              <a:rPr lang="de-CH" sz="1800" b="0" i="0" dirty="0">
+                <a:effectLst/>
+                <a:latin typeface="__fkGroteskNeue_598ab8"/>
+              </a:rPr>
+              <a:t>-</a:t>
+            </a:r>
+            <a:r>
+              <a:rPr lang="de-CH" sz="1800" b="0" i="0" dirty="0" err="1">
+                <a:effectLst/>
+                <a:latin typeface="__fkGroteskNeue_598ab8"/>
+              </a:rPr>
+              <a:t>the</a:t>
+            </a:r>
+            <a:r>
+              <a:rPr lang="de-CH" sz="1800" b="0" i="0" dirty="0">
+                <a:effectLst/>
+                <a:latin typeface="__fkGroteskNeue_598ab8"/>
+              </a:rPr>
+              <a:t>-art </a:t>
+            </a:r>
+            <a:r>
+              <a:rPr lang="de-CH" sz="1800" b="0" i="0" dirty="0" err="1">
+                <a:effectLst/>
+                <a:latin typeface="__fkGroteskNeue_598ab8"/>
+              </a:rPr>
+              <a:t>results</a:t>
+            </a:r>
+            <a:r>
+              <a:rPr lang="de-CH" sz="1800" b="0" i="0" dirty="0">
+                <a:effectLst/>
+                <a:latin typeface="__fkGroteskNeue_598ab8"/>
+              </a:rPr>
+              <a:t> in multilingual NER </a:t>
+            </a:r>
+            <a:r>
+              <a:rPr lang="de-CH" sz="1800" b="0" i="0" dirty="0" err="1">
+                <a:effectLst/>
+                <a:latin typeface="__fkGroteskNeue_598ab8"/>
+              </a:rPr>
+              <a:t>tasks</a:t>
+            </a:r>
+            <a:endParaRPr lang="de-CH" sz="1800" b="0" i="0" dirty="0">
+              <a:effectLst/>
+              <a:latin typeface="__fkGroteskNeue_598ab8"/>
+            </a:endParaRPr>
+          </a:p>
+          <a:p>
+            <a:pPr marL="285750" indent="-285750" rtl="0" fontAlgn="ctr">
+              <a:spcBef>
+                <a:spcPts val="0"/>
+              </a:spcBef>
+              <a:spcAft>
+                <a:spcPts val="0"/>
+              </a:spcAft>
+              <a:buFont typeface="Arial" panose="020B0604020202020204" pitchFamily="34" charset="0"/>
+              <a:buChar char="•"/>
+            </a:pPr>
+            <a:r>
+              <a:rPr lang="de-CH" sz="1800" b="0" i="0" dirty="0">
+                <a:effectLst/>
+                <a:latin typeface="__fkGroteskNeue_598ab8"/>
+              </a:rPr>
+              <a:t>Fine-tuning </a:t>
+            </a:r>
+            <a:r>
+              <a:rPr lang="de-CH" sz="1800" b="0" i="0" dirty="0" err="1">
+                <a:effectLst/>
+                <a:latin typeface="__fkGroteskNeue_598ab8"/>
+              </a:rPr>
+              <a:t>flexibility</a:t>
+            </a:r>
+            <a:r>
+              <a:rPr lang="de-CH" sz="1800" b="0" i="0" dirty="0">
+                <a:effectLst/>
+                <a:latin typeface="__fkGroteskNeue_598ab8"/>
+              </a:rPr>
+              <a:t>: </a:t>
+            </a:r>
+            <a:r>
+              <a:rPr lang="de-CH" sz="1800" b="0" i="0" dirty="0" err="1">
+                <a:effectLst/>
+                <a:latin typeface="__fkGroteskNeue_598ab8"/>
+              </a:rPr>
+              <a:t>We</a:t>
+            </a:r>
+            <a:r>
+              <a:rPr lang="de-CH" sz="1800" b="0" i="0" dirty="0">
+                <a:effectLst/>
+                <a:latin typeface="__fkGroteskNeue_598ab8"/>
+              </a:rPr>
+              <a:t> </a:t>
+            </a:r>
+            <a:r>
+              <a:rPr lang="de-CH" sz="1800" b="0" i="0" dirty="0" err="1">
+                <a:effectLst/>
+                <a:latin typeface="__fkGroteskNeue_598ab8"/>
+              </a:rPr>
+              <a:t>can</a:t>
+            </a:r>
+            <a:r>
+              <a:rPr lang="de-CH" sz="1800" b="0" i="0" dirty="0">
+                <a:effectLst/>
+                <a:latin typeface="__fkGroteskNeue_598ab8"/>
+              </a:rPr>
+              <a:t> </a:t>
+            </a:r>
+            <a:r>
+              <a:rPr lang="de-CH" sz="1800" b="0" i="0" dirty="0" err="1">
+                <a:effectLst/>
+                <a:latin typeface="__fkGroteskNeue_598ab8"/>
+              </a:rPr>
+              <a:t>fine</a:t>
+            </a:r>
+            <a:r>
+              <a:rPr lang="de-CH" sz="1800" b="0" i="0" dirty="0">
+                <a:effectLst/>
+                <a:latin typeface="__fkGroteskNeue_598ab8"/>
+              </a:rPr>
+              <a:t>-tune </a:t>
+            </a:r>
+            <a:r>
+              <a:rPr lang="de-CH" sz="1800" b="0" i="0" dirty="0" err="1">
+                <a:effectLst/>
+                <a:latin typeface="__fkGroteskNeue_598ab8"/>
+              </a:rPr>
+              <a:t>this</a:t>
+            </a:r>
+            <a:r>
+              <a:rPr lang="de-CH" sz="1800" b="0" i="0" dirty="0">
+                <a:effectLst/>
+                <a:latin typeface="__fkGroteskNeue_598ab8"/>
+              </a:rPr>
+              <a:t> </a:t>
+            </a:r>
+            <a:r>
+              <a:rPr lang="de-CH" sz="1800" b="0" i="0" dirty="0" err="1">
+                <a:effectLst/>
+                <a:latin typeface="__fkGroteskNeue_598ab8"/>
+              </a:rPr>
+              <a:t>model</a:t>
+            </a:r>
+            <a:r>
+              <a:rPr lang="de-CH" sz="1800" b="0" i="0" dirty="0">
+                <a:effectLst/>
+                <a:latin typeface="__fkGroteskNeue_598ab8"/>
+              </a:rPr>
+              <a:t> on English </a:t>
+            </a:r>
+            <a:r>
+              <a:rPr lang="de-CH" sz="1800" b="0" i="0" dirty="0" err="1">
+                <a:effectLst/>
+                <a:latin typeface="__fkGroteskNeue_598ab8"/>
+              </a:rPr>
+              <a:t>data</a:t>
+            </a:r>
+            <a:r>
+              <a:rPr lang="de-CH" sz="1800" b="0" i="0" dirty="0">
+                <a:effectLst/>
+                <a:latin typeface="__fkGroteskNeue_598ab8"/>
+              </a:rPr>
+              <a:t> and </a:t>
+            </a:r>
+            <a:r>
+              <a:rPr lang="de-CH" sz="1800" b="0" i="0" dirty="0" err="1">
+                <a:effectLst/>
+                <a:latin typeface="__fkGroteskNeue_598ab8"/>
+              </a:rPr>
+              <a:t>then</a:t>
+            </a:r>
+            <a:r>
+              <a:rPr lang="de-CH" sz="1800" b="0" i="0" dirty="0">
+                <a:effectLst/>
+                <a:latin typeface="__fkGroteskNeue_598ab8"/>
+              </a:rPr>
+              <a:t> </a:t>
+            </a:r>
+            <a:r>
+              <a:rPr lang="de-CH" sz="1800" b="0" i="0" dirty="0" err="1">
+                <a:effectLst/>
+                <a:latin typeface="__fkGroteskNeue_598ab8"/>
+              </a:rPr>
+              <a:t>apply</a:t>
+            </a:r>
+            <a:r>
+              <a:rPr lang="de-CH" sz="1800" b="0" i="0" dirty="0">
+                <a:effectLst/>
+                <a:latin typeface="__fkGroteskNeue_598ab8"/>
+              </a:rPr>
+              <a:t> </a:t>
+            </a:r>
+            <a:r>
+              <a:rPr lang="de-CH" sz="1800" b="0" i="0" dirty="0" err="1">
+                <a:effectLst/>
+                <a:latin typeface="__fkGroteskNeue_598ab8"/>
+              </a:rPr>
+              <a:t>it</a:t>
+            </a:r>
+            <a:r>
+              <a:rPr lang="de-CH" sz="1800" b="0" i="0" dirty="0">
+                <a:effectLst/>
+                <a:latin typeface="__fkGroteskNeue_598ab8"/>
+              </a:rPr>
+              <a:t> </a:t>
+            </a:r>
+            <a:r>
+              <a:rPr lang="de-CH" sz="1800" b="0" i="0" dirty="0" err="1">
+                <a:effectLst/>
+                <a:latin typeface="__fkGroteskNeue_598ab8"/>
+              </a:rPr>
+              <a:t>to</a:t>
+            </a:r>
+            <a:r>
+              <a:rPr lang="de-CH" sz="1800" b="0" i="0" dirty="0">
+                <a:effectLst/>
+                <a:latin typeface="__fkGroteskNeue_598ab8"/>
+              </a:rPr>
+              <a:t> </a:t>
+            </a:r>
+            <a:r>
+              <a:rPr lang="de-CH" sz="1800" b="0" i="0" dirty="0" err="1">
+                <a:effectLst/>
+                <a:latin typeface="__fkGroteskNeue_598ab8"/>
+              </a:rPr>
+              <a:t>the</a:t>
+            </a:r>
+            <a:r>
+              <a:rPr lang="de-CH" sz="1800" b="0" i="0" dirty="0">
+                <a:effectLst/>
+                <a:latin typeface="__fkGroteskNeue_598ab8"/>
+              </a:rPr>
+              <a:t> </a:t>
+            </a:r>
+            <a:r>
+              <a:rPr lang="de-CH" sz="1800" b="0" i="0" dirty="0" err="1">
+                <a:effectLst/>
+                <a:latin typeface="__fkGroteskNeue_598ab8"/>
+              </a:rPr>
+              <a:t>other</a:t>
+            </a:r>
+            <a:r>
+              <a:rPr lang="de-CH" sz="1800" b="0" i="0" dirty="0">
+                <a:effectLst/>
+                <a:latin typeface="__fkGroteskNeue_598ab8"/>
+              </a:rPr>
+              <a:t> </a:t>
+            </a:r>
+            <a:r>
+              <a:rPr lang="de-CH" sz="1800" b="0" i="0" dirty="0" err="1">
+                <a:effectLst/>
+                <a:latin typeface="__fkGroteskNeue_598ab8"/>
+              </a:rPr>
+              <a:t>languages</a:t>
+            </a:r>
+            <a:r>
+              <a:rPr lang="de-CH" sz="1800" b="0" i="0" dirty="0">
+                <a:effectLst/>
+                <a:latin typeface="__fkGroteskNeue_598ab8"/>
+              </a:rPr>
+              <a:t> due </a:t>
+            </a:r>
+            <a:r>
+              <a:rPr lang="de-CH" sz="1800" b="0" i="0" dirty="0" err="1">
+                <a:effectLst/>
+                <a:latin typeface="__fkGroteskNeue_598ab8"/>
+              </a:rPr>
+              <a:t>to</a:t>
+            </a:r>
+            <a:r>
+              <a:rPr lang="de-CH" sz="1800" b="0" i="0" dirty="0">
+                <a:effectLst/>
+                <a:latin typeface="__fkGroteskNeue_598ab8"/>
+              </a:rPr>
+              <a:t> </a:t>
+            </a:r>
+            <a:r>
+              <a:rPr lang="de-CH" sz="1800" b="0" i="0" dirty="0" err="1">
+                <a:effectLst/>
+                <a:latin typeface="__fkGroteskNeue_598ab8"/>
+              </a:rPr>
+              <a:t>its</a:t>
+            </a:r>
+            <a:r>
+              <a:rPr lang="de-CH" sz="1800" b="0" i="0" dirty="0">
+                <a:effectLst/>
+                <a:latin typeface="__fkGroteskNeue_598ab8"/>
+              </a:rPr>
+              <a:t> multilingual </a:t>
+            </a:r>
+            <a:r>
+              <a:rPr lang="de-CH" sz="1800" b="0" i="0" dirty="0" err="1">
+                <a:effectLst/>
+                <a:latin typeface="__fkGroteskNeue_598ab8"/>
+              </a:rPr>
+              <a:t>nature</a:t>
+            </a:r>
+            <a:endParaRPr lang="de-CH" sz="1800" b="0" i="0" dirty="0">
+              <a:effectLst/>
+              <a:latin typeface="Calibri" panose="020F0502020204030204" pitchFamily="34" charset="0"/>
+            </a:endParaRPr>
+          </a:p>
+          <a:p>
+            <a:endParaRPr lang="en-US" dirty="0"/>
+          </a:p>
+          <a:p>
+            <a:r>
+              <a:rPr lang="en-US" b="1" dirty="0"/>
+              <a:t>Dataset:</a:t>
+            </a:r>
+          </a:p>
+          <a:p>
+            <a:r>
+              <a:rPr lang="en-US" dirty="0"/>
+              <a:t>Advantages:</a:t>
+            </a:r>
+          </a:p>
+          <a:p>
+            <a:pPr marL="171450" indent="-171450">
+              <a:buFont typeface="Arial" panose="020B0604020202020204" pitchFamily="34" charset="0"/>
+              <a:buChar char="•"/>
+            </a:pPr>
+            <a:r>
+              <a:rPr lang="en-US" dirty="0"/>
+              <a:t>Trained on Wikipedia texts</a:t>
+            </a:r>
+          </a:p>
+          <a:p>
+            <a:pPr marL="171450" indent="-171450">
+              <a:buFont typeface="Arial" panose="020B0604020202020204" pitchFamily="34" charset="0"/>
+              <a:buChar char="•"/>
+            </a:pPr>
+            <a:r>
+              <a:rPr lang="en-US" dirty="0"/>
+              <a:t>In all for us relevant language the size of the train-test-valuation set is identical</a:t>
+            </a:r>
+          </a:p>
+          <a:p>
+            <a:pPr marL="171450" indent="-171450">
+              <a:buFont typeface="Arial" panose="020B0604020202020204" pitchFamily="34" charset="0"/>
+              <a:buChar char="•"/>
+            </a:pPr>
+            <a:r>
+              <a:rPr lang="en-US" dirty="0"/>
+              <a:t>IOB2 format: many modern NLP tools support this format</a:t>
+            </a:r>
+          </a:p>
+        </p:txBody>
+      </p:sp>
+      <p:sp>
+        <p:nvSpPr>
+          <p:cNvPr id="4" name="Slide Number Placeholder 3"/>
+          <p:cNvSpPr>
+            <a:spLocks noGrp="1"/>
+          </p:cNvSpPr>
+          <p:nvPr>
+            <p:ph type="sldNum" sz="quarter" idx="5"/>
+          </p:nvPr>
+        </p:nvSpPr>
+        <p:spPr/>
+        <p:txBody>
+          <a:bodyPr/>
+          <a:lstStyle/>
+          <a:p>
+            <a:fld id="{2DA66685-3D22-47BB-B74E-10995D7F8271}" type="slidenum">
+              <a:rPr lang="en-US" smtClean="0"/>
+              <a:t>5</a:t>
+            </a:fld>
+            <a:endParaRPr lang="en-US"/>
+          </a:p>
+        </p:txBody>
+      </p:sp>
+    </p:spTree>
+    <p:extLst>
+      <p:ext uri="{BB962C8B-B14F-4D97-AF65-F5344CB8AC3E}">
+        <p14:creationId xmlns:p14="http://schemas.microsoft.com/office/powerpoint/2010/main" val="3799296381"/>
+      </p:ext>
+    </p:extLst>
+  </p:cSld>
+  <p:clrMapOvr>
+    <a:masterClrMapping/>
+  </p:clrMapOvr>
+</p:notes>
 </file>
 
 <file path=ppt/slideLayouts/slideLayout1.xml><?xml version="1.0" encoding="utf-8"?>
@@ -305,7 +2272,7 @@
           <a:p>
             <a:fld id="{69F73540-DFB5-4816-8066-5D194A0B149D}" type="datetimeFigureOut">
               <a:rPr lang="de-CH" smtClean="0"/>
-              <a:t>12.01.2025</a:t>
+              <a:t>18.01.2025</a:t>
             </a:fld>
             <a:endParaRPr lang="de-CH"/>
           </a:p>
@@ -580,7 +2547,7 @@
           <a:p>
             <a:fld id="{69F73540-DFB5-4816-8066-5D194A0B149D}" type="datetimeFigureOut">
               <a:rPr lang="de-CH" smtClean="0"/>
-              <a:t>12.01.2025</a:t>
+              <a:t>18.01.2025</a:t>
             </a:fld>
             <a:endParaRPr lang="de-CH"/>
           </a:p>
@@ -774,7 +2741,7 @@
           <a:p>
             <a:fld id="{69F73540-DFB5-4816-8066-5D194A0B149D}" type="datetimeFigureOut">
               <a:rPr lang="de-CH" smtClean="0"/>
-              <a:t>12.01.2025</a:t>
+              <a:t>18.01.2025</a:t>
             </a:fld>
             <a:endParaRPr lang="de-CH"/>
           </a:p>
@@ -1047,7 +3014,7 @@
           <a:p>
             <a:fld id="{69F73540-DFB5-4816-8066-5D194A0B149D}" type="datetimeFigureOut">
               <a:rPr lang="de-CH" smtClean="0"/>
-              <a:t>12.01.2025</a:t>
+              <a:t>18.01.2025</a:t>
             </a:fld>
             <a:endParaRPr lang="de-CH"/>
           </a:p>
@@ -1388,7 +3355,7 @@
           <a:p>
             <a:fld id="{69F73540-DFB5-4816-8066-5D194A0B149D}" type="datetimeFigureOut">
               <a:rPr lang="de-CH" smtClean="0"/>
-              <a:t>12.01.2025</a:t>
+              <a:t>18.01.2025</a:t>
             </a:fld>
             <a:endParaRPr lang="de-CH"/>
           </a:p>
@@ -2011,7 +3978,7 @@
           <a:p>
             <a:fld id="{69F73540-DFB5-4816-8066-5D194A0B149D}" type="datetimeFigureOut">
               <a:rPr lang="de-CH" smtClean="0"/>
-              <a:t>12.01.2025</a:t>
+              <a:t>18.01.2025</a:t>
             </a:fld>
             <a:endParaRPr lang="de-CH"/>
           </a:p>
@@ -2871,7 +4838,7 @@
           <a:p>
             <a:fld id="{69F73540-DFB5-4816-8066-5D194A0B149D}" type="datetimeFigureOut">
               <a:rPr lang="de-CH" smtClean="0"/>
-              <a:t>12.01.2025</a:t>
+              <a:t>18.01.2025</a:t>
             </a:fld>
             <a:endParaRPr lang="de-CH"/>
           </a:p>
@@ -3041,7 +5008,7 @@
           <a:p>
             <a:fld id="{69F73540-DFB5-4816-8066-5D194A0B149D}" type="datetimeFigureOut">
               <a:rPr lang="de-CH" smtClean="0"/>
-              <a:t>12.01.2025</a:t>
+              <a:t>18.01.2025</a:t>
             </a:fld>
             <a:endParaRPr lang="de-CH"/>
           </a:p>
@@ -3221,7 +5188,7 @@
           <a:p>
             <a:fld id="{69F73540-DFB5-4816-8066-5D194A0B149D}" type="datetimeFigureOut">
               <a:rPr lang="de-CH" smtClean="0"/>
-              <a:t>12.01.2025</a:t>
+              <a:t>18.01.2025</a:t>
             </a:fld>
             <a:endParaRPr lang="de-CH"/>
           </a:p>
@@ -3391,7 +5358,7 @@
           <a:p>
             <a:fld id="{69F73540-DFB5-4816-8066-5D194A0B149D}" type="datetimeFigureOut">
               <a:rPr lang="de-CH" smtClean="0"/>
-              <a:t>12.01.2025</a:t>
+              <a:t>18.01.2025</a:t>
             </a:fld>
             <a:endParaRPr lang="de-CH"/>
           </a:p>
@@ -3638,7 +5605,7 @@
           <a:p>
             <a:fld id="{69F73540-DFB5-4816-8066-5D194A0B149D}" type="datetimeFigureOut">
               <a:rPr lang="de-CH" smtClean="0"/>
-              <a:t>12.01.2025</a:t>
+              <a:t>18.01.2025</a:t>
             </a:fld>
             <a:endParaRPr lang="de-CH"/>
           </a:p>
@@ -3930,7 +5897,7 @@
           <a:p>
             <a:fld id="{69F73540-DFB5-4816-8066-5D194A0B149D}" type="datetimeFigureOut">
               <a:rPr lang="de-CH" smtClean="0"/>
-              <a:t>12.01.2025</a:t>
+              <a:t>18.01.2025</a:t>
             </a:fld>
             <a:endParaRPr lang="de-CH"/>
           </a:p>
@@ -4374,7 +6341,7 @@
           <a:p>
             <a:fld id="{69F73540-DFB5-4816-8066-5D194A0B149D}" type="datetimeFigureOut">
               <a:rPr lang="de-CH" smtClean="0"/>
-              <a:t>12.01.2025</a:t>
+              <a:t>18.01.2025</a:t>
             </a:fld>
             <a:endParaRPr lang="de-CH"/>
           </a:p>
@@ -4492,7 +6459,7 @@
           <a:p>
             <a:fld id="{69F73540-DFB5-4816-8066-5D194A0B149D}" type="datetimeFigureOut">
               <a:rPr lang="de-CH" smtClean="0"/>
-              <a:t>12.01.2025</a:t>
+              <a:t>18.01.2025</a:t>
             </a:fld>
             <a:endParaRPr lang="de-CH"/>
           </a:p>
@@ -4587,7 +6554,7 @@
           <a:p>
             <a:fld id="{69F73540-DFB5-4816-8066-5D194A0B149D}" type="datetimeFigureOut">
               <a:rPr lang="de-CH" smtClean="0"/>
-              <a:t>12.01.2025</a:t>
+              <a:t>18.01.2025</a:t>
             </a:fld>
             <a:endParaRPr lang="de-CH"/>
           </a:p>
@@ -4866,7 +6833,7 @@
           <a:p>
             <a:fld id="{69F73540-DFB5-4816-8066-5D194A0B149D}" type="datetimeFigureOut">
               <a:rPr lang="de-CH" smtClean="0"/>
-              <a:t>12.01.2025</a:t>
+              <a:t>18.01.2025</a:t>
             </a:fld>
             <a:endParaRPr lang="de-CH"/>
           </a:p>
@@ -5141,7 +7108,7 @@
           <a:p>
             <a:fld id="{69F73540-DFB5-4816-8066-5D194A0B149D}" type="datetimeFigureOut">
               <a:rPr lang="de-CH" smtClean="0"/>
-              <a:t>12.01.2025</a:t>
+              <a:t>18.01.2025</a:t>
             </a:fld>
             <a:endParaRPr lang="de-CH"/>
           </a:p>
@@ -5570,7 +7537,7 @@
           <a:p>
             <a:fld id="{69F73540-DFB5-4816-8066-5D194A0B149D}" type="datetimeFigureOut">
               <a:rPr lang="de-CH" smtClean="0"/>
-              <a:t>12.01.2025</a:t>
+              <a:t>18.01.2025</a:t>
             </a:fld>
             <a:endParaRPr lang="de-CH"/>
           </a:p>
@@ -6920,10 +8887,192 @@
           <a:bodyPr/>
           <a:lstStyle/>
           <a:p>
-            <a:endParaRPr lang="en-US"/>
-          </a:p>
-        </p:txBody>
-      </p:sp>
+            <a:r>
+              <a:rPr lang="de-CH" dirty="0" err="1"/>
+              <a:t>We</a:t>
+            </a:r>
+            <a:r>
+              <a:rPr lang="de-CH" dirty="0"/>
+              <a:t> </a:t>
+            </a:r>
+            <a:r>
+              <a:rPr lang="de-CH" dirty="0" err="1"/>
+              <a:t>decided</a:t>
+            </a:r>
+            <a:r>
+              <a:rPr lang="de-CH" dirty="0"/>
+              <a:t> </a:t>
+            </a:r>
+            <a:r>
+              <a:rPr lang="de-CH" dirty="0" err="1"/>
+              <a:t>to</a:t>
+            </a:r>
+            <a:r>
+              <a:rPr lang="de-CH" dirty="0"/>
+              <a:t> </a:t>
+            </a:r>
+            <a:r>
+              <a:rPr lang="de-CH" dirty="0" err="1"/>
+              <a:t>take</a:t>
+            </a:r>
+            <a:r>
+              <a:rPr lang="de-CH" dirty="0"/>
+              <a:t> </a:t>
+            </a:r>
+            <a:r>
+              <a:rPr lang="de-CH" dirty="0" err="1"/>
+              <a:t>these</a:t>
+            </a:r>
+            <a:r>
+              <a:rPr lang="de-CH" dirty="0"/>
+              <a:t> </a:t>
+            </a:r>
+            <a:r>
+              <a:rPr lang="de-CH" dirty="0" err="1"/>
+              <a:t>languages</a:t>
+            </a:r>
+            <a:r>
+              <a:rPr lang="de-CH" dirty="0"/>
+              <a:t> </a:t>
+            </a:r>
+            <a:r>
+              <a:rPr lang="de-CH" dirty="0" err="1"/>
+              <a:t>because</a:t>
+            </a:r>
+            <a:r>
+              <a:rPr lang="de-CH" dirty="0"/>
+              <a:t> </a:t>
+            </a:r>
+            <a:r>
+              <a:rPr lang="de-CH" dirty="0" err="1"/>
+              <a:t>they</a:t>
+            </a:r>
+            <a:r>
+              <a:rPr lang="de-CH" dirty="0"/>
+              <a:t> </a:t>
+            </a:r>
+            <a:r>
+              <a:rPr lang="de-CH" dirty="0" err="1"/>
+              <a:t>are</a:t>
+            </a:r>
+            <a:r>
+              <a:rPr lang="de-CH" dirty="0"/>
+              <a:t> </a:t>
+            </a:r>
+            <a:r>
+              <a:rPr lang="de-CH" dirty="0" err="1"/>
+              <a:t>the</a:t>
+            </a:r>
+            <a:r>
+              <a:rPr lang="de-CH" dirty="0"/>
+              <a:t> </a:t>
+            </a:r>
+            <a:r>
+              <a:rPr lang="de-CH" dirty="0" err="1"/>
+              <a:t>official</a:t>
+            </a:r>
+            <a:r>
+              <a:rPr lang="de-CH" dirty="0"/>
+              <a:t> </a:t>
+            </a:r>
+            <a:r>
+              <a:rPr lang="de-CH" dirty="0" err="1"/>
+              <a:t>languages</a:t>
+            </a:r>
+            <a:r>
+              <a:rPr lang="de-CH" dirty="0"/>
+              <a:t> at </a:t>
+            </a:r>
+            <a:r>
+              <a:rPr lang="de-CH" dirty="0" err="1"/>
+              <a:t>the</a:t>
+            </a:r>
+            <a:r>
+              <a:rPr lang="de-CH" dirty="0"/>
+              <a:t> FDFA and </a:t>
+            </a:r>
+            <a:r>
+              <a:rPr lang="de-CH" dirty="0" err="1"/>
+              <a:t>because</a:t>
+            </a:r>
+            <a:r>
+              <a:rPr lang="de-CH" dirty="0"/>
+              <a:t> </a:t>
+            </a:r>
+            <a:r>
+              <a:rPr lang="de-CH" dirty="0" err="1"/>
+              <a:t>we</a:t>
+            </a:r>
+            <a:r>
+              <a:rPr lang="de-CH" dirty="0"/>
+              <a:t> </a:t>
+            </a:r>
+            <a:r>
+              <a:rPr lang="de-CH" dirty="0" err="1"/>
+              <a:t>both</a:t>
+            </a:r>
+            <a:r>
+              <a:rPr lang="de-CH" dirty="0"/>
+              <a:t> </a:t>
+            </a:r>
+            <a:r>
+              <a:rPr lang="de-CH" dirty="0" err="1"/>
+              <a:t>know</a:t>
+            </a:r>
+            <a:r>
+              <a:rPr lang="de-CH" dirty="0"/>
+              <a:t> </a:t>
+            </a:r>
+            <a:r>
+              <a:rPr lang="de-CH" dirty="0" err="1"/>
+              <a:t>them</a:t>
+            </a:r>
+            <a:r>
+              <a:rPr lang="de-CH" dirty="0"/>
+              <a:t> at least a </a:t>
+            </a:r>
+            <a:r>
+              <a:rPr lang="de-CH" dirty="0" err="1"/>
+              <a:t>bit</a:t>
+            </a:r>
+            <a:r>
+              <a:rPr lang="de-CH" dirty="0"/>
+              <a:t>.</a:t>
+            </a:r>
+            <a:endParaRPr lang="en-US" dirty="0"/>
+          </a:p>
+        </p:txBody>
+      </p:sp>
+      <p:pic>
+        <p:nvPicPr>
+          <p:cNvPr id="5" name="Picture 4">
+            <a:extLst>
+              <a:ext uri="{FF2B5EF4-FFF2-40B4-BE49-F238E27FC236}">
+                <a16:creationId xmlns:a16="http://schemas.microsoft.com/office/drawing/2014/main" id="{15215FE5-25F7-4E16-8938-A79C1815D6E5}"/>
+              </a:ext>
+            </a:extLst>
+          </p:cNvPr>
+          <p:cNvPicPr>
+            <a:picLocks noChangeAspect="1"/>
+          </p:cNvPicPr>
+          <p:nvPr/>
+        </p:nvPicPr>
+        <p:blipFill>
+          <a:blip r:embed="rId2"/>
+          <a:stretch>
+            <a:fillRect/>
+          </a:stretch>
+        </p:blipFill>
+        <p:spPr>
+          <a:xfrm>
+            <a:off x="4082602" y="2957137"/>
+            <a:ext cx="4233691" cy="3145958"/>
+          </a:xfrm>
+          <a:prstGeom prst="rect">
+            <a:avLst/>
+          </a:prstGeom>
+        </p:spPr>
+      </p:pic>
     </p:spTree>
     <p:extLst>
       <p:ext uri="{BB962C8B-B14F-4D97-AF65-F5344CB8AC3E}">
@@ -7020,13 +9169,626 @@
         </p:nvSpPr>
         <p:spPr/>
         <p:txBody>
-          <a:bodyPr/>
+          <a:bodyPr>
+            <a:normAutofit/>
+          </a:bodyPr>
           <a:lstStyle/>
           <a:p>
-            <a:endParaRPr lang="en-US"/>
-          </a:p>
-        </p:txBody>
-      </p:sp>
+            <a:r>
+              <a:rPr lang="de-CH" dirty="0"/>
+              <a:t>Model: </a:t>
+            </a:r>
+            <a:r>
+              <a:rPr lang="de-CH" b="1" dirty="0" err="1"/>
+              <a:t>WikiNeural</a:t>
+            </a:r>
+            <a:r>
+              <a:rPr lang="de-CH" b="1" dirty="0"/>
+              <a:t> Multilingual NER</a:t>
+            </a:r>
+            <a:r>
+              <a:rPr lang="de-CH" dirty="0"/>
+              <a:t>: </a:t>
+            </a:r>
+            <a:r>
+              <a:rPr lang="en-US" sz="1600" dirty="0"/>
+              <a:t>a state-of-the-art named entity recognition model that supports 9 different languages. Built by </a:t>
+            </a:r>
+            <a:r>
+              <a:rPr lang="en-US" sz="1600" dirty="0" err="1"/>
+              <a:t>Babelscape</a:t>
+            </a:r>
+            <a:r>
+              <a:rPr lang="en-US" sz="1600" dirty="0"/>
+              <a:t>, it's based on </a:t>
+            </a:r>
+            <a:r>
+              <a:rPr lang="en-US" sz="1600" dirty="0" err="1"/>
+              <a:t>mBERT</a:t>
+            </a:r>
+            <a:r>
+              <a:rPr lang="en-US" sz="1600" dirty="0"/>
+              <a:t> and fine-tuned on the </a:t>
+            </a:r>
+            <a:r>
+              <a:rPr lang="en-US" sz="1600" dirty="0" err="1"/>
+              <a:t>WikiNEuRal</a:t>
+            </a:r>
+            <a:r>
+              <a:rPr lang="en-US" sz="1600" dirty="0"/>
+              <a:t> dataset, specifically designed to address the challenge of data scarcity in multilingual NER tasks.</a:t>
+            </a:r>
+          </a:p>
+          <a:p>
+            <a:pPr marL="0" indent="0">
+              <a:buNone/>
+            </a:pPr>
+            <a:r>
+              <a:rPr lang="en-US" sz="1600" dirty="0"/>
+              <a:t>	</a:t>
+            </a:r>
+            <a:r>
+              <a:rPr lang="en-US" sz="1400" dirty="0" err="1">
+                <a:hlinkClick r:id="rId3"/>
+              </a:rPr>
+              <a:t>wikineural</a:t>
+            </a:r>
+            <a:r>
+              <a:rPr lang="en-US" sz="1400" dirty="0">
+                <a:hlinkClick r:id="rId3"/>
+              </a:rPr>
+              <a:t>-multilingual-</a:t>
+            </a:r>
+            <a:r>
+              <a:rPr lang="en-US" sz="1400" dirty="0" err="1">
+                <a:hlinkClick r:id="rId3"/>
+              </a:rPr>
+              <a:t>ner</a:t>
+            </a:r>
+            <a:endParaRPr lang="en-US" sz="1600" dirty="0"/>
+          </a:p>
+          <a:p>
+            <a:pPr marL="0" indent="0">
+              <a:buNone/>
+            </a:pPr>
+            <a:endParaRPr lang="en-US" sz="1600" dirty="0"/>
+          </a:p>
+          <a:p>
+            <a:r>
+              <a:rPr lang="en-US" dirty="0"/>
+              <a:t>Dataset: </a:t>
+            </a:r>
+            <a:r>
+              <a:rPr lang="en-US" b="1" dirty="0" err="1"/>
+              <a:t>WikiANN</a:t>
+            </a:r>
+            <a:r>
+              <a:rPr lang="en-US" b="1" dirty="0"/>
+              <a:t> </a:t>
+            </a:r>
+            <a:r>
+              <a:rPr lang="en-US" dirty="0"/>
+              <a:t>from </a:t>
+            </a:r>
+            <a:r>
+              <a:rPr lang="en-US" dirty="0" err="1"/>
+              <a:t>unimelb</a:t>
+            </a:r>
+            <a:r>
+              <a:rPr lang="en-US" dirty="0"/>
+              <a:t>: </a:t>
+            </a:r>
+            <a:r>
+              <a:rPr lang="en-US" sz="1600" dirty="0"/>
+              <a:t>(sometimes called PAN-X) is a multilingual named entity recognition dataset consisting of Wikipedia articles annotated with LOC (location), PER (person), and ORG (</a:t>
+            </a:r>
+            <a:r>
+              <a:rPr lang="en-US" sz="1600" dirty="0" err="1"/>
+              <a:t>organisation</a:t>
+            </a:r>
+            <a:r>
+              <a:rPr lang="en-US" sz="1600" dirty="0"/>
+              <a:t>) tags in the IOB2 format. This version corresponds to the balanced train, dev, and test splits of Rahimi et al. (2019), which supports 176 of the 282 languages from the original </a:t>
+            </a:r>
+            <a:r>
+              <a:rPr lang="en-US" sz="1600" dirty="0" err="1"/>
+              <a:t>WikiANN</a:t>
+            </a:r>
+            <a:r>
+              <a:rPr lang="en-US" sz="1600" dirty="0"/>
+              <a:t> corpus.</a:t>
+            </a:r>
+          </a:p>
+          <a:p>
+            <a:pPr lvl="1"/>
+            <a:r>
+              <a:rPr lang="en-US" sz="1400" dirty="0"/>
+              <a:t>train-test-split for EN, FR, IT and DE </a:t>
+            </a:r>
+          </a:p>
+          <a:p>
+            <a:pPr marL="0" indent="0">
+              <a:buNone/>
+            </a:pPr>
+            <a:r>
+              <a:rPr lang="en-US" dirty="0"/>
+              <a:t>	</a:t>
+            </a:r>
+            <a:r>
+              <a:rPr lang="en-US" sz="1400" dirty="0" err="1">
+                <a:hlinkClick r:id="rId4"/>
+              </a:rPr>
+              <a:t>unimelb-nlp</a:t>
+            </a:r>
+            <a:r>
+              <a:rPr lang="en-US" sz="1400" dirty="0">
+                <a:hlinkClick r:id="rId4"/>
+              </a:rPr>
+              <a:t>/</a:t>
+            </a:r>
+            <a:r>
+              <a:rPr lang="en-US" sz="1400" dirty="0" err="1">
+                <a:hlinkClick r:id="rId4"/>
+              </a:rPr>
+              <a:t>wikiann</a:t>
+            </a:r>
+            <a:r>
+              <a:rPr lang="en-US" sz="1400" dirty="0">
+                <a:hlinkClick r:id="rId4"/>
+              </a:rPr>
+              <a:t> · Datasets at Hugging Face</a:t>
+            </a:r>
+            <a:endParaRPr lang="en-US" sz="1400" dirty="0"/>
+          </a:p>
+          <a:p>
+            <a:endParaRPr lang="en-US" sz="1400" dirty="0"/>
+          </a:p>
+          <a:p>
+            <a:endParaRPr lang="de-CH" dirty="0"/>
+          </a:p>
+          <a:p>
+            <a:pPr marL="0" indent="0">
+              <a:buNone/>
+            </a:pPr>
+            <a:endParaRPr lang="en-US" dirty="0"/>
+          </a:p>
+        </p:txBody>
+      </p:sp>
+      <p:graphicFrame>
+        <p:nvGraphicFramePr>
+          <p:cNvPr id="4" name="Table 3">
+            <a:extLst>
+              <a:ext uri="{FF2B5EF4-FFF2-40B4-BE49-F238E27FC236}">
+                <a16:creationId xmlns:a16="http://schemas.microsoft.com/office/drawing/2014/main" id="{548A283C-B4DF-475D-A429-AF5C9220961A}"/>
+              </a:ext>
+            </a:extLst>
+          </p:cNvPr>
+          <p:cNvGraphicFramePr>
+            <a:graphicFrameLocks noGrp="1"/>
+          </p:cNvGraphicFramePr>
+          <p:nvPr>
+            <p:extLst>
+              <p:ext uri="{D42A27DB-BD31-4B8C-83A1-F6EECF244321}">
+                <p14:modId xmlns:p14="http://schemas.microsoft.com/office/powerpoint/2010/main" val="1096517763"/>
+              </p:ext>
+            </p:extLst>
+          </p:nvPr>
+        </p:nvGraphicFramePr>
+        <p:xfrm>
+          <a:off x="6096000" y="5377373"/>
+          <a:ext cx="2617910" cy="871026"/>
+        </p:xfrm>
+        <a:graphic>
+          <a:graphicData uri="http://schemas.openxmlformats.org/drawingml/2006/table">
+            <a:tbl>
+              <a:tblPr/>
+              <a:tblGrid>
+                <a:gridCol w="854279">
+                  <a:extLst>
+                    <a:ext uri="{9D8B030D-6E8A-4147-A177-3AD203B41FA5}">
+                      <a16:colId xmlns:a16="http://schemas.microsoft.com/office/drawing/2014/main" val="2026688250"/>
+                    </a:ext>
+                  </a:extLst>
+                </a:gridCol>
+                <a:gridCol w="1068169">
+                  <a:extLst>
+                    <a:ext uri="{9D8B030D-6E8A-4147-A177-3AD203B41FA5}">
+                      <a16:colId xmlns:a16="http://schemas.microsoft.com/office/drawing/2014/main" val="410777728"/>
+                    </a:ext>
+                  </a:extLst>
+                </a:gridCol>
+                <a:gridCol w="695462">
+                  <a:extLst>
+                    <a:ext uri="{9D8B030D-6E8A-4147-A177-3AD203B41FA5}">
+                      <a16:colId xmlns:a16="http://schemas.microsoft.com/office/drawing/2014/main" val="1557949614"/>
+                    </a:ext>
+                  </a:extLst>
+                </a:gridCol>
+              </a:tblGrid>
+              <a:tr h="435513">
+                <a:tc>
+                  <a:txBody>
+                    <a:bodyPr/>
+                    <a:lstStyle/>
+                    <a:p>
+                      <a:pPr marL="0" marR="0" fontAlgn="t">
+                        <a:spcBef>
+                          <a:spcPts val="0"/>
+                        </a:spcBef>
+                        <a:spcAft>
+                          <a:spcPts val="0"/>
+                        </a:spcAft>
+                      </a:pPr>
+                      <a:r>
+                        <a:rPr lang="de-CH" sz="1400" b="1" dirty="0">
+                          <a:effectLst/>
+                          <a:latin typeface="Calibri" panose="020F0502020204030204" pitchFamily="34" charset="0"/>
+                        </a:rPr>
+                        <a:t>Train</a:t>
+                      </a:r>
+                    </a:p>
+                  </a:txBody>
+                  <a:tcPr marL="50800" marR="50800" marT="50800" marB="50800">
+                    <a:lnL w="12700" cap="flat" cmpd="sng" algn="ctr">
+                      <a:solidFill>
+                        <a:srgbClr val="A3A3A3"/>
+                      </a:solidFill>
+                      <a:prstDash val="solid"/>
+                      <a:round/>
+                      <a:headEnd type="none" w="med" len="med"/>
+                      <a:tailEnd type="none" w="med" len="med"/>
+                    </a:lnL>
+                    <a:lnR w="12700" cap="flat" cmpd="sng" algn="ctr">
+                      <a:solidFill>
+                        <a:srgbClr val="A3A3A3"/>
+                      </a:solidFill>
+                      <a:prstDash val="solid"/>
+                      <a:round/>
+                      <a:headEnd type="none" w="med" len="med"/>
+                      <a:tailEnd type="none" w="med" len="med"/>
+                    </a:lnR>
+                    <a:lnT w="12700" cap="flat" cmpd="sng" algn="ctr">
+                      <a:solidFill>
+                        <a:srgbClr val="A3A3A3"/>
+                      </a:solidFill>
+                      <a:prstDash val="solid"/>
+                      <a:round/>
+                      <a:headEnd type="none" w="med" len="med"/>
+                      <a:tailEnd type="none" w="med" len="med"/>
+                    </a:lnT>
+                    <a:lnB w="12700" cap="flat" cmpd="sng" algn="ctr">
+                      <a:solidFill>
+                        <a:srgbClr val="A3A3A3"/>
+                      </a:solidFill>
+                      <a:prstDash val="solid"/>
+                      <a:round/>
+                      <a:headEnd type="none" w="med" len="med"/>
+                      <a:tailEnd type="none" w="med" len="med"/>
+                    </a:lnB>
+                  </a:tcPr>
+                </a:tc>
+                <a:tc>
+                  <a:txBody>
+                    <a:bodyPr/>
+                    <a:lstStyle/>
+                    <a:p>
+                      <a:pPr marL="0" marR="0" fontAlgn="t">
+                        <a:spcBef>
+                          <a:spcPts val="0"/>
+                        </a:spcBef>
+                        <a:spcAft>
+                          <a:spcPts val="0"/>
+                        </a:spcAft>
+                      </a:pPr>
+                      <a:r>
+                        <a:rPr lang="de-CH" sz="1400" b="1">
+                          <a:effectLst/>
+                          <a:latin typeface="Calibri" panose="020F0502020204030204" pitchFamily="34" charset="0"/>
+                        </a:rPr>
+                        <a:t>Validation</a:t>
+                      </a:r>
+                    </a:p>
+                  </a:txBody>
+                  <a:tcPr marL="50800" marR="50800" marT="50800" marB="50800">
+                    <a:lnL w="12700" cap="flat" cmpd="sng" algn="ctr">
+                      <a:solidFill>
+                        <a:srgbClr val="A3A3A3"/>
+                      </a:solidFill>
+                      <a:prstDash val="solid"/>
+                      <a:round/>
+                      <a:headEnd type="none" w="med" len="med"/>
+                      <a:tailEnd type="none" w="med" len="med"/>
+                    </a:lnL>
+                    <a:lnR w="12700" cap="flat" cmpd="sng" algn="ctr">
+                      <a:solidFill>
+                        <a:srgbClr val="A3A3A3"/>
+                      </a:solidFill>
+                      <a:prstDash val="solid"/>
+                      <a:round/>
+                      <a:headEnd type="none" w="med" len="med"/>
+                      <a:tailEnd type="none" w="med" len="med"/>
+                    </a:lnR>
+                    <a:lnT w="12700" cap="flat" cmpd="sng" algn="ctr">
+                      <a:solidFill>
+                        <a:srgbClr val="A3A3A3"/>
+                      </a:solidFill>
+                      <a:prstDash val="solid"/>
+                      <a:round/>
+                      <a:headEnd type="none" w="med" len="med"/>
+                      <a:tailEnd type="none" w="med" len="med"/>
+                    </a:lnT>
+                    <a:lnB w="12700" cap="flat" cmpd="sng" algn="ctr">
+                      <a:solidFill>
+                        <a:srgbClr val="A3A3A3"/>
+                      </a:solidFill>
+                      <a:prstDash val="solid"/>
+                      <a:round/>
+                      <a:headEnd type="none" w="med" len="med"/>
+                      <a:tailEnd type="none" w="med" len="med"/>
+                    </a:lnB>
+                  </a:tcPr>
+                </a:tc>
+                <a:tc>
+                  <a:txBody>
+                    <a:bodyPr/>
+                    <a:lstStyle/>
+                    <a:p>
+                      <a:pPr marL="0" marR="0" fontAlgn="t">
+                        <a:spcBef>
+                          <a:spcPts val="0"/>
+                        </a:spcBef>
+                        <a:spcAft>
+                          <a:spcPts val="0"/>
+                        </a:spcAft>
+                      </a:pPr>
+                      <a:r>
+                        <a:rPr lang="de-CH" sz="1400" b="1" dirty="0">
+                          <a:effectLst/>
+                          <a:latin typeface="Calibri" panose="020F0502020204030204" pitchFamily="34" charset="0"/>
+                        </a:rPr>
+                        <a:t>Test</a:t>
+                      </a:r>
+                    </a:p>
+                  </a:txBody>
+                  <a:tcPr marL="50800" marR="50800" marT="50800" marB="50800">
+                    <a:lnL w="12700" cap="flat" cmpd="sng" algn="ctr">
+                      <a:solidFill>
+                        <a:srgbClr val="A3A3A3"/>
+                      </a:solidFill>
+                      <a:prstDash val="solid"/>
+                      <a:round/>
+                      <a:headEnd type="none" w="med" len="med"/>
+                      <a:tailEnd type="none" w="med" len="med"/>
+                    </a:lnL>
+                    <a:lnR w="12700" cap="flat" cmpd="sng" algn="ctr">
+                      <a:solidFill>
+                        <a:srgbClr val="A3A3A3"/>
+                      </a:solidFill>
+                      <a:prstDash val="solid"/>
+                      <a:round/>
+                      <a:headEnd type="none" w="med" len="med"/>
+                      <a:tailEnd type="none" w="med" len="med"/>
+                    </a:lnR>
+                    <a:lnT w="12700" cap="flat" cmpd="sng" algn="ctr">
+                      <a:solidFill>
+                        <a:srgbClr val="A3A3A3"/>
+                      </a:solidFill>
+                      <a:prstDash val="solid"/>
+                      <a:round/>
+                      <a:headEnd type="none" w="med" len="med"/>
+                      <a:tailEnd type="none" w="med" len="med"/>
+                    </a:lnT>
+                    <a:lnB w="12700" cap="flat" cmpd="sng" algn="ctr">
+                      <a:solidFill>
+                        <a:srgbClr val="A3A3A3"/>
+                      </a:solidFill>
+                      <a:prstDash val="solid"/>
+                      <a:round/>
+                      <a:headEnd type="none" w="med" len="med"/>
+                      <a:tailEnd type="none" w="med" len="med"/>
+                    </a:lnB>
+                  </a:tcPr>
+                </a:tc>
+                <a:extLst>
+                  <a:ext uri="{0D108BD9-81ED-4DB2-BD59-A6C34878D82A}">
+                    <a16:rowId xmlns:a16="http://schemas.microsoft.com/office/drawing/2014/main" val="1363099551"/>
+                  </a:ext>
+                </a:extLst>
+              </a:tr>
+              <a:tr h="435513">
+                <a:tc>
+                  <a:txBody>
+                    <a:bodyPr/>
+                    <a:lstStyle/>
+                    <a:p>
+                      <a:pPr marL="0" marR="0" fontAlgn="t">
+                        <a:spcBef>
+                          <a:spcPts val="0"/>
+                        </a:spcBef>
+                        <a:spcAft>
+                          <a:spcPts val="0"/>
+                        </a:spcAft>
+                      </a:pPr>
+                      <a:r>
+                        <a:rPr lang="de-CH" sz="1400" dirty="0">
+                          <a:effectLst/>
+                          <a:latin typeface="Calibri" panose="020F0502020204030204" pitchFamily="34" charset="0"/>
+                        </a:rPr>
+                        <a:t>20000</a:t>
+                      </a:r>
+                    </a:p>
+                  </a:txBody>
+                  <a:tcPr marL="50800" marR="50800" marT="50800" marB="50800">
+                    <a:lnL w="12700" cap="flat" cmpd="sng" algn="ctr">
+                      <a:solidFill>
+                        <a:srgbClr val="A3A3A3"/>
+                      </a:solidFill>
+                      <a:prstDash val="solid"/>
+                      <a:round/>
+                      <a:headEnd type="none" w="med" len="med"/>
+                      <a:tailEnd type="none" w="med" len="med"/>
+                    </a:lnL>
+                    <a:lnR w="12700" cap="flat" cmpd="sng" algn="ctr">
+                      <a:solidFill>
+                        <a:srgbClr val="A3A3A3"/>
+                      </a:solidFill>
+                      <a:prstDash val="solid"/>
+                      <a:round/>
+                      <a:headEnd type="none" w="med" len="med"/>
+                      <a:tailEnd type="none" w="med" len="med"/>
+                    </a:lnR>
+                    <a:lnT w="12700" cap="flat" cmpd="sng" algn="ctr">
+                      <a:solidFill>
+                        <a:srgbClr val="A3A3A3"/>
+                      </a:solidFill>
+                      <a:prstDash val="solid"/>
+                      <a:round/>
+                      <a:headEnd type="none" w="med" len="med"/>
+                      <a:tailEnd type="none" w="med" len="med"/>
+                    </a:lnT>
+                    <a:lnB w="12700" cap="flat" cmpd="sng" algn="ctr">
+                      <a:solidFill>
+                        <a:srgbClr val="A3A3A3"/>
+                      </a:solidFill>
+                      <a:prstDash val="solid"/>
+                      <a:round/>
+                      <a:headEnd type="none" w="med" len="med"/>
+                      <a:tailEnd type="none" w="med" len="med"/>
+                    </a:lnB>
+                  </a:tcPr>
+                </a:tc>
+                <a:tc>
+                  <a:txBody>
+                    <a:bodyPr/>
+                    <a:lstStyle/>
+                    <a:p>
+                      <a:pPr marL="0" marR="0" fontAlgn="t">
+                        <a:spcBef>
+                          <a:spcPts val="0"/>
+                        </a:spcBef>
+                        <a:spcAft>
+                          <a:spcPts val="0"/>
+                        </a:spcAft>
+                      </a:pPr>
+                      <a:r>
+                        <a:rPr lang="de-CH" sz="1400">
+                          <a:effectLst/>
+                          <a:latin typeface="Calibri" panose="020F0502020204030204" pitchFamily="34" charset="0"/>
+                        </a:rPr>
+                        <a:t>10000</a:t>
+                      </a:r>
+                    </a:p>
+                  </a:txBody>
+                  <a:tcPr marL="50800" marR="50800" marT="50800" marB="50800">
+                    <a:lnL w="12700" cap="flat" cmpd="sng" algn="ctr">
+                      <a:solidFill>
+                        <a:srgbClr val="A3A3A3"/>
+                      </a:solidFill>
+                      <a:prstDash val="solid"/>
+                      <a:round/>
+                      <a:headEnd type="none" w="med" len="med"/>
+                      <a:tailEnd type="none" w="med" len="med"/>
+                    </a:lnL>
+                    <a:lnR w="12700" cap="flat" cmpd="sng" algn="ctr">
+                      <a:solidFill>
+                        <a:srgbClr val="A3A3A3"/>
+                      </a:solidFill>
+                      <a:prstDash val="solid"/>
+                      <a:round/>
+                      <a:headEnd type="none" w="med" len="med"/>
+                      <a:tailEnd type="none" w="med" len="med"/>
+                    </a:lnR>
+                    <a:lnT w="12700" cap="flat" cmpd="sng" algn="ctr">
+                      <a:solidFill>
+                        <a:srgbClr val="A3A3A3"/>
+                      </a:solidFill>
+                      <a:prstDash val="solid"/>
+                      <a:round/>
+                      <a:headEnd type="none" w="med" len="med"/>
+                      <a:tailEnd type="none" w="med" len="med"/>
+                    </a:lnT>
+                    <a:lnB w="12700" cap="flat" cmpd="sng" algn="ctr">
+                      <a:solidFill>
+                        <a:srgbClr val="A3A3A3"/>
+                      </a:solidFill>
+                      <a:prstDash val="solid"/>
+                      <a:round/>
+                      <a:headEnd type="none" w="med" len="med"/>
+                      <a:tailEnd type="none" w="med" len="med"/>
+                    </a:lnB>
+                  </a:tcPr>
+                </a:tc>
+                <a:tc>
+                  <a:txBody>
+                    <a:bodyPr/>
+                    <a:lstStyle/>
+                    <a:p>
+                      <a:pPr marL="0" marR="0" fontAlgn="t">
+                        <a:spcBef>
+                          <a:spcPts val="0"/>
+                        </a:spcBef>
+                        <a:spcAft>
+                          <a:spcPts val="0"/>
+                        </a:spcAft>
+                      </a:pPr>
+                      <a:r>
+                        <a:rPr lang="de-CH" sz="1400" dirty="0">
+                          <a:effectLst/>
+                          <a:latin typeface="Calibri" panose="020F0502020204030204" pitchFamily="34" charset="0"/>
+                        </a:rPr>
+                        <a:t>10000</a:t>
+                      </a:r>
+                    </a:p>
+                  </a:txBody>
+                  <a:tcPr marL="50800" marR="50800" marT="50800" marB="50800">
+                    <a:lnL w="12700" cap="flat" cmpd="sng" algn="ctr">
+                      <a:solidFill>
+                        <a:srgbClr val="A3A3A3"/>
+                      </a:solidFill>
+                      <a:prstDash val="solid"/>
+                      <a:round/>
+                      <a:headEnd type="none" w="med" len="med"/>
+                      <a:tailEnd type="none" w="med" len="med"/>
+                    </a:lnL>
+                    <a:lnR w="12700" cap="flat" cmpd="sng" algn="ctr">
+                      <a:solidFill>
+                        <a:srgbClr val="A3A3A3"/>
+                      </a:solidFill>
+                      <a:prstDash val="solid"/>
+                      <a:round/>
+                      <a:headEnd type="none" w="med" len="med"/>
+                      <a:tailEnd type="none" w="med" len="med"/>
+                    </a:lnR>
+                    <a:lnT w="12700" cap="flat" cmpd="sng" algn="ctr">
+                      <a:solidFill>
+                        <a:srgbClr val="A3A3A3"/>
+                      </a:solidFill>
+                      <a:prstDash val="solid"/>
+                      <a:round/>
+                      <a:headEnd type="none" w="med" len="med"/>
+                      <a:tailEnd type="none" w="med" len="med"/>
+                    </a:lnT>
+                    <a:lnB w="12700" cap="flat" cmpd="sng" algn="ctr">
+                      <a:solidFill>
+                        <a:srgbClr val="A3A3A3"/>
+                      </a:solidFill>
+                      <a:prstDash val="solid"/>
+                      <a:round/>
+                      <a:headEnd type="none" w="med" len="med"/>
+                      <a:tailEnd type="none" w="med" len="med"/>
+                    </a:lnB>
+                  </a:tcPr>
+                </a:tc>
+                <a:extLst>
+                  <a:ext uri="{0D108BD9-81ED-4DB2-BD59-A6C34878D82A}">
+                    <a16:rowId xmlns:a16="http://schemas.microsoft.com/office/drawing/2014/main" val="3808566762"/>
+                  </a:ext>
+                </a:extLst>
+              </a:tr>
+            </a:tbl>
+          </a:graphicData>
+        </a:graphic>
+      </p:graphicFrame>
     </p:spTree>
     <p:extLst>
       <p:ext uri="{BB962C8B-B14F-4D97-AF65-F5344CB8AC3E}">
@@ -7126,7 +9888,7 @@
           <a:bodyPr/>
           <a:lstStyle/>
           <a:p>
-            <a:endParaRPr lang="en-US"/>
+            <a:endParaRPr lang="en-US" dirty="0"/>
           </a:p>
         </p:txBody>
       </p:sp>
@@ -7237,7 +9999,294 @@
           <a:bodyPr/>
           <a:lstStyle/>
           <a:p>
-            <a:endParaRPr lang="en-US"/>
+            <a:r>
+              <a:rPr lang="de-CH" dirty="0"/>
+              <a:t>Monolingual vs. multilingual </a:t>
+            </a:r>
+            <a:r>
+              <a:rPr lang="de-CH" dirty="0" err="1"/>
+              <a:t>training</a:t>
+            </a:r>
+            <a:r>
+              <a:rPr lang="de-CH" dirty="0"/>
+              <a:t>:</a:t>
+            </a:r>
+          </a:p>
+          <a:p>
+            <a:pPr lvl="1"/>
+            <a:r>
+              <a:rPr lang="de-CH" dirty="0" err="1"/>
+              <a:t>Less</a:t>
+            </a:r>
+            <a:r>
+              <a:rPr lang="de-CH" dirty="0"/>
+              <a:t> </a:t>
+            </a:r>
+            <a:r>
+              <a:rPr lang="de-CH" dirty="0" err="1"/>
+              <a:t>computational</a:t>
+            </a:r>
+            <a:r>
+              <a:rPr lang="de-CH" dirty="0"/>
+              <a:t> power </a:t>
+            </a:r>
+            <a:r>
+              <a:rPr lang="de-CH" dirty="0" err="1"/>
+              <a:t>needed</a:t>
+            </a:r>
+            <a:endParaRPr lang="de-CH" dirty="0"/>
+          </a:p>
+          <a:p>
+            <a:pPr lvl="1"/>
+            <a:r>
+              <a:rPr lang="de-CH" dirty="0"/>
+              <a:t>Simpler </a:t>
+            </a:r>
+            <a:r>
+              <a:rPr lang="de-CH" dirty="0" err="1"/>
+              <a:t>setup</a:t>
+            </a:r>
+            <a:r>
+              <a:rPr lang="de-CH" dirty="0"/>
+              <a:t>, </a:t>
+            </a:r>
+            <a:r>
+              <a:rPr lang="de-CH" dirty="0" err="1"/>
+              <a:t>faster</a:t>
+            </a:r>
+            <a:r>
+              <a:rPr lang="de-CH" dirty="0"/>
+              <a:t> </a:t>
+            </a:r>
+            <a:r>
+              <a:rPr lang="de-CH" dirty="0" err="1"/>
+              <a:t>training</a:t>
+            </a:r>
+            <a:endParaRPr lang="de-CH" dirty="0"/>
+          </a:p>
+          <a:p>
+            <a:pPr lvl="1"/>
+            <a:r>
+              <a:rPr lang="de-CH" dirty="0"/>
+              <a:t>Zero-</a:t>
+            </a:r>
+            <a:r>
+              <a:rPr lang="de-CH" dirty="0" err="1"/>
+              <a:t>shot</a:t>
+            </a:r>
+            <a:r>
+              <a:rPr lang="de-CH" dirty="0"/>
+              <a:t>-cross-lingual </a:t>
+            </a:r>
+            <a:r>
+              <a:rPr lang="de-CH" dirty="0" err="1"/>
+              <a:t>capacities</a:t>
+            </a:r>
+            <a:r>
+              <a:rPr lang="de-CH" dirty="0"/>
+              <a:t> </a:t>
+            </a:r>
+            <a:r>
+              <a:rPr lang="de-CH" dirty="0" err="1"/>
+              <a:t>of</a:t>
+            </a:r>
+            <a:r>
+              <a:rPr lang="de-CH" dirty="0"/>
+              <a:t> </a:t>
+            </a:r>
+            <a:r>
+              <a:rPr lang="de-CH" dirty="0" err="1"/>
+              <a:t>the</a:t>
+            </a:r>
+            <a:r>
+              <a:rPr lang="de-CH" dirty="0"/>
+              <a:t> </a:t>
+            </a:r>
+            <a:r>
+              <a:rPr lang="de-CH" dirty="0" err="1"/>
+              <a:t>models</a:t>
+            </a:r>
+            <a:r>
+              <a:rPr lang="de-CH" dirty="0"/>
+              <a:t> </a:t>
+            </a:r>
+            <a:r>
+              <a:rPr lang="de-CH" dirty="0" err="1"/>
+              <a:t>can</a:t>
+            </a:r>
+            <a:r>
+              <a:rPr lang="de-CH" dirty="0"/>
+              <a:t> </a:t>
+            </a:r>
+            <a:r>
+              <a:rPr lang="de-CH" dirty="0" err="1"/>
+              <a:t>be</a:t>
+            </a:r>
+            <a:r>
+              <a:rPr lang="de-CH" dirty="0"/>
+              <a:t> </a:t>
+            </a:r>
+            <a:r>
+              <a:rPr lang="de-CH" dirty="0" err="1"/>
+              <a:t>used</a:t>
+            </a:r>
+            <a:endParaRPr lang="de-CH" dirty="0"/>
+          </a:p>
+          <a:p>
+            <a:pPr lvl="1"/>
+            <a:r>
+              <a:rPr lang="de-CH" dirty="0"/>
+              <a:t>Evaluation </a:t>
+            </a:r>
+            <a:r>
+              <a:rPr lang="de-CH" dirty="0" err="1"/>
+              <a:t>of</a:t>
+            </a:r>
+            <a:r>
+              <a:rPr lang="de-CH" dirty="0"/>
+              <a:t> </a:t>
+            </a:r>
+            <a:r>
+              <a:rPr lang="de-CH" dirty="0" err="1"/>
+              <a:t>cross</a:t>
+            </a:r>
+            <a:r>
+              <a:rPr lang="de-CH" dirty="0"/>
+              <a:t>-lingual </a:t>
+            </a:r>
+            <a:r>
+              <a:rPr lang="de-CH" dirty="0" err="1"/>
+              <a:t>transfer</a:t>
+            </a:r>
+            <a:r>
+              <a:rPr lang="de-CH" dirty="0"/>
+              <a:t> </a:t>
+            </a:r>
+            <a:r>
+              <a:rPr lang="de-CH" dirty="0" err="1"/>
+              <a:t>is</a:t>
+            </a:r>
+            <a:r>
+              <a:rPr lang="de-CH" dirty="0"/>
+              <a:t> </a:t>
+            </a:r>
+            <a:r>
+              <a:rPr lang="de-CH" dirty="0" err="1"/>
+              <a:t>easier</a:t>
+            </a:r>
+            <a:endParaRPr lang="de-CH" dirty="0"/>
+          </a:p>
+          <a:p>
+            <a:pPr lvl="1"/>
+            <a:r>
+              <a:rPr lang="de-CH" dirty="0" err="1"/>
+              <a:t>Less</a:t>
+            </a:r>
+            <a:r>
+              <a:rPr lang="de-CH" dirty="0"/>
+              <a:t> </a:t>
+            </a:r>
+            <a:r>
+              <a:rPr lang="de-CH" dirty="0" err="1"/>
+              <a:t>complicated</a:t>
+            </a:r>
+            <a:r>
+              <a:rPr lang="de-CH" dirty="0"/>
+              <a:t> </a:t>
+            </a:r>
+            <a:r>
+              <a:rPr lang="de-CH" dirty="0" err="1"/>
+              <a:t>because</a:t>
+            </a:r>
+            <a:r>
+              <a:rPr lang="de-CH" dirty="0"/>
+              <a:t> </a:t>
+            </a:r>
+            <a:r>
+              <a:rPr lang="de-CH" dirty="0" err="1"/>
+              <a:t>no</a:t>
+            </a:r>
+            <a:r>
+              <a:rPr lang="de-CH" dirty="0"/>
+              <a:t> </a:t>
+            </a:r>
+            <a:r>
+              <a:rPr lang="de-CH" dirty="0" err="1"/>
+              <a:t>data</a:t>
+            </a:r>
+            <a:r>
+              <a:rPr lang="de-CH" dirty="0"/>
+              <a:t> </a:t>
+            </a:r>
+            <a:r>
+              <a:rPr lang="de-CH" dirty="0" err="1"/>
+              <a:t>fusion</a:t>
+            </a:r>
+            <a:r>
+              <a:rPr lang="de-CH" dirty="0"/>
+              <a:t> </a:t>
+            </a:r>
+            <a:r>
+              <a:rPr lang="de-CH"/>
+              <a:t>necessary</a:t>
+            </a:r>
+            <a:endParaRPr lang="de-CH" dirty="0"/>
+          </a:p>
+          <a:p>
+            <a:pPr lvl="1"/>
+            <a:r>
+              <a:rPr lang="de-CH" dirty="0" err="1"/>
+              <a:t>Easier</a:t>
+            </a:r>
+            <a:r>
+              <a:rPr lang="de-CH" dirty="0"/>
+              <a:t> </a:t>
+            </a:r>
+            <a:r>
+              <a:rPr lang="de-CH" dirty="0" err="1"/>
+              <a:t>to</a:t>
+            </a:r>
+            <a:r>
+              <a:rPr lang="de-CH" dirty="0"/>
+              <a:t> </a:t>
+            </a:r>
+            <a:r>
+              <a:rPr lang="de-CH" dirty="0" err="1"/>
+              <a:t>recognize</a:t>
+            </a:r>
+            <a:r>
+              <a:rPr lang="de-CH" dirty="0"/>
+              <a:t> </a:t>
+            </a:r>
+            <a:r>
+              <a:rPr lang="de-CH" dirty="0" err="1"/>
+              <a:t>generalization</a:t>
+            </a:r>
+            <a:r>
+              <a:rPr lang="de-CH" dirty="0"/>
+              <a:t> and </a:t>
+            </a:r>
+            <a:r>
+              <a:rPr lang="de-CH" dirty="0" err="1"/>
+              <a:t>language</a:t>
+            </a:r>
+            <a:r>
+              <a:rPr lang="de-CH" dirty="0"/>
+              <a:t> </a:t>
+            </a:r>
+            <a:r>
+              <a:rPr lang="de-CH" dirty="0" err="1"/>
+              <a:t>specific</a:t>
+            </a:r>
+            <a:r>
+              <a:rPr lang="de-CH" dirty="0"/>
+              <a:t> </a:t>
+            </a:r>
+            <a:r>
+              <a:rPr lang="de-CH" dirty="0" err="1"/>
+              <a:t>challenges</a:t>
+            </a:r>
+            <a:endParaRPr lang="en-US" dirty="0"/>
           </a:p>
         </p:txBody>
       </p:sp>
@@ -7708,4 +10757,299 @@
     </a:ext>
   </a:extLst>
 </a:theme>
+</file>
+
+<file path=ppt/theme/theme2.xml><?xml version="1.0" encoding="utf-8"?>
+<a:theme xmlns:a="http://schemas.openxmlformats.org/drawingml/2006/main" name="Office Theme">
+  <a:themeElements>
+    <a:clrScheme name="Office">
+      <a:dk1>
+        <a:sysClr val="windowText" lastClr="000000"/>
+      </a:dk1>
+      <a:lt1>
+        <a:sysClr val="window" lastClr="FFFFFF"/>
+      </a:lt1>
+      <a:dk2>
+        <a:srgbClr val="44546A"/>
+      </a:dk2>
+      <a:lt2>
+        <a:srgbClr val="E7E6E6"/>
+      </a:lt2>
+      <a:accent1>
+        <a:srgbClr val="4472C4"/>
+      </a:accent1>
+      <a:accent2>
+        <a:srgbClr val="ED7D31"/>
+      </a:accent2>
+      <a:accent3>
+        <a:srgbClr val="A5A5A5"/>
+      </a:accent3>
+      <a:accent4>
+        <a:srgbClr val="FFC000"/>
+      </a:accent4>
+      <a:accent5>
+        <a:srgbClr val="5B9BD5"/>
+      </a:accent5>
+      <a:accent6>
+        <a:srgbClr val="70AD47"/>
+      </a:accent6>
+      <a:hlink>
+        <a:srgbClr val="0563C1"/>
+      </a:hlink>
+      <a:folHlink>
+        <a:srgbClr val="954F72"/>
+      </a:folHlink>
+    </a:clrScheme>
+    <a:fontScheme name="Office">
+      <a:majorFont>
+        <a:latin typeface="Calibri Light" panose="020F0302020204030204"/>
+        <a:ea typeface=""/>
+        <a:cs typeface=""/>
+        <a:font script="Jpan" typeface="游ゴシック Light"/>
+        <a:font script="Hang" typeface="맑은 고딕"/>
+        <a:font script="Hans" typeface="等线 Light"/>
+        <a:font script="Hant" typeface="新細明體"/>
+        <a:font script="Arab" typeface="Times New Roman"/>
+        <a:font script="Hebr" typeface="Times New Roman"/>
+        <a:font script="Thai" typeface="Angsana New"/>
+        <a:font script="Ethi" typeface="Nyala"/>
+        <a:font script="Beng" typeface="Vrinda"/>
+        <a:font script="Gujr" typeface="Shruti"/>
+        <a:font script="Khmr" typeface="MoolBoran"/>
+        <a:font script="Knda" typeface="Tunga"/>
+        <a:font script="Guru" typeface="Raavi"/>
+        <a:font script="Cans" typeface="Euphemia"/>
+        <a:font script="Cher" typeface="Plantagenet Cherokee"/>
+        <a:font script="Yiii" typeface="Microsoft Yi Baiti"/>
+        <a:font script="Tibt" typeface="Microsoft Himalaya"/>
+        <a:font script="Thaa" typeface="MV Boli"/>
+        <a:font script="Deva" typeface="Mangal"/>
+        <a:font script="Telu" typeface="Gautami"/>
+        <a:font script="Taml" typeface="Latha"/>
+        <a:font script="Syrc" typeface="Estrangelo Edessa"/>
+        <a:font script="Orya" typeface="Kalinga"/>
+        <a:font script="Mlym" typeface="Kartika"/>
+        <a:font script="Laoo" typeface="DokChampa"/>
+        <a:font script="Sinh" typeface="Iskoola Pota"/>
+        <a:font script="Mong" typeface="Mongolian Baiti"/>
+        <a:font script="Viet" typeface="Times New Roman"/>
+        <a:font script="Uigh" typeface="Microsoft Uighur"/>
+        <a:font script="Geor" typeface="Sylfaen"/>
+        <a:font script="Armn" typeface="Arial"/>
+        <a:font script="Bugi" typeface="Leelawadee UI"/>
+        <a:font script="Bopo" typeface="Microsoft JhengHei"/>
+        <a:font script="Java" typeface="Javanese Text"/>
+        <a:font script="Lisu" typeface="Segoe UI"/>
+        <a:font script="Mymr" typeface="Myanmar Text"/>
+        <a:font script="Nkoo" typeface="Ebrima"/>
+        <a:font script="Olck" typeface="Nirmala UI"/>
+        <a:font script="Osma" typeface="Ebrima"/>
+        <a:font script="Phag" typeface="Phagspa"/>
+        <a:font script="Syrn" typeface="Estrangelo Edessa"/>
+        <a:font script="Syrj" typeface="Estrangelo Edessa"/>
+        <a:font script="Syre" typeface="Estrangelo Edessa"/>
+        <a:font script="Sora" typeface="Nirmala UI"/>
+        <a:font script="Tale" typeface="Microsoft Tai Le"/>
+        <a:font script="Talu" typeface="Microsoft New Tai Lue"/>
+        <a:font script="Tfng" typeface="Ebrima"/>
+      </a:majorFont>
+      <a:minorFont>
+        <a:latin typeface="Calibri" panose="020F0502020204030204"/>
+        <a:ea typeface=""/>
+        <a:cs typeface=""/>
+        <a:font script="Jpan" typeface="游ゴシック"/>
+        <a:font script="Hang" typeface="맑은 고딕"/>
+        <a:font script="Hans" typeface="等线"/>
+        <a:font script="Hant" typeface="新細明體"/>
+        <a:font script="Arab" typeface="Arial"/>
+        <a:font script="Hebr" typeface="Arial"/>
+        <a:font script="Thai" typeface="Cordia New"/>
+        <a:font script="Ethi" typeface="Nyala"/>
+        <a:font script="Beng" typeface="Vrinda"/>
+        <a:font script="Gujr" typeface="Shruti"/>
+        <a:font script="Khmr" typeface="DaunPenh"/>
+        <a:font script="Knda" typeface="Tunga"/>
+        <a:font script="Guru" typeface="Raavi"/>
+        <a:font script="Cans" typeface="Euphemia"/>
+        <a:font script="Cher" typeface="Plantagenet Cherokee"/>
+        <a:font script="Yiii" typeface="Microsoft Yi Baiti"/>
+        <a:font script="Tibt" typeface="Microsoft Himalaya"/>
+        <a:font script="Thaa" typeface="MV Boli"/>
+        <a:font script="Deva" typeface="Mangal"/>
+        <a:font script="Telu" typeface="Gautami"/>
+        <a:font script="Taml" typeface="Latha"/>
+        <a:font script="Syrc" typeface="Estrangelo Edessa"/>
+        <a:font script="Orya" typeface="Kalinga"/>
+        <a:font script="Mlym" typeface="Kartika"/>
+        <a:font script="Laoo" typeface="DokChampa"/>
+        <a:font script="Sinh" typeface="Iskoola Pota"/>
+        <a:font script="Mong" typeface="Mongolian Baiti"/>
+        <a:font script="Viet" typeface="Arial"/>
+        <a:font script="Uigh" typeface="Microsoft Uighur"/>
+        <a:font script="Geor" typeface="Sylfaen"/>
+        <a:font script="Armn" typeface="Arial"/>
+        <a:font script="Bugi" typeface="Leelawadee UI"/>
+        <a:font script="Bopo" typeface="Microsoft JhengHei"/>
+        <a:font script="Java" typeface="Javanese Text"/>
+        <a:font script="Lisu" typeface="Segoe UI"/>
+        <a:font script="Mymr" typeface="Myanmar Text"/>
+        <a:font script="Nkoo" typeface="Ebrima"/>
+        <a:font script="Olck" typeface="Nirmala UI"/>
+        <a:font script="Osma" typeface="Ebrima"/>
+        <a:font script="Phag" typeface="Phagspa"/>
+        <a:font script="Syrn" typeface="Estrangelo Edessa"/>
+        <a:font script="Syrj" typeface="Estrangelo Edessa"/>
+        <a:font script="Syre" typeface="Estrangelo Edessa"/>
+        <a:font script="Sora" typeface="Nirmala UI"/>
+        <a:font script="Tale" typeface="Microsoft Tai Le"/>
+        <a:font script="Talu" typeface="Microsoft New Tai Lue"/>
+        <a:font script="Tfng" typeface="Ebrima"/>
+      </a:minorFont>
+    </a:fontScheme>
+    <a:fmtScheme name="Office">
+      <a:fillStyleLst>
+        <a:solidFill>
+          <a:schemeClr val="phClr"/>
+        </a:solidFill>
+        <a:gradFill rotWithShape="1">
+          <a:gsLst>
+            <a:gs pos="0">
+              <a:schemeClr val="phClr">
+                <a:lumMod val="110000"/>
+                <a:satMod val="105000"/>
+                <a:tint val="67000"/>
+              </a:schemeClr>
+            </a:gs>
+            <a:gs pos="50000">
+              <a:schemeClr val="phClr">
+                <a:lumMod val="105000"/>
+                <a:satMod val="103000"/>
+                <a:tint val="73000"/>
+              </a:schemeClr>
+            </a:gs>
+            <a:gs pos="100000">
+              <a:schemeClr val="phClr">
+                <a:lumMod val="105000"/>
+                <a:satMod val="109000"/>
+                <a:tint val="81000"/>
+              </a:schemeClr>
+            </a:gs>
+          </a:gsLst>
+          <a:lin ang="5400000" scaled="0"/>
+        </a:gradFill>
+        <a:gradFill rotWithShape="1">
+          <a:gsLst>
+            <a:gs pos="0">
+              <a:schemeClr val="phClr">
+                <a:satMod val="103000"/>
+                <a:lumMod val="102000"/>
+                <a:tint val="94000"/>
+              </a:schemeClr>
+            </a:gs>
+            <a:gs pos="50000">
+              <a:schemeClr val="phClr">
+                <a:satMod val="110000"/>
+                <a:lumMod val="100000"/>
+                <a:shade val="100000"/>
+              </a:schemeClr>
+            </a:gs>
+            <a:gs pos="100000">
+              <a:schemeClr val="phClr">
+                <a:lumMod val="99000"/>
+                <a:satMod val="120000"/>
+                <a:shade val="78000"/>
+              </a:schemeClr>
+            </a:gs>
+          </a:gsLst>
+          <a:lin ang="5400000" scaled="0"/>
+        </a:gradFill>
+      </a:fillStyleLst>
+      <a:lnStyleLst>
+        <a:ln w="6350" cap="flat" cmpd="sng" algn="ctr">
+          <a:solidFill>
+            <a:schemeClr val="phClr"/>
+          </a:solidFill>
+          <a:prstDash val="solid"/>
+          <a:miter lim="800000"/>
+        </a:ln>
+        <a:ln w="12700" cap="flat" cmpd="sng" algn="ctr">
+          <a:solidFill>
+            <a:schemeClr val="phClr"/>
+          </a:solidFill>
+          <a:prstDash val="solid"/>
+          <a:miter lim="800000"/>
+        </a:ln>
+        <a:ln w="19050" cap="flat" cmpd="sng" algn="ctr">
+          <a:solidFill>
+            <a:schemeClr val="phClr"/>
+          </a:solidFill>
+          <a:prstDash val="solid"/>
+          <a:miter lim="800000"/>
+        </a:ln>
+      </a:lnStyleLst>
+      <a:effectStyleLst>
+        <a:effectStyle>
+          <a:effectLst/>
+        </a:effectStyle>
+        <a:effectStyle>
+          <a:effectLst/>
+        </a:effectStyle>
+        <a:effectStyle>
+          <a:effectLst>
+            <a:outerShdw blurRad="57150" dist="19050" dir="5400000" algn="ctr" rotWithShape="0">
+              <a:srgbClr val="000000">
+                <a:alpha val="63000"/>
+              </a:srgbClr>
+            </a:outerShdw>
+          </a:effectLst>
+        </a:effectStyle>
+      </a:effectStyleLst>
+      <a:bgFillStyleLst>
+        <a:solidFill>
+          <a:schemeClr val="phClr"/>
+        </a:solidFill>
+        <a:solidFill>
+          <a:schemeClr val="phClr">
+            <a:tint val="95000"/>
+            <a:satMod val="170000"/>
+          </a:schemeClr>
+        </a:solidFill>
+        <a:gradFill rotWithShape="1">
+          <a:gsLst>
+            <a:gs pos="0">
+              <a:schemeClr val="phClr">
+                <a:tint val="93000"/>
+                <a:satMod val="150000"/>
+                <a:shade val="98000"/>
+                <a:lumMod val="102000"/>
+              </a:schemeClr>
+            </a:gs>
+            <a:gs pos="50000">
+              <a:schemeClr val="phClr">
+                <a:tint val="98000"/>
+                <a:satMod val="130000"/>
+                <a:shade val="90000"/>
+                <a:lumMod val="103000"/>
+              </a:schemeClr>
+            </a:gs>
+            <a:gs pos="100000">
+              <a:schemeClr val="phClr">
+                <a:shade val="63000"/>
+                <a:satMod val="120000"/>
+              </a:schemeClr>
+            </a:gs>
+          </a:gsLst>
+          <a:lin ang="5400000" scaled="0"/>
+        </a:gradFill>
+      </a:bgFillStyleLst>
+    </a:fmtScheme>
+  </a:themeElements>
+  <a:objectDefaults/>
+  <a:extraClrSchemeLst/>
+  <a:extLst>
+    <a:ext uri="{05A4C25C-085E-4340-85A3-A5531E510DB2}">
+      <thm15:themeFamily xmlns:thm15="http://schemas.microsoft.com/office/thememl/2012/main" name="Office Theme" id="{62F939B6-93AF-4DB8-9C6B-D6C7DFDC589F}" vid="{4A3C46E8-61CC-4603-A589-7422A47A8E4A}"/>
+    </a:ext>
+  </a:extLst>
+</a:theme>
 </file>
--- a/CAS NLP Module 4_jd_bb.pptx
+++ b/CAS NLP Module 4_jd_bb.pptx
@@ -5,7 +5,7 @@
     <p:sldMasterId id="2147483660" r:id="rId1"/>
   </p:sldMasterIdLst>
   <p:notesMasterIdLst>
-    <p:notesMasterId r:id="rId15"/>
+    <p:notesMasterId r:id="rId19"/>
   </p:notesMasterIdLst>
   <p:sldIdLst>
     <p:sldId id="256" r:id="rId2"/>
@@ -14,13 +14,17 @@
     <p:sldId id="259" r:id="rId5"/>
     <p:sldId id="260" r:id="rId6"/>
     <p:sldId id="261" r:id="rId7"/>
-    <p:sldId id="262" r:id="rId8"/>
-    <p:sldId id="263" r:id="rId9"/>
-    <p:sldId id="264" r:id="rId10"/>
-    <p:sldId id="265" r:id="rId11"/>
-    <p:sldId id="266" r:id="rId12"/>
-    <p:sldId id="267" r:id="rId13"/>
-    <p:sldId id="268" r:id="rId14"/>
+    <p:sldId id="269" r:id="rId8"/>
+    <p:sldId id="270" r:id="rId9"/>
+    <p:sldId id="271" r:id="rId10"/>
+    <p:sldId id="272" r:id="rId11"/>
+    <p:sldId id="262" r:id="rId12"/>
+    <p:sldId id="263" r:id="rId13"/>
+    <p:sldId id="264" r:id="rId14"/>
+    <p:sldId id="265" r:id="rId15"/>
+    <p:sldId id="266" r:id="rId16"/>
+    <p:sldId id="267" r:id="rId17"/>
+    <p:sldId id="268" r:id="rId18"/>
   </p:sldIdLst>
   <p:sldSz cx="12192000" cy="6858000"/>
   <p:notesSz cx="6858000" cy="9144000"/>
@@ -209,7 +213,7 @@
           <a:p>
             <a:fld id="{E51474CE-351A-4402-BD16-5C3CE3808280}" type="datetimeFigureOut">
               <a:rPr lang="en-US" smtClean="0"/>
-              <a:t>1/18/2025</a:t>
+              <a:t>1/19/2025</a:t>
             </a:fld>
             <a:endParaRPr lang="en-US"/>
           </a:p>
@@ -367,7 +371,7 @@
           <a:p>
             <a:fld id="{2DA66685-3D22-47BB-B74E-10995D7F8271}" type="slidenum">
               <a:rPr lang="en-US" smtClean="0"/>
-              <a:t>‹#›</a:t>
+              <a:t>‹Nr.›</a:t>
             </a:fld>
             <a:endParaRPr lang="en-US"/>
           </a:p>
@@ -2086,6 +2090,414 @@
 </p:notes>
 </file>
 
+<file path=ppt/notesSlides/notesSlide2.xml><?xml version="1.0" encoding="utf-8"?>
+<p:notes xmlns:a="http://schemas.openxmlformats.org/drawingml/2006/main" xmlns:r="http://schemas.openxmlformats.org/officeDocument/2006/relationships" xmlns:p="http://schemas.openxmlformats.org/presentationml/2006/main">
+  <p:cSld>
+    <p:spTree>
+      <p:nvGrpSpPr>
+        <p:cNvPr id="1" name=""/>
+        <p:cNvGrpSpPr/>
+        <p:nvPr/>
+      </p:nvGrpSpPr>
+      <p:grpSpPr>
+        <a:xfrm>
+          <a:off x="0" y="0"/>
+          <a:ext cx="0" cy="0"/>
+          <a:chOff x="0" y="0"/>
+          <a:chExt cx="0" cy="0"/>
+        </a:xfrm>
+      </p:grpSpPr>
+      <p:sp>
+        <p:nvSpPr>
+          <p:cNvPr id="2" name="Folienbildplatzhalter 1"/>
+          <p:cNvSpPr>
+            <a:spLocks noGrp="1" noRot="1" noChangeAspect="1"/>
+          </p:cNvSpPr>
+          <p:nvPr>
+            <p:ph type="sldImg"/>
+          </p:nvPr>
+        </p:nvSpPr>
+        <p:spPr/>
+      </p:sp>
+      <p:sp>
+        <p:nvSpPr>
+          <p:cNvPr id="3" name="Notizenplatzhalter 2"/>
+          <p:cNvSpPr>
+            <a:spLocks noGrp="1"/>
+          </p:cNvSpPr>
+          <p:nvPr>
+            <p:ph type="body" idx="1"/>
+          </p:nvPr>
+        </p:nvSpPr>
+        <p:spPr/>
+        <p:txBody>
+          <a:bodyPr/>
+          <a:lstStyle/>
+          <a:p>
+            <a:endParaRPr lang="de-CH" dirty="0"/>
+          </a:p>
+        </p:txBody>
+      </p:sp>
+      <p:sp>
+        <p:nvSpPr>
+          <p:cNvPr id="4" name="Foliennummernplatzhalter 3"/>
+          <p:cNvSpPr>
+            <a:spLocks noGrp="1"/>
+          </p:cNvSpPr>
+          <p:nvPr>
+            <p:ph type="sldNum" sz="quarter" idx="5"/>
+          </p:nvPr>
+        </p:nvSpPr>
+        <p:spPr/>
+        <p:txBody>
+          <a:bodyPr/>
+          <a:lstStyle/>
+          <a:p>
+            <a:fld id="{2DA66685-3D22-47BB-B74E-10995D7F8271}" type="slidenum">
+              <a:rPr lang="en-US" smtClean="0"/>
+              <a:t>7</a:t>
+            </a:fld>
+            <a:endParaRPr lang="en-US"/>
+          </a:p>
+        </p:txBody>
+      </p:sp>
+    </p:spTree>
+    <p:extLst>
+      <p:ext uri="{BB962C8B-B14F-4D97-AF65-F5344CB8AC3E}">
+        <p14:creationId xmlns:p14="http://schemas.microsoft.com/office/powerpoint/2010/main" val="66036931"/>
+      </p:ext>
+    </p:extLst>
+  </p:cSld>
+  <p:clrMapOvr>
+    <a:masterClrMapping/>
+  </p:clrMapOvr>
+</p:notes>
+</file>
+
+<file path=ppt/notesSlides/notesSlide3.xml><?xml version="1.0" encoding="utf-8"?>
+<p:notes xmlns:a="http://schemas.openxmlformats.org/drawingml/2006/main" xmlns:r="http://schemas.openxmlformats.org/officeDocument/2006/relationships" xmlns:p="http://schemas.openxmlformats.org/presentationml/2006/main">
+  <p:cSld>
+    <p:spTree>
+      <p:nvGrpSpPr>
+        <p:cNvPr id="1" name="">
+          <a:extLst>
+            <a:ext uri="{FF2B5EF4-FFF2-40B4-BE49-F238E27FC236}">
+              <a16:creationId xmlns:a16="http://schemas.microsoft.com/office/drawing/2014/main" id="{F9B6E588-6C5E-7D87-945F-3204448E215F}"/>
+            </a:ext>
+          </a:extLst>
+        </p:cNvPr>
+        <p:cNvGrpSpPr/>
+        <p:nvPr/>
+      </p:nvGrpSpPr>
+      <p:grpSpPr>
+        <a:xfrm>
+          <a:off x="0" y="0"/>
+          <a:ext cx="0" cy="0"/>
+          <a:chOff x="0" y="0"/>
+          <a:chExt cx="0" cy="0"/>
+        </a:xfrm>
+      </p:grpSpPr>
+      <p:sp>
+        <p:nvSpPr>
+          <p:cNvPr id="2" name="Folienbildplatzhalter 1">
+            <a:extLst>
+              <a:ext uri="{FF2B5EF4-FFF2-40B4-BE49-F238E27FC236}">
+                <a16:creationId xmlns:a16="http://schemas.microsoft.com/office/drawing/2014/main" id="{8225E36B-ABB9-633D-6599-38BEAB667605}"/>
+              </a:ext>
+            </a:extLst>
+          </p:cNvPr>
+          <p:cNvSpPr>
+            <a:spLocks noGrp="1" noRot="1" noChangeAspect="1"/>
+          </p:cNvSpPr>
+          <p:nvPr>
+            <p:ph type="sldImg"/>
+          </p:nvPr>
+        </p:nvSpPr>
+        <p:spPr/>
+      </p:sp>
+      <p:sp>
+        <p:nvSpPr>
+          <p:cNvPr id="3" name="Notizenplatzhalter 2">
+            <a:extLst>
+              <a:ext uri="{FF2B5EF4-FFF2-40B4-BE49-F238E27FC236}">
+                <a16:creationId xmlns:a16="http://schemas.microsoft.com/office/drawing/2014/main" id="{58CDAC67-32FD-51A4-237D-77DEF0281A6A}"/>
+              </a:ext>
+            </a:extLst>
+          </p:cNvPr>
+          <p:cNvSpPr>
+            <a:spLocks noGrp="1"/>
+          </p:cNvSpPr>
+          <p:nvPr>
+            <p:ph type="body" idx="1"/>
+          </p:nvPr>
+        </p:nvSpPr>
+        <p:spPr/>
+        <p:txBody>
+          <a:bodyPr/>
+          <a:lstStyle/>
+          <a:p>
+            <a:endParaRPr lang="de-CH" dirty="0"/>
+          </a:p>
+        </p:txBody>
+      </p:sp>
+      <p:sp>
+        <p:nvSpPr>
+          <p:cNvPr id="4" name="Foliennummernplatzhalter 3">
+            <a:extLst>
+              <a:ext uri="{FF2B5EF4-FFF2-40B4-BE49-F238E27FC236}">
+                <a16:creationId xmlns:a16="http://schemas.microsoft.com/office/drawing/2014/main" id="{9FF46359-FB48-4102-51B8-60672D3DD68C}"/>
+              </a:ext>
+            </a:extLst>
+          </p:cNvPr>
+          <p:cNvSpPr>
+            <a:spLocks noGrp="1"/>
+          </p:cNvSpPr>
+          <p:nvPr>
+            <p:ph type="sldNum" sz="quarter" idx="5"/>
+          </p:nvPr>
+        </p:nvSpPr>
+        <p:spPr/>
+        <p:txBody>
+          <a:bodyPr/>
+          <a:lstStyle/>
+          <a:p>
+            <a:fld id="{2DA66685-3D22-47BB-B74E-10995D7F8271}" type="slidenum">
+              <a:rPr lang="en-US" smtClean="0"/>
+              <a:t>8</a:t>
+            </a:fld>
+            <a:endParaRPr lang="en-US"/>
+          </a:p>
+        </p:txBody>
+      </p:sp>
+    </p:spTree>
+    <p:extLst>
+      <p:ext uri="{BB962C8B-B14F-4D97-AF65-F5344CB8AC3E}">
+        <p14:creationId xmlns:p14="http://schemas.microsoft.com/office/powerpoint/2010/main" val="3367596640"/>
+      </p:ext>
+    </p:extLst>
+  </p:cSld>
+  <p:clrMapOvr>
+    <a:masterClrMapping/>
+  </p:clrMapOvr>
+</p:notes>
+</file>
+
+<file path=ppt/notesSlides/notesSlide4.xml><?xml version="1.0" encoding="utf-8"?>
+<p:notes xmlns:a="http://schemas.openxmlformats.org/drawingml/2006/main" xmlns:r="http://schemas.openxmlformats.org/officeDocument/2006/relationships" xmlns:p="http://schemas.openxmlformats.org/presentationml/2006/main">
+  <p:cSld>
+    <p:spTree>
+      <p:nvGrpSpPr>
+        <p:cNvPr id="1" name="">
+          <a:extLst>
+            <a:ext uri="{FF2B5EF4-FFF2-40B4-BE49-F238E27FC236}">
+              <a16:creationId xmlns:a16="http://schemas.microsoft.com/office/drawing/2014/main" id="{49DD89E9-A372-2996-CB7F-ED23AD9D5642}"/>
+            </a:ext>
+          </a:extLst>
+        </p:cNvPr>
+        <p:cNvGrpSpPr/>
+        <p:nvPr/>
+      </p:nvGrpSpPr>
+      <p:grpSpPr>
+        <a:xfrm>
+          <a:off x="0" y="0"/>
+          <a:ext cx="0" cy="0"/>
+          <a:chOff x="0" y="0"/>
+          <a:chExt cx="0" cy="0"/>
+        </a:xfrm>
+      </p:grpSpPr>
+      <p:sp>
+        <p:nvSpPr>
+          <p:cNvPr id="2" name="Folienbildplatzhalter 1">
+            <a:extLst>
+              <a:ext uri="{FF2B5EF4-FFF2-40B4-BE49-F238E27FC236}">
+                <a16:creationId xmlns:a16="http://schemas.microsoft.com/office/drawing/2014/main" id="{AA4ADBCF-4471-D31F-8C16-17CAA27055A0}"/>
+              </a:ext>
+            </a:extLst>
+          </p:cNvPr>
+          <p:cNvSpPr>
+            <a:spLocks noGrp="1" noRot="1" noChangeAspect="1"/>
+          </p:cNvSpPr>
+          <p:nvPr>
+            <p:ph type="sldImg"/>
+          </p:nvPr>
+        </p:nvSpPr>
+        <p:spPr/>
+      </p:sp>
+      <p:sp>
+        <p:nvSpPr>
+          <p:cNvPr id="3" name="Notizenplatzhalter 2">
+            <a:extLst>
+              <a:ext uri="{FF2B5EF4-FFF2-40B4-BE49-F238E27FC236}">
+                <a16:creationId xmlns:a16="http://schemas.microsoft.com/office/drawing/2014/main" id="{E1128C63-23D8-E812-E33A-D2FA3EFA6AF2}"/>
+              </a:ext>
+            </a:extLst>
+          </p:cNvPr>
+          <p:cNvSpPr>
+            <a:spLocks noGrp="1"/>
+          </p:cNvSpPr>
+          <p:nvPr>
+            <p:ph type="body" idx="1"/>
+          </p:nvPr>
+        </p:nvSpPr>
+        <p:spPr/>
+        <p:txBody>
+          <a:bodyPr/>
+          <a:lstStyle/>
+          <a:p>
+            <a:endParaRPr lang="de-CH" dirty="0"/>
+          </a:p>
+        </p:txBody>
+      </p:sp>
+      <p:sp>
+        <p:nvSpPr>
+          <p:cNvPr id="4" name="Foliennummernplatzhalter 3">
+            <a:extLst>
+              <a:ext uri="{FF2B5EF4-FFF2-40B4-BE49-F238E27FC236}">
+                <a16:creationId xmlns:a16="http://schemas.microsoft.com/office/drawing/2014/main" id="{56792B2E-039D-7436-4F48-049DA5AA36BD}"/>
+              </a:ext>
+            </a:extLst>
+          </p:cNvPr>
+          <p:cNvSpPr>
+            <a:spLocks noGrp="1"/>
+          </p:cNvSpPr>
+          <p:nvPr>
+            <p:ph type="sldNum" sz="quarter" idx="5"/>
+          </p:nvPr>
+        </p:nvSpPr>
+        <p:spPr/>
+        <p:txBody>
+          <a:bodyPr/>
+          <a:lstStyle/>
+          <a:p>
+            <a:fld id="{2DA66685-3D22-47BB-B74E-10995D7F8271}" type="slidenum">
+              <a:rPr lang="en-US" smtClean="0"/>
+              <a:t>9</a:t>
+            </a:fld>
+            <a:endParaRPr lang="en-US"/>
+          </a:p>
+        </p:txBody>
+      </p:sp>
+    </p:spTree>
+    <p:extLst>
+      <p:ext uri="{BB962C8B-B14F-4D97-AF65-F5344CB8AC3E}">
+        <p14:creationId xmlns:p14="http://schemas.microsoft.com/office/powerpoint/2010/main" val="3876792440"/>
+      </p:ext>
+    </p:extLst>
+  </p:cSld>
+  <p:clrMapOvr>
+    <a:masterClrMapping/>
+  </p:clrMapOvr>
+</p:notes>
+</file>
+
+<file path=ppt/notesSlides/notesSlide5.xml><?xml version="1.0" encoding="utf-8"?>
+<p:notes xmlns:a="http://schemas.openxmlformats.org/drawingml/2006/main" xmlns:r="http://schemas.openxmlformats.org/officeDocument/2006/relationships" xmlns:p="http://schemas.openxmlformats.org/presentationml/2006/main">
+  <p:cSld>
+    <p:spTree>
+      <p:nvGrpSpPr>
+        <p:cNvPr id="1" name="">
+          <a:extLst>
+            <a:ext uri="{FF2B5EF4-FFF2-40B4-BE49-F238E27FC236}">
+              <a16:creationId xmlns:a16="http://schemas.microsoft.com/office/drawing/2014/main" id="{D5B7F76D-B51F-3BCB-B314-63945A87B291}"/>
+            </a:ext>
+          </a:extLst>
+        </p:cNvPr>
+        <p:cNvGrpSpPr/>
+        <p:nvPr/>
+      </p:nvGrpSpPr>
+      <p:grpSpPr>
+        <a:xfrm>
+          <a:off x="0" y="0"/>
+          <a:ext cx="0" cy="0"/>
+          <a:chOff x="0" y="0"/>
+          <a:chExt cx="0" cy="0"/>
+        </a:xfrm>
+      </p:grpSpPr>
+      <p:sp>
+        <p:nvSpPr>
+          <p:cNvPr id="2" name="Folienbildplatzhalter 1">
+            <a:extLst>
+              <a:ext uri="{FF2B5EF4-FFF2-40B4-BE49-F238E27FC236}">
+                <a16:creationId xmlns:a16="http://schemas.microsoft.com/office/drawing/2014/main" id="{9CA26841-C491-14AC-BE5B-F04F35F61142}"/>
+              </a:ext>
+            </a:extLst>
+          </p:cNvPr>
+          <p:cNvSpPr>
+            <a:spLocks noGrp="1" noRot="1" noChangeAspect="1"/>
+          </p:cNvSpPr>
+          <p:nvPr>
+            <p:ph type="sldImg"/>
+          </p:nvPr>
+        </p:nvSpPr>
+        <p:spPr/>
+      </p:sp>
+      <p:sp>
+        <p:nvSpPr>
+          <p:cNvPr id="3" name="Notizenplatzhalter 2">
+            <a:extLst>
+              <a:ext uri="{FF2B5EF4-FFF2-40B4-BE49-F238E27FC236}">
+                <a16:creationId xmlns:a16="http://schemas.microsoft.com/office/drawing/2014/main" id="{F0D2BEC1-A3EC-9818-38D5-F46D118F0A52}"/>
+              </a:ext>
+            </a:extLst>
+          </p:cNvPr>
+          <p:cNvSpPr>
+            <a:spLocks noGrp="1"/>
+          </p:cNvSpPr>
+          <p:nvPr>
+            <p:ph type="body" idx="1"/>
+          </p:nvPr>
+        </p:nvSpPr>
+        <p:spPr/>
+        <p:txBody>
+          <a:bodyPr/>
+          <a:lstStyle/>
+          <a:p>
+            <a:endParaRPr lang="de-CH" dirty="0"/>
+          </a:p>
+        </p:txBody>
+      </p:sp>
+      <p:sp>
+        <p:nvSpPr>
+          <p:cNvPr id="4" name="Foliennummernplatzhalter 3">
+            <a:extLst>
+              <a:ext uri="{FF2B5EF4-FFF2-40B4-BE49-F238E27FC236}">
+                <a16:creationId xmlns:a16="http://schemas.microsoft.com/office/drawing/2014/main" id="{F620FBC4-C5C2-76A7-5401-E08682152C40}"/>
+              </a:ext>
+            </a:extLst>
+          </p:cNvPr>
+          <p:cNvSpPr>
+            <a:spLocks noGrp="1"/>
+          </p:cNvSpPr>
+          <p:nvPr>
+            <p:ph type="sldNum" sz="quarter" idx="5"/>
+          </p:nvPr>
+        </p:nvSpPr>
+        <p:spPr/>
+        <p:txBody>
+          <a:bodyPr/>
+          <a:lstStyle/>
+          <a:p>
+            <a:fld id="{2DA66685-3D22-47BB-B74E-10995D7F8271}" type="slidenum">
+              <a:rPr lang="en-US" smtClean="0"/>
+              <a:t>10</a:t>
+            </a:fld>
+            <a:endParaRPr lang="en-US"/>
+          </a:p>
+        </p:txBody>
+      </p:sp>
+    </p:spTree>
+    <p:extLst>
+      <p:ext uri="{BB962C8B-B14F-4D97-AF65-F5344CB8AC3E}">
+        <p14:creationId xmlns:p14="http://schemas.microsoft.com/office/powerpoint/2010/main" val="2852920451"/>
+      </p:ext>
+    </p:extLst>
+  </p:cSld>
+  <p:clrMapOvr>
+    <a:masterClrMapping/>
+  </p:clrMapOvr>
+</p:notes>
+</file>
+
 <file path=ppt/slideLayouts/slideLayout1.xml><?xml version="1.0" encoding="utf-8"?>
 <p:sldLayout xmlns:a="http://schemas.openxmlformats.org/drawingml/2006/main" xmlns:r="http://schemas.openxmlformats.org/officeDocument/2006/relationships" xmlns:p="http://schemas.openxmlformats.org/presentationml/2006/main" type="title" preserve="1">
   <p:cSld name="Title Slide">
@@ -2272,7 +2684,7 @@
           <a:p>
             <a:fld id="{69F73540-DFB5-4816-8066-5D194A0B149D}" type="datetimeFigureOut">
               <a:rPr lang="de-CH" smtClean="0"/>
-              <a:t>18.01.2025</a:t>
+              <a:t>19.01.2025</a:t>
             </a:fld>
             <a:endParaRPr lang="de-CH"/>
           </a:p>
@@ -2314,7 +2726,7 @@
           <a:p>
             <a:fld id="{AB8F96E3-2EAC-4C18-B216-7E9D85CA2F89}" type="slidenum">
               <a:rPr lang="de-CH" smtClean="0"/>
-              <a:t>‹#›</a:t>
+              <a:t>‹Nr.›</a:t>
             </a:fld>
             <a:endParaRPr lang="de-CH"/>
           </a:p>
@@ -2547,7 +2959,7 @@
           <a:p>
             <a:fld id="{69F73540-DFB5-4816-8066-5D194A0B149D}" type="datetimeFigureOut">
               <a:rPr lang="de-CH" smtClean="0"/>
-              <a:t>18.01.2025</a:t>
+              <a:t>19.01.2025</a:t>
             </a:fld>
             <a:endParaRPr lang="de-CH"/>
           </a:p>
@@ -2589,7 +3001,7 @@
           <a:p>
             <a:fld id="{AB8F96E3-2EAC-4C18-B216-7E9D85CA2F89}" type="slidenum">
               <a:rPr lang="de-CH" smtClean="0"/>
-              <a:t>‹#›</a:t>
+              <a:t>‹Nr.›</a:t>
             </a:fld>
             <a:endParaRPr lang="de-CH"/>
           </a:p>
@@ -2741,7 +3153,7 @@
           <a:p>
             <a:fld id="{69F73540-DFB5-4816-8066-5D194A0B149D}" type="datetimeFigureOut">
               <a:rPr lang="de-CH" smtClean="0"/>
-              <a:t>18.01.2025</a:t>
+              <a:t>19.01.2025</a:t>
             </a:fld>
             <a:endParaRPr lang="de-CH"/>
           </a:p>
@@ -2783,7 +3195,7 @@
           <a:p>
             <a:fld id="{AB8F96E3-2EAC-4C18-B216-7E9D85CA2F89}" type="slidenum">
               <a:rPr lang="de-CH" smtClean="0"/>
-              <a:t>‹#›</a:t>
+              <a:t>‹Nr.›</a:t>
             </a:fld>
             <a:endParaRPr lang="de-CH"/>
           </a:p>
@@ -3014,7 +3426,7 @@
           <a:p>
             <a:fld id="{69F73540-DFB5-4816-8066-5D194A0B149D}" type="datetimeFigureOut">
               <a:rPr lang="de-CH" smtClean="0"/>
-              <a:t>18.01.2025</a:t>
+              <a:t>19.01.2025</a:t>
             </a:fld>
             <a:endParaRPr lang="de-CH"/>
           </a:p>
@@ -3056,7 +3468,7 @@
           <a:p>
             <a:fld id="{AB8F96E3-2EAC-4C18-B216-7E9D85CA2F89}" type="slidenum">
               <a:rPr lang="de-CH" smtClean="0"/>
-              <a:t>‹#›</a:t>
+              <a:t>‹Nr.›</a:t>
             </a:fld>
             <a:endParaRPr lang="de-CH"/>
           </a:p>
@@ -3355,7 +3767,7 @@
           <a:p>
             <a:fld id="{69F73540-DFB5-4816-8066-5D194A0B149D}" type="datetimeFigureOut">
               <a:rPr lang="de-CH" smtClean="0"/>
-              <a:t>18.01.2025</a:t>
+              <a:t>19.01.2025</a:t>
             </a:fld>
             <a:endParaRPr lang="de-CH"/>
           </a:p>
@@ -3397,7 +3809,7 @@
           <a:p>
             <a:fld id="{AB8F96E3-2EAC-4C18-B216-7E9D85CA2F89}" type="slidenum">
               <a:rPr lang="de-CH" smtClean="0"/>
-              <a:t>‹#›</a:t>
+              <a:t>‹Nr.›</a:t>
             </a:fld>
             <a:endParaRPr lang="de-CH"/>
           </a:p>
@@ -3978,7 +4390,7 @@
           <a:p>
             <a:fld id="{69F73540-DFB5-4816-8066-5D194A0B149D}" type="datetimeFigureOut">
               <a:rPr lang="de-CH" smtClean="0"/>
-              <a:t>18.01.2025</a:t>
+              <a:t>19.01.2025</a:t>
             </a:fld>
             <a:endParaRPr lang="de-CH"/>
           </a:p>
@@ -4020,7 +4432,7 @@
           <a:p>
             <a:fld id="{AB8F96E3-2EAC-4C18-B216-7E9D85CA2F89}" type="slidenum">
               <a:rPr lang="de-CH" smtClean="0"/>
-              <a:t>‹#›</a:t>
+              <a:t>‹Nr.›</a:t>
             </a:fld>
             <a:endParaRPr lang="de-CH"/>
           </a:p>
@@ -4838,7 +5250,7 @@
           <a:p>
             <a:fld id="{69F73540-DFB5-4816-8066-5D194A0B149D}" type="datetimeFigureOut">
               <a:rPr lang="de-CH" smtClean="0"/>
-              <a:t>18.01.2025</a:t>
+              <a:t>19.01.2025</a:t>
             </a:fld>
             <a:endParaRPr lang="de-CH"/>
           </a:p>
@@ -4880,7 +5292,7 @@
           <a:p>
             <a:fld id="{AB8F96E3-2EAC-4C18-B216-7E9D85CA2F89}" type="slidenum">
               <a:rPr lang="de-CH" smtClean="0"/>
-              <a:t>‹#›</a:t>
+              <a:t>‹Nr.›</a:t>
             </a:fld>
             <a:endParaRPr lang="de-CH"/>
           </a:p>
@@ -5008,7 +5420,7 @@
           <a:p>
             <a:fld id="{69F73540-DFB5-4816-8066-5D194A0B149D}" type="datetimeFigureOut">
               <a:rPr lang="de-CH" smtClean="0"/>
-              <a:t>18.01.2025</a:t>
+              <a:t>19.01.2025</a:t>
             </a:fld>
             <a:endParaRPr lang="de-CH"/>
           </a:p>
@@ -5050,7 +5462,7 @@
           <a:p>
             <a:fld id="{AB8F96E3-2EAC-4C18-B216-7E9D85CA2F89}" type="slidenum">
               <a:rPr lang="de-CH" smtClean="0"/>
-              <a:t>‹#›</a:t>
+              <a:t>‹Nr.›</a:t>
             </a:fld>
             <a:endParaRPr lang="de-CH"/>
           </a:p>
@@ -5188,7 +5600,7 @@
           <a:p>
             <a:fld id="{69F73540-DFB5-4816-8066-5D194A0B149D}" type="datetimeFigureOut">
               <a:rPr lang="de-CH" smtClean="0"/>
-              <a:t>18.01.2025</a:t>
+              <a:t>19.01.2025</a:t>
             </a:fld>
             <a:endParaRPr lang="de-CH"/>
           </a:p>
@@ -5230,7 +5642,7 @@
           <a:p>
             <a:fld id="{AB8F96E3-2EAC-4C18-B216-7E9D85CA2F89}" type="slidenum">
               <a:rPr lang="de-CH" smtClean="0"/>
-              <a:t>‹#›</a:t>
+              <a:t>‹Nr.›</a:t>
             </a:fld>
             <a:endParaRPr lang="de-CH"/>
           </a:p>
@@ -5358,7 +5770,7 @@
           <a:p>
             <a:fld id="{69F73540-DFB5-4816-8066-5D194A0B149D}" type="datetimeFigureOut">
               <a:rPr lang="de-CH" smtClean="0"/>
-              <a:t>18.01.2025</a:t>
+              <a:t>19.01.2025</a:t>
             </a:fld>
             <a:endParaRPr lang="de-CH"/>
           </a:p>
@@ -5400,7 +5812,7 @@
           <a:p>
             <a:fld id="{AB8F96E3-2EAC-4C18-B216-7E9D85CA2F89}" type="slidenum">
               <a:rPr lang="de-CH" smtClean="0"/>
-              <a:t>‹#›</a:t>
+              <a:t>‹Nr.›</a:t>
             </a:fld>
             <a:endParaRPr lang="de-CH"/>
           </a:p>
@@ -5605,7 +6017,7 @@
           <a:p>
             <a:fld id="{69F73540-DFB5-4816-8066-5D194A0B149D}" type="datetimeFigureOut">
               <a:rPr lang="de-CH" smtClean="0"/>
-              <a:t>18.01.2025</a:t>
+              <a:t>19.01.2025</a:t>
             </a:fld>
             <a:endParaRPr lang="de-CH"/>
           </a:p>
@@ -5647,7 +6059,7 @@
           <a:p>
             <a:fld id="{AB8F96E3-2EAC-4C18-B216-7E9D85CA2F89}" type="slidenum">
               <a:rPr lang="de-CH" smtClean="0"/>
-              <a:t>‹#›</a:t>
+              <a:t>‹Nr.›</a:t>
             </a:fld>
             <a:endParaRPr lang="de-CH"/>
           </a:p>
@@ -5897,7 +6309,7 @@
           <a:p>
             <a:fld id="{69F73540-DFB5-4816-8066-5D194A0B149D}" type="datetimeFigureOut">
               <a:rPr lang="de-CH" smtClean="0"/>
-              <a:t>18.01.2025</a:t>
+              <a:t>19.01.2025</a:t>
             </a:fld>
             <a:endParaRPr lang="de-CH"/>
           </a:p>
@@ -5939,7 +6351,7 @@
           <a:p>
             <a:fld id="{AB8F96E3-2EAC-4C18-B216-7E9D85CA2F89}" type="slidenum">
               <a:rPr lang="de-CH" smtClean="0"/>
-              <a:t>‹#›</a:t>
+              <a:t>‹Nr.›</a:t>
             </a:fld>
             <a:endParaRPr lang="de-CH"/>
           </a:p>
@@ -6341,7 +6753,7 @@
           <a:p>
             <a:fld id="{69F73540-DFB5-4816-8066-5D194A0B149D}" type="datetimeFigureOut">
               <a:rPr lang="de-CH" smtClean="0"/>
-              <a:t>18.01.2025</a:t>
+              <a:t>19.01.2025</a:t>
             </a:fld>
             <a:endParaRPr lang="de-CH"/>
           </a:p>
@@ -6383,7 +6795,7 @@
           <a:p>
             <a:fld id="{AB8F96E3-2EAC-4C18-B216-7E9D85CA2F89}" type="slidenum">
               <a:rPr lang="de-CH" smtClean="0"/>
-              <a:t>‹#›</a:t>
+              <a:t>‹Nr.›</a:t>
             </a:fld>
             <a:endParaRPr lang="de-CH"/>
           </a:p>
@@ -6459,7 +6871,7 @@
           <a:p>
             <a:fld id="{69F73540-DFB5-4816-8066-5D194A0B149D}" type="datetimeFigureOut">
               <a:rPr lang="de-CH" smtClean="0"/>
-              <a:t>18.01.2025</a:t>
+              <a:t>19.01.2025</a:t>
             </a:fld>
             <a:endParaRPr lang="de-CH"/>
           </a:p>
@@ -6501,7 +6913,7 @@
           <a:p>
             <a:fld id="{AB8F96E3-2EAC-4C18-B216-7E9D85CA2F89}" type="slidenum">
               <a:rPr lang="de-CH" smtClean="0"/>
-              <a:t>‹#›</a:t>
+              <a:t>‹Nr.›</a:t>
             </a:fld>
             <a:endParaRPr lang="de-CH"/>
           </a:p>
@@ -6554,7 +6966,7 @@
           <a:p>
             <a:fld id="{69F73540-DFB5-4816-8066-5D194A0B149D}" type="datetimeFigureOut">
               <a:rPr lang="de-CH" smtClean="0"/>
-              <a:t>18.01.2025</a:t>
+              <a:t>19.01.2025</a:t>
             </a:fld>
             <a:endParaRPr lang="de-CH"/>
           </a:p>
@@ -6596,7 +7008,7 @@
           <a:p>
             <a:fld id="{AB8F96E3-2EAC-4C18-B216-7E9D85CA2F89}" type="slidenum">
               <a:rPr lang="de-CH" smtClean="0"/>
-              <a:t>‹#›</a:t>
+              <a:t>‹Nr.›</a:t>
             </a:fld>
             <a:endParaRPr lang="de-CH"/>
           </a:p>
@@ -6833,7 +7245,7 @@
           <a:p>
             <a:fld id="{69F73540-DFB5-4816-8066-5D194A0B149D}" type="datetimeFigureOut">
               <a:rPr lang="de-CH" smtClean="0"/>
-              <a:t>18.01.2025</a:t>
+              <a:t>19.01.2025</a:t>
             </a:fld>
             <a:endParaRPr lang="de-CH"/>
           </a:p>
@@ -6875,7 +7287,7 @@
           <a:p>
             <a:fld id="{AB8F96E3-2EAC-4C18-B216-7E9D85CA2F89}" type="slidenum">
               <a:rPr lang="de-CH" smtClean="0"/>
-              <a:t>‹#›</a:t>
+              <a:t>‹Nr.›</a:t>
             </a:fld>
             <a:endParaRPr lang="de-CH"/>
           </a:p>
@@ -7108,7 +7520,7 @@
           <a:p>
             <a:fld id="{69F73540-DFB5-4816-8066-5D194A0B149D}" type="datetimeFigureOut">
               <a:rPr lang="de-CH" smtClean="0"/>
-              <a:t>18.01.2025</a:t>
+              <a:t>19.01.2025</a:t>
             </a:fld>
             <a:endParaRPr lang="de-CH"/>
           </a:p>
@@ -7150,7 +7562,7 @@
           <a:p>
             <a:fld id="{AB8F96E3-2EAC-4C18-B216-7E9D85CA2F89}" type="slidenum">
               <a:rPr lang="de-CH" smtClean="0"/>
-              <a:t>‹#›</a:t>
+              <a:t>‹Nr.›</a:t>
             </a:fld>
             <a:endParaRPr lang="de-CH"/>
           </a:p>
@@ -7537,7 +7949,7 @@
           <a:p>
             <a:fld id="{69F73540-DFB5-4816-8066-5D194A0B149D}" type="datetimeFigureOut">
               <a:rPr lang="de-CH" smtClean="0"/>
-              <a:t>18.01.2025</a:t>
+              <a:t>19.01.2025</a:t>
             </a:fld>
             <a:endParaRPr lang="de-CH"/>
           </a:p>
@@ -7616,7 +8028,7 @@
           <a:p>
             <a:fld id="{AB8F96E3-2EAC-4C18-B216-7E9D85CA2F89}" type="slidenum">
               <a:rPr lang="de-CH" smtClean="0"/>
-              <a:t>‹#›</a:t>
+              <a:t>‹Nr.›</a:t>
             </a:fld>
             <a:endParaRPr lang="de-CH"/>
           </a:p>
@@ -8155,7 +8567,13 @@
   <p:cSld>
     <p:spTree>
       <p:nvGrpSpPr>
-        <p:cNvPr id="1" name=""/>
+        <p:cNvPr id="1" name="">
+          <a:extLst>
+            <a:ext uri="{FF2B5EF4-FFF2-40B4-BE49-F238E27FC236}">
+              <a16:creationId xmlns:a16="http://schemas.microsoft.com/office/drawing/2014/main" id="{D4CE6762-3CAF-A1FF-4106-C77AF63F3185}"/>
+            </a:ext>
+          </a:extLst>
+        </p:cNvPr>
         <p:cNvGrpSpPr/>
         <p:nvPr/>
       </p:nvGrpSpPr>
@@ -8169,10 +8587,10 @@
       </p:grpSpPr>
       <p:sp>
         <p:nvSpPr>
-          <p:cNvPr id="2" name="Title 1">
+          <p:cNvPr id="2" name="Titel 1">
             <a:extLst>
               <a:ext uri="{FF2B5EF4-FFF2-40B4-BE49-F238E27FC236}">
-                <a16:creationId xmlns:a16="http://schemas.microsoft.com/office/drawing/2014/main" id="{36262027-BF33-4B1C-9478-81791AD91589}"/>
+                <a16:creationId xmlns:a16="http://schemas.microsoft.com/office/drawing/2014/main" id="{41922B27-4E93-1037-DAC0-3F28B408DE1F}"/>
               </a:ext>
             </a:extLst>
           </p:cNvPr>
@@ -8189,8 +8607,12 @@
           <a:lstStyle/>
           <a:p>
             <a:r>
+              <a:rPr lang="de-CH" dirty="0"/>
+              <a:t>Distribution </a:t>
+            </a:r>
+            <a:r>
               <a:rPr lang="de-CH" dirty="0" err="1"/>
-              <a:t>Contrast</a:t>
+              <a:t>of</a:t>
             </a:r>
             <a:r>
               <a:rPr lang="de-CH" dirty="0"/>
@@ -8198,44 +8620,57 @@
             </a:r>
             <a:r>
               <a:rPr lang="de-CH" dirty="0" err="1"/>
-              <a:t>approaches</a:t>
-            </a:r>
-            <a:br>
+              <a:t>entities</a:t>
+            </a:r>
+            <a:r>
               <a:rPr lang="de-CH" dirty="0"/>
-            </a:br>
-            <a:endParaRPr lang="en-US" dirty="0"/>
-          </a:p>
-        </p:txBody>
-      </p:sp>
-      <p:sp>
-        <p:nvSpPr>
-          <p:cNvPr id="3" name="Content Placeholder 2">
+              <a:t> in </a:t>
+            </a:r>
+            <a:r>
+              <a:rPr lang="de-CH" dirty="0" err="1"/>
+              <a:t>Italian</a:t>
+            </a:r>
+            <a:r>
+              <a:rPr lang="de-CH" dirty="0"/>
+              <a:t> Dataset</a:t>
+            </a:r>
+          </a:p>
+        </p:txBody>
+      </p:sp>
+      <p:pic>
+        <p:nvPicPr>
+          <p:cNvPr id="4" name="Grafik 3">
             <a:extLst>
               <a:ext uri="{FF2B5EF4-FFF2-40B4-BE49-F238E27FC236}">
-                <a16:creationId xmlns:a16="http://schemas.microsoft.com/office/drawing/2014/main" id="{7DA777B3-D815-424E-A73C-C2D1CF60108D}"/>
+                <a16:creationId xmlns:a16="http://schemas.microsoft.com/office/drawing/2014/main" id="{2F772168-0485-CD1E-DAFB-FF3022070A22}"/>
               </a:ext>
             </a:extLst>
           </p:cNvPr>
-          <p:cNvSpPr>
-            <a:spLocks noGrp="1"/>
-          </p:cNvSpPr>
-          <p:nvPr>
-            <p:ph idx="1"/>
-          </p:nvPr>
-        </p:nvSpPr>
-        <p:spPr/>
-        <p:txBody>
-          <a:bodyPr/>
-          <a:lstStyle/>
-          <a:p>
-            <a:endParaRPr lang="en-US"/>
-          </a:p>
-        </p:txBody>
-      </p:sp>
+          <p:cNvPicPr>
+            <a:picLocks noChangeAspect="1"/>
+          </p:cNvPicPr>
+          <p:nvPr/>
+        </p:nvPicPr>
+        <p:blipFill>
+          <a:blip r:embed="rId3"/>
+          <a:stretch>
+            <a:fillRect/>
+          </a:stretch>
+        </p:blipFill>
+        <p:spPr>
+          <a:xfrm>
+            <a:off x="3015048" y="1272341"/>
+            <a:ext cx="7318060" cy="5199673"/>
+          </a:xfrm>
+          <a:prstGeom prst="rect">
+            <a:avLst/>
+          </a:prstGeom>
+        </p:spPr>
+      </p:pic>
     </p:spTree>
     <p:extLst>
       <p:ext uri="{BB962C8B-B14F-4D97-AF65-F5344CB8AC3E}">
-        <p14:creationId xmlns:p14="http://schemas.microsoft.com/office/powerpoint/2010/main" val="1608941473"/>
+        <p14:creationId xmlns:p14="http://schemas.microsoft.com/office/powerpoint/2010/main" val="1829364656"/>
       </p:ext>
     </p:extLst>
   </p:cSld>
@@ -8267,7 +8702,7 @@
           <p:cNvPr id="2" name="Title 1">
             <a:extLst>
               <a:ext uri="{FF2B5EF4-FFF2-40B4-BE49-F238E27FC236}">
-                <a16:creationId xmlns:a16="http://schemas.microsoft.com/office/drawing/2014/main" id="{9FBABDAD-57E8-41A2-B50B-0F0C1F4E6F60}"/>
+                <a16:creationId xmlns:a16="http://schemas.microsoft.com/office/drawing/2014/main" id="{7803CF83-9342-4E66-BFF9-52E1EB566D14}"/>
               </a:ext>
             </a:extLst>
           </p:cNvPr>
@@ -8284,8 +8719,32 @@
           <a:lstStyle/>
           <a:p>
             <a:r>
+              <a:rPr lang="de-CH" dirty="0"/>
+              <a:t>Train and </a:t>
+            </a:r>
+            <a:r>
               <a:rPr lang="de-CH" dirty="0" err="1"/>
-              <a:t>Learnings</a:t>
+              <a:t>test</a:t>
+            </a:r>
+            <a:r>
+              <a:rPr lang="de-CH" dirty="0"/>
+              <a:t> </a:t>
+            </a:r>
+            <a:r>
+              <a:rPr lang="de-CH" dirty="0" err="1"/>
+              <a:t>the</a:t>
+            </a:r>
+            <a:r>
+              <a:rPr lang="de-CH" dirty="0"/>
+              <a:t> </a:t>
+            </a:r>
+            <a:r>
+              <a:rPr lang="de-CH" dirty="0" err="1"/>
+              <a:t>model</a:t>
+            </a:r>
+            <a:r>
+              <a:rPr lang="de-CH" dirty="0"/>
+              <a:t> in EN</a:t>
             </a:r>
             <a:br>
               <a:rPr lang="de-CH" dirty="0"/>
@@ -8299,7 +8758,7 @@
           <p:cNvPr id="3" name="Content Placeholder 2">
             <a:extLst>
               <a:ext uri="{FF2B5EF4-FFF2-40B4-BE49-F238E27FC236}">
-                <a16:creationId xmlns:a16="http://schemas.microsoft.com/office/drawing/2014/main" id="{2E2948E8-3EAA-4651-ACEE-3A97178783D4}"/>
+                <a16:creationId xmlns:a16="http://schemas.microsoft.com/office/drawing/2014/main" id="{28C55253-7D10-4122-B0FE-BF40AD36505E}"/>
               </a:ext>
             </a:extLst>
           </p:cNvPr>
@@ -8315,14 +8774,301 @@
           <a:bodyPr/>
           <a:lstStyle/>
           <a:p>
-            <a:endParaRPr lang="en-US"/>
+            <a:r>
+              <a:rPr lang="de-CH" dirty="0"/>
+              <a:t>Monolingual vs. multilingual </a:t>
+            </a:r>
+            <a:r>
+              <a:rPr lang="de-CH" dirty="0" err="1"/>
+              <a:t>training</a:t>
+            </a:r>
+            <a:r>
+              <a:rPr lang="de-CH" dirty="0"/>
+              <a:t>:</a:t>
+            </a:r>
+          </a:p>
+          <a:p>
+            <a:pPr lvl="1"/>
+            <a:r>
+              <a:rPr lang="de-CH" dirty="0" err="1"/>
+              <a:t>Less</a:t>
+            </a:r>
+            <a:r>
+              <a:rPr lang="de-CH" dirty="0"/>
+              <a:t> </a:t>
+            </a:r>
+            <a:r>
+              <a:rPr lang="de-CH" dirty="0" err="1"/>
+              <a:t>computational</a:t>
+            </a:r>
+            <a:r>
+              <a:rPr lang="de-CH" dirty="0"/>
+              <a:t> power </a:t>
+            </a:r>
+            <a:r>
+              <a:rPr lang="de-CH" dirty="0" err="1"/>
+              <a:t>needed</a:t>
+            </a:r>
+            <a:endParaRPr lang="de-CH" dirty="0"/>
+          </a:p>
+          <a:p>
+            <a:pPr lvl="1"/>
+            <a:r>
+              <a:rPr lang="de-CH" dirty="0"/>
+              <a:t>Simpler </a:t>
+            </a:r>
+            <a:r>
+              <a:rPr lang="de-CH" dirty="0" err="1"/>
+              <a:t>setup</a:t>
+            </a:r>
+            <a:r>
+              <a:rPr lang="de-CH" dirty="0"/>
+              <a:t>, </a:t>
+            </a:r>
+            <a:r>
+              <a:rPr lang="de-CH" dirty="0" err="1"/>
+              <a:t>faster</a:t>
+            </a:r>
+            <a:r>
+              <a:rPr lang="de-CH" dirty="0"/>
+              <a:t> </a:t>
+            </a:r>
+            <a:r>
+              <a:rPr lang="de-CH" dirty="0" err="1"/>
+              <a:t>training</a:t>
+            </a:r>
+            <a:endParaRPr lang="de-CH" dirty="0"/>
+          </a:p>
+          <a:p>
+            <a:pPr lvl="1"/>
+            <a:r>
+              <a:rPr lang="de-CH" dirty="0"/>
+              <a:t>Zero-</a:t>
+            </a:r>
+            <a:r>
+              <a:rPr lang="de-CH" dirty="0" err="1"/>
+              <a:t>shot</a:t>
+            </a:r>
+            <a:r>
+              <a:rPr lang="de-CH" dirty="0"/>
+              <a:t>-cross-lingual </a:t>
+            </a:r>
+            <a:r>
+              <a:rPr lang="de-CH" dirty="0" err="1"/>
+              <a:t>capacities</a:t>
+            </a:r>
+            <a:r>
+              <a:rPr lang="de-CH" dirty="0"/>
+              <a:t> </a:t>
+            </a:r>
+            <a:r>
+              <a:rPr lang="de-CH" dirty="0" err="1"/>
+              <a:t>of</a:t>
+            </a:r>
+            <a:r>
+              <a:rPr lang="de-CH" dirty="0"/>
+              <a:t> </a:t>
+            </a:r>
+            <a:r>
+              <a:rPr lang="de-CH" dirty="0" err="1"/>
+              <a:t>the</a:t>
+            </a:r>
+            <a:r>
+              <a:rPr lang="de-CH" dirty="0"/>
+              <a:t> </a:t>
+            </a:r>
+            <a:r>
+              <a:rPr lang="de-CH" dirty="0" err="1"/>
+              <a:t>models</a:t>
+            </a:r>
+            <a:r>
+              <a:rPr lang="de-CH" dirty="0"/>
+              <a:t> </a:t>
+            </a:r>
+            <a:r>
+              <a:rPr lang="de-CH" dirty="0" err="1"/>
+              <a:t>can</a:t>
+            </a:r>
+            <a:r>
+              <a:rPr lang="de-CH" dirty="0"/>
+              <a:t> </a:t>
+            </a:r>
+            <a:r>
+              <a:rPr lang="de-CH" dirty="0" err="1"/>
+              <a:t>be</a:t>
+            </a:r>
+            <a:r>
+              <a:rPr lang="de-CH" dirty="0"/>
+              <a:t> </a:t>
+            </a:r>
+            <a:r>
+              <a:rPr lang="de-CH" dirty="0" err="1"/>
+              <a:t>used</a:t>
+            </a:r>
+            <a:endParaRPr lang="de-CH" dirty="0"/>
+          </a:p>
+          <a:p>
+            <a:pPr lvl="1"/>
+            <a:r>
+              <a:rPr lang="de-CH" dirty="0"/>
+              <a:t>Evaluation </a:t>
+            </a:r>
+            <a:r>
+              <a:rPr lang="de-CH" dirty="0" err="1"/>
+              <a:t>of</a:t>
+            </a:r>
+            <a:r>
+              <a:rPr lang="de-CH" dirty="0"/>
+              <a:t> </a:t>
+            </a:r>
+            <a:r>
+              <a:rPr lang="de-CH" dirty="0" err="1"/>
+              <a:t>cross</a:t>
+            </a:r>
+            <a:r>
+              <a:rPr lang="de-CH" dirty="0"/>
+              <a:t>-lingual </a:t>
+            </a:r>
+            <a:r>
+              <a:rPr lang="de-CH" dirty="0" err="1"/>
+              <a:t>transfer</a:t>
+            </a:r>
+            <a:r>
+              <a:rPr lang="de-CH" dirty="0"/>
+              <a:t> </a:t>
+            </a:r>
+            <a:r>
+              <a:rPr lang="de-CH" dirty="0" err="1"/>
+              <a:t>is</a:t>
+            </a:r>
+            <a:r>
+              <a:rPr lang="de-CH" dirty="0"/>
+              <a:t> </a:t>
+            </a:r>
+            <a:r>
+              <a:rPr lang="de-CH" dirty="0" err="1"/>
+              <a:t>easier</a:t>
+            </a:r>
+            <a:endParaRPr lang="de-CH" dirty="0"/>
+          </a:p>
+          <a:p>
+            <a:pPr lvl="1"/>
+            <a:r>
+              <a:rPr lang="de-CH" dirty="0" err="1"/>
+              <a:t>Less</a:t>
+            </a:r>
+            <a:r>
+              <a:rPr lang="de-CH" dirty="0"/>
+              <a:t> </a:t>
+            </a:r>
+            <a:r>
+              <a:rPr lang="de-CH" dirty="0" err="1"/>
+              <a:t>complicated</a:t>
+            </a:r>
+            <a:r>
+              <a:rPr lang="de-CH" dirty="0"/>
+              <a:t> </a:t>
+            </a:r>
+            <a:r>
+              <a:rPr lang="de-CH" dirty="0" err="1"/>
+              <a:t>because</a:t>
+            </a:r>
+            <a:r>
+              <a:rPr lang="de-CH" dirty="0"/>
+              <a:t> </a:t>
+            </a:r>
+            <a:r>
+              <a:rPr lang="de-CH" dirty="0" err="1"/>
+              <a:t>no</a:t>
+            </a:r>
+            <a:r>
+              <a:rPr lang="de-CH" dirty="0"/>
+              <a:t> </a:t>
+            </a:r>
+            <a:r>
+              <a:rPr lang="de-CH" dirty="0" err="1"/>
+              <a:t>data</a:t>
+            </a:r>
+            <a:r>
+              <a:rPr lang="de-CH" dirty="0"/>
+              <a:t> </a:t>
+            </a:r>
+            <a:r>
+              <a:rPr lang="de-CH" dirty="0" err="1"/>
+              <a:t>fusion</a:t>
+            </a:r>
+            <a:r>
+              <a:rPr lang="de-CH" dirty="0"/>
+              <a:t> </a:t>
+            </a:r>
+            <a:r>
+              <a:rPr lang="de-CH"/>
+              <a:t>necessary</a:t>
+            </a:r>
+            <a:endParaRPr lang="de-CH" dirty="0"/>
+          </a:p>
+          <a:p>
+            <a:pPr lvl="1"/>
+            <a:r>
+              <a:rPr lang="de-CH" dirty="0" err="1"/>
+              <a:t>Easier</a:t>
+            </a:r>
+            <a:r>
+              <a:rPr lang="de-CH" dirty="0"/>
+              <a:t> </a:t>
+            </a:r>
+            <a:r>
+              <a:rPr lang="de-CH" dirty="0" err="1"/>
+              <a:t>to</a:t>
+            </a:r>
+            <a:r>
+              <a:rPr lang="de-CH" dirty="0"/>
+              <a:t> </a:t>
+            </a:r>
+            <a:r>
+              <a:rPr lang="de-CH" dirty="0" err="1"/>
+              <a:t>recognize</a:t>
+            </a:r>
+            <a:r>
+              <a:rPr lang="de-CH" dirty="0"/>
+              <a:t> </a:t>
+            </a:r>
+            <a:r>
+              <a:rPr lang="de-CH" dirty="0" err="1"/>
+              <a:t>generalization</a:t>
+            </a:r>
+            <a:r>
+              <a:rPr lang="de-CH" dirty="0"/>
+              <a:t> and </a:t>
+            </a:r>
+            <a:r>
+              <a:rPr lang="de-CH" dirty="0" err="1"/>
+              <a:t>language</a:t>
+            </a:r>
+            <a:r>
+              <a:rPr lang="de-CH" dirty="0"/>
+              <a:t> </a:t>
+            </a:r>
+            <a:r>
+              <a:rPr lang="de-CH" dirty="0" err="1"/>
+              <a:t>specific</a:t>
+            </a:r>
+            <a:r>
+              <a:rPr lang="de-CH" dirty="0"/>
+              <a:t> </a:t>
+            </a:r>
+            <a:r>
+              <a:rPr lang="de-CH" dirty="0" err="1"/>
+              <a:t>challenges</a:t>
+            </a:r>
+            <a:endParaRPr lang="en-US" dirty="0"/>
           </a:p>
         </p:txBody>
       </p:sp>
     </p:spTree>
     <p:extLst>
       <p:ext uri="{BB962C8B-B14F-4D97-AF65-F5344CB8AC3E}">
-        <p14:creationId xmlns:p14="http://schemas.microsoft.com/office/powerpoint/2010/main" val="2800151962"/>
+        <p14:creationId xmlns:p14="http://schemas.microsoft.com/office/powerpoint/2010/main" val="758282281"/>
       </p:ext>
     </p:extLst>
   </p:cSld>
@@ -8354,6 +9100,378 @@
           <p:cNvPr id="2" name="Title 1">
             <a:extLst>
               <a:ext uri="{FF2B5EF4-FFF2-40B4-BE49-F238E27FC236}">
+                <a16:creationId xmlns:a16="http://schemas.microsoft.com/office/drawing/2014/main" id="{20AB11EB-9845-4ED2-AE25-552596FDA2CC}"/>
+              </a:ext>
+            </a:extLst>
+          </p:cNvPr>
+          <p:cNvSpPr>
+            <a:spLocks noGrp="1"/>
+          </p:cNvSpPr>
+          <p:nvPr>
+            <p:ph type="title"/>
+          </p:nvPr>
+        </p:nvSpPr>
+        <p:spPr/>
+        <p:txBody>
+          <a:bodyPr/>
+          <a:lstStyle/>
+          <a:p>
+            <a:r>
+              <a:rPr lang="de-CH" dirty="0"/>
+              <a:t>Test </a:t>
+            </a:r>
+            <a:r>
+              <a:rPr lang="de-CH" dirty="0" err="1"/>
+              <a:t>the</a:t>
+            </a:r>
+            <a:r>
+              <a:rPr lang="de-CH" dirty="0"/>
+              <a:t> </a:t>
+            </a:r>
+            <a:r>
+              <a:rPr lang="de-CH" dirty="0" err="1"/>
+              <a:t>model</a:t>
+            </a:r>
+            <a:r>
+              <a:rPr lang="de-CH" dirty="0"/>
+              <a:t> in DE, FR and IT</a:t>
+            </a:r>
+            <a:br>
+              <a:rPr lang="de-CH" dirty="0"/>
+            </a:br>
+            <a:endParaRPr lang="en-US" dirty="0"/>
+          </a:p>
+        </p:txBody>
+      </p:sp>
+      <p:sp>
+        <p:nvSpPr>
+          <p:cNvPr id="3" name="Content Placeholder 2">
+            <a:extLst>
+              <a:ext uri="{FF2B5EF4-FFF2-40B4-BE49-F238E27FC236}">
+                <a16:creationId xmlns:a16="http://schemas.microsoft.com/office/drawing/2014/main" id="{390FB31B-FE28-431F-9E4D-81A0F209F1AA}"/>
+              </a:ext>
+            </a:extLst>
+          </p:cNvPr>
+          <p:cNvSpPr>
+            <a:spLocks noGrp="1"/>
+          </p:cNvSpPr>
+          <p:nvPr>
+            <p:ph idx="1"/>
+          </p:nvPr>
+        </p:nvSpPr>
+        <p:spPr/>
+        <p:txBody>
+          <a:bodyPr/>
+          <a:lstStyle/>
+          <a:p>
+            <a:endParaRPr lang="en-US"/>
+          </a:p>
+        </p:txBody>
+      </p:sp>
+    </p:spTree>
+    <p:extLst>
+      <p:ext uri="{BB962C8B-B14F-4D97-AF65-F5344CB8AC3E}">
+        <p14:creationId xmlns:p14="http://schemas.microsoft.com/office/powerpoint/2010/main" val="846595895"/>
+      </p:ext>
+    </p:extLst>
+  </p:cSld>
+  <p:clrMapOvr>
+    <a:masterClrMapping/>
+  </p:clrMapOvr>
+</p:sld>
+</file>
+
+<file path=ppt/slides/slide13.xml><?xml version="1.0" encoding="utf-8"?>
+<p:sld xmlns:a="http://schemas.openxmlformats.org/drawingml/2006/main" xmlns:r="http://schemas.openxmlformats.org/officeDocument/2006/relationships" xmlns:p="http://schemas.openxmlformats.org/presentationml/2006/main">
+  <p:cSld>
+    <p:spTree>
+      <p:nvGrpSpPr>
+        <p:cNvPr id="1" name=""/>
+        <p:cNvGrpSpPr/>
+        <p:nvPr/>
+      </p:nvGrpSpPr>
+      <p:grpSpPr>
+        <a:xfrm>
+          <a:off x="0" y="0"/>
+          <a:ext cx="0" cy="0"/>
+          <a:chOff x="0" y="0"/>
+          <a:chExt cx="0" cy="0"/>
+        </a:xfrm>
+      </p:grpSpPr>
+      <p:sp>
+        <p:nvSpPr>
+          <p:cNvPr id="2" name="Title 1">
+            <a:extLst>
+              <a:ext uri="{FF2B5EF4-FFF2-40B4-BE49-F238E27FC236}">
+                <a16:creationId xmlns:a16="http://schemas.microsoft.com/office/drawing/2014/main" id="{0913BBCD-948C-44D6-9FAF-BA651248C8F9}"/>
+              </a:ext>
+            </a:extLst>
+          </p:cNvPr>
+          <p:cNvSpPr>
+            <a:spLocks noGrp="1"/>
+          </p:cNvSpPr>
+          <p:nvPr>
+            <p:ph type="title"/>
+          </p:nvPr>
+        </p:nvSpPr>
+        <p:spPr/>
+        <p:txBody>
+          <a:bodyPr/>
+          <a:lstStyle/>
+          <a:p>
+            <a:r>
+              <a:rPr lang="de-CH" dirty="0" err="1"/>
+              <a:t>Results</a:t>
+            </a:r>
+            <a:br>
+              <a:rPr lang="de-CH" dirty="0"/>
+            </a:br>
+            <a:endParaRPr lang="en-US" dirty="0"/>
+          </a:p>
+        </p:txBody>
+      </p:sp>
+      <p:sp>
+        <p:nvSpPr>
+          <p:cNvPr id="3" name="Content Placeholder 2">
+            <a:extLst>
+              <a:ext uri="{FF2B5EF4-FFF2-40B4-BE49-F238E27FC236}">
+                <a16:creationId xmlns:a16="http://schemas.microsoft.com/office/drawing/2014/main" id="{CD2C2720-0DE9-46D1-9C59-6F205CB75879}"/>
+              </a:ext>
+            </a:extLst>
+          </p:cNvPr>
+          <p:cNvSpPr>
+            <a:spLocks noGrp="1"/>
+          </p:cNvSpPr>
+          <p:nvPr>
+            <p:ph idx="1"/>
+          </p:nvPr>
+        </p:nvSpPr>
+        <p:spPr/>
+        <p:txBody>
+          <a:bodyPr/>
+          <a:lstStyle/>
+          <a:p>
+            <a:endParaRPr lang="en-US"/>
+          </a:p>
+        </p:txBody>
+      </p:sp>
+    </p:spTree>
+    <p:extLst>
+      <p:ext uri="{BB962C8B-B14F-4D97-AF65-F5344CB8AC3E}">
+        <p14:creationId xmlns:p14="http://schemas.microsoft.com/office/powerpoint/2010/main" val="4079610711"/>
+      </p:ext>
+    </p:extLst>
+  </p:cSld>
+  <p:clrMapOvr>
+    <a:masterClrMapping/>
+  </p:clrMapOvr>
+</p:sld>
+</file>
+
+<file path=ppt/slides/slide14.xml><?xml version="1.0" encoding="utf-8"?>
+<p:sld xmlns:a="http://schemas.openxmlformats.org/drawingml/2006/main" xmlns:r="http://schemas.openxmlformats.org/officeDocument/2006/relationships" xmlns:p="http://schemas.openxmlformats.org/presentationml/2006/main">
+  <p:cSld>
+    <p:spTree>
+      <p:nvGrpSpPr>
+        <p:cNvPr id="1" name=""/>
+        <p:cNvGrpSpPr/>
+        <p:nvPr/>
+      </p:nvGrpSpPr>
+      <p:grpSpPr>
+        <a:xfrm>
+          <a:off x="0" y="0"/>
+          <a:ext cx="0" cy="0"/>
+          <a:chOff x="0" y="0"/>
+          <a:chExt cx="0" cy="0"/>
+        </a:xfrm>
+      </p:grpSpPr>
+      <p:sp>
+        <p:nvSpPr>
+          <p:cNvPr id="2" name="Title 1">
+            <a:extLst>
+              <a:ext uri="{FF2B5EF4-FFF2-40B4-BE49-F238E27FC236}">
+                <a16:creationId xmlns:a16="http://schemas.microsoft.com/office/drawing/2014/main" id="{36262027-BF33-4B1C-9478-81791AD91589}"/>
+              </a:ext>
+            </a:extLst>
+          </p:cNvPr>
+          <p:cNvSpPr>
+            <a:spLocks noGrp="1"/>
+          </p:cNvSpPr>
+          <p:nvPr>
+            <p:ph type="title"/>
+          </p:nvPr>
+        </p:nvSpPr>
+        <p:spPr/>
+        <p:txBody>
+          <a:bodyPr/>
+          <a:lstStyle/>
+          <a:p>
+            <a:r>
+              <a:rPr lang="de-CH" dirty="0" err="1"/>
+              <a:t>Contrast</a:t>
+            </a:r>
+            <a:r>
+              <a:rPr lang="de-CH" dirty="0"/>
+              <a:t> </a:t>
+            </a:r>
+            <a:r>
+              <a:rPr lang="de-CH" dirty="0" err="1"/>
+              <a:t>approaches</a:t>
+            </a:r>
+            <a:br>
+              <a:rPr lang="de-CH" dirty="0"/>
+            </a:br>
+            <a:endParaRPr lang="en-US" dirty="0"/>
+          </a:p>
+        </p:txBody>
+      </p:sp>
+      <p:sp>
+        <p:nvSpPr>
+          <p:cNvPr id="3" name="Content Placeholder 2">
+            <a:extLst>
+              <a:ext uri="{FF2B5EF4-FFF2-40B4-BE49-F238E27FC236}">
+                <a16:creationId xmlns:a16="http://schemas.microsoft.com/office/drawing/2014/main" id="{7DA777B3-D815-424E-A73C-C2D1CF60108D}"/>
+              </a:ext>
+            </a:extLst>
+          </p:cNvPr>
+          <p:cNvSpPr>
+            <a:spLocks noGrp="1"/>
+          </p:cNvSpPr>
+          <p:nvPr>
+            <p:ph idx="1"/>
+          </p:nvPr>
+        </p:nvSpPr>
+        <p:spPr/>
+        <p:txBody>
+          <a:bodyPr/>
+          <a:lstStyle/>
+          <a:p>
+            <a:endParaRPr lang="en-US"/>
+          </a:p>
+        </p:txBody>
+      </p:sp>
+    </p:spTree>
+    <p:extLst>
+      <p:ext uri="{BB962C8B-B14F-4D97-AF65-F5344CB8AC3E}">
+        <p14:creationId xmlns:p14="http://schemas.microsoft.com/office/powerpoint/2010/main" val="1608941473"/>
+      </p:ext>
+    </p:extLst>
+  </p:cSld>
+  <p:clrMapOvr>
+    <a:masterClrMapping/>
+  </p:clrMapOvr>
+</p:sld>
+</file>
+
+<file path=ppt/slides/slide15.xml><?xml version="1.0" encoding="utf-8"?>
+<p:sld xmlns:a="http://schemas.openxmlformats.org/drawingml/2006/main" xmlns:r="http://schemas.openxmlformats.org/officeDocument/2006/relationships" xmlns:p="http://schemas.openxmlformats.org/presentationml/2006/main">
+  <p:cSld>
+    <p:spTree>
+      <p:nvGrpSpPr>
+        <p:cNvPr id="1" name=""/>
+        <p:cNvGrpSpPr/>
+        <p:nvPr/>
+      </p:nvGrpSpPr>
+      <p:grpSpPr>
+        <a:xfrm>
+          <a:off x="0" y="0"/>
+          <a:ext cx="0" cy="0"/>
+          <a:chOff x="0" y="0"/>
+          <a:chExt cx="0" cy="0"/>
+        </a:xfrm>
+      </p:grpSpPr>
+      <p:sp>
+        <p:nvSpPr>
+          <p:cNvPr id="2" name="Title 1">
+            <a:extLst>
+              <a:ext uri="{FF2B5EF4-FFF2-40B4-BE49-F238E27FC236}">
+                <a16:creationId xmlns:a16="http://schemas.microsoft.com/office/drawing/2014/main" id="{9FBABDAD-57E8-41A2-B50B-0F0C1F4E6F60}"/>
+              </a:ext>
+            </a:extLst>
+          </p:cNvPr>
+          <p:cNvSpPr>
+            <a:spLocks noGrp="1"/>
+          </p:cNvSpPr>
+          <p:nvPr>
+            <p:ph type="title"/>
+          </p:nvPr>
+        </p:nvSpPr>
+        <p:spPr/>
+        <p:txBody>
+          <a:bodyPr/>
+          <a:lstStyle/>
+          <a:p>
+            <a:r>
+              <a:rPr lang="de-CH" dirty="0" err="1"/>
+              <a:t>Learnings</a:t>
+            </a:r>
+            <a:br>
+              <a:rPr lang="de-CH" dirty="0"/>
+            </a:br>
+            <a:endParaRPr lang="en-US" dirty="0"/>
+          </a:p>
+        </p:txBody>
+      </p:sp>
+      <p:sp>
+        <p:nvSpPr>
+          <p:cNvPr id="3" name="Content Placeholder 2">
+            <a:extLst>
+              <a:ext uri="{FF2B5EF4-FFF2-40B4-BE49-F238E27FC236}">
+                <a16:creationId xmlns:a16="http://schemas.microsoft.com/office/drawing/2014/main" id="{2E2948E8-3EAA-4651-ACEE-3A97178783D4}"/>
+              </a:ext>
+            </a:extLst>
+          </p:cNvPr>
+          <p:cNvSpPr>
+            <a:spLocks noGrp="1"/>
+          </p:cNvSpPr>
+          <p:nvPr>
+            <p:ph idx="1"/>
+          </p:nvPr>
+        </p:nvSpPr>
+        <p:spPr/>
+        <p:txBody>
+          <a:bodyPr/>
+          <a:lstStyle/>
+          <a:p>
+            <a:endParaRPr lang="en-US"/>
+          </a:p>
+        </p:txBody>
+      </p:sp>
+    </p:spTree>
+    <p:extLst>
+      <p:ext uri="{BB962C8B-B14F-4D97-AF65-F5344CB8AC3E}">
+        <p14:creationId xmlns:p14="http://schemas.microsoft.com/office/powerpoint/2010/main" val="2800151962"/>
+      </p:ext>
+    </p:extLst>
+  </p:cSld>
+  <p:clrMapOvr>
+    <a:masterClrMapping/>
+  </p:clrMapOvr>
+</p:sld>
+</file>
+
+<file path=ppt/slides/slide16.xml><?xml version="1.0" encoding="utf-8"?>
+<p:sld xmlns:a="http://schemas.openxmlformats.org/drawingml/2006/main" xmlns:r="http://schemas.openxmlformats.org/officeDocument/2006/relationships" xmlns:p="http://schemas.openxmlformats.org/presentationml/2006/main">
+  <p:cSld>
+    <p:spTree>
+      <p:nvGrpSpPr>
+        <p:cNvPr id="1" name=""/>
+        <p:cNvGrpSpPr/>
+        <p:nvPr/>
+      </p:nvGrpSpPr>
+      <p:grpSpPr>
+        <a:xfrm>
+          <a:off x="0" y="0"/>
+          <a:ext cx="0" cy="0"/>
+          <a:chOff x="0" y="0"/>
+          <a:chExt cx="0" cy="0"/>
+        </a:xfrm>
+      </p:grpSpPr>
+      <p:sp>
+        <p:nvSpPr>
+          <p:cNvPr id="2" name="Title 1">
+            <a:extLst>
+              <a:ext uri="{FF2B5EF4-FFF2-40B4-BE49-F238E27FC236}">
                 <a16:creationId xmlns:a16="http://schemas.microsoft.com/office/drawing/2014/main" id="{2ED5ED2D-F749-4853-AC3A-C7183786CD9B}"/>
               </a:ext>
             </a:extLst>
@@ -8419,7 +9537,7 @@
 </p:sld>
 </file>
 
-<file path=ppt/slides/slide13.xml><?xml version="1.0" encoding="utf-8"?>
+<file path=ppt/slides/slide17.xml><?xml version="1.0" encoding="utf-8"?>
 <p:sld xmlns:a="http://schemas.openxmlformats.org/drawingml/2006/main" xmlns:r="http://schemas.openxmlformats.org/officeDocument/2006/relationships" xmlns:p="http://schemas.openxmlformats.org/presentationml/2006/main">
   <p:cSld>
     <p:spTree>
@@ -9924,10 +11042,10 @@
       </p:grpSpPr>
       <p:sp>
         <p:nvSpPr>
-          <p:cNvPr id="2" name="Title 1">
+          <p:cNvPr id="2" name="Titel 1">
             <a:extLst>
               <a:ext uri="{FF2B5EF4-FFF2-40B4-BE49-F238E27FC236}">
-                <a16:creationId xmlns:a16="http://schemas.microsoft.com/office/drawing/2014/main" id="{7803CF83-9342-4E66-BFF9-52E1EB566D14}"/>
+                <a16:creationId xmlns:a16="http://schemas.microsoft.com/office/drawing/2014/main" id="{72A83D03-239D-9B10-70F2-44EE9945E92B}"/>
               </a:ext>
             </a:extLst>
           </p:cNvPr>
@@ -9945,11 +11063,11 @@
           <a:p>
             <a:r>
               <a:rPr lang="de-CH" dirty="0"/>
-              <a:t>Train and </a:t>
+              <a:t>Distribution </a:t>
             </a:r>
             <a:r>
               <a:rPr lang="de-CH" dirty="0" err="1"/>
-              <a:t>test</a:t>
+              <a:t>of</a:t>
             </a:r>
             <a:r>
               <a:rPr lang="de-CH" dirty="0"/>
@@ -9957,343 +11075,49 @@
             </a:r>
             <a:r>
               <a:rPr lang="de-CH" dirty="0" err="1"/>
-              <a:t>the</a:t>
+              <a:t>entities</a:t>
             </a:r>
             <a:r>
               <a:rPr lang="de-CH" dirty="0"/>
-              <a:t> </a:t>
-            </a:r>
-            <a:r>
-              <a:rPr lang="de-CH" dirty="0" err="1"/>
-              <a:t>model</a:t>
-            </a:r>
-            <a:r>
-              <a:rPr lang="de-CH" dirty="0"/>
-              <a:t> in EN</a:t>
-            </a:r>
-            <a:br>
-              <a:rPr lang="de-CH" dirty="0"/>
-            </a:br>
-            <a:endParaRPr lang="en-US" dirty="0"/>
-          </a:p>
-        </p:txBody>
-      </p:sp>
-      <p:sp>
-        <p:nvSpPr>
-          <p:cNvPr id="3" name="Content Placeholder 2">
+              <a:t> in English Dataset</a:t>
+            </a:r>
+          </a:p>
+        </p:txBody>
+      </p:sp>
+      <p:pic>
+        <p:nvPicPr>
+          <p:cNvPr id="5" name="Grafik 4">
             <a:extLst>
               <a:ext uri="{FF2B5EF4-FFF2-40B4-BE49-F238E27FC236}">
-                <a16:creationId xmlns:a16="http://schemas.microsoft.com/office/drawing/2014/main" id="{28C55253-7D10-4122-B0FE-BF40AD36505E}"/>
+                <a16:creationId xmlns:a16="http://schemas.microsoft.com/office/drawing/2014/main" id="{DE9D98E0-9D2C-48F2-B605-4F9AB1386237}"/>
               </a:ext>
             </a:extLst>
           </p:cNvPr>
-          <p:cNvSpPr>
-            <a:spLocks noGrp="1"/>
-          </p:cNvSpPr>
-          <p:nvPr>
-            <p:ph idx="1"/>
-          </p:nvPr>
-        </p:nvSpPr>
-        <p:spPr/>
-        <p:txBody>
-          <a:bodyPr/>
-          <a:lstStyle/>
-          <a:p>
-            <a:r>
-              <a:rPr lang="de-CH" dirty="0"/>
-              <a:t>Monolingual vs. multilingual </a:t>
-            </a:r>
-            <a:r>
-              <a:rPr lang="de-CH" dirty="0" err="1"/>
-              <a:t>training</a:t>
-            </a:r>
-            <a:r>
-              <a:rPr lang="de-CH" dirty="0"/>
-              <a:t>:</a:t>
-            </a:r>
-          </a:p>
-          <a:p>
-            <a:pPr lvl="1"/>
-            <a:r>
-              <a:rPr lang="de-CH" dirty="0" err="1"/>
-              <a:t>Less</a:t>
-            </a:r>
-            <a:r>
-              <a:rPr lang="de-CH" dirty="0"/>
-              <a:t> </a:t>
-            </a:r>
-            <a:r>
-              <a:rPr lang="de-CH" dirty="0" err="1"/>
-              <a:t>computational</a:t>
-            </a:r>
-            <a:r>
-              <a:rPr lang="de-CH" dirty="0"/>
-              <a:t> power </a:t>
-            </a:r>
-            <a:r>
-              <a:rPr lang="de-CH" dirty="0" err="1"/>
-              <a:t>needed</a:t>
-            </a:r>
-            <a:endParaRPr lang="de-CH" dirty="0"/>
-          </a:p>
-          <a:p>
-            <a:pPr lvl="1"/>
-            <a:r>
-              <a:rPr lang="de-CH" dirty="0"/>
-              <a:t>Simpler </a:t>
-            </a:r>
-            <a:r>
-              <a:rPr lang="de-CH" dirty="0" err="1"/>
-              <a:t>setup</a:t>
-            </a:r>
-            <a:r>
-              <a:rPr lang="de-CH" dirty="0"/>
-              <a:t>, </a:t>
-            </a:r>
-            <a:r>
-              <a:rPr lang="de-CH" dirty="0" err="1"/>
-              <a:t>faster</a:t>
-            </a:r>
-            <a:r>
-              <a:rPr lang="de-CH" dirty="0"/>
-              <a:t> </a:t>
-            </a:r>
-            <a:r>
-              <a:rPr lang="de-CH" dirty="0" err="1"/>
-              <a:t>training</a:t>
-            </a:r>
-            <a:endParaRPr lang="de-CH" dirty="0"/>
-          </a:p>
-          <a:p>
-            <a:pPr lvl="1"/>
-            <a:r>
-              <a:rPr lang="de-CH" dirty="0"/>
-              <a:t>Zero-</a:t>
-            </a:r>
-            <a:r>
-              <a:rPr lang="de-CH" dirty="0" err="1"/>
-              <a:t>shot</a:t>
-            </a:r>
-            <a:r>
-              <a:rPr lang="de-CH" dirty="0"/>
-              <a:t>-cross-lingual </a:t>
-            </a:r>
-            <a:r>
-              <a:rPr lang="de-CH" dirty="0" err="1"/>
-              <a:t>capacities</a:t>
-            </a:r>
-            <a:r>
-              <a:rPr lang="de-CH" dirty="0"/>
-              <a:t> </a:t>
-            </a:r>
-            <a:r>
-              <a:rPr lang="de-CH" dirty="0" err="1"/>
-              <a:t>of</a:t>
-            </a:r>
-            <a:r>
-              <a:rPr lang="de-CH" dirty="0"/>
-              <a:t> </a:t>
-            </a:r>
-            <a:r>
-              <a:rPr lang="de-CH" dirty="0" err="1"/>
-              <a:t>the</a:t>
-            </a:r>
-            <a:r>
-              <a:rPr lang="de-CH" dirty="0"/>
-              <a:t> </a:t>
-            </a:r>
-            <a:r>
-              <a:rPr lang="de-CH" dirty="0" err="1"/>
-              <a:t>models</a:t>
-            </a:r>
-            <a:r>
-              <a:rPr lang="de-CH" dirty="0"/>
-              <a:t> </a:t>
-            </a:r>
-            <a:r>
-              <a:rPr lang="de-CH" dirty="0" err="1"/>
-              <a:t>can</a:t>
-            </a:r>
-            <a:r>
-              <a:rPr lang="de-CH" dirty="0"/>
-              <a:t> </a:t>
-            </a:r>
-            <a:r>
-              <a:rPr lang="de-CH" dirty="0" err="1"/>
-              <a:t>be</a:t>
-            </a:r>
-            <a:r>
-              <a:rPr lang="de-CH" dirty="0"/>
-              <a:t> </a:t>
-            </a:r>
-            <a:r>
-              <a:rPr lang="de-CH" dirty="0" err="1"/>
-              <a:t>used</a:t>
-            </a:r>
-            <a:endParaRPr lang="de-CH" dirty="0"/>
-          </a:p>
-          <a:p>
-            <a:pPr lvl="1"/>
-            <a:r>
-              <a:rPr lang="de-CH" dirty="0"/>
-              <a:t>Evaluation </a:t>
-            </a:r>
-            <a:r>
-              <a:rPr lang="de-CH" dirty="0" err="1"/>
-              <a:t>of</a:t>
-            </a:r>
-            <a:r>
-              <a:rPr lang="de-CH" dirty="0"/>
-              <a:t> </a:t>
-            </a:r>
-            <a:r>
-              <a:rPr lang="de-CH" dirty="0" err="1"/>
-              <a:t>cross</a:t>
-            </a:r>
-            <a:r>
-              <a:rPr lang="de-CH" dirty="0"/>
-              <a:t>-lingual </a:t>
-            </a:r>
-            <a:r>
-              <a:rPr lang="de-CH" dirty="0" err="1"/>
-              <a:t>transfer</a:t>
-            </a:r>
-            <a:r>
-              <a:rPr lang="de-CH" dirty="0"/>
-              <a:t> </a:t>
-            </a:r>
-            <a:r>
-              <a:rPr lang="de-CH" dirty="0" err="1"/>
-              <a:t>is</a:t>
-            </a:r>
-            <a:r>
-              <a:rPr lang="de-CH" dirty="0"/>
-              <a:t> </a:t>
-            </a:r>
-            <a:r>
-              <a:rPr lang="de-CH" dirty="0" err="1"/>
-              <a:t>easier</a:t>
-            </a:r>
-            <a:endParaRPr lang="de-CH" dirty="0"/>
-          </a:p>
-          <a:p>
-            <a:pPr lvl="1"/>
-            <a:r>
-              <a:rPr lang="de-CH" dirty="0" err="1"/>
-              <a:t>Less</a:t>
-            </a:r>
-            <a:r>
-              <a:rPr lang="de-CH" dirty="0"/>
-              <a:t> </a:t>
-            </a:r>
-            <a:r>
-              <a:rPr lang="de-CH" dirty="0" err="1"/>
-              <a:t>complicated</a:t>
-            </a:r>
-            <a:r>
-              <a:rPr lang="de-CH" dirty="0"/>
-              <a:t> </a:t>
-            </a:r>
-            <a:r>
-              <a:rPr lang="de-CH" dirty="0" err="1"/>
-              <a:t>because</a:t>
-            </a:r>
-            <a:r>
-              <a:rPr lang="de-CH" dirty="0"/>
-              <a:t> </a:t>
-            </a:r>
-            <a:r>
-              <a:rPr lang="de-CH" dirty="0" err="1"/>
-              <a:t>no</a:t>
-            </a:r>
-            <a:r>
-              <a:rPr lang="de-CH" dirty="0"/>
-              <a:t> </a:t>
-            </a:r>
-            <a:r>
-              <a:rPr lang="de-CH" dirty="0" err="1"/>
-              <a:t>data</a:t>
-            </a:r>
-            <a:r>
-              <a:rPr lang="de-CH" dirty="0"/>
-              <a:t> </a:t>
-            </a:r>
-            <a:r>
-              <a:rPr lang="de-CH" dirty="0" err="1"/>
-              <a:t>fusion</a:t>
-            </a:r>
-            <a:r>
-              <a:rPr lang="de-CH" dirty="0"/>
-              <a:t> </a:t>
-            </a:r>
-            <a:r>
-              <a:rPr lang="de-CH"/>
-              <a:t>necessary</a:t>
-            </a:r>
-            <a:endParaRPr lang="de-CH" dirty="0"/>
-          </a:p>
-          <a:p>
-            <a:pPr lvl="1"/>
-            <a:r>
-              <a:rPr lang="de-CH" dirty="0" err="1"/>
-              <a:t>Easier</a:t>
-            </a:r>
-            <a:r>
-              <a:rPr lang="de-CH" dirty="0"/>
-              <a:t> </a:t>
-            </a:r>
-            <a:r>
-              <a:rPr lang="de-CH" dirty="0" err="1"/>
-              <a:t>to</a:t>
-            </a:r>
-            <a:r>
-              <a:rPr lang="de-CH" dirty="0"/>
-              <a:t> </a:t>
-            </a:r>
-            <a:r>
-              <a:rPr lang="de-CH" dirty="0" err="1"/>
-              <a:t>recognize</a:t>
-            </a:r>
-            <a:r>
-              <a:rPr lang="de-CH" dirty="0"/>
-              <a:t> </a:t>
-            </a:r>
-            <a:r>
-              <a:rPr lang="de-CH" dirty="0" err="1"/>
-              <a:t>generalization</a:t>
-            </a:r>
-            <a:r>
-              <a:rPr lang="de-CH" dirty="0"/>
-              <a:t> and </a:t>
-            </a:r>
-            <a:r>
-              <a:rPr lang="de-CH" dirty="0" err="1"/>
-              <a:t>language</a:t>
-            </a:r>
-            <a:r>
-              <a:rPr lang="de-CH" dirty="0"/>
-              <a:t> </a:t>
-            </a:r>
-            <a:r>
-              <a:rPr lang="de-CH" dirty="0" err="1"/>
-              <a:t>specific</a:t>
-            </a:r>
-            <a:r>
-              <a:rPr lang="de-CH" dirty="0"/>
-              <a:t> </a:t>
-            </a:r>
-            <a:r>
-              <a:rPr lang="de-CH" dirty="0" err="1"/>
-              <a:t>challenges</a:t>
-            </a:r>
-            <a:endParaRPr lang="en-US" dirty="0"/>
-          </a:p>
-        </p:txBody>
-      </p:sp>
+          <p:cNvPicPr>
+            <a:picLocks noChangeAspect="1"/>
+          </p:cNvPicPr>
+          <p:nvPr/>
+        </p:nvPicPr>
+        <p:blipFill>
+          <a:blip r:embed="rId3"/>
+          <a:stretch>
+            <a:fillRect/>
+          </a:stretch>
+        </p:blipFill>
+        <p:spPr>
+          <a:xfrm>
+            <a:off x="3029565" y="1367481"/>
+            <a:ext cx="7352173" cy="5319567"/>
+          </a:xfrm>
+          <a:prstGeom prst="rect">
+            <a:avLst/>
+          </a:prstGeom>
+        </p:spPr>
+      </p:pic>
     </p:spTree>
     <p:extLst>
       <p:ext uri="{BB962C8B-B14F-4D97-AF65-F5344CB8AC3E}">
-        <p14:creationId xmlns:p14="http://schemas.microsoft.com/office/powerpoint/2010/main" val="758282281"/>
+        <p14:creationId xmlns:p14="http://schemas.microsoft.com/office/powerpoint/2010/main" val="2301987029"/>
       </p:ext>
     </p:extLst>
   </p:cSld>
@@ -10308,7 +11132,13 @@
   <p:cSld>
     <p:spTree>
       <p:nvGrpSpPr>
-        <p:cNvPr id="1" name=""/>
+        <p:cNvPr id="1" name="">
+          <a:extLst>
+            <a:ext uri="{FF2B5EF4-FFF2-40B4-BE49-F238E27FC236}">
+              <a16:creationId xmlns:a16="http://schemas.microsoft.com/office/drawing/2014/main" id="{76F753A7-71E9-7C0C-323A-96DF833E1823}"/>
+            </a:ext>
+          </a:extLst>
+        </p:cNvPr>
         <p:cNvGrpSpPr/>
         <p:nvPr/>
       </p:nvGrpSpPr>
@@ -10322,10 +11152,10 @@
       </p:grpSpPr>
       <p:sp>
         <p:nvSpPr>
-          <p:cNvPr id="2" name="Title 1">
+          <p:cNvPr id="2" name="Titel 1">
             <a:extLst>
               <a:ext uri="{FF2B5EF4-FFF2-40B4-BE49-F238E27FC236}">
-                <a16:creationId xmlns:a16="http://schemas.microsoft.com/office/drawing/2014/main" id="{20AB11EB-9845-4ED2-AE25-552596FDA2CC}"/>
+                <a16:creationId xmlns:a16="http://schemas.microsoft.com/office/drawing/2014/main" id="{D62D4727-1847-877F-3BBA-6AB11CF00E01}"/>
               </a:ext>
             </a:extLst>
           </p:cNvPr>
@@ -10343,11 +11173,11 @@
           <a:p>
             <a:r>
               <a:rPr lang="de-CH" dirty="0"/>
-              <a:t>Test </a:t>
+              <a:t>Distribution </a:t>
             </a:r>
             <a:r>
               <a:rPr lang="de-CH" dirty="0" err="1"/>
-              <a:t>the</a:t>
+              <a:t>of</a:t>
             </a:r>
             <a:r>
               <a:rPr lang="de-CH" dirty="0"/>
@@ -10355,48 +11185,49 @@
             </a:r>
             <a:r>
               <a:rPr lang="de-CH" dirty="0" err="1"/>
-              <a:t>model</a:t>
+              <a:t>entities</a:t>
             </a:r>
             <a:r>
               <a:rPr lang="de-CH" dirty="0"/>
-              <a:t> in DE, FR and IT</a:t>
-            </a:r>
-            <a:br>
-              <a:rPr lang="de-CH" dirty="0"/>
-            </a:br>
-            <a:endParaRPr lang="en-US" dirty="0"/>
-          </a:p>
-        </p:txBody>
-      </p:sp>
-      <p:sp>
-        <p:nvSpPr>
-          <p:cNvPr id="3" name="Content Placeholder 2">
+              <a:t> in German Dataset</a:t>
+            </a:r>
+          </a:p>
+        </p:txBody>
+      </p:sp>
+      <p:pic>
+        <p:nvPicPr>
+          <p:cNvPr id="4" name="Grafik 3">
             <a:extLst>
               <a:ext uri="{FF2B5EF4-FFF2-40B4-BE49-F238E27FC236}">
-                <a16:creationId xmlns:a16="http://schemas.microsoft.com/office/drawing/2014/main" id="{390FB31B-FE28-431F-9E4D-81A0F209F1AA}"/>
+                <a16:creationId xmlns:a16="http://schemas.microsoft.com/office/drawing/2014/main" id="{0D155C9C-59A5-DD0F-3739-C600F108619D}"/>
               </a:ext>
             </a:extLst>
           </p:cNvPr>
-          <p:cNvSpPr>
-            <a:spLocks noGrp="1"/>
-          </p:cNvSpPr>
-          <p:nvPr>
-            <p:ph idx="1"/>
-          </p:nvPr>
-        </p:nvSpPr>
-        <p:spPr/>
-        <p:txBody>
-          <a:bodyPr/>
-          <a:lstStyle/>
-          <a:p>
-            <a:endParaRPr lang="en-US"/>
-          </a:p>
-        </p:txBody>
-      </p:sp>
+          <p:cNvPicPr>
+            <a:picLocks noChangeAspect="1"/>
+          </p:cNvPicPr>
+          <p:nvPr/>
+        </p:nvPicPr>
+        <p:blipFill>
+          <a:blip r:embed="rId3"/>
+          <a:stretch>
+            <a:fillRect/>
+          </a:stretch>
+        </p:blipFill>
+        <p:spPr>
+          <a:xfrm>
+            <a:off x="2905648" y="1351006"/>
+            <a:ext cx="7436985" cy="5308148"/>
+          </a:xfrm>
+          <a:prstGeom prst="rect">
+            <a:avLst/>
+          </a:prstGeom>
+        </p:spPr>
+      </p:pic>
     </p:spTree>
     <p:extLst>
       <p:ext uri="{BB962C8B-B14F-4D97-AF65-F5344CB8AC3E}">
-        <p14:creationId xmlns:p14="http://schemas.microsoft.com/office/powerpoint/2010/main" val="846595895"/>
+        <p14:creationId xmlns:p14="http://schemas.microsoft.com/office/powerpoint/2010/main" val="2111729585"/>
       </p:ext>
     </p:extLst>
   </p:cSld>
@@ -10411,7 +11242,13 @@
   <p:cSld>
     <p:spTree>
       <p:nvGrpSpPr>
-        <p:cNvPr id="1" name=""/>
+        <p:cNvPr id="1" name="">
+          <a:extLst>
+            <a:ext uri="{FF2B5EF4-FFF2-40B4-BE49-F238E27FC236}">
+              <a16:creationId xmlns:a16="http://schemas.microsoft.com/office/drawing/2014/main" id="{5C4EA42F-0031-93C1-312A-D84730E234C4}"/>
+            </a:ext>
+          </a:extLst>
+        </p:cNvPr>
         <p:cNvGrpSpPr/>
         <p:nvPr/>
       </p:nvGrpSpPr>
@@ -10425,10 +11262,10 @@
       </p:grpSpPr>
       <p:sp>
         <p:nvSpPr>
-          <p:cNvPr id="2" name="Title 1">
+          <p:cNvPr id="2" name="Titel 1">
             <a:extLst>
               <a:ext uri="{FF2B5EF4-FFF2-40B4-BE49-F238E27FC236}">
-                <a16:creationId xmlns:a16="http://schemas.microsoft.com/office/drawing/2014/main" id="{0913BBCD-948C-44D6-9FAF-BA651248C8F9}"/>
+                <a16:creationId xmlns:a16="http://schemas.microsoft.com/office/drawing/2014/main" id="{EBEBDECA-FBD7-277F-16AF-090349F0FE10}"/>
               </a:ext>
             </a:extLst>
           </p:cNvPr>
@@ -10445,45 +11282,62 @@
           <a:lstStyle/>
           <a:p>
             <a:r>
+              <a:rPr lang="de-CH" dirty="0"/>
+              <a:t>Distribution </a:t>
+            </a:r>
+            <a:r>
               <a:rPr lang="de-CH" dirty="0" err="1"/>
-              <a:t>Results</a:t>
-            </a:r>
-            <a:br>
+              <a:t>of</a:t>
+            </a:r>
+            <a:r>
               <a:rPr lang="de-CH" dirty="0"/>
-            </a:br>
-            <a:endParaRPr lang="en-US" dirty="0"/>
-          </a:p>
-        </p:txBody>
-      </p:sp>
-      <p:sp>
-        <p:nvSpPr>
-          <p:cNvPr id="3" name="Content Placeholder 2">
+              <a:t> </a:t>
+            </a:r>
+            <a:r>
+              <a:rPr lang="de-CH" dirty="0" err="1"/>
+              <a:t>entities</a:t>
+            </a:r>
+            <a:r>
+              <a:rPr lang="de-CH" dirty="0"/>
+              <a:t> in French Dataset</a:t>
+            </a:r>
+          </a:p>
+        </p:txBody>
+      </p:sp>
+      <p:pic>
+        <p:nvPicPr>
+          <p:cNvPr id="4" name="Grafik 3">
             <a:extLst>
               <a:ext uri="{FF2B5EF4-FFF2-40B4-BE49-F238E27FC236}">
-                <a16:creationId xmlns:a16="http://schemas.microsoft.com/office/drawing/2014/main" id="{CD2C2720-0DE9-46D1-9C59-6F205CB75879}"/>
+                <a16:creationId xmlns:a16="http://schemas.microsoft.com/office/drawing/2014/main" id="{2C8CC483-E16E-8A09-DA9D-D147E541A76C}"/>
               </a:ext>
             </a:extLst>
           </p:cNvPr>
-          <p:cNvSpPr>
-            <a:spLocks noGrp="1"/>
-          </p:cNvSpPr>
-          <p:nvPr>
-            <p:ph idx="1"/>
-          </p:nvPr>
-        </p:nvSpPr>
-        <p:spPr/>
-        <p:txBody>
-          <a:bodyPr/>
-          <a:lstStyle/>
-          <a:p>
-            <a:endParaRPr lang="en-US"/>
-          </a:p>
-        </p:txBody>
-      </p:sp>
+          <p:cNvPicPr>
+            <a:picLocks noChangeAspect="1"/>
+          </p:cNvPicPr>
+          <p:nvPr/>
+        </p:nvPicPr>
+        <p:blipFill>
+          <a:blip r:embed="rId3"/>
+          <a:stretch>
+            <a:fillRect/>
+          </a:stretch>
+        </p:blipFill>
+        <p:spPr>
+          <a:xfrm>
+            <a:off x="3010130" y="1375718"/>
+            <a:ext cx="7343208" cy="5187155"/>
+          </a:xfrm>
+          <a:prstGeom prst="rect">
+            <a:avLst/>
+          </a:prstGeom>
+        </p:spPr>
+      </p:pic>
     </p:spTree>
     <p:extLst>
       <p:ext uri="{BB962C8B-B14F-4D97-AF65-F5344CB8AC3E}">
-        <p14:creationId xmlns:p14="http://schemas.microsoft.com/office/powerpoint/2010/main" val="4079610711"/>
+        <p14:creationId xmlns:p14="http://schemas.microsoft.com/office/powerpoint/2010/main" val="2347839881"/>
       </p:ext>
     </p:extLst>
   </p:cSld>

--- a/CAS NLP Module 4_jd_bb.pptx
+++ b/CAS NLP Module 4_jd_bb.pptx
@@ -5,7 +5,7 @@
     <p:sldMasterId id="2147483660" r:id="rId1"/>
   </p:sldMasterIdLst>
   <p:notesMasterIdLst>
-    <p:notesMasterId r:id="rId19"/>
+    <p:notesMasterId r:id="rId26"/>
   </p:notesMasterIdLst>
   <p:sldIdLst>
     <p:sldId id="256" r:id="rId2"/>
@@ -13,18 +13,25 @@
     <p:sldId id="257" r:id="rId4"/>
     <p:sldId id="259" r:id="rId5"/>
     <p:sldId id="260" r:id="rId6"/>
-    <p:sldId id="261" r:id="rId7"/>
-    <p:sldId id="269" r:id="rId8"/>
-    <p:sldId id="270" r:id="rId9"/>
-    <p:sldId id="271" r:id="rId10"/>
-    <p:sldId id="272" r:id="rId11"/>
-    <p:sldId id="262" r:id="rId12"/>
-    <p:sldId id="263" r:id="rId13"/>
-    <p:sldId id="264" r:id="rId14"/>
-    <p:sldId id="265" r:id="rId15"/>
-    <p:sldId id="266" r:id="rId16"/>
-    <p:sldId id="267" r:id="rId17"/>
-    <p:sldId id="268" r:id="rId18"/>
+    <p:sldId id="281" r:id="rId7"/>
+    <p:sldId id="279" r:id="rId8"/>
+    <p:sldId id="274" r:id="rId9"/>
+    <p:sldId id="275" r:id="rId10"/>
+    <p:sldId id="276" r:id="rId11"/>
+    <p:sldId id="277" r:id="rId12"/>
+    <p:sldId id="282" r:id="rId13"/>
+    <p:sldId id="261" r:id="rId14"/>
+    <p:sldId id="269" r:id="rId15"/>
+    <p:sldId id="270" r:id="rId16"/>
+    <p:sldId id="271" r:id="rId17"/>
+    <p:sldId id="272" r:id="rId18"/>
+    <p:sldId id="262" r:id="rId19"/>
+    <p:sldId id="263" r:id="rId20"/>
+    <p:sldId id="264" r:id="rId21"/>
+    <p:sldId id="265" r:id="rId22"/>
+    <p:sldId id="266" r:id="rId23"/>
+    <p:sldId id="267" r:id="rId24"/>
+    <p:sldId id="268" r:id="rId25"/>
   </p:sldIdLst>
   <p:sldSz cx="12192000" cy="6858000"/>
   <p:notesSz cx="6858000" cy="9144000"/>
@@ -371,7 +378,7 @@
           <a:p>
             <a:fld id="{2DA66685-3D22-47BB-B74E-10995D7F8271}" type="slidenum">
               <a:rPr lang="en-US" smtClean="0"/>
-              <a:t>‹Nr.›</a:t>
+              <a:t>‹#›</a:t>
             </a:fld>
             <a:endParaRPr lang="en-US"/>
           </a:p>
@@ -2109,7 +2116,7 @@
       </p:grpSpPr>
       <p:sp>
         <p:nvSpPr>
-          <p:cNvPr id="2" name="Folienbildplatzhalter 1"/>
+          <p:cNvPr id="2" name="Slide Image Placeholder 1"/>
           <p:cNvSpPr>
             <a:spLocks noGrp="1" noRot="1" noChangeAspect="1"/>
           </p:cNvSpPr>
@@ -2121,7 +2128,7 @@
       </p:sp>
       <p:sp>
         <p:nvSpPr>
-          <p:cNvPr id="3" name="Notizenplatzhalter 2"/>
+          <p:cNvPr id="3" name="Notes Placeholder 2"/>
           <p:cNvSpPr>
             <a:spLocks noGrp="1"/>
           </p:cNvSpPr>
@@ -2134,13 +2141,334 @@
           <a:bodyPr/>
           <a:lstStyle/>
           <a:p>
-            <a:endParaRPr lang="de-CH" dirty="0"/>
-          </a:p>
-        </p:txBody>
-      </p:sp>
-      <p:sp>
-        <p:nvSpPr>
-          <p:cNvPr id="4" name="Foliennummernplatzhalter 3"/>
+            <a:pPr algn="l">
+              <a:buFont typeface="+mj-lt"/>
+              <a:buNone/>
+            </a:pPr>
+            <a:r>
+              <a:rPr lang="en-US" b="0" i="0" dirty="0">
+                <a:effectLst/>
+                <a:latin typeface="__fkGroteskNeue_598ab8"/>
+              </a:rPr>
+              <a:t>These are the first five rows of the </a:t>
+            </a:r>
+            <a:r>
+              <a:rPr lang="en-US" b="0" i="0" dirty="0" err="1">
+                <a:effectLst/>
+                <a:latin typeface="__fkGroteskNeue_598ab8"/>
+              </a:rPr>
+              <a:t>DataFrame</a:t>
+            </a:r>
+            <a:r>
+              <a:rPr lang="en-US" b="0" i="0" dirty="0">
+                <a:effectLst/>
+                <a:latin typeface="__fkGroteskNeue_598ab8"/>
+              </a:rPr>
+              <a:t> created from the </a:t>
+            </a:r>
+            <a:r>
+              <a:rPr lang="en-US" b="0" i="0" dirty="0" err="1">
+                <a:effectLst/>
+                <a:latin typeface="__fkGroteskNeue_598ab8"/>
+              </a:rPr>
+              <a:t>WikiANN</a:t>
+            </a:r>
+            <a:r>
+              <a:rPr lang="en-US" b="0" i="0" dirty="0">
+                <a:effectLst/>
+                <a:latin typeface="__fkGroteskNeue_598ab8"/>
+              </a:rPr>
+              <a:t> dataset </a:t>
+            </a:r>
+            <a:r>
+              <a:rPr lang="en-US" b="0" i="0" dirty="0" err="1">
+                <a:effectLst/>
+                <a:latin typeface="__fkGroteskNeue_598ab8"/>
+              </a:rPr>
+              <a:t>en</a:t>
+            </a:r>
+            <a:r>
+              <a:rPr lang="en-US" b="0" i="0" dirty="0">
+                <a:effectLst/>
+                <a:latin typeface="__fkGroteskNeue_598ab8"/>
+              </a:rPr>
+              <a:t>:</a:t>
+            </a:r>
+          </a:p>
+          <a:p>
+            <a:pPr algn="l">
+              <a:buFont typeface="+mj-lt"/>
+              <a:buNone/>
+            </a:pPr>
+            <a:r>
+              <a:rPr lang="en-US" b="1" i="0" dirty="0">
+                <a:effectLst/>
+                <a:latin typeface="__fkGroteskNeue_598ab8"/>
+              </a:rPr>
+              <a:t>Structure: </a:t>
+            </a:r>
+            <a:r>
+              <a:rPr lang="en-US" b="0" i="0" dirty="0">
+                <a:effectLst/>
+                <a:latin typeface="__fkGroteskNeue_598ab8"/>
+              </a:rPr>
+              <a:t>The </a:t>
+            </a:r>
+            <a:r>
+              <a:rPr lang="en-US" b="0" i="0" dirty="0" err="1">
+                <a:effectLst/>
+                <a:latin typeface="__fkGroteskNeue_598ab8"/>
+              </a:rPr>
+              <a:t>DataFrame</a:t>
+            </a:r>
+            <a:r>
+              <a:rPr lang="en-US" b="0" i="0" dirty="0">
+                <a:effectLst/>
+                <a:latin typeface="__fkGroteskNeue_598ab8"/>
+              </a:rPr>
+              <a:t> has four columns: 'tokens', '</a:t>
+            </a:r>
+            <a:r>
+              <a:rPr lang="en-US" b="0" i="0" dirty="0" err="1">
+                <a:effectLst/>
+                <a:latin typeface="__fkGroteskNeue_598ab8"/>
+              </a:rPr>
+              <a:t>ner_tags</a:t>
+            </a:r>
+            <a:r>
+              <a:rPr lang="en-US" b="0" i="0" dirty="0">
+                <a:effectLst/>
+                <a:latin typeface="__fkGroteskNeue_598ab8"/>
+              </a:rPr>
+              <a:t>', '</a:t>
+            </a:r>
+            <a:r>
+              <a:rPr lang="en-US" b="0" i="0" dirty="0" err="1">
+                <a:effectLst/>
+                <a:latin typeface="__fkGroteskNeue_598ab8"/>
+              </a:rPr>
+              <a:t>langs</a:t>
+            </a:r>
+            <a:r>
+              <a:rPr lang="en-US" b="0" i="0" dirty="0">
+                <a:effectLst/>
+                <a:latin typeface="__fkGroteskNeue_598ab8"/>
+              </a:rPr>
+              <a:t>', and 'spans'.</a:t>
+            </a:r>
+          </a:p>
+          <a:p>
+            <a:pPr algn="l">
+              <a:buFont typeface="+mj-lt"/>
+              <a:buNone/>
+            </a:pPr>
+            <a:r>
+              <a:rPr lang="en-US" b="1" i="0" dirty="0">
+                <a:effectLst/>
+                <a:latin typeface="__fkGroteskNeue_598ab8"/>
+              </a:rPr>
+              <a:t>Column details:</a:t>
+            </a:r>
+          </a:p>
+          <a:p>
+            <a:pPr marL="171450" indent="-171450" algn="l">
+              <a:buFont typeface="Arial" panose="020B0604020202020204" pitchFamily="34" charset="0"/>
+              <a:buChar char="•"/>
+            </a:pPr>
+            <a:r>
+              <a:rPr lang="en-US" b="0" i="0" dirty="0">
+                <a:effectLst/>
+                <a:latin typeface="__fkGroteskNeue_598ab8"/>
+              </a:rPr>
+              <a:t>tokens: Lists of words or punctuation marks that make up each text sample.</a:t>
+            </a:r>
+          </a:p>
+          <a:p>
+            <a:pPr marL="171450" indent="-171450" algn="l">
+              <a:buFont typeface="Arial" panose="020B0604020202020204" pitchFamily="34" charset="0"/>
+              <a:buChar char="•"/>
+            </a:pPr>
+            <a:r>
+              <a:rPr lang="en-US" b="0" i="0" dirty="0" err="1">
+                <a:effectLst/>
+                <a:latin typeface="__fkGroteskNeue_598ab8"/>
+              </a:rPr>
+              <a:t>ner_tags</a:t>
+            </a:r>
+            <a:r>
+              <a:rPr lang="en-US" b="0" i="0" dirty="0">
+                <a:effectLst/>
+                <a:latin typeface="__fkGroteskNeue_598ab8"/>
+              </a:rPr>
+              <a:t>: Numerical tags corresponding to Named Entity Recognition (NER) categories.</a:t>
+            </a:r>
+          </a:p>
+          <a:p>
+            <a:pPr marL="171450" indent="-171450" algn="l">
+              <a:buFont typeface="Arial" panose="020B0604020202020204" pitchFamily="34" charset="0"/>
+              <a:buChar char="•"/>
+            </a:pPr>
+            <a:r>
+              <a:rPr lang="en-US" b="0" i="0" dirty="0" err="1">
+                <a:effectLst/>
+                <a:latin typeface="__fkGroteskNeue_598ab8"/>
+              </a:rPr>
+              <a:t>langs</a:t>
+            </a:r>
+            <a:r>
+              <a:rPr lang="en-US" b="0" i="0" dirty="0">
+                <a:effectLst/>
+                <a:latin typeface="__fkGroteskNeue_598ab8"/>
+              </a:rPr>
+              <a:t>: Language identifiers for each token (all '</a:t>
+            </a:r>
+            <a:r>
+              <a:rPr lang="en-US" b="0" i="0" dirty="0" err="1">
+                <a:effectLst/>
+                <a:latin typeface="__fkGroteskNeue_598ab8"/>
+              </a:rPr>
+              <a:t>en</a:t>
+            </a:r>
+            <a:r>
+              <a:rPr lang="en-US" b="0" i="0" dirty="0">
+                <a:effectLst/>
+                <a:latin typeface="__fkGroteskNeue_598ab8"/>
+              </a:rPr>
+              <a:t>' for English in this sample).</a:t>
+            </a:r>
+          </a:p>
+          <a:p>
+            <a:pPr marL="171450" indent="-171450" algn="l">
+              <a:buFont typeface="Arial" panose="020B0604020202020204" pitchFamily="34" charset="0"/>
+              <a:buChar char="•"/>
+            </a:pPr>
+            <a:r>
+              <a:rPr lang="en-US" b="0" i="0" dirty="0">
+                <a:effectLst/>
+                <a:latin typeface="__fkGroteskNeue_598ab8"/>
+              </a:rPr>
+              <a:t>spans: Named entities identified in the text, with their categories.</a:t>
+            </a:r>
+          </a:p>
+          <a:p>
+            <a:endParaRPr lang="en-US" dirty="0"/>
+          </a:p>
+          <a:p>
+            <a:endParaRPr lang="en-US" dirty="0"/>
+          </a:p>
+        </p:txBody>
+      </p:sp>
+      <p:sp>
+        <p:nvSpPr>
+          <p:cNvPr id="4" name="Slide Number Placeholder 3"/>
+          <p:cNvSpPr>
+            <a:spLocks noGrp="1"/>
+          </p:cNvSpPr>
+          <p:nvPr>
+            <p:ph type="sldNum" sz="quarter" idx="5"/>
+          </p:nvPr>
+        </p:nvSpPr>
+        <p:spPr/>
+        <p:txBody>
+          <a:bodyPr/>
+          <a:lstStyle/>
+          <a:p>
+            <a:fld id="{2DA66685-3D22-47BB-B74E-10995D7F8271}" type="slidenum">
+              <a:rPr lang="en-US" smtClean="0"/>
+              <a:t>6</a:t>
+            </a:fld>
+            <a:endParaRPr lang="en-US"/>
+          </a:p>
+        </p:txBody>
+      </p:sp>
+    </p:spTree>
+    <p:extLst>
+      <p:ext uri="{BB962C8B-B14F-4D97-AF65-F5344CB8AC3E}">
+        <p14:creationId xmlns:p14="http://schemas.microsoft.com/office/powerpoint/2010/main" val="853292132"/>
+      </p:ext>
+    </p:extLst>
+  </p:cSld>
+  <p:clrMapOvr>
+    <a:masterClrMapping/>
+  </p:clrMapOvr>
+</p:notes>
+</file>
+
+<file path=ppt/notesSlides/notesSlide3.xml><?xml version="1.0" encoding="utf-8"?>
+<p:notes xmlns:a="http://schemas.openxmlformats.org/drawingml/2006/main" xmlns:r="http://schemas.openxmlformats.org/officeDocument/2006/relationships" xmlns:p="http://schemas.openxmlformats.org/presentationml/2006/main">
+  <p:cSld>
+    <p:spTree>
+      <p:nvGrpSpPr>
+        <p:cNvPr id="1" name=""/>
+        <p:cNvGrpSpPr/>
+        <p:nvPr/>
+      </p:nvGrpSpPr>
+      <p:grpSpPr>
+        <a:xfrm>
+          <a:off x="0" y="0"/>
+          <a:ext cx="0" cy="0"/>
+          <a:chOff x="0" y="0"/>
+          <a:chExt cx="0" cy="0"/>
+        </a:xfrm>
+      </p:grpSpPr>
+      <p:sp>
+        <p:nvSpPr>
+          <p:cNvPr id="2" name="Slide Image Placeholder 1"/>
+          <p:cNvSpPr>
+            <a:spLocks noGrp="1" noRot="1" noChangeAspect="1"/>
+          </p:cNvSpPr>
+          <p:nvPr>
+            <p:ph type="sldImg"/>
+          </p:nvPr>
+        </p:nvSpPr>
+        <p:spPr/>
+      </p:sp>
+      <p:sp>
+        <p:nvSpPr>
+          <p:cNvPr id="3" name="Notes Placeholder 2"/>
+          <p:cNvSpPr>
+            <a:spLocks noGrp="1"/>
+          </p:cNvSpPr>
+          <p:nvPr>
+            <p:ph type="body" idx="1"/>
+          </p:nvPr>
+        </p:nvSpPr>
+        <p:spPr/>
+        <p:txBody>
+          <a:bodyPr/>
+          <a:lstStyle/>
+          <a:p>
+            <a:r>
+              <a:rPr lang="de-CH" dirty="0" err="1"/>
+              <a:t>Similar</a:t>
+            </a:r>
+            <a:r>
+              <a:rPr lang="de-CH" dirty="0"/>
+              <a:t> in </a:t>
+            </a:r>
+            <a:r>
+              <a:rPr lang="de-CH" dirty="0" err="1"/>
+              <a:t>the</a:t>
+            </a:r>
+            <a:r>
+              <a:rPr lang="de-CH" dirty="0"/>
+              <a:t> </a:t>
+            </a:r>
+            <a:r>
+              <a:rPr lang="de-CH" dirty="0" err="1"/>
+              <a:t>languages</a:t>
+            </a:r>
+            <a:r>
+              <a:rPr lang="de-CH" dirty="0"/>
+              <a:t> DE, FR and IT</a:t>
+            </a:r>
+            <a:endParaRPr lang="en-US" dirty="0"/>
+          </a:p>
+        </p:txBody>
+      </p:sp>
+      <p:sp>
+        <p:nvSpPr>
+          <p:cNvPr id="4" name="Slide Number Placeholder 3"/>
           <p:cNvSpPr>
             <a:spLocks noGrp="1"/>
           </p:cNvSpPr>
@@ -2156,6 +2484,90 @@
             <a:fld id="{2DA66685-3D22-47BB-B74E-10995D7F8271}" type="slidenum">
               <a:rPr lang="en-US" smtClean="0"/>
               <a:t>7</a:t>
+            </a:fld>
+            <a:endParaRPr lang="en-US"/>
+          </a:p>
+        </p:txBody>
+      </p:sp>
+    </p:spTree>
+    <p:extLst>
+      <p:ext uri="{BB962C8B-B14F-4D97-AF65-F5344CB8AC3E}">
+        <p14:creationId xmlns:p14="http://schemas.microsoft.com/office/powerpoint/2010/main" val="2462916899"/>
+      </p:ext>
+    </p:extLst>
+  </p:cSld>
+  <p:clrMapOvr>
+    <a:masterClrMapping/>
+  </p:clrMapOvr>
+</p:notes>
+</file>
+
+<file path=ppt/notesSlides/notesSlide4.xml><?xml version="1.0" encoding="utf-8"?>
+<p:notes xmlns:a="http://schemas.openxmlformats.org/drawingml/2006/main" xmlns:r="http://schemas.openxmlformats.org/officeDocument/2006/relationships" xmlns:p="http://schemas.openxmlformats.org/presentationml/2006/main">
+  <p:cSld>
+    <p:spTree>
+      <p:nvGrpSpPr>
+        <p:cNvPr id="1" name=""/>
+        <p:cNvGrpSpPr/>
+        <p:nvPr/>
+      </p:nvGrpSpPr>
+      <p:grpSpPr>
+        <a:xfrm>
+          <a:off x="0" y="0"/>
+          <a:ext cx="0" cy="0"/>
+          <a:chOff x="0" y="0"/>
+          <a:chExt cx="0" cy="0"/>
+        </a:xfrm>
+      </p:grpSpPr>
+      <p:sp>
+        <p:nvSpPr>
+          <p:cNvPr id="2" name="Folienbildplatzhalter 1"/>
+          <p:cNvSpPr>
+            <a:spLocks noGrp="1" noRot="1" noChangeAspect="1"/>
+          </p:cNvSpPr>
+          <p:nvPr>
+            <p:ph type="sldImg"/>
+          </p:nvPr>
+        </p:nvSpPr>
+        <p:spPr/>
+      </p:sp>
+      <p:sp>
+        <p:nvSpPr>
+          <p:cNvPr id="3" name="Notizenplatzhalter 2"/>
+          <p:cNvSpPr>
+            <a:spLocks noGrp="1"/>
+          </p:cNvSpPr>
+          <p:nvPr>
+            <p:ph type="body" idx="1"/>
+          </p:nvPr>
+        </p:nvSpPr>
+        <p:spPr/>
+        <p:txBody>
+          <a:bodyPr/>
+          <a:lstStyle/>
+          <a:p>
+            <a:endParaRPr lang="de-CH" dirty="0"/>
+          </a:p>
+        </p:txBody>
+      </p:sp>
+      <p:sp>
+        <p:nvSpPr>
+          <p:cNvPr id="4" name="Foliennummernplatzhalter 3"/>
+          <p:cNvSpPr>
+            <a:spLocks noGrp="1"/>
+          </p:cNvSpPr>
+          <p:nvPr>
+            <p:ph type="sldNum" sz="quarter" idx="5"/>
+          </p:nvPr>
+        </p:nvSpPr>
+        <p:spPr/>
+        <p:txBody>
+          <a:bodyPr/>
+          <a:lstStyle/>
+          <a:p>
+            <a:fld id="{2DA66685-3D22-47BB-B74E-10995D7F8271}" type="slidenum">
+              <a:rPr lang="en-US" smtClean="0"/>
+              <a:t>14</a:t>
             </a:fld>
             <a:endParaRPr lang="en-US"/>
           </a:p>
@@ -2174,7 +2586,7 @@
 </p:notes>
 </file>
 
-<file path=ppt/notesSlides/notesSlide3.xml><?xml version="1.0" encoding="utf-8"?>
+<file path=ppt/notesSlides/notesSlide5.xml><?xml version="1.0" encoding="utf-8"?>
 <p:notes xmlns:a="http://schemas.openxmlformats.org/drawingml/2006/main" xmlns:r="http://schemas.openxmlformats.org/officeDocument/2006/relationships" xmlns:p="http://schemas.openxmlformats.org/presentationml/2006/main">
   <p:cSld>
     <p:spTree>
@@ -2263,7 +2675,7 @@
           <a:p>
             <a:fld id="{2DA66685-3D22-47BB-B74E-10995D7F8271}" type="slidenum">
               <a:rPr lang="en-US" smtClean="0"/>
-              <a:t>8</a:t>
+              <a:t>15</a:t>
             </a:fld>
             <a:endParaRPr lang="en-US"/>
           </a:p>
@@ -2282,7 +2694,7 @@
 </p:notes>
 </file>
 
-<file path=ppt/notesSlides/notesSlide4.xml><?xml version="1.0" encoding="utf-8"?>
+<file path=ppt/notesSlides/notesSlide6.xml><?xml version="1.0" encoding="utf-8"?>
 <p:notes xmlns:a="http://schemas.openxmlformats.org/drawingml/2006/main" xmlns:r="http://schemas.openxmlformats.org/officeDocument/2006/relationships" xmlns:p="http://schemas.openxmlformats.org/presentationml/2006/main">
   <p:cSld>
     <p:spTree>
@@ -2371,7 +2783,7 @@
           <a:p>
             <a:fld id="{2DA66685-3D22-47BB-B74E-10995D7F8271}" type="slidenum">
               <a:rPr lang="en-US" smtClean="0"/>
-              <a:t>9</a:t>
+              <a:t>16</a:t>
             </a:fld>
             <a:endParaRPr lang="en-US"/>
           </a:p>
@@ -2390,7 +2802,7 @@
 </p:notes>
 </file>
 
-<file path=ppt/notesSlides/notesSlide5.xml><?xml version="1.0" encoding="utf-8"?>
+<file path=ppt/notesSlides/notesSlide7.xml><?xml version="1.0" encoding="utf-8"?>
 <p:notes xmlns:a="http://schemas.openxmlformats.org/drawingml/2006/main" xmlns:r="http://schemas.openxmlformats.org/officeDocument/2006/relationships" xmlns:p="http://schemas.openxmlformats.org/presentationml/2006/main">
   <p:cSld>
     <p:spTree>
@@ -2479,7 +2891,7 @@
           <a:p>
             <a:fld id="{2DA66685-3D22-47BB-B74E-10995D7F8271}" type="slidenum">
               <a:rPr lang="en-US" smtClean="0"/>
-              <a:t>10</a:t>
+              <a:t>17</a:t>
             </a:fld>
             <a:endParaRPr lang="en-US"/>
           </a:p>
@@ -2726,7 +3138,7 @@
           <a:p>
             <a:fld id="{AB8F96E3-2EAC-4C18-B216-7E9D85CA2F89}" type="slidenum">
               <a:rPr lang="de-CH" smtClean="0"/>
-              <a:t>‹Nr.›</a:t>
+              <a:t>‹#›</a:t>
             </a:fld>
             <a:endParaRPr lang="de-CH"/>
           </a:p>
@@ -3001,7 +3413,7 @@
           <a:p>
             <a:fld id="{AB8F96E3-2EAC-4C18-B216-7E9D85CA2F89}" type="slidenum">
               <a:rPr lang="de-CH" smtClean="0"/>
-              <a:t>‹Nr.›</a:t>
+              <a:t>‹#›</a:t>
             </a:fld>
             <a:endParaRPr lang="de-CH"/>
           </a:p>
@@ -3195,7 +3607,7 @@
           <a:p>
             <a:fld id="{AB8F96E3-2EAC-4C18-B216-7E9D85CA2F89}" type="slidenum">
               <a:rPr lang="de-CH" smtClean="0"/>
-              <a:t>‹Nr.›</a:t>
+              <a:t>‹#›</a:t>
             </a:fld>
             <a:endParaRPr lang="de-CH"/>
           </a:p>
@@ -3468,7 +3880,7 @@
           <a:p>
             <a:fld id="{AB8F96E3-2EAC-4C18-B216-7E9D85CA2F89}" type="slidenum">
               <a:rPr lang="de-CH" smtClean="0"/>
-              <a:t>‹Nr.›</a:t>
+              <a:t>‹#›</a:t>
             </a:fld>
             <a:endParaRPr lang="de-CH"/>
           </a:p>
@@ -3809,7 +4221,7 @@
           <a:p>
             <a:fld id="{AB8F96E3-2EAC-4C18-B216-7E9D85CA2F89}" type="slidenum">
               <a:rPr lang="de-CH" smtClean="0"/>
-              <a:t>‹Nr.›</a:t>
+              <a:t>‹#›</a:t>
             </a:fld>
             <a:endParaRPr lang="de-CH"/>
           </a:p>
@@ -4432,7 +4844,7 @@
           <a:p>
             <a:fld id="{AB8F96E3-2EAC-4C18-B216-7E9D85CA2F89}" type="slidenum">
               <a:rPr lang="de-CH" smtClean="0"/>
-              <a:t>‹Nr.›</a:t>
+              <a:t>‹#›</a:t>
             </a:fld>
             <a:endParaRPr lang="de-CH"/>
           </a:p>
@@ -5292,7 +5704,7 @@
           <a:p>
             <a:fld id="{AB8F96E3-2EAC-4C18-B216-7E9D85CA2F89}" type="slidenum">
               <a:rPr lang="de-CH" smtClean="0"/>
-              <a:t>‹Nr.›</a:t>
+              <a:t>‹#›</a:t>
             </a:fld>
             <a:endParaRPr lang="de-CH"/>
           </a:p>
@@ -5462,7 +5874,7 @@
           <a:p>
             <a:fld id="{AB8F96E3-2EAC-4C18-B216-7E9D85CA2F89}" type="slidenum">
               <a:rPr lang="de-CH" smtClean="0"/>
-              <a:t>‹Nr.›</a:t>
+              <a:t>‹#›</a:t>
             </a:fld>
             <a:endParaRPr lang="de-CH"/>
           </a:p>
@@ -5642,7 +6054,7 @@
           <a:p>
             <a:fld id="{AB8F96E3-2EAC-4C18-B216-7E9D85CA2F89}" type="slidenum">
               <a:rPr lang="de-CH" smtClean="0"/>
-              <a:t>‹Nr.›</a:t>
+              <a:t>‹#›</a:t>
             </a:fld>
             <a:endParaRPr lang="de-CH"/>
           </a:p>
@@ -5812,7 +6224,7 @@
           <a:p>
             <a:fld id="{AB8F96E3-2EAC-4C18-B216-7E9D85CA2F89}" type="slidenum">
               <a:rPr lang="de-CH" smtClean="0"/>
-              <a:t>‹Nr.›</a:t>
+              <a:t>‹#›</a:t>
             </a:fld>
             <a:endParaRPr lang="de-CH"/>
           </a:p>
@@ -6059,7 +6471,7 @@
           <a:p>
             <a:fld id="{AB8F96E3-2EAC-4C18-B216-7E9D85CA2F89}" type="slidenum">
               <a:rPr lang="de-CH" smtClean="0"/>
-              <a:t>‹Nr.›</a:t>
+              <a:t>‹#›</a:t>
             </a:fld>
             <a:endParaRPr lang="de-CH"/>
           </a:p>
@@ -6351,7 +6763,7 @@
           <a:p>
             <a:fld id="{AB8F96E3-2EAC-4C18-B216-7E9D85CA2F89}" type="slidenum">
               <a:rPr lang="de-CH" smtClean="0"/>
-              <a:t>‹Nr.›</a:t>
+              <a:t>‹#›</a:t>
             </a:fld>
             <a:endParaRPr lang="de-CH"/>
           </a:p>
@@ -6795,7 +7207,7 @@
           <a:p>
             <a:fld id="{AB8F96E3-2EAC-4C18-B216-7E9D85CA2F89}" type="slidenum">
               <a:rPr lang="de-CH" smtClean="0"/>
-              <a:t>‹Nr.›</a:t>
+              <a:t>‹#›</a:t>
             </a:fld>
             <a:endParaRPr lang="de-CH"/>
           </a:p>
@@ -6913,7 +7325,7 @@
           <a:p>
             <a:fld id="{AB8F96E3-2EAC-4C18-B216-7E9D85CA2F89}" type="slidenum">
               <a:rPr lang="de-CH" smtClean="0"/>
-              <a:t>‹Nr.›</a:t>
+              <a:t>‹#›</a:t>
             </a:fld>
             <a:endParaRPr lang="de-CH"/>
           </a:p>
@@ -7008,7 +7420,7 @@
           <a:p>
             <a:fld id="{AB8F96E3-2EAC-4C18-B216-7E9D85CA2F89}" type="slidenum">
               <a:rPr lang="de-CH" smtClean="0"/>
-              <a:t>‹Nr.›</a:t>
+              <a:t>‹#›</a:t>
             </a:fld>
             <a:endParaRPr lang="de-CH"/>
           </a:p>
@@ -7287,7 +7699,7 @@
           <a:p>
             <a:fld id="{AB8F96E3-2EAC-4C18-B216-7E9D85CA2F89}" type="slidenum">
               <a:rPr lang="de-CH" smtClean="0"/>
-              <a:t>‹Nr.›</a:t>
+              <a:t>‹#›</a:t>
             </a:fld>
             <a:endParaRPr lang="de-CH"/>
           </a:p>
@@ -7562,7 +7974,7 @@
           <a:p>
             <a:fld id="{AB8F96E3-2EAC-4C18-B216-7E9D85CA2F89}" type="slidenum">
               <a:rPr lang="de-CH" smtClean="0"/>
-              <a:t>‹Nr.›</a:t>
+              <a:t>‹#›</a:t>
             </a:fld>
             <a:endParaRPr lang="de-CH"/>
           </a:p>
@@ -8028,7 +8440,7 @@
           <a:p>
             <a:fld id="{AB8F96E3-2EAC-4C18-B216-7E9D85CA2F89}" type="slidenum">
               <a:rPr lang="de-CH" smtClean="0"/>
-              <a:t>‹Nr.›</a:t>
+              <a:t>‹#›</a:t>
             </a:fld>
             <a:endParaRPr lang="de-CH"/>
           </a:p>
@@ -8567,6 +8979,857 @@
   <p:cSld>
     <p:spTree>
       <p:nvGrpSpPr>
+        <p:cNvPr id="1" name=""/>
+        <p:cNvGrpSpPr/>
+        <p:nvPr/>
+      </p:nvGrpSpPr>
+      <p:grpSpPr>
+        <a:xfrm>
+          <a:off x="0" y="0"/>
+          <a:ext cx="0" cy="0"/>
+          <a:chOff x="0" y="0"/>
+          <a:chExt cx="0" cy="0"/>
+        </a:xfrm>
+      </p:grpSpPr>
+      <p:sp>
+        <p:nvSpPr>
+          <p:cNvPr id="2" name="Title 1">
+            <a:extLst>
+              <a:ext uri="{FF2B5EF4-FFF2-40B4-BE49-F238E27FC236}">
+                <a16:creationId xmlns:a16="http://schemas.microsoft.com/office/drawing/2014/main" id="{BDFFB660-8D77-420E-8BC1-C2A396AAE126}"/>
+              </a:ext>
+            </a:extLst>
+          </p:cNvPr>
+          <p:cNvSpPr>
+            <a:spLocks noGrp="1"/>
+          </p:cNvSpPr>
+          <p:nvPr>
+            <p:ph type="title"/>
+          </p:nvPr>
+        </p:nvSpPr>
+        <p:spPr/>
+        <p:txBody>
+          <a:bodyPr/>
+          <a:lstStyle/>
+          <a:p>
+            <a:r>
+              <a:rPr lang="de-CH" dirty="0"/>
+              <a:t>Entity </a:t>
+            </a:r>
+            <a:r>
+              <a:rPr lang="de-CH" dirty="0" err="1"/>
+              <a:t>distribution</a:t>
+            </a:r>
+            <a:r>
+              <a:rPr lang="de-CH" dirty="0"/>
+              <a:t> and </a:t>
+            </a:r>
+            <a:r>
+              <a:rPr lang="de-CH" dirty="0" err="1"/>
+              <a:t>token</a:t>
+            </a:r>
+            <a:r>
+              <a:rPr lang="de-CH" dirty="0"/>
+              <a:t> </a:t>
+            </a:r>
+            <a:r>
+              <a:rPr lang="de-CH" dirty="0" err="1"/>
+              <a:t>lenght</a:t>
+            </a:r>
+            <a:r>
+              <a:rPr lang="de-CH" dirty="0"/>
+              <a:t> </a:t>
+            </a:r>
+            <a:r>
+              <a:rPr lang="de-CH" dirty="0" err="1"/>
+              <a:t>before</a:t>
+            </a:r>
+            <a:r>
+              <a:rPr lang="de-CH" dirty="0"/>
+              <a:t> </a:t>
+            </a:r>
+            <a:r>
+              <a:rPr lang="de-CH" dirty="0" err="1"/>
+              <a:t>preprocessing</a:t>
+            </a:r>
+            <a:r>
+              <a:rPr lang="de-CH" dirty="0"/>
+              <a:t> FR</a:t>
+            </a:r>
+            <a:endParaRPr lang="en-US" dirty="0"/>
+          </a:p>
+        </p:txBody>
+      </p:sp>
+      <p:pic>
+        <p:nvPicPr>
+          <p:cNvPr id="9" name="Picture 8">
+            <a:extLst>
+              <a:ext uri="{FF2B5EF4-FFF2-40B4-BE49-F238E27FC236}">
+                <a16:creationId xmlns:a16="http://schemas.microsoft.com/office/drawing/2014/main" id="{911457D0-C627-4150-8F80-E503E890029C}"/>
+              </a:ext>
+            </a:extLst>
+          </p:cNvPr>
+          <p:cNvPicPr>
+            <a:picLocks noChangeAspect="1"/>
+          </p:cNvPicPr>
+          <p:nvPr/>
+        </p:nvPicPr>
+        <p:blipFill>
+          <a:blip r:embed="rId2"/>
+          <a:stretch>
+            <a:fillRect/>
+          </a:stretch>
+        </p:blipFill>
+        <p:spPr>
+          <a:xfrm>
+            <a:off x="480536" y="1937581"/>
+            <a:ext cx="8103016" cy="3968954"/>
+          </a:xfrm>
+          <a:prstGeom prst="rect">
+            <a:avLst/>
+          </a:prstGeom>
+        </p:spPr>
+      </p:pic>
+      <p:pic>
+        <p:nvPicPr>
+          <p:cNvPr id="11" name="Picture 10">
+            <a:extLst>
+              <a:ext uri="{FF2B5EF4-FFF2-40B4-BE49-F238E27FC236}">
+                <a16:creationId xmlns:a16="http://schemas.microsoft.com/office/drawing/2014/main" id="{DBBB313E-2900-4BD5-A79B-FE6DD66D2FE9}"/>
+              </a:ext>
+            </a:extLst>
+          </p:cNvPr>
+          <p:cNvPicPr>
+            <a:picLocks noChangeAspect="1"/>
+          </p:cNvPicPr>
+          <p:nvPr/>
+        </p:nvPicPr>
+        <p:blipFill>
+          <a:blip r:embed="rId3"/>
+          <a:stretch>
+            <a:fillRect/>
+          </a:stretch>
+        </p:blipFill>
+        <p:spPr>
+          <a:xfrm>
+            <a:off x="8898568" y="3833998"/>
+            <a:ext cx="2999518" cy="2471916"/>
+          </a:xfrm>
+          <a:prstGeom prst="rect">
+            <a:avLst/>
+          </a:prstGeom>
+        </p:spPr>
+      </p:pic>
+    </p:spTree>
+    <p:extLst>
+      <p:ext uri="{BB962C8B-B14F-4D97-AF65-F5344CB8AC3E}">
+        <p14:creationId xmlns:p14="http://schemas.microsoft.com/office/powerpoint/2010/main" val="293334645"/>
+      </p:ext>
+    </p:extLst>
+  </p:cSld>
+  <p:clrMapOvr>
+    <a:masterClrMapping/>
+  </p:clrMapOvr>
+</p:sld>
+</file>
+
+<file path=ppt/slides/slide11.xml><?xml version="1.0" encoding="utf-8"?>
+<p:sld xmlns:a="http://schemas.openxmlformats.org/drawingml/2006/main" xmlns:r="http://schemas.openxmlformats.org/officeDocument/2006/relationships" xmlns:p="http://schemas.openxmlformats.org/presentationml/2006/main">
+  <p:cSld>
+    <p:spTree>
+      <p:nvGrpSpPr>
+        <p:cNvPr id="1" name=""/>
+        <p:cNvGrpSpPr/>
+        <p:nvPr/>
+      </p:nvGrpSpPr>
+      <p:grpSpPr>
+        <a:xfrm>
+          <a:off x="0" y="0"/>
+          <a:ext cx="0" cy="0"/>
+          <a:chOff x="0" y="0"/>
+          <a:chExt cx="0" cy="0"/>
+        </a:xfrm>
+      </p:grpSpPr>
+      <p:sp>
+        <p:nvSpPr>
+          <p:cNvPr id="2" name="Title 1">
+            <a:extLst>
+              <a:ext uri="{FF2B5EF4-FFF2-40B4-BE49-F238E27FC236}">
+                <a16:creationId xmlns:a16="http://schemas.microsoft.com/office/drawing/2014/main" id="{D36C01E3-1350-4A18-BF3A-95B4A327899D}"/>
+              </a:ext>
+            </a:extLst>
+          </p:cNvPr>
+          <p:cNvSpPr>
+            <a:spLocks noGrp="1"/>
+          </p:cNvSpPr>
+          <p:nvPr>
+            <p:ph type="title"/>
+          </p:nvPr>
+        </p:nvSpPr>
+        <p:spPr/>
+        <p:txBody>
+          <a:bodyPr/>
+          <a:lstStyle/>
+          <a:p>
+            <a:r>
+              <a:rPr lang="de-CH" dirty="0"/>
+              <a:t>Entity </a:t>
+            </a:r>
+            <a:r>
+              <a:rPr lang="de-CH" dirty="0" err="1"/>
+              <a:t>distribution</a:t>
+            </a:r>
+            <a:r>
+              <a:rPr lang="de-CH" dirty="0"/>
+              <a:t> and </a:t>
+            </a:r>
+            <a:r>
+              <a:rPr lang="de-CH" dirty="0" err="1"/>
+              <a:t>token</a:t>
+            </a:r>
+            <a:r>
+              <a:rPr lang="de-CH" dirty="0"/>
+              <a:t> </a:t>
+            </a:r>
+            <a:r>
+              <a:rPr lang="de-CH" dirty="0" err="1"/>
+              <a:t>lenght</a:t>
+            </a:r>
+            <a:r>
+              <a:rPr lang="de-CH" dirty="0"/>
+              <a:t> </a:t>
+            </a:r>
+            <a:r>
+              <a:rPr lang="de-CH" dirty="0" err="1"/>
+              <a:t>before</a:t>
+            </a:r>
+            <a:r>
+              <a:rPr lang="de-CH" dirty="0"/>
+              <a:t> </a:t>
+            </a:r>
+            <a:r>
+              <a:rPr lang="de-CH" dirty="0" err="1"/>
+              <a:t>preprocessing</a:t>
+            </a:r>
+            <a:r>
+              <a:rPr lang="de-CH" dirty="0"/>
+              <a:t> IT</a:t>
+            </a:r>
+            <a:endParaRPr lang="en-US" dirty="0"/>
+          </a:p>
+        </p:txBody>
+      </p:sp>
+      <p:pic>
+        <p:nvPicPr>
+          <p:cNvPr id="5" name="Picture 4">
+            <a:extLst>
+              <a:ext uri="{FF2B5EF4-FFF2-40B4-BE49-F238E27FC236}">
+                <a16:creationId xmlns:a16="http://schemas.microsoft.com/office/drawing/2014/main" id="{9DE74430-EF3E-4236-9EFB-33CA4E1EBCA4}"/>
+              </a:ext>
+            </a:extLst>
+          </p:cNvPr>
+          <p:cNvPicPr>
+            <a:picLocks noChangeAspect="1"/>
+          </p:cNvPicPr>
+          <p:nvPr/>
+        </p:nvPicPr>
+        <p:blipFill>
+          <a:blip r:embed="rId2"/>
+          <a:stretch>
+            <a:fillRect/>
+          </a:stretch>
+        </p:blipFill>
+        <p:spPr>
+          <a:xfrm>
+            <a:off x="553603" y="2052918"/>
+            <a:ext cx="8058564" cy="3949903"/>
+          </a:xfrm>
+          <a:prstGeom prst="rect">
+            <a:avLst/>
+          </a:prstGeom>
+        </p:spPr>
+      </p:pic>
+      <p:pic>
+        <p:nvPicPr>
+          <p:cNvPr id="7" name="Picture 6">
+            <a:extLst>
+              <a:ext uri="{FF2B5EF4-FFF2-40B4-BE49-F238E27FC236}">
+                <a16:creationId xmlns:a16="http://schemas.microsoft.com/office/drawing/2014/main" id="{36617577-4B14-4304-9D32-B7115495E04B}"/>
+              </a:ext>
+            </a:extLst>
+          </p:cNvPr>
+          <p:cNvPicPr>
+            <a:picLocks noChangeAspect="1"/>
+          </p:cNvPicPr>
+          <p:nvPr/>
+        </p:nvPicPr>
+        <p:blipFill>
+          <a:blip r:embed="rId3"/>
+          <a:stretch>
+            <a:fillRect/>
+          </a:stretch>
+        </p:blipFill>
+        <p:spPr>
+          <a:xfrm>
+            <a:off x="9036005" y="3455564"/>
+            <a:ext cx="2774995" cy="2531931"/>
+          </a:xfrm>
+          <a:prstGeom prst="rect">
+            <a:avLst/>
+          </a:prstGeom>
+        </p:spPr>
+      </p:pic>
+    </p:spTree>
+    <p:extLst>
+      <p:ext uri="{BB962C8B-B14F-4D97-AF65-F5344CB8AC3E}">
+        <p14:creationId xmlns:p14="http://schemas.microsoft.com/office/powerpoint/2010/main" val="548756787"/>
+      </p:ext>
+    </p:extLst>
+  </p:cSld>
+  <p:clrMapOvr>
+    <a:masterClrMapping/>
+  </p:clrMapOvr>
+</p:sld>
+</file>
+
+<file path=ppt/slides/slide12.xml><?xml version="1.0" encoding="utf-8"?>
+<p:sld xmlns:a="http://schemas.openxmlformats.org/drawingml/2006/main" xmlns:r="http://schemas.openxmlformats.org/officeDocument/2006/relationships" xmlns:p="http://schemas.openxmlformats.org/presentationml/2006/main">
+  <p:cSld>
+    <p:spTree>
+      <p:nvGrpSpPr>
+        <p:cNvPr id="1" name=""/>
+        <p:cNvGrpSpPr/>
+        <p:nvPr/>
+      </p:nvGrpSpPr>
+      <p:grpSpPr>
+        <a:xfrm>
+          <a:off x="0" y="0"/>
+          <a:ext cx="0" cy="0"/>
+          <a:chOff x="0" y="0"/>
+          <a:chExt cx="0" cy="0"/>
+        </a:xfrm>
+      </p:grpSpPr>
+      <p:sp>
+        <p:nvSpPr>
+          <p:cNvPr id="2" name="Title 1">
+            <a:extLst>
+              <a:ext uri="{FF2B5EF4-FFF2-40B4-BE49-F238E27FC236}">
+                <a16:creationId xmlns:a16="http://schemas.microsoft.com/office/drawing/2014/main" id="{C3953FCE-79FF-4B88-88AA-8F7A80847C8B}"/>
+              </a:ext>
+            </a:extLst>
+          </p:cNvPr>
+          <p:cNvSpPr>
+            <a:spLocks noGrp="1"/>
+          </p:cNvSpPr>
+          <p:nvPr>
+            <p:ph type="title"/>
+          </p:nvPr>
+        </p:nvSpPr>
+        <p:spPr/>
+        <p:txBody>
+          <a:bodyPr/>
+          <a:lstStyle/>
+          <a:p>
+            <a:r>
+              <a:rPr lang="de-CH" dirty="0"/>
+              <a:t>Token </a:t>
+            </a:r>
+            <a:r>
+              <a:rPr lang="de-CH" dirty="0" err="1"/>
+              <a:t>length</a:t>
+            </a:r>
+            <a:endParaRPr lang="en-US" dirty="0"/>
+          </a:p>
+        </p:txBody>
+      </p:sp>
+      <p:sp>
+        <p:nvSpPr>
+          <p:cNvPr id="3" name="Content Placeholder 2">
+            <a:extLst>
+              <a:ext uri="{FF2B5EF4-FFF2-40B4-BE49-F238E27FC236}">
+                <a16:creationId xmlns:a16="http://schemas.microsoft.com/office/drawing/2014/main" id="{0916D274-F97B-48D6-82B0-267F37956E8B}"/>
+              </a:ext>
+            </a:extLst>
+          </p:cNvPr>
+          <p:cNvSpPr>
+            <a:spLocks noGrp="1"/>
+          </p:cNvSpPr>
+          <p:nvPr>
+            <p:ph idx="1"/>
+          </p:nvPr>
+        </p:nvSpPr>
+        <p:spPr/>
+        <p:txBody>
+          <a:bodyPr/>
+          <a:lstStyle/>
+          <a:p>
+            <a:r>
+              <a:rPr lang="en-US" dirty="0"/>
+              <a:t>Most tokens in our dataset are relatively short, with half being 4 characters or less.</a:t>
+            </a:r>
+          </a:p>
+          <a:p>
+            <a:r>
+              <a:rPr lang="en-US" dirty="0"/>
+              <a:t>There's a wide range of token lengths (from 1 to 41 characters), but the majority are clustered around the mean of 4.29 characters.</a:t>
+            </a:r>
+          </a:p>
+          <a:p>
+            <a:r>
+              <a:rPr lang="en-US" dirty="0"/>
+              <a:t>The presence of very long tokens (up to 41 characters) might indicate compound words, technical terms, or possibly some preprocessing issues that need attention.</a:t>
+            </a:r>
+          </a:p>
+          <a:p>
+            <a:endParaRPr lang="en-US" dirty="0"/>
+          </a:p>
+        </p:txBody>
+      </p:sp>
+    </p:spTree>
+    <p:extLst>
+      <p:ext uri="{BB962C8B-B14F-4D97-AF65-F5344CB8AC3E}">
+        <p14:creationId xmlns:p14="http://schemas.microsoft.com/office/powerpoint/2010/main" val="1321421561"/>
+      </p:ext>
+    </p:extLst>
+  </p:cSld>
+  <p:clrMapOvr>
+    <a:masterClrMapping/>
+  </p:clrMapOvr>
+</p:sld>
+</file>
+
+<file path=ppt/slides/slide13.xml><?xml version="1.0" encoding="utf-8"?>
+<p:sld xmlns:a="http://schemas.openxmlformats.org/drawingml/2006/main" xmlns:r="http://schemas.openxmlformats.org/officeDocument/2006/relationships" xmlns:p="http://schemas.openxmlformats.org/presentationml/2006/main">
+  <p:cSld>
+    <p:spTree>
+      <p:nvGrpSpPr>
+        <p:cNvPr id="1" name=""/>
+        <p:cNvGrpSpPr/>
+        <p:nvPr/>
+      </p:nvGrpSpPr>
+      <p:grpSpPr>
+        <a:xfrm>
+          <a:off x="0" y="0"/>
+          <a:ext cx="0" cy="0"/>
+          <a:chOff x="0" y="0"/>
+          <a:chExt cx="0" cy="0"/>
+        </a:xfrm>
+      </p:grpSpPr>
+      <p:sp>
+        <p:nvSpPr>
+          <p:cNvPr id="2" name="Title 1">
+            <a:extLst>
+              <a:ext uri="{FF2B5EF4-FFF2-40B4-BE49-F238E27FC236}">
+                <a16:creationId xmlns:a16="http://schemas.microsoft.com/office/drawing/2014/main" id="{9A6740B6-99C8-42D1-B864-F86AA8F6CB03}"/>
+              </a:ext>
+            </a:extLst>
+          </p:cNvPr>
+          <p:cNvSpPr>
+            <a:spLocks noGrp="1"/>
+          </p:cNvSpPr>
+          <p:nvPr>
+            <p:ph type="title"/>
+          </p:nvPr>
+        </p:nvSpPr>
+        <p:spPr/>
+        <p:txBody>
+          <a:bodyPr/>
+          <a:lstStyle/>
+          <a:p>
+            <a:r>
+              <a:rPr lang="de-CH" dirty="0" err="1"/>
+              <a:t>Preprocess</a:t>
+            </a:r>
+            <a:r>
+              <a:rPr lang="de-CH" dirty="0"/>
+              <a:t> </a:t>
+            </a:r>
+            <a:r>
+              <a:rPr lang="de-CH" dirty="0" err="1"/>
+              <a:t>the</a:t>
+            </a:r>
+            <a:r>
+              <a:rPr lang="de-CH" dirty="0"/>
+              <a:t> </a:t>
+            </a:r>
+            <a:r>
+              <a:rPr lang="de-CH" dirty="0" err="1"/>
+              <a:t>datasets</a:t>
+            </a:r>
+            <a:br>
+              <a:rPr lang="de-CH" dirty="0"/>
+            </a:br>
+            <a:endParaRPr lang="en-US" dirty="0"/>
+          </a:p>
+        </p:txBody>
+      </p:sp>
+      <p:sp>
+        <p:nvSpPr>
+          <p:cNvPr id="3" name="Content Placeholder 2">
+            <a:extLst>
+              <a:ext uri="{FF2B5EF4-FFF2-40B4-BE49-F238E27FC236}">
+                <a16:creationId xmlns:a16="http://schemas.microsoft.com/office/drawing/2014/main" id="{B4A62E2B-1157-4186-BB09-887F6A066068}"/>
+              </a:ext>
+            </a:extLst>
+          </p:cNvPr>
+          <p:cNvSpPr>
+            <a:spLocks noGrp="1"/>
+          </p:cNvSpPr>
+          <p:nvPr>
+            <p:ph idx="1"/>
+          </p:nvPr>
+        </p:nvSpPr>
+        <p:spPr/>
+        <p:txBody>
+          <a:bodyPr/>
+          <a:lstStyle/>
+          <a:p>
+            <a:endParaRPr lang="en-US" dirty="0"/>
+          </a:p>
+        </p:txBody>
+      </p:sp>
+    </p:spTree>
+    <p:extLst>
+      <p:ext uri="{BB962C8B-B14F-4D97-AF65-F5344CB8AC3E}">
+        <p14:creationId xmlns:p14="http://schemas.microsoft.com/office/powerpoint/2010/main" val="957122395"/>
+      </p:ext>
+    </p:extLst>
+  </p:cSld>
+  <p:clrMapOvr>
+    <a:masterClrMapping/>
+  </p:clrMapOvr>
+</p:sld>
+</file>
+
+<file path=ppt/slides/slide14.xml><?xml version="1.0" encoding="utf-8"?>
+<p:sld xmlns:a="http://schemas.openxmlformats.org/drawingml/2006/main" xmlns:r="http://schemas.openxmlformats.org/officeDocument/2006/relationships" xmlns:p="http://schemas.openxmlformats.org/presentationml/2006/main">
+  <p:cSld>
+    <p:spTree>
+      <p:nvGrpSpPr>
+        <p:cNvPr id="1" name=""/>
+        <p:cNvGrpSpPr/>
+        <p:nvPr/>
+      </p:nvGrpSpPr>
+      <p:grpSpPr>
+        <a:xfrm>
+          <a:off x="0" y="0"/>
+          <a:ext cx="0" cy="0"/>
+          <a:chOff x="0" y="0"/>
+          <a:chExt cx="0" cy="0"/>
+        </a:xfrm>
+      </p:grpSpPr>
+      <p:sp>
+        <p:nvSpPr>
+          <p:cNvPr id="2" name="Titel 1">
+            <a:extLst>
+              <a:ext uri="{FF2B5EF4-FFF2-40B4-BE49-F238E27FC236}">
+                <a16:creationId xmlns:a16="http://schemas.microsoft.com/office/drawing/2014/main" id="{72A83D03-239D-9B10-70F2-44EE9945E92B}"/>
+              </a:ext>
+            </a:extLst>
+          </p:cNvPr>
+          <p:cNvSpPr>
+            <a:spLocks noGrp="1"/>
+          </p:cNvSpPr>
+          <p:nvPr>
+            <p:ph type="title"/>
+          </p:nvPr>
+        </p:nvSpPr>
+        <p:spPr/>
+        <p:txBody>
+          <a:bodyPr/>
+          <a:lstStyle/>
+          <a:p>
+            <a:r>
+              <a:rPr lang="de-CH" dirty="0"/>
+              <a:t>Distribution </a:t>
+            </a:r>
+            <a:r>
+              <a:rPr lang="de-CH" dirty="0" err="1"/>
+              <a:t>of</a:t>
+            </a:r>
+            <a:r>
+              <a:rPr lang="de-CH" dirty="0"/>
+              <a:t> </a:t>
+            </a:r>
+            <a:r>
+              <a:rPr lang="de-CH" dirty="0" err="1"/>
+              <a:t>entities</a:t>
+            </a:r>
+            <a:r>
+              <a:rPr lang="de-CH" dirty="0"/>
+              <a:t> in English Dataset</a:t>
+            </a:r>
+          </a:p>
+        </p:txBody>
+      </p:sp>
+      <p:pic>
+        <p:nvPicPr>
+          <p:cNvPr id="5" name="Grafik 4">
+            <a:extLst>
+              <a:ext uri="{FF2B5EF4-FFF2-40B4-BE49-F238E27FC236}">
+                <a16:creationId xmlns:a16="http://schemas.microsoft.com/office/drawing/2014/main" id="{DE9D98E0-9D2C-48F2-B605-4F9AB1386237}"/>
+              </a:ext>
+            </a:extLst>
+          </p:cNvPr>
+          <p:cNvPicPr>
+            <a:picLocks noChangeAspect="1"/>
+          </p:cNvPicPr>
+          <p:nvPr/>
+        </p:nvPicPr>
+        <p:blipFill>
+          <a:blip r:embed="rId3"/>
+          <a:stretch>
+            <a:fillRect/>
+          </a:stretch>
+        </p:blipFill>
+        <p:spPr>
+          <a:xfrm>
+            <a:off x="3029565" y="1367481"/>
+            <a:ext cx="7352173" cy="5319567"/>
+          </a:xfrm>
+          <a:prstGeom prst="rect">
+            <a:avLst/>
+          </a:prstGeom>
+        </p:spPr>
+      </p:pic>
+    </p:spTree>
+    <p:extLst>
+      <p:ext uri="{BB962C8B-B14F-4D97-AF65-F5344CB8AC3E}">
+        <p14:creationId xmlns:p14="http://schemas.microsoft.com/office/powerpoint/2010/main" val="2301987029"/>
+      </p:ext>
+    </p:extLst>
+  </p:cSld>
+  <p:clrMapOvr>
+    <a:masterClrMapping/>
+  </p:clrMapOvr>
+</p:sld>
+</file>
+
+<file path=ppt/slides/slide15.xml><?xml version="1.0" encoding="utf-8"?>
+<p:sld xmlns:a="http://schemas.openxmlformats.org/drawingml/2006/main" xmlns:r="http://schemas.openxmlformats.org/officeDocument/2006/relationships" xmlns:p="http://schemas.openxmlformats.org/presentationml/2006/main">
+  <p:cSld>
+    <p:spTree>
+      <p:nvGrpSpPr>
+        <p:cNvPr id="1" name="">
+          <a:extLst>
+            <a:ext uri="{FF2B5EF4-FFF2-40B4-BE49-F238E27FC236}">
+              <a16:creationId xmlns:a16="http://schemas.microsoft.com/office/drawing/2014/main" id="{76F753A7-71E9-7C0C-323A-96DF833E1823}"/>
+            </a:ext>
+          </a:extLst>
+        </p:cNvPr>
+        <p:cNvGrpSpPr/>
+        <p:nvPr/>
+      </p:nvGrpSpPr>
+      <p:grpSpPr>
+        <a:xfrm>
+          <a:off x="0" y="0"/>
+          <a:ext cx="0" cy="0"/>
+          <a:chOff x="0" y="0"/>
+          <a:chExt cx="0" cy="0"/>
+        </a:xfrm>
+      </p:grpSpPr>
+      <p:sp>
+        <p:nvSpPr>
+          <p:cNvPr id="2" name="Titel 1">
+            <a:extLst>
+              <a:ext uri="{FF2B5EF4-FFF2-40B4-BE49-F238E27FC236}">
+                <a16:creationId xmlns:a16="http://schemas.microsoft.com/office/drawing/2014/main" id="{D62D4727-1847-877F-3BBA-6AB11CF00E01}"/>
+              </a:ext>
+            </a:extLst>
+          </p:cNvPr>
+          <p:cNvSpPr>
+            <a:spLocks noGrp="1"/>
+          </p:cNvSpPr>
+          <p:nvPr>
+            <p:ph type="title"/>
+          </p:nvPr>
+        </p:nvSpPr>
+        <p:spPr/>
+        <p:txBody>
+          <a:bodyPr/>
+          <a:lstStyle/>
+          <a:p>
+            <a:r>
+              <a:rPr lang="de-CH" dirty="0"/>
+              <a:t>Distribution </a:t>
+            </a:r>
+            <a:r>
+              <a:rPr lang="de-CH" dirty="0" err="1"/>
+              <a:t>of</a:t>
+            </a:r>
+            <a:r>
+              <a:rPr lang="de-CH" dirty="0"/>
+              <a:t> </a:t>
+            </a:r>
+            <a:r>
+              <a:rPr lang="de-CH" dirty="0" err="1"/>
+              <a:t>entities</a:t>
+            </a:r>
+            <a:r>
+              <a:rPr lang="de-CH" dirty="0"/>
+              <a:t> in German Dataset</a:t>
+            </a:r>
+          </a:p>
+        </p:txBody>
+      </p:sp>
+      <p:pic>
+        <p:nvPicPr>
+          <p:cNvPr id="4" name="Grafik 3">
+            <a:extLst>
+              <a:ext uri="{FF2B5EF4-FFF2-40B4-BE49-F238E27FC236}">
+                <a16:creationId xmlns:a16="http://schemas.microsoft.com/office/drawing/2014/main" id="{0D155C9C-59A5-DD0F-3739-C600F108619D}"/>
+              </a:ext>
+            </a:extLst>
+          </p:cNvPr>
+          <p:cNvPicPr>
+            <a:picLocks noChangeAspect="1"/>
+          </p:cNvPicPr>
+          <p:nvPr/>
+        </p:nvPicPr>
+        <p:blipFill>
+          <a:blip r:embed="rId3"/>
+          <a:stretch>
+            <a:fillRect/>
+          </a:stretch>
+        </p:blipFill>
+        <p:spPr>
+          <a:xfrm>
+            <a:off x="2905648" y="1351006"/>
+            <a:ext cx="7436985" cy="5308148"/>
+          </a:xfrm>
+          <a:prstGeom prst="rect">
+            <a:avLst/>
+          </a:prstGeom>
+        </p:spPr>
+      </p:pic>
+    </p:spTree>
+    <p:extLst>
+      <p:ext uri="{BB962C8B-B14F-4D97-AF65-F5344CB8AC3E}">
+        <p14:creationId xmlns:p14="http://schemas.microsoft.com/office/powerpoint/2010/main" val="2111729585"/>
+      </p:ext>
+    </p:extLst>
+  </p:cSld>
+  <p:clrMapOvr>
+    <a:masterClrMapping/>
+  </p:clrMapOvr>
+</p:sld>
+</file>
+
+<file path=ppt/slides/slide16.xml><?xml version="1.0" encoding="utf-8"?>
+<p:sld xmlns:a="http://schemas.openxmlformats.org/drawingml/2006/main" xmlns:r="http://schemas.openxmlformats.org/officeDocument/2006/relationships" xmlns:p="http://schemas.openxmlformats.org/presentationml/2006/main">
+  <p:cSld>
+    <p:spTree>
+      <p:nvGrpSpPr>
+        <p:cNvPr id="1" name="">
+          <a:extLst>
+            <a:ext uri="{FF2B5EF4-FFF2-40B4-BE49-F238E27FC236}">
+              <a16:creationId xmlns:a16="http://schemas.microsoft.com/office/drawing/2014/main" id="{5C4EA42F-0031-93C1-312A-D84730E234C4}"/>
+            </a:ext>
+          </a:extLst>
+        </p:cNvPr>
+        <p:cNvGrpSpPr/>
+        <p:nvPr/>
+      </p:nvGrpSpPr>
+      <p:grpSpPr>
+        <a:xfrm>
+          <a:off x="0" y="0"/>
+          <a:ext cx="0" cy="0"/>
+          <a:chOff x="0" y="0"/>
+          <a:chExt cx="0" cy="0"/>
+        </a:xfrm>
+      </p:grpSpPr>
+      <p:sp>
+        <p:nvSpPr>
+          <p:cNvPr id="2" name="Titel 1">
+            <a:extLst>
+              <a:ext uri="{FF2B5EF4-FFF2-40B4-BE49-F238E27FC236}">
+                <a16:creationId xmlns:a16="http://schemas.microsoft.com/office/drawing/2014/main" id="{EBEBDECA-FBD7-277F-16AF-090349F0FE10}"/>
+              </a:ext>
+            </a:extLst>
+          </p:cNvPr>
+          <p:cNvSpPr>
+            <a:spLocks noGrp="1"/>
+          </p:cNvSpPr>
+          <p:nvPr>
+            <p:ph type="title"/>
+          </p:nvPr>
+        </p:nvSpPr>
+        <p:spPr/>
+        <p:txBody>
+          <a:bodyPr/>
+          <a:lstStyle/>
+          <a:p>
+            <a:r>
+              <a:rPr lang="de-CH" dirty="0"/>
+              <a:t>Distribution </a:t>
+            </a:r>
+            <a:r>
+              <a:rPr lang="de-CH" dirty="0" err="1"/>
+              <a:t>of</a:t>
+            </a:r>
+            <a:r>
+              <a:rPr lang="de-CH" dirty="0"/>
+              <a:t> </a:t>
+            </a:r>
+            <a:r>
+              <a:rPr lang="de-CH" dirty="0" err="1"/>
+              <a:t>entities</a:t>
+            </a:r>
+            <a:r>
+              <a:rPr lang="de-CH" dirty="0"/>
+              <a:t> in French Dataset</a:t>
+            </a:r>
+          </a:p>
+        </p:txBody>
+      </p:sp>
+      <p:pic>
+        <p:nvPicPr>
+          <p:cNvPr id="4" name="Grafik 3">
+            <a:extLst>
+              <a:ext uri="{FF2B5EF4-FFF2-40B4-BE49-F238E27FC236}">
+                <a16:creationId xmlns:a16="http://schemas.microsoft.com/office/drawing/2014/main" id="{2C8CC483-E16E-8A09-DA9D-D147E541A76C}"/>
+              </a:ext>
+            </a:extLst>
+          </p:cNvPr>
+          <p:cNvPicPr>
+            <a:picLocks noChangeAspect="1"/>
+          </p:cNvPicPr>
+          <p:nvPr/>
+        </p:nvPicPr>
+        <p:blipFill>
+          <a:blip r:embed="rId3"/>
+          <a:stretch>
+            <a:fillRect/>
+          </a:stretch>
+        </p:blipFill>
+        <p:spPr>
+          <a:xfrm>
+            <a:off x="3010130" y="1375718"/>
+            <a:ext cx="7343208" cy="5187155"/>
+          </a:xfrm>
+          <a:prstGeom prst="rect">
+            <a:avLst/>
+          </a:prstGeom>
+        </p:spPr>
+      </p:pic>
+    </p:spTree>
+    <p:extLst>
+      <p:ext uri="{BB962C8B-B14F-4D97-AF65-F5344CB8AC3E}">
+        <p14:creationId xmlns:p14="http://schemas.microsoft.com/office/powerpoint/2010/main" val="2347839881"/>
+      </p:ext>
+    </p:extLst>
+  </p:cSld>
+  <p:clrMapOvr>
+    <a:masterClrMapping/>
+  </p:clrMapOvr>
+</p:sld>
+</file>
+
+<file path=ppt/slides/slide17.xml><?xml version="1.0" encoding="utf-8"?>
+<p:sld xmlns:a="http://schemas.openxmlformats.org/drawingml/2006/main" xmlns:r="http://schemas.openxmlformats.org/officeDocument/2006/relationships" xmlns:p="http://schemas.openxmlformats.org/presentationml/2006/main">
+  <p:cSld>
+    <p:spTree>
+      <p:nvGrpSpPr>
         <p:cNvPr id="1" name="">
           <a:extLst>
             <a:ext uri="{FF2B5EF4-FFF2-40B4-BE49-F238E27FC236}">
@@ -8680,7 +9943,7 @@
 </p:sld>
 </file>
 
-<file path=ppt/slides/slide11.xml><?xml version="1.0" encoding="utf-8"?>
+<file path=ppt/slides/slide18.xml><?xml version="1.0" encoding="utf-8"?>
 <p:sld xmlns:a="http://schemas.openxmlformats.org/drawingml/2006/main" xmlns:r="http://schemas.openxmlformats.org/officeDocument/2006/relationships" xmlns:p="http://schemas.openxmlformats.org/presentationml/2006/main">
   <p:cSld>
     <p:spTree>
@@ -9078,7 +10341,7 @@
 </p:sld>
 </file>
 
-<file path=ppt/slides/slide12.xml><?xml version="1.0" encoding="utf-8"?>
+<file path=ppt/slides/slide19.xml><?xml version="1.0" encoding="utf-8"?>
 <p:sld xmlns:a="http://schemas.openxmlformats.org/drawingml/2006/main" xmlns:r="http://schemas.openxmlformats.org/officeDocument/2006/relationships" xmlns:p="http://schemas.openxmlformats.org/presentationml/2006/main">
   <p:cSld>
     <p:spTree>
@@ -9181,7 +10444,7 @@
 </p:sld>
 </file>
 
-<file path=ppt/slides/slide13.xml><?xml version="1.0" encoding="utf-8"?>
+<file path=ppt/slides/slide2.xml><?xml version="1.0" encoding="utf-8"?>
 <p:sld xmlns:a="http://schemas.openxmlformats.org/drawingml/2006/main" xmlns:r="http://schemas.openxmlformats.org/officeDocument/2006/relationships" xmlns:p="http://schemas.openxmlformats.org/presentationml/2006/main">
   <p:cSld>
     <p:spTree>
@@ -9203,7 +10466,7 @@
           <p:cNvPr id="2" name="Title 1">
             <a:extLst>
               <a:ext uri="{FF2B5EF4-FFF2-40B4-BE49-F238E27FC236}">
-                <a16:creationId xmlns:a16="http://schemas.microsoft.com/office/drawing/2014/main" id="{0913BBCD-948C-44D6-9FAF-BA651248C8F9}"/>
+                <a16:creationId xmlns:a16="http://schemas.microsoft.com/office/drawing/2014/main" id="{304C714B-4D7C-4B7B-AD5F-79E89167D2C4}"/>
               </a:ext>
             </a:extLst>
           </p:cNvPr>
@@ -9220,13 +10483,9 @@
           <a:lstStyle/>
           <a:p>
             <a:r>
-              <a:rPr lang="de-CH" dirty="0" err="1"/>
-              <a:t>Results</a:t>
-            </a:r>
-            <a:br>
-              <a:rPr lang="de-CH" dirty="0"/>
-            </a:br>
-            <a:endParaRPr lang="en-US" dirty="0"/>
+              <a:rPr lang="de-CH" dirty="0"/>
+              <a:t>Task</a:t>
+            </a:r>
           </a:p>
         </p:txBody>
       </p:sp>
@@ -9235,7 +10494,7 @@
           <p:cNvPr id="3" name="Content Placeholder 2">
             <a:extLst>
               <a:ext uri="{FF2B5EF4-FFF2-40B4-BE49-F238E27FC236}">
-                <a16:creationId xmlns:a16="http://schemas.microsoft.com/office/drawing/2014/main" id="{CD2C2720-0DE9-46D1-9C59-6F205CB75879}"/>
+                <a16:creationId xmlns:a16="http://schemas.microsoft.com/office/drawing/2014/main" id="{4B48099B-FE6F-4EB9-94C4-BD60D50FADB8}"/>
               </a:ext>
             </a:extLst>
           </p:cNvPr>
@@ -9251,14 +10510,20 @@
           <a:bodyPr/>
           <a:lstStyle/>
           <a:p>
-            <a:endParaRPr lang="en-US"/>
+            <a:r>
+              <a:rPr lang="en-US" dirty="0"/>
+              <a:t>Build a Multilingual Named Entity Recognition (NER) system using transformer models. The goal is to identify named entities (e.g., persons, organizations, locations) in texts across multiple languages (at least for 3 languages) without training separate models for each language. The project will focus on fine-tuning a multilingual model and exploring how effectively it can perform NER in multiple languages.  For evaluation, compare the performance of the models using appropriate metrics. Also, check if the model generalizes across languages and analyze any language-specific challenges.</a:t>
+            </a:r>
+          </a:p>
+          <a:p>
+            <a:endParaRPr lang="de-CH" dirty="0"/>
           </a:p>
         </p:txBody>
       </p:sp>
     </p:spTree>
     <p:extLst>
       <p:ext uri="{BB962C8B-B14F-4D97-AF65-F5344CB8AC3E}">
-        <p14:creationId xmlns:p14="http://schemas.microsoft.com/office/powerpoint/2010/main" val="4079610711"/>
+        <p14:creationId xmlns:p14="http://schemas.microsoft.com/office/powerpoint/2010/main" val="385279248"/>
       </p:ext>
     </p:extLst>
   </p:cSld>
@@ -9268,7 +10533,7 @@
 </p:sld>
 </file>
 
-<file path=ppt/slides/slide14.xml><?xml version="1.0" encoding="utf-8"?>
+<file path=ppt/slides/slide20.xml><?xml version="1.0" encoding="utf-8"?>
 <p:sld xmlns:a="http://schemas.openxmlformats.org/drawingml/2006/main" xmlns:r="http://schemas.openxmlformats.org/officeDocument/2006/relationships" xmlns:p="http://schemas.openxmlformats.org/presentationml/2006/main">
   <p:cSld>
     <p:spTree>
@@ -9290,7 +10555,7 @@
           <p:cNvPr id="2" name="Title 1">
             <a:extLst>
               <a:ext uri="{FF2B5EF4-FFF2-40B4-BE49-F238E27FC236}">
-                <a16:creationId xmlns:a16="http://schemas.microsoft.com/office/drawing/2014/main" id="{36262027-BF33-4B1C-9478-81791AD91589}"/>
+                <a16:creationId xmlns:a16="http://schemas.microsoft.com/office/drawing/2014/main" id="{0913BBCD-948C-44D6-9FAF-BA651248C8F9}"/>
               </a:ext>
             </a:extLst>
           </p:cNvPr>
@@ -9308,15 +10573,7 @@
           <a:p>
             <a:r>
               <a:rPr lang="de-CH" dirty="0" err="1"/>
-              <a:t>Contrast</a:t>
-            </a:r>
-            <a:r>
-              <a:rPr lang="de-CH" dirty="0"/>
-              <a:t> </a:t>
-            </a:r>
-            <a:r>
-              <a:rPr lang="de-CH" dirty="0" err="1"/>
-              <a:t>approaches</a:t>
+              <a:t>Results</a:t>
             </a:r>
             <a:br>
               <a:rPr lang="de-CH" dirty="0"/>
@@ -9330,7 +10587,7 @@
           <p:cNvPr id="3" name="Content Placeholder 2">
             <a:extLst>
               <a:ext uri="{FF2B5EF4-FFF2-40B4-BE49-F238E27FC236}">
-                <a16:creationId xmlns:a16="http://schemas.microsoft.com/office/drawing/2014/main" id="{7DA777B3-D815-424E-A73C-C2D1CF60108D}"/>
+                <a16:creationId xmlns:a16="http://schemas.microsoft.com/office/drawing/2014/main" id="{CD2C2720-0DE9-46D1-9C59-6F205CB75879}"/>
               </a:ext>
             </a:extLst>
           </p:cNvPr>
@@ -9353,7 +10610,7 @@
     </p:spTree>
     <p:extLst>
       <p:ext uri="{BB962C8B-B14F-4D97-AF65-F5344CB8AC3E}">
-        <p14:creationId xmlns:p14="http://schemas.microsoft.com/office/powerpoint/2010/main" val="1608941473"/>
+        <p14:creationId xmlns:p14="http://schemas.microsoft.com/office/powerpoint/2010/main" val="4079610711"/>
       </p:ext>
     </p:extLst>
   </p:cSld>
@@ -9363,7 +10620,7 @@
 </p:sld>
 </file>
 
-<file path=ppt/slides/slide15.xml><?xml version="1.0" encoding="utf-8"?>
+<file path=ppt/slides/slide21.xml><?xml version="1.0" encoding="utf-8"?>
 <p:sld xmlns:a="http://schemas.openxmlformats.org/drawingml/2006/main" xmlns:r="http://schemas.openxmlformats.org/officeDocument/2006/relationships" xmlns:p="http://schemas.openxmlformats.org/presentationml/2006/main">
   <p:cSld>
     <p:spTree>
@@ -9385,7 +10642,7 @@
           <p:cNvPr id="2" name="Title 1">
             <a:extLst>
               <a:ext uri="{FF2B5EF4-FFF2-40B4-BE49-F238E27FC236}">
-                <a16:creationId xmlns:a16="http://schemas.microsoft.com/office/drawing/2014/main" id="{9FBABDAD-57E8-41A2-B50B-0F0C1F4E6F60}"/>
+                <a16:creationId xmlns:a16="http://schemas.microsoft.com/office/drawing/2014/main" id="{36262027-BF33-4B1C-9478-81791AD91589}"/>
               </a:ext>
             </a:extLst>
           </p:cNvPr>
@@ -9403,7 +10660,15 @@
           <a:p>
             <a:r>
               <a:rPr lang="de-CH" dirty="0" err="1"/>
-              <a:t>Learnings</a:t>
+              <a:t>Contrast</a:t>
+            </a:r>
+            <a:r>
+              <a:rPr lang="de-CH" dirty="0"/>
+              <a:t> </a:t>
+            </a:r>
+            <a:r>
+              <a:rPr lang="de-CH" dirty="0" err="1"/>
+              <a:t>approaches</a:t>
             </a:r>
             <a:br>
               <a:rPr lang="de-CH" dirty="0"/>
@@ -9417,7 +10682,7 @@
           <p:cNvPr id="3" name="Content Placeholder 2">
             <a:extLst>
               <a:ext uri="{FF2B5EF4-FFF2-40B4-BE49-F238E27FC236}">
-                <a16:creationId xmlns:a16="http://schemas.microsoft.com/office/drawing/2014/main" id="{2E2948E8-3EAA-4651-ACEE-3A97178783D4}"/>
+                <a16:creationId xmlns:a16="http://schemas.microsoft.com/office/drawing/2014/main" id="{7DA777B3-D815-424E-A73C-C2D1CF60108D}"/>
               </a:ext>
             </a:extLst>
           </p:cNvPr>
@@ -9433,14 +10698,14 @@
           <a:bodyPr/>
           <a:lstStyle/>
           <a:p>
-            <a:endParaRPr lang="en-US"/>
+            <a:endParaRPr lang="en-US" dirty="0"/>
           </a:p>
         </p:txBody>
       </p:sp>
     </p:spTree>
     <p:extLst>
       <p:ext uri="{BB962C8B-B14F-4D97-AF65-F5344CB8AC3E}">
-        <p14:creationId xmlns:p14="http://schemas.microsoft.com/office/powerpoint/2010/main" val="2800151962"/>
+        <p14:creationId xmlns:p14="http://schemas.microsoft.com/office/powerpoint/2010/main" val="1608941473"/>
       </p:ext>
     </p:extLst>
   </p:cSld>
@@ -9450,7 +10715,7 @@
 </p:sld>
 </file>
 
-<file path=ppt/slides/slide16.xml><?xml version="1.0" encoding="utf-8"?>
+<file path=ppt/slides/slide22.xml><?xml version="1.0" encoding="utf-8"?>
 <p:sld xmlns:a="http://schemas.openxmlformats.org/drawingml/2006/main" xmlns:r="http://schemas.openxmlformats.org/officeDocument/2006/relationships" xmlns:p="http://schemas.openxmlformats.org/presentationml/2006/main">
   <p:cSld>
     <p:spTree>
@@ -9472,6 +10737,93 @@
           <p:cNvPr id="2" name="Title 1">
             <a:extLst>
               <a:ext uri="{FF2B5EF4-FFF2-40B4-BE49-F238E27FC236}">
+                <a16:creationId xmlns:a16="http://schemas.microsoft.com/office/drawing/2014/main" id="{9FBABDAD-57E8-41A2-B50B-0F0C1F4E6F60}"/>
+              </a:ext>
+            </a:extLst>
+          </p:cNvPr>
+          <p:cNvSpPr>
+            <a:spLocks noGrp="1"/>
+          </p:cNvSpPr>
+          <p:nvPr>
+            <p:ph type="title"/>
+          </p:nvPr>
+        </p:nvSpPr>
+        <p:spPr/>
+        <p:txBody>
+          <a:bodyPr/>
+          <a:lstStyle/>
+          <a:p>
+            <a:r>
+              <a:rPr lang="de-CH" dirty="0" err="1"/>
+              <a:t>Learnings</a:t>
+            </a:r>
+            <a:br>
+              <a:rPr lang="de-CH" dirty="0"/>
+            </a:br>
+            <a:endParaRPr lang="en-US" dirty="0"/>
+          </a:p>
+        </p:txBody>
+      </p:sp>
+      <p:sp>
+        <p:nvSpPr>
+          <p:cNvPr id="3" name="Content Placeholder 2">
+            <a:extLst>
+              <a:ext uri="{FF2B5EF4-FFF2-40B4-BE49-F238E27FC236}">
+                <a16:creationId xmlns:a16="http://schemas.microsoft.com/office/drawing/2014/main" id="{2E2948E8-3EAA-4651-ACEE-3A97178783D4}"/>
+              </a:ext>
+            </a:extLst>
+          </p:cNvPr>
+          <p:cNvSpPr>
+            <a:spLocks noGrp="1"/>
+          </p:cNvSpPr>
+          <p:nvPr>
+            <p:ph idx="1"/>
+          </p:nvPr>
+        </p:nvSpPr>
+        <p:spPr/>
+        <p:txBody>
+          <a:bodyPr/>
+          <a:lstStyle/>
+          <a:p>
+            <a:endParaRPr lang="en-US"/>
+          </a:p>
+        </p:txBody>
+      </p:sp>
+    </p:spTree>
+    <p:extLst>
+      <p:ext uri="{BB962C8B-B14F-4D97-AF65-F5344CB8AC3E}">
+        <p14:creationId xmlns:p14="http://schemas.microsoft.com/office/powerpoint/2010/main" val="2800151962"/>
+      </p:ext>
+    </p:extLst>
+  </p:cSld>
+  <p:clrMapOvr>
+    <a:masterClrMapping/>
+  </p:clrMapOvr>
+</p:sld>
+</file>
+
+<file path=ppt/slides/slide23.xml><?xml version="1.0" encoding="utf-8"?>
+<p:sld xmlns:a="http://schemas.openxmlformats.org/drawingml/2006/main" xmlns:r="http://schemas.openxmlformats.org/officeDocument/2006/relationships" xmlns:p="http://schemas.openxmlformats.org/presentationml/2006/main">
+  <p:cSld>
+    <p:spTree>
+      <p:nvGrpSpPr>
+        <p:cNvPr id="1" name=""/>
+        <p:cNvGrpSpPr/>
+        <p:nvPr/>
+      </p:nvGrpSpPr>
+      <p:grpSpPr>
+        <a:xfrm>
+          <a:off x="0" y="0"/>
+          <a:ext cx="0" cy="0"/>
+          <a:chOff x="0" y="0"/>
+          <a:chExt cx="0" cy="0"/>
+        </a:xfrm>
+      </p:grpSpPr>
+      <p:sp>
+        <p:nvSpPr>
+          <p:cNvPr id="2" name="Title 1">
+            <a:extLst>
+              <a:ext uri="{FF2B5EF4-FFF2-40B4-BE49-F238E27FC236}">
                 <a16:creationId xmlns:a16="http://schemas.microsoft.com/office/drawing/2014/main" id="{2ED5ED2D-F749-4853-AC3A-C7183786CD9B}"/>
               </a:ext>
             </a:extLst>
@@ -9537,7 +10889,7 @@
 </p:sld>
 </file>
 
-<file path=ppt/slides/slide17.xml><?xml version="1.0" encoding="utf-8"?>
+<file path=ppt/slides/slide24.xml><?xml version="1.0" encoding="utf-8"?>
 <p:sld xmlns:a="http://schemas.openxmlformats.org/drawingml/2006/main" xmlns:r="http://schemas.openxmlformats.org/officeDocument/2006/relationships" xmlns:p="http://schemas.openxmlformats.org/presentationml/2006/main">
   <p:cSld>
     <p:spTree>
@@ -9596,95 +10948,6 @@
 </p:sld>
 </file>
 
-<file path=ppt/slides/slide2.xml><?xml version="1.0" encoding="utf-8"?>
-<p:sld xmlns:a="http://schemas.openxmlformats.org/drawingml/2006/main" xmlns:r="http://schemas.openxmlformats.org/officeDocument/2006/relationships" xmlns:p="http://schemas.openxmlformats.org/presentationml/2006/main">
-  <p:cSld>
-    <p:spTree>
-      <p:nvGrpSpPr>
-        <p:cNvPr id="1" name=""/>
-        <p:cNvGrpSpPr/>
-        <p:nvPr/>
-      </p:nvGrpSpPr>
-      <p:grpSpPr>
-        <a:xfrm>
-          <a:off x="0" y="0"/>
-          <a:ext cx="0" cy="0"/>
-          <a:chOff x="0" y="0"/>
-          <a:chExt cx="0" cy="0"/>
-        </a:xfrm>
-      </p:grpSpPr>
-      <p:sp>
-        <p:nvSpPr>
-          <p:cNvPr id="2" name="Title 1">
-            <a:extLst>
-              <a:ext uri="{FF2B5EF4-FFF2-40B4-BE49-F238E27FC236}">
-                <a16:creationId xmlns:a16="http://schemas.microsoft.com/office/drawing/2014/main" id="{304C714B-4D7C-4B7B-AD5F-79E89167D2C4}"/>
-              </a:ext>
-            </a:extLst>
-          </p:cNvPr>
-          <p:cNvSpPr>
-            <a:spLocks noGrp="1"/>
-          </p:cNvSpPr>
-          <p:nvPr>
-            <p:ph type="title"/>
-          </p:nvPr>
-        </p:nvSpPr>
-        <p:spPr/>
-        <p:txBody>
-          <a:bodyPr/>
-          <a:lstStyle/>
-          <a:p>
-            <a:r>
-              <a:rPr lang="de-CH" dirty="0"/>
-              <a:t>Task</a:t>
-            </a:r>
-          </a:p>
-        </p:txBody>
-      </p:sp>
-      <p:sp>
-        <p:nvSpPr>
-          <p:cNvPr id="3" name="Content Placeholder 2">
-            <a:extLst>
-              <a:ext uri="{FF2B5EF4-FFF2-40B4-BE49-F238E27FC236}">
-                <a16:creationId xmlns:a16="http://schemas.microsoft.com/office/drawing/2014/main" id="{4B48099B-FE6F-4EB9-94C4-BD60D50FADB8}"/>
-              </a:ext>
-            </a:extLst>
-          </p:cNvPr>
-          <p:cNvSpPr>
-            <a:spLocks noGrp="1"/>
-          </p:cNvSpPr>
-          <p:nvPr>
-            <p:ph idx="1"/>
-          </p:nvPr>
-        </p:nvSpPr>
-        <p:spPr/>
-        <p:txBody>
-          <a:bodyPr/>
-          <a:lstStyle/>
-          <a:p>
-            <a:r>
-              <a:rPr lang="en-US" dirty="0"/>
-              <a:t>Build a Multilingual Named Entity Recognition (NER) system using transformer models. The goal is to identify named entities (e.g., persons, organizations, locations) in texts across multiple languages (at least for 3 languages) without training separate models for each language. The project will focus on fine-tuning a multilingual model and exploring how effectively it can perform NER in multiple languages.  For evaluation, compare the performance of the models using appropriate metrics. Also, check if the model generalizes across languages and analyze any language-specific challenges.</a:t>
-            </a:r>
-          </a:p>
-          <a:p>
-            <a:endParaRPr lang="de-CH" dirty="0"/>
-          </a:p>
-        </p:txBody>
-      </p:sp>
-    </p:spTree>
-    <p:extLst>
-      <p:ext uri="{BB962C8B-B14F-4D97-AF65-F5344CB8AC3E}">
-        <p14:creationId xmlns:p14="http://schemas.microsoft.com/office/powerpoint/2010/main" val="385279248"/>
-      </p:ext>
-    </p:extLst>
-  </p:cSld>
-  <p:clrMapOvr>
-    <a:masterClrMapping/>
-  </p:clrMapOvr>
-</p:sld>
-</file>
-
 <file path=ppt/slides/slide3.xml><?xml version="1.0" encoding="utf-8"?>
 <p:sld xmlns:a="http://schemas.openxmlformats.org/drawingml/2006/main" xmlns:r="http://schemas.openxmlformats.org/officeDocument/2006/relationships" xmlns:p="http://schemas.openxmlformats.org/presentationml/2006/main">
   <p:cSld>
@@ -9748,7 +11011,9 @@
         </p:nvSpPr>
         <p:spPr/>
         <p:txBody>
-          <a:bodyPr/>
+          <a:bodyPr>
+            <a:normAutofit lnSpcReduction="10000"/>
+          </a:bodyPr>
           <a:lstStyle/>
           <a:p>
             <a:r>
@@ -9788,6 +11053,29 @@
             <a:r>
               <a:rPr lang="de-CH" dirty="0" err="1"/>
               <a:t>dataset</a:t>
+            </a:r>
+            <a:endParaRPr lang="de-CH" dirty="0"/>
+          </a:p>
+          <a:p>
+            <a:r>
+              <a:rPr lang="de-CH" dirty="0" err="1"/>
+              <a:t>Know</a:t>
+            </a:r>
+            <a:r>
+              <a:rPr lang="de-CH" dirty="0"/>
+              <a:t> </a:t>
+            </a:r>
+            <a:r>
+              <a:rPr lang="de-CH" dirty="0" err="1"/>
+              <a:t>your</a:t>
+            </a:r>
+            <a:r>
+              <a:rPr lang="de-CH" dirty="0"/>
+              <a:t> </a:t>
+            </a:r>
+            <a:r>
+              <a:rPr lang="de-CH" dirty="0" err="1"/>
+              <a:t>datasets</a:t>
             </a:r>
             <a:endParaRPr lang="de-CH" dirty="0"/>
           </a:p>
@@ -10942,7 +12230,7 @@
           <p:cNvPr id="2" name="Title 1">
             <a:extLst>
               <a:ext uri="{FF2B5EF4-FFF2-40B4-BE49-F238E27FC236}">
-                <a16:creationId xmlns:a16="http://schemas.microsoft.com/office/drawing/2014/main" id="{9A6740B6-99C8-42D1-B864-F86AA8F6CB03}"/>
+                <a16:creationId xmlns:a16="http://schemas.microsoft.com/office/drawing/2014/main" id="{1DEA47FE-0E67-4A94-BC17-72145CAAB859}"/>
               </a:ext>
             </a:extLst>
           </p:cNvPr>
@@ -10960,15 +12248,15 @@
           <a:p>
             <a:r>
               <a:rPr lang="de-CH" dirty="0" err="1"/>
-              <a:t>Preprocess</a:t>
-            </a:r>
-            <a:r>
-              <a:rPr lang="de-CH" dirty="0"/>
-              <a:t> </a:t>
-            </a:r>
-            <a:r>
-              <a:rPr lang="de-CH" dirty="0" err="1"/>
-              <a:t>the</a:t>
+              <a:t>Know</a:t>
+            </a:r>
+            <a:r>
+              <a:rPr lang="de-CH" dirty="0"/>
+              <a:t> </a:t>
+            </a:r>
+            <a:r>
+              <a:rPr lang="de-CH" dirty="0" err="1"/>
+              <a:t>your</a:t>
             </a:r>
             <a:r>
               <a:rPr lang="de-CH" dirty="0"/>
@@ -10978,9 +12266,6 @@
               <a:rPr lang="de-CH" dirty="0" err="1"/>
               <a:t>datasets</a:t>
             </a:r>
-            <a:br>
-              <a:rPr lang="de-CH" dirty="0"/>
-            </a:br>
             <a:endParaRPr lang="en-US" dirty="0"/>
           </a:p>
         </p:txBody>
@@ -10990,7 +12275,7 @@
           <p:cNvPr id="3" name="Content Placeholder 2">
             <a:extLst>
               <a:ext uri="{FF2B5EF4-FFF2-40B4-BE49-F238E27FC236}">
-                <a16:creationId xmlns:a16="http://schemas.microsoft.com/office/drawing/2014/main" id="{B4A62E2B-1157-4186-BB09-887F6A066068}"/>
+                <a16:creationId xmlns:a16="http://schemas.microsoft.com/office/drawing/2014/main" id="{5B57EEC7-512A-43CB-AE5B-51EF655B4369}"/>
               </a:ext>
             </a:extLst>
           </p:cNvPr>
@@ -11006,14 +12291,96 @@
           <a:bodyPr/>
           <a:lstStyle/>
           <a:p>
+            <a:r>
+              <a:rPr lang="de-CH" dirty="0" err="1"/>
+              <a:t>Structure</a:t>
+            </a:r>
+            <a:r>
+              <a:rPr lang="de-CH" dirty="0"/>
+              <a:t> </a:t>
+            </a:r>
+            <a:r>
+              <a:rPr lang="de-CH" dirty="0" err="1"/>
+              <a:t>of</a:t>
+            </a:r>
+            <a:r>
+              <a:rPr lang="de-CH" dirty="0"/>
+              <a:t> </a:t>
+            </a:r>
+            <a:r>
+              <a:rPr lang="de-CH" dirty="0" err="1"/>
+              <a:t>first</a:t>
+            </a:r>
+            <a:r>
+              <a:rPr lang="de-CH" dirty="0"/>
+              <a:t> 5 </a:t>
+            </a:r>
+            <a:r>
+              <a:rPr lang="de-CH" dirty="0" err="1"/>
+              <a:t>entries</a:t>
+            </a:r>
+            <a:r>
+              <a:rPr lang="de-CH" dirty="0"/>
+              <a:t> </a:t>
+            </a:r>
+            <a:r>
+              <a:rPr lang="de-CH" dirty="0" err="1"/>
+              <a:t>of</a:t>
+            </a:r>
+            <a:r>
+              <a:rPr lang="de-CH" dirty="0"/>
+              <a:t> </a:t>
+            </a:r>
+            <a:r>
+              <a:rPr lang="de-CH" dirty="0" err="1"/>
+              <a:t>trainings</a:t>
+            </a:r>
+            <a:r>
+              <a:rPr lang="de-CH" dirty="0"/>
+              <a:t> </a:t>
+            </a:r>
+            <a:r>
+              <a:rPr lang="de-CH" dirty="0" err="1"/>
+              <a:t>set</a:t>
+            </a:r>
             <a:endParaRPr lang="en-US" dirty="0"/>
           </a:p>
         </p:txBody>
       </p:sp>
+      <p:pic>
+        <p:nvPicPr>
+          <p:cNvPr id="4" name="Content Placeholder 4">
+            <a:extLst>
+              <a:ext uri="{FF2B5EF4-FFF2-40B4-BE49-F238E27FC236}">
+                <a16:creationId xmlns:a16="http://schemas.microsoft.com/office/drawing/2014/main" id="{0B93E729-4B74-46E0-B988-304EFB1568B1}"/>
+              </a:ext>
+            </a:extLst>
+          </p:cNvPr>
+          <p:cNvPicPr>
+            <a:picLocks noChangeAspect="1"/>
+          </p:cNvPicPr>
+          <p:nvPr/>
+        </p:nvPicPr>
+        <p:blipFill>
+          <a:blip r:embed="rId3"/>
+          <a:stretch>
+            <a:fillRect/>
+          </a:stretch>
+        </p:blipFill>
+        <p:spPr>
+          <a:xfrm>
+            <a:off x="663863" y="2711371"/>
+            <a:ext cx="9825438" cy="3089761"/>
+          </a:xfrm>
+          <a:prstGeom prst="rect">
+            <a:avLst/>
+          </a:prstGeom>
+        </p:spPr>
+      </p:pic>
     </p:spTree>
     <p:extLst>
       <p:ext uri="{BB962C8B-B14F-4D97-AF65-F5344CB8AC3E}">
-        <p14:creationId xmlns:p14="http://schemas.microsoft.com/office/powerpoint/2010/main" val="957122395"/>
+        <p14:creationId xmlns:p14="http://schemas.microsoft.com/office/powerpoint/2010/main" val="804953025"/>
       </p:ext>
     </p:extLst>
   </p:cSld>
@@ -11040,56 +12407,12 @@
           <a:chExt cx="0" cy="0"/>
         </a:xfrm>
       </p:grpSpPr>
-      <p:sp>
-        <p:nvSpPr>
-          <p:cNvPr id="2" name="Titel 1">
+      <p:pic>
+        <p:nvPicPr>
+          <p:cNvPr id="5" name="Picture 4">
             <a:extLst>
               <a:ext uri="{FF2B5EF4-FFF2-40B4-BE49-F238E27FC236}">
-                <a16:creationId xmlns:a16="http://schemas.microsoft.com/office/drawing/2014/main" id="{72A83D03-239D-9B10-70F2-44EE9945E92B}"/>
-              </a:ext>
-            </a:extLst>
-          </p:cNvPr>
-          <p:cNvSpPr>
-            <a:spLocks noGrp="1"/>
-          </p:cNvSpPr>
-          <p:nvPr>
-            <p:ph type="title"/>
-          </p:nvPr>
-        </p:nvSpPr>
-        <p:spPr/>
-        <p:txBody>
-          <a:bodyPr/>
-          <a:lstStyle/>
-          <a:p>
-            <a:r>
-              <a:rPr lang="de-CH" dirty="0"/>
-              <a:t>Distribution </a:t>
-            </a:r>
-            <a:r>
-              <a:rPr lang="de-CH" dirty="0" err="1"/>
-              <a:t>of</a:t>
-            </a:r>
-            <a:r>
-              <a:rPr lang="de-CH" dirty="0"/>
-              <a:t> </a:t>
-            </a:r>
-            <a:r>
-              <a:rPr lang="de-CH" dirty="0" err="1"/>
-              <a:t>entities</a:t>
-            </a:r>
-            <a:r>
-              <a:rPr lang="de-CH" dirty="0"/>
-              <a:t> in English Dataset</a:t>
-            </a:r>
-          </a:p>
-        </p:txBody>
-      </p:sp>
-      <p:pic>
-        <p:nvPicPr>
-          <p:cNvPr id="5" name="Grafik 4">
-            <a:extLst>
-              <a:ext uri="{FF2B5EF4-FFF2-40B4-BE49-F238E27FC236}">
-                <a16:creationId xmlns:a16="http://schemas.microsoft.com/office/drawing/2014/main" id="{DE9D98E0-9D2C-48F2-B605-4F9AB1386237}"/>
+                <a16:creationId xmlns:a16="http://schemas.microsoft.com/office/drawing/2014/main" id="{49C43FB2-3C90-4230-B517-157D7B654A0F}"/>
               </a:ext>
             </a:extLst>
           </p:cNvPr>
@@ -11106,8 +12429,68 @@
         </p:blipFill>
         <p:spPr>
           <a:xfrm>
-            <a:off x="3029565" y="1367481"/>
-            <a:ext cx="7352173" cy="5319567"/>
+            <a:off x="1325496" y="2478459"/>
+            <a:ext cx="8311245" cy="2268529"/>
+          </a:xfrm>
+          <a:prstGeom prst="rect">
+            <a:avLst/>
+          </a:prstGeom>
+        </p:spPr>
+      </p:pic>
+      <p:pic>
+        <p:nvPicPr>
+          <p:cNvPr id="7" name="Picture 6">
+            <a:extLst>
+              <a:ext uri="{FF2B5EF4-FFF2-40B4-BE49-F238E27FC236}">
+                <a16:creationId xmlns:a16="http://schemas.microsoft.com/office/drawing/2014/main" id="{9D7C89A9-C120-4C9B-9A61-956287F209FB}"/>
+              </a:ext>
+            </a:extLst>
+          </p:cNvPr>
+          <p:cNvPicPr>
+            <a:picLocks noChangeAspect="1"/>
+          </p:cNvPicPr>
+          <p:nvPr/>
+        </p:nvPicPr>
+        <p:blipFill>
+          <a:blip r:embed="rId4"/>
+          <a:stretch>
+            <a:fillRect/>
+          </a:stretch>
+        </p:blipFill>
+        <p:spPr>
+          <a:xfrm>
+            <a:off x="1325496" y="4853217"/>
+            <a:ext cx="8311245" cy="1954377"/>
+          </a:xfrm>
+          <a:prstGeom prst="rect">
+            <a:avLst/>
+          </a:prstGeom>
+        </p:spPr>
+      </p:pic>
+      <p:pic>
+        <p:nvPicPr>
+          <p:cNvPr id="9" name="Picture 8">
+            <a:extLst>
+              <a:ext uri="{FF2B5EF4-FFF2-40B4-BE49-F238E27FC236}">
+                <a16:creationId xmlns:a16="http://schemas.microsoft.com/office/drawing/2014/main" id="{3B072122-D371-4F13-BCF6-234C154E0F47}"/>
+              </a:ext>
+            </a:extLst>
+          </p:cNvPr>
+          <p:cNvPicPr>
+            <a:picLocks noChangeAspect="1"/>
+          </p:cNvPicPr>
+          <p:nvPr/>
+        </p:nvPicPr>
+        <p:blipFill>
+          <a:blip r:embed="rId5"/>
+          <a:stretch>
+            <a:fillRect/>
+          </a:stretch>
+        </p:blipFill>
+        <p:spPr>
+          <a:xfrm>
+            <a:off x="1325496" y="50406"/>
+            <a:ext cx="7860478" cy="2321824"/>
           </a:xfrm>
           <a:prstGeom prst="rect">
             <a:avLst/>
@@ -11117,7 +12500,7 @@
     </p:spTree>
     <p:extLst>
       <p:ext uri="{BB962C8B-B14F-4D97-AF65-F5344CB8AC3E}">
-        <p14:creationId xmlns:p14="http://schemas.microsoft.com/office/powerpoint/2010/main" val="2301987029"/>
+        <p14:creationId xmlns:p14="http://schemas.microsoft.com/office/powerpoint/2010/main" val="4278288436"/>
       </p:ext>
     </p:extLst>
   </p:cSld>
@@ -11132,13 +12515,7 @@
   <p:cSld>
     <p:spTree>
       <p:nvGrpSpPr>
-        <p:cNvPr id="1" name="">
-          <a:extLst>
-            <a:ext uri="{FF2B5EF4-FFF2-40B4-BE49-F238E27FC236}">
-              <a16:creationId xmlns:a16="http://schemas.microsoft.com/office/drawing/2014/main" id="{76F753A7-71E9-7C0C-323A-96DF833E1823}"/>
-            </a:ext>
-          </a:extLst>
-        </p:cNvPr>
+        <p:cNvPr id="1" name=""/>
         <p:cNvGrpSpPr/>
         <p:nvPr/>
       </p:nvGrpSpPr>
@@ -11152,10 +12529,10 @@
       </p:grpSpPr>
       <p:sp>
         <p:nvSpPr>
-          <p:cNvPr id="2" name="Titel 1">
+          <p:cNvPr id="2" name="Title 1">
             <a:extLst>
               <a:ext uri="{FF2B5EF4-FFF2-40B4-BE49-F238E27FC236}">
-                <a16:creationId xmlns:a16="http://schemas.microsoft.com/office/drawing/2014/main" id="{D62D4727-1847-877F-3BBA-6AB11CF00E01}"/>
+                <a16:creationId xmlns:a16="http://schemas.microsoft.com/office/drawing/2014/main" id="{8BFF4A69-4817-4CAD-9B63-8B212F5C1C51}"/>
               </a:ext>
             </a:extLst>
           </p:cNvPr>
@@ -11173,33 +12550,87 @@
           <a:p>
             <a:r>
               <a:rPr lang="de-CH" dirty="0"/>
-              <a:t>Distribution </a:t>
-            </a:r>
-            <a:r>
-              <a:rPr lang="de-CH" dirty="0" err="1"/>
-              <a:t>of</a:t>
-            </a:r>
-            <a:r>
-              <a:rPr lang="de-CH" dirty="0"/>
-              <a:t> </a:t>
-            </a:r>
-            <a:r>
-              <a:rPr lang="de-CH" dirty="0" err="1"/>
-              <a:t>entities</a:t>
-            </a:r>
-            <a:r>
-              <a:rPr lang="de-CH" dirty="0"/>
-              <a:t> in German Dataset</a:t>
-            </a:r>
+              <a:t>Entity </a:t>
+            </a:r>
+            <a:r>
+              <a:rPr lang="de-CH" dirty="0" err="1"/>
+              <a:t>distribution</a:t>
+            </a:r>
+            <a:r>
+              <a:rPr lang="de-CH" dirty="0"/>
+              <a:t> and </a:t>
+            </a:r>
+            <a:r>
+              <a:rPr lang="de-CH" dirty="0" err="1"/>
+              <a:t>token</a:t>
+            </a:r>
+            <a:r>
+              <a:rPr lang="de-CH" dirty="0"/>
+              <a:t> </a:t>
+            </a:r>
+            <a:r>
+              <a:rPr lang="de-CH" dirty="0" err="1"/>
+              <a:t>lenght</a:t>
+            </a:r>
+            <a:r>
+              <a:rPr lang="de-CH" dirty="0"/>
+              <a:t> </a:t>
+            </a:r>
+            <a:r>
+              <a:rPr lang="de-CH" dirty="0" err="1"/>
+              <a:t>before</a:t>
+            </a:r>
+            <a:r>
+              <a:rPr lang="de-CH" dirty="0"/>
+              <a:t> </a:t>
+            </a:r>
+            <a:r>
+              <a:rPr lang="de-CH" dirty="0" err="1"/>
+              <a:t>preprocessing</a:t>
+            </a:r>
+            <a:r>
+              <a:rPr lang="de-CH" dirty="0"/>
+              <a:t> EN</a:t>
+            </a:r>
+            <a:endParaRPr lang="en-US" dirty="0"/>
           </a:p>
         </p:txBody>
       </p:sp>
       <p:pic>
         <p:nvPicPr>
-          <p:cNvPr id="4" name="Grafik 3">
+          <p:cNvPr id="8" name="Content Placeholder 7">
             <a:extLst>
               <a:ext uri="{FF2B5EF4-FFF2-40B4-BE49-F238E27FC236}">
-                <a16:creationId xmlns:a16="http://schemas.microsoft.com/office/drawing/2014/main" id="{0D155C9C-59A5-DD0F-3739-C600F108619D}"/>
+                <a16:creationId xmlns:a16="http://schemas.microsoft.com/office/drawing/2014/main" id="{0CD8627B-31E2-4DA2-93DB-7B3BE1DF4FD0}"/>
+              </a:ext>
+            </a:extLst>
+          </p:cNvPr>
+          <p:cNvPicPr>
+            <a:picLocks noGrp="1" noChangeAspect="1"/>
+          </p:cNvPicPr>
+          <p:nvPr>
+            <p:ph idx="1"/>
+          </p:nvPr>
+        </p:nvPicPr>
+        <p:blipFill>
+          <a:blip r:embed="rId2"/>
+          <a:stretch>
+            <a:fillRect/>
+          </a:stretch>
+        </p:blipFill>
+        <p:spPr>
+          <a:xfrm>
+            <a:off x="990600" y="1928480"/>
+            <a:ext cx="7388482" cy="3579691"/>
+          </a:xfrm>
+        </p:spPr>
+      </p:pic>
+      <p:pic>
+        <p:nvPicPr>
+          <p:cNvPr id="10" name="Picture 9">
+            <a:extLst>
+              <a:ext uri="{FF2B5EF4-FFF2-40B4-BE49-F238E27FC236}">
+                <a16:creationId xmlns:a16="http://schemas.microsoft.com/office/drawing/2014/main" id="{B769888B-9ADE-4698-8860-C9B3FDE53FC8}"/>
               </a:ext>
             </a:extLst>
           </p:cNvPr>
@@ -11216,8 +12647,8 @@
         </p:blipFill>
         <p:spPr>
           <a:xfrm>
-            <a:off x="2905648" y="1351006"/>
-            <a:ext cx="7436985" cy="5308148"/>
+            <a:off x="8751613" y="3352800"/>
+            <a:ext cx="2874330" cy="2465104"/>
           </a:xfrm>
           <a:prstGeom prst="rect">
             <a:avLst/>
@@ -11227,7 +12658,7 @@
     </p:spTree>
     <p:extLst>
       <p:ext uri="{BB962C8B-B14F-4D97-AF65-F5344CB8AC3E}">
-        <p14:creationId xmlns:p14="http://schemas.microsoft.com/office/powerpoint/2010/main" val="2111729585"/>
+        <p14:creationId xmlns:p14="http://schemas.microsoft.com/office/powerpoint/2010/main" val="3902649038"/>
       </p:ext>
     </p:extLst>
   </p:cSld>
@@ -11242,13 +12673,7 @@
   <p:cSld>
     <p:spTree>
       <p:nvGrpSpPr>
-        <p:cNvPr id="1" name="">
-          <a:extLst>
-            <a:ext uri="{FF2B5EF4-FFF2-40B4-BE49-F238E27FC236}">
-              <a16:creationId xmlns:a16="http://schemas.microsoft.com/office/drawing/2014/main" id="{5C4EA42F-0031-93C1-312A-D84730E234C4}"/>
-            </a:ext>
-          </a:extLst>
-        </p:cNvPr>
+        <p:cNvPr id="1" name=""/>
         <p:cNvGrpSpPr/>
         <p:nvPr/>
       </p:nvGrpSpPr>
@@ -11262,10 +12687,10 @@
       </p:grpSpPr>
       <p:sp>
         <p:nvSpPr>
-          <p:cNvPr id="2" name="Titel 1">
+          <p:cNvPr id="2" name="Title 1">
             <a:extLst>
               <a:ext uri="{FF2B5EF4-FFF2-40B4-BE49-F238E27FC236}">
-                <a16:creationId xmlns:a16="http://schemas.microsoft.com/office/drawing/2014/main" id="{EBEBDECA-FBD7-277F-16AF-090349F0FE10}"/>
+                <a16:creationId xmlns:a16="http://schemas.microsoft.com/office/drawing/2014/main" id="{C9E7C237-0493-4F62-918E-A7323E5C421E}"/>
               </a:ext>
             </a:extLst>
           </p:cNvPr>
@@ -11283,33 +12708,88 @@
           <a:p>
             <a:r>
               <a:rPr lang="de-CH" dirty="0"/>
-              <a:t>Distribution </a:t>
-            </a:r>
-            <a:r>
-              <a:rPr lang="de-CH" dirty="0" err="1"/>
-              <a:t>of</a:t>
-            </a:r>
-            <a:r>
-              <a:rPr lang="de-CH" dirty="0"/>
-              <a:t> </a:t>
-            </a:r>
-            <a:r>
-              <a:rPr lang="de-CH" dirty="0" err="1"/>
-              <a:t>entities</a:t>
-            </a:r>
-            <a:r>
-              <a:rPr lang="de-CH" dirty="0"/>
-              <a:t> in French Dataset</a:t>
-            </a:r>
+              <a:t>Entity </a:t>
+            </a:r>
+            <a:r>
+              <a:rPr lang="de-CH" dirty="0" err="1"/>
+              <a:t>distribution</a:t>
+            </a:r>
+            <a:r>
+              <a:rPr lang="de-CH" dirty="0"/>
+              <a:t> and </a:t>
+            </a:r>
+            <a:r>
+              <a:rPr lang="de-CH" dirty="0" err="1"/>
+              <a:t>token</a:t>
+            </a:r>
+            <a:r>
+              <a:rPr lang="de-CH" dirty="0"/>
+              <a:t> </a:t>
+            </a:r>
+            <a:r>
+              <a:rPr lang="de-CH" dirty="0" err="1"/>
+              <a:t>lenght</a:t>
+            </a:r>
+            <a:r>
+              <a:rPr lang="de-CH" dirty="0"/>
+              <a:t> </a:t>
+            </a:r>
+            <a:r>
+              <a:rPr lang="de-CH" dirty="0" err="1"/>
+              <a:t>before</a:t>
+            </a:r>
+            <a:r>
+              <a:rPr lang="de-CH" dirty="0"/>
+              <a:t> </a:t>
+            </a:r>
+            <a:r>
+              <a:rPr lang="de-CH" dirty="0" err="1"/>
+              <a:t>preprocessing</a:t>
+            </a:r>
+            <a:r>
+              <a:rPr lang="de-CH" dirty="0"/>
+              <a:t> DE</a:t>
+            </a:r>
+            <a:endParaRPr lang="en-US" dirty="0"/>
           </a:p>
         </p:txBody>
       </p:sp>
       <p:pic>
         <p:nvPicPr>
-          <p:cNvPr id="4" name="Grafik 3">
+          <p:cNvPr id="9" name="Picture 8">
             <a:extLst>
               <a:ext uri="{FF2B5EF4-FFF2-40B4-BE49-F238E27FC236}">
-                <a16:creationId xmlns:a16="http://schemas.microsoft.com/office/drawing/2014/main" id="{2C8CC483-E16E-8A09-DA9D-D147E541A76C}"/>
+                <a16:creationId xmlns:a16="http://schemas.microsoft.com/office/drawing/2014/main" id="{30A349CC-FAB0-4292-86DA-7821D32C1ED0}"/>
+              </a:ext>
+            </a:extLst>
+          </p:cNvPr>
+          <p:cNvPicPr>
+            <a:picLocks noChangeAspect="1"/>
+          </p:cNvPicPr>
+          <p:nvPr/>
+        </p:nvPicPr>
+        <p:blipFill>
+          <a:blip r:embed="rId2"/>
+          <a:stretch>
+            <a:fillRect/>
+          </a:stretch>
+        </p:blipFill>
+        <p:spPr>
+          <a:xfrm>
+            <a:off x="814785" y="2074690"/>
+            <a:ext cx="7912507" cy="3930852"/>
+          </a:xfrm>
+          <a:prstGeom prst="rect">
+            <a:avLst/>
+          </a:prstGeom>
+        </p:spPr>
+      </p:pic>
+      <p:pic>
+        <p:nvPicPr>
+          <p:cNvPr id="11" name="Picture 10">
+            <a:extLst>
+              <a:ext uri="{FF2B5EF4-FFF2-40B4-BE49-F238E27FC236}">
+                <a16:creationId xmlns:a16="http://schemas.microsoft.com/office/drawing/2014/main" id="{68A34666-DCD0-4209-814D-164EA11688DB}"/>
               </a:ext>
             </a:extLst>
           </p:cNvPr>
@@ -11326,8 +12806,8 @@
         </p:blipFill>
         <p:spPr>
           <a:xfrm>
-            <a:off x="3010130" y="1375718"/>
-            <a:ext cx="7343208" cy="5187155"/>
+            <a:off x="9104635" y="3945579"/>
+            <a:ext cx="2754524" cy="2172192"/>
           </a:xfrm>
           <a:prstGeom prst="rect">
             <a:avLst/>
@@ -11337,7 +12817,7 @@
     </p:spTree>
     <p:extLst>
       <p:ext uri="{BB962C8B-B14F-4D97-AF65-F5344CB8AC3E}">
-        <p14:creationId xmlns:p14="http://schemas.microsoft.com/office/powerpoint/2010/main" val="2347839881"/>
+        <p14:creationId xmlns:p14="http://schemas.microsoft.com/office/powerpoint/2010/main" val="3089602841"/>
       </p:ext>
     </p:extLst>
   </p:cSld>

--- a/CAS NLP Module 4_jd_bb.pptx
+++ b/CAS NLP Module 4_jd_bb.pptx
@@ -5,7 +5,7 @@
     <p:sldMasterId id="2147483660" r:id="rId1"/>
   </p:sldMasterIdLst>
   <p:notesMasterIdLst>
-    <p:notesMasterId r:id="rId26"/>
+    <p:notesMasterId r:id="rId28"/>
   </p:notesMasterIdLst>
   <p:sldIdLst>
     <p:sldId id="256" r:id="rId2"/>
@@ -26,12 +26,14 @@
     <p:sldId id="271" r:id="rId17"/>
     <p:sldId id="272" r:id="rId18"/>
     <p:sldId id="262" r:id="rId19"/>
-    <p:sldId id="263" r:id="rId20"/>
-    <p:sldId id="264" r:id="rId21"/>
-    <p:sldId id="265" r:id="rId22"/>
-    <p:sldId id="266" r:id="rId23"/>
-    <p:sldId id="267" r:id="rId24"/>
-    <p:sldId id="268" r:id="rId25"/>
+    <p:sldId id="284" r:id="rId20"/>
+    <p:sldId id="263" r:id="rId21"/>
+    <p:sldId id="264" r:id="rId22"/>
+    <p:sldId id="265" r:id="rId23"/>
+    <p:sldId id="283" r:id="rId24"/>
+    <p:sldId id="266" r:id="rId25"/>
+    <p:sldId id="267" r:id="rId26"/>
+    <p:sldId id="268" r:id="rId27"/>
   </p:sldIdLst>
   <p:sldSz cx="12192000" cy="6858000"/>
   <p:notesSz cx="6858000" cy="9144000"/>
@@ -378,7 +380,7 @@
           <a:p>
             <a:fld id="{2DA66685-3D22-47BB-B74E-10995D7F8271}" type="slidenum">
               <a:rPr lang="en-US" smtClean="0"/>
-              <a:t>‹#›</a:t>
+              <a:t>‹Nr.›</a:t>
             </a:fld>
             <a:endParaRPr lang="en-US"/>
           </a:p>
@@ -3138,7 +3140,7 @@
           <a:p>
             <a:fld id="{AB8F96E3-2EAC-4C18-B216-7E9D85CA2F89}" type="slidenum">
               <a:rPr lang="de-CH" smtClean="0"/>
-              <a:t>‹#›</a:t>
+              <a:t>‹Nr.›</a:t>
             </a:fld>
             <a:endParaRPr lang="de-CH"/>
           </a:p>
@@ -3413,7 +3415,7 @@
           <a:p>
             <a:fld id="{AB8F96E3-2EAC-4C18-B216-7E9D85CA2F89}" type="slidenum">
               <a:rPr lang="de-CH" smtClean="0"/>
-              <a:t>‹#›</a:t>
+              <a:t>‹Nr.›</a:t>
             </a:fld>
             <a:endParaRPr lang="de-CH"/>
           </a:p>
@@ -3607,7 +3609,7 @@
           <a:p>
             <a:fld id="{AB8F96E3-2EAC-4C18-B216-7E9D85CA2F89}" type="slidenum">
               <a:rPr lang="de-CH" smtClean="0"/>
-              <a:t>‹#›</a:t>
+              <a:t>‹Nr.›</a:t>
             </a:fld>
             <a:endParaRPr lang="de-CH"/>
           </a:p>
@@ -3880,7 +3882,7 @@
           <a:p>
             <a:fld id="{AB8F96E3-2EAC-4C18-B216-7E9D85CA2F89}" type="slidenum">
               <a:rPr lang="de-CH" smtClean="0"/>
-              <a:t>‹#›</a:t>
+              <a:t>‹Nr.›</a:t>
             </a:fld>
             <a:endParaRPr lang="de-CH"/>
           </a:p>
@@ -4221,7 +4223,7 @@
           <a:p>
             <a:fld id="{AB8F96E3-2EAC-4C18-B216-7E9D85CA2F89}" type="slidenum">
               <a:rPr lang="de-CH" smtClean="0"/>
-              <a:t>‹#›</a:t>
+              <a:t>‹Nr.›</a:t>
             </a:fld>
             <a:endParaRPr lang="de-CH"/>
           </a:p>
@@ -4844,7 +4846,7 @@
           <a:p>
             <a:fld id="{AB8F96E3-2EAC-4C18-B216-7E9D85CA2F89}" type="slidenum">
               <a:rPr lang="de-CH" smtClean="0"/>
-              <a:t>‹#›</a:t>
+              <a:t>‹Nr.›</a:t>
             </a:fld>
             <a:endParaRPr lang="de-CH"/>
           </a:p>
@@ -5704,7 +5706,7 @@
           <a:p>
             <a:fld id="{AB8F96E3-2EAC-4C18-B216-7E9D85CA2F89}" type="slidenum">
               <a:rPr lang="de-CH" smtClean="0"/>
-              <a:t>‹#›</a:t>
+              <a:t>‹Nr.›</a:t>
             </a:fld>
             <a:endParaRPr lang="de-CH"/>
           </a:p>
@@ -5874,7 +5876,7 @@
           <a:p>
             <a:fld id="{AB8F96E3-2EAC-4C18-B216-7E9D85CA2F89}" type="slidenum">
               <a:rPr lang="de-CH" smtClean="0"/>
-              <a:t>‹#›</a:t>
+              <a:t>‹Nr.›</a:t>
             </a:fld>
             <a:endParaRPr lang="de-CH"/>
           </a:p>
@@ -6054,7 +6056,7 @@
           <a:p>
             <a:fld id="{AB8F96E3-2EAC-4C18-B216-7E9D85CA2F89}" type="slidenum">
               <a:rPr lang="de-CH" smtClean="0"/>
-              <a:t>‹#›</a:t>
+              <a:t>‹Nr.›</a:t>
             </a:fld>
             <a:endParaRPr lang="de-CH"/>
           </a:p>
@@ -6224,7 +6226,7 @@
           <a:p>
             <a:fld id="{AB8F96E3-2EAC-4C18-B216-7E9D85CA2F89}" type="slidenum">
               <a:rPr lang="de-CH" smtClean="0"/>
-              <a:t>‹#›</a:t>
+              <a:t>‹Nr.›</a:t>
             </a:fld>
             <a:endParaRPr lang="de-CH"/>
           </a:p>
@@ -6471,7 +6473,7 @@
           <a:p>
             <a:fld id="{AB8F96E3-2EAC-4C18-B216-7E9D85CA2F89}" type="slidenum">
               <a:rPr lang="de-CH" smtClean="0"/>
-              <a:t>‹#›</a:t>
+              <a:t>‹Nr.›</a:t>
             </a:fld>
             <a:endParaRPr lang="de-CH"/>
           </a:p>
@@ -6763,7 +6765,7 @@
           <a:p>
             <a:fld id="{AB8F96E3-2EAC-4C18-B216-7E9D85CA2F89}" type="slidenum">
               <a:rPr lang="de-CH" smtClean="0"/>
-              <a:t>‹#›</a:t>
+              <a:t>‹Nr.›</a:t>
             </a:fld>
             <a:endParaRPr lang="de-CH"/>
           </a:p>
@@ -7207,7 +7209,7 @@
           <a:p>
             <a:fld id="{AB8F96E3-2EAC-4C18-B216-7E9D85CA2F89}" type="slidenum">
               <a:rPr lang="de-CH" smtClean="0"/>
-              <a:t>‹#›</a:t>
+              <a:t>‹Nr.›</a:t>
             </a:fld>
             <a:endParaRPr lang="de-CH"/>
           </a:p>
@@ -7325,7 +7327,7 @@
           <a:p>
             <a:fld id="{AB8F96E3-2EAC-4C18-B216-7E9D85CA2F89}" type="slidenum">
               <a:rPr lang="de-CH" smtClean="0"/>
-              <a:t>‹#›</a:t>
+              <a:t>‹Nr.›</a:t>
             </a:fld>
             <a:endParaRPr lang="de-CH"/>
           </a:p>
@@ -7420,7 +7422,7 @@
           <a:p>
             <a:fld id="{AB8F96E3-2EAC-4C18-B216-7E9D85CA2F89}" type="slidenum">
               <a:rPr lang="de-CH" smtClean="0"/>
-              <a:t>‹#›</a:t>
+              <a:t>‹Nr.›</a:t>
             </a:fld>
             <a:endParaRPr lang="de-CH"/>
           </a:p>
@@ -7699,7 +7701,7 @@
           <a:p>
             <a:fld id="{AB8F96E3-2EAC-4C18-B216-7E9D85CA2F89}" type="slidenum">
               <a:rPr lang="de-CH" smtClean="0"/>
-              <a:t>‹#›</a:t>
+              <a:t>‹Nr.›</a:t>
             </a:fld>
             <a:endParaRPr lang="de-CH"/>
           </a:p>
@@ -7974,7 +7976,7 @@
           <a:p>
             <a:fld id="{AB8F96E3-2EAC-4C18-B216-7E9D85CA2F89}" type="slidenum">
               <a:rPr lang="de-CH" smtClean="0"/>
-              <a:t>‹#›</a:t>
+              <a:t>‹Nr.›</a:t>
             </a:fld>
             <a:endParaRPr lang="de-CH"/>
           </a:p>
@@ -8440,7 +8442,7 @@
           <a:p>
             <a:fld id="{AB8F96E3-2EAC-4C18-B216-7E9D85CA2F89}" type="slidenum">
               <a:rPr lang="de-CH" smtClean="0"/>
-              <a:t>‹#›</a:t>
+              <a:t>‹Nr.›</a:t>
             </a:fld>
             <a:endParaRPr lang="de-CH"/>
           </a:p>
@@ -9050,6 +9052,14 @@
             </a:r>
             <a:r>
               <a:rPr lang="de-CH" dirty="0" err="1"/>
+              <a:t>customized</a:t>
+            </a:r>
+            <a:r>
+              <a:rPr lang="de-CH" dirty="0"/>
+              <a:t> </a:t>
+            </a:r>
+            <a:r>
+              <a:rPr lang="de-CH" dirty="0" err="1"/>
               <a:t>preprocessing</a:t>
             </a:r>
             <a:r>
@@ -9082,7 +9092,7 @@
         </p:blipFill>
         <p:spPr>
           <a:xfrm>
-            <a:off x="480536" y="1937581"/>
+            <a:off x="602844" y="2525826"/>
             <a:ext cx="8103016" cy="3968954"/>
           </a:xfrm>
           <a:prstGeom prst="rect">
@@ -9209,6 +9219,14 @@
             </a:r>
             <a:r>
               <a:rPr lang="de-CH" dirty="0" err="1"/>
+              <a:t>customized</a:t>
+            </a:r>
+            <a:r>
+              <a:rPr lang="de-CH" dirty="0"/>
+              <a:t> </a:t>
+            </a:r>
+            <a:r>
+              <a:rPr lang="de-CH" dirty="0" err="1"/>
               <a:t>preprocessing</a:t>
             </a:r>
             <a:r>
@@ -9241,7 +9259,7 @@
         </p:blipFill>
         <p:spPr>
           <a:xfrm>
-            <a:off x="553603" y="2052918"/>
+            <a:off x="553603" y="2037592"/>
             <a:ext cx="8058564" cy="3949903"/>
           </a:xfrm>
           <a:prstGeom prst="rect">
@@ -9484,10 +9502,67 @@
           <a:bodyPr/>
           <a:lstStyle/>
           <a:p>
-            <a:endParaRPr lang="en-US" dirty="0"/>
-          </a:p>
-        </p:txBody>
-      </p:sp>
+            <a:r>
+              <a:rPr lang="en-US" dirty="0"/>
+              <a:t>Remove punctuation and empty tokens in all splits (train, test, validation)</a:t>
+            </a:r>
+          </a:p>
+          <a:p>
+            <a:r>
+              <a:rPr lang="en-US" dirty="0"/>
+              <a:t>Define label list = 0, B-PER, I-PER, B-ORG, I-ORG, B-LOC, I-LOC</a:t>
+            </a:r>
+          </a:p>
+          <a:p>
+            <a:r>
+              <a:rPr lang="en-US" dirty="0"/>
+              <a:t>Map numeric labels to string labels  </a:t>
+            </a:r>
+          </a:p>
+          <a:p>
+            <a:r>
+              <a:rPr lang="en-US" dirty="0"/>
+              <a:t>Tokenize dataset </a:t>
+            </a:r>
+          </a:p>
+          <a:p>
+            <a:r>
+              <a:rPr lang="en-US" dirty="0"/>
+              <a:t>Visualize distribution of beginning of entities (B-PER, B-ORG, B-LOC) in preprocessed datasets </a:t>
+            </a:r>
+          </a:p>
+        </p:txBody>
+      </p:sp>
+      <p:pic>
+        <p:nvPicPr>
+          <p:cNvPr id="5" name="Grafik 4">
+            <a:extLst>
+              <a:ext uri="{FF2B5EF4-FFF2-40B4-BE49-F238E27FC236}">
+                <a16:creationId xmlns:a16="http://schemas.microsoft.com/office/drawing/2014/main" id="{4C221DF6-713D-DDC4-414D-64410557554E}"/>
+              </a:ext>
+            </a:extLst>
+          </p:cNvPr>
+          <p:cNvPicPr>
+            <a:picLocks noChangeAspect="1"/>
+          </p:cNvPicPr>
+          <p:nvPr/>
+        </p:nvPicPr>
+        <p:blipFill>
+          <a:blip r:embed="rId2"/>
+          <a:stretch>
+            <a:fillRect/>
+          </a:stretch>
+        </p:blipFill>
+        <p:spPr>
+          <a:xfrm>
+            <a:off x="9672704" y="2146105"/>
+            <a:ext cx="2161900" cy="1879190"/>
+          </a:xfrm>
+          <a:prstGeom prst="rect">
+            <a:avLst/>
+          </a:prstGeom>
+        </p:spPr>
+      </p:pic>
     </p:spTree>
     <p:extLst>
       <p:ext uri="{BB962C8B-B14F-4D97-AF65-F5344CB8AC3E}">
@@ -9557,7 +9632,7 @@
             </a:r>
             <a:r>
               <a:rPr lang="de-CH" dirty="0"/>
-              <a:t> in English Dataset</a:t>
+              <a:t> Dataset EN</a:t>
             </a:r>
           </a:p>
         </p:txBody>
@@ -9584,7 +9659,7 @@
         </p:blipFill>
         <p:spPr>
           <a:xfrm>
-            <a:off x="3029565" y="1367481"/>
+            <a:off x="1864724" y="1326711"/>
             <a:ext cx="7352173" cy="5319567"/>
           </a:xfrm>
           <a:prstGeom prst="rect">
@@ -9667,7 +9742,7 @@
             </a:r>
             <a:r>
               <a:rPr lang="de-CH" dirty="0"/>
-              <a:t> in German Dataset</a:t>
+              <a:t> Dataset DE</a:t>
             </a:r>
           </a:p>
         </p:txBody>
@@ -9694,7 +9769,7 @@
         </p:blipFill>
         <p:spPr>
           <a:xfrm>
-            <a:off x="2905648" y="1351006"/>
+            <a:off x="2141166" y="1292764"/>
             <a:ext cx="7436985" cy="5308148"/>
           </a:xfrm>
           <a:prstGeom prst="rect">
@@ -9777,7 +9852,7 @@
             </a:r>
             <a:r>
               <a:rPr lang="de-CH" dirty="0"/>
-              <a:t> in French Dataset</a:t>
+              <a:t> Dataset FR</a:t>
             </a:r>
           </a:p>
         </p:txBody>
@@ -9804,7 +9879,7 @@
         </p:blipFill>
         <p:spPr>
           <a:xfrm>
-            <a:off x="3010130" y="1375718"/>
+            <a:off x="1921004" y="1317476"/>
             <a:ext cx="7343208" cy="5187155"/>
           </a:xfrm>
           <a:prstGeom prst="rect">
@@ -9887,15 +9962,7 @@
             </a:r>
             <a:r>
               <a:rPr lang="de-CH" dirty="0"/>
-              <a:t> in </a:t>
-            </a:r>
-            <a:r>
-              <a:rPr lang="de-CH" dirty="0" err="1"/>
-              <a:t>Italian</a:t>
-            </a:r>
-            <a:r>
-              <a:rPr lang="de-CH" dirty="0"/>
-              <a:t> Dataset</a:t>
+              <a:t> Dataset IT</a:t>
             </a:r>
           </a:p>
         </p:txBody>
@@ -9922,7 +9989,7 @@
         </p:blipFill>
         <p:spPr>
           <a:xfrm>
-            <a:off x="3015048" y="1272341"/>
+            <a:off x="2141166" y="1295638"/>
             <a:ext cx="7318060" cy="5199673"/>
           </a:xfrm>
           <a:prstGeom prst="rect">
@@ -10360,10 +10427,10 @@
       </p:grpSpPr>
       <p:sp>
         <p:nvSpPr>
-          <p:cNvPr id="2" name="Title 1">
+          <p:cNvPr id="2" name="Titel 1">
             <a:extLst>
               <a:ext uri="{FF2B5EF4-FFF2-40B4-BE49-F238E27FC236}">
-                <a16:creationId xmlns:a16="http://schemas.microsoft.com/office/drawing/2014/main" id="{20AB11EB-9845-4ED2-AE25-552596FDA2CC}"/>
+                <a16:creationId xmlns:a16="http://schemas.microsoft.com/office/drawing/2014/main" id="{50C27CF3-D3DC-A45F-9CEC-4CB61B05AABF}"/>
               </a:ext>
             </a:extLst>
           </p:cNvPr>
@@ -10381,37 +10448,22 @@
           <a:p>
             <a:r>
               <a:rPr lang="de-CH" dirty="0"/>
-              <a:t>Test </a:t>
-            </a:r>
-            <a:r>
-              <a:rPr lang="de-CH" dirty="0" err="1"/>
-              <a:t>the</a:t>
-            </a:r>
-            <a:r>
-              <a:rPr lang="de-CH" dirty="0"/>
-              <a:t> </a:t>
-            </a:r>
-            <a:r>
-              <a:rPr lang="de-CH" dirty="0" err="1"/>
-              <a:t>model</a:t>
-            </a:r>
-            <a:r>
-              <a:rPr lang="de-CH" dirty="0"/>
-              <a:t> in DE, FR and IT</a:t>
-            </a:r>
-            <a:br>
-              <a:rPr lang="de-CH" dirty="0"/>
-            </a:br>
-            <a:endParaRPr lang="en-US" dirty="0"/>
-          </a:p>
-        </p:txBody>
-      </p:sp>
-      <p:sp>
-        <p:nvSpPr>
-          <p:cNvPr id="3" name="Content Placeholder 2">
+              <a:t>Training on EN </a:t>
+            </a:r>
+            <a:r>
+              <a:rPr lang="de-CH" dirty="0" err="1"/>
+              <a:t>dataset</a:t>
+            </a:r>
+            <a:endParaRPr lang="de-CH" dirty="0"/>
+          </a:p>
+        </p:txBody>
+      </p:sp>
+      <p:sp>
+        <p:nvSpPr>
+          <p:cNvPr id="3" name="Inhaltsplatzhalter 2">
             <a:extLst>
               <a:ext uri="{FF2B5EF4-FFF2-40B4-BE49-F238E27FC236}">
-                <a16:creationId xmlns:a16="http://schemas.microsoft.com/office/drawing/2014/main" id="{390FB31B-FE28-431F-9E4D-81A0F209F1AA}"/>
+                <a16:creationId xmlns:a16="http://schemas.microsoft.com/office/drawing/2014/main" id="{52857C2D-0A00-7AAF-7ABC-1A49F694729E}"/>
               </a:ext>
             </a:extLst>
           </p:cNvPr>
@@ -10427,14 +10479,139 @@
           <a:bodyPr/>
           <a:lstStyle/>
           <a:p>
-            <a:endParaRPr lang="en-US"/>
-          </a:p>
-        </p:txBody>
-      </p:sp>
+            <a:r>
+              <a:rPr lang="de-CH" dirty="0"/>
+              <a:t>Training </a:t>
+            </a:r>
+            <a:r>
+              <a:rPr lang="de-CH" dirty="0" err="1"/>
+              <a:t>took</a:t>
+            </a:r>
+            <a:r>
+              <a:rPr lang="de-CH" dirty="0"/>
+              <a:t> </a:t>
+            </a:r>
+            <a:r>
+              <a:rPr lang="de-CH" dirty="0" err="1"/>
+              <a:t>very</a:t>
+            </a:r>
+            <a:r>
+              <a:rPr lang="de-CH" dirty="0"/>
+              <a:t> </a:t>
+            </a:r>
+            <a:r>
+              <a:rPr lang="de-CH" dirty="0" err="1"/>
+              <a:t>long</a:t>
+            </a:r>
+            <a:r>
+              <a:rPr lang="de-CH" dirty="0"/>
+              <a:t>, so </a:t>
+            </a:r>
+            <a:r>
+              <a:rPr lang="de-CH" dirty="0" err="1"/>
+              <a:t>we</a:t>
+            </a:r>
+            <a:r>
+              <a:rPr lang="de-CH" dirty="0"/>
+              <a:t> </a:t>
+            </a:r>
+            <a:r>
+              <a:rPr lang="de-CH" dirty="0" err="1"/>
+              <a:t>adjusted</a:t>
+            </a:r>
+            <a:r>
+              <a:rPr lang="de-CH" dirty="0"/>
+              <a:t> </a:t>
+            </a:r>
+            <a:r>
+              <a:rPr lang="de-CH" dirty="0" err="1"/>
+              <a:t>some</a:t>
+            </a:r>
+            <a:r>
+              <a:rPr lang="de-CH" dirty="0"/>
+              <a:t> </a:t>
+            </a:r>
+            <a:r>
+              <a:rPr lang="de-CH" dirty="0" err="1"/>
+              <a:t>parameters</a:t>
+            </a:r>
+            <a:r>
+              <a:rPr lang="de-CH" dirty="0"/>
+              <a:t>: </a:t>
+            </a:r>
+          </a:p>
+          <a:p>
+            <a:pPr lvl="1"/>
+            <a:r>
+              <a:rPr lang="de-CH" dirty="0" err="1"/>
+              <a:t>learning_rate</a:t>
+            </a:r>
+            <a:r>
+              <a:rPr lang="de-CH" dirty="0"/>
+              <a:t>=1e-5</a:t>
+            </a:r>
+          </a:p>
+          <a:p>
+            <a:pPr lvl="1"/>
+            <a:r>
+              <a:rPr lang="de-CH" dirty="0" err="1"/>
+              <a:t>per_device_train_batch_size</a:t>
+            </a:r>
+            <a:r>
+              <a:rPr lang="de-CH" dirty="0"/>
+              <a:t>=8</a:t>
+            </a:r>
+          </a:p>
+          <a:p>
+            <a:pPr lvl="1"/>
+            <a:r>
+              <a:rPr lang="de-CH" dirty="0" err="1"/>
+              <a:t>num_train_epochs</a:t>
+            </a:r>
+            <a:r>
+              <a:rPr lang="de-CH" dirty="0"/>
+              <a:t>=3</a:t>
+            </a:r>
+          </a:p>
+          <a:p>
+            <a:endParaRPr lang="de-CH" dirty="0"/>
+          </a:p>
+        </p:txBody>
+      </p:sp>
+      <p:pic>
+        <p:nvPicPr>
+          <p:cNvPr id="5" name="Grafik 4">
+            <a:extLst>
+              <a:ext uri="{FF2B5EF4-FFF2-40B4-BE49-F238E27FC236}">
+                <a16:creationId xmlns:a16="http://schemas.microsoft.com/office/drawing/2014/main" id="{FB74218A-DCCF-50B9-8497-AF2BA6CB0CBF}"/>
+              </a:ext>
+            </a:extLst>
+          </p:cNvPr>
+          <p:cNvPicPr>
+            <a:picLocks noChangeAspect="1"/>
+          </p:cNvPicPr>
+          <p:nvPr/>
+        </p:nvPicPr>
+        <p:blipFill>
+          <a:blip r:embed="rId2"/>
+          <a:stretch>
+            <a:fillRect/>
+          </a:stretch>
+        </p:blipFill>
+        <p:spPr>
+          <a:xfrm>
+            <a:off x="1229639" y="3825098"/>
+            <a:ext cx="8820214" cy="2038365"/>
+          </a:xfrm>
+          <a:prstGeom prst="rect">
+            <a:avLst/>
+          </a:prstGeom>
+        </p:spPr>
+      </p:pic>
     </p:spTree>
     <p:extLst>
       <p:ext uri="{BB962C8B-B14F-4D97-AF65-F5344CB8AC3E}">
-        <p14:creationId xmlns:p14="http://schemas.microsoft.com/office/powerpoint/2010/main" val="846595895"/>
+        <p14:creationId xmlns:p14="http://schemas.microsoft.com/office/powerpoint/2010/main" val="3741138610"/>
       </p:ext>
     </p:extLst>
   </p:cSld>
@@ -10555,7 +10732,7 @@
           <p:cNvPr id="2" name="Title 1">
             <a:extLst>
               <a:ext uri="{FF2B5EF4-FFF2-40B4-BE49-F238E27FC236}">
-                <a16:creationId xmlns:a16="http://schemas.microsoft.com/office/drawing/2014/main" id="{0913BBCD-948C-44D6-9FAF-BA651248C8F9}"/>
+                <a16:creationId xmlns:a16="http://schemas.microsoft.com/office/drawing/2014/main" id="{20AB11EB-9845-4ED2-AE25-552596FDA2CC}"/>
               </a:ext>
             </a:extLst>
           </p:cNvPr>
@@ -10572,8 +10749,24 @@
           <a:lstStyle/>
           <a:p>
             <a:r>
-              <a:rPr lang="de-CH" dirty="0" err="1"/>
-              <a:t>Results</a:t>
+              <a:rPr lang="de-CH" dirty="0"/>
+              <a:t>Test </a:t>
+            </a:r>
+            <a:r>
+              <a:rPr lang="de-CH" dirty="0" err="1"/>
+              <a:t>the</a:t>
+            </a:r>
+            <a:r>
+              <a:rPr lang="de-CH" dirty="0"/>
+              <a:t> </a:t>
+            </a:r>
+            <a:r>
+              <a:rPr lang="de-CH" dirty="0" err="1"/>
+              <a:t>model</a:t>
+            </a:r>
+            <a:r>
+              <a:rPr lang="de-CH" dirty="0"/>
+              <a:t> in DE, FR and IT</a:t>
             </a:r>
             <a:br>
               <a:rPr lang="de-CH" dirty="0"/>
@@ -10587,7 +10780,7 @@
           <p:cNvPr id="3" name="Content Placeholder 2">
             <a:extLst>
               <a:ext uri="{FF2B5EF4-FFF2-40B4-BE49-F238E27FC236}">
-                <a16:creationId xmlns:a16="http://schemas.microsoft.com/office/drawing/2014/main" id="{CD2C2720-0DE9-46D1-9C59-6F205CB75879}"/>
+                <a16:creationId xmlns:a16="http://schemas.microsoft.com/office/drawing/2014/main" id="{390FB31B-FE28-431F-9E4D-81A0F209F1AA}"/>
               </a:ext>
             </a:extLst>
           </p:cNvPr>
@@ -10610,7 +10803,7 @@
     </p:spTree>
     <p:extLst>
       <p:ext uri="{BB962C8B-B14F-4D97-AF65-F5344CB8AC3E}">
-        <p14:creationId xmlns:p14="http://schemas.microsoft.com/office/powerpoint/2010/main" val="4079610711"/>
+        <p14:creationId xmlns:p14="http://schemas.microsoft.com/office/powerpoint/2010/main" val="846595895"/>
       </p:ext>
     </p:extLst>
   </p:cSld>
@@ -10642,7 +10835,7 @@
           <p:cNvPr id="2" name="Title 1">
             <a:extLst>
               <a:ext uri="{FF2B5EF4-FFF2-40B4-BE49-F238E27FC236}">
-                <a16:creationId xmlns:a16="http://schemas.microsoft.com/office/drawing/2014/main" id="{36262027-BF33-4B1C-9478-81791AD91589}"/>
+                <a16:creationId xmlns:a16="http://schemas.microsoft.com/office/drawing/2014/main" id="{0913BBCD-948C-44D6-9FAF-BA651248C8F9}"/>
               </a:ext>
             </a:extLst>
           </p:cNvPr>
@@ -10660,15 +10853,7 @@
           <a:p>
             <a:r>
               <a:rPr lang="de-CH" dirty="0" err="1"/>
-              <a:t>Contrast</a:t>
-            </a:r>
-            <a:r>
-              <a:rPr lang="de-CH" dirty="0"/>
-              <a:t> </a:t>
-            </a:r>
-            <a:r>
-              <a:rPr lang="de-CH" dirty="0" err="1"/>
-              <a:t>approaches</a:t>
+              <a:t>Results</a:t>
             </a:r>
             <a:br>
               <a:rPr lang="de-CH" dirty="0"/>
@@ -10682,7 +10867,7 @@
           <p:cNvPr id="3" name="Content Placeholder 2">
             <a:extLst>
               <a:ext uri="{FF2B5EF4-FFF2-40B4-BE49-F238E27FC236}">
-                <a16:creationId xmlns:a16="http://schemas.microsoft.com/office/drawing/2014/main" id="{7DA777B3-D815-424E-A73C-C2D1CF60108D}"/>
+                <a16:creationId xmlns:a16="http://schemas.microsoft.com/office/drawing/2014/main" id="{CD2C2720-0DE9-46D1-9C59-6F205CB75879}"/>
               </a:ext>
             </a:extLst>
           </p:cNvPr>
@@ -10698,14 +10883,14 @@
           <a:bodyPr/>
           <a:lstStyle/>
           <a:p>
-            <a:endParaRPr lang="en-US" dirty="0"/>
+            <a:endParaRPr lang="en-US"/>
           </a:p>
         </p:txBody>
       </p:sp>
     </p:spTree>
     <p:extLst>
       <p:ext uri="{BB962C8B-B14F-4D97-AF65-F5344CB8AC3E}">
-        <p14:creationId xmlns:p14="http://schemas.microsoft.com/office/powerpoint/2010/main" val="1608941473"/>
+        <p14:creationId xmlns:p14="http://schemas.microsoft.com/office/powerpoint/2010/main" val="4079610711"/>
       </p:ext>
     </p:extLst>
   </p:cSld>
@@ -10737,7 +10922,7 @@
           <p:cNvPr id="2" name="Title 1">
             <a:extLst>
               <a:ext uri="{FF2B5EF4-FFF2-40B4-BE49-F238E27FC236}">
-                <a16:creationId xmlns:a16="http://schemas.microsoft.com/office/drawing/2014/main" id="{9FBABDAD-57E8-41A2-B50B-0F0C1F4E6F60}"/>
+                <a16:creationId xmlns:a16="http://schemas.microsoft.com/office/drawing/2014/main" id="{36262027-BF33-4B1C-9478-81791AD91589}"/>
               </a:ext>
             </a:extLst>
           </p:cNvPr>
@@ -10755,7 +10940,15 @@
           <a:p>
             <a:r>
               <a:rPr lang="de-CH" dirty="0" err="1"/>
-              <a:t>Learnings</a:t>
+              <a:t>Contrast</a:t>
+            </a:r>
+            <a:r>
+              <a:rPr lang="de-CH" dirty="0"/>
+              <a:t> </a:t>
+            </a:r>
+            <a:r>
+              <a:rPr lang="de-CH" dirty="0" err="1"/>
+              <a:t>approaches</a:t>
             </a:r>
             <a:br>
               <a:rPr lang="de-CH" dirty="0"/>
@@ -10769,7 +10962,7 @@
           <p:cNvPr id="3" name="Content Placeholder 2">
             <a:extLst>
               <a:ext uri="{FF2B5EF4-FFF2-40B4-BE49-F238E27FC236}">
-                <a16:creationId xmlns:a16="http://schemas.microsoft.com/office/drawing/2014/main" id="{2E2948E8-3EAA-4651-ACEE-3A97178783D4}"/>
+                <a16:creationId xmlns:a16="http://schemas.microsoft.com/office/drawing/2014/main" id="{7DA777B3-D815-424E-A73C-C2D1CF60108D}"/>
               </a:ext>
             </a:extLst>
           </p:cNvPr>
@@ -10785,14 +10978,14 @@
           <a:bodyPr/>
           <a:lstStyle/>
           <a:p>
-            <a:endParaRPr lang="en-US"/>
+            <a:endParaRPr lang="en-US" dirty="0"/>
           </a:p>
         </p:txBody>
       </p:sp>
     </p:spTree>
     <p:extLst>
       <p:ext uri="{BB962C8B-B14F-4D97-AF65-F5344CB8AC3E}">
-        <p14:creationId xmlns:p14="http://schemas.microsoft.com/office/powerpoint/2010/main" val="2800151962"/>
+        <p14:creationId xmlns:p14="http://schemas.microsoft.com/office/powerpoint/2010/main" val="1608941473"/>
       </p:ext>
     </p:extLst>
   </p:cSld>
@@ -10821,6 +11014,193 @@
       </p:grpSpPr>
       <p:sp>
         <p:nvSpPr>
+          <p:cNvPr id="2" name="Titel 1">
+            <a:extLst>
+              <a:ext uri="{FF2B5EF4-FFF2-40B4-BE49-F238E27FC236}">
+                <a16:creationId xmlns:a16="http://schemas.microsoft.com/office/drawing/2014/main" id="{26D64721-2D18-1513-64DD-F728523A8896}"/>
+              </a:ext>
+            </a:extLst>
+          </p:cNvPr>
+          <p:cNvSpPr>
+            <a:spLocks noGrp="1"/>
+          </p:cNvSpPr>
+          <p:nvPr>
+            <p:ph type="title"/>
+          </p:nvPr>
+        </p:nvSpPr>
+        <p:spPr/>
+        <p:txBody>
+          <a:bodyPr/>
+          <a:lstStyle/>
+          <a:p>
+            <a:r>
+              <a:rPr lang="de-CH" dirty="0" err="1"/>
+              <a:t>Limitations</a:t>
+            </a:r>
+            <a:r>
+              <a:rPr lang="de-CH" dirty="0"/>
+              <a:t> </a:t>
+            </a:r>
+            <a:r>
+              <a:rPr lang="de-CH" dirty="0" err="1"/>
+              <a:t>of</a:t>
+            </a:r>
+            <a:r>
+              <a:rPr lang="de-CH" dirty="0"/>
+              <a:t> </a:t>
+            </a:r>
+            <a:r>
+              <a:rPr lang="de-CH" dirty="0" err="1"/>
+              <a:t>approach</a:t>
+            </a:r>
+            <a:endParaRPr lang="de-CH" dirty="0"/>
+          </a:p>
+        </p:txBody>
+      </p:sp>
+      <p:sp>
+        <p:nvSpPr>
+          <p:cNvPr id="3" name="Inhaltsplatzhalter 2">
+            <a:extLst>
+              <a:ext uri="{FF2B5EF4-FFF2-40B4-BE49-F238E27FC236}">
+                <a16:creationId xmlns:a16="http://schemas.microsoft.com/office/drawing/2014/main" id="{398B9ADA-9FB8-2F8B-5F36-AA300ED16F67}"/>
+              </a:ext>
+            </a:extLst>
+          </p:cNvPr>
+          <p:cNvSpPr>
+            <a:spLocks noGrp="1"/>
+          </p:cNvSpPr>
+          <p:nvPr>
+            <p:ph idx="1"/>
+          </p:nvPr>
+        </p:nvSpPr>
+        <p:spPr/>
+        <p:txBody>
+          <a:bodyPr/>
+          <a:lstStyle/>
+          <a:p>
+            <a:endParaRPr lang="de-CH"/>
+          </a:p>
+        </p:txBody>
+      </p:sp>
+    </p:spTree>
+    <p:extLst>
+      <p:ext uri="{BB962C8B-B14F-4D97-AF65-F5344CB8AC3E}">
+        <p14:creationId xmlns:p14="http://schemas.microsoft.com/office/powerpoint/2010/main" val="2671724893"/>
+      </p:ext>
+    </p:extLst>
+  </p:cSld>
+  <p:clrMapOvr>
+    <a:masterClrMapping/>
+  </p:clrMapOvr>
+</p:sld>
+</file>
+
+<file path=ppt/slides/slide24.xml><?xml version="1.0" encoding="utf-8"?>
+<p:sld xmlns:a="http://schemas.openxmlformats.org/drawingml/2006/main" xmlns:r="http://schemas.openxmlformats.org/officeDocument/2006/relationships" xmlns:p="http://schemas.openxmlformats.org/presentationml/2006/main">
+  <p:cSld>
+    <p:spTree>
+      <p:nvGrpSpPr>
+        <p:cNvPr id="1" name=""/>
+        <p:cNvGrpSpPr/>
+        <p:nvPr/>
+      </p:nvGrpSpPr>
+      <p:grpSpPr>
+        <a:xfrm>
+          <a:off x="0" y="0"/>
+          <a:ext cx="0" cy="0"/>
+          <a:chOff x="0" y="0"/>
+          <a:chExt cx="0" cy="0"/>
+        </a:xfrm>
+      </p:grpSpPr>
+      <p:sp>
+        <p:nvSpPr>
+          <p:cNvPr id="2" name="Title 1">
+            <a:extLst>
+              <a:ext uri="{FF2B5EF4-FFF2-40B4-BE49-F238E27FC236}">
+                <a16:creationId xmlns:a16="http://schemas.microsoft.com/office/drawing/2014/main" id="{9FBABDAD-57E8-41A2-B50B-0F0C1F4E6F60}"/>
+              </a:ext>
+            </a:extLst>
+          </p:cNvPr>
+          <p:cNvSpPr>
+            <a:spLocks noGrp="1"/>
+          </p:cNvSpPr>
+          <p:nvPr>
+            <p:ph type="title"/>
+          </p:nvPr>
+        </p:nvSpPr>
+        <p:spPr/>
+        <p:txBody>
+          <a:bodyPr/>
+          <a:lstStyle/>
+          <a:p>
+            <a:r>
+              <a:rPr lang="de-CH" dirty="0" err="1"/>
+              <a:t>Learnings</a:t>
+            </a:r>
+            <a:br>
+              <a:rPr lang="de-CH" dirty="0"/>
+            </a:br>
+            <a:endParaRPr lang="en-US" dirty="0"/>
+          </a:p>
+        </p:txBody>
+      </p:sp>
+      <p:sp>
+        <p:nvSpPr>
+          <p:cNvPr id="3" name="Content Placeholder 2">
+            <a:extLst>
+              <a:ext uri="{FF2B5EF4-FFF2-40B4-BE49-F238E27FC236}">
+                <a16:creationId xmlns:a16="http://schemas.microsoft.com/office/drawing/2014/main" id="{2E2948E8-3EAA-4651-ACEE-3A97178783D4}"/>
+              </a:ext>
+            </a:extLst>
+          </p:cNvPr>
+          <p:cNvSpPr>
+            <a:spLocks noGrp="1"/>
+          </p:cNvSpPr>
+          <p:nvPr>
+            <p:ph idx="1"/>
+          </p:nvPr>
+        </p:nvSpPr>
+        <p:spPr/>
+        <p:txBody>
+          <a:bodyPr/>
+          <a:lstStyle/>
+          <a:p>
+            <a:endParaRPr lang="en-US"/>
+          </a:p>
+        </p:txBody>
+      </p:sp>
+    </p:spTree>
+    <p:extLst>
+      <p:ext uri="{BB962C8B-B14F-4D97-AF65-F5344CB8AC3E}">
+        <p14:creationId xmlns:p14="http://schemas.microsoft.com/office/powerpoint/2010/main" val="2800151962"/>
+      </p:ext>
+    </p:extLst>
+  </p:cSld>
+  <p:clrMapOvr>
+    <a:masterClrMapping/>
+  </p:clrMapOvr>
+</p:sld>
+</file>
+
+<file path=ppt/slides/slide25.xml><?xml version="1.0" encoding="utf-8"?>
+<p:sld xmlns:a="http://schemas.openxmlformats.org/drawingml/2006/main" xmlns:r="http://schemas.openxmlformats.org/officeDocument/2006/relationships" xmlns:p="http://schemas.openxmlformats.org/presentationml/2006/main">
+  <p:cSld>
+    <p:spTree>
+      <p:nvGrpSpPr>
+        <p:cNvPr id="1" name=""/>
+        <p:cNvGrpSpPr/>
+        <p:nvPr/>
+      </p:nvGrpSpPr>
+      <p:grpSpPr>
+        <a:xfrm>
+          <a:off x="0" y="0"/>
+          <a:ext cx="0" cy="0"/>
+          <a:chOff x="0" y="0"/>
+          <a:chExt cx="0" cy="0"/>
+        </a:xfrm>
+      </p:grpSpPr>
+      <p:sp>
+        <p:nvSpPr>
           <p:cNvPr id="2" name="Title 1">
             <a:extLst>
               <a:ext uri="{FF2B5EF4-FFF2-40B4-BE49-F238E27FC236}">
@@ -10889,7 +11269,7 @@
 </p:sld>
 </file>
 
-<file path=ppt/slides/slide24.xml><?xml version="1.0" encoding="utf-8"?>
+<file path=ppt/slides/slide26.xml><?xml version="1.0" encoding="utf-8"?>
 <p:sld xmlns:a="http://schemas.openxmlformats.org/drawingml/2006/main" xmlns:r="http://schemas.openxmlformats.org/officeDocument/2006/relationships" xmlns:p="http://schemas.openxmlformats.org/presentationml/2006/main">
   <p:cSld>
     <p:spTree>
@@ -11012,7 +11392,7 @@
         <p:spPr/>
         <p:txBody>
           <a:bodyPr>
-            <a:normAutofit lnSpcReduction="10000"/>
+            <a:normAutofit fontScale="92500" lnSpcReduction="20000"/>
           </a:bodyPr>
           <a:lstStyle/>
           <a:p>
@@ -11173,6 +11553,29 @@
             <a:r>
               <a:rPr lang="de-CH" dirty="0" err="1"/>
               <a:t>approaches</a:t>
+            </a:r>
+            <a:endParaRPr lang="de-CH" dirty="0"/>
+          </a:p>
+          <a:p>
+            <a:r>
+              <a:rPr lang="de-CH" dirty="0" err="1"/>
+              <a:t>Limitations</a:t>
+            </a:r>
+            <a:r>
+              <a:rPr lang="de-CH" dirty="0"/>
+              <a:t> </a:t>
+            </a:r>
+            <a:r>
+              <a:rPr lang="de-CH" dirty="0" err="1"/>
+              <a:t>of</a:t>
+            </a:r>
+            <a:r>
+              <a:rPr lang="de-CH" dirty="0"/>
+              <a:t> </a:t>
+            </a:r>
+            <a:r>
+              <a:rPr lang="de-CH" dirty="0" err="1"/>
+              <a:t>approach</a:t>
             </a:r>
             <a:endParaRPr lang="de-CH" dirty="0"/>
           </a:p>
@@ -12586,6 +12989,14 @@
             </a:r>
             <a:r>
               <a:rPr lang="de-CH" dirty="0" err="1"/>
+              <a:t>customized</a:t>
+            </a:r>
+            <a:r>
+              <a:rPr lang="de-CH" dirty="0"/>
+              <a:t> </a:t>
+            </a:r>
+            <a:r>
+              <a:rPr lang="de-CH" dirty="0" err="1"/>
               <a:t>preprocessing</a:t>
             </a:r>
             <a:r>
@@ -12620,7 +13031,7 @@
         </p:blipFill>
         <p:spPr>
           <a:xfrm>
-            <a:off x="990600" y="1928480"/>
+            <a:off x="914885" y="2510900"/>
             <a:ext cx="7388482" cy="3579691"/>
           </a:xfrm>
         </p:spPr>
@@ -12744,6 +13155,14 @@
             </a:r>
             <a:r>
               <a:rPr lang="de-CH" dirty="0" err="1"/>
+              <a:t>customized</a:t>
+            </a:r>
+            <a:r>
+              <a:rPr lang="de-CH" dirty="0"/>
+              <a:t> </a:t>
+            </a:r>
+            <a:r>
+              <a:rPr lang="de-CH" dirty="0" err="1"/>
               <a:t>preprocessing</a:t>
             </a:r>
             <a:r>
@@ -12776,7 +13195,7 @@
         </p:blipFill>
         <p:spPr>
           <a:xfrm>
-            <a:off x="814785" y="2074690"/>
+            <a:off x="820610" y="2474430"/>
             <a:ext cx="7912507" cy="3930852"/>
           </a:xfrm>
           <a:prstGeom prst="rect">

--- a/CAS NLP Module 4_jd_bb.pptx
+++ b/CAS NLP Module 4_jd_bb.pptx
@@ -5,7 +5,7 @@
     <p:sldMasterId id="2147483660" r:id="rId1"/>
   </p:sldMasterIdLst>
   <p:notesMasterIdLst>
-    <p:notesMasterId r:id="rId28"/>
+    <p:notesMasterId r:id="rId29"/>
   </p:notesMasterIdLst>
   <p:sldIdLst>
     <p:sldId id="256" r:id="rId2"/>
@@ -27,13 +27,14 @@
     <p:sldId id="272" r:id="rId18"/>
     <p:sldId id="262" r:id="rId19"/>
     <p:sldId id="284" r:id="rId20"/>
-    <p:sldId id="263" r:id="rId21"/>
-    <p:sldId id="264" r:id="rId22"/>
-    <p:sldId id="265" r:id="rId23"/>
-    <p:sldId id="283" r:id="rId24"/>
-    <p:sldId id="266" r:id="rId25"/>
-    <p:sldId id="267" r:id="rId26"/>
-    <p:sldId id="268" r:id="rId27"/>
+    <p:sldId id="285" r:id="rId21"/>
+    <p:sldId id="263" r:id="rId22"/>
+    <p:sldId id="264" r:id="rId23"/>
+    <p:sldId id="265" r:id="rId24"/>
+    <p:sldId id="283" r:id="rId25"/>
+    <p:sldId id="266" r:id="rId26"/>
+    <p:sldId id="267" r:id="rId27"/>
+    <p:sldId id="268" r:id="rId28"/>
   </p:sldIdLst>
   <p:sldSz cx="12192000" cy="6858000"/>
   <p:notesSz cx="6858000" cy="9144000"/>
@@ -10729,10 +10730,10 @@
       </p:grpSpPr>
       <p:sp>
         <p:nvSpPr>
-          <p:cNvPr id="2" name="Title 1">
+          <p:cNvPr id="2" name="Titel 1">
             <a:extLst>
               <a:ext uri="{FF2B5EF4-FFF2-40B4-BE49-F238E27FC236}">
-                <a16:creationId xmlns:a16="http://schemas.microsoft.com/office/drawing/2014/main" id="{20AB11EB-9845-4ED2-AE25-552596FDA2CC}"/>
+                <a16:creationId xmlns:a16="http://schemas.microsoft.com/office/drawing/2014/main" id="{8441006C-17D4-7096-F36B-8BA6EE5FF8C0}"/>
               </a:ext>
             </a:extLst>
           </p:cNvPr>
@@ -10749,12 +10750,8 @@
           <a:lstStyle/>
           <a:p>
             <a:r>
-              <a:rPr lang="de-CH" dirty="0"/>
-              <a:t>Test </a:t>
-            </a:r>
-            <a:r>
-              <a:rPr lang="de-CH" dirty="0" err="1"/>
-              <a:t>the</a:t>
+              <a:rPr lang="de-CH" dirty="0" err="1"/>
+              <a:t>Evaluate</a:t>
             </a:r>
             <a:r>
               <a:rPr lang="de-CH" dirty="0"/>
@@ -10766,21 +10763,22 @@
             </a:r>
             <a:r>
               <a:rPr lang="de-CH" dirty="0"/>
-              <a:t> in DE, FR and IT</a:t>
-            </a:r>
-            <a:br>
-              <a:rPr lang="de-CH" dirty="0"/>
-            </a:br>
-            <a:endParaRPr lang="en-US" dirty="0"/>
-          </a:p>
-        </p:txBody>
-      </p:sp>
-      <p:sp>
-        <p:nvSpPr>
-          <p:cNvPr id="3" name="Content Placeholder 2">
+              <a:t> on EN </a:t>
+            </a:r>
+            <a:r>
+              <a:rPr lang="de-CH" dirty="0" err="1"/>
+              <a:t>dataset</a:t>
+            </a:r>
+            <a:endParaRPr lang="de-CH" dirty="0"/>
+          </a:p>
+        </p:txBody>
+      </p:sp>
+      <p:sp>
+        <p:nvSpPr>
+          <p:cNvPr id="10" name="Inhaltsplatzhalter 9">
             <a:extLst>
               <a:ext uri="{FF2B5EF4-FFF2-40B4-BE49-F238E27FC236}">
-                <a16:creationId xmlns:a16="http://schemas.microsoft.com/office/drawing/2014/main" id="{390FB31B-FE28-431F-9E4D-81A0F209F1AA}"/>
+                <a16:creationId xmlns:a16="http://schemas.microsoft.com/office/drawing/2014/main" id="{17823055-0905-7193-D2DB-5352CE212132}"/>
               </a:ext>
             </a:extLst>
           </p:cNvPr>
@@ -10796,14 +10794,73 @@
           <a:bodyPr/>
           <a:lstStyle/>
           <a:p>
-            <a:endParaRPr lang="en-US"/>
-          </a:p>
-        </p:txBody>
-      </p:sp>
+            <a:r>
+              <a:rPr lang="de-CH" dirty="0"/>
+              <a:t>Create </a:t>
+            </a:r>
+            <a:r>
+              <a:rPr lang="de-CH" dirty="0" err="1"/>
+              <a:t>data</a:t>
+            </a:r>
+            <a:r>
+              <a:rPr lang="de-CH" dirty="0"/>
+              <a:t> </a:t>
+            </a:r>
+            <a:r>
+              <a:rPr lang="de-CH" dirty="0" err="1"/>
+              <a:t>loader</a:t>
+            </a:r>
+            <a:endParaRPr lang="de-CH" dirty="0"/>
+          </a:p>
+          <a:p>
+            <a:r>
+              <a:rPr lang="en-US" dirty="0"/>
+              <a:t>Padding sequences to the maximum length in the batch</a:t>
+            </a:r>
+          </a:p>
+          <a:p>
+            <a:r>
+              <a:rPr lang="en-US" dirty="0"/>
+              <a:t>Classification report</a:t>
+            </a:r>
+            <a:endParaRPr lang="de-CH" dirty="0"/>
+          </a:p>
+        </p:txBody>
+      </p:sp>
+      <p:pic>
+        <p:nvPicPr>
+          <p:cNvPr id="11" name="Inhaltsplatzhalter 4">
+            <a:extLst>
+              <a:ext uri="{FF2B5EF4-FFF2-40B4-BE49-F238E27FC236}">
+                <a16:creationId xmlns:a16="http://schemas.microsoft.com/office/drawing/2014/main" id="{D7051BE4-3721-AA31-E3CC-ED3EFB0AC9AB}"/>
+              </a:ext>
+            </a:extLst>
+          </p:cNvPr>
+          <p:cNvPicPr>
+            <a:picLocks noChangeAspect="1"/>
+          </p:cNvPicPr>
+          <p:nvPr/>
+        </p:nvPicPr>
+        <p:blipFill>
+          <a:blip r:embed="rId2"/>
+          <a:stretch>
+            <a:fillRect/>
+          </a:stretch>
+        </p:blipFill>
+        <p:spPr>
+          <a:xfrm>
+            <a:off x="2564544" y="3738707"/>
+            <a:ext cx="4953036" cy="1733563"/>
+          </a:xfrm>
+          <a:prstGeom prst="rect">
+            <a:avLst/>
+          </a:prstGeom>
+        </p:spPr>
+      </p:pic>
     </p:spTree>
     <p:extLst>
       <p:ext uri="{BB962C8B-B14F-4D97-AF65-F5344CB8AC3E}">
-        <p14:creationId xmlns:p14="http://schemas.microsoft.com/office/powerpoint/2010/main" val="846595895"/>
+        <p14:creationId xmlns:p14="http://schemas.microsoft.com/office/powerpoint/2010/main" val="450881614"/>
       </p:ext>
     </p:extLst>
   </p:cSld>
@@ -10835,7 +10892,7 @@
           <p:cNvPr id="2" name="Title 1">
             <a:extLst>
               <a:ext uri="{FF2B5EF4-FFF2-40B4-BE49-F238E27FC236}">
-                <a16:creationId xmlns:a16="http://schemas.microsoft.com/office/drawing/2014/main" id="{0913BBCD-948C-44D6-9FAF-BA651248C8F9}"/>
+                <a16:creationId xmlns:a16="http://schemas.microsoft.com/office/drawing/2014/main" id="{20AB11EB-9845-4ED2-AE25-552596FDA2CC}"/>
               </a:ext>
             </a:extLst>
           </p:cNvPr>
@@ -10853,7 +10910,27 @@
           <a:p>
             <a:r>
               <a:rPr lang="de-CH" dirty="0" err="1"/>
-              <a:t>Results</a:t>
+              <a:t>Evaluate</a:t>
+            </a:r>
+            <a:r>
+              <a:rPr lang="de-CH" dirty="0"/>
+              <a:t> </a:t>
+            </a:r>
+            <a:r>
+              <a:rPr lang="de-CH" dirty="0" err="1"/>
+              <a:t>the</a:t>
+            </a:r>
+            <a:r>
+              <a:rPr lang="de-CH" dirty="0"/>
+              <a:t> </a:t>
+            </a:r>
+            <a:r>
+              <a:rPr lang="de-CH" dirty="0" err="1"/>
+              <a:t>model</a:t>
+            </a:r>
+            <a:r>
+              <a:rPr lang="de-CH" dirty="0"/>
+              <a:t> in DE, FR and IT</a:t>
             </a:r>
             <a:br>
               <a:rPr lang="de-CH" dirty="0"/>
@@ -10867,7 +10944,7 @@
           <p:cNvPr id="3" name="Content Placeholder 2">
             <a:extLst>
               <a:ext uri="{FF2B5EF4-FFF2-40B4-BE49-F238E27FC236}">
-                <a16:creationId xmlns:a16="http://schemas.microsoft.com/office/drawing/2014/main" id="{CD2C2720-0DE9-46D1-9C59-6F205CB75879}"/>
+                <a16:creationId xmlns:a16="http://schemas.microsoft.com/office/drawing/2014/main" id="{390FB31B-FE28-431F-9E4D-81A0F209F1AA}"/>
               </a:ext>
             </a:extLst>
           </p:cNvPr>
@@ -10883,14 +10960,140 @@
           <a:bodyPr/>
           <a:lstStyle/>
           <a:p>
-            <a:endParaRPr lang="en-US"/>
-          </a:p>
-        </p:txBody>
-      </p:sp>
+            <a:r>
+              <a:rPr lang="en-US" dirty="0"/>
+              <a:t>DE</a:t>
+            </a:r>
+          </a:p>
+          <a:p>
+            <a:pPr marL="0" indent="0">
+              <a:buNone/>
+            </a:pPr>
+            <a:endParaRPr lang="en-US" dirty="0"/>
+          </a:p>
+          <a:p>
+            <a:endParaRPr lang="en-US" dirty="0"/>
+          </a:p>
+          <a:p>
+            <a:r>
+              <a:rPr lang="en-US" dirty="0"/>
+              <a:t>FR</a:t>
+            </a:r>
+          </a:p>
+          <a:p>
+            <a:endParaRPr lang="en-US" dirty="0"/>
+          </a:p>
+          <a:p>
+            <a:pPr marL="0" indent="0">
+              <a:buNone/>
+            </a:pPr>
+            <a:endParaRPr lang="en-US" dirty="0"/>
+          </a:p>
+          <a:p>
+            <a:r>
+              <a:rPr lang="en-US" dirty="0"/>
+              <a:t>IT </a:t>
+            </a:r>
+          </a:p>
+          <a:p>
+            <a:endParaRPr lang="en-US" dirty="0"/>
+          </a:p>
+        </p:txBody>
+      </p:sp>
+      <p:pic>
+        <p:nvPicPr>
+          <p:cNvPr id="5" name="Grafik 4">
+            <a:extLst>
+              <a:ext uri="{FF2B5EF4-FFF2-40B4-BE49-F238E27FC236}">
+                <a16:creationId xmlns:a16="http://schemas.microsoft.com/office/drawing/2014/main" id="{4FB69655-7600-B38B-012E-3AE13D215556}"/>
+              </a:ext>
+            </a:extLst>
+          </p:cNvPr>
+          <p:cNvPicPr>
+            <a:picLocks noChangeAspect="1"/>
+          </p:cNvPicPr>
+          <p:nvPr/>
+        </p:nvPicPr>
+        <p:blipFill>
+          <a:blip r:embed="rId2"/>
+          <a:stretch>
+            <a:fillRect/>
+          </a:stretch>
+        </p:blipFill>
+        <p:spPr>
+          <a:xfrm>
+            <a:off x="4618827" y="1124402"/>
+            <a:ext cx="4287487" cy="1722246"/>
+          </a:xfrm>
+          <a:prstGeom prst="rect">
+            <a:avLst/>
+          </a:prstGeom>
+        </p:spPr>
+      </p:pic>
+      <p:pic>
+        <p:nvPicPr>
+          <p:cNvPr id="7" name="Grafik 6">
+            <a:extLst>
+              <a:ext uri="{FF2B5EF4-FFF2-40B4-BE49-F238E27FC236}">
+                <a16:creationId xmlns:a16="http://schemas.microsoft.com/office/drawing/2014/main" id="{1A8CBFB0-93D1-D43F-DF56-BF2CD0FE6685}"/>
+              </a:ext>
+            </a:extLst>
+          </p:cNvPr>
+          <p:cNvPicPr>
+            <a:picLocks noChangeAspect="1"/>
+          </p:cNvPicPr>
+          <p:nvPr/>
+        </p:nvPicPr>
+        <p:blipFill>
+          <a:blip r:embed="rId3"/>
+          <a:stretch>
+            <a:fillRect/>
+          </a:stretch>
+        </p:blipFill>
+        <p:spPr>
+          <a:xfrm>
+            <a:off x="4585489" y="2903718"/>
+            <a:ext cx="4372007" cy="1733563"/>
+          </a:xfrm>
+          <a:prstGeom prst="rect">
+            <a:avLst/>
+          </a:prstGeom>
+        </p:spPr>
+      </p:pic>
+      <p:pic>
+        <p:nvPicPr>
+          <p:cNvPr id="9" name="Grafik 8">
+            <a:extLst>
+              <a:ext uri="{FF2B5EF4-FFF2-40B4-BE49-F238E27FC236}">
+                <a16:creationId xmlns:a16="http://schemas.microsoft.com/office/drawing/2014/main" id="{92E1C881-04BE-D88F-BC19-69BF2223F652}"/>
+              </a:ext>
+            </a:extLst>
+          </p:cNvPr>
+          <p:cNvPicPr>
+            <a:picLocks noChangeAspect="1"/>
+          </p:cNvPicPr>
+          <p:nvPr/>
+        </p:nvPicPr>
+        <p:blipFill>
+          <a:blip r:embed="rId4"/>
+          <a:stretch>
+            <a:fillRect/>
+          </a:stretch>
+        </p:blipFill>
+        <p:spPr>
+          <a:xfrm>
+            <a:off x="4552152" y="4666881"/>
+            <a:ext cx="4438682" cy="1781188"/>
+          </a:xfrm>
+          <a:prstGeom prst="rect">
+            <a:avLst/>
+          </a:prstGeom>
+        </p:spPr>
+      </p:pic>
     </p:spTree>
     <p:extLst>
       <p:ext uri="{BB962C8B-B14F-4D97-AF65-F5344CB8AC3E}">
-        <p14:creationId xmlns:p14="http://schemas.microsoft.com/office/powerpoint/2010/main" val="4079610711"/>
+        <p14:creationId xmlns:p14="http://schemas.microsoft.com/office/powerpoint/2010/main" val="846595895"/>
       </p:ext>
     </p:extLst>
   </p:cSld>
@@ -10922,7 +11125,7 @@
           <p:cNvPr id="2" name="Title 1">
             <a:extLst>
               <a:ext uri="{FF2B5EF4-FFF2-40B4-BE49-F238E27FC236}">
-                <a16:creationId xmlns:a16="http://schemas.microsoft.com/office/drawing/2014/main" id="{36262027-BF33-4B1C-9478-81791AD91589}"/>
+                <a16:creationId xmlns:a16="http://schemas.microsoft.com/office/drawing/2014/main" id="{0913BBCD-948C-44D6-9FAF-BA651248C8F9}"/>
               </a:ext>
             </a:extLst>
           </p:cNvPr>
@@ -10940,15 +11143,19 @@
           <a:p>
             <a:r>
               <a:rPr lang="de-CH" dirty="0" err="1"/>
-              <a:t>Contrast</a:t>
-            </a:r>
-            <a:r>
-              <a:rPr lang="de-CH" dirty="0"/>
-              <a:t> </a:t>
-            </a:r>
-            <a:r>
-              <a:rPr lang="de-CH" dirty="0" err="1"/>
-              <a:t>approaches</a:t>
+              <a:t>Results</a:t>
+            </a:r>
+            <a:r>
+              <a:rPr lang="de-CH" dirty="0"/>
+              <a:t> (</a:t>
+            </a:r>
+            <a:r>
+              <a:rPr lang="de-CH" dirty="0" err="1"/>
+              <a:t>be</a:t>
+            </a:r>
+            <a:r>
+              <a:rPr lang="de-CH" dirty="0"/>
+              <a:t>)</a:t>
             </a:r>
             <a:br>
               <a:rPr lang="de-CH" dirty="0"/>
@@ -10959,10 +11166,10 @@
       </p:sp>
       <p:sp>
         <p:nvSpPr>
-          <p:cNvPr id="3" name="Content Placeholder 2">
+          <p:cNvPr id="7" name="Inhaltsplatzhalter 6">
             <a:extLst>
               <a:ext uri="{FF2B5EF4-FFF2-40B4-BE49-F238E27FC236}">
-                <a16:creationId xmlns:a16="http://schemas.microsoft.com/office/drawing/2014/main" id="{7DA777B3-D815-424E-A73C-C2D1CF60108D}"/>
+                <a16:creationId xmlns:a16="http://schemas.microsoft.com/office/drawing/2014/main" id="{639653A5-8A1D-9C8E-F2B7-D4447928D14E}"/>
               </a:ext>
             </a:extLst>
           </p:cNvPr>
@@ -10973,19 +11180,27 @@
             <p:ph idx="1"/>
           </p:nvPr>
         </p:nvSpPr>
-        <p:spPr/>
+        <p:spPr>
+          <a:xfrm>
+            <a:off x="1103312" y="2539353"/>
+            <a:ext cx="8946541" cy="3709046"/>
+          </a:xfrm>
+        </p:spPr>
         <p:txBody>
           <a:bodyPr/>
           <a:lstStyle/>
           <a:p>
-            <a:endParaRPr lang="en-US" dirty="0"/>
+            <a:pPr marL="0" indent="0">
+              <a:buNone/>
+            </a:pPr>
+            <a:endParaRPr lang="de-CH" dirty="0"/>
           </a:p>
         </p:txBody>
       </p:sp>
     </p:spTree>
     <p:extLst>
       <p:ext uri="{BB962C8B-B14F-4D97-AF65-F5344CB8AC3E}">
-        <p14:creationId xmlns:p14="http://schemas.microsoft.com/office/powerpoint/2010/main" val="1608941473"/>
+        <p14:creationId xmlns:p14="http://schemas.microsoft.com/office/powerpoint/2010/main" val="4079610711"/>
       </p:ext>
     </p:extLst>
   </p:cSld>
@@ -11014,10 +11229,10 @@
       </p:grpSpPr>
       <p:sp>
         <p:nvSpPr>
-          <p:cNvPr id="2" name="Titel 1">
+          <p:cNvPr id="2" name="Title 1">
             <a:extLst>
               <a:ext uri="{FF2B5EF4-FFF2-40B4-BE49-F238E27FC236}">
-                <a16:creationId xmlns:a16="http://schemas.microsoft.com/office/drawing/2014/main" id="{26D64721-2D18-1513-64DD-F728523A8896}"/>
+                <a16:creationId xmlns:a16="http://schemas.microsoft.com/office/drawing/2014/main" id="{36262027-BF33-4B1C-9478-81791AD91589}"/>
               </a:ext>
             </a:extLst>
           </p:cNvPr>
@@ -11035,34 +11250,41 @@
           <a:p>
             <a:r>
               <a:rPr lang="de-CH" dirty="0" err="1"/>
-              <a:t>Limitations</a:t>
-            </a:r>
-            <a:r>
-              <a:rPr lang="de-CH" dirty="0"/>
-              <a:t> </a:t>
-            </a:r>
-            <a:r>
-              <a:rPr lang="de-CH" dirty="0" err="1"/>
-              <a:t>of</a:t>
-            </a:r>
-            <a:r>
-              <a:rPr lang="de-CH" dirty="0"/>
-              <a:t> </a:t>
-            </a:r>
-            <a:r>
-              <a:rPr lang="de-CH" dirty="0" err="1"/>
-              <a:t>approach</a:t>
-            </a:r>
-            <a:endParaRPr lang="de-CH" dirty="0"/>
-          </a:p>
-        </p:txBody>
-      </p:sp>
-      <p:sp>
-        <p:nvSpPr>
-          <p:cNvPr id="3" name="Inhaltsplatzhalter 2">
+              <a:t>Contrast</a:t>
+            </a:r>
+            <a:r>
+              <a:rPr lang="de-CH" dirty="0"/>
+              <a:t> </a:t>
+            </a:r>
+            <a:r>
+              <a:rPr lang="de-CH" dirty="0" err="1"/>
+              <a:t>approaches</a:t>
+            </a:r>
+            <a:r>
+              <a:rPr lang="de-CH" dirty="0"/>
+              <a:t> (</a:t>
+            </a:r>
+            <a:r>
+              <a:rPr lang="de-CH" dirty="0" err="1"/>
+              <a:t>ju</a:t>
+            </a:r>
+            <a:r>
+              <a:rPr lang="de-CH" dirty="0"/>
+              <a:t>)</a:t>
+            </a:r>
+            <a:br>
+              <a:rPr lang="de-CH" dirty="0"/>
+            </a:br>
+            <a:endParaRPr lang="en-US" dirty="0"/>
+          </a:p>
+        </p:txBody>
+      </p:sp>
+      <p:sp>
+        <p:nvSpPr>
+          <p:cNvPr id="3" name="Content Placeholder 2">
             <a:extLst>
               <a:ext uri="{FF2B5EF4-FFF2-40B4-BE49-F238E27FC236}">
-                <a16:creationId xmlns:a16="http://schemas.microsoft.com/office/drawing/2014/main" id="{398B9ADA-9FB8-2F8B-5F36-AA300ED16F67}"/>
+                <a16:creationId xmlns:a16="http://schemas.microsoft.com/office/drawing/2014/main" id="{7DA777B3-D815-424E-A73C-C2D1CF60108D}"/>
               </a:ext>
             </a:extLst>
           </p:cNvPr>
@@ -11078,14 +11300,14 @@
           <a:bodyPr/>
           <a:lstStyle/>
           <a:p>
-            <a:endParaRPr lang="de-CH"/>
+            <a:endParaRPr lang="en-US" dirty="0"/>
           </a:p>
         </p:txBody>
       </p:sp>
     </p:spTree>
     <p:extLst>
       <p:ext uri="{BB962C8B-B14F-4D97-AF65-F5344CB8AC3E}">
-        <p14:creationId xmlns:p14="http://schemas.microsoft.com/office/powerpoint/2010/main" val="2671724893"/>
+        <p14:creationId xmlns:p14="http://schemas.microsoft.com/office/powerpoint/2010/main" val="1608941473"/>
       </p:ext>
     </p:extLst>
   </p:cSld>
@@ -11114,10 +11336,10 @@
       </p:grpSpPr>
       <p:sp>
         <p:nvSpPr>
-          <p:cNvPr id="2" name="Title 1">
+          <p:cNvPr id="2" name="Titel 1">
             <a:extLst>
               <a:ext uri="{FF2B5EF4-FFF2-40B4-BE49-F238E27FC236}">
-                <a16:creationId xmlns:a16="http://schemas.microsoft.com/office/drawing/2014/main" id="{9FBABDAD-57E8-41A2-B50B-0F0C1F4E6F60}"/>
+                <a16:creationId xmlns:a16="http://schemas.microsoft.com/office/drawing/2014/main" id="{26D64721-2D18-1513-64DD-F728523A8896}"/>
               </a:ext>
             </a:extLst>
           </p:cNvPr>
@@ -11135,21 +11357,53 @@
           <a:p>
             <a:r>
               <a:rPr lang="de-CH" dirty="0" err="1"/>
-              <a:t>Learnings</a:t>
-            </a:r>
-            <a:br>
-              <a:rPr lang="de-CH" dirty="0"/>
-            </a:br>
-            <a:endParaRPr lang="en-US" dirty="0"/>
-          </a:p>
-        </p:txBody>
-      </p:sp>
-      <p:sp>
-        <p:nvSpPr>
-          <p:cNvPr id="3" name="Content Placeholder 2">
+              <a:t>Limitations</a:t>
+            </a:r>
+            <a:r>
+              <a:rPr lang="de-CH" dirty="0"/>
+              <a:t> </a:t>
+            </a:r>
+            <a:r>
+              <a:rPr lang="de-CH" dirty="0" err="1"/>
+              <a:t>of</a:t>
+            </a:r>
+            <a:r>
+              <a:rPr lang="de-CH" dirty="0"/>
+              <a:t> </a:t>
+            </a:r>
+            <a:r>
+              <a:rPr lang="de-CH" dirty="0" err="1"/>
+              <a:t>approach</a:t>
+            </a:r>
+            <a:r>
+              <a:rPr lang="de-CH" dirty="0"/>
+              <a:t> (</a:t>
+            </a:r>
+            <a:r>
+              <a:rPr lang="de-CH" dirty="0" err="1"/>
+              <a:t>be</a:t>
+            </a:r>
+            <a:r>
+              <a:rPr lang="de-CH" dirty="0"/>
+              <a:t>, </a:t>
+            </a:r>
+            <a:r>
+              <a:rPr lang="de-CH" dirty="0" err="1"/>
+              <a:t>ju</a:t>
+            </a:r>
+            <a:r>
+              <a:rPr lang="de-CH" dirty="0"/>
+              <a:t>)</a:t>
+            </a:r>
+          </a:p>
+        </p:txBody>
+      </p:sp>
+      <p:sp>
+        <p:nvSpPr>
+          <p:cNvPr id="3" name="Inhaltsplatzhalter 2">
             <a:extLst>
               <a:ext uri="{FF2B5EF4-FFF2-40B4-BE49-F238E27FC236}">
-                <a16:creationId xmlns:a16="http://schemas.microsoft.com/office/drawing/2014/main" id="{2E2948E8-3EAA-4651-ACEE-3A97178783D4}"/>
+                <a16:creationId xmlns:a16="http://schemas.microsoft.com/office/drawing/2014/main" id="{398B9ADA-9FB8-2F8B-5F36-AA300ED16F67}"/>
               </a:ext>
             </a:extLst>
           </p:cNvPr>
@@ -11165,14 +11419,14 @@
           <a:bodyPr/>
           <a:lstStyle/>
           <a:p>
-            <a:endParaRPr lang="en-US"/>
+            <a:endParaRPr lang="de-CH"/>
           </a:p>
         </p:txBody>
       </p:sp>
     </p:spTree>
     <p:extLst>
       <p:ext uri="{BB962C8B-B14F-4D97-AF65-F5344CB8AC3E}">
-        <p14:creationId xmlns:p14="http://schemas.microsoft.com/office/powerpoint/2010/main" val="2800151962"/>
+        <p14:creationId xmlns:p14="http://schemas.microsoft.com/office/powerpoint/2010/main" val="2671724893"/>
       </p:ext>
     </p:extLst>
   </p:cSld>
@@ -11204,6 +11458,113 @@
           <p:cNvPr id="2" name="Title 1">
             <a:extLst>
               <a:ext uri="{FF2B5EF4-FFF2-40B4-BE49-F238E27FC236}">
+                <a16:creationId xmlns:a16="http://schemas.microsoft.com/office/drawing/2014/main" id="{9FBABDAD-57E8-41A2-B50B-0F0C1F4E6F60}"/>
+              </a:ext>
+            </a:extLst>
+          </p:cNvPr>
+          <p:cNvSpPr>
+            <a:spLocks noGrp="1"/>
+          </p:cNvSpPr>
+          <p:nvPr>
+            <p:ph type="title"/>
+          </p:nvPr>
+        </p:nvSpPr>
+        <p:spPr/>
+        <p:txBody>
+          <a:bodyPr/>
+          <a:lstStyle/>
+          <a:p>
+            <a:r>
+              <a:rPr lang="de-CH" dirty="0" err="1"/>
+              <a:t>Learnings</a:t>
+            </a:r>
+            <a:r>
+              <a:rPr lang="de-CH" dirty="0"/>
+              <a:t> (</a:t>
+            </a:r>
+            <a:r>
+              <a:rPr lang="de-CH" dirty="0" err="1"/>
+              <a:t>be</a:t>
+            </a:r>
+            <a:r>
+              <a:rPr lang="de-CH" dirty="0"/>
+              <a:t>, </a:t>
+            </a:r>
+            <a:r>
+              <a:rPr lang="de-CH" dirty="0" err="1"/>
+              <a:t>ju</a:t>
+            </a:r>
+            <a:r>
+              <a:rPr lang="de-CH" dirty="0"/>
+              <a:t>)</a:t>
+            </a:r>
+            <a:br>
+              <a:rPr lang="de-CH" dirty="0"/>
+            </a:br>
+            <a:endParaRPr lang="en-US" dirty="0"/>
+          </a:p>
+        </p:txBody>
+      </p:sp>
+      <p:sp>
+        <p:nvSpPr>
+          <p:cNvPr id="3" name="Content Placeholder 2">
+            <a:extLst>
+              <a:ext uri="{FF2B5EF4-FFF2-40B4-BE49-F238E27FC236}">
+                <a16:creationId xmlns:a16="http://schemas.microsoft.com/office/drawing/2014/main" id="{2E2948E8-3EAA-4651-ACEE-3A97178783D4}"/>
+              </a:ext>
+            </a:extLst>
+          </p:cNvPr>
+          <p:cNvSpPr>
+            <a:spLocks noGrp="1"/>
+          </p:cNvSpPr>
+          <p:nvPr>
+            <p:ph idx="1"/>
+          </p:nvPr>
+        </p:nvSpPr>
+        <p:spPr/>
+        <p:txBody>
+          <a:bodyPr/>
+          <a:lstStyle/>
+          <a:p>
+            <a:endParaRPr lang="en-US"/>
+          </a:p>
+        </p:txBody>
+      </p:sp>
+    </p:spTree>
+    <p:extLst>
+      <p:ext uri="{BB962C8B-B14F-4D97-AF65-F5344CB8AC3E}">
+        <p14:creationId xmlns:p14="http://schemas.microsoft.com/office/powerpoint/2010/main" val="2800151962"/>
+      </p:ext>
+    </p:extLst>
+  </p:cSld>
+  <p:clrMapOvr>
+    <a:masterClrMapping/>
+  </p:clrMapOvr>
+</p:sld>
+</file>
+
+<file path=ppt/slides/slide26.xml><?xml version="1.0" encoding="utf-8"?>
+<p:sld xmlns:a="http://schemas.openxmlformats.org/drawingml/2006/main" xmlns:r="http://schemas.openxmlformats.org/officeDocument/2006/relationships" xmlns:p="http://schemas.openxmlformats.org/presentationml/2006/main">
+  <p:cSld>
+    <p:spTree>
+      <p:nvGrpSpPr>
+        <p:cNvPr id="1" name=""/>
+        <p:cNvGrpSpPr/>
+        <p:nvPr/>
+      </p:nvGrpSpPr>
+      <p:grpSpPr>
+        <a:xfrm>
+          <a:off x="0" y="0"/>
+          <a:ext cx="0" cy="0"/>
+          <a:chOff x="0" y="0"/>
+          <a:chExt cx="0" cy="0"/>
+        </a:xfrm>
+      </p:grpSpPr>
+      <p:sp>
+        <p:nvSpPr>
+          <p:cNvPr id="2" name="Title 1">
+            <a:extLst>
+              <a:ext uri="{FF2B5EF4-FFF2-40B4-BE49-F238E27FC236}">
                 <a16:creationId xmlns:a16="http://schemas.microsoft.com/office/drawing/2014/main" id="{2ED5ED2D-F749-4853-AC3A-C7183786CD9B}"/>
               </a:ext>
             </a:extLst>
@@ -11269,7 +11630,7 @@
 </p:sld>
 </file>
 
-<file path=ppt/slides/slide26.xml><?xml version="1.0" encoding="utf-8"?>
+<file path=ppt/slides/slide27.xml><?xml version="1.0" encoding="utf-8"?>
 <p:sld xmlns:a="http://schemas.openxmlformats.org/drawingml/2006/main" xmlns:r="http://schemas.openxmlformats.org/officeDocument/2006/relationships" xmlns:p="http://schemas.openxmlformats.org/presentationml/2006/main">
   <p:cSld>
     <p:spTree>

--- a/CAS NLP Module 4_jd_bb.pptx
+++ b/CAS NLP Module 4_jd_bb.pptx
@@ -5,7 +5,7 @@
     <p:sldMasterId id="2147483660" r:id="rId1"/>
   </p:sldMasterIdLst>
   <p:notesMasterIdLst>
-    <p:notesMasterId r:id="rId29"/>
+    <p:notesMasterId r:id="rId30"/>
   </p:notesMasterIdLst>
   <p:sldIdLst>
     <p:sldId id="256" r:id="rId2"/>
@@ -29,12 +29,13 @@
     <p:sldId id="284" r:id="rId20"/>
     <p:sldId id="285" r:id="rId21"/>
     <p:sldId id="263" r:id="rId22"/>
-    <p:sldId id="264" r:id="rId23"/>
-    <p:sldId id="265" r:id="rId24"/>
-    <p:sldId id="283" r:id="rId25"/>
-    <p:sldId id="266" r:id="rId26"/>
-    <p:sldId id="267" r:id="rId27"/>
-    <p:sldId id="268" r:id="rId28"/>
+    <p:sldId id="286" r:id="rId23"/>
+    <p:sldId id="264" r:id="rId24"/>
+    <p:sldId id="265" r:id="rId25"/>
+    <p:sldId id="283" r:id="rId26"/>
+    <p:sldId id="266" r:id="rId27"/>
+    <p:sldId id="267" r:id="rId28"/>
+    <p:sldId id="268" r:id="rId29"/>
   </p:sldIdLst>
   <p:sldSz cx="12192000" cy="6858000"/>
   <p:notesSz cx="6858000" cy="9144000"/>
@@ -223,7 +224,7 @@
           <a:p>
             <a:fld id="{E51474CE-351A-4402-BD16-5C3CE3808280}" type="datetimeFigureOut">
               <a:rPr lang="en-US" smtClean="0"/>
-              <a:t>1/19/2025</a:t>
+              <a:t>1/22/2025</a:t>
             </a:fld>
             <a:endParaRPr lang="en-US"/>
           </a:p>
@@ -381,7 +382,7 @@
           <a:p>
             <a:fld id="{2DA66685-3D22-47BB-B74E-10995D7F8271}" type="slidenum">
               <a:rPr lang="en-US" smtClean="0"/>
-              <a:t>‹Nr.›</a:t>
+              <a:t>‹#›</a:t>
             </a:fld>
             <a:endParaRPr lang="en-US"/>
           </a:p>
@@ -534,35 +535,785 @@
           <a:bodyPr/>
           <a:lstStyle/>
           <a:p>
-            <a:r>
-              <a:rPr lang="de-CH" b="1" dirty="0"/>
-              <a:t>Model:</a:t>
-            </a:r>
-          </a:p>
-          <a:p>
-            <a:r>
-              <a:rPr lang="de-CH" dirty="0" err="1"/>
-              <a:t>According</a:t>
-            </a:r>
-            <a:r>
-              <a:rPr lang="de-CH" dirty="0"/>
-              <a:t> </a:t>
-            </a:r>
-            <a:r>
-              <a:rPr lang="de-CH" dirty="0" err="1"/>
-              <a:t>to</a:t>
-            </a:r>
-            <a:r>
-              <a:rPr lang="de-CH" dirty="0"/>
-              <a:t> </a:t>
-            </a:r>
-            <a:r>
-              <a:rPr lang="de-CH" dirty="0" err="1"/>
-              <a:t>Perplexity</a:t>
-            </a:r>
-            <a:r>
-              <a:rPr lang="de-CH" dirty="0"/>
-              <a:t>:</a:t>
+            <a:endParaRPr lang="en-US"/>
+          </a:p>
+        </p:txBody>
+      </p:sp>
+      <p:sp>
+        <p:nvSpPr>
+          <p:cNvPr id="4" name="Slide Number Placeholder 3"/>
+          <p:cNvSpPr>
+            <a:spLocks noGrp="1"/>
+          </p:cNvSpPr>
+          <p:nvPr>
+            <p:ph type="sldNum" sz="quarter" idx="5"/>
+          </p:nvPr>
+        </p:nvSpPr>
+        <p:spPr/>
+        <p:txBody>
+          <a:bodyPr/>
+          <a:lstStyle/>
+          <a:p>
+            <a:fld id="{2DA66685-3D22-47BB-B74E-10995D7F8271}" type="slidenum">
+              <a:rPr lang="en-US" smtClean="0"/>
+              <a:t>3</a:t>
+            </a:fld>
+            <a:endParaRPr lang="en-US"/>
+          </a:p>
+        </p:txBody>
+      </p:sp>
+    </p:spTree>
+    <p:extLst>
+      <p:ext uri="{BB962C8B-B14F-4D97-AF65-F5344CB8AC3E}">
+        <p14:creationId xmlns:p14="http://schemas.microsoft.com/office/powerpoint/2010/main" val="3705711249"/>
+      </p:ext>
+    </p:extLst>
+  </p:cSld>
+  <p:clrMapOvr>
+    <a:masterClrMapping/>
+  </p:clrMapOvr>
+</p:notes>
+</file>
+
+<file path=ppt/notesSlides/notesSlide10.xml><?xml version="1.0" encoding="utf-8"?>
+<p:notes xmlns:a="http://schemas.openxmlformats.org/drawingml/2006/main" xmlns:r="http://schemas.openxmlformats.org/officeDocument/2006/relationships" xmlns:p="http://schemas.openxmlformats.org/presentationml/2006/main">
+  <p:cSld>
+    <p:spTree>
+      <p:nvGrpSpPr>
+        <p:cNvPr id="1" name=""/>
+        <p:cNvGrpSpPr/>
+        <p:nvPr/>
+      </p:nvGrpSpPr>
+      <p:grpSpPr>
+        <a:xfrm>
+          <a:off x="0" y="0"/>
+          <a:ext cx="0" cy="0"/>
+          <a:chOff x="0" y="0"/>
+          <a:chExt cx="0" cy="0"/>
+        </a:xfrm>
+      </p:grpSpPr>
+      <p:sp>
+        <p:nvSpPr>
+          <p:cNvPr id="2" name="Slide Image Placeholder 1"/>
+          <p:cNvSpPr>
+            <a:spLocks noGrp="1" noRot="1" noChangeAspect="1"/>
+          </p:cNvSpPr>
+          <p:nvPr>
+            <p:ph type="sldImg"/>
+          </p:nvPr>
+        </p:nvSpPr>
+        <p:spPr/>
+      </p:sp>
+      <p:sp>
+        <p:nvSpPr>
+          <p:cNvPr id="3" name="Notes Placeholder 2"/>
+          <p:cNvSpPr>
+            <a:spLocks noGrp="1"/>
+          </p:cNvSpPr>
+          <p:nvPr>
+            <p:ph type="body" idx="1"/>
+          </p:nvPr>
+        </p:nvSpPr>
+        <p:spPr/>
+        <p:txBody>
+          <a:bodyPr/>
+          <a:lstStyle/>
+          <a:p>
+            <a:r>
+              <a:rPr lang="de-CH" dirty="0"/>
+              <a:t>(</a:t>
+            </a:r>
+            <a:r>
+              <a:rPr lang="de-CH" dirty="0" err="1"/>
+              <a:t>ju</a:t>
+            </a:r>
+            <a:r>
+              <a:rPr lang="de-CH" dirty="0"/>
+              <a:t>)</a:t>
+            </a:r>
+            <a:endParaRPr lang="en-US" dirty="0"/>
+          </a:p>
+        </p:txBody>
+      </p:sp>
+      <p:sp>
+        <p:nvSpPr>
+          <p:cNvPr id="4" name="Slide Number Placeholder 3"/>
+          <p:cNvSpPr>
+            <a:spLocks noGrp="1"/>
+          </p:cNvSpPr>
+          <p:nvPr>
+            <p:ph type="sldNum" sz="quarter" idx="5"/>
+          </p:nvPr>
+        </p:nvSpPr>
+        <p:spPr/>
+        <p:txBody>
+          <a:bodyPr/>
+          <a:lstStyle/>
+          <a:p>
+            <a:fld id="{2DA66685-3D22-47BB-B74E-10995D7F8271}" type="slidenum">
+              <a:rPr lang="en-US" smtClean="0"/>
+              <a:t>13</a:t>
+            </a:fld>
+            <a:endParaRPr lang="en-US"/>
+          </a:p>
+        </p:txBody>
+      </p:sp>
+    </p:spTree>
+    <p:extLst>
+      <p:ext uri="{BB962C8B-B14F-4D97-AF65-F5344CB8AC3E}">
+        <p14:creationId xmlns:p14="http://schemas.microsoft.com/office/powerpoint/2010/main" val="3573966387"/>
+      </p:ext>
+    </p:extLst>
+  </p:cSld>
+  <p:clrMapOvr>
+    <a:masterClrMapping/>
+  </p:clrMapOvr>
+</p:notes>
+</file>
+
+<file path=ppt/notesSlides/notesSlide11.xml><?xml version="1.0" encoding="utf-8"?>
+<p:notes xmlns:a="http://schemas.openxmlformats.org/drawingml/2006/main" xmlns:r="http://schemas.openxmlformats.org/officeDocument/2006/relationships" xmlns:p="http://schemas.openxmlformats.org/presentationml/2006/main">
+  <p:cSld>
+    <p:spTree>
+      <p:nvGrpSpPr>
+        <p:cNvPr id="1" name=""/>
+        <p:cNvGrpSpPr/>
+        <p:nvPr/>
+      </p:nvGrpSpPr>
+      <p:grpSpPr>
+        <a:xfrm>
+          <a:off x="0" y="0"/>
+          <a:ext cx="0" cy="0"/>
+          <a:chOff x="0" y="0"/>
+          <a:chExt cx="0" cy="0"/>
+        </a:xfrm>
+      </p:grpSpPr>
+      <p:sp>
+        <p:nvSpPr>
+          <p:cNvPr id="2" name="Folienbildplatzhalter 1"/>
+          <p:cNvSpPr>
+            <a:spLocks noGrp="1" noRot="1" noChangeAspect="1"/>
+          </p:cNvSpPr>
+          <p:nvPr>
+            <p:ph type="sldImg"/>
+          </p:nvPr>
+        </p:nvSpPr>
+        <p:spPr/>
+      </p:sp>
+      <p:sp>
+        <p:nvSpPr>
+          <p:cNvPr id="3" name="Notizenplatzhalter 2"/>
+          <p:cNvSpPr>
+            <a:spLocks noGrp="1"/>
+          </p:cNvSpPr>
+          <p:nvPr>
+            <p:ph type="body" idx="1"/>
+          </p:nvPr>
+        </p:nvSpPr>
+        <p:spPr/>
+        <p:txBody>
+          <a:bodyPr/>
+          <a:lstStyle/>
+          <a:p>
+            <a:endParaRPr lang="de-CH" dirty="0"/>
+          </a:p>
+        </p:txBody>
+      </p:sp>
+      <p:sp>
+        <p:nvSpPr>
+          <p:cNvPr id="4" name="Foliennummernplatzhalter 3"/>
+          <p:cNvSpPr>
+            <a:spLocks noGrp="1"/>
+          </p:cNvSpPr>
+          <p:nvPr>
+            <p:ph type="sldNum" sz="quarter" idx="5"/>
+          </p:nvPr>
+        </p:nvSpPr>
+        <p:spPr/>
+        <p:txBody>
+          <a:bodyPr/>
+          <a:lstStyle/>
+          <a:p>
+            <a:fld id="{2DA66685-3D22-47BB-B74E-10995D7F8271}" type="slidenum">
+              <a:rPr lang="en-US" smtClean="0"/>
+              <a:t>14</a:t>
+            </a:fld>
+            <a:endParaRPr lang="en-US"/>
+          </a:p>
+        </p:txBody>
+      </p:sp>
+    </p:spTree>
+    <p:extLst>
+      <p:ext uri="{BB962C8B-B14F-4D97-AF65-F5344CB8AC3E}">
+        <p14:creationId xmlns:p14="http://schemas.microsoft.com/office/powerpoint/2010/main" val="66036931"/>
+      </p:ext>
+    </p:extLst>
+  </p:cSld>
+  <p:clrMapOvr>
+    <a:masterClrMapping/>
+  </p:clrMapOvr>
+</p:notes>
+</file>
+
+<file path=ppt/notesSlides/notesSlide12.xml><?xml version="1.0" encoding="utf-8"?>
+<p:notes xmlns:a="http://schemas.openxmlformats.org/drawingml/2006/main" xmlns:r="http://schemas.openxmlformats.org/officeDocument/2006/relationships" xmlns:p="http://schemas.openxmlformats.org/presentationml/2006/main">
+  <p:cSld>
+    <p:spTree>
+      <p:nvGrpSpPr>
+        <p:cNvPr id="1" name="">
+          <a:extLst>
+            <a:ext uri="{FF2B5EF4-FFF2-40B4-BE49-F238E27FC236}">
+              <a16:creationId xmlns:a16="http://schemas.microsoft.com/office/drawing/2014/main" id="{F9B6E588-6C5E-7D87-945F-3204448E215F}"/>
+            </a:ext>
+          </a:extLst>
+        </p:cNvPr>
+        <p:cNvGrpSpPr/>
+        <p:nvPr/>
+      </p:nvGrpSpPr>
+      <p:grpSpPr>
+        <a:xfrm>
+          <a:off x="0" y="0"/>
+          <a:ext cx="0" cy="0"/>
+          <a:chOff x="0" y="0"/>
+          <a:chExt cx="0" cy="0"/>
+        </a:xfrm>
+      </p:grpSpPr>
+      <p:sp>
+        <p:nvSpPr>
+          <p:cNvPr id="2" name="Folienbildplatzhalter 1">
+            <a:extLst>
+              <a:ext uri="{FF2B5EF4-FFF2-40B4-BE49-F238E27FC236}">
+                <a16:creationId xmlns:a16="http://schemas.microsoft.com/office/drawing/2014/main" id="{8225E36B-ABB9-633D-6599-38BEAB667605}"/>
+              </a:ext>
+            </a:extLst>
+          </p:cNvPr>
+          <p:cNvSpPr>
+            <a:spLocks noGrp="1" noRot="1" noChangeAspect="1"/>
+          </p:cNvSpPr>
+          <p:nvPr>
+            <p:ph type="sldImg"/>
+          </p:nvPr>
+        </p:nvSpPr>
+        <p:spPr/>
+      </p:sp>
+      <p:sp>
+        <p:nvSpPr>
+          <p:cNvPr id="3" name="Notizenplatzhalter 2">
+            <a:extLst>
+              <a:ext uri="{FF2B5EF4-FFF2-40B4-BE49-F238E27FC236}">
+                <a16:creationId xmlns:a16="http://schemas.microsoft.com/office/drawing/2014/main" id="{58CDAC67-32FD-51A4-237D-77DEF0281A6A}"/>
+              </a:ext>
+            </a:extLst>
+          </p:cNvPr>
+          <p:cNvSpPr>
+            <a:spLocks noGrp="1"/>
+          </p:cNvSpPr>
+          <p:nvPr>
+            <p:ph type="body" idx="1"/>
+          </p:nvPr>
+        </p:nvSpPr>
+        <p:spPr/>
+        <p:txBody>
+          <a:bodyPr/>
+          <a:lstStyle/>
+          <a:p>
+            <a:endParaRPr lang="de-CH" dirty="0"/>
+          </a:p>
+        </p:txBody>
+      </p:sp>
+      <p:sp>
+        <p:nvSpPr>
+          <p:cNvPr id="4" name="Foliennummernplatzhalter 3">
+            <a:extLst>
+              <a:ext uri="{FF2B5EF4-FFF2-40B4-BE49-F238E27FC236}">
+                <a16:creationId xmlns:a16="http://schemas.microsoft.com/office/drawing/2014/main" id="{9FF46359-FB48-4102-51B8-60672D3DD68C}"/>
+              </a:ext>
+            </a:extLst>
+          </p:cNvPr>
+          <p:cNvSpPr>
+            <a:spLocks noGrp="1"/>
+          </p:cNvSpPr>
+          <p:nvPr>
+            <p:ph type="sldNum" sz="quarter" idx="5"/>
+          </p:nvPr>
+        </p:nvSpPr>
+        <p:spPr/>
+        <p:txBody>
+          <a:bodyPr/>
+          <a:lstStyle/>
+          <a:p>
+            <a:fld id="{2DA66685-3D22-47BB-B74E-10995D7F8271}" type="slidenum">
+              <a:rPr lang="en-US" smtClean="0"/>
+              <a:t>15</a:t>
+            </a:fld>
+            <a:endParaRPr lang="en-US"/>
+          </a:p>
+        </p:txBody>
+      </p:sp>
+    </p:spTree>
+    <p:extLst>
+      <p:ext uri="{BB962C8B-B14F-4D97-AF65-F5344CB8AC3E}">
+        <p14:creationId xmlns:p14="http://schemas.microsoft.com/office/powerpoint/2010/main" val="3367596640"/>
+      </p:ext>
+    </p:extLst>
+  </p:cSld>
+  <p:clrMapOvr>
+    <a:masterClrMapping/>
+  </p:clrMapOvr>
+</p:notes>
+</file>
+
+<file path=ppt/notesSlides/notesSlide13.xml><?xml version="1.0" encoding="utf-8"?>
+<p:notes xmlns:a="http://schemas.openxmlformats.org/drawingml/2006/main" xmlns:r="http://schemas.openxmlformats.org/officeDocument/2006/relationships" xmlns:p="http://schemas.openxmlformats.org/presentationml/2006/main">
+  <p:cSld>
+    <p:spTree>
+      <p:nvGrpSpPr>
+        <p:cNvPr id="1" name="">
+          <a:extLst>
+            <a:ext uri="{FF2B5EF4-FFF2-40B4-BE49-F238E27FC236}">
+              <a16:creationId xmlns:a16="http://schemas.microsoft.com/office/drawing/2014/main" id="{49DD89E9-A372-2996-CB7F-ED23AD9D5642}"/>
+            </a:ext>
+          </a:extLst>
+        </p:cNvPr>
+        <p:cNvGrpSpPr/>
+        <p:nvPr/>
+      </p:nvGrpSpPr>
+      <p:grpSpPr>
+        <a:xfrm>
+          <a:off x="0" y="0"/>
+          <a:ext cx="0" cy="0"/>
+          <a:chOff x="0" y="0"/>
+          <a:chExt cx="0" cy="0"/>
+        </a:xfrm>
+      </p:grpSpPr>
+      <p:sp>
+        <p:nvSpPr>
+          <p:cNvPr id="2" name="Folienbildplatzhalter 1">
+            <a:extLst>
+              <a:ext uri="{FF2B5EF4-FFF2-40B4-BE49-F238E27FC236}">
+                <a16:creationId xmlns:a16="http://schemas.microsoft.com/office/drawing/2014/main" id="{AA4ADBCF-4471-D31F-8C16-17CAA27055A0}"/>
+              </a:ext>
+            </a:extLst>
+          </p:cNvPr>
+          <p:cNvSpPr>
+            <a:spLocks noGrp="1" noRot="1" noChangeAspect="1"/>
+          </p:cNvSpPr>
+          <p:nvPr>
+            <p:ph type="sldImg"/>
+          </p:nvPr>
+        </p:nvSpPr>
+        <p:spPr/>
+      </p:sp>
+      <p:sp>
+        <p:nvSpPr>
+          <p:cNvPr id="3" name="Notizenplatzhalter 2">
+            <a:extLst>
+              <a:ext uri="{FF2B5EF4-FFF2-40B4-BE49-F238E27FC236}">
+                <a16:creationId xmlns:a16="http://schemas.microsoft.com/office/drawing/2014/main" id="{E1128C63-23D8-E812-E33A-D2FA3EFA6AF2}"/>
+              </a:ext>
+            </a:extLst>
+          </p:cNvPr>
+          <p:cNvSpPr>
+            <a:spLocks noGrp="1"/>
+          </p:cNvSpPr>
+          <p:nvPr>
+            <p:ph type="body" idx="1"/>
+          </p:nvPr>
+        </p:nvSpPr>
+        <p:spPr/>
+        <p:txBody>
+          <a:bodyPr/>
+          <a:lstStyle/>
+          <a:p>
+            <a:endParaRPr lang="de-CH" dirty="0"/>
+          </a:p>
+        </p:txBody>
+      </p:sp>
+      <p:sp>
+        <p:nvSpPr>
+          <p:cNvPr id="4" name="Foliennummernplatzhalter 3">
+            <a:extLst>
+              <a:ext uri="{FF2B5EF4-FFF2-40B4-BE49-F238E27FC236}">
+                <a16:creationId xmlns:a16="http://schemas.microsoft.com/office/drawing/2014/main" id="{56792B2E-039D-7436-4F48-049DA5AA36BD}"/>
+              </a:ext>
+            </a:extLst>
+          </p:cNvPr>
+          <p:cNvSpPr>
+            <a:spLocks noGrp="1"/>
+          </p:cNvSpPr>
+          <p:nvPr>
+            <p:ph type="sldNum" sz="quarter" idx="5"/>
+          </p:nvPr>
+        </p:nvSpPr>
+        <p:spPr/>
+        <p:txBody>
+          <a:bodyPr/>
+          <a:lstStyle/>
+          <a:p>
+            <a:fld id="{2DA66685-3D22-47BB-B74E-10995D7F8271}" type="slidenum">
+              <a:rPr lang="en-US" smtClean="0"/>
+              <a:t>16</a:t>
+            </a:fld>
+            <a:endParaRPr lang="en-US"/>
+          </a:p>
+        </p:txBody>
+      </p:sp>
+    </p:spTree>
+    <p:extLst>
+      <p:ext uri="{BB962C8B-B14F-4D97-AF65-F5344CB8AC3E}">
+        <p14:creationId xmlns:p14="http://schemas.microsoft.com/office/powerpoint/2010/main" val="3876792440"/>
+      </p:ext>
+    </p:extLst>
+  </p:cSld>
+  <p:clrMapOvr>
+    <a:masterClrMapping/>
+  </p:clrMapOvr>
+</p:notes>
+</file>
+
+<file path=ppt/notesSlides/notesSlide14.xml><?xml version="1.0" encoding="utf-8"?>
+<p:notes xmlns:a="http://schemas.openxmlformats.org/drawingml/2006/main" xmlns:r="http://schemas.openxmlformats.org/officeDocument/2006/relationships" xmlns:p="http://schemas.openxmlformats.org/presentationml/2006/main">
+  <p:cSld>
+    <p:spTree>
+      <p:nvGrpSpPr>
+        <p:cNvPr id="1" name="">
+          <a:extLst>
+            <a:ext uri="{FF2B5EF4-FFF2-40B4-BE49-F238E27FC236}">
+              <a16:creationId xmlns:a16="http://schemas.microsoft.com/office/drawing/2014/main" id="{D5B7F76D-B51F-3BCB-B314-63945A87B291}"/>
+            </a:ext>
+          </a:extLst>
+        </p:cNvPr>
+        <p:cNvGrpSpPr/>
+        <p:nvPr/>
+      </p:nvGrpSpPr>
+      <p:grpSpPr>
+        <a:xfrm>
+          <a:off x="0" y="0"/>
+          <a:ext cx="0" cy="0"/>
+          <a:chOff x="0" y="0"/>
+          <a:chExt cx="0" cy="0"/>
+        </a:xfrm>
+      </p:grpSpPr>
+      <p:sp>
+        <p:nvSpPr>
+          <p:cNvPr id="2" name="Folienbildplatzhalter 1">
+            <a:extLst>
+              <a:ext uri="{FF2B5EF4-FFF2-40B4-BE49-F238E27FC236}">
+                <a16:creationId xmlns:a16="http://schemas.microsoft.com/office/drawing/2014/main" id="{9CA26841-C491-14AC-BE5B-F04F35F61142}"/>
+              </a:ext>
+            </a:extLst>
+          </p:cNvPr>
+          <p:cNvSpPr>
+            <a:spLocks noGrp="1" noRot="1" noChangeAspect="1"/>
+          </p:cNvSpPr>
+          <p:nvPr>
+            <p:ph type="sldImg"/>
+          </p:nvPr>
+        </p:nvSpPr>
+        <p:spPr/>
+      </p:sp>
+      <p:sp>
+        <p:nvSpPr>
+          <p:cNvPr id="3" name="Notizenplatzhalter 2">
+            <a:extLst>
+              <a:ext uri="{FF2B5EF4-FFF2-40B4-BE49-F238E27FC236}">
+                <a16:creationId xmlns:a16="http://schemas.microsoft.com/office/drawing/2014/main" id="{F0D2BEC1-A3EC-9818-38D5-F46D118F0A52}"/>
+              </a:ext>
+            </a:extLst>
+          </p:cNvPr>
+          <p:cNvSpPr>
+            <a:spLocks noGrp="1"/>
+          </p:cNvSpPr>
+          <p:nvPr>
+            <p:ph type="body" idx="1"/>
+          </p:nvPr>
+        </p:nvSpPr>
+        <p:spPr/>
+        <p:txBody>
+          <a:bodyPr/>
+          <a:lstStyle/>
+          <a:p>
+            <a:endParaRPr lang="de-CH" dirty="0"/>
+          </a:p>
+        </p:txBody>
+      </p:sp>
+      <p:sp>
+        <p:nvSpPr>
+          <p:cNvPr id="4" name="Foliennummernplatzhalter 3">
+            <a:extLst>
+              <a:ext uri="{FF2B5EF4-FFF2-40B4-BE49-F238E27FC236}">
+                <a16:creationId xmlns:a16="http://schemas.microsoft.com/office/drawing/2014/main" id="{F620FBC4-C5C2-76A7-5401-E08682152C40}"/>
+              </a:ext>
+            </a:extLst>
+          </p:cNvPr>
+          <p:cNvSpPr>
+            <a:spLocks noGrp="1"/>
+          </p:cNvSpPr>
+          <p:nvPr>
+            <p:ph type="sldNum" sz="quarter" idx="5"/>
+          </p:nvPr>
+        </p:nvSpPr>
+        <p:spPr/>
+        <p:txBody>
+          <a:bodyPr/>
+          <a:lstStyle/>
+          <a:p>
+            <a:fld id="{2DA66685-3D22-47BB-B74E-10995D7F8271}" type="slidenum">
+              <a:rPr lang="en-US" smtClean="0"/>
+              <a:t>17</a:t>
+            </a:fld>
+            <a:endParaRPr lang="en-US"/>
+          </a:p>
+        </p:txBody>
+      </p:sp>
+    </p:spTree>
+    <p:extLst>
+      <p:ext uri="{BB962C8B-B14F-4D97-AF65-F5344CB8AC3E}">
+        <p14:creationId xmlns:p14="http://schemas.microsoft.com/office/powerpoint/2010/main" val="2852920451"/>
+      </p:ext>
+    </p:extLst>
+  </p:cSld>
+  <p:clrMapOvr>
+    <a:masterClrMapping/>
+  </p:clrMapOvr>
+</p:notes>
+</file>
+
+<file path=ppt/notesSlides/notesSlide15.xml><?xml version="1.0" encoding="utf-8"?>
+<p:notes xmlns:a="http://schemas.openxmlformats.org/drawingml/2006/main" xmlns:r="http://schemas.openxmlformats.org/officeDocument/2006/relationships" xmlns:p="http://schemas.openxmlformats.org/presentationml/2006/main">
+  <p:cSld>
+    <p:spTree>
+      <p:nvGrpSpPr>
+        <p:cNvPr id="1" name=""/>
+        <p:cNvGrpSpPr/>
+        <p:nvPr/>
+      </p:nvGrpSpPr>
+      <p:grpSpPr>
+        <a:xfrm>
+          <a:off x="0" y="0"/>
+          <a:ext cx="0" cy="0"/>
+          <a:chOff x="0" y="0"/>
+          <a:chExt cx="0" cy="0"/>
+        </a:xfrm>
+      </p:grpSpPr>
+      <p:sp>
+        <p:nvSpPr>
+          <p:cNvPr id="2" name="Slide Image Placeholder 1"/>
+          <p:cNvSpPr>
+            <a:spLocks noGrp="1" noRot="1" noChangeAspect="1"/>
+          </p:cNvSpPr>
+          <p:nvPr>
+            <p:ph type="sldImg"/>
+          </p:nvPr>
+        </p:nvSpPr>
+        <p:spPr/>
+      </p:sp>
+      <p:sp>
+        <p:nvSpPr>
+          <p:cNvPr id="3" name="Notes Placeholder 2"/>
+          <p:cNvSpPr>
+            <a:spLocks noGrp="1"/>
+          </p:cNvSpPr>
+          <p:nvPr>
+            <p:ph type="body" idx="1"/>
+          </p:nvPr>
+        </p:nvSpPr>
+        <p:spPr/>
+        <p:txBody>
+          <a:bodyPr/>
+          <a:lstStyle/>
+          <a:p>
+            <a:endParaRPr lang="en-US" dirty="0"/>
+          </a:p>
+        </p:txBody>
+      </p:sp>
+      <p:sp>
+        <p:nvSpPr>
+          <p:cNvPr id="4" name="Slide Number Placeholder 3"/>
+          <p:cNvSpPr>
+            <a:spLocks noGrp="1"/>
+          </p:cNvSpPr>
+          <p:nvPr>
+            <p:ph type="sldNum" sz="quarter" idx="5"/>
+          </p:nvPr>
+        </p:nvSpPr>
+        <p:spPr/>
+        <p:txBody>
+          <a:bodyPr/>
+          <a:lstStyle/>
+          <a:p>
+            <a:fld id="{2DA66685-3D22-47BB-B74E-10995D7F8271}" type="slidenum">
+              <a:rPr lang="en-US" smtClean="0"/>
+              <a:t>18</a:t>
+            </a:fld>
+            <a:endParaRPr lang="en-US"/>
+          </a:p>
+        </p:txBody>
+      </p:sp>
+    </p:spTree>
+    <p:extLst>
+      <p:ext uri="{BB962C8B-B14F-4D97-AF65-F5344CB8AC3E}">
+        <p14:creationId xmlns:p14="http://schemas.microsoft.com/office/powerpoint/2010/main" val="1548703044"/>
+      </p:ext>
+    </p:extLst>
+  </p:cSld>
+  <p:clrMapOvr>
+    <a:masterClrMapping/>
+  </p:clrMapOvr>
+</p:notes>
+</file>
+
+<file path=ppt/notesSlides/notesSlide16.xml><?xml version="1.0" encoding="utf-8"?>
+<p:notes xmlns:a="http://schemas.openxmlformats.org/drawingml/2006/main" xmlns:r="http://schemas.openxmlformats.org/officeDocument/2006/relationships" xmlns:p="http://schemas.openxmlformats.org/presentationml/2006/main">
+  <p:cSld>
+    <p:spTree>
+      <p:nvGrpSpPr>
+        <p:cNvPr id="1" name=""/>
+        <p:cNvGrpSpPr/>
+        <p:nvPr/>
+      </p:nvGrpSpPr>
+      <p:grpSpPr>
+        <a:xfrm>
+          <a:off x="0" y="0"/>
+          <a:ext cx="0" cy="0"/>
+          <a:chOff x="0" y="0"/>
+          <a:chExt cx="0" cy="0"/>
+        </a:xfrm>
+      </p:grpSpPr>
+      <p:sp>
+        <p:nvSpPr>
+          <p:cNvPr id="2" name="Slide Image Placeholder 1"/>
+          <p:cNvSpPr>
+            <a:spLocks noGrp="1" noRot="1" noChangeAspect="1"/>
+          </p:cNvSpPr>
+          <p:nvPr>
+            <p:ph type="sldImg"/>
+          </p:nvPr>
+        </p:nvSpPr>
+        <p:spPr/>
+      </p:sp>
+      <p:sp>
+        <p:nvSpPr>
+          <p:cNvPr id="3" name="Notes Placeholder 2"/>
+          <p:cNvSpPr>
+            <a:spLocks noGrp="1"/>
+          </p:cNvSpPr>
+          <p:nvPr>
+            <p:ph type="body" idx="1"/>
+          </p:nvPr>
+        </p:nvSpPr>
+        <p:spPr/>
+        <p:txBody>
+          <a:bodyPr/>
+          <a:lstStyle/>
+          <a:p>
+            <a:r>
+              <a:rPr lang="de-CH" dirty="0"/>
+              <a:t>(</a:t>
+            </a:r>
+            <a:r>
+              <a:rPr lang="de-CH" dirty="0" err="1"/>
+              <a:t>ju</a:t>
+            </a:r>
+            <a:r>
+              <a:rPr lang="de-CH" dirty="0"/>
+              <a:t>)</a:t>
+            </a:r>
+            <a:endParaRPr lang="en-US" dirty="0"/>
+          </a:p>
+        </p:txBody>
+      </p:sp>
+      <p:sp>
+        <p:nvSpPr>
+          <p:cNvPr id="4" name="Slide Number Placeholder 3"/>
+          <p:cNvSpPr>
+            <a:spLocks noGrp="1"/>
+          </p:cNvSpPr>
+          <p:nvPr>
+            <p:ph type="sldNum" sz="quarter" idx="5"/>
+          </p:nvPr>
+        </p:nvSpPr>
+        <p:spPr/>
+        <p:txBody>
+          <a:bodyPr/>
+          <a:lstStyle/>
+          <a:p>
+            <a:fld id="{2DA66685-3D22-47BB-B74E-10995D7F8271}" type="slidenum">
+              <a:rPr lang="en-US" smtClean="0"/>
+              <a:t>19</a:t>
+            </a:fld>
+            <a:endParaRPr lang="en-US"/>
+          </a:p>
+        </p:txBody>
+      </p:sp>
+    </p:spTree>
+    <p:extLst>
+      <p:ext uri="{BB962C8B-B14F-4D97-AF65-F5344CB8AC3E}">
+        <p14:creationId xmlns:p14="http://schemas.microsoft.com/office/powerpoint/2010/main" val="2539525841"/>
+      </p:ext>
+    </p:extLst>
+  </p:cSld>
+  <p:clrMapOvr>
+    <a:masterClrMapping/>
+  </p:clrMapOvr>
+</p:notes>
+</file>
+
+<file path=ppt/notesSlides/notesSlide17.xml><?xml version="1.0" encoding="utf-8"?>
+<p:notes xmlns:a="http://schemas.openxmlformats.org/drawingml/2006/main" xmlns:r="http://schemas.openxmlformats.org/officeDocument/2006/relationships" xmlns:p="http://schemas.openxmlformats.org/presentationml/2006/main">
+  <p:cSld>
+    <p:spTree>
+      <p:nvGrpSpPr>
+        <p:cNvPr id="1" name=""/>
+        <p:cNvGrpSpPr/>
+        <p:nvPr/>
+      </p:nvGrpSpPr>
+      <p:grpSpPr>
+        <a:xfrm>
+          <a:off x="0" y="0"/>
+          <a:ext cx="0" cy="0"/>
+          <a:chOff x="0" y="0"/>
+          <a:chExt cx="0" cy="0"/>
+        </a:xfrm>
+      </p:grpSpPr>
+      <p:sp>
+        <p:nvSpPr>
+          <p:cNvPr id="2" name="Slide Image Placeholder 1"/>
+          <p:cNvSpPr>
+            <a:spLocks noGrp="1" noRot="1" noChangeAspect="1"/>
+          </p:cNvSpPr>
+          <p:nvPr>
+            <p:ph type="sldImg"/>
+          </p:nvPr>
+        </p:nvSpPr>
+        <p:spPr/>
+      </p:sp>
+      <p:sp>
+        <p:nvSpPr>
+          <p:cNvPr id="3" name="Notes Placeholder 2"/>
+          <p:cNvSpPr>
+            <a:spLocks noGrp="1"/>
+          </p:cNvSpPr>
+          <p:nvPr>
+            <p:ph type="body" idx="1"/>
+          </p:nvPr>
+        </p:nvSpPr>
+        <p:spPr/>
+        <p:txBody>
+          <a:bodyPr/>
+          <a:lstStyle/>
+          <a:p>
+            <a:r>
+              <a:rPr lang="de-CH" dirty="0"/>
+              <a:t>(</a:t>
+            </a:r>
+            <a:r>
+              <a:rPr lang="de-CH" dirty="0" err="1"/>
+              <a:t>ju</a:t>
+            </a:r>
+            <a:r>
+              <a:rPr lang="de-CH" dirty="0"/>
+              <a:t>)</a:t>
             </a:r>
           </a:p>
           <a:p>
@@ -584,1483 +1335,533 @@
               <a:defRPr/>
             </a:pPr>
             <a:r>
-              <a:rPr lang="de-CH" sz="1800" dirty="0" err="1">
-                <a:effectLst/>
-                <a:latin typeface="__fkGroteskNeue_598ab8"/>
-              </a:rPr>
-              <a:t>While</a:t>
-            </a:r>
-            <a:r>
-              <a:rPr lang="de-CH" sz="1800" dirty="0">
-                <a:effectLst/>
-                <a:latin typeface="__fkGroteskNeue_598ab8"/>
-              </a:rPr>
-              <a:t> </a:t>
-            </a:r>
-            <a:r>
-              <a:rPr lang="de-CH" sz="1800" dirty="0" err="1">
-                <a:effectLst/>
-                <a:latin typeface="__fkGroteskNeue_598ab8"/>
-              </a:rPr>
-              <a:t>the</a:t>
-            </a:r>
-            <a:r>
-              <a:rPr lang="de-CH" sz="1800" dirty="0">
-                <a:effectLst/>
-                <a:latin typeface="__fkGroteskNeue_598ab8"/>
-              </a:rPr>
-              <a:t> </a:t>
-            </a:r>
-            <a:r>
-              <a:rPr lang="de-CH" sz="1800" dirty="0" err="1">
-                <a:effectLst/>
-                <a:latin typeface="__fkGroteskNeue_598ab8"/>
-              </a:rPr>
-              <a:t>other</a:t>
-            </a:r>
-            <a:r>
-              <a:rPr lang="de-CH" sz="1800" dirty="0">
-                <a:effectLst/>
-                <a:latin typeface="__fkGroteskNeue_598ab8"/>
-              </a:rPr>
-              <a:t> </a:t>
-            </a:r>
-            <a:r>
-              <a:rPr lang="de-CH" sz="1800" dirty="0" err="1">
-                <a:effectLst/>
-                <a:latin typeface="__fkGroteskNeue_598ab8"/>
-              </a:rPr>
-              <a:t>models</a:t>
-            </a:r>
-            <a:r>
-              <a:rPr lang="de-CH" sz="1800" dirty="0">
-                <a:effectLst/>
-                <a:latin typeface="__fkGroteskNeue_598ab8"/>
-              </a:rPr>
-              <a:t> (</a:t>
-            </a:r>
-            <a:r>
-              <a:rPr lang="de-CH" sz="1800" dirty="0" err="1">
-                <a:effectLst/>
-                <a:latin typeface="__fkGroteskNeue_598ab8"/>
-              </a:rPr>
-              <a:t>google-bert</a:t>
-            </a:r>
-            <a:r>
-              <a:rPr lang="de-CH" sz="1800" dirty="0">
-                <a:effectLst/>
-                <a:latin typeface="__fkGroteskNeue_598ab8"/>
-              </a:rPr>
-              <a:t>/</a:t>
-            </a:r>
-            <a:r>
-              <a:rPr lang="de-CH" sz="1800" dirty="0" err="1">
-                <a:effectLst/>
-                <a:latin typeface="__fkGroteskNeue_598ab8"/>
-              </a:rPr>
-              <a:t>bert</a:t>
-            </a:r>
-            <a:r>
-              <a:rPr lang="de-CH" sz="1800" dirty="0">
-                <a:effectLst/>
-                <a:latin typeface="__fkGroteskNeue_598ab8"/>
-              </a:rPr>
-              <a:t>-base-multilingual-</a:t>
-            </a:r>
-            <a:r>
-              <a:rPr lang="de-CH" sz="1800" dirty="0" err="1">
-                <a:effectLst/>
-                <a:latin typeface="__fkGroteskNeue_598ab8"/>
-              </a:rPr>
-              <a:t>cased</a:t>
-            </a:r>
-            <a:r>
-              <a:rPr lang="de-CH" sz="1800" dirty="0">
-                <a:effectLst/>
-                <a:latin typeface="__fkGroteskNeue_598ab8"/>
-              </a:rPr>
-              <a:t> and </a:t>
-            </a:r>
-            <a:r>
-              <a:rPr lang="de-CH" sz="1800" dirty="0" err="1">
-                <a:effectLst/>
-                <a:latin typeface="__fkGroteskNeue_598ab8"/>
-              </a:rPr>
-              <a:t>FacebookAI</a:t>
-            </a:r>
-            <a:r>
-              <a:rPr lang="de-CH" sz="1800" dirty="0">
-                <a:effectLst/>
-                <a:latin typeface="__fkGroteskNeue_598ab8"/>
-              </a:rPr>
-              <a:t>/</a:t>
-            </a:r>
-            <a:r>
-              <a:rPr lang="de-CH" sz="1800" dirty="0" err="1">
-                <a:effectLst/>
-                <a:latin typeface="__fkGroteskNeue_598ab8"/>
-              </a:rPr>
-              <a:t>xlm</a:t>
-            </a:r>
-            <a:r>
-              <a:rPr lang="de-CH" sz="1800" dirty="0">
-                <a:effectLst/>
-                <a:latin typeface="__fkGroteskNeue_598ab8"/>
-              </a:rPr>
-              <a:t>-</a:t>
-            </a:r>
-            <a:r>
-              <a:rPr lang="de-CH" sz="1800" dirty="0" err="1">
-                <a:effectLst/>
-                <a:latin typeface="__fkGroteskNeue_598ab8"/>
-              </a:rPr>
-              <a:t>roberta</a:t>
-            </a:r>
-            <a:r>
-              <a:rPr lang="de-CH" sz="1800" dirty="0">
-                <a:effectLst/>
-                <a:latin typeface="__fkGroteskNeue_598ab8"/>
-              </a:rPr>
-              <a:t>-base) </a:t>
-            </a:r>
-            <a:r>
-              <a:rPr lang="de-CH" sz="1800" dirty="0" err="1">
-                <a:effectLst/>
-                <a:latin typeface="__fkGroteskNeue_598ab8"/>
-              </a:rPr>
-              <a:t>are</a:t>
-            </a:r>
-            <a:r>
-              <a:rPr lang="de-CH" sz="1800" dirty="0">
-                <a:effectLst/>
-                <a:latin typeface="__fkGroteskNeue_598ab8"/>
-              </a:rPr>
-              <a:t> also multilingual, </a:t>
-            </a:r>
-            <a:r>
-              <a:rPr lang="de-CH" sz="1800" dirty="0" err="1">
-                <a:effectLst/>
-                <a:latin typeface="__fkGroteskNeue_598ab8"/>
-              </a:rPr>
-              <a:t>they</a:t>
-            </a:r>
-            <a:r>
-              <a:rPr lang="de-CH" sz="1800" dirty="0">
-                <a:effectLst/>
-                <a:latin typeface="__fkGroteskNeue_598ab8"/>
-              </a:rPr>
-              <a:t> </a:t>
-            </a:r>
-            <a:r>
-              <a:rPr lang="de-CH" sz="1800" dirty="0" err="1">
-                <a:effectLst/>
-                <a:latin typeface="__fkGroteskNeue_598ab8"/>
-              </a:rPr>
-              <a:t>are</a:t>
-            </a:r>
-            <a:r>
-              <a:rPr lang="de-CH" sz="1800" dirty="0">
-                <a:effectLst/>
-                <a:latin typeface="__fkGroteskNeue_598ab8"/>
-              </a:rPr>
-              <a:t> not </a:t>
-            </a:r>
-            <a:r>
-              <a:rPr lang="de-CH" sz="1800" dirty="0" err="1">
-                <a:effectLst/>
-                <a:latin typeface="__fkGroteskNeue_598ab8"/>
-              </a:rPr>
-              <a:t>specifically</a:t>
-            </a:r>
-            <a:r>
-              <a:rPr lang="de-CH" sz="1800" dirty="0">
-                <a:effectLst/>
-                <a:latin typeface="__fkGroteskNeue_598ab8"/>
-              </a:rPr>
-              <a:t> </a:t>
-            </a:r>
-            <a:r>
-              <a:rPr lang="de-CH" sz="1800" dirty="0" err="1">
-                <a:effectLst/>
-                <a:latin typeface="__fkGroteskNeue_598ab8"/>
-              </a:rPr>
-              <a:t>fine-tuned</a:t>
-            </a:r>
-            <a:r>
-              <a:rPr lang="de-CH" sz="1800" dirty="0">
-                <a:effectLst/>
-                <a:latin typeface="__fkGroteskNeue_598ab8"/>
-              </a:rPr>
-              <a:t> </a:t>
-            </a:r>
-            <a:r>
-              <a:rPr lang="de-CH" sz="1800" dirty="0" err="1">
-                <a:effectLst/>
-                <a:latin typeface="__fkGroteskNeue_598ab8"/>
-              </a:rPr>
-              <a:t>for</a:t>
-            </a:r>
-            <a:r>
-              <a:rPr lang="de-CH" sz="1800" dirty="0">
-                <a:effectLst/>
-                <a:latin typeface="__fkGroteskNeue_598ab8"/>
-              </a:rPr>
-              <a:t> NER </a:t>
-            </a:r>
-            <a:r>
-              <a:rPr lang="de-CH" sz="1800" dirty="0" err="1">
-                <a:effectLst/>
-                <a:latin typeface="__fkGroteskNeue_598ab8"/>
-              </a:rPr>
-              <a:t>tasks</a:t>
-            </a:r>
-            <a:r>
-              <a:rPr lang="de-CH" sz="1800" dirty="0">
-                <a:effectLst/>
-                <a:latin typeface="__fkGroteskNeue_598ab8"/>
-              </a:rPr>
-              <a:t>. The </a:t>
-            </a:r>
-            <a:r>
-              <a:rPr lang="de-CH" sz="1800" dirty="0" err="1">
-                <a:effectLst/>
-                <a:latin typeface="__fkGroteskNeue_598ab8"/>
-              </a:rPr>
-              <a:t>wikineural</a:t>
-            </a:r>
-            <a:r>
-              <a:rPr lang="de-CH" sz="1800" dirty="0">
-                <a:effectLst/>
-                <a:latin typeface="__fkGroteskNeue_598ab8"/>
-              </a:rPr>
-              <a:t>-multilingual-</a:t>
-            </a:r>
-            <a:r>
-              <a:rPr lang="de-CH" sz="1800" dirty="0" err="1">
-                <a:effectLst/>
-                <a:latin typeface="__fkGroteskNeue_598ab8"/>
-              </a:rPr>
-              <a:t>ner</a:t>
-            </a:r>
-            <a:r>
-              <a:rPr lang="de-CH" sz="1800" dirty="0">
-                <a:effectLst/>
-                <a:latin typeface="__fkGroteskNeue_598ab8"/>
-              </a:rPr>
-              <a:t> </a:t>
-            </a:r>
-            <a:r>
-              <a:rPr lang="de-CH" sz="1800" dirty="0" err="1">
-                <a:effectLst/>
-                <a:latin typeface="__fkGroteskNeue_598ab8"/>
-              </a:rPr>
-              <a:t>model's</a:t>
-            </a:r>
-            <a:r>
-              <a:rPr lang="de-CH" sz="1800" dirty="0">
-                <a:effectLst/>
-                <a:latin typeface="__fkGroteskNeue_598ab8"/>
-              </a:rPr>
-              <a:t> </a:t>
-            </a:r>
-            <a:r>
-              <a:rPr lang="de-CH" sz="1800" dirty="0" err="1">
-                <a:effectLst/>
-                <a:latin typeface="__fkGroteskNeue_598ab8"/>
-              </a:rPr>
-              <a:t>specialized</a:t>
-            </a:r>
-            <a:r>
-              <a:rPr lang="de-CH" sz="1800" dirty="0">
-                <a:effectLst/>
-                <a:latin typeface="__fkGroteskNeue_598ab8"/>
-              </a:rPr>
-              <a:t> </a:t>
-            </a:r>
-            <a:r>
-              <a:rPr lang="de-CH" sz="1800" dirty="0" err="1">
-                <a:effectLst/>
-                <a:latin typeface="__fkGroteskNeue_598ab8"/>
-              </a:rPr>
-              <a:t>training</a:t>
-            </a:r>
-            <a:r>
-              <a:rPr lang="de-CH" sz="1800" dirty="0">
-                <a:effectLst/>
-                <a:latin typeface="__fkGroteskNeue_598ab8"/>
-              </a:rPr>
-              <a:t> on NER </a:t>
-            </a:r>
-            <a:r>
-              <a:rPr lang="de-CH" sz="1800" dirty="0" err="1">
-                <a:effectLst/>
-                <a:latin typeface="__fkGroteskNeue_598ab8"/>
-              </a:rPr>
-              <a:t>tasks</a:t>
-            </a:r>
-            <a:r>
-              <a:rPr lang="de-CH" sz="1800" dirty="0">
-                <a:effectLst/>
-                <a:latin typeface="__fkGroteskNeue_598ab8"/>
-              </a:rPr>
-              <a:t> </a:t>
-            </a:r>
-            <a:r>
-              <a:rPr lang="de-CH" sz="1800" dirty="0" err="1">
-                <a:effectLst/>
-                <a:latin typeface="__fkGroteskNeue_598ab8"/>
-              </a:rPr>
-              <a:t>across</a:t>
-            </a:r>
-            <a:r>
-              <a:rPr lang="de-CH" sz="1800" dirty="0">
-                <a:effectLst/>
-                <a:latin typeface="__fkGroteskNeue_598ab8"/>
-              </a:rPr>
-              <a:t> multiple </a:t>
-            </a:r>
-            <a:r>
-              <a:rPr lang="de-CH" sz="1800" dirty="0" err="1">
-                <a:effectLst/>
-                <a:latin typeface="__fkGroteskNeue_598ab8"/>
-              </a:rPr>
-              <a:t>languages</a:t>
-            </a:r>
-            <a:r>
-              <a:rPr lang="de-CH" sz="1800" dirty="0">
-                <a:effectLst/>
-                <a:latin typeface="__fkGroteskNeue_598ab8"/>
-              </a:rPr>
-              <a:t> </a:t>
-            </a:r>
-            <a:r>
-              <a:rPr lang="de-CH" sz="1800" dirty="0" err="1">
-                <a:effectLst/>
-                <a:latin typeface="__fkGroteskNeue_598ab8"/>
-              </a:rPr>
-              <a:t>makes</a:t>
-            </a:r>
-            <a:r>
-              <a:rPr lang="de-CH" sz="1800" dirty="0">
-                <a:effectLst/>
-                <a:latin typeface="__fkGroteskNeue_598ab8"/>
-              </a:rPr>
-              <a:t> </a:t>
-            </a:r>
-            <a:r>
-              <a:rPr lang="de-CH" sz="1800" dirty="0" err="1">
-                <a:effectLst/>
-                <a:latin typeface="__fkGroteskNeue_598ab8"/>
-              </a:rPr>
-              <a:t>it</a:t>
-            </a:r>
-            <a:r>
-              <a:rPr lang="de-CH" sz="1800" dirty="0">
-                <a:effectLst/>
-                <a:latin typeface="__fkGroteskNeue_598ab8"/>
-              </a:rPr>
-              <a:t> </a:t>
-            </a:r>
-            <a:r>
-              <a:rPr lang="de-CH" sz="1800" dirty="0" err="1">
-                <a:effectLst/>
-                <a:latin typeface="__fkGroteskNeue_598ab8"/>
-              </a:rPr>
-              <a:t>the</a:t>
-            </a:r>
-            <a:r>
-              <a:rPr lang="de-CH" sz="1800" dirty="0">
-                <a:effectLst/>
-                <a:latin typeface="__fkGroteskNeue_598ab8"/>
-              </a:rPr>
-              <a:t> </a:t>
-            </a:r>
-            <a:r>
-              <a:rPr lang="de-CH" sz="1800" dirty="0" err="1">
-                <a:effectLst/>
-                <a:latin typeface="__fkGroteskNeue_598ab8"/>
-              </a:rPr>
-              <a:t>most</a:t>
-            </a:r>
-            <a:r>
-              <a:rPr lang="de-CH" sz="1800" dirty="0">
-                <a:effectLst/>
-                <a:latin typeface="__fkGroteskNeue_598ab8"/>
-              </a:rPr>
-              <a:t> </a:t>
-            </a:r>
-            <a:r>
-              <a:rPr lang="de-CH" sz="1800" dirty="0" err="1">
-                <a:effectLst/>
-                <a:latin typeface="__fkGroteskNeue_598ab8"/>
-              </a:rPr>
-              <a:t>suitable</a:t>
-            </a:r>
-            <a:r>
-              <a:rPr lang="de-CH" sz="1800" dirty="0">
-                <a:effectLst/>
-                <a:latin typeface="__fkGroteskNeue_598ab8"/>
-              </a:rPr>
-              <a:t> </a:t>
-            </a:r>
-            <a:r>
-              <a:rPr lang="de-CH" sz="1800" dirty="0" err="1">
-                <a:effectLst/>
-                <a:latin typeface="__fkGroteskNeue_598ab8"/>
-              </a:rPr>
-              <a:t>choice</a:t>
-            </a:r>
-            <a:r>
-              <a:rPr lang="de-CH" sz="1800" dirty="0">
-                <a:effectLst/>
-                <a:latin typeface="__fkGroteskNeue_598ab8"/>
-              </a:rPr>
-              <a:t> </a:t>
-            </a:r>
-            <a:r>
-              <a:rPr lang="de-CH" sz="1800" dirty="0" err="1">
-                <a:effectLst/>
-                <a:latin typeface="__fkGroteskNeue_598ab8"/>
-              </a:rPr>
-              <a:t>for</a:t>
-            </a:r>
-            <a:r>
-              <a:rPr lang="de-CH" sz="1800" dirty="0">
-                <a:effectLst/>
-                <a:latin typeface="__fkGroteskNeue_598ab8"/>
-              </a:rPr>
-              <a:t> </a:t>
-            </a:r>
-            <a:r>
-              <a:rPr lang="de-CH" sz="1800" dirty="0" err="1">
-                <a:effectLst/>
-                <a:latin typeface="__fkGroteskNeue_598ab8"/>
-              </a:rPr>
-              <a:t>your</a:t>
-            </a:r>
-            <a:r>
-              <a:rPr lang="de-CH" sz="1800" dirty="0">
-                <a:effectLst/>
-                <a:latin typeface="__fkGroteskNeue_598ab8"/>
-              </a:rPr>
-              <a:t> </a:t>
-            </a:r>
-            <a:r>
-              <a:rPr lang="de-CH" sz="1800" dirty="0" err="1">
-                <a:effectLst/>
-                <a:latin typeface="__fkGroteskNeue_598ab8"/>
-              </a:rPr>
-              <a:t>specific</a:t>
-            </a:r>
-            <a:r>
-              <a:rPr lang="de-CH" sz="1800" dirty="0">
-                <a:effectLst/>
-                <a:latin typeface="__fkGroteskNeue_598ab8"/>
-              </a:rPr>
-              <a:t> </a:t>
-            </a:r>
-            <a:r>
-              <a:rPr lang="de-CH" sz="1800" dirty="0" err="1">
-                <a:effectLst/>
-                <a:latin typeface="__fkGroteskNeue_598ab8"/>
-              </a:rPr>
-              <a:t>requirements</a:t>
-            </a:r>
-            <a:r>
-              <a:rPr lang="de-CH" sz="1800" dirty="0">
-                <a:effectLst/>
-                <a:latin typeface="__fkGroteskNeue_598ab8"/>
-              </a:rPr>
-              <a:t>.</a:t>
-            </a:r>
-          </a:p>
-          <a:p>
-            <a:r>
-              <a:rPr lang="en-US" dirty="0"/>
-              <a:t>Advantages with this model:</a:t>
-            </a:r>
-          </a:p>
-          <a:p>
-            <a:pPr marL="285750" indent="-285750" rtl="0" fontAlgn="ctr">
+              <a:rPr lang="en-US" b="1" i="0" dirty="0">
+                <a:effectLst/>
+                <a:latin typeface="__fkGroteskNeue_598ab8"/>
+              </a:rPr>
+              <a:t>Precision</a:t>
+            </a:r>
+            <a:r>
+              <a:rPr lang="en-US" b="0" i="0" dirty="0">
+                <a:effectLst/>
+                <a:latin typeface="__fkGroteskNeue_598ab8"/>
+              </a:rPr>
+              <a:t> answers the question: "Out of all the positive predictions we made, how many were true?"</a:t>
+            </a:r>
+            <a:endParaRPr lang="en-US" b="0" i="0" u="none" strike="noStrike" dirty="0">
+              <a:effectLst/>
+              <a:latin typeface="var(--font-berkeley-mono)"/>
+              <a:hlinkClick r:id="rId3"/>
+            </a:endParaRPr>
+          </a:p>
+          <a:p>
+            <a:pPr marL="0" marR="0" lvl="0" indent="0" algn="l" defTabSz="914400" rtl="0" eaLnBrk="1" fontAlgn="auto" latinLnBrk="0" hangingPunct="1">
+              <a:lnSpc>
+                <a:spcPct val="100000"/>
+              </a:lnSpc>
               <a:spcBef>
                 <a:spcPts val="0"/>
               </a:spcBef>
               <a:spcAft>
                 <a:spcPts val="0"/>
               </a:spcAft>
-              <a:buFont typeface="Arial" panose="020B0604020202020204" pitchFamily="34" charset="0"/>
-              <a:buChar char="•"/>
+              <a:buClrTx/>
+              <a:buSzTx/>
+              <a:buFontTx/>
+              <a:buNone/>
+              <a:tabLst/>
+              <a:defRPr/>
             </a:pPr>
             <a:r>
-              <a:rPr lang="de-CH" sz="1800" b="0" i="0" dirty="0">
-                <a:effectLst/>
-                <a:latin typeface="__fkGroteskNeue_598ab8"/>
-              </a:rPr>
-              <a:t>Language support: This </a:t>
-            </a:r>
-            <a:r>
-              <a:rPr lang="de-CH" sz="1800" b="0" i="0" dirty="0" err="1">
-                <a:effectLst/>
-                <a:latin typeface="__fkGroteskNeue_598ab8"/>
-              </a:rPr>
-              <a:t>model</a:t>
-            </a:r>
-            <a:r>
-              <a:rPr lang="de-CH" sz="1800" b="0" i="0" dirty="0">
-                <a:effectLst/>
-                <a:latin typeface="__fkGroteskNeue_598ab8"/>
-              </a:rPr>
-              <a:t> </a:t>
-            </a:r>
-            <a:r>
-              <a:rPr lang="de-CH" sz="1800" b="0" i="0" dirty="0" err="1">
-                <a:effectLst/>
-                <a:latin typeface="__fkGroteskNeue_598ab8"/>
-              </a:rPr>
-              <a:t>supports</a:t>
-            </a:r>
-            <a:r>
-              <a:rPr lang="de-CH" sz="1800" b="0" i="0" dirty="0">
-                <a:effectLst/>
-                <a:latin typeface="__fkGroteskNeue_598ab8"/>
-              </a:rPr>
-              <a:t> all </a:t>
-            </a:r>
-            <a:r>
-              <a:rPr lang="de-CH" sz="1800" b="0" i="0" dirty="0" err="1">
-                <a:effectLst/>
-                <a:latin typeface="__fkGroteskNeue_598ab8"/>
-              </a:rPr>
-              <a:t>four</a:t>
-            </a:r>
-            <a:r>
-              <a:rPr lang="de-CH" sz="1800" b="0" i="0" dirty="0">
-                <a:effectLst/>
-                <a:latin typeface="__fkGroteskNeue_598ab8"/>
-              </a:rPr>
-              <a:t> </a:t>
-            </a:r>
-            <a:r>
-              <a:rPr lang="de-CH" sz="1800" b="0" i="0" dirty="0" err="1">
-                <a:effectLst/>
-                <a:latin typeface="__fkGroteskNeue_598ab8"/>
-              </a:rPr>
-              <a:t>required</a:t>
-            </a:r>
-            <a:r>
-              <a:rPr lang="de-CH" sz="1800" b="0" i="0" dirty="0">
-                <a:effectLst/>
-                <a:latin typeface="__fkGroteskNeue_598ab8"/>
-              </a:rPr>
-              <a:t> </a:t>
-            </a:r>
-            <a:r>
-              <a:rPr lang="de-CH" sz="1800" b="0" i="0" dirty="0" err="1">
-                <a:effectLst/>
-                <a:latin typeface="__fkGroteskNeue_598ab8"/>
-              </a:rPr>
-              <a:t>languages</a:t>
-            </a:r>
-            <a:r>
-              <a:rPr lang="de-CH" sz="1800" b="0" i="0" dirty="0">
-                <a:effectLst/>
-                <a:latin typeface="__fkGroteskNeue_598ab8"/>
-              </a:rPr>
-              <a:t> (English, French, </a:t>
-            </a:r>
-            <a:r>
-              <a:rPr lang="de-CH" sz="1800" b="0" i="0" dirty="0" err="1">
-                <a:effectLst/>
-                <a:latin typeface="__fkGroteskNeue_598ab8"/>
-              </a:rPr>
-              <a:t>Italian</a:t>
-            </a:r>
-            <a:r>
-              <a:rPr lang="de-CH" sz="1800" b="0" i="0" dirty="0">
-                <a:effectLst/>
-                <a:latin typeface="__fkGroteskNeue_598ab8"/>
-              </a:rPr>
-              <a:t>, and German)</a:t>
-            </a:r>
-          </a:p>
-          <a:p>
-            <a:pPr marL="285750" indent="-285750" rtl="0" fontAlgn="ctr">
+              <a:rPr lang="en-US" b="1" i="0" dirty="0">
+                <a:effectLst/>
+                <a:latin typeface="__fkGroteskNeue_598ab8"/>
+              </a:rPr>
+              <a:t>Recall</a:t>
+            </a:r>
+            <a:r>
+              <a:rPr lang="en-US" b="0" i="0" dirty="0">
+                <a:effectLst/>
+                <a:latin typeface="__fkGroteskNeue_598ab8"/>
+              </a:rPr>
+              <a:t> answers the question: "Out of all the data points that should be predicted as true, how many did we correctly predict as true?"</a:t>
+            </a:r>
+            <a:endParaRPr lang="en-US" b="0" i="0" u="none" strike="noStrike" dirty="0">
+              <a:effectLst/>
+              <a:latin typeface="var(--font-berkeley-mono)"/>
+            </a:endParaRPr>
+          </a:p>
+          <a:p>
+            <a:pPr marL="0" marR="0" lvl="0" indent="0" algn="l" defTabSz="914400" rtl="0" eaLnBrk="1" fontAlgn="auto" latinLnBrk="0" hangingPunct="1">
+              <a:lnSpc>
+                <a:spcPct val="100000"/>
+              </a:lnSpc>
               <a:spcBef>
                 <a:spcPts val="0"/>
               </a:spcBef>
               <a:spcAft>
                 <a:spcPts val="0"/>
               </a:spcAft>
-              <a:buFont typeface="Arial" panose="020B0604020202020204" pitchFamily="34" charset="0"/>
-              <a:buChar char="•"/>
+              <a:buClrTx/>
+              <a:buSzTx/>
+              <a:buFontTx/>
+              <a:buNone/>
+              <a:tabLst/>
+              <a:defRPr/>
             </a:pPr>
             <a:r>
-              <a:rPr lang="de-CH" sz="1800" b="0" i="0" dirty="0">
-                <a:effectLst/>
-                <a:latin typeface="__fkGroteskNeue_598ab8"/>
-              </a:rPr>
-              <a:t>Multilingual NER </a:t>
-            </a:r>
-            <a:r>
-              <a:rPr lang="de-CH" sz="1800" b="0" i="0" dirty="0" err="1">
-                <a:effectLst/>
-                <a:latin typeface="__fkGroteskNeue_598ab8"/>
-              </a:rPr>
-              <a:t>capability</a:t>
-            </a:r>
-            <a:r>
-              <a:rPr lang="de-CH" sz="1800" b="0" i="0" dirty="0">
-                <a:effectLst/>
-                <a:latin typeface="__fkGroteskNeue_598ab8"/>
-              </a:rPr>
-              <a:t>: </a:t>
-            </a:r>
-            <a:r>
-              <a:rPr lang="de-CH" sz="1800" b="0" i="0" dirty="0" err="1">
-                <a:effectLst/>
-                <a:latin typeface="__fkGroteskNeue_598ab8"/>
-              </a:rPr>
-              <a:t>It</a:t>
-            </a:r>
-            <a:r>
-              <a:rPr lang="de-CH" sz="1800" b="0" i="0" dirty="0">
-                <a:effectLst/>
-                <a:latin typeface="__fkGroteskNeue_598ab8"/>
-              </a:rPr>
-              <a:t> </a:t>
-            </a:r>
-            <a:r>
-              <a:rPr lang="de-CH" sz="1800" b="0" i="0" dirty="0" err="1">
-                <a:effectLst/>
-                <a:latin typeface="__fkGroteskNeue_598ab8"/>
-              </a:rPr>
-              <a:t>is</a:t>
-            </a:r>
-            <a:r>
-              <a:rPr lang="de-CH" sz="1800" b="0" i="0" dirty="0">
-                <a:effectLst/>
-                <a:latin typeface="__fkGroteskNeue_598ab8"/>
-              </a:rPr>
-              <a:t> </a:t>
-            </a:r>
-            <a:r>
-              <a:rPr lang="de-CH" sz="1800" b="0" i="0" dirty="0" err="1">
-                <a:effectLst/>
-                <a:latin typeface="__fkGroteskNeue_598ab8"/>
-              </a:rPr>
-              <a:t>specifically</a:t>
-            </a:r>
-            <a:r>
-              <a:rPr lang="de-CH" sz="1800" b="0" i="0" dirty="0">
-                <a:effectLst/>
-                <a:latin typeface="__fkGroteskNeue_598ab8"/>
-              </a:rPr>
-              <a:t> </a:t>
-            </a:r>
-            <a:r>
-              <a:rPr lang="de-CH" sz="1800" b="0" i="0" dirty="0" err="1">
-                <a:effectLst/>
-                <a:latin typeface="__fkGroteskNeue_598ab8"/>
-              </a:rPr>
-              <a:t>designed</a:t>
-            </a:r>
-            <a:r>
-              <a:rPr lang="de-CH" sz="1800" b="0" i="0" dirty="0">
-                <a:effectLst/>
-                <a:latin typeface="__fkGroteskNeue_598ab8"/>
-              </a:rPr>
-              <a:t> </a:t>
-            </a:r>
-            <a:r>
-              <a:rPr lang="de-CH" sz="1800" b="0" i="0" dirty="0" err="1">
-                <a:effectLst/>
-                <a:latin typeface="__fkGroteskNeue_598ab8"/>
-              </a:rPr>
-              <a:t>for</a:t>
-            </a:r>
-            <a:r>
-              <a:rPr lang="de-CH" sz="1800" b="0" i="0" dirty="0">
-                <a:effectLst/>
-                <a:latin typeface="__fkGroteskNeue_598ab8"/>
-              </a:rPr>
-              <a:t> </a:t>
-            </a:r>
-            <a:r>
-              <a:rPr lang="de-CH" sz="1800" b="0" i="0" dirty="0" err="1">
-                <a:effectLst/>
-                <a:latin typeface="__fkGroteskNeue_598ab8"/>
-              </a:rPr>
-              <a:t>Named</a:t>
-            </a:r>
-            <a:r>
-              <a:rPr lang="de-CH" sz="1800" b="0" i="0" dirty="0">
-                <a:effectLst/>
-                <a:latin typeface="__fkGroteskNeue_598ab8"/>
-              </a:rPr>
-              <a:t> Entity Recognition (NER) </a:t>
-            </a:r>
-            <a:r>
-              <a:rPr lang="de-CH" sz="1800" b="0" i="0" dirty="0" err="1">
-                <a:effectLst/>
-                <a:latin typeface="__fkGroteskNeue_598ab8"/>
-              </a:rPr>
-              <a:t>tasks</a:t>
-            </a:r>
-            <a:r>
-              <a:rPr lang="de-CH" sz="1800" b="0" i="0" dirty="0">
-                <a:effectLst/>
-                <a:latin typeface="__fkGroteskNeue_598ab8"/>
-              </a:rPr>
-              <a:t> </a:t>
-            </a:r>
-            <a:r>
-              <a:rPr lang="de-CH" sz="1800" b="0" i="0" dirty="0" err="1">
-                <a:effectLst/>
-                <a:latin typeface="__fkGroteskNeue_598ab8"/>
-              </a:rPr>
-              <a:t>across</a:t>
-            </a:r>
-            <a:r>
-              <a:rPr lang="de-CH" sz="1800" b="0" i="0" dirty="0">
-                <a:effectLst/>
-                <a:latin typeface="__fkGroteskNeue_598ab8"/>
-              </a:rPr>
-              <a:t> multiple </a:t>
-            </a:r>
-            <a:r>
-              <a:rPr lang="de-CH" sz="1800" b="0" i="0" dirty="0" err="1">
-                <a:effectLst/>
-                <a:latin typeface="__fkGroteskNeue_598ab8"/>
-              </a:rPr>
-              <a:t>languages</a:t>
-            </a:r>
-            <a:endParaRPr lang="de-CH" sz="1800" b="0" i="0" dirty="0">
+              <a:rPr lang="en-US" b="0" i="0" dirty="0">
+                <a:effectLst/>
+                <a:latin typeface="__fkGroteskNeue_598ab8"/>
+              </a:rPr>
+              <a:t>The</a:t>
+            </a:r>
+            <a:r>
+              <a:rPr lang="en-US" b="1" i="0" dirty="0">
+                <a:effectLst/>
+                <a:latin typeface="__fkGroteskNeue_598ab8"/>
+              </a:rPr>
+              <a:t> F1-score </a:t>
+            </a:r>
+            <a:r>
+              <a:rPr lang="en-US" b="0" i="0" dirty="0">
+                <a:effectLst/>
+                <a:latin typeface="__fkGroteskNeue_598ab8"/>
+              </a:rPr>
+              <a:t>is a single metric that combines precision and recall, providing a balanced measure of a model's performance</a:t>
+            </a:r>
+            <a:endParaRPr lang="en-US" b="0" i="0" u="none" strike="noStrike" dirty="0">
               <a:effectLst/>
-              <a:latin typeface="__fkGroteskNeue_598ab8"/>
+              <a:latin typeface="var(--font-berkeley-mono)"/>
+              <a:hlinkClick r:id="rId4"/>
             </a:endParaRPr>
           </a:p>
           <a:p>
-            <a:pPr marL="285750" indent="-285750" rtl="0" fontAlgn="ctr">
+            <a:endParaRPr lang="de-CH" dirty="0"/>
+          </a:p>
+        </p:txBody>
+      </p:sp>
+      <p:sp>
+        <p:nvSpPr>
+          <p:cNvPr id="4" name="Slide Number Placeholder 3"/>
+          <p:cNvSpPr>
+            <a:spLocks noGrp="1"/>
+          </p:cNvSpPr>
+          <p:nvPr>
+            <p:ph type="sldNum" sz="quarter" idx="5"/>
+          </p:nvPr>
+        </p:nvSpPr>
+        <p:spPr/>
+        <p:txBody>
+          <a:bodyPr/>
+          <a:lstStyle/>
+          <a:p>
+            <a:fld id="{2DA66685-3D22-47BB-B74E-10995D7F8271}" type="slidenum">
+              <a:rPr lang="en-US" smtClean="0"/>
+              <a:t>20</a:t>
+            </a:fld>
+            <a:endParaRPr lang="en-US"/>
+          </a:p>
+        </p:txBody>
+      </p:sp>
+    </p:spTree>
+    <p:extLst>
+      <p:ext uri="{BB962C8B-B14F-4D97-AF65-F5344CB8AC3E}">
+        <p14:creationId xmlns:p14="http://schemas.microsoft.com/office/powerpoint/2010/main" val="2579797496"/>
+      </p:ext>
+    </p:extLst>
+  </p:cSld>
+  <p:clrMapOvr>
+    <a:masterClrMapping/>
+  </p:clrMapOvr>
+</p:notes>
+</file>
+
+<file path=ppt/notesSlides/notesSlide18.xml><?xml version="1.0" encoding="utf-8"?>
+<p:notes xmlns:a="http://schemas.openxmlformats.org/drawingml/2006/main" xmlns:r="http://schemas.openxmlformats.org/officeDocument/2006/relationships" xmlns:p="http://schemas.openxmlformats.org/presentationml/2006/main">
+  <p:cSld>
+    <p:spTree>
+      <p:nvGrpSpPr>
+        <p:cNvPr id="1" name=""/>
+        <p:cNvGrpSpPr/>
+        <p:nvPr/>
+      </p:nvGrpSpPr>
+      <p:grpSpPr>
+        <a:xfrm>
+          <a:off x="0" y="0"/>
+          <a:ext cx="0" cy="0"/>
+          <a:chOff x="0" y="0"/>
+          <a:chExt cx="0" cy="0"/>
+        </a:xfrm>
+      </p:grpSpPr>
+      <p:sp>
+        <p:nvSpPr>
+          <p:cNvPr id="2" name="Slide Image Placeholder 1"/>
+          <p:cNvSpPr>
+            <a:spLocks noGrp="1" noRot="1" noChangeAspect="1"/>
+          </p:cNvSpPr>
+          <p:nvPr>
+            <p:ph type="sldImg"/>
+          </p:nvPr>
+        </p:nvSpPr>
+        <p:spPr/>
+      </p:sp>
+      <p:sp>
+        <p:nvSpPr>
+          <p:cNvPr id="3" name="Notes Placeholder 2"/>
+          <p:cNvSpPr>
+            <a:spLocks noGrp="1"/>
+          </p:cNvSpPr>
+          <p:nvPr>
+            <p:ph type="body" idx="1"/>
+          </p:nvPr>
+        </p:nvSpPr>
+        <p:spPr/>
+        <p:txBody>
+          <a:bodyPr/>
+          <a:lstStyle/>
+          <a:p>
+            <a:pPr marL="0" marR="0" lvl="0" indent="0" algn="l" defTabSz="914400" rtl="0" eaLnBrk="1" fontAlgn="auto" latinLnBrk="0" hangingPunct="1">
+              <a:lnSpc>
+                <a:spcPct val="100000"/>
+              </a:lnSpc>
               <a:spcBef>
                 <a:spcPts val="0"/>
               </a:spcBef>
               <a:spcAft>
                 <a:spcPts val="0"/>
               </a:spcAft>
-              <a:buFont typeface="Arial" panose="020B0604020202020204" pitchFamily="34" charset="0"/>
-              <a:buChar char="•"/>
+              <a:buClrTx/>
+              <a:buSzTx/>
+              <a:buFontTx/>
+              <a:buNone/>
+              <a:tabLst/>
+              <a:defRPr/>
             </a:pPr>
             <a:r>
-              <a:rPr lang="de-CH" sz="1800" b="0" i="0" dirty="0">
-                <a:effectLst/>
-                <a:latin typeface="__fkGroteskNeue_598ab8"/>
-              </a:rPr>
-              <a:t>Transfer </a:t>
-            </a:r>
-            <a:r>
-              <a:rPr lang="de-CH" sz="1800" b="0" i="0" dirty="0" err="1">
-                <a:effectLst/>
-                <a:latin typeface="__fkGroteskNeue_598ab8"/>
-              </a:rPr>
-              <a:t>learning</a:t>
-            </a:r>
-            <a:r>
-              <a:rPr lang="de-CH" sz="1800" b="0" i="0" dirty="0">
-                <a:effectLst/>
-                <a:latin typeface="__fkGroteskNeue_598ab8"/>
-              </a:rPr>
-              <a:t> potential: The </a:t>
-            </a:r>
-            <a:r>
-              <a:rPr lang="de-CH" sz="1800" b="0" i="0" dirty="0" err="1">
-                <a:effectLst/>
-                <a:latin typeface="__fkGroteskNeue_598ab8"/>
-              </a:rPr>
+              <a:rPr lang="de-CH" dirty="0"/>
+              <a:t>The </a:t>
+            </a:r>
+            <a:r>
+              <a:rPr lang="de-CH" dirty="0" err="1"/>
+              <a:t>results</a:t>
+            </a:r>
+            <a:r>
+              <a:rPr lang="de-CH" dirty="0"/>
+              <a:t> </a:t>
+            </a:r>
+            <a:r>
+              <a:rPr lang="de-CH" dirty="0" err="1"/>
+              <a:t>are</a:t>
+            </a:r>
+            <a:r>
+              <a:rPr lang="de-CH" dirty="0"/>
+              <a:t> </a:t>
+            </a:r>
+            <a:r>
+              <a:rPr lang="de-CH" dirty="0" err="1"/>
+              <a:t>pretty</a:t>
+            </a:r>
+            <a:r>
+              <a:rPr lang="de-CH" dirty="0"/>
+              <a:t> </a:t>
+            </a:r>
+            <a:r>
+              <a:rPr lang="de-CH" dirty="0" err="1"/>
+              <a:t>bad</a:t>
+            </a:r>
+            <a:r>
+              <a:rPr lang="de-CH" dirty="0"/>
+              <a:t>. </a:t>
+            </a:r>
+            <a:r>
+              <a:rPr lang="de-CH" dirty="0" err="1"/>
+              <a:t>We</a:t>
+            </a:r>
+            <a:r>
+              <a:rPr lang="de-CH" dirty="0"/>
+              <a:t> </a:t>
+            </a:r>
+            <a:r>
+              <a:rPr lang="de-CH" dirty="0" err="1"/>
+              <a:t>tested</a:t>
+            </a:r>
+            <a:r>
+              <a:rPr lang="de-CH" dirty="0"/>
+              <a:t> </a:t>
+            </a:r>
+            <a:r>
+              <a:rPr lang="de-CH" dirty="0" err="1"/>
+              <a:t>the</a:t>
+            </a:r>
+            <a:r>
+              <a:rPr lang="de-CH" dirty="0"/>
+              <a:t> </a:t>
+            </a:r>
+            <a:r>
+              <a:rPr lang="de-CH" dirty="0" err="1"/>
               <a:t>model</a:t>
             </a:r>
             <a:r>
-              <a:rPr lang="de-CH" sz="1800" b="0" i="0" dirty="0">
-                <a:effectLst/>
-                <a:latin typeface="__fkGroteskNeue_598ab8"/>
-              </a:rPr>
-              <a:t> </a:t>
-            </a:r>
-            <a:r>
-              <a:rPr lang="de-CH" sz="1800" b="0" i="0" dirty="0" err="1">
-                <a:effectLst/>
-                <a:latin typeface="__fkGroteskNeue_598ab8"/>
-              </a:rPr>
-              <a:t>is</a:t>
-            </a:r>
-            <a:r>
-              <a:rPr lang="de-CH" sz="1800" b="0" i="0" dirty="0">
-                <a:effectLst/>
-                <a:latin typeface="__fkGroteskNeue_598ab8"/>
-              </a:rPr>
-              <a:t> </a:t>
-            </a:r>
-            <a:r>
-              <a:rPr lang="de-CH" sz="1800" b="0" i="0" dirty="0" err="1">
-                <a:effectLst/>
-                <a:latin typeface="__fkGroteskNeue_598ab8"/>
-              </a:rPr>
-              <a:t>trained</a:t>
-            </a:r>
-            <a:r>
-              <a:rPr lang="de-CH" sz="1800" b="0" i="0" dirty="0">
-                <a:effectLst/>
-                <a:latin typeface="__fkGroteskNeue_598ab8"/>
-              </a:rPr>
-              <a:t> on a large </a:t>
-            </a:r>
-            <a:r>
-              <a:rPr lang="de-CH" sz="1800" b="0" i="0" dirty="0" err="1">
-                <a:effectLst/>
-                <a:latin typeface="__fkGroteskNeue_598ab8"/>
-              </a:rPr>
-              <a:t>dataset</a:t>
-            </a:r>
-            <a:r>
-              <a:rPr lang="de-CH" sz="1800" b="0" i="0" dirty="0">
-                <a:effectLst/>
-                <a:latin typeface="__fkGroteskNeue_598ab8"/>
-              </a:rPr>
-              <a:t> </a:t>
-            </a:r>
-            <a:r>
-              <a:rPr lang="de-CH" sz="1800" b="0" i="0" dirty="0" err="1">
-                <a:effectLst/>
-                <a:latin typeface="__fkGroteskNeue_598ab8"/>
-              </a:rPr>
-              <a:t>derived</a:t>
-            </a:r>
-            <a:r>
-              <a:rPr lang="de-CH" sz="1800" b="0" i="0" dirty="0">
-                <a:effectLst/>
-                <a:latin typeface="__fkGroteskNeue_598ab8"/>
-              </a:rPr>
-              <a:t> </a:t>
-            </a:r>
-            <a:r>
-              <a:rPr lang="de-CH" sz="1800" b="0" i="0" dirty="0" err="1">
-                <a:effectLst/>
-                <a:latin typeface="__fkGroteskNeue_598ab8"/>
-              </a:rPr>
-              <a:t>from</a:t>
-            </a:r>
-            <a:r>
-              <a:rPr lang="de-CH" sz="1800" b="0" i="0" dirty="0">
-                <a:effectLst/>
-                <a:latin typeface="__fkGroteskNeue_598ab8"/>
-              </a:rPr>
-              <a:t> Wikipedia, </a:t>
-            </a:r>
-            <a:r>
-              <a:rPr lang="de-CH" sz="1800" b="0" i="0" dirty="0" err="1">
-                <a:effectLst/>
-                <a:latin typeface="__fkGroteskNeue_598ab8"/>
-              </a:rPr>
-              <a:t>combining</a:t>
-            </a:r>
-            <a:r>
-              <a:rPr lang="de-CH" sz="1800" b="0" i="0" dirty="0">
-                <a:effectLst/>
-                <a:latin typeface="__fkGroteskNeue_598ab8"/>
-              </a:rPr>
-              <a:t> </a:t>
-            </a:r>
-            <a:r>
-              <a:rPr lang="de-CH" sz="1800" b="0" i="0" dirty="0" err="1">
-                <a:effectLst/>
-                <a:latin typeface="__fkGroteskNeue_598ab8"/>
-              </a:rPr>
-              <a:t>neural</a:t>
-            </a:r>
-            <a:r>
-              <a:rPr lang="de-CH" sz="1800" b="0" i="0" dirty="0">
-                <a:effectLst/>
-                <a:latin typeface="__fkGroteskNeue_598ab8"/>
-              </a:rPr>
+              <a:rPr lang="de-CH" dirty="0"/>
+              <a:t> </a:t>
+            </a:r>
+            <a:r>
+              <a:rPr lang="de-CH" dirty="0" err="1"/>
+              <a:t>with</a:t>
+            </a:r>
+            <a:r>
+              <a:rPr lang="de-CH" dirty="0"/>
+              <a:t> </a:t>
+            </a:r>
+            <a:r>
+              <a:rPr lang="de-CH" dirty="0" err="1"/>
+              <a:t>sentences</a:t>
+            </a:r>
+            <a:r>
+              <a:rPr lang="de-CH" dirty="0"/>
               <a:t> and </a:t>
             </a:r>
             <a:r>
-              <a:rPr lang="de-CH" sz="1800" b="0" i="0" dirty="0" err="1">
-                <a:effectLst/>
-                <a:latin typeface="__fkGroteskNeue_598ab8"/>
-              </a:rPr>
-              <a:t>knowledge-based</a:t>
-            </a:r>
-            <a:r>
-              <a:rPr lang="de-CH" sz="1800" b="0" i="0" dirty="0">
-                <a:effectLst/>
-                <a:latin typeface="__fkGroteskNeue_598ab8"/>
-              </a:rPr>
-              <a:t> </a:t>
-            </a:r>
-            <a:r>
-              <a:rPr lang="de-CH" sz="1800" b="0" i="0" dirty="0" err="1">
-                <a:effectLst/>
-                <a:latin typeface="__fkGroteskNeue_598ab8"/>
-              </a:rPr>
-              <a:t>approaches</a:t>
-            </a:r>
-            <a:r>
-              <a:rPr lang="de-CH" sz="1800" b="0" i="0" dirty="0">
-                <a:effectLst/>
-                <a:latin typeface="__fkGroteskNeue_598ab8"/>
-              </a:rPr>
-              <a:t>. This </a:t>
-            </a:r>
-            <a:r>
-              <a:rPr lang="de-CH" sz="1800" b="0" i="0" dirty="0" err="1">
-                <a:effectLst/>
-                <a:latin typeface="__fkGroteskNeue_598ab8"/>
-              </a:rPr>
-              <a:t>makes</a:t>
-            </a:r>
-            <a:r>
-              <a:rPr lang="de-CH" sz="1800" b="0" i="0" dirty="0">
-                <a:effectLst/>
-                <a:latin typeface="__fkGroteskNeue_598ab8"/>
-              </a:rPr>
-              <a:t> </a:t>
-            </a:r>
-            <a:r>
-              <a:rPr lang="de-CH" sz="1800" b="0" i="0" dirty="0" err="1">
-                <a:effectLst/>
-                <a:latin typeface="__fkGroteskNeue_598ab8"/>
-              </a:rPr>
-              <a:t>it</a:t>
-            </a:r>
-            <a:r>
-              <a:rPr lang="de-CH" sz="1800" b="0" i="0" dirty="0">
-                <a:effectLst/>
-                <a:latin typeface="__fkGroteskNeue_598ab8"/>
-              </a:rPr>
-              <a:t> </a:t>
-            </a:r>
-            <a:r>
-              <a:rPr lang="de-CH" sz="1800" b="0" i="0" dirty="0" err="1">
-                <a:effectLst/>
-                <a:latin typeface="__fkGroteskNeue_598ab8"/>
-              </a:rPr>
-              <a:t>suitable</a:t>
-            </a:r>
-            <a:r>
-              <a:rPr lang="de-CH" sz="1800" b="0" i="0" dirty="0">
-                <a:effectLst/>
-                <a:latin typeface="__fkGroteskNeue_598ab8"/>
-              </a:rPr>
-              <a:t> </a:t>
-            </a:r>
-            <a:r>
-              <a:rPr lang="de-CH" sz="1800" b="0" i="0" dirty="0" err="1">
-                <a:effectLst/>
-                <a:latin typeface="__fkGroteskNeue_598ab8"/>
-              </a:rPr>
-              <a:t>for</a:t>
-            </a:r>
-            <a:r>
-              <a:rPr lang="de-CH" sz="1800" b="0" i="0" dirty="0">
-                <a:effectLst/>
-                <a:latin typeface="__fkGroteskNeue_598ab8"/>
-              </a:rPr>
-              <a:t> </a:t>
-            </a:r>
-            <a:r>
-              <a:rPr lang="de-CH" sz="1800" b="0" i="0" dirty="0" err="1">
-                <a:effectLst/>
-                <a:latin typeface="__fkGroteskNeue_598ab8"/>
-              </a:rPr>
-              <a:t>transfer</a:t>
-            </a:r>
-            <a:r>
-              <a:rPr lang="de-CH" sz="1800" b="0" i="0" dirty="0">
-                <a:effectLst/>
-                <a:latin typeface="__fkGroteskNeue_598ab8"/>
-              </a:rPr>
-              <a:t> </a:t>
-            </a:r>
-            <a:r>
-              <a:rPr lang="de-CH" sz="1800" b="0" i="0" dirty="0" err="1">
-                <a:effectLst/>
-                <a:latin typeface="__fkGroteskNeue_598ab8"/>
-              </a:rPr>
-              <a:t>learning</a:t>
-            </a:r>
-            <a:r>
-              <a:rPr lang="de-CH" sz="1800" b="0" i="0" dirty="0">
-                <a:effectLst/>
-                <a:latin typeface="__fkGroteskNeue_598ab8"/>
-              </a:rPr>
-              <a:t> </a:t>
-            </a:r>
-            <a:r>
-              <a:rPr lang="de-CH" sz="1800" b="0" i="0" dirty="0" err="1">
-                <a:effectLst/>
-                <a:latin typeface="__fkGroteskNeue_598ab8"/>
-              </a:rPr>
-              <a:t>from</a:t>
-            </a:r>
-            <a:r>
-              <a:rPr lang="de-CH" sz="1800" b="0" i="0" dirty="0">
-                <a:effectLst/>
-                <a:latin typeface="__fkGroteskNeue_598ab8"/>
-              </a:rPr>
-              <a:t> English </a:t>
-            </a:r>
-            <a:r>
-              <a:rPr lang="de-CH" sz="1800" b="0" i="0" dirty="0" err="1">
-                <a:effectLst/>
-                <a:latin typeface="__fkGroteskNeue_598ab8"/>
-              </a:rPr>
-              <a:t>to</a:t>
-            </a:r>
-            <a:r>
-              <a:rPr lang="de-CH" sz="1800" b="0" i="0" dirty="0">
-                <a:effectLst/>
-                <a:latin typeface="__fkGroteskNeue_598ab8"/>
-              </a:rPr>
-              <a:t> </a:t>
-            </a:r>
-            <a:r>
-              <a:rPr lang="de-CH" sz="1800" b="0" i="0" dirty="0" err="1">
-                <a:effectLst/>
-                <a:latin typeface="__fkGroteskNeue_598ab8"/>
-              </a:rPr>
-              <a:t>other</a:t>
-            </a:r>
-            <a:r>
-              <a:rPr lang="de-CH" sz="1800" b="0" i="0" dirty="0">
-                <a:effectLst/>
-                <a:latin typeface="__fkGroteskNeue_598ab8"/>
-              </a:rPr>
-              <a:t> </a:t>
-            </a:r>
-            <a:r>
-              <a:rPr lang="de-CH" sz="1800" b="0" i="0" dirty="0" err="1">
-                <a:effectLst/>
-                <a:latin typeface="__fkGroteskNeue_598ab8"/>
-              </a:rPr>
-              <a:t>languages</a:t>
-            </a:r>
-            <a:endParaRPr lang="de-CH" sz="1800" b="0" i="0" dirty="0">
-              <a:effectLst/>
-              <a:latin typeface="__fkGroteskNeue_598ab8"/>
-            </a:endParaRPr>
-          </a:p>
-          <a:p>
-            <a:pPr marL="285750" indent="-285750" rtl="0" fontAlgn="ctr">
-              <a:spcBef>
-                <a:spcPts val="0"/>
-              </a:spcBef>
-              <a:spcAft>
-                <a:spcPts val="0"/>
-              </a:spcAft>
-              <a:buFont typeface="Arial" panose="020B0604020202020204" pitchFamily="34" charset="0"/>
-              <a:buChar char="•"/>
-            </a:pPr>
-            <a:r>
-              <a:rPr lang="de-CH" sz="1800" b="0" i="0" dirty="0">
-                <a:effectLst/>
-                <a:latin typeface="__fkGroteskNeue_598ab8"/>
-              </a:rPr>
-              <a:t>Performance: </a:t>
-            </a:r>
-            <a:r>
-              <a:rPr lang="de-CH" sz="1800" b="0" i="0" dirty="0" err="1">
-                <a:effectLst/>
-                <a:latin typeface="__fkGroteskNeue_598ab8"/>
-              </a:rPr>
-              <a:t>It</a:t>
-            </a:r>
-            <a:r>
-              <a:rPr lang="de-CH" sz="1800" b="0" i="0" dirty="0">
-                <a:effectLst/>
-                <a:latin typeface="__fkGroteskNeue_598ab8"/>
-              </a:rPr>
-              <a:t> </a:t>
-            </a:r>
-            <a:r>
-              <a:rPr lang="de-CH" sz="1800" b="0" i="0" dirty="0" err="1">
-                <a:effectLst/>
-                <a:latin typeface="__fkGroteskNeue_598ab8"/>
-              </a:rPr>
-              <a:t>achieves</a:t>
-            </a:r>
-            <a:r>
-              <a:rPr lang="de-CH" sz="1800" b="0" i="0" dirty="0">
-                <a:effectLst/>
-                <a:latin typeface="__fkGroteskNeue_598ab8"/>
-              </a:rPr>
-              <a:t> </a:t>
-            </a:r>
-            <a:r>
-              <a:rPr lang="de-CH" sz="1800" b="0" i="0" dirty="0" err="1">
-                <a:effectLst/>
-                <a:latin typeface="__fkGroteskNeue_598ab8"/>
-              </a:rPr>
-              <a:t>state</a:t>
-            </a:r>
-            <a:r>
-              <a:rPr lang="de-CH" sz="1800" b="0" i="0" dirty="0">
-                <a:effectLst/>
-                <a:latin typeface="__fkGroteskNeue_598ab8"/>
-              </a:rPr>
-              <a:t>-</a:t>
-            </a:r>
-            <a:r>
-              <a:rPr lang="de-CH" sz="1800" b="0" i="0" dirty="0" err="1">
-                <a:effectLst/>
-                <a:latin typeface="__fkGroteskNeue_598ab8"/>
-              </a:rPr>
+              <a:rPr lang="de-CH" dirty="0" err="1"/>
+              <a:t>realized</a:t>
+            </a:r>
+            <a:r>
+              <a:rPr lang="de-CH" dirty="0"/>
+              <a:t> </a:t>
+            </a:r>
+            <a:r>
+              <a:rPr lang="de-CH" dirty="0" err="1"/>
+              <a:t>that</a:t>
+            </a:r>
+            <a:r>
+              <a:rPr lang="de-CH" dirty="0"/>
+              <a:t> </a:t>
+            </a:r>
+            <a:r>
+              <a:rPr lang="de-CH" dirty="0" err="1"/>
+              <a:t>the</a:t>
+            </a:r>
+            <a:r>
+              <a:rPr lang="de-CH" dirty="0"/>
+              <a:t> </a:t>
+            </a:r>
+            <a:r>
+              <a:rPr lang="de-CH" dirty="0" err="1"/>
+              <a:t>labels</a:t>
+            </a:r>
+            <a:r>
+              <a:rPr lang="de-CH" dirty="0"/>
+              <a:t> </a:t>
+            </a:r>
+            <a:r>
+              <a:rPr lang="de-CH" dirty="0" err="1"/>
               <a:t>of</a:t>
             </a:r>
             <a:r>
-              <a:rPr lang="de-CH" sz="1800" b="0" i="0" dirty="0">
-                <a:effectLst/>
-                <a:latin typeface="__fkGroteskNeue_598ab8"/>
-              </a:rPr>
-              <a:t>-</a:t>
-            </a:r>
-            <a:r>
-              <a:rPr lang="de-CH" sz="1800" b="0" i="0" dirty="0" err="1">
-                <a:effectLst/>
-                <a:latin typeface="__fkGroteskNeue_598ab8"/>
-              </a:rPr>
+              <a:rPr lang="de-CH" dirty="0"/>
+              <a:t> </a:t>
+            </a:r>
+            <a:r>
+              <a:rPr lang="de-CH" dirty="0" err="1"/>
               <a:t>the</a:t>
             </a:r>
             <a:r>
-              <a:rPr lang="de-CH" sz="1800" b="0" i="0" dirty="0">
-                <a:effectLst/>
-                <a:latin typeface="__fkGroteskNeue_598ab8"/>
-              </a:rPr>
-              <a:t>-art </a:t>
-            </a:r>
-            <a:r>
-              <a:rPr lang="de-CH" sz="1800" b="0" i="0" dirty="0" err="1">
-                <a:effectLst/>
-                <a:latin typeface="__fkGroteskNeue_598ab8"/>
-              </a:rPr>
-              <a:t>results</a:t>
-            </a:r>
-            <a:r>
-              <a:rPr lang="de-CH" sz="1800" b="0" i="0" dirty="0">
-                <a:effectLst/>
-                <a:latin typeface="__fkGroteskNeue_598ab8"/>
-              </a:rPr>
-              <a:t> in multilingual NER </a:t>
-            </a:r>
-            <a:r>
-              <a:rPr lang="de-CH" sz="1800" b="0" i="0" dirty="0" err="1">
-                <a:effectLst/>
-                <a:latin typeface="__fkGroteskNeue_598ab8"/>
-              </a:rPr>
-              <a:t>tasks</a:t>
-            </a:r>
-            <a:endParaRPr lang="de-CH" sz="1800" b="0" i="0" dirty="0">
-              <a:effectLst/>
-              <a:latin typeface="__fkGroteskNeue_598ab8"/>
-            </a:endParaRPr>
-          </a:p>
-          <a:p>
-            <a:pPr marL="285750" indent="-285750" rtl="0" fontAlgn="ctr">
-              <a:spcBef>
-                <a:spcPts val="0"/>
-              </a:spcBef>
-              <a:spcAft>
-                <a:spcPts val="0"/>
-              </a:spcAft>
-              <a:buFont typeface="Arial" panose="020B0604020202020204" pitchFamily="34" charset="0"/>
-              <a:buChar char="•"/>
-            </a:pPr>
-            <a:r>
-              <a:rPr lang="de-CH" sz="1800" b="0" i="0" dirty="0">
-                <a:effectLst/>
-                <a:latin typeface="__fkGroteskNeue_598ab8"/>
-              </a:rPr>
-              <a:t>Fine-tuning </a:t>
-            </a:r>
-            <a:r>
-              <a:rPr lang="de-CH" sz="1800" b="0" i="0" dirty="0" err="1">
-                <a:effectLst/>
-                <a:latin typeface="__fkGroteskNeue_598ab8"/>
-              </a:rPr>
-              <a:t>flexibility</a:t>
-            </a:r>
-            <a:r>
-              <a:rPr lang="de-CH" sz="1800" b="0" i="0" dirty="0">
-                <a:effectLst/>
-                <a:latin typeface="__fkGroteskNeue_598ab8"/>
-              </a:rPr>
-              <a:t>: </a:t>
-            </a:r>
-            <a:r>
-              <a:rPr lang="de-CH" sz="1800" b="0" i="0" dirty="0" err="1">
-                <a:effectLst/>
-                <a:latin typeface="__fkGroteskNeue_598ab8"/>
-              </a:rPr>
-              <a:t>We</a:t>
-            </a:r>
-            <a:r>
-              <a:rPr lang="de-CH" sz="1800" b="0" i="0" dirty="0">
-                <a:effectLst/>
-                <a:latin typeface="__fkGroteskNeue_598ab8"/>
-              </a:rPr>
-              <a:t> </a:t>
-            </a:r>
-            <a:r>
-              <a:rPr lang="de-CH" sz="1800" b="0" i="0" dirty="0" err="1">
-                <a:effectLst/>
-                <a:latin typeface="__fkGroteskNeue_598ab8"/>
-              </a:rPr>
-              <a:t>can</a:t>
-            </a:r>
-            <a:r>
-              <a:rPr lang="de-CH" sz="1800" b="0" i="0" dirty="0">
-                <a:effectLst/>
-                <a:latin typeface="__fkGroteskNeue_598ab8"/>
-              </a:rPr>
-              <a:t> </a:t>
-            </a:r>
-            <a:r>
-              <a:rPr lang="de-CH" sz="1800" b="0" i="0" dirty="0" err="1">
-                <a:effectLst/>
-                <a:latin typeface="__fkGroteskNeue_598ab8"/>
-              </a:rPr>
-              <a:t>fine</a:t>
-            </a:r>
-            <a:r>
-              <a:rPr lang="de-CH" sz="1800" b="0" i="0" dirty="0">
-                <a:effectLst/>
-                <a:latin typeface="__fkGroteskNeue_598ab8"/>
-              </a:rPr>
-              <a:t>-tune </a:t>
-            </a:r>
-            <a:r>
-              <a:rPr lang="de-CH" sz="1800" b="0" i="0" dirty="0" err="1">
-                <a:effectLst/>
-                <a:latin typeface="__fkGroteskNeue_598ab8"/>
-              </a:rPr>
-              <a:t>this</a:t>
-            </a:r>
-            <a:r>
-              <a:rPr lang="de-CH" sz="1800" b="0" i="0" dirty="0">
-                <a:effectLst/>
-                <a:latin typeface="__fkGroteskNeue_598ab8"/>
-              </a:rPr>
-              <a:t> </a:t>
-            </a:r>
-            <a:r>
-              <a:rPr lang="de-CH" sz="1800" b="0" i="0" dirty="0" err="1">
-                <a:effectLst/>
-                <a:latin typeface="__fkGroteskNeue_598ab8"/>
-              </a:rPr>
-              <a:t>model</a:t>
-            </a:r>
-            <a:r>
-              <a:rPr lang="de-CH" sz="1800" b="0" i="0" dirty="0">
-                <a:effectLst/>
-                <a:latin typeface="__fkGroteskNeue_598ab8"/>
-              </a:rPr>
-              <a:t> on English </a:t>
-            </a:r>
-            <a:r>
-              <a:rPr lang="de-CH" sz="1800" b="0" i="0" dirty="0" err="1">
-                <a:effectLst/>
-                <a:latin typeface="__fkGroteskNeue_598ab8"/>
-              </a:rPr>
-              <a:t>data</a:t>
-            </a:r>
-            <a:r>
-              <a:rPr lang="de-CH" sz="1800" b="0" i="0" dirty="0">
-                <a:effectLst/>
-                <a:latin typeface="__fkGroteskNeue_598ab8"/>
-              </a:rPr>
-              <a:t> and </a:t>
-            </a:r>
-            <a:r>
-              <a:rPr lang="de-CH" sz="1800" b="0" i="0" dirty="0" err="1">
-                <a:effectLst/>
-                <a:latin typeface="__fkGroteskNeue_598ab8"/>
-              </a:rPr>
-              <a:t>then</a:t>
-            </a:r>
-            <a:r>
-              <a:rPr lang="de-CH" sz="1800" b="0" i="0" dirty="0">
-                <a:effectLst/>
-                <a:latin typeface="__fkGroteskNeue_598ab8"/>
-              </a:rPr>
-              <a:t> </a:t>
-            </a:r>
-            <a:r>
-              <a:rPr lang="de-CH" sz="1800" b="0" i="0" dirty="0" err="1">
-                <a:effectLst/>
-                <a:latin typeface="__fkGroteskNeue_598ab8"/>
-              </a:rPr>
-              <a:t>apply</a:t>
-            </a:r>
-            <a:r>
-              <a:rPr lang="de-CH" sz="1800" b="0" i="0" dirty="0">
-                <a:effectLst/>
-                <a:latin typeface="__fkGroteskNeue_598ab8"/>
-              </a:rPr>
-              <a:t> </a:t>
-            </a:r>
-            <a:r>
-              <a:rPr lang="de-CH" sz="1800" b="0" i="0" dirty="0" err="1">
-                <a:effectLst/>
-                <a:latin typeface="__fkGroteskNeue_598ab8"/>
-              </a:rPr>
-              <a:t>it</a:t>
-            </a:r>
-            <a:r>
-              <a:rPr lang="de-CH" sz="1800" b="0" i="0" dirty="0">
-                <a:effectLst/>
-                <a:latin typeface="__fkGroteskNeue_598ab8"/>
-              </a:rPr>
-              <a:t> </a:t>
-            </a:r>
-            <a:r>
-              <a:rPr lang="de-CH" sz="1800" b="0" i="0" dirty="0" err="1">
-                <a:effectLst/>
-                <a:latin typeface="__fkGroteskNeue_598ab8"/>
-              </a:rPr>
-              <a:t>to</a:t>
-            </a:r>
-            <a:r>
-              <a:rPr lang="de-CH" sz="1800" b="0" i="0" dirty="0">
-                <a:effectLst/>
-                <a:latin typeface="__fkGroteskNeue_598ab8"/>
-              </a:rPr>
-              <a:t> </a:t>
-            </a:r>
-            <a:r>
-              <a:rPr lang="de-CH" sz="1800" b="0" i="0" dirty="0" err="1">
-                <a:effectLst/>
-                <a:latin typeface="__fkGroteskNeue_598ab8"/>
-              </a:rPr>
-              <a:t>the</a:t>
-            </a:r>
-            <a:r>
-              <a:rPr lang="de-CH" sz="1800" b="0" i="0" dirty="0">
-                <a:effectLst/>
-                <a:latin typeface="__fkGroteskNeue_598ab8"/>
-              </a:rPr>
-              <a:t> </a:t>
-            </a:r>
-            <a:r>
-              <a:rPr lang="de-CH" sz="1800" b="0" i="0" dirty="0" err="1">
-                <a:effectLst/>
-                <a:latin typeface="__fkGroteskNeue_598ab8"/>
-              </a:rPr>
-              <a:t>other</a:t>
-            </a:r>
-            <a:r>
-              <a:rPr lang="de-CH" sz="1800" b="0" i="0" dirty="0">
-                <a:effectLst/>
-                <a:latin typeface="__fkGroteskNeue_598ab8"/>
-              </a:rPr>
-              <a:t> </a:t>
-            </a:r>
-            <a:r>
-              <a:rPr lang="de-CH" sz="1800" b="0" i="0" dirty="0" err="1">
-                <a:effectLst/>
-                <a:latin typeface="__fkGroteskNeue_598ab8"/>
-              </a:rPr>
-              <a:t>languages</a:t>
-            </a:r>
-            <a:r>
-              <a:rPr lang="de-CH" sz="1800" b="0" i="0" dirty="0">
-                <a:effectLst/>
-                <a:latin typeface="__fkGroteskNeue_598ab8"/>
-              </a:rPr>
-              <a:t> due </a:t>
-            </a:r>
-            <a:r>
-              <a:rPr lang="de-CH" sz="1800" b="0" i="0" dirty="0" err="1">
-                <a:effectLst/>
-                <a:latin typeface="__fkGroteskNeue_598ab8"/>
-              </a:rPr>
-              <a:t>to</a:t>
-            </a:r>
-            <a:r>
-              <a:rPr lang="de-CH" sz="1800" b="0" i="0" dirty="0">
-                <a:effectLst/>
-                <a:latin typeface="__fkGroteskNeue_598ab8"/>
-              </a:rPr>
-              <a:t> </a:t>
-            </a:r>
-            <a:r>
-              <a:rPr lang="de-CH" sz="1800" b="0" i="0" dirty="0" err="1">
-                <a:effectLst/>
-                <a:latin typeface="__fkGroteskNeue_598ab8"/>
-              </a:rPr>
-              <a:t>its</a:t>
-            </a:r>
-            <a:r>
-              <a:rPr lang="de-CH" sz="1800" b="0" i="0" dirty="0">
-                <a:effectLst/>
-                <a:latin typeface="__fkGroteskNeue_598ab8"/>
-              </a:rPr>
-              <a:t> multilingual </a:t>
-            </a:r>
-            <a:r>
-              <a:rPr lang="de-CH" sz="1800" b="0" i="0" dirty="0" err="1">
-                <a:effectLst/>
-                <a:latin typeface="__fkGroteskNeue_598ab8"/>
-              </a:rPr>
-              <a:t>nature</a:t>
-            </a:r>
-            <a:endParaRPr lang="de-CH" sz="1800" b="0" i="0" dirty="0">
-              <a:effectLst/>
-              <a:latin typeface="Calibri" panose="020F0502020204030204" pitchFamily="34" charset="0"/>
-            </a:endParaRPr>
+              <a:rPr lang="de-CH" dirty="0"/>
+              <a:t> </a:t>
+            </a:r>
+            <a:r>
+              <a:rPr lang="de-CH" dirty="0" err="1"/>
+              <a:t>persons</a:t>
+            </a:r>
+            <a:r>
+              <a:rPr lang="de-CH" dirty="0"/>
+              <a:t> </a:t>
+            </a:r>
+            <a:r>
+              <a:rPr lang="de-CH" dirty="0" err="1"/>
+              <a:t>weren’t</a:t>
+            </a:r>
+            <a:r>
+              <a:rPr lang="de-CH" dirty="0"/>
+              <a:t> </a:t>
+            </a:r>
+            <a:r>
+              <a:rPr lang="de-CH" dirty="0" err="1"/>
+              <a:t>recognized</a:t>
+            </a:r>
+            <a:r>
+              <a:rPr lang="de-CH" dirty="0"/>
+              <a:t> </a:t>
+            </a:r>
+            <a:r>
+              <a:rPr lang="de-CH" dirty="0" err="1"/>
+              <a:t>correctly</a:t>
+            </a:r>
+            <a:r>
+              <a:rPr lang="de-CH" dirty="0"/>
+              <a:t>.</a:t>
+            </a:r>
           </a:p>
           <a:p>
             <a:endParaRPr lang="en-US" dirty="0"/>
           </a:p>
           <a:p>
             <a:r>
-              <a:rPr lang="en-US" b="1" dirty="0"/>
-              <a:t>Dataset:</a:t>
-            </a:r>
-          </a:p>
-          <a:p>
+              <a:rPr lang="en-US" dirty="0" err="1"/>
+              <a:t>label_map</a:t>
+            </a:r>
             <a:r>
               <a:rPr lang="en-US" dirty="0"/>
-              <a:t>Advantages:</a:t>
-            </a:r>
-          </a:p>
-          <a:p>
-            <a:pPr marL="171450" indent="-171450">
-              <a:buFont typeface="Arial" panose="020B0604020202020204" pitchFamily="34" charset="0"/>
-              <a:buChar char="•"/>
-            </a:pPr>
+              <a:t> </a:t>
+            </a:r>
+            <a:r>
+              <a:rPr lang="en-US" b="1" dirty="0">
+                <a:effectLst/>
+              </a:rPr>
+              <a:t>=</a:t>
+            </a:r>
             <a:r>
               <a:rPr lang="en-US" dirty="0"/>
-              <a:t>Trained on Wikipedia texts</a:t>
-            </a:r>
-          </a:p>
-          <a:p>
-            <a:pPr marL="171450" indent="-171450">
-              <a:buFont typeface="Arial" panose="020B0604020202020204" pitchFamily="34" charset="0"/>
-              <a:buChar char="•"/>
-            </a:pPr>
+              <a:t> </a:t>
+            </a:r>
+            <a:r>
+              <a:rPr lang="en-US" dirty="0">
+                <a:effectLst/>
+              </a:rPr>
+              <a:t>{0:</a:t>
+            </a:r>
             <a:r>
               <a:rPr lang="en-US" dirty="0"/>
-              <a:t>In all for us relevant language the size of the train-test-valuation set is identical</a:t>
-            </a:r>
-          </a:p>
-          <a:p>
-            <a:pPr marL="171450" indent="-171450">
-              <a:buFont typeface="Arial" panose="020B0604020202020204" pitchFamily="34" charset="0"/>
-              <a:buChar char="•"/>
-            </a:pPr>
+              <a:t> </a:t>
+            </a:r>
+            <a:r>
+              <a:rPr lang="en-US" dirty="0">
+                <a:effectLst/>
+              </a:rPr>
+              <a:t>'O',</a:t>
+            </a:r>
             <a:r>
               <a:rPr lang="en-US" dirty="0"/>
-              <a:t>IOB2 format: many modern NLP tools support this format</a:t>
-            </a:r>
+              <a:t> </a:t>
+            </a:r>
+            <a:r>
+              <a:rPr lang="en-US" dirty="0">
+                <a:effectLst/>
+              </a:rPr>
+              <a:t>1:</a:t>
+            </a:r>
+            <a:r>
+              <a:rPr lang="en-US" dirty="0"/>
+              <a:t> </a:t>
+            </a:r>
+            <a:r>
+              <a:rPr lang="en-US" dirty="0">
+                <a:effectLst/>
+              </a:rPr>
+              <a:t>'B-PER',</a:t>
+            </a:r>
+            <a:r>
+              <a:rPr lang="en-US" dirty="0"/>
+              <a:t> </a:t>
+            </a:r>
+            <a:r>
+              <a:rPr lang="en-US" dirty="0">
+                <a:effectLst/>
+              </a:rPr>
+              <a:t>2:</a:t>
+            </a:r>
+            <a:r>
+              <a:rPr lang="en-US" dirty="0"/>
+              <a:t> </a:t>
+            </a:r>
+            <a:r>
+              <a:rPr lang="en-US" dirty="0">
+                <a:effectLst/>
+              </a:rPr>
+              <a:t>'I-PER',</a:t>
+            </a:r>
+            <a:r>
+              <a:rPr lang="en-US" dirty="0"/>
+              <a:t> </a:t>
+            </a:r>
+            <a:r>
+              <a:rPr lang="en-US" dirty="0">
+                <a:effectLst/>
+              </a:rPr>
+              <a:t>3:</a:t>
+            </a:r>
+            <a:r>
+              <a:rPr lang="en-US" dirty="0"/>
+              <a:t> </a:t>
+            </a:r>
+            <a:r>
+              <a:rPr lang="en-US" dirty="0">
+                <a:effectLst/>
+              </a:rPr>
+              <a:t>'B-ORG',</a:t>
+            </a:r>
+            <a:r>
+              <a:rPr lang="en-US" dirty="0"/>
+              <a:t> </a:t>
+            </a:r>
+            <a:r>
+              <a:rPr lang="en-US" dirty="0">
+                <a:effectLst/>
+              </a:rPr>
+              <a:t>4:</a:t>
+            </a:r>
+            <a:r>
+              <a:rPr lang="en-US" dirty="0"/>
+              <a:t> </a:t>
+            </a:r>
+            <a:r>
+              <a:rPr lang="en-US" dirty="0">
+                <a:effectLst/>
+              </a:rPr>
+              <a:t>'I-ORG',</a:t>
+            </a:r>
+            <a:r>
+              <a:rPr lang="en-US" dirty="0"/>
+              <a:t> </a:t>
+            </a:r>
+            <a:r>
+              <a:rPr lang="en-US" dirty="0">
+                <a:effectLst/>
+              </a:rPr>
+              <a:t>5:</a:t>
+            </a:r>
+            <a:r>
+              <a:rPr lang="en-US" dirty="0"/>
+              <a:t> </a:t>
+            </a:r>
+            <a:r>
+              <a:rPr lang="en-US" dirty="0">
+                <a:effectLst/>
+              </a:rPr>
+              <a:t>'B-LOC',</a:t>
+            </a:r>
+            <a:r>
+              <a:rPr lang="en-US" dirty="0"/>
+              <a:t> </a:t>
+            </a:r>
+            <a:r>
+              <a:rPr lang="en-US" dirty="0">
+                <a:effectLst/>
+              </a:rPr>
+              <a:t>6:</a:t>
+            </a:r>
+            <a:r>
+              <a:rPr lang="en-US" dirty="0"/>
+              <a:t> </a:t>
+            </a:r>
+            <a:r>
+              <a:rPr lang="en-US" dirty="0">
+                <a:effectLst/>
+              </a:rPr>
+              <a:t>'I-LOC'}</a:t>
+            </a:r>
+            <a:endParaRPr lang="en-US" dirty="0"/>
           </a:p>
         </p:txBody>
       </p:sp>
@@ -2081,7 +1882,7 @@
           <a:p>
             <a:fld id="{2DA66685-3D22-47BB-B74E-10995D7F8271}" type="slidenum">
               <a:rPr lang="en-US" smtClean="0"/>
-              <a:t>5</a:t>
+              <a:t>22</a:t>
             </a:fld>
             <a:endParaRPr lang="en-US"/>
           </a:p>
@@ -2090,7 +1891,161 @@
     </p:spTree>
     <p:extLst>
       <p:ext uri="{BB962C8B-B14F-4D97-AF65-F5344CB8AC3E}">
-        <p14:creationId xmlns:p14="http://schemas.microsoft.com/office/powerpoint/2010/main" val="3799296381"/>
+        <p14:creationId xmlns:p14="http://schemas.microsoft.com/office/powerpoint/2010/main" val="4154047419"/>
+      </p:ext>
+    </p:extLst>
+  </p:cSld>
+  <p:clrMapOvr>
+    <a:masterClrMapping/>
+  </p:clrMapOvr>
+</p:notes>
+</file>
+
+<file path=ppt/notesSlides/notesSlide19.xml><?xml version="1.0" encoding="utf-8"?>
+<p:notes xmlns:a="http://schemas.openxmlformats.org/drawingml/2006/main" xmlns:r="http://schemas.openxmlformats.org/officeDocument/2006/relationships" xmlns:p="http://schemas.openxmlformats.org/presentationml/2006/main">
+  <p:cSld>
+    <p:spTree>
+      <p:nvGrpSpPr>
+        <p:cNvPr id="1" name=""/>
+        <p:cNvGrpSpPr/>
+        <p:nvPr/>
+      </p:nvGrpSpPr>
+      <p:grpSpPr>
+        <a:xfrm>
+          <a:off x="0" y="0"/>
+          <a:ext cx="0" cy="0"/>
+          <a:chOff x="0" y="0"/>
+          <a:chExt cx="0" cy="0"/>
+        </a:xfrm>
+      </p:grpSpPr>
+      <p:sp>
+        <p:nvSpPr>
+          <p:cNvPr id="2" name="Slide Image Placeholder 1"/>
+          <p:cNvSpPr>
+            <a:spLocks noGrp="1" noRot="1" noChangeAspect="1"/>
+          </p:cNvSpPr>
+          <p:nvPr>
+            <p:ph type="sldImg"/>
+          </p:nvPr>
+        </p:nvSpPr>
+        <p:spPr/>
+      </p:sp>
+      <p:sp>
+        <p:nvSpPr>
+          <p:cNvPr id="3" name="Notes Placeholder 2"/>
+          <p:cNvSpPr>
+            <a:spLocks noGrp="1"/>
+          </p:cNvSpPr>
+          <p:nvPr>
+            <p:ph type="body" idx="1"/>
+          </p:nvPr>
+        </p:nvSpPr>
+        <p:spPr/>
+        <p:txBody>
+          <a:bodyPr/>
+          <a:lstStyle/>
+          <a:p>
+            <a:r>
+              <a:rPr lang="en-US" dirty="0"/>
+              <a:t>There are several ways to improve the model. But d</a:t>
+            </a:r>
+            <a:r>
+              <a:rPr lang="de-CH" dirty="0" err="1"/>
+              <a:t>ue</a:t>
+            </a:r>
+            <a:r>
+              <a:rPr lang="de-CH" dirty="0"/>
+              <a:t> </a:t>
+            </a:r>
+            <a:r>
+              <a:rPr lang="de-CH" dirty="0" err="1"/>
+              <a:t>to</a:t>
+            </a:r>
+            <a:r>
+              <a:rPr lang="de-CH" dirty="0"/>
+              <a:t> </a:t>
+            </a:r>
+            <a:r>
+              <a:rPr lang="de-CH" dirty="0" err="1"/>
+              <a:t>resource</a:t>
+            </a:r>
+            <a:r>
+              <a:rPr lang="de-CH" dirty="0"/>
+              <a:t> </a:t>
+            </a:r>
+            <a:r>
+              <a:rPr lang="de-CH" dirty="0" err="1"/>
+              <a:t>constraints</a:t>
+            </a:r>
+            <a:r>
+              <a:rPr lang="de-CH" dirty="0"/>
+              <a:t> </a:t>
+            </a:r>
+            <a:r>
+              <a:rPr lang="de-CH" dirty="0" err="1"/>
+              <a:t>we</a:t>
+            </a:r>
+            <a:r>
+              <a:rPr lang="de-CH" dirty="0"/>
+              <a:t> </a:t>
+            </a:r>
+            <a:r>
+              <a:rPr lang="de-CH" dirty="0" err="1"/>
+              <a:t>refrain</a:t>
+            </a:r>
+            <a:r>
+              <a:rPr lang="de-CH" dirty="0"/>
+              <a:t> </a:t>
+            </a:r>
+            <a:r>
+              <a:rPr lang="de-CH" dirty="0" err="1"/>
+              <a:t>from</a:t>
+            </a:r>
+            <a:r>
+              <a:rPr lang="de-CH" dirty="0"/>
+              <a:t> </a:t>
+            </a:r>
+            <a:r>
+              <a:rPr lang="de-CH" dirty="0" err="1"/>
+              <a:t>doing</a:t>
+            </a:r>
+            <a:r>
+              <a:rPr lang="de-CH" dirty="0"/>
+              <a:t> so.</a:t>
+            </a:r>
+          </a:p>
+          <a:p>
+            <a:endParaRPr lang="en-US" dirty="0"/>
+          </a:p>
+        </p:txBody>
+      </p:sp>
+      <p:sp>
+        <p:nvSpPr>
+          <p:cNvPr id="4" name="Slide Number Placeholder 3"/>
+          <p:cNvSpPr>
+            <a:spLocks noGrp="1"/>
+          </p:cNvSpPr>
+          <p:nvPr>
+            <p:ph type="sldNum" sz="quarter" idx="5"/>
+          </p:nvPr>
+        </p:nvSpPr>
+        <p:spPr/>
+        <p:txBody>
+          <a:bodyPr/>
+          <a:lstStyle/>
+          <a:p>
+            <a:fld id="{2DA66685-3D22-47BB-B74E-10995D7F8271}" type="slidenum">
+              <a:rPr lang="en-US" smtClean="0"/>
+              <a:t>23</a:t>
+            </a:fld>
+            <a:endParaRPr lang="en-US"/>
+          </a:p>
+        </p:txBody>
+      </p:sp>
+    </p:spTree>
+    <p:extLst>
+      <p:ext uri="{BB962C8B-B14F-4D97-AF65-F5344CB8AC3E}">
+        <p14:creationId xmlns:p14="http://schemas.microsoft.com/office/powerpoint/2010/main" val="3358975839"/>
       </p:ext>
     </p:extLst>
   </p:cSld>
@@ -2144,220 +2099,1533 @@
           <a:bodyPr/>
           <a:lstStyle/>
           <a:p>
-            <a:pPr algn="l">
-              <a:buFont typeface="+mj-lt"/>
-              <a:buNone/>
+            <a:r>
+              <a:rPr lang="de-CH" b="1" dirty="0"/>
+              <a:t>Model:</a:t>
+            </a:r>
+          </a:p>
+          <a:p>
+            <a:r>
+              <a:rPr lang="de-CH" dirty="0" err="1"/>
+              <a:t>According</a:t>
+            </a:r>
+            <a:r>
+              <a:rPr lang="de-CH" dirty="0"/>
+              <a:t> </a:t>
+            </a:r>
+            <a:r>
+              <a:rPr lang="de-CH" dirty="0" err="1"/>
+              <a:t>to</a:t>
+            </a:r>
+            <a:r>
+              <a:rPr lang="de-CH" dirty="0"/>
+              <a:t> </a:t>
+            </a:r>
+            <a:r>
+              <a:rPr lang="de-CH" dirty="0" err="1"/>
+              <a:t>Perplexity</a:t>
+            </a:r>
+            <a:r>
+              <a:rPr lang="de-CH" dirty="0"/>
+              <a:t>:</a:t>
+            </a:r>
+          </a:p>
+          <a:p>
+            <a:pPr marL="0" marR="0" lvl="0" indent="0" algn="l" defTabSz="914400" rtl="0" eaLnBrk="1" fontAlgn="auto" latinLnBrk="0" hangingPunct="1">
+              <a:lnSpc>
+                <a:spcPct val="100000"/>
+              </a:lnSpc>
+              <a:spcBef>
+                <a:spcPts val="0"/>
+              </a:spcBef>
+              <a:spcAft>
+                <a:spcPts val="0"/>
+              </a:spcAft>
+              <a:buClrTx/>
+              <a:buSzTx/>
+              <a:buFontTx/>
+              <a:buNone/>
+              <a:tabLst/>
+              <a:defRPr/>
             </a:pPr>
             <a:r>
-              <a:rPr lang="en-US" b="0" i="0" dirty="0">
-                <a:effectLst/>
-                <a:latin typeface="__fkGroteskNeue_598ab8"/>
-              </a:rPr>
-              <a:t>These are the first five rows of the </a:t>
-            </a:r>
-            <a:r>
-              <a:rPr lang="en-US" b="0" i="0" dirty="0" err="1">
-                <a:effectLst/>
-                <a:latin typeface="__fkGroteskNeue_598ab8"/>
-              </a:rPr>
-              <a:t>DataFrame</a:t>
-            </a:r>
-            <a:r>
-              <a:rPr lang="en-US" b="0" i="0" dirty="0">
-                <a:effectLst/>
-                <a:latin typeface="__fkGroteskNeue_598ab8"/>
-              </a:rPr>
-              <a:t> created from the </a:t>
-            </a:r>
-            <a:r>
-              <a:rPr lang="en-US" b="0" i="0" dirty="0" err="1">
-                <a:effectLst/>
-                <a:latin typeface="__fkGroteskNeue_598ab8"/>
-              </a:rPr>
-              <a:t>WikiANN</a:t>
-            </a:r>
-            <a:r>
-              <a:rPr lang="en-US" b="0" i="0" dirty="0">
-                <a:effectLst/>
-                <a:latin typeface="__fkGroteskNeue_598ab8"/>
-              </a:rPr>
-              <a:t> dataset </a:t>
-            </a:r>
-            <a:r>
-              <a:rPr lang="en-US" b="0" i="0" dirty="0" err="1">
-                <a:effectLst/>
-                <a:latin typeface="__fkGroteskNeue_598ab8"/>
-              </a:rPr>
-              <a:t>en</a:t>
-            </a:r>
-            <a:r>
-              <a:rPr lang="en-US" b="0" i="0" dirty="0">
-                <a:effectLst/>
-                <a:latin typeface="__fkGroteskNeue_598ab8"/>
-              </a:rPr>
-              <a:t>:</a:t>
-            </a:r>
-          </a:p>
-          <a:p>
-            <a:pPr algn="l">
-              <a:buFont typeface="+mj-lt"/>
-              <a:buNone/>
-            </a:pPr>
-            <a:r>
-              <a:rPr lang="en-US" b="1" i="0" dirty="0">
-                <a:effectLst/>
-                <a:latin typeface="__fkGroteskNeue_598ab8"/>
-              </a:rPr>
-              <a:t>Structure: </a:t>
-            </a:r>
-            <a:r>
-              <a:rPr lang="en-US" b="0" i="0" dirty="0">
-                <a:effectLst/>
-                <a:latin typeface="__fkGroteskNeue_598ab8"/>
-              </a:rPr>
-              <a:t>The </a:t>
-            </a:r>
-            <a:r>
-              <a:rPr lang="en-US" b="0" i="0" dirty="0" err="1">
-                <a:effectLst/>
-                <a:latin typeface="__fkGroteskNeue_598ab8"/>
-              </a:rPr>
-              <a:t>DataFrame</a:t>
-            </a:r>
-            <a:r>
-              <a:rPr lang="en-US" b="0" i="0" dirty="0">
-                <a:effectLst/>
-                <a:latin typeface="__fkGroteskNeue_598ab8"/>
-              </a:rPr>
-              <a:t> has four columns: 'tokens', '</a:t>
-            </a:r>
-            <a:r>
-              <a:rPr lang="en-US" b="0" i="0" dirty="0" err="1">
-                <a:effectLst/>
-                <a:latin typeface="__fkGroteskNeue_598ab8"/>
-              </a:rPr>
-              <a:t>ner_tags</a:t>
-            </a:r>
-            <a:r>
-              <a:rPr lang="en-US" b="0" i="0" dirty="0">
-                <a:effectLst/>
-                <a:latin typeface="__fkGroteskNeue_598ab8"/>
-              </a:rPr>
-              <a:t>', '</a:t>
-            </a:r>
-            <a:r>
-              <a:rPr lang="en-US" b="0" i="0" dirty="0" err="1">
-                <a:effectLst/>
-                <a:latin typeface="__fkGroteskNeue_598ab8"/>
-              </a:rPr>
-              <a:t>langs</a:t>
-            </a:r>
-            <a:r>
-              <a:rPr lang="en-US" b="0" i="0" dirty="0">
-                <a:effectLst/>
-                <a:latin typeface="__fkGroteskNeue_598ab8"/>
-              </a:rPr>
-              <a:t>', and 'spans'.</a:t>
-            </a:r>
-          </a:p>
-          <a:p>
-            <a:pPr algn="l">
-              <a:buFont typeface="+mj-lt"/>
-              <a:buNone/>
-            </a:pPr>
-            <a:r>
-              <a:rPr lang="en-US" b="1" i="0" dirty="0">
-                <a:effectLst/>
-                <a:latin typeface="__fkGroteskNeue_598ab8"/>
-              </a:rPr>
-              <a:t>Column details:</a:t>
-            </a:r>
-          </a:p>
-          <a:p>
-            <a:pPr marL="171450" indent="-171450" algn="l">
+              <a:rPr lang="de-CH" sz="1800" dirty="0" err="1">
+                <a:effectLst/>
+                <a:latin typeface="__fkGroteskNeue_598ab8"/>
+              </a:rPr>
+              <a:t>While</a:t>
+            </a:r>
+            <a:r>
+              <a:rPr lang="de-CH" sz="1800" dirty="0">
+                <a:effectLst/>
+                <a:latin typeface="__fkGroteskNeue_598ab8"/>
+              </a:rPr>
+              <a:t> </a:t>
+            </a:r>
+            <a:r>
+              <a:rPr lang="de-CH" sz="1800" dirty="0" err="1">
+                <a:effectLst/>
+                <a:latin typeface="__fkGroteskNeue_598ab8"/>
+              </a:rPr>
+              <a:t>the</a:t>
+            </a:r>
+            <a:r>
+              <a:rPr lang="de-CH" sz="1800" dirty="0">
+                <a:effectLst/>
+                <a:latin typeface="__fkGroteskNeue_598ab8"/>
+              </a:rPr>
+              <a:t> </a:t>
+            </a:r>
+            <a:r>
+              <a:rPr lang="de-CH" sz="1800" dirty="0" err="1">
+                <a:effectLst/>
+                <a:latin typeface="__fkGroteskNeue_598ab8"/>
+              </a:rPr>
+              <a:t>other</a:t>
+            </a:r>
+            <a:r>
+              <a:rPr lang="de-CH" sz="1800" dirty="0">
+                <a:effectLst/>
+                <a:latin typeface="__fkGroteskNeue_598ab8"/>
+              </a:rPr>
+              <a:t> </a:t>
+            </a:r>
+            <a:r>
+              <a:rPr lang="de-CH" sz="1800" dirty="0" err="1">
+                <a:effectLst/>
+                <a:latin typeface="__fkGroteskNeue_598ab8"/>
+              </a:rPr>
+              <a:t>models</a:t>
+            </a:r>
+            <a:r>
+              <a:rPr lang="de-CH" sz="1800" dirty="0">
+                <a:effectLst/>
+                <a:latin typeface="__fkGroteskNeue_598ab8"/>
+              </a:rPr>
+              <a:t> (</a:t>
+            </a:r>
+            <a:r>
+              <a:rPr lang="de-CH" sz="1800" dirty="0" err="1">
+                <a:effectLst/>
+                <a:latin typeface="__fkGroteskNeue_598ab8"/>
+              </a:rPr>
+              <a:t>google-bert</a:t>
+            </a:r>
+            <a:r>
+              <a:rPr lang="de-CH" sz="1800" dirty="0">
+                <a:effectLst/>
+                <a:latin typeface="__fkGroteskNeue_598ab8"/>
+              </a:rPr>
+              <a:t>/</a:t>
+            </a:r>
+            <a:r>
+              <a:rPr lang="de-CH" sz="1800" dirty="0" err="1">
+                <a:effectLst/>
+                <a:latin typeface="__fkGroteskNeue_598ab8"/>
+              </a:rPr>
+              <a:t>bert</a:t>
+            </a:r>
+            <a:r>
+              <a:rPr lang="de-CH" sz="1800" dirty="0">
+                <a:effectLst/>
+                <a:latin typeface="__fkGroteskNeue_598ab8"/>
+              </a:rPr>
+              <a:t>-base-multilingual-</a:t>
+            </a:r>
+            <a:r>
+              <a:rPr lang="de-CH" sz="1800" dirty="0" err="1">
+                <a:effectLst/>
+                <a:latin typeface="__fkGroteskNeue_598ab8"/>
+              </a:rPr>
+              <a:t>cased</a:t>
+            </a:r>
+            <a:r>
+              <a:rPr lang="de-CH" sz="1800" dirty="0">
+                <a:effectLst/>
+                <a:latin typeface="__fkGroteskNeue_598ab8"/>
+              </a:rPr>
+              <a:t> and </a:t>
+            </a:r>
+            <a:r>
+              <a:rPr lang="de-CH" sz="1800" dirty="0" err="1">
+                <a:effectLst/>
+                <a:latin typeface="__fkGroteskNeue_598ab8"/>
+              </a:rPr>
+              <a:t>FacebookAI</a:t>
+            </a:r>
+            <a:r>
+              <a:rPr lang="de-CH" sz="1800" dirty="0">
+                <a:effectLst/>
+                <a:latin typeface="__fkGroteskNeue_598ab8"/>
+              </a:rPr>
+              <a:t>/</a:t>
+            </a:r>
+            <a:r>
+              <a:rPr lang="de-CH" sz="1800" dirty="0" err="1">
+                <a:effectLst/>
+                <a:latin typeface="__fkGroteskNeue_598ab8"/>
+              </a:rPr>
+              <a:t>xlm</a:t>
+            </a:r>
+            <a:r>
+              <a:rPr lang="de-CH" sz="1800" dirty="0">
+                <a:effectLst/>
+                <a:latin typeface="__fkGroteskNeue_598ab8"/>
+              </a:rPr>
+              <a:t>-</a:t>
+            </a:r>
+            <a:r>
+              <a:rPr lang="de-CH" sz="1800" dirty="0" err="1">
+                <a:effectLst/>
+                <a:latin typeface="__fkGroteskNeue_598ab8"/>
+              </a:rPr>
+              <a:t>roberta</a:t>
+            </a:r>
+            <a:r>
+              <a:rPr lang="de-CH" sz="1800" dirty="0">
+                <a:effectLst/>
+                <a:latin typeface="__fkGroteskNeue_598ab8"/>
+              </a:rPr>
+              <a:t>-base) </a:t>
+            </a:r>
+            <a:r>
+              <a:rPr lang="de-CH" sz="1800" dirty="0" err="1">
+                <a:effectLst/>
+                <a:latin typeface="__fkGroteskNeue_598ab8"/>
+              </a:rPr>
+              <a:t>are</a:t>
+            </a:r>
+            <a:r>
+              <a:rPr lang="de-CH" sz="1800" dirty="0">
+                <a:effectLst/>
+                <a:latin typeface="__fkGroteskNeue_598ab8"/>
+              </a:rPr>
+              <a:t> also multilingual, </a:t>
+            </a:r>
+            <a:r>
+              <a:rPr lang="de-CH" sz="1800" dirty="0" err="1">
+                <a:effectLst/>
+                <a:latin typeface="__fkGroteskNeue_598ab8"/>
+              </a:rPr>
+              <a:t>they</a:t>
+            </a:r>
+            <a:r>
+              <a:rPr lang="de-CH" sz="1800" dirty="0">
+                <a:effectLst/>
+                <a:latin typeface="__fkGroteskNeue_598ab8"/>
+              </a:rPr>
+              <a:t> </a:t>
+            </a:r>
+            <a:r>
+              <a:rPr lang="de-CH" sz="1800" dirty="0" err="1">
+                <a:effectLst/>
+                <a:latin typeface="__fkGroteskNeue_598ab8"/>
+              </a:rPr>
+              <a:t>are</a:t>
+            </a:r>
+            <a:r>
+              <a:rPr lang="de-CH" sz="1800" dirty="0">
+                <a:effectLst/>
+                <a:latin typeface="__fkGroteskNeue_598ab8"/>
+              </a:rPr>
+              <a:t> not </a:t>
+            </a:r>
+            <a:r>
+              <a:rPr lang="de-CH" sz="1800" dirty="0" err="1">
+                <a:effectLst/>
+                <a:latin typeface="__fkGroteskNeue_598ab8"/>
+              </a:rPr>
+              <a:t>specifically</a:t>
+            </a:r>
+            <a:r>
+              <a:rPr lang="de-CH" sz="1800" dirty="0">
+                <a:effectLst/>
+                <a:latin typeface="__fkGroteskNeue_598ab8"/>
+              </a:rPr>
+              <a:t> </a:t>
+            </a:r>
+            <a:r>
+              <a:rPr lang="de-CH" sz="1800" dirty="0" err="1">
+                <a:effectLst/>
+                <a:latin typeface="__fkGroteskNeue_598ab8"/>
+              </a:rPr>
+              <a:t>fine-tuned</a:t>
+            </a:r>
+            <a:r>
+              <a:rPr lang="de-CH" sz="1800" dirty="0">
+                <a:effectLst/>
+                <a:latin typeface="__fkGroteskNeue_598ab8"/>
+              </a:rPr>
+              <a:t> </a:t>
+            </a:r>
+            <a:r>
+              <a:rPr lang="de-CH" sz="1800" dirty="0" err="1">
+                <a:effectLst/>
+                <a:latin typeface="__fkGroteskNeue_598ab8"/>
+              </a:rPr>
+              <a:t>for</a:t>
+            </a:r>
+            <a:r>
+              <a:rPr lang="de-CH" sz="1800" dirty="0">
+                <a:effectLst/>
+                <a:latin typeface="__fkGroteskNeue_598ab8"/>
+              </a:rPr>
+              <a:t> NER </a:t>
+            </a:r>
+            <a:r>
+              <a:rPr lang="de-CH" sz="1800" dirty="0" err="1">
+                <a:effectLst/>
+                <a:latin typeface="__fkGroteskNeue_598ab8"/>
+              </a:rPr>
+              <a:t>tasks</a:t>
+            </a:r>
+            <a:r>
+              <a:rPr lang="de-CH" sz="1800" dirty="0">
+                <a:effectLst/>
+                <a:latin typeface="__fkGroteskNeue_598ab8"/>
+              </a:rPr>
+              <a:t>. The </a:t>
+            </a:r>
+            <a:r>
+              <a:rPr lang="de-CH" sz="1800" dirty="0" err="1">
+                <a:effectLst/>
+                <a:latin typeface="__fkGroteskNeue_598ab8"/>
+              </a:rPr>
+              <a:t>wikineural</a:t>
+            </a:r>
+            <a:r>
+              <a:rPr lang="de-CH" sz="1800" dirty="0">
+                <a:effectLst/>
+                <a:latin typeface="__fkGroteskNeue_598ab8"/>
+              </a:rPr>
+              <a:t>-multilingual-</a:t>
+            </a:r>
+            <a:r>
+              <a:rPr lang="de-CH" sz="1800" dirty="0" err="1">
+                <a:effectLst/>
+                <a:latin typeface="__fkGroteskNeue_598ab8"/>
+              </a:rPr>
+              <a:t>ner</a:t>
+            </a:r>
+            <a:r>
+              <a:rPr lang="de-CH" sz="1800" dirty="0">
+                <a:effectLst/>
+                <a:latin typeface="__fkGroteskNeue_598ab8"/>
+              </a:rPr>
+              <a:t> </a:t>
+            </a:r>
+            <a:r>
+              <a:rPr lang="de-CH" sz="1800" dirty="0" err="1">
+                <a:effectLst/>
+                <a:latin typeface="__fkGroteskNeue_598ab8"/>
+              </a:rPr>
+              <a:t>model's</a:t>
+            </a:r>
+            <a:r>
+              <a:rPr lang="de-CH" sz="1800" dirty="0">
+                <a:effectLst/>
+                <a:latin typeface="__fkGroteskNeue_598ab8"/>
+              </a:rPr>
+              <a:t> </a:t>
+            </a:r>
+            <a:r>
+              <a:rPr lang="de-CH" sz="1800" dirty="0" err="1">
+                <a:effectLst/>
+                <a:latin typeface="__fkGroteskNeue_598ab8"/>
+              </a:rPr>
+              <a:t>specialized</a:t>
+            </a:r>
+            <a:r>
+              <a:rPr lang="de-CH" sz="1800" dirty="0">
+                <a:effectLst/>
+                <a:latin typeface="__fkGroteskNeue_598ab8"/>
+              </a:rPr>
+              <a:t> </a:t>
+            </a:r>
+            <a:r>
+              <a:rPr lang="de-CH" sz="1800" dirty="0" err="1">
+                <a:effectLst/>
+                <a:latin typeface="__fkGroteskNeue_598ab8"/>
+              </a:rPr>
+              <a:t>training</a:t>
+            </a:r>
+            <a:r>
+              <a:rPr lang="de-CH" sz="1800" dirty="0">
+                <a:effectLst/>
+                <a:latin typeface="__fkGroteskNeue_598ab8"/>
+              </a:rPr>
+              <a:t> on NER </a:t>
+            </a:r>
+            <a:r>
+              <a:rPr lang="de-CH" sz="1800" dirty="0" err="1">
+                <a:effectLst/>
+                <a:latin typeface="__fkGroteskNeue_598ab8"/>
+              </a:rPr>
+              <a:t>tasks</a:t>
+            </a:r>
+            <a:r>
+              <a:rPr lang="de-CH" sz="1800" dirty="0">
+                <a:effectLst/>
+                <a:latin typeface="__fkGroteskNeue_598ab8"/>
+              </a:rPr>
+              <a:t> </a:t>
+            </a:r>
+            <a:r>
+              <a:rPr lang="de-CH" sz="1800" dirty="0" err="1">
+                <a:effectLst/>
+                <a:latin typeface="__fkGroteskNeue_598ab8"/>
+              </a:rPr>
+              <a:t>across</a:t>
+            </a:r>
+            <a:r>
+              <a:rPr lang="de-CH" sz="1800" dirty="0">
+                <a:effectLst/>
+                <a:latin typeface="__fkGroteskNeue_598ab8"/>
+              </a:rPr>
+              <a:t> multiple </a:t>
+            </a:r>
+            <a:r>
+              <a:rPr lang="de-CH" sz="1800" dirty="0" err="1">
+                <a:effectLst/>
+                <a:latin typeface="__fkGroteskNeue_598ab8"/>
+              </a:rPr>
+              <a:t>languages</a:t>
+            </a:r>
+            <a:r>
+              <a:rPr lang="de-CH" sz="1800" dirty="0">
+                <a:effectLst/>
+                <a:latin typeface="__fkGroteskNeue_598ab8"/>
+              </a:rPr>
+              <a:t> </a:t>
+            </a:r>
+            <a:r>
+              <a:rPr lang="de-CH" sz="1800" dirty="0" err="1">
+                <a:effectLst/>
+                <a:latin typeface="__fkGroteskNeue_598ab8"/>
+              </a:rPr>
+              <a:t>makes</a:t>
+            </a:r>
+            <a:r>
+              <a:rPr lang="de-CH" sz="1800" dirty="0">
+                <a:effectLst/>
+                <a:latin typeface="__fkGroteskNeue_598ab8"/>
+              </a:rPr>
+              <a:t> </a:t>
+            </a:r>
+            <a:r>
+              <a:rPr lang="de-CH" sz="1800" dirty="0" err="1">
+                <a:effectLst/>
+                <a:latin typeface="__fkGroteskNeue_598ab8"/>
+              </a:rPr>
+              <a:t>it</a:t>
+            </a:r>
+            <a:r>
+              <a:rPr lang="de-CH" sz="1800" dirty="0">
+                <a:effectLst/>
+                <a:latin typeface="__fkGroteskNeue_598ab8"/>
+              </a:rPr>
+              <a:t> </a:t>
+            </a:r>
+            <a:r>
+              <a:rPr lang="de-CH" sz="1800" dirty="0" err="1">
+                <a:effectLst/>
+                <a:latin typeface="__fkGroteskNeue_598ab8"/>
+              </a:rPr>
+              <a:t>the</a:t>
+            </a:r>
+            <a:r>
+              <a:rPr lang="de-CH" sz="1800" dirty="0">
+                <a:effectLst/>
+                <a:latin typeface="__fkGroteskNeue_598ab8"/>
+              </a:rPr>
+              <a:t> </a:t>
+            </a:r>
+            <a:r>
+              <a:rPr lang="de-CH" sz="1800" dirty="0" err="1">
+                <a:effectLst/>
+                <a:latin typeface="__fkGroteskNeue_598ab8"/>
+              </a:rPr>
+              <a:t>most</a:t>
+            </a:r>
+            <a:r>
+              <a:rPr lang="de-CH" sz="1800" dirty="0">
+                <a:effectLst/>
+                <a:latin typeface="__fkGroteskNeue_598ab8"/>
+              </a:rPr>
+              <a:t> </a:t>
+            </a:r>
+            <a:r>
+              <a:rPr lang="de-CH" sz="1800" dirty="0" err="1">
+                <a:effectLst/>
+                <a:latin typeface="__fkGroteskNeue_598ab8"/>
+              </a:rPr>
+              <a:t>suitable</a:t>
+            </a:r>
+            <a:r>
+              <a:rPr lang="de-CH" sz="1800" dirty="0">
+                <a:effectLst/>
+                <a:latin typeface="__fkGroteskNeue_598ab8"/>
+              </a:rPr>
+              <a:t> </a:t>
+            </a:r>
+            <a:r>
+              <a:rPr lang="de-CH" sz="1800" dirty="0" err="1">
+                <a:effectLst/>
+                <a:latin typeface="__fkGroteskNeue_598ab8"/>
+              </a:rPr>
+              <a:t>choice</a:t>
+            </a:r>
+            <a:r>
+              <a:rPr lang="de-CH" sz="1800" dirty="0">
+                <a:effectLst/>
+                <a:latin typeface="__fkGroteskNeue_598ab8"/>
+              </a:rPr>
+              <a:t> </a:t>
+            </a:r>
+            <a:r>
+              <a:rPr lang="de-CH" sz="1800" dirty="0" err="1">
+                <a:effectLst/>
+                <a:latin typeface="__fkGroteskNeue_598ab8"/>
+              </a:rPr>
+              <a:t>for</a:t>
+            </a:r>
+            <a:r>
+              <a:rPr lang="de-CH" sz="1800" dirty="0">
+                <a:effectLst/>
+                <a:latin typeface="__fkGroteskNeue_598ab8"/>
+              </a:rPr>
+              <a:t> </a:t>
+            </a:r>
+            <a:r>
+              <a:rPr lang="de-CH" sz="1800" dirty="0" err="1">
+                <a:effectLst/>
+                <a:latin typeface="__fkGroteskNeue_598ab8"/>
+              </a:rPr>
+              <a:t>your</a:t>
+            </a:r>
+            <a:r>
+              <a:rPr lang="de-CH" sz="1800" dirty="0">
+                <a:effectLst/>
+                <a:latin typeface="__fkGroteskNeue_598ab8"/>
+              </a:rPr>
+              <a:t> </a:t>
+            </a:r>
+            <a:r>
+              <a:rPr lang="de-CH" sz="1800" dirty="0" err="1">
+                <a:effectLst/>
+                <a:latin typeface="__fkGroteskNeue_598ab8"/>
+              </a:rPr>
+              <a:t>specific</a:t>
+            </a:r>
+            <a:r>
+              <a:rPr lang="de-CH" sz="1800" dirty="0">
+                <a:effectLst/>
+                <a:latin typeface="__fkGroteskNeue_598ab8"/>
+              </a:rPr>
+              <a:t> </a:t>
+            </a:r>
+            <a:r>
+              <a:rPr lang="de-CH" sz="1800" dirty="0" err="1">
+                <a:effectLst/>
+                <a:latin typeface="__fkGroteskNeue_598ab8"/>
+              </a:rPr>
+              <a:t>requirements</a:t>
+            </a:r>
+            <a:r>
+              <a:rPr lang="de-CH" sz="1800" dirty="0">
+                <a:effectLst/>
+                <a:latin typeface="__fkGroteskNeue_598ab8"/>
+              </a:rPr>
+              <a:t>.</a:t>
+            </a:r>
+          </a:p>
+          <a:p>
+            <a:r>
+              <a:rPr lang="en-US" dirty="0"/>
+              <a:t>Advantages with this model:</a:t>
+            </a:r>
+          </a:p>
+          <a:p>
+            <a:pPr marL="285750" indent="-285750" rtl="0" fontAlgn="ctr">
+              <a:spcBef>
+                <a:spcPts val="0"/>
+              </a:spcBef>
+              <a:spcAft>
+                <a:spcPts val="0"/>
+              </a:spcAft>
               <a:buFont typeface="Arial" panose="020B0604020202020204" pitchFamily="34" charset="0"/>
               <a:buChar char="•"/>
             </a:pPr>
             <a:r>
-              <a:rPr lang="en-US" b="0" i="0" dirty="0">
-                <a:effectLst/>
-                <a:latin typeface="__fkGroteskNeue_598ab8"/>
-              </a:rPr>
-              <a:t>tokens: Lists of words or punctuation marks that make up each text sample.</a:t>
-            </a:r>
-          </a:p>
-          <a:p>
-            <a:pPr marL="171450" indent="-171450" algn="l">
+              <a:rPr lang="de-CH" sz="1800" b="0" i="0" dirty="0">
+                <a:effectLst/>
+                <a:latin typeface="__fkGroteskNeue_598ab8"/>
+              </a:rPr>
+              <a:t>Language support: This </a:t>
+            </a:r>
+            <a:r>
+              <a:rPr lang="de-CH" sz="1800" b="0" i="0" dirty="0" err="1">
+                <a:effectLst/>
+                <a:latin typeface="__fkGroteskNeue_598ab8"/>
+              </a:rPr>
+              <a:t>model</a:t>
+            </a:r>
+            <a:r>
+              <a:rPr lang="de-CH" sz="1800" b="0" i="0" dirty="0">
+                <a:effectLst/>
+                <a:latin typeface="__fkGroteskNeue_598ab8"/>
+              </a:rPr>
+              <a:t> </a:t>
+            </a:r>
+            <a:r>
+              <a:rPr lang="de-CH" sz="1800" b="0" i="0" dirty="0" err="1">
+                <a:effectLst/>
+                <a:latin typeface="__fkGroteskNeue_598ab8"/>
+              </a:rPr>
+              <a:t>supports</a:t>
+            </a:r>
+            <a:r>
+              <a:rPr lang="de-CH" sz="1800" b="0" i="0" dirty="0">
+                <a:effectLst/>
+                <a:latin typeface="__fkGroteskNeue_598ab8"/>
+              </a:rPr>
+              <a:t> all </a:t>
+            </a:r>
+            <a:r>
+              <a:rPr lang="de-CH" sz="1800" b="0" i="0" dirty="0" err="1">
+                <a:effectLst/>
+                <a:latin typeface="__fkGroteskNeue_598ab8"/>
+              </a:rPr>
+              <a:t>four</a:t>
+            </a:r>
+            <a:r>
+              <a:rPr lang="de-CH" sz="1800" b="0" i="0" dirty="0">
+                <a:effectLst/>
+                <a:latin typeface="__fkGroteskNeue_598ab8"/>
+              </a:rPr>
+              <a:t> </a:t>
+            </a:r>
+            <a:r>
+              <a:rPr lang="de-CH" sz="1800" b="0" i="0" dirty="0" err="1">
+                <a:effectLst/>
+                <a:latin typeface="__fkGroteskNeue_598ab8"/>
+              </a:rPr>
+              <a:t>required</a:t>
+            </a:r>
+            <a:r>
+              <a:rPr lang="de-CH" sz="1800" b="0" i="0" dirty="0">
+                <a:effectLst/>
+                <a:latin typeface="__fkGroteskNeue_598ab8"/>
+              </a:rPr>
+              <a:t> </a:t>
+            </a:r>
+            <a:r>
+              <a:rPr lang="de-CH" sz="1800" b="0" i="0" dirty="0" err="1">
+                <a:effectLst/>
+                <a:latin typeface="__fkGroteskNeue_598ab8"/>
+              </a:rPr>
+              <a:t>languages</a:t>
+            </a:r>
+            <a:r>
+              <a:rPr lang="de-CH" sz="1800" b="0" i="0" dirty="0">
+                <a:effectLst/>
+                <a:latin typeface="__fkGroteskNeue_598ab8"/>
+              </a:rPr>
+              <a:t> (English, French, </a:t>
+            </a:r>
+            <a:r>
+              <a:rPr lang="de-CH" sz="1800" b="0" i="0" dirty="0" err="1">
+                <a:effectLst/>
+                <a:latin typeface="__fkGroteskNeue_598ab8"/>
+              </a:rPr>
+              <a:t>Italian</a:t>
+            </a:r>
+            <a:r>
+              <a:rPr lang="de-CH" sz="1800" b="0" i="0" dirty="0">
+                <a:effectLst/>
+                <a:latin typeface="__fkGroteskNeue_598ab8"/>
+              </a:rPr>
+              <a:t>, and German)</a:t>
+            </a:r>
+          </a:p>
+          <a:p>
+            <a:pPr marL="285750" indent="-285750" rtl="0" fontAlgn="ctr">
+              <a:spcBef>
+                <a:spcPts val="0"/>
+              </a:spcBef>
+              <a:spcAft>
+                <a:spcPts val="0"/>
+              </a:spcAft>
               <a:buFont typeface="Arial" panose="020B0604020202020204" pitchFamily="34" charset="0"/>
               <a:buChar char="•"/>
             </a:pPr>
             <a:r>
-              <a:rPr lang="en-US" b="0" i="0" dirty="0" err="1">
-                <a:effectLst/>
-                <a:latin typeface="__fkGroteskNeue_598ab8"/>
-              </a:rPr>
-              <a:t>ner_tags</a:t>
-            </a:r>
-            <a:r>
-              <a:rPr lang="en-US" b="0" i="0" dirty="0">
-                <a:effectLst/>
-                <a:latin typeface="__fkGroteskNeue_598ab8"/>
-              </a:rPr>
-              <a:t>: Numerical tags corresponding to Named Entity Recognition (NER) categories.</a:t>
-            </a:r>
-          </a:p>
-          <a:p>
-            <a:pPr marL="171450" indent="-171450" algn="l">
+              <a:rPr lang="de-CH" sz="1800" b="0" i="0" dirty="0">
+                <a:effectLst/>
+                <a:latin typeface="__fkGroteskNeue_598ab8"/>
+              </a:rPr>
+              <a:t>Multilingual NER </a:t>
+            </a:r>
+            <a:r>
+              <a:rPr lang="de-CH" sz="1800" b="0" i="0" dirty="0" err="1">
+                <a:effectLst/>
+                <a:latin typeface="__fkGroteskNeue_598ab8"/>
+              </a:rPr>
+              <a:t>capability</a:t>
+            </a:r>
+            <a:r>
+              <a:rPr lang="de-CH" sz="1800" b="0" i="0" dirty="0">
+                <a:effectLst/>
+                <a:latin typeface="__fkGroteskNeue_598ab8"/>
+              </a:rPr>
+              <a:t>: </a:t>
+            </a:r>
+            <a:r>
+              <a:rPr lang="de-CH" sz="1800" b="0" i="0" dirty="0" err="1">
+                <a:effectLst/>
+                <a:latin typeface="__fkGroteskNeue_598ab8"/>
+              </a:rPr>
+              <a:t>It</a:t>
+            </a:r>
+            <a:r>
+              <a:rPr lang="de-CH" sz="1800" b="0" i="0" dirty="0">
+                <a:effectLst/>
+                <a:latin typeface="__fkGroteskNeue_598ab8"/>
+              </a:rPr>
+              <a:t> </a:t>
+            </a:r>
+            <a:r>
+              <a:rPr lang="de-CH" sz="1800" b="0" i="0" dirty="0" err="1">
+                <a:effectLst/>
+                <a:latin typeface="__fkGroteskNeue_598ab8"/>
+              </a:rPr>
+              <a:t>is</a:t>
+            </a:r>
+            <a:r>
+              <a:rPr lang="de-CH" sz="1800" b="0" i="0" dirty="0">
+                <a:effectLst/>
+                <a:latin typeface="__fkGroteskNeue_598ab8"/>
+              </a:rPr>
+              <a:t> </a:t>
+            </a:r>
+            <a:r>
+              <a:rPr lang="de-CH" sz="1800" b="0" i="0" dirty="0" err="1">
+                <a:effectLst/>
+                <a:latin typeface="__fkGroteskNeue_598ab8"/>
+              </a:rPr>
+              <a:t>specifically</a:t>
+            </a:r>
+            <a:r>
+              <a:rPr lang="de-CH" sz="1800" b="0" i="0" dirty="0">
+                <a:effectLst/>
+                <a:latin typeface="__fkGroteskNeue_598ab8"/>
+              </a:rPr>
+              <a:t> </a:t>
+            </a:r>
+            <a:r>
+              <a:rPr lang="de-CH" sz="1800" b="0" i="0" dirty="0" err="1">
+                <a:effectLst/>
+                <a:latin typeface="__fkGroteskNeue_598ab8"/>
+              </a:rPr>
+              <a:t>designed</a:t>
+            </a:r>
+            <a:r>
+              <a:rPr lang="de-CH" sz="1800" b="0" i="0" dirty="0">
+                <a:effectLst/>
+                <a:latin typeface="__fkGroteskNeue_598ab8"/>
+              </a:rPr>
+              <a:t> </a:t>
+            </a:r>
+            <a:r>
+              <a:rPr lang="de-CH" sz="1800" b="0" i="0" dirty="0" err="1">
+                <a:effectLst/>
+                <a:latin typeface="__fkGroteskNeue_598ab8"/>
+              </a:rPr>
+              <a:t>for</a:t>
+            </a:r>
+            <a:r>
+              <a:rPr lang="de-CH" sz="1800" b="0" i="0" dirty="0">
+                <a:effectLst/>
+                <a:latin typeface="__fkGroteskNeue_598ab8"/>
+              </a:rPr>
+              <a:t> </a:t>
+            </a:r>
+            <a:r>
+              <a:rPr lang="de-CH" sz="1800" b="0" i="0" dirty="0" err="1">
+                <a:effectLst/>
+                <a:latin typeface="__fkGroteskNeue_598ab8"/>
+              </a:rPr>
+              <a:t>Named</a:t>
+            </a:r>
+            <a:r>
+              <a:rPr lang="de-CH" sz="1800" b="0" i="0" dirty="0">
+                <a:effectLst/>
+                <a:latin typeface="__fkGroteskNeue_598ab8"/>
+              </a:rPr>
+              <a:t> Entity Recognition (NER) </a:t>
+            </a:r>
+            <a:r>
+              <a:rPr lang="de-CH" sz="1800" b="0" i="0" dirty="0" err="1">
+                <a:effectLst/>
+                <a:latin typeface="__fkGroteskNeue_598ab8"/>
+              </a:rPr>
+              <a:t>tasks</a:t>
+            </a:r>
+            <a:r>
+              <a:rPr lang="de-CH" sz="1800" b="0" i="0" dirty="0">
+                <a:effectLst/>
+                <a:latin typeface="__fkGroteskNeue_598ab8"/>
+              </a:rPr>
+              <a:t> </a:t>
+            </a:r>
+            <a:r>
+              <a:rPr lang="de-CH" sz="1800" b="0" i="0" dirty="0" err="1">
+                <a:effectLst/>
+                <a:latin typeface="__fkGroteskNeue_598ab8"/>
+              </a:rPr>
+              <a:t>across</a:t>
+            </a:r>
+            <a:r>
+              <a:rPr lang="de-CH" sz="1800" b="0" i="0" dirty="0">
+                <a:effectLst/>
+                <a:latin typeface="__fkGroteskNeue_598ab8"/>
+              </a:rPr>
+              <a:t> multiple </a:t>
+            </a:r>
+            <a:r>
+              <a:rPr lang="de-CH" sz="1800" b="0" i="0" dirty="0" err="1">
+                <a:effectLst/>
+                <a:latin typeface="__fkGroteskNeue_598ab8"/>
+              </a:rPr>
+              <a:t>languages</a:t>
+            </a:r>
+            <a:endParaRPr lang="de-CH" sz="1800" b="0" i="0" dirty="0">
+              <a:effectLst/>
+              <a:latin typeface="__fkGroteskNeue_598ab8"/>
+            </a:endParaRPr>
+          </a:p>
+          <a:p>
+            <a:pPr marL="285750" indent="-285750" rtl="0" fontAlgn="ctr">
+              <a:spcBef>
+                <a:spcPts val="0"/>
+              </a:spcBef>
+              <a:spcAft>
+                <a:spcPts val="0"/>
+              </a:spcAft>
               <a:buFont typeface="Arial" panose="020B0604020202020204" pitchFamily="34" charset="0"/>
               <a:buChar char="•"/>
             </a:pPr>
             <a:r>
-              <a:rPr lang="en-US" b="0" i="0" dirty="0" err="1">
-                <a:effectLst/>
-                <a:latin typeface="__fkGroteskNeue_598ab8"/>
-              </a:rPr>
-              <a:t>langs</a:t>
-            </a:r>
-            <a:r>
-              <a:rPr lang="en-US" b="0" i="0" dirty="0">
-                <a:effectLst/>
-                <a:latin typeface="__fkGroteskNeue_598ab8"/>
-              </a:rPr>
-              <a:t>: Language identifiers for each token (all '</a:t>
-            </a:r>
-            <a:r>
-              <a:rPr lang="en-US" b="0" i="0" dirty="0" err="1">
-                <a:effectLst/>
-                <a:latin typeface="__fkGroteskNeue_598ab8"/>
-              </a:rPr>
-              <a:t>en</a:t>
-            </a:r>
-            <a:r>
-              <a:rPr lang="en-US" b="0" i="0" dirty="0">
-                <a:effectLst/>
-                <a:latin typeface="__fkGroteskNeue_598ab8"/>
-              </a:rPr>
-              <a:t>' for English in this sample).</a:t>
-            </a:r>
-          </a:p>
-          <a:p>
-            <a:pPr marL="171450" indent="-171450" algn="l">
+              <a:rPr lang="de-CH" sz="1800" b="0" i="0" dirty="0">
+                <a:effectLst/>
+                <a:latin typeface="__fkGroteskNeue_598ab8"/>
+              </a:rPr>
+              <a:t>Transfer </a:t>
+            </a:r>
+            <a:r>
+              <a:rPr lang="de-CH" sz="1800" b="0" i="0" dirty="0" err="1">
+                <a:effectLst/>
+                <a:latin typeface="__fkGroteskNeue_598ab8"/>
+              </a:rPr>
+              <a:t>learning</a:t>
+            </a:r>
+            <a:r>
+              <a:rPr lang="de-CH" sz="1800" b="0" i="0" dirty="0">
+                <a:effectLst/>
+                <a:latin typeface="__fkGroteskNeue_598ab8"/>
+              </a:rPr>
+              <a:t> potential: The </a:t>
+            </a:r>
+            <a:r>
+              <a:rPr lang="de-CH" sz="1800" b="0" i="0" dirty="0" err="1">
+                <a:effectLst/>
+                <a:latin typeface="__fkGroteskNeue_598ab8"/>
+              </a:rPr>
+              <a:t>model</a:t>
+            </a:r>
+            <a:r>
+              <a:rPr lang="de-CH" sz="1800" b="0" i="0" dirty="0">
+                <a:effectLst/>
+                <a:latin typeface="__fkGroteskNeue_598ab8"/>
+              </a:rPr>
+              <a:t> </a:t>
+            </a:r>
+            <a:r>
+              <a:rPr lang="de-CH" sz="1800" b="0" i="0" dirty="0" err="1">
+                <a:effectLst/>
+                <a:latin typeface="__fkGroteskNeue_598ab8"/>
+              </a:rPr>
+              <a:t>is</a:t>
+            </a:r>
+            <a:r>
+              <a:rPr lang="de-CH" sz="1800" b="0" i="0" dirty="0">
+                <a:effectLst/>
+                <a:latin typeface="__fkGroteskNeue_598ab8"/>
+              </a:rPr>
+              <a:t> </a:t>
+            </a:r>
+            <a:r>
+              <a:rPr lang="de-CH" sz="1800" b="0" i="0" dirty="0" err="1">
+                <a:effectLst/>
+                <a:latin typeface="__fkGroteskNeue_598ab8"/>
+              </a:rPr>
+              <a:t>trained</a:t>
+            </a:r>
+            <a:r>
+              <a:rPr lang="de-CH" sz="1800" b="0" i="0" dirty="0">
+                <a:effectLst/>
+                <a:latin typeface="__fkGroteskNeue_598ab8"/>
+              </a:rPr>
+              <a:t> on a large </a:t>
+            </a:r>
+            <a:r>
+              <a:rPr lang="de-CH" sz="1800" b="0" i="0" dirty="0" err="1">
+                <a:effectLst/>
+                <a:latin typeface="__fkGroteskNeue_598ab8"/>
+              </a:rPr>
+              <a:t>dataset</a:t>
+            </a:r>
+            <a:r>
+              <a:rPr lang="de-CH" sz="1800" b="0" i="0" dirty="0">
+                <a:effectLst/>
+                <a:latin typeface="__fkGroteskNeue_598ab8"/>
+              </a:rPr>
+              <a:t> </a:t>
+            </a:r>
+            <a:r>
+              <a:rPr lang="de-CH" sz="1800" b="0" i="0" dirty="0" err="1">
+                <a:effectLst/>
+                <a:latin typeface="__fkGroteskNeue_598ab8"/>
+              </a:rPr>
+              <a:t>derived</a:t>
+            </a:r>
+            <a:r>
+              <a:rPr lang="de-CH" sz="1800" b="0" i="0" dirty="0">
+                <a:effectLst/>
+                <a:latin typeface="__fkGroteskNeue_598ab8"/>
+              </a:rPr>
+              <a:t> </a:t>
+            </a:r>
+            <a:r>
+              <a:rPr lang="de-CH" sz="1800" b="0" i="0" dirty="0" err="1">
+                <a:effectLst/>
+                <a:latin typeface="__fkGroteskNeue_598ab8"/>
+              </a:rPr>
+              <a:t>from</a:t>
+            </a:r>
+            <a:r>
+              <a:rPr lang="de-CH" sz="1800" b="0" i="0" dirty="0">
+                <a:effectLst/>
+                <a:latin typeface="__fkGroteskNeue_598ab8"/>
+              </a:rPr>
+              <a:t> Wikipedia, </a:t>
+            </a:r>
+            <a:r>
+              <a:rPr lang="de-CH" sz="1800" b="0" i="0" dirty="0" err="1">
+                <a:effectLst/>
+                <a:latin typeface="__fkGroteskNeue_598ab8"/>
+              </a:rPr>
+              <a:t>combining</a:t>
+            </a:r>
+            <a:r>
+              <a:rPr lang="de-CH" sz="1800" b="0" i="0" dirty="0">
+                <a:effectLst/>
+                <a:latin typeface="__fkGroteskNeue_598ab8"/>
+              </a:rPr>
+              <a:t> </a:t>
+            </a:r>
+            <a:r>
+              <a:rPr lang="de-CH" sz="1800" b="0" i="0" dirty="0" err="1">
+                <a:effectLst/>
+                <a:latin typeface="__fkGroteskNeue_598ab8"/>
+              </a:rPr>
+              <a:t>neural</a:t>
+            </a:r>
+            <a:r>
+              <a:rPr lang="de-CH" sz="1800" b="0" i="0" dirty="0">
+                <a:effectLst/>
+                <a:latin typeface="__fkGroteskNeue_598ab8"/>
+              </a:rPr>
+              <a:t> and </a:t>
+            </a:r>
+            <a:r>
+              <a:rPr lang="de-CH" sz="1800" b="0" i="0" dirty="0" err="1">
+                <a:effectLst/>
+                <a:latin typeface="__fkGroteskNeue_598ab8"/>
+              </a:rPr>
+              <a:t>knowledge-based</a:t>
+            </a:r>
+            <a:r>
+              <a:rPr lang="de-CH" sz="1800" b="0" i="0" dirty="0">
+                <a:effectLst/>
+                <a:latin typeface="__fkGroteskNeue_598ab8"/>
+              </a:rPr>
+              <a:t> </a:t>
+            </a:r>
+            <a:r>
+              <a:rPr lang="de-CH" sz="1800" b="0" i="0" dirty="0" err="1">
+                <a:effectLst/>
+                <a:latin typeface="__fkGroteskNeue_598ab8"/>
+              </a:rPr>
+              <a:t>approaches</a:t>
+            </a:r>
+            <a:r>
+              <a:rPr lang="de-CH" sz="1800" b="0" i="0" dirty="0">
+                <a:effectLst/>
+                <a:latin typeface="__fkGroteskNeue_598ab8"/>
+              </a:rPr>
+              <a:t>. This </a:t>
+            </a:r>
+            <a:r>
+              <a:rPr lang="de-CH" sz="1800" b="0" i="0" dirty="0" err="1">
+                <a:effectLst/>
+                <a:latin typeface="__fkGroteskNeue_598ab8"/>
+              </a:rPr>
+              <a:t>makes</a:t>
+            </a:r>
+            <a:r>
+              <a:rPr lang="de-CH" sz="1800" b="0" i="0" dirty="0">
+                <a:effectLst/>
+                <a:latin typeface="__fkGroteskNeue_598ab8"/>
+              </a:rPr>
+              <a:t> </a:t>
+            </a:r>
+            <a:r>
+              <a:rPr lang="de-CH" sz="1800" b="0" i="0" dirty="0" err="1">
+                <a:effectLst/>
+                <a:latin typeface="__fkGroteskNeue_598ab8"/>
+              </a:rPr>
+              <a:t>it</a:t>
+            </a:r>
+            <a:r>
+              <a:rPr lang="de-CH" sz="1800" b="0" i="0" dirty="0">
+                <a:effectLst/>
+                <a:latin typeface="__fkGroteskNeue_598ab8"/>
+              </a:rPr>
+              <a:t> </a:t>
+            </a:r>
+            <a:r>
+              <a:rPr lang="de-CH" sz="1800" b="0" i="0" dirty="0" err="1">
+                <a:effectLst/>
+                <a:latin typeface="__fkGroteskNeue_598ab8"/>
+              </a:rPr>
+              <a:t>suitable</a:t>
+            </a:r>
+            <a:r>
+              <a:rPr lang="de-CH" sz="1800" b="0" i="0" dirty="0">
+                <a:effectLst/>
+                <a:latin typeface="__fkGroteskNeue_598ab8"/>
+              </a:rPr>
+              <a:t> </a:t>
+            </a:r>
+            <a:r>
+              <a:rPr lang="de-CH" sz="1800" b="0" i="0" dirty="0" err="1">
+                <a:effectLst/>
+                <a:latin typeface="__fkGroteskNeue_598ab8"/>
+              </a:rPr>
+              <a:t>for</a:t>
+            </a:r>
+            <a:r>
+              <a:rPr lang="de-CH" sz="1800" b="0" i="0" dirty="0">
+                <a:effectLst/>
+                <a:latin typeface="__fkGroteskNeue_598ab8"/>
+              </a:rPr>
+              <a:t> </a:t>
+            </a:r>
+            <a:r>
+              <a:rPr lang="de-CH" sz="1800" b="0" i="0" dirty="0" err="1">
+                <a:effectLst/>
+                <a:latin typeface="__fkGroteskNeue_598ab8"/>
+              </a:rPr>
+              <a:t>transfer</a:t>
+            </a:r>
+            <a:r>
+              <a:rPr lang="de-CH" sz="1800" b="0" i="0" dirty="0">
+                <a:effectLst/>
+                <a:latin typeface="__fkGroteskNeue_598ab8"/>
+              </a:rPr>
+              <a:t> </a:t>
+            </a:r>
+            <a:r>
+              <a:rPr lang="de-CH" sz="1800" b="0" i="0" dirty="0" err="1">
+                <a:effectLst/>
+                <a:latin typeface="__fkGroteskNeue_598ab8"/>
+              </a:rPr>
+              <a:t>learning</a:t>
+            </a:r>
+            <a:r>
+              <a:rPr lang="de-CH" sz="1800" b="0" i="0" dirty="0">
+                <a:effectLst/>
+                <a:latin typeface="__fkGroteskNeue_598ab8"/>
+              </a:rPr>
+              <a:t> </a:t>
+            </a:r>
+            <a:r>
+              <a:rPr lang="de-CH" sz="1800" b="0" i="0" dirty="0" err="1">
+                <a:effectLst/>
+                <a:latin typeface="__fkGroteskNeue_598ab8"/>
+              </a:rPr>
+              <a:t>from</a:t>
+            </a:r>
+            <a:r>
+              <a:rPr lang="de-CH" sz="1800" b="0" i="0" dirty="0">
+                <a:effectLst/>
+                <a:latin typeface="__fkGroteskNeue_598ab8"/>
+              </a:rPr>
+              <a:t> English </a:t>
+            </a:r>
+            <a:r>
+              <a:rPr lang="de-CH" sz="1800" b="0" i="0" dirty="0" err="1">
+                <a:effectLst/>
+                <a:latin typeface="__fkGroteskNeue_598ab8"/>
+              </a:rPr>
+              <a:t>to</a:t>
+            </a:r>
+            <a:r>
+              <a:rPr lang="de-CH" sz="1800" b="0" i="0" dirty="0">
+                <a:effectLst/>
+                <a:latin typeface="__fkGroteskNeue_598ab8"/>
+              </a:rPr>
+              <a:t> </a:t>
+            </a:r>
+            <a:r>
+              <a:rPr lang="de-CH" sz="1800" b="0" i="0" dirty="0" err="1">
+                <a:effectLst/>
+                <a:latin typeface="__fkGroteskNeue_598ab8"/>
+              </a:rPr>
+              <a:t>other</a:t>
+            </a:r>
+            <a:r>
+              <a:rPr lang="de-CH" sz="1800" b="0" i="0" dirty="0">
+                <a:effectLst/>
+                <a:latin typeface="__fkGroteskNeue_598ab8"/>
+              </a:rPr>
+              <a:t> </a:t>
+            </a:r>
+            <a:r>
+              <a:rPr lang="de-CH" sz="1800" b="0" i="0" dirty="0" err="1">
+                <a:effectLst/>
+                <a:latin typeface="__fkGroteskNeue_598ab8"/>
+              </a:rPr>
+              <a:t>languages</a:t>
+            </a:r>
+            <a:endParaRPr lang="de-CH" sz="1800" b="0" i="0" dirty="0">
+              <a:effectLst/>
+              <a:latin typeface="__fkGroteskNeue_598ab8"/>
+            </a:endParaRPr>
+          </a:p>
+          <a:p>
+            <a:pPr marL="285750" indent="-285750" rtl="0" fontAlgn="ctr">
+              <a:spcBef>
+                <a:spcPts val="0"/>
+              </a:spcBef>
+              <a:spcAft>
+                <a:spcPts val="0"/>
+              </a:spcAft>
               <a:buFont typeface="Arial" panose="020B0604020202020204" pitchFamily="34" charset="0"/>
               <a:buChar char="•"/>
             </a:pPr>
             <a:r>
-              <a:rPr lang="en-US" b="0" i="0" dirty="0">
-                <a:effectLst/>
-                <a:latin typeface="__fkGroteskNeue_598ab8"/>
-              </a:rPr>
-              <a:t>spans: Named entities identified in the text, with their categories.</a:t>
-            </a:r>
+              <a:rPr lang="de-CH" sz="1800" b="0" i="0" dirty="0">
+                <a:effectLst/>
+                <a:latin typeface="__fkGroteskNeue_598ab8"/>
+              </a:rPr>
+              <a:t>Performance: </a:t>
+            </a:r>
+            <a:r>
+              <a:rPr lang="de-CH" sz="1800" b="0" i="0" dirty="0" err="1">
+                <a:effectLst/>
+                <a:latin typeface="__fkGroteskNeue_598ab8"/>
+              </a:rPr>
+              <a:t>It</a:t>
+            </a:r>
+            <a:r>
+              <a:rPr lang="de-CH" sz="1800" b="0" i="0" dirty="0">
+                <a:effectLst/>
+                <a:latin typeface="__fkGroteskNeue_598ab8"/>
+              </a:rPr>
+              <a:t> </a:t>
+            </a:r>
+            <a:r>
+              <a:rPr lang="de-CH" sz="1800" b="0" i="0" dirty="0" err="1">
+                <a:effectLst/>
+                <a:latin typeface="__fkGroteskNeue_598ab8"/>
+              </a:rPr>
+              <a:t>achieves</a:t>
+            </a:r>
+            <a:r>
+              <a:rPr lang="de-CH" sz="1800" b="0" i="0" dirty="0">
+                <a:effectLst/>
+                <a:latin typeface="__fkGroteskNeue_598ab8"/>
+              </a:rPr>
+              <a:t> </a:t>
+            </a:r>
+            <a:r>
+              <a:rPr lang="de-CH" sz="1800" b="0" i="0" dirty="0" err="1">
+                <a:effectLst/>
+                <a:latin typeface="__fkGroteskNeue_598ab8"/>
+              </a:rPr>
+              <a:t>state</a:t>
+            </a:r>
+            <a:r>
+              <a:rPr lang="de-CH" sz="1800" b="0" i="0" dirty="0">
+                <a:effectLst/>
+                <a:latin typeface="__fkGroteskNeue_598ab8"/>
+              </a:rPr>
+              <a:t>-</a:t>
+            </a:r>
+            <a:r>
+              <a:rPr lang="de-CH" sz="1800" b="0" i="0" dirty="0" err="1">
+                <a:effectLst/>
+                <a:latin typeface="__fkGroteskNeue_598ab8"/>
+              </a:rPr>
+              <a:t>of</a:t>
+            </a:r>
+            <a:r>
+              <a:rPr lang="de-CH" sz="1800" b="0" i="0" dirty="0">
+                <a:effectLst/>
+                <a:latin typeface="__fkGroteskNeue_598ab8"/>
+              </a:rPr>
+              <a:t>-</a:t>
+            </a:r>
+            <a:r>
+              <a:rPr lang="de-CH" sz="1800" b="0" i="0" dirty="0" err="1">
+                <a:effectLst/>
+                <a:latin typeface="__fkGroteskNeue_598ab8"/>
+              </a:rPr>
+              <a:t>the</a:t>
+            </a:r>
+            <a:r>
+              <a:rPr lang="de-CH" sz="1800" b="0" i="0" dirty="0">
+                <a:effectLst/>
+                <a:latin typeface="__fkGroteskNeue_598ab8"/>
+              </a:rPr>
+              <a:t>-art </a:t>
+            </a:r>
+            <a:r>
+              <a:rPr lang="de-CH" sz="1800" b="0" i="0" dirty="0" err="1">
+                <a:effectLst/>
+                <a:latin typeface="__fkGroteskNeue_598ab8"/>
+              </a:rPr>
+              <a:t>results</a:t>
+            </a:r>
+            <a:r>
+              <a:rPr lang="de-CH" sz="1800" b="0" i="0" dirty="0">
+                <a:effectLst/>
+                <a:latin typeface="__fkGroteskNeue_598ab8"/>
+              </a:rPr>
+              <a:t> in multilingual NER </a:t>
+            </a:r>
+            <a:r>
+              <a:rPr lang="de-CH" sz="1800" b="0" i="0" dirty="0" err="1">
+                <a:effectLst/>
+                <a:latin typeface="__fkGroteskNeue_598ab8"/>
+              </a:rPr>
+              <a:t>tasks</a:t>
+            </a:r>
+            <a:endParaRPr lang="de-CH" sz="1800" b="0" i="0" dirty="0">
+              <a:effectLst/>
+              <a:latin typeface="__fkGroteskNeue_598ab8"/>
+            </a:endParaRPr>
+          </a:p>
+          <a:p>
+            <a:pPr marL="285750" indent="-285750" rtl="0" fontAlgn="ctr">
+              <a:spcBef>
+                <a:spcPts val="0"/>
+              </a:spcBef>
+              <a:spcAft>
+                <a:spcPts val="0"/>
+              </a:spcAft>
+              <a:buFont typeface="Arial" panose="020B0604020202020204" pitchFamily="34" charset="0"/>
+              <a:buChar char="•"/>
+            </a:pPr>
+            <a:r>
+              <a:rPr lang="de-CH" sz="1800" b="0" i="0" dirty="0">
+                <a:effectLst/>
+                <a:latin typeface="__fkGroteskNeue_598ab8"/>
+              </a:rPr>
+              <a:t>Fine-tuning </a:t>
+            </a:r>
+            <a:r>
+              <a:rPr lang="de-CH" sz="1800" b="0" i="0" dirty="0" err="1">
+                <a:effectLst/>
+                <a:latin typeface="__fkGroteskNeue_598ab8"/>
+              </a:rPr>
+              <a:t>flexibility</a:t>
+            </a:r>
+            <a:r>
+              <a:rPr lang="de-CH" sz="1800" b="0" i="0" dirty="0">
+                <a:effectLst/>
+                <a:latin typeface="__fkGroteskNeue_598ab8"/>
+              </a:rPr>
+              <a:t>: </a:t>
+            </a:r>
+            <a:r>
+              <a:rPr lang="de-CH" sz="1800" b="0" i="0" dirty="0" err="1">
+                <a:effectLst/>
+                <a:latin typeface="__fkGroteskNeue_598ab8"/>
+              </a:rPr>
+              <a:t>We</a:t>
+            </a:r>
+            <a:r>
+              <a:rPr lang="de-CH" sz="1800" b="0" i="0" dirty="0">
+                <a:effectLst/>
+                <a:latin typeface="__fkGroteskNeue_598ab8"/>
+              </a:rPr>
+              <a:t> </a:t>
+            </a:r>
+            <a:r>
+              <a:rPr lang="de-CH" sz="1800" b="0" i="0" dirty="0" err="1">
+                <a:effectLst/>
+                <a:latin typeface="__fkGroteskNeue_598ab8"/>
+              </a:rPr>
+              <a:t>can</a:t>
+            </a:r>
+            <a:r>
+              <a:rPr lang="de-CH" sz="1800" b="0" i="0" dirty="0">
+                <a:effectLst/>
+                <a:latin typeface="__fkGroteskNeue_598ab8"/>
+              </a:rPr>
+              <a:t> </a:t>
+            </a:r>
+            <a:r>
+              <a:rPr lang="de-CH" sz="1800" b="0" i="0" dirty="0" err="1">
+                <a:effectLst/>
+                <a:latin typeface="__fkGroteskNeue_598ab8"/>
+              </a:rPr>
+              <a:t>fine</a:t>
+            </a:r>
+            <a:r>
+              <a:rPr lang="de-CH" sz="1800" b="0" i="0" dirty="0">
+                <a:effectLst/>
+                <a:latin typeface="__fkGroteskNeue_598ab8"/>
+              </a:rPr>
+              <a:t>-tune </a:t>
+            </a:r>
+            <a:r>
+              <a:rPr lang="de-CH" sz="1800" b="0" i="0" dirty="0" err="1">
+                <a:effectLst/>
+                <a:latin typeface="__fkGroteskNeue_598ab8"/>
+              </a:rPr>
+              <a:t>this</a:t>
+            </a:r>
+            <a:r>
+              <a:rPr lang="de-CH" sz="1800" b="0" i="0" dirty="0">
+                <a:effectLst/>
+                <a:latin typeface="__fkGroteskNeue_598ab8"/>
+              </a:rPr>
+              <a:t> </a:t>
+            </a:r>
+            <a:r>
+              <a:rPr lang="de-CH" sz="1800" b="0" i="0" dirty="0" err="1">
+                <a:effectLst/>
+                <a:latin typeface="__fkGroteskNeue_598ab8"/>
+              </a:rPr>
+              <a:t>model</a:t>
+            </a:r>
+            <a:r>
+              <a:rPr lang="de-CH" sz="1800" b="0" i="0" dirty="0">
+                <a:effectLst/>
+                <a:latin typeface="__fkGroteskNeue_598ab8"/>
+              </a:rPr>
+              <a:t> on English </a:t>
+            </a:r>
+            <a:r>
+              <a:rPr lang="de-CH" sz="1800" b="0" i="0" dirty="0" err="1">
+                <a:effectLst/>
+                <a:latin typeface="__fkGroteskNeue_598ab8"/>
+              </a:rPr>
+              <a:t>data</a:t>
+            </a:r>
+            <a:r>
+              <a:rPr lang="de-CH" sz="1800" b="0" i="0" dirty="0">
+                <a:effectLst/>
+                <a:latin typeface="__fkGroteskNeue_598ab8"/>
+              </a:rPr>
+              <a:t> and </a:t>
+            </a:r>
+            <a:r>
+              <a:rPr lang="de-CH" sz="1800" b="0" i="0" dirty="0" err="1">
+                <a:effectLst/>
+                <a:latin typeface="__fkGroteskNeue_598ab8"/>
+              </a:rPr>
+              <a:t>then</a:t>
+            </a:r>
+            <a:r>
+              <a:rPr lang="de-CH" sz="1800" b="0" i="0" dirty="0">
+                <a:effectLst/>
+                <a:latin typeface="__fkGroteskNeue_598ab8"/>
+              </a:rPr>
+              <a:t> </a:t>
+            </a:r>
+            <a:r>
+              <a:rPr lang="de-CH" sz="1800" b="0" i="0" dirty="0" err="1">
+                <a:effectLst/>
+                <a:latin typeface="__fkGroteskNeue_598ab8"/>
+              </a:rPr>
+              <a:t>apply</a:t>
+            </a:r>
+            <a:r>
+              <a:rPr lang="de-CH" sz="1800" b="0" i="0" dirty="0">
+                <a:effectLst/>
+                <a:latin typeface="__fkGroteskNeue_598ab8"/>
+              </a:rPr>
+              <a:t> </a:t>
+            </a:r>
+            <a:r>
+              <a:rPr lang="de-CH" sz="1800" b="0" i="0" dirty="0" err="1">
+                <a:effectLst/>
+                <a:latin typeface="__fkGroteskNeue_598ab8"/>
+              </a:rPr>
+              <a:t>it</a:t>
+            </a:r>
+            <a:r>
+              <a:rPr lang="de-CH" sz="1800" b="0" i="0" dirty="0">
+                <a:effectLst/>
+                <a:latin typeface="__fkGroteskNeue_598ab8"/>
+              </a:rPr>
+              <a:t> </a:t>
+            </a:r>
+            <a:r>
+              <a:rPr lang="de-CH" sz="1800" b="0" i="0" dirty="0" err="1">
+                <a:effectLst/>
+                <a:latin typeface="__fkGroteskNeue_598ab8"/>
+              </a:rPr>
+              <a:t>to</a:t>
+            </a:r>
+            <a:r>
+              <a:rPr lang="de-CH" sz="1800" b="0" i="0" dirty="0">
+                <a:effectLst/>
+                <a:latin typeface="__fkGroteskNeue_598ab8"/>
+              </a:rPr>
+              <a:t> </a:t>
+            </a:r>
+            <a:r>
+              <a:rPr lang="de-CH" sz="1800" b="0" i="0" dirty="0" err="1">
+                <a:effectLst/>
+                <a:latin typeface="__fkGroteskNeue_598ab8"/>
+              </a:rPr>
+              <a:t>the</a:t>
+            </a:r>
+            <a:r>
+              <a:rPr lang="de-CH" sz="1800" b="0" i="0" dirty="0">
+                <a:effectLst/>
+                <a:latin typeface="__fkGroteskNeue_598ab8"/>
+              </a:rPr>
+              <a:t> </a:t>
+            </a:r>
+            <a:r>
+              <a:rPr lang="de-CH" sz="1800" b="0" i="0" dirty="0" err="1">
+                <a:effectLst/>
+                <a:latin typeface="__fkGroteskNeue_598ab8"/>
+              </a:rPr>
+              <a:t>other</a:t>
+            </a:r>
+            <a:r>
+              <a:rPr lang="de-CH" sz="1800" b="0" i="0" dirty="0">
+                <a:effectLst/>
+                <a:latin typeface="__fkGroteskNeue_598ab8"/>
+              </a:rPr>
+              <a:t> </a:t>
+            </a:r>
+            <a:r>
+              <a:rPr lang="de-CH" sz="1800" b="0" i="0" dirty="0" err="1">
+                <a:effectLst/>
+                <a:latin typeface="__fkGroteskNeue_598ab8"/>
+              </a:rPr>
+              <a:t>languages</a:t>
+            </a:r>
+            <a:r>
+              <a:rPr lang="de-CH" sz="1800" b="0" i="0" dirty="0">
+                <a:effectLst/>
+                <a:latin typeface="__fkGroteskNeue_598ab8"/>
+              </a:rPr>
+              <a:t> due </a:t>
+            </a:r>
+            <a:r>
+              <a:rPr lang="de-CH" sz="1800" b="0" i="0" dirty="0" err="1">
+                <a:effectLst/>
+                <a:latin typeface="__fkGroteskNeue_598ab8"/>
+              </a:rPr>
+              <a:t>to</a:t>
+            </a:r>
+            <a:r>
+              <a:rPr lang="de-CH" sz="1800" b="0" i="0" dirty="0">
+                <a:effectLst/>
+                <a:latin typeface="__fkGroteskNeue_598ab8"/>
+              </a:rPr>
+              <a:t> </a:t>
+            </a:r>
+            <a:r>
+              <a:rPr lang="de-CH" sz="1800" b="0" i="0" dirty="0" err="1">
+                <a:effectLst/>
+                <a:latin typeface="__fkGroteskNeue_598ab8"/>
+              </a:rPr>
+              <a:t>its</a:t>
+            </a:r>
+            <a:r>
+              <a:rPr lang="de-CH" sz="1800" b="0" i="0" dirty="0">
+                <a:effectLst/>
+                <a:latin typeface="__fkGroteskNeue_598ab8"/>
+              </a:rPr>
+              <a:t> multilingual </a:t>
+            </a:r>
+            <a:r>
+              <a:rPr lang="de-CH" sz="1800" b="0" i="0" dirty="0" err="1">
+                <a:effectLst/>
+                <a:latin typeface="__fkGroteskNeue_598ab8"/>
+              </a:rPr>
+              <a:t>nature</a:t>
+            </a:r>
+            <a:endParaRPr lang="de-CH" sz="1800" b="0" i="0" dirty="0">
+              <a:effectLst/>
+              <a:latin typeface="Calibri" panose="020F0502020204030204" pitchFamily="34" charset="0"/>
+            </a:endParaRPr>
           </a:p>
           <a:p>
             <a:endParaRPr lang="en-US" dirty="0"/>
           </a:p>
           <a:p>
-            <a:endParaRPr lang="en-US" dirty="0"/>
+            <a:r>
+              <a:rPr lang="en-US" b="1" dirty="0"/>
+              <a:t>Dataset:</a:t>
+            </a:r>
+          </a:p>
+          <a:p>
+            <a:r>
+              <a:rPr lang="en-US" dirty="0"/>
+              <a:t>Advantages:</a:t>
+            </a:r>
+          </a:p>
+          <a:p>
+            <a:pPr marL="171450" indent="-171450">
+              <a:buFont typeface="Arial" panose="020B0604020202020204" pitchFamily="34" charset="0"/>
+              <a:buChar char="•"/>
+            </a:pPr>
+            <a:r>
+              <a:rPr lang="en-US" dirty="0"/>
+              <a:t>Trained on Wikipedia texts</a:t>
+            </a:r>
+          </a:p>
+          <a:p>
+            <a:pPr marL="171450" indent="-171450">
+              <a:buFont typeface="Arial" panose="020B0604020202020204" pitchFamily="34" charset="0"/>
+              <a:buChar char="•"/>
+            </a:pPr>
+            <a:r>
+              <a:rPr lang="en-US" dirty="0"/>
+              <a:t>In all for us relevant language the size of the train-test-valuation set is identical</a:t>
+            </a:r>
+          </a:p>
+          <a:p>
+            <a:pPr marL="171450" indent="-171450">
+              <a:buFont typeface="Arial" panose="020B0604020202020204" pitchFamily="34" charset="0"/>
+              <a:buChar char="•"/>
+            </a:pPr>
+            <a:r>
+              <a:rPr lang="en-US" dirty="0"/>
+              <a:t>IOB2 format: many modern NLP tools support this format</a:t>
+            </a:r>
           </a:p>
         </p:txBody>
       </p:sp>
@@ -2378,7 +3646,7 @@
           <a:p>
             <a:fld id="{2DA66685-3D22-47BB-B74E-10995D7F8271}" type="slidenum">
               <a:rPr lang="en-US" smtClean="0"/>
-              <a:t>6</a:t>
+              <a:t>5</a:t>
             </a:fld>
             <a:endParaRPr lang="en-US"/>
           </a:p>
@@ -2387,7 +3655,91 @@
     </p:spTree>
     <p:extLst>
       <p:ext uri="{BB962C8B-B14F-4D97-AF65-F5344CB8AC3E}">
-        <p14:creationId xmlns:p14="http://schemas.microsoft.com/office/powerpoint/2010/main" val="853292132"/>
+        <p14:creationId xmlns:p14="http://schemas.microsoft.com/office/powerpoint/2010/main" val="3799296381"/>
+      </p:ext>
+    </p:extLst>
+  </p:cSld>
+  <p:clrMapOvr>
+    <a:masterClrMapping/>
+  </p:clrMapOvr>
+</p:notes>
+</file>
+
+<file path=ppt/notesSlides/notesSlide20.xml><?xml version="1.0" encoding="utf-8"?>
+<p:notes xmlns:a="http://schemas.openxmlformats.org/drawingml/2006/main" xmlns:r="http://schemas.openxmlformats.org/officeDocument/2006/relationships" xmlns:p="http://schemas.openxmlformats.org/presentationml/2006/main">
+  <p:cSld>
+    <p:spTree>
+      <p:nvGrpSpPr>
+        <p:cNvPr id="1" name=""/>
+        <p:cNvGrpSpPr/>
+        <p:nvPr/>
+      </p:nvGrpSpPr>
+      <p:grpSpPr>
+        <a:xfrm>
+          <a:off x="0" y="0"/>
+          <a:ext cx="0" cy="0"/>
+          <a:chOff x="0" y="0"/>
+          <a:chExt cx="0" cy="0"/>
+        </a:xfrm>
+      </p:grpSpPr>
+      <p:sp>
+        <p:nvSpPr>
+          <p:cNvPr id="2" name="Slide Image Placeholder 1"/>
+          <p:cNvSpPr>
+            <a:spLocks noGrp="1" noRot="1" noChangeAspect="1"/>
+          </p:cNvSpPr>
+          <p:nvPr>
+            <p:ph type="sldImg"/>
+          </p:nvPr>
+        </p:nvSpPr>
+        <p:spPr/>
+      </p:sp>
+      <p:sp>
+        <p:nvSpPr>
+          <p:cNvPr id="3" name="Notes Placeholder 2"/>
+          <p:cNvSpPr>
+            <a:spLocks noGrp="1"/>
+          </p:cNvSpPr>
+          <p:nvPr>
+            <p:ph type="body" idx="1"/>
+          </p:nvPr>
+        </p:nvSpPr>
+        <p:spPr/>
+        <p:txBody>
+          <a:bodyPr/>
+          <a:lstStyle/>
+          <a:p>
+            <a:endParaRPr lang="en-US" dirty="0"/>
+          </a:p>
+        </p:txBody>
+      </p:sp>
+      <p:sp>
+        <p:nvSpPr>
+          <p:cNvPr id="4" name="Slide Number Placeholder 3"/>
+          <p:cNvSpPr>
+            <a:spLocks noGrp="1"/>
+          </p:cNvSpPr>
+          <p:nvPr>
+            <p:ph type="sldNum" sz="quarter" idx="5"/>
+          </p:nvPr>
+        </p:nvSpPr>
+        <p:spPr/>
+        <p:txBody>
+          <a:bodyPr/>
+          <a:lstStyle/>
+          <a:p>
+            <a:fld id="{2DA66685-3D22-47BB-B74E-10995D7F8271}" type="slidenum">
+              <a:rPr lang="en-US" smtClean="0"/>
+              <a:t>25</a:t>
+            </a:fld>
+            <a:endParaRPr lang="en-US"/>
+          </a:p>
+        </p:txBody>
+      </p:sp>
+    </p:spTree>
+    <p:extLst>
+      <p:ext uri="{BB962C8B-B14F-4D97-AF65-F5344CB8AC3E}">
+        <p14:creationId xmlns:p14="http://schemas.microsoft.com/office/powerpoint/2010/main" val="3505693370"/>
       </p:ext>
     </p:extLst>
   </p:cSld>
@@ -2441,30 +3793,403 @@
           <a:bodyPr/>
           <a:lstStyle/>
           <a:p>
-            <a:r>
-              <a:rPr lang="de-CH" dirty="0" err="1"/>
-              <a:t>Similar</a:t>
-            </a:r>
-            <a:r>
-              <a:rPr lang="de-CH" dirty="0"/>
-              <a:t> in </a:t>
-            </a:r>
-            <a:r>
-              <a:rPr lang="de-CH" dirty="0" err="1"/>
-              <a:t>the</a:t>
-            </a:r>
-            <a:r>
-              <a:rPr lang="de-CH" dirty="0"/>
-              <a:t> </a:t>
-            </a:r>
-            <a:r>
-              <a:rPr lang="de-CH" dirty="0" err="1"/>
-              <a:t>languages</a:t>
-            </a:r>
-            <a:r>
-              <a:rPr lang="de-CH" dirty="0"/>
-              <a:t> DE, FR and IT</a:t>
-            </a:r>
+            <a:pPr algn="l">
+              <a:buFont typeface="+mj-lt"/>
+              <a:buNone/>
+            </a:pPr>
+            <a:r>
+              <a:rPr lang="en-US" b="0" i="0" dirty="0">
+                <a:effectLst/>
+                <a:latin typeface="__fkGroteskNeue_598ab8"/>
+              </a:rPr>
+              <a:t>(be)</a:t>
+            </a:r>
+          </a:p>
+          <a:p>
+            <a:pPr algn="l">
+              <a:buFont typeface="+mj-lt"/>
+              <a:buNone/>
+            </a:pPr>
+            <a:r>
+              <a:rPr lang="en-US" b="0" i="0" dirty="0">
+                <a:effectLst/>
+                <a:latin typeface="__fkGroteskNeue_598ab8"/>
+              </a:rPr>
+              <a:t>These are the first five rows of the </a:t>
+            </a:r>
+            <a:r>
+              <a:rPr lang="en-US" b="0" i="0" dirty="0" err="1">
+                <a:effectLst/>
+                <a:latin typeface="__fkGroteskNeue_598ab8"/>
+              </a:rPr>
+              <a:t>DataFrame</a:t>
+            </a:r>
+            <a:r>
+              <a:rPr lang="en-US" b="0" i="0" dirty="0">
+                <a:effectLst/>
+                <a:latin typeface="__fkGroteskNeue_598ab8"/>
+              </a:rPr>
+              <a:t> created from the </a:t>
+            </a:r>
+            <a:r>
+              <a:rPr lang="en-US" b="0" i="0" dirty="0" err="1">
+                <a:effectLst/>
+                <a:latin typeface="__fkGroteskNeue_598ab8"/>
+              </a:rPr>
+              <a:t>WikiANN</a:t>
+            </a:r>
+            <a:r>
+              <a:rPr lang="en-US" b="0" i="0" dirty="0">
+                <a:effectLst/>
+                <a:latin typeface="__fkGroteskNeue_598ab8"/>
+              </a:rPr>
+              <a:t> dataset </a:t>
+            </a:r>
+            <a:r>
+              <a:rPr lang="en-US" b="0" i="0" dirty="0" err="1">
+                <a:effectLst/>
+                <a:latin typeface="__fkGroteskNeue_598ab8"/>
+              </a:rPr>
+              <a:t>en</a:t>
+            </a:r>
+            <a:r>
+              <a:rPr lang="en-US" b="0" i="0" dirty="0">
+                <a:effectLst/>
+                <a:latin typeface="__fkGroteskNeue_598ab8"/>
+              </a:rPr>
+              <a:t>:</a:t>
+            </a:r>
+          </a:p>
+          <a:p>
+            <a:pPr algn="l">
+              <a:buFont typeface="+mj-lt"/>
+              <a:buNone/>
+            </a:pPr>
+            <a:r>
+              <a:rPr lang="en-US" b="1" i="0" dirty="0">
+                <a:effectLst/>
+                <a:latin typeface="__fkGroteskNeue_598ab8"/>
+              </a:rPr>
+              <a:t>Structure: </a:t>
+            </a:r>
+            <a:r>
+              <a:rPr lang="en-US" b="0" i="0" dirty="0">
+                <a:effectLst/>
+                <a:latin typeface="__fkGroteskNeue_598ab8"/>
+              </a:rPr>
+              <a:t>The </a:t>
+            </a:r>
+            <a:r>
+              <a:rPr lang="en-US" b="0" i="0" dirty="0" err="1">
+                <a:effectLst/>
+                <a:latin typeface="__fkGroteskNeue_598ab8"/>
+              </a:rPr>
+              <a:t>DataFrame</a:t>
+            </a:r>
+            <a:r>
+              <a:rPr lang="en-US" b="0" i="0" dirty="0">
+                <a:effectLst/>
+                <a:latin typeface="__fkGroteskNeue_598ab8"/>
+              </a:rPr>
+              <a:t> has four columns: 'tokens', '</a:t>
+            </a:r>
+            <a:r>
+              <a:rPr lang="en-US" b="0" i="0" dirty="0" err="1">
+                <a:effectLst/>
+                <a:latin typeface="__fkGroteskNeue_598ab8"/>
+              </a:rPr>
+              <a:t>ner_tags</a:t>
+            </a:r>
+            <a:r>
+              <a:rPr lang="en-US" b="0" i="0" dirty="0">
+                <a:effectLst/>
+                <a:latin typeface="__fkGroteskNeue_598ab8"/>
+              </a:rPr>
+              <a:t>', '</a:t>
+            </a:r>
+            <a:r>
+              <a:rPr lang="en-US" b="0" i="0" dirty="0" err="1">
+                <a:effectLst/>
+                <a:latin typeface="__fkGroteskNeue_598ab8"/>
+              </a:rPr>
+              <a:t>langs</a:t>
+            </a:r>
+            <a:r>
+              <a:rPr lang="en-US" b="0" i="0" dirty="0">
+                <a:effectLst/>
+                <a:latin typeface="__fkGroteskNeue_598ab8"/>
+              </a:rPr>
+              <a:t>', and 'spans'.</a:t>
+            </a:r>
+          </a:p>
+          <a:p>
+            <a:pPr algn="l">
+              <a:buFont typeface="+mj-lt"/>
+              <a:buNone/>
+            </a:pPr>
+            <a:r>
+              <a:rPr lang="en-US" b="1" i="0" dirty="0">
+                <a:effectLst/>
+                <a:latin typeface="__fkGroteskNeue_598ab8"/>
+              </a:rPr>
+              <a:t>Column details:</a:t>
+            </a:r>
+          </a:p>
+          <a:p>
+            <a:pPr marL="171450" indent="-171450" algn="l">
+              <a:buFont typeface="Arial" panose="020B0604020202020204" pitchFamily="34" charset="0"/>
+              <a:buChar char="•"/>
+            </a:pPr>
+            <a:r>
+              <a:rPr lang="en-US" b="0" i="0" dirty="0">
+                <a:effectLst/>
+                <a:latin typeface="__fkGroteskNeue_598ab8"/>
+              </a:rPr>
+              <a:t>tokens: Lists of words or punctuation marks that make up each text sample.</a:t>
+            </a:r>
+          </a:p>
+          <a:p>
+            <a:pPr marL="171450" marR="0" lvl="0" indent="-171450" algn="l" defTabSz="914400" rtl="0" eaLnBrk="1" fontAlgn="auto" latinLnBrk="0" hangingPunct="1">
+              <a:lnSpc>
+                <a:spcPct val="100000"/>
+              </a:lnSpc>
+              <a:spcBef>
+                <a:spcPts val="0"/>
+              </a:spcBef>
+              <a:spcAft>
+                <a:spcPts val="0"/>
+              </a:spcAft>
+              <a:buClrTx/>
+              <a:buSzTx/>
+              <a:buFont typeface="Arial" panose="020B0604020202020204" pitchFamily="34" charset="0"/>
+              <a:buChar char="•"/>
+              <a:tabLst/>
+              <a:defRPr/>
+            </a:pPr>
+            <a:r>
+              <a:rPr lang="en-US" b="0" i="0" dirty="0" err="1">
+                <a:effectLst/>
+                <a:latin typeface="__fkGroteskNeue_598ab8"/>
+              </a:rPr>
+              <a:t>ner_tags</a:t>
+            </a:r>
+            <a:r>
+              <a:rPr lang="en-US" b="0" i="0" dirty="0">
+                <a:effectLst/>
+                <a:latin typeface="__fkGroteskNeue_598ab8"/>
+              </a:rPr>
+              <a:t>: Numerical tags corresponding to Named Entity Recognition (NER) categories: </a:t>
+            </a:r>
+            <a:r>
+              <a:rPr lang="en-US" dirty="0" err="1"/>
+              <a:t>label_map</a:t>
+            </a:r>
+            <a:r>
+              <a:rPr lang="en-US" dirty="0"/>
+              <a:t> </a:t>
+            </a:r>
+            <a:r>
+              <a:rPr lang="en-US" b="1" dirty="0">
+                <a:effectLst/>
+              </a:rPr>
+              <a:t>=</a:t>
+            </a:r>
+            <a:r>
+              <a:rPr lang="en-US" dirty="0"/>
+              <a:t> </a:t>
+            </a:r>
+            <a:r>
+              <a:rPr lang="en-US" dirty="0">
+                <a:effectLst/>
+              </a:rPr>
+              <a:t>{0:</a:t>
+            </a:r>
+            <a:r>
+              <a:rPr lang="en-US" dirty="0"/>
+              <a:t> </a:t>
+            </a:r>
+            <a:r>
+              <a:rPr lang="en-US" dirty="0">
+                <a:effectLst/>
+              </a:rPr>
+              <a:t>'O',</a:t>
+            </a:r>
+            <a:r>
+              <a:rPr lang="en-US" dirty="0"/>
+              <a:t> </a:t>
+            </a:r>
+            <a:r>
+              <a:rPr lang="en-US" dirty="0">
+                <a:effectLst/>
+              </a:rPr>
+              <a:t>1:</a:t>
+            </a:r>
+            <a:r>
+              <a:rPr lang="en-US" dirty="0"/>
+              <a:t> </a:t>
+            </a:r>
+            <a:r>
+              <a:rPr lang="en-US" dirty="0">
+                <a:effectLst/>
+              </a:rPr>
+              <a:t>'B-PER',</a:t>
+            </a:r>
+            <a:r>
+              <a:rPr lang="en-US" dirty="0"/>
+              <a:t> </a:t>
+            </a:r>
+            <a:r>
+              <a:rPr lang="en-US" dirty="0">
+                <a:effectLst/>
+              </a:rPr>
+              <a:t>2:</a:t>
+            </a:r>
+            <a:r>
+              <a:rPr lang="en-US" dirty="0"/>
+              <a:t> </a:t>
+            </a:r>
+            <a:r>
+              <a:rPr lang="en-US" dirty="0">
+                <a:effectLst/>
+              </a:rPr>
+              <a:t>'I-PER',</a:t>
+            </a:r>
+            <a:r>
+              <a:rPr lang="en-US" dirty="0"/>
+              <a:t> </a:t>
+            </a:r>
+            <a:r>
+              <a:rPr lang="en-US" dirty="0">
+                <a:effectLst/>
+              </a:rPr>
+              <a:t>3:</a:t>
+            </a:r>
+            <a:r>
+              <a:rPr lang="en-US" dirty="0"/>
+              <a:t> </a:t>
+            </a:r>
+            <a:r>
+              <a:rPr lang="en-US" dirty="0">
+                <a:effectLst/>
+              </a:rPr>
+              <a:t>'B-ORG',</a:t>
+            </a:r>
+            <a:r>
+              <a:rPr lang="en-US" dirty="0"/>
+              <a:t> </a:t>
+            </a:r>
+            <a:r>
+              <a:rPr lang="en-US" dirty="0">
+                <a:effectLst/>
+              </a:rPr>
+              <a:t>4:</a:t>
+            </a:r>
+            <a:r>
+              <a:rPr lang="en-US" dirty="0"/>
+              <a:t> </a:t>
+            </a:r>
+            <a:r>
+              <a:rPr lang="en-US" dirty="0">
+                <a:effectLst/>
+              </a:rPr>
+              <a:t>'I-ORG',</a:t>
+            </a:r>
+            <a:r>
+              <a:rPr lang="en-US" dirty="0"/>
+              <a:t> </a:t>
+            </a:r>
+            <a:r>
+              <a:rPr lang="en-US" dirty="0">
+                <a:effectLst/>
+              </a:rPr>
+              <a:t>5:</a:t>
+            </a:r>
+            <a:r>
+              <a:rPr lang="en-US" dirty="0"/>
+              <a:t> </a:t>
+            </a:r>
+            <a:r>
+              <a:rPr lang="en-US" dirty="0">
+                <a:effectLst/>
+              </a:rPr>
+              <a:t>'B-LOC',</a:t>
+            </a:r>
+            <a:r>
+              <a:rPr lang="en-US" dirty="0"/>
+              <a:t> </a:t>
+            </a:r>
+            <a:r>
+              <a:rPr lang="en-US" dirty="0">
+                <a:effectLst/>
+              </a:rPr>
+              <a:t>6:</a:t>
+            </a:r>
+            <a:r>
+              <a:rPr lang="en-US" dirty="0"/>
+              <a:t> </a:t>
+            </a:r>
+            <a:r>
+              <a:rPr lang="en-US" dirty="0">
+                <a:effectLst/>
+              </a:rPr>
+              <a:t>'I-LOC'}</a:t>
+            </a:r>
+            <a:endParaRPr lang="en-US" b="0" i="0" dirty="0">
+              <a:effectLst/>
+              <a:latin typeface="__fkGroteskNeue_598ab8"/>
+            </a:endParaRPr>
+          </a:p>
+          <a:p>
+            <a:pPr marL="171450" indent="-171450" algn="l">
+              <a:buFont typeface="Arial" panose="020B0604020202020204" pitchFamily="34" charset="0"/>
+              <a:buChar char="•"/>
+            </a:pPr>
+            <a:r>
+              <a:rPr lang="en-US" b="0" i="0" dirty="0" err="1">
+                <a:effectLst/>
+                <a:latin typeface="__fkGroteskNeue_598ab8"/>
+              </a:rPr>
+              <a:t>langs</a:t>
+            </a:r>
+            <a:r>
+              <a:rPr lang="en-US" b="0" i="0" dirty="0">
+                <a:effectLst/>
+                <a:latin typeface="__fkGroteskNeue_598ab8"/>
+              </a:rPr>
+              <a:t>: Language identifiers for each token (all '</a:t>
+            </a:r>
+            <a:r>
+              <a:rPr lang="en-US" b="0" i="0" dirty="0" err="1">
+                <a:effectLst/>
+                <a:latin typeface="__fkGroteskNeue_598ab8"/>
+              </a:rPr>
+              <a:t>en</a:t>
+            </a:r>
+            <a:r>
+              <a:rPr lang="en-US" b="0" i="0" dirty="0">
+                <a:effectLst/>
+                <a:latin typeface="__fkGroteskNeue_598ab8"/>
+              </a:rPr>
+              <a:t>' for English in this sample).</a:t>
+            </a:r>
+          </a:p>
+          <a:p>
+            <a:pPr marL="171450" indent="-171450" algn="l">
+              <a:buFont typeface="Arial" panose="020B0604020202020204" pitchFamily="34" charset="0"/>
+              <a:buChar char="•"/>
+            </a:pPr>
+            <a:r>
+              <a:rPr lang="en-US" b="0" i="0" dirty="0">
+                <a:effectLst/>
+                <a:latin typeface="__fkGroteskNeue_598ab8"/>
+              </a:rPr>
+              <a:t>spans: Named entities identified in the text, with their categories.</a:t>
+            </a:r>
+          </a:p>
+          <a:p>
+            <a:endParaRPr lang="en-US" dirty="0"/>
+          </a:p>
+          <a:p>
             <a:endParaRPr lang="en-US" dirty="0"/>
           </a:p>
         </p:txBody>
@@ -2486,7 +4211,7 @@
           <a:p>
             <a:fld id="{2DA66685-3D22-47BB-B74E-10995D7F8271}" type="slidenum">
               <a:rPr lang="en-US" smtClean="0"/>
-              <a:t>7</a:t>
+              <a:t>6</a:t>
             </a:fld>
             <a:endParaRPr lang="en-US"/>
           </a:p>
@@ -2495,7 +4220,7 @@
     </p:spTree>
     <p:extLst>
       <p:ext uri="{BB962C8B-B14F-4D97-AF65-F5344CB8AC3E}">
-        <p14:creationId xmlns:p14="http://schemas.microsoft.com/office/powerpoint/2010/main" val="2462916899"/>
+        <p14:creationId xmlns:p14="http://schemas.microsoft.com/office/powerpoint/2010/main" val="853292132"/>
       </p:ext>
     </p:extLst>
   </p:cSld>
@@ -2524,7 +4249,7 @@
       </p:grpSpPr>
       <p:sp>
         <p:nvSpPr>
-          <p:cNvPr id="2" name="Folienbildplatzhalter 1"/>
+          <p:cNvPr id="2" name="Slide Image Placeholder 1"/>
           <p:cNvSpPr>
             <a:spLocks noGrp="1" noRot="1" noChangeAspect="1"/>
           </p:cNvSpPr>
@@ -2536,7 +4261,7 @@
       </p:sp>
       <p:sp>
         <p:nvSpPr>
-          <p:cNvPr id="3" name="Notizenplatzhalter 2"/>
+          <p:cNvPr id="3" name="Notes Placeholder 2"/>
           <p:cNvSpPr>
             <a:spLocks noGrp="1"/>
           </p:cNvSpPr>
@@ -2549,13 +4274,196 @@
           <a:bodyPr/>
           <a:lstStyle/>
           <a:p>
+            <a:r>
+              <a:rPr lang="de-CH" dirty="0" err="1"/>
+              <a:t>Similar</a:t>
+            </a:r>
+            <a:r>
+              <a:rPr lang="de-CH" dirty="0"/>
+              <a:t> in </a:t>
+            </a:r>
+            <a:r>
+              <a:rPr lang="de-CH" dirty="0" err="1"/>
+              <a:t>the</a:t>
+            </a:r>
+            <a:r>
+              <a:rPr lang="de-CH" dirty="0"/>
+              <a:t> </a:t>
+            </a:r>
+            <a:r>
+              <a:rPr lang="de-CH" dirty="0" err="1"/>
+              <a:t>languages</a:t>
+            </a:r>
+            <a:r>
+              <a:rPr lang="de-CH" dirty="0"/>
+              <a:t> DE, FR and IT</a:t>
+            </a:r>
+          </a:p>
+          <a:p>
             <a:endParaRPr lang="de-CH" dirty="0"/>
           </a:p>
-        </p:txBody>
-      </p:sp>
-      <p:sp>
-        <p:nvSpPr>
-          <p:cNvPr id="4" name="Foliennummernplatzhalter 3"/>
+          <a:p>
+            <a:r>
+              <a:rPr lang="en-US" dirty="0" err="1"/>
+              <a:t>label_map</a:t>
+            </a:r>
+            <a:r>
+              <a:rPr lang="en-US" dirty="0"/>
+              <a:t> </a:t>
+            </a:r>
+            <a:r>
+              <a:rPr lang="en-US" b="1" dirty="0">
+                <a:effectLst/>
+              </a:rPr>
+              <a:t>=</a:t>
+            </a:r>
+            <a:r>
+              <a:rPr lang="en-US" dirty="0"/>
+              <a:t> </a:t>
+            </a:r>
+            <a:r>
+              <a:rPr lang="en-US" dirty="0">
+                <a:effectLst/>
+              </a:rPr>
+              <a:t>{0:</a:t>
+            </a:r>
+            <a:r>
+              <a:rPr lang="en-US" dirty="0"/>
+              <a:t> </a:t>
+            </a:r>
+            <a:r>
+              <a:rPr lang="en-US" dirty="0">
+                <a:effectLst/>
+              </a:rPr>
+              <a:t>'O',</a:t>
+            </a:r>
+            <a:r>
+              <a:rPr lang="en-US" dirty="0"/>
+              <a:t> </a:t>
+            </a:r>
+            <a:r>
+              <a:rPr lang="en-US" dirty="0">
+                <a:effectLst/>
+              </a:rPr>
+              <a:t>1:</a:t>
+            </a:r>
+            <a:r>
+              <a:rPr lang="en-US" dirty="0"/>
+              <a:t> </a:t>
+            </a:r>
+            <a:r>
+              <a:rPr lang="en-US" dirty="0">
+                <a:effectLst/>
+              </a:rPr>
+              <a:t>'B-PER',</a:t>
+            </a:r>
+            <a:r>
+              <a:rPr lang="en-US" dirty="0"/>
+              <a:t> </a:t>
+            </a:r>
+            <a:r>
+              <a:rPr lang="en-US" dirty="0">
+                <a:effectLst/>
+              </a:rPr>
+              <a:t>2:</a:t>
+            </a:r>
+            <a:r>
+              <a:rPr lang="en-US" dirty="0"/>
+              <a:t> </a:t>
+            </a:r>
+            <a:r>
+              <a:rPr lang="en-US" dirty="0">
+                <a:effectLst/>
+              </a:rPr>
+              <a:t>'I-PER',</a:t>
+            </a:r>
+            <a:r>
+              <a:rPr lang="en-US" dirty="0"/>
+              <a:t> </a:t>
+            </a:r>
+            <a:r>
+              <a:rPr lang="en-US" dirty="0">
+                <a:effectLst/>
+              </a:rPr>
+              <a:t>3:</a:t>
+            </a:r>
+            <a:r>
+              <a:rPr lang="en-US" dirty="0"/>
+              <a:t> </a:t>
+            </a:r>
+            <a:r>
+              <a:rPr lang="en-US" dirty="0">
+                <a:effectLst/>
+              </a:rPr>
+              <a:t>'B-ORG',</a:t>
+            </a:r>
+            <a:r>
+              <a:rPr lang="en-US" dirty="0"/>
+              <a:t> </a:t>
+            </a:r>
+            <a:r>
+              <a:rPr lang="en-US" dirty="0">
+                <a:effectLst/>
+              </a:rPr>
+              <a:t>4:</a:t>
+            </a:r>
+            <a:r>
+              <a:rPr lang="en-US" dirty="0"/>
+              <a:t> </a:t>
+            </a:r>
+            <a:r>
+              <a:rPr lang="en-US" dirty="0">
+                <a:effectLst/>
+              </a:rPr>
+              <a:t>'I-ORG',</a:t>
+            </a:r>
+            <a:r>
+              <a:rPr lang="en-US" dirty="0"/>
+              <a:t> </a:t>
+            </a:r>
+            <a:r>
+              <a:rPr lang="en-US" dirty="0">
+                <a:effectLst/>
+              </a:rPr>
+              <a:t>5:</a:t>
+            </a:r>
+            <a:r>
+              <a:rPr lang="en-US" dirty="0"/>
+              <a:t> </a:t>
+            </a:r>
+            <a:r>
+              <a:rPr lang="en-US" dirty="0">
+                <a:effectLst/>
+              </a:rPr>
+              <a:t>'B-LOC',</a:t>
+            </a:r>
+            <a:r>
+              <a:rPr lang="en-US" dirty="0"/>
+              <a:t> </a:t>
+            </a:r>
+            <a:r>
+              <a:rPr lang="en-US" dirty="0">
+                <a:effectLst/>
+              </a:rPr>
+              <a:t>6:</a:t>
+            </a:r>
+            <a:r>
+              <a:rPr lang="en-US" dirty="0"/>
+              <a:t> </a:t>
+            </a:r>
+            <a:r>
+              <a:rPr lang="en-US" dirty="0">
+                <a:effectLst/>
+              </a:rPr>
+              <a:t>'I-LOC'}</a:t>
+            </a:r>
+            <a:endParaRPr lang="en-US" dirty="0"/>
+          </a:p>
+        </p:txBody>
+      </p:sp>
+      <p:sp>
+        <p:nvSpPr>
+          <p:cNvPr id="4" name="Slide Number Placeholder 3"/>
           <p:cNvSpPr>
             <a:spLocks noGrp="1"/>
           </p:cNvSpPr>
@@ -2570,7 +4478,7 @@
           <a:p>
             <a:fld id="{2DA66685-3D22-47BB-B74E-10995D7F8271}" type="slidenum">
               <a:rPr lang="en-US" smtClean="0"/>
-              <a:t>14</a:t>
+              <a:t>7</a:t>
             </a:fld>
             <a:endParaRPr lang="en-US"/>
           </a:p>
@@ -2579,7 +4487,7 @@
     </p:spTree>
     <p:extLst>
       <p:ext uri="{BB962C8B-B14F-4D97-AF65-F5344CB8AC3E}">
-        <p14:creationId xmlns:p14="http://schemas.microsoft.com/office/powerpoint/2010/main" val="66036931"/>
+        <p14:creationId xmlns:p14="http://schemas.microsoft.com/office/powerpoint/2010/main" val="2462916899"/>
       </p:ext>
     </p:extLst>
   </p:cSld>
@@ -2594,13 +4502,7 @@
   <p:cSld>
     <p:spTree>
       <p:nvGrpSpPr>
-        <p:cNvPr id="1" name="">
-          <a:extLst>
-            <a:ext uri="{FF2B5EF4-FFF2-40B4-BE49-F238E27FC236}">
-              <a16:creationId xmlns:a16="http://schemas.microsoft.com/office/drawing/2014/main" id="{F9B6E588-6C5E-7D87-945F-3204448E215F}"/>
-            </a:ext>
-          </a:extLst>
-        </p:cNvPr>
+        <p:cNvPr id="1" name=""/>
         <p:cNvGrpSpPr/>
         <p:nvPr/>
       </p:nvGrpSpPr>
@@ -2614,13 +4516,7 @@
       </p:grpSpPr>
       <p:sp>
         <p:nvSpPr>
-          <p:cNvPr id="2" name="Folienbildplatzhalter 1">
-            <a:extLst>
-              <a:ext uri="{FF2B5EF4-FFF2-40B4-BE49-F238E27FC236}">
-                <a16:creationId xmlns:a16="http://schemas.microsoft.com/office/drawing/2014/main" id="{8225E36B-ABB9-633D-6599-38BEAB667605}"/>
-              </a:ext>
-            </a:extLst>
-          </p:cNvPr>
+          <p:cNvPr id="2" name="Slide Image Placeholder 1"/>
           <p:cNvSpPr>
             <a:spLocks noGrp="1" noRot="1" noChangeAspect="1"/>
           </p:cNvSpPr>
@@ -2632,13 +4528,7 @@
       </p:sp>
       <p:sp>
         <p:nvSpPr>
-          <p:cNvPr id="3" name="Notizenplatzhalter 2">
-            <a:extLst>
-              <a:ext uri="{FF2B5EF4-FFF2-40B4-BE49-F238E27FC236}">
-                <a16:creationId xmlns:a16="http://schemas.microsoft.com/office/drawing/2014/main" id="{58CDAC67-32FD-51A4-237D-77DEF0281A6A}"/>
-              </a:ext>
-            </a:extLst>
-          </p:cNvPr>
+          <p:cNvPr id="3" name="Notes Placeholder 2"/>
           <p:cNvSpPr>
             <a:spLocks noGrp="1"/>
           </p:cNvSpPr>
@@ -2651,19 +4541,294 @@
           <a:bodyPr/>
           <a:lstStyle/>
           <a:p>
+            <a:r>
+              <a:rPr lang="de-CH" dirty="0"/>
+              <a:t>(</a:t>
+            </a:r>
+            <a:r>
+              <a:rPr lang="de-CH" dirty="0" err="1"/>
+              <a:t>be</a:t>
+            </a:r>
+            <a:r>
+              <a:rPr lang="de-CH" dirty="0"/>
+              <a:t>)</a:t>
+            </a:r>
+          </a:p>
+          <a:p>
+            <a:r>
+              <a:rPr lang="de-CH" dirty="0"/>
+              <a:t>EN: I-ORG </a:t>
+            </a:r>
+            <a:r>
+              <a:rPr lang="de-CH" dirty="0" err="1"/>
+              <a:t>has</a:t>
+            </a:r>
+            <a:r>
+              <a:rPr lang="de-CH" dirty="0"/>
+              <a:t> </a:t>
+            </a:r>
+            <a:r>
+              <a:rPr lang="de-CH" dirty="0" err="1"/>
+              <a:t>the</a:t>
+            </a:r>
+            <a:r>
+              <a:rPr lang="de-CH" dirty="0"/>
+              <a:t> </a:t>
+            </a:r>
+            <a:r>
+              <a:rPr lang="de-CH" dirty="0" err="1"/>
+              <a:t>most</a:t>
+            </a:r>
+            <a:r>
+              <a:rPr lang="de-CH" dirty="0"/>
+              <a:t> </a:t>
+            </a:r>
+            <a:r>
+              <a:rPr lang="de-CH" dirty="0" err="1"/>
+              <a:t>followed</a:t>
+            </a:r>
+            <a:r>
+              <a:rPr lang="de-CH" dirty="0"/>
+              <a:t> </a:t>
+            </a:r>
+            <a:r>
+              <a:rPr lang="de-CH" dirty="0" err="1"/>
+              <a:t>by</a:t>
+            </a:r>
+            <a:r>
+              <a:rPr lang="de-CH" dirty="0"/>
+              <a:t> I-PER</a:t>
+            </a:r>
+          </a:p>
+          <a:p>
             <a:endParaRPr lang="de-CH" dirty="0"/>
           </a:p>
-        </p:txBody>
-      </p:sp>
-      <p:sp>
-        <p:nvSpPr>
-          <p:cNvPr id="4" name="Foliennummernplatzhalter 3">
-            <a:extLst>
-              <a:ext uri="{FF2B5EF4-FFF2-40B4-BE49-F238E27FC236}">
-                <a16:creationId xmlns:a16="http://schemas.microsoft.com/office/drawing/2014/main" id="{9FF46359-FB48-4102-51B8-60672D3DD68C}"/>
-              </a:ext>
-            </a:extLst>
-          </p:cNvPr>
+          <a:p>
+            <a:r>
+              <a:rPr lang="de-CH" dirty="0"/>
+              <a:t>Interpretation </a:t>
+            </a:r>
+            <a:r>
+              <a:rPr lang="de-CH" dirty="0" err="1"/>
+              <a:t>of</a:t>
+            </a:r>
+            <a:r>
+              <a:rPr lang="de-CH" dirty="0"/>
+              <a:t> </a:t>
+            </a:r>
+            <a:r>
+              <a:rPr lang="de-CH" dirty="0" err="1"/>
+              <a:t>token</a:t>
+            </a:r>
+            <a:r>
+              <a:rPr lang="de-CH" dirty="0"/>
+              <a:t> </a:t>
+            </a:r>
+            <a:r>
+              <a:rPr lang="de-CH" dirty="0" err="1"/>
+              <a:t>length</a:t>
+            </a:r>
+            <a:r>
+              <a:rPr lang="de-CH" dirty="0"/>
+              <a:t>:</a:t>
+            </a:r>
+          </a:p>
+          <a:p>
+            <a:pPr marL="171450" indent="-171450" algn="l">
+              <a:buFont typeface="Arial" panose="020B0604020202020204" pitchFamily="34" charset="0"/>
+              <a:buChar char="•"/>
+            </a:pPr>
+            <a:r>
+              <a:rPr lang="en-US" b="0" i="0" dirty="0">
+                <a:effectLst/>
+                <a:latin typeface="__fkGroteskNeue_598ab8"/>
+              </a:rPr>
+              <a:t>count (160394.000000): This is the </a:t>
+            </a:r>
+            <a:r>
+              <a:rPr lang="en-US" b="1" i="0" dirty="0">
+                <a:effectLst/>
+                <a:latin typeface="__fkGroteskNeue_598ab8"/>
+              </a:rPr>
+              <a:t>total number of tokens </a:t>
+            </a:r>
+            <a:r>
+              <a:rPr lang="en-US" b="0" i="0" dirty="0">
+                <a:effectLst/>
+                <a:latin typeface="__fkGroteskNeue_598ab8"/>
+              </a:rPr>
+              <a:t>in your dataset. You have 160,394 individual tokens.</a:t>
+            </a:r>
+          </a:p>
+          <a:p>
+            <a:pPr marL="171450" indent="-171450" algn="l">
+              <a:buFont typeface="Arial" panose="020B0604020202020204" pitchFamily="34" charset="0"/>
+              <a:buChar char="•"/>
+            </a:pPr>
+            <a:r>
+              <a:rPr lang="en-US" b="0" i="0" dirty="0">
+                <a:effectLst/>
+                <a:latin typeface="__fkGroteskNeue_598ab8"/>
+              </a:rPr>
+              <a:t>mean (4.288683): The </a:t>
+            </a:r>
+            <a:r>
+              <a:rPr lang="en-US" b="1" i="0" dirty="0">
+                <a:effectLst/>
+                <a:latin typeface="__fkGroteskNeue_598ab8"/>
+              </a:rPr>
+              <a:t>average length </a:t>
+            </a:r>
+            <a:r>
+              <a:rPr lang="en-US" b="0" i="0" dirty="0">
+                <a:effectLst/>
+                <a:latin typeface="__fkGroteskNeue_598ab8"/>
+              </a:rPr>
+              <a:t>of a token is about 4.29 characters.</a:t>
+            </a:r>
+          </a:p>
+          <a:p>
+            <a:pPr marL="171450" indent="-171450" algn="l">
+              <a:buFont typeface="Arial" panose="020B0604020202020204" pitchFamily="34" charset="0"/>
+              <a:buChar char="•"/>
+            </a:pPr>
+            <a:r>
+              <a:rPr lang="en-US" b="0" i="0" dirty="0">
+                <a:effectLst/>
+                <a:latin typeface="__fkGroteskNeue_598ab8"/>
+              </a:rPr>
+              <a:t>std (2.984798): The </a:t>
+            </a:r>
+            <a:r>
+              <a:rPr lang="en-US" b="1" i="0" dirty="0">
+                <a:effectLst/>
+                <a:latin typeface="__fkGroteskNeue_598ab8"/>
+              </a:rPr>
+              <a:t>standard deviation </a:t>
+            </a:r>
+            <a:r>
+              <a:rPr lang="en-US" b="0" i="0" dirty="0">
+                <a:effectLst/>
+                <a:latin typeface="__fkGroteskNeue_598ab8"/>
+              </a:rPr>
+              <a:t>is about 2.98 characters, indicating a moderate spread in token lengths.</a:t>
+            </a:r>
+          </a:p>
+          <a:p>
+            <a:pPr marL="171450" indent="-171450" algn="l">
+              <a:buFont typeface="Arial" panose="020B0604020202020204" pitchFamily="34" charset="0"/>
+              <a:buChar char="•"/>
+            </a:pPr>
+            <a:r>
+              <a:rPr lang="en-US" b="0" i="0" dirty="0">
+                <a:effectLst/>
+                <a:latin typeface="__fkGroteskNeue_598ab8"/>
+              </a:rPr>
+              <a:t>min (1.000000): The </a:t>
+            </a:r>
+            <a:r>
+              <a:rPr lang="en-US" b="1" i="0" dirty="0">
+                <a:effectLst/>
+                <a:latin typeface="__fkGroteskNeue_598ab8"/>
+              </a:rPr>
+              <a:t>shortest token</a:t>
+            </a:r>
+            <a:r>
+              <a:rPr lang="en-US" b="0" i="0" dirty="0">
+                <a:effectLst/>
+                <a:latin typeface="__fkGroteskNeue_598ab8"/>
+              </a:rPr>
+              <a:t>(s) in your dataset is 1 character long.</a:t>
+            </a:r>
+          </a:p>
+          <a:p>
+            <a:pPr marL="171450" indent="-171450" algn="l">
+              <a:buFont typeface="Arial" panose="020B0604020202020204" pitchFamily="34" charset="0"/>
+              <a:buChar char="•"/>
+            </a:pPr>
+            <a:r>
+              <a:rPr lang="en-US" b="0" i="0" dirty="0">
+                <a:effectLst/>
+                <a:latin typeface="__fkGroteskNeue_598ab8"/>
+              </a:rPr>
+              <a:t>max (41.000000): The </a:t>
+            </a:r>
+            <a:r>
+              <a:rPr lang="en-US" b="1" i="0" dirty="0">
+                <a:effectLst/>
+                <a:latin typeface="__fkGroteskNeue_598ab8"/>
+              </a:rPr>
+              <a:t>longest token </a:t>
+            </a:r>
+            <a:r>
+              <a:rPr lang="en-US" b="0" i="0" dirty="0">
+                <a:effectLst/>
+                <a:latin typeface="__fkGroteskNeue_598ab8"/>
+              </a:rPr>
+              <a:t>in your dataset is 41 characters long.</a:t>
+            </a:r>
+          </a:p>
+          <a:p>
+            <a:pPr marL="171450" indent="-171450" algn="l">
+              <a:buFont typeface="Arial" panose="020B0604020202020204" pitchFamily="34" charset="0"/>
+              <a:buChar char="•"/>
+            </a:pPr>
+            <a:r>
+              <a:rPr lang="en-US" b="0" i="0" dirty="0">
+                <a:effectLst/>
+                <a:latin typeface="__fkGroteskNeue_598ab8"/>
+              </a:rPr>
+              <a:t>Percentiles: 25% (2.000000): 25% of tokens are 2 characters or shorter.</a:t>
+            </a:r>
+          </a:p>
+          <a:p>
+            <a:pPr marL="628650" lvl="1" indent="-171450" algn="l">
+              <a:buFont typeface="Arial" panose="020B0604020202020204" pitchFamily="34" charset="0"/>
+              <a:buChar char="•"/>
+            </a:pPr>
+            <a:r>
+              <a:rPr lang="en-US" b="0" i="0" dirty="0">
+                <a:effectLst/>
+                <a:latin typeface="__fkGroteskNeue_598ab8"/>
+              </a:rPr>
+              <a:t>50% (4.000000): The </a:t>
+            </a:r>
+            <a:r>
+              <a:rPr lang="en-US" b="1" i="0" dirty="0">
+                <a:effectLst/>
+                <a:latin typeface="__fkGroteskNeue_598ab8"/>
+              </a:rPr>
+              <a:t>median token length is 4 characters</a:t>
+            </a:r>
+            <a:r>
+              <a:rPr lang="en-US" b="0" i="0" dirty="0">
+                <a:effectLst/>
+                <a:latin typeface="__fkGroteskNeue_598ab8"/>
+              </a:rPr>
+              <a:t>. Half of the tokens are 4 characters or shorter.</a:t>
+            </a:r>
+          </a:p>
+          <a:p>
+            <a:pPr marL="628650" lvl="1" indent="-171450" algn="l">
+              <a:buFont typeface="Arial" panose="020B0604020202020204" pitchFamily="34" charset="0"/>
+              <a:buChar char="•"/>
+            </a:pPr>
+            <a:r>
+              <a:rPr lang="en-US" b="0" i="0" dirty="0">
+                <a:effectLst/>
+                <a:latin typeface="__fkGroteskNeue_598ab8"/>
+              </a:rPr>
+              <a:t>75% (6.000000): 75% of tokens are 6 characters or shorter.</a:t>
+            </a:r>
+          </a:p>
+          <a:p>
+            <a:endParaRPr lang="en-US" dirty="0"/>
+          </a:p>
+        </p:txBody>
+      </p:sp>
+      <p:sp>
+        <p:nvSpPr>
+          <p:cNvPr id="4" name="Slide Number Placeholder 3"/>
           <p:cNvSpPr>
             <a:spLocks noGrp="1"/>
           </p:cNvSpPr>
@@ -2678,7 +4843,7 @@
           <a:p>
             <a:fld id="{2DA66685-3D22-47BB-B74E-10995D7F8271}" type="slidenum">
               <a:rPr lang="en-US" smtClean="0"/>
-              <a:t>15</a:t>
+              <a:t>8</a:t>
             </a:fld>
             <a:endParaRPr lang="en-US"/>
           </a:p>
@@ -2687,7 +4852,7 @@
     </p:spTree>
     <p:extLst>
       <p:ext uri="{BB962C8B-B14F-4D97-AF65-F5344CB8AC3E}">
-        <p14:creationId xmlns:p14="http://schemas.microsoft.com/office/powerpoint/2010/main" val="3367596640"/>
+        <p14:creationId xmlns:p14="http://schemas.microsoft.com/office/powerpoint/2010/main" val="3478296202"/>
       </p:ext>
     </p:extLst>
   </p:cSld>
@@ -2702,13 +4867,7 @@
   <p:cSld>
     <p:spTree>
       <p:nvGrpSpPr>
-        <p:cNvPr id="1" name="">
-          <a:extLst>
-            <a:ext uri="{FF2B5EF4-FFF2-40B4-BE49-F238E27FC236}">
-              <a16:creationId xmlns:a16="http://schemas.microsoft.com/office/drawing/2014/main" id="{49DD89E9-A372-2996-CB7F-ED23AD9D5642}"/>
-            </a:ext>
-          </a:extLst>
-        </p:cNvPr>
+        <p:cNvPr id="1" name=""/>
         <p:cNvGrpSpPr/>
         <p:nvPr/>
       </p:nvGrpSpPr>
@@ -2722,13 +4881,7 @@
       </p:grpSpPr>
       <p:sp>
         <p:nvSpPr>
-          <p:cNvPr id="2" name="Folienbildplatzhalter 1">
-            <a:extLst>
-              <a:ext uri="{FF2B5EF4-FFF2-40B4-BE49-F238E27FC236}">
-                <a16:creationId xmlns:a16="http://schemas.microsoft.com/office/drawing/2014/main" id="{AA4ADBCF-4471-D31F-8C16-17CAA27055A0}"/>
-              </a:ext>
-            </a:extLst>
-          </p:cNvPr>
+          <p:cNvPr id="2" name="Slide Image Placeholder 1"/>
           <p:cNvSpPr>
             <a:spLocks noGrp="1" noRot="1" noChangeAspect="1"/>
           </p:cNvSpPr>
@@ -2740,13 +4893,7 @@
       </p:sp>
       <p:sp>
         <p:nvSpPr>
-          <p:cNvPr id="3" name="Notizenplatzhalter 2">
-            <a:extLst>
-              <a:ext uri="{FF2B5EF4-FFF2-40B4-BE49-F238E27FC236}">
-                <a16:creationId xmlns:a16="http://schemas.microsoft.com/office/drawing/2014/main" id="{E1128C63-23D8-E812-E33A-D2FA3EFA6AF2}"/>
-              </a:ext>
-            </a:extLst>
-          </p:cNvPr>
+          <p:cNvPr id="3" name="Notes Placeholder 2"/>
           <p:cNvSpPr>
             <a:spLocks noGrp="1"/>
           </p:cNvSpPr>
@@ -2759,19 +4906,358 @@
           <a:bodyPr/>
           <a:lstStyle/>
           <a:p>
-            <a:endParaRPr lang="de-CH" dirty="0"/>
-          </a:p>
-        </p:txBody>
-      </p:sp>
-      <p:sp>
-        <p:nvSpPr>
-          <p:cNvPr id="4" name="Foliennummernplatzhalter 3">
-            <a:extLst>
-              <a:ext uri="{FF2B5EF4-FFF2-40B4-BE49-F238E27FC236}">
-                <a16:creationId xmlns:a16="http://schemas.microsoft.com/office/drawing/2014/main" id="{56792B2E-039D-7436-4F48-049DA5AA36BD}"/>
-              </a:ext>
-            </a:extLst>
-          </p:cNvPr>
+            <a:r>
+              <a:rPr lang="de-CH" dirty="0"/>
+              <a:t>DE: I-PER </a:t>
+            </a:r>
+            <a:r>
+              <a:rPr lang="de-CH" dirty="0" err="1"/>
+              <a:t>has</a:t>
+            </a:r>
+            <a:r>
+              <a:rPr lang="de-CH" dirty="0"/>
+              <a:t> </a:t>
+            </a:r>
+            <a:r>
+              <a:rPr lang="de-CH" dirty="0" err="1"/>
+              <a:t>the</a:t>
+            </a:r>
+            <a:r>
+              <a:rPr lang="de-CH" dirty="0"/>
+              <a:t> </a:t>
+            </a:r>
+            <a:r>
+              <a:rPr lang="de-CH" dirty="0" err="1"/>
+              <a:t>most</a:t>
+            </a:r>
+            <a:r>
+              <a:rPr lang="de-CH" dirty="0"/>
+              <a:t> </a:t>
+            </a:r>
+            <a:r>
+              <a:rPr lang="de-CH" dirty="0" err="1"/>
+              <a:t>followed</a:t>
+            </a:r>
+            <a:r>
+              <a:rPr lang="de-CH" dirty="0"/>
+              <a:t> </a:t>
+            </a:r>
+            <a:r>
+              <a:rPr lang="de-CH" dirty="0" err="1"/>
+              <a:t>by</a:t>
+            </a:r>
+            <a:r>
+              <a:rPr lang="de-CH" dirty="0"/>
+              <a:t> I-ORG (vice </a:t>
+            </a:r>
+            <a:r>
+              <a:rPr lang="de-CH" dirty="0" err="1"/>
+              <a:t>versa</a:t>
+            </a:r>
+            <a:r>
+              <a:rPr lang="de-CH" dirty="0"/>
+              <a:t> </a:t>
+            </a:r>
+            <a:r>
+              <a:rPr lang="de-CH" dirty="0" err="1"/>
+              <a:t>for</a:t>
+            </a:r>
+            <a:r>
+              <a:rPr lang="de-CH" dirty="0"/>
+              <a:t> I-PER and I-ORG </a:t>
+            </a:r>
+            <a:r>
+              <a:rPr lang="de-CH" dirty="0" err="1"/>
+              <a:t>than</a:t>
+            </a:r>
+            <a:r>
+              <a:rPr lang="de-CH" dirty="0"/>
+              <a:t> in EN, FR and IT. The </a:t>
+            </a:r>
+            <a:r>
+              <a:rPr lang="de-CH" dirty="0" err="1"/>
+              <a:t>reason</a:t>
+            </a:r>
+            <a:r>
+              <a:rPr lang="de-CH" dirty="0"/>
+              <a:t> </a:t>
+            </a:r>
+            <a:r>
+              <a:rPr lang="de-CH" dirty="0" err="1"/>
+              <a:t>for</a:t>
+            </a:r>
+            <a:r>
+              <a:rPr lang="de-CH" dirty="0"/>
+              <a:t> </a:t>
+            </a:r>
+            <a:r>
+              <a:rPr lang="de-CH" dirty="0" err="1"/>
+              <a:t>that</a:t>
+            </a:r>
+            <a:r>
+              <a:rPr lang="de-CH" dirty="0"/>
+              <a:t> </a:t>
+            </a:r>
+            <a:r>
+              <a:rPr lang="de-CH" dirty="0" err="1"/>
+              <a:t>could</a:t>
+            </a:r>
+            <a:r>
+              <a:rPr lang="de-CH" dirty="0"/>
+              <a:t> </a:t>
+            </a:r>
+            <a:r>
+              <a:rPr lang="de-CH" dirty="0" err="1"/>
+              <a:t>be</a:t>
+            </a:r>
+            <a:r>
+              <a:rPr lang="de-CH" dirty="0"/>
+              <a:t> </a:t>
+            </a:r>
+            <a:r>
+              <a:rPr lang="de-CH" dirty="0" err="1"/>
+              <a:t>of</a:t>
+            </a:r>
+            <a:r>
+              <a:rPr lang="de-CH" dirty="0"/>
+              <a:t> </a:t>
+            </a:r>
+            <a:r>
+              <a:rPr lang="de-CH" dirty="0" err="1"/>
+              <a:t>the</a:t>
+            </a:r>
+            <a:r>
+              <a:rPr lang="de-CH" dirty="0"/>
+              <a:t> </a:t>
+            </a:r>
+            <a:r>
+              <a:rPr lang="de-CH" dirty="0" err="1"/>
+              <a:t>word</a:t>
+            </a:r>
+            <a:r>
+              <a:rPr lang="de-CH" dirty="0"/>
+              <a:t> compounds, </a:t>
+            </a:r>
+            <a:r>
+              <a:rPr lang="de-CH" dirty="0" err="1"/>
+              <a:t>the</a:t>
+            </a:r>
+            <a:r>
+              <a:rPr lang="de-CH" dirty="0"/>
+              <a:t> </a:t>
+            </a:r>
+            <a:r>
+              <a:rPr lang="de-CH" dirty="0" err="1"/>
+              <a:t>morphological</a:t>
+            </a:r>
+            <a:r>
+              <a:rPr lang="de-CH" dirty="0"/>
+              <a:t> </a:t>
+            </a:r>
+            <a:r>
+              <a:rPr lang="de-CH" dirty="0" err="1"/>
+              <a:t>complexity</a:t>
+            </a:r>
+            <a:r>
+              <a:rPr lang="de-CH" dirty="0"/>
+              <a:t> </a:t>
+            </a:r>
+            <a:r>
+              <a:rPr lang="de-CH" dirty="0" err="1"/>
+              <a:t>of</a:t>
+            </a:r>
+            <a:r>
+              <a:rPr lang="de-CH" dirty="0"/>
+              <a:t> German </a:t>
+            </a:r>
+            <a:r>
+              <a:rPr lang="de-CH" dirty="0" err="1"/>
+              <a:t>or</a:t>
+            </a:r>
+            <a:r>
+              <a:rPr lang="de-CH" dirty="0"/>
+              <a:t> </a:t>
+            </a:r>
+            <a:r>
+              <a:rPr lang="de-CH" dirty="0" err="1"/>
+              <a:t>the</a:t>
+            </a:r>
+            <a:r>
+              <a:rPr lang="de-CH" dirty="0"/>
+              <a:t> </a:t>
+            </a:r>
+            <a:r>
+              <a:rPr lang="de-CH" dirty="0" err="1"/>
+              <a:t>cultural</a:t>
+            </a:r>
+            <a:r>
+              <a:rPr lang="de-CH" dirty="0"/>
+              <a:t> </a:t>
+            </a:r>
+            <a:r>
+              <a:rPr lang="de-CH" dirty="0" err="1"/>
+              <a:t>differences</a:t>
+            </a:r>
+            <a:r>
+              <a:rPr lang="de-CH" dirty="0"/>
+              <a:t> </a:t>
+            </a:r>
+            <a:r>
+              <a:rPr lang="de-CH" dirty="0" err="1"/>
+              <a:t>between</a:t>
+            </a:r>
+            <a:r>
+              <a:rPr lang="de-CH" dirty="0"/>
+              <a:t> </a:t>
+            </a:r>
+            <a:r>
+              <a:rPr lang="de-CH" dirty="0" err="1"/>
+              <a:t>these</a:t>
+            </a:r>
+            <a:r>
+              <a:rPr lang="de-CH" dirty="0"/>
+              <a:t> </a:t>
+            </a:r>
+            <a:r>
+              <a:rPr lang="de-CH" dirty="0" err="1"/>
+              <a:t>languages</a:t>
+            </a:r>
+            <a:r>
+              <a:rPr lang="de-CH" dirty="0"/>
+              <a:t>.</a:t>
+            </a:r>
+          </a:p>
+          <a:p>
+            <a:endParaRPr lang="de-CH" b="1" dirty="0"/>
+          </a:p>
+          <a:p>
+            <a:r>
+              <a:rPr lang="de-CH" b="1" dirty="0"/>
+              <a:t>Here </a:t>
+            </a:r>
+            <a:r>
+              <a:rPr lang="de-CH" b="1" dirty="0" err="1"/>
+              <a:t>are</a:t>
+            </a:r>
+            <a:r>
+              <a:rPr lang="de-CH" b="1" dirty="0"/>
+              <a:t> </a:t>
+            </a:r>
+            <a:r>
+              <a:rPr lang="de-CH" b="1" dirty="0" err="1"/>
+              <a:t>three</a:t>
+            </a:r>
+            <a:r>
+              <a:rPr lang="de-CH" b="1" dirty="0"/>
+              <a:t> possible </a:t>
+            </a:r>
+            <a:r>
+              <a:rPr lang="de-CH" b="1" dirty="0" err="1"/>
+              <a:t>reasons</a:t>
+            </a:r>
+            <a:r>
+              <a:rPr lang="de-CH" b="1" dirty="0"/>
+              <a:t> </a:t>
+            </a:r>
+            <a:r>
+              <a:rPr lang="de-CH" b="1" dirty="0" err="1"/>
+              <a:t>proposed</a:t>
+            </a:r>
+            <a:r>
+              <a:rPr lang="de-CH" b="1" dirty="0"/>
+              <a:t> </a:t>
+            </a:r>
+            <a:r>
+              <a:rPr lang="de-CH" b="1" dirty="0" err="1"/>
+              <a:t>by</a:t>
+            </a:r>
+            <a:r>
+              <a:rPr lang="de-CH" b="1" dirty="0"/>
+              <a:t> </a:t>
+            </a:r>
+            <a:r>
+              <a:rPr lang="de-CH" b="1" dirty="0" err="1"/>
+              <a:t>Perplexity</a:t>
+            </a:r>
+            <a:r>
+              <a:rPr lang="de-CH" b="1" dirty="0"/>
+              <a:t>:</a:t>
+            </a:r>
+          </a:p>
+          <a:p>
+            <a:r>
+              <a:rPr lang="en-US" dirty="0"/>
+              <a:t>- </a:t>
+            </a:r>
+            <a:r>
+              <a:rPr lang="en-US" b="0" i="0" dirty="0">
+                <a:effectLst/>
+                <a:latin typeface="__fkGroteskNeue_598ab8"/>
+              </a:rPr>
+              <a:t>Compound nouns: German is known for its long compound nouns, which could lead to more I-PER (inside-person) tags for multi-word person names (</a:t>
+            </a:r>
+            <a:r>
+              <a:rPr lang="en-US" dirty="0">
+                <a:hlinkClick r:id="rId3"/>
+              </a:rPr>
+              <a:t>Universal NER: A Gold-Standard Multilingual Named Entity Recognition Benchmark</a:t>
+            </a:r>
+            <a:r>
+              <a:rPr lang="en-US" dirty="0"/>
+              <a:t>)</a:t>
+            </a:r>
+          </a:p>
+          <a:p>
+            <a:r>
+              <a:rPr lang="en-US" dirty="0"/>
+              <a:t>- </a:t>
+            </a:r>
+            <a:r>
+              <a:rPr lang="en-US" b="0" i="0" dirty="0">
+                <a:effectLst/>
+                <a:latin typeface="__fkGroteskNeue_598ab8"/>
+              </a:rPr>
+              <a:t>Morphological complexity: German has a rich morphological system, which might affect how names are recognized and tagged in NER systems (</a:t>
+            </a:r>
+            <a:r>
+              <a:rPr lang="en-US" dirty="0">
+                <a:hlinkClick r:id="rId4"/>
+              </a:rPr>
+              <a:t>Dataset Enhancement and Multilingual Transfer for Named Entity Recognition in the Indonesian Language</a:t>
+            </a:r>
+            <a:r>
+              <a:rPr lang="en-US" dirty="0"/>
+              <a:t>)</a:t>
+            </a:r>
+          </a:p>
+          <a:p>
+            <a:r>
+              <a:rPr lang="en-US" dirty="0"/>
+              <a:t>- </a:t>
+            </a:r>
+            <a:r>
+              <a:rPr lang="en-US" b="0" i="0" dirty="0">
+                <a:effectLst/>
+                <a:latin typeface="__fkGroteskNeue_598ab8"/>
+              </a:rPr>
+              <a:t>Cultural differences: German texts might include more detailed person names or titles, resulting in longer person entity mentions (</a:t>
+            </a:r>
+            <a:r>
+              <a:rPr lang="en-US" dirty="0">
+                <a:hlinkClick r:id="rId5"/>
+              </a:rPr>
+              <a:t>2024.naacl-long.243.pdf</a:t>
+            </a:r>
+            <a:r>
+              <a:rPr lang="en-US" dirty="0"/>
+              <a:t>)</a:t>
+            </a:r>
+          </a:p>
+        </p:txBody>
+      </p:sp>
+      <p:sp>
+        <p:nvSpPr>
+          <p:cNvPr id="4" name="Slide Number Placeholder 3"/>
           <p:cNvSpPr>
             <a:spLocks noGrp="1"/>
           </p:cNvSpPr>
@@ -2786,7 +5272,7 @@
           <a:p>
             <a:fld id="{2DA66685-3D22-47BB-B74E-10995D7F8271}" type="slidenum">
               <a:rPr lang="en-US" smtClean="0"/>
-              <a:t>16</a:t>
+              <a:t>9</a:t>
             </a:fld>
             <a:endParaRPr lang="en-US"/>
           </a:p>
@@ -2795,7 +5281,7 @@
     </p:spTree>
     <p:extLst>
       <p:ext uri="{BB962C8B-B14F-4D97-AF65-F5344CB8AC3E}">
-        <p14:creationId xmlns:p14="http://schemas.microsoft.com/office/powerpoint/2010/main" val="3876792440"/>
+        <p14:creationId xmlns:p14="http://schemas.microsoft.com/office/powerpoint/2010/main" val="3027622175"/>
       </p:ext>
     </p:extLst>
   </p:cSld>
@@ -2810,13 +5296,7 @@
   <p:cSld>
     <p:spTree>
       <p:nvGrpSpPr>
-        <p:cNvPr id="1" name="">
-          <a:extLst>
-            <a:ext uri="{FF2B5EF4-FFF2-40B4-BE49-F238E27FC236}">
-              <a16:creationId xmlns:a16="http://schemas.microsoft.com/office/drawing/2014/main" id="{D5B7F76D-B51F-3BCB-B314-63945A87B291}"/>
-            </a:ext>
-          </a:extLst>
-        </p:cNvPr>
+        <p:cNvPr id="1" name=""/>
         <p:cNvGrpSpPr/>
         <p:nvPr/>
       </p:nvGrpSpPr>
@@ -2830,13 +5310,7 @@
       </p:grpSpPr>
       <p:sp>
         <p:nvSpPr>
-          <p:cNvPr id="2" name="Folienbildplatzhalter 1">
-            <a:extLst>
-              <a:ext uri="{FF2B5EF4-FFF2-40B4-BE49-F238E27FC236}">
-                <a16:creationId xmlns:a16="http://schemas.microsoft.com/office/drawing/2014/main" id="{9CA26841-C491-14AC-BE5B-F04F35F61142}"/>
-              </a:ext>
-            </a:extLst>
-          </p:cNvPr>
+          <p:cNvPr id="2" name="Slide Image Placeholder 1"/>
           <p:cNvSpPr>
             <a:spLocks noGrp="1" noRot="1" noChangeAspect="1"/>
           </p:cNvSpPr>
@@ -2848,13 +5322,7 @@
       </p:sp>
       <p:sp>
         <p:nvSpPr>
-          <p:cNvPr id="3" name="Notizenplatzhalter 2">
-            <a:extLst>
-              <a:ext uri="{FF2B5EF4-FFF2-40B4-BE49-F238E27FC236}">
-                <a16:creationId xmlns:a16="http://schemas.microsoft.com/office/drawing/2014/main" id="{F0D2BEC1-A3EC-9818-38D5-F46D118F0A52}"/>
-              </a:ext>
-            </a:extLst>
-          </p:cNvPr>
+          <p:cNvPr id="3" name="Notes Placeholder 2"/>
           <p:cNvSpPr>
             <a:spLocks noGrp="1"/>
           </p:cNvSpPr>
@@ -2867,19 +5335,57 @@
           <a:bodyPr/>
           <a:lstStyle/>
           <a:p>
-            <a:endParaRPr lang="de-CH" dirty="0"/>
-          </a:p>
-        </p:txBody>
-      </p:sp>
-      <p:sp>
-        <p:nvSpPr>
-          <p:cNvPr id="4" name="Foliennummernplatzhalter 3">
-            <a:extLst>
-              <a:ext uri="{FF2B5EF4-FFF2-40B4-BE49-F238E27FC236}">
-                <a16:creationId xmlns:a16="http://schemas.microsoft.com/office/drawing/2014/main" id="{F620FBC4-C5C2-76A7-5401-E08682152C40}"/>
-              </a:ext>
-            </a:extLst>
-          </p:cNvPr>
+            <a:r>
+              <a:rPr lang="de-CH" dirty="0"/>
+              <a:t>FR: I-ORG </a:t>
+            </a:r>
+            <a:r>
+              <a:rPr lang="de-CH" dirty="0" err="1"/>
+              <a:t>has</a:t>
+            </a:r>
+            <a:r>
+              <a:rPr lang="de-CH" dirty="0"/>
+              <a:t> </a:t>
+            </a:r>
+            <a:r>
+              <a:rPr lang="de-CH" dirty="0" err="1"/>
+              <a:t>the</a:t>
+            </a:r>
+            <a:r>
+              <a:rPr lang="de-CH" dirty="0"/>
+              <a:t> </a:t>
+            </a:r>
+            <a:r>
+              <a:rPr lang="de-CH" dirty="0" err="1"/>
+              <a:t>most</a:t>
+            </a:r>
+            <a:r>
+              <a:rPr lang="de-CH" dirty="0"/>
+              <a:t> </a:t>
+            </a:r>
+            <a:r>
+              <a:rPr lang="de-CH" dirty="0" err="1"/>
+              <a:t>followed</a:t>
+            </a:r>
+            <a:r>
+              <a:rPr lang="de-CH" dirty="0"/>
+              <a:t> </a:t>
+            </a:r>
+            <a:r>
+              <a:rPr lang="de-CH" dirty="0" err="1"/>
+              <a:t>by</a:t>
+            </a:r>
+            <a:r>
+              <a:rPr lang="de-CH" dirty="0"/>
+              <a:t> I-PER</a:t>
+            </a:r>
+            <a:endParaRPr lang="en-US" dirty="0"/>
+          </a:p>
+        </p:txBody>
+      </p:sp>
+      <p:sp>
+        <p:nvSpPr>
+          <p:cNvPr id="4" name="Slide Number Placeholder 3"/>
           <p:cNvSpPr>
             <a:spLocks noGrp="1"/>
           </p:cNvSpPr>
@@ -2894,7 +5400,7 @@
           <a:p>
             <a:fld id="{2DA66685-3D22-47BB-B74E-10995D7F8271}" type="slidenum">
               <a:rPr lang="en-US" smtClean="0"/>
-              <a:t>17</a:t>
+              <a:t>10</a:t>
             </a:fld>
             <a:endParaRPr lang="en-US"/>
           </a:p>
@@ -2903,7 +5409,231 @@
     </p:spTree>
     <p:extLst>
       <p:ext uri="{BB962C8B-B14F-4D97-AF65-F5344CB8AC3E}">
-        <p14:creationId xmlns:p14="http://schemas.microsoft.com/office/powerpoint/2010/main" val="2852920451"/>
+        <p14:creationId xmlns:p14="http://schemas.microsoft.com/office/powerpoint/2010/main" val="4183090267"/>
+      </p:ext>
+    </p:extLst>
+  </p:cSld>
+  <p:clrMapOvr>
+    <a:masterClrMapping/>
+  </p:clrMapOvr>
+</p:notes>
+</file>
+
+<file path=ppt/notesSlides/notesSlide8.xml><?xml version="1.0" encoding="utf-8"?>
+<p:notes xmlns:a="http://schemas.openxmlformats.org/drawingml/2006/main" xmlns:r="http://schemas.openxmlformats.org/officeDocument/2006/relationships" xmlns:p="http://schemas.openxmlformats.org/presentationml/2006/main">
+  <p:cSld>
+    <p:spTree>
+      <p:nvGrpSpPr>
+        <p:cNvPr id="1" name=""/>
+        <p:cNvGrpSpPr/>
+        <p:nvPr/>
+      </p:nvGrpSpPr>
+      <p:grpSpPr>
+        <a:xfrm>
+          <a:off x="0" y="0"/>
+          <a:ext cx="0" cy="0"/>
+          <a:chOff x="0" y="0"/>
+          <a:chExt cx="0" cy="0"/>
+        </a:xfrm>
+      </p:grpSpPr>
+      <p:sp>
+        <p:nvSpPr>
+          <p:cNvPr id="2" name="Slide Image Placeholder 1"/>
+          <p:cNvSpPr>
+            <a:spLocks noGrp="1" noRot="1" noChangeAspect="1"/>
+          </p:cNvSpPr>
+          <p:nvPr>
+            <p:ph type="sldImg"/>
+          </p:nvPr>
+        </p:nvSpPr>
+        <p:spPr/>
+      </p:sp>
+      <p:sp>
+        <p:nvSpPr>
+          <p:cNvPr id="3" name="Notes Placeholder 2"/>
+          <p:cNvSpPr>
+            <a:spLocks noGrp="1"/>
+          </p:cNvSpPr>
+          <p:nvPr>
+            <p:ph type="body" idx="1"/>
+          </p:nvPr>
+        </p:nvSpPr>
+        <p:spPr/>
+        <p:txBody>
+          <a:bodyPr/>
+          <a:lstStyle/>
+          <a:p>
+            <a:r>
+              <a:rPr lang="de-CH" dirty="0"/>
+              <a:t>IT: I-ORG </a:t>
+            </a:r>
+            <a:r>
+              <a:rPr lang="de-CH" dirty="0" err="1"/>
+              <a:t>has</a:t>
+            </a:r>
+            <a:r>
+              <a:rPr lang="de-CH" dirty="0"/>
+              <a:t> </a:t>
+            </a:r>
+            <a:r>
+              <a:rPr lang="de-CH" dirty="0" err="1"/>
+              <a:t>the</a:t>
+            </a:r>
+            <a:r>
+              <a:rPr lang="de-CH" dirty="0"/>
+              <a:t> </a:t>
+            </a:r>
+            <a:r>
+              <a:rPr lang="de-CH" dirty="0" err="1"/>
+              <a:t>most</a:t>
+            </a:r>
+            <a:r>
+              <a:rPr lang="de-CH" dirty="0"/>
+              <a:t> </a:t>
+            </a:r>
+            <a:r>
+              <a:rPr lang="de-CH" dirty="0" err="1"/>
+              <a:t>followed</a:t>
+            </a:r>
+            <a:r>
+              <a:rPr lang="de-CH" dirty="0"/>
+              <a:t> </a:t>
+            </a:r>
+            <a:r>
+              <a:rPr lang="de-CH" dirty="0" err="1"/>
+              <a:t>by</a:t>
+            </a:r>
+            <a:r>
+              <a:rPr lang="de-CH" dirty="0"/>
+              <a:t> I-PER</a:t>
+            </a:r>
+            <a:endParaRPr lang="en-US" dirty="0"/>
+          </a:p>
+        </p:txBody>
+      </p:sp>
+      <p:sp>
+        <p:nvSpPr>
+          <p:cNvPr id="4" name="Slide Number Placeholder 3"/>
+          <p:cNvSpPr>
+            <a:spLocks noGrp="1"/>
+          </p:cNvSpPr>
+          <p:nvPr>
+            <p:ph type="sldNum" sz="quarter" idx="5"/>
+          </p:nvPr>
+        </p:nvSpPr>
+        <p:spPr/>
+        <p:txBody>
+          <a:bodyPr/>
+          <a:lstStyle/>
+          <a:p>
+            <a:fld id="{2DA66685-3D22-47BB-B74E-10995D7F8271}" type="slidenum">
+              <a:rPr lang="en-US" smtClean="0"/>
+              <a:t>11</a:t>
+            </a:fld>
+            <a:endParaRPr lang="en-US"/>
+          </a:p>
+        </p:txBody>
+      </p:sp>
+    </p:spTree>
+    <p:extLst>
+      <p:ext uri="{BB962C8B-B14F-4D97-AF65-F5344CB8AC3E}">
+        <p14:creationId xmlns:p14="http://schemas.microsoft.com/office/powerpoint/2010/main" val="1061488120"/>
+      </p:ext>
+    </p:extLst>
+  </p:cSld>
+  <p:clrMapOvr>
+    <a:masterClrMapping/>
+  </p:clrMapOvr>
+</p:notes>
+</file>
+
+<file path=ppt/notesSlides/notesSlide9.xml><?xml version="1.0" encoding="utf-8"?>
+<p:notes xmlns:a="http://schemas.openxmlformats.org/drawingml/2006/main" xmlns:r="http://schemas.openxmlformats.org/officeDocument/2006/relationships" xmlns:p="http://schemas.openxmlformats.org/presentationml/2006/main">
+  <p:cSld>
+    <p:spTree>
+      <p:nvGrpSpPr>
+        <p:cNvPr id="1" name=""/>
+        <p:cNvGrpSpPr/>
+        <p:nvPr/>
+      </p:nvGrpSpPr>
+      <p:grpSpPr>
+        <a:xfrm>
+          <a:off x="0" y="0"/>
+          <a:ext cx="0" cy="0"/>
+          <a:chOff x="0" y="0"/>
+          <a:chExt cx="0" cy="0"/>
+        </a:xfrm>
+      </p:grpSpPr>
+      <p:sp>
+        <p:nvSpPr>
+          <p:cNvPr id="2" name="Slide Image Placeholder 1"/>
+          <p:cNvSpPr>
+            <a:spLocks noGrp="1" noRot="1" noChangeAspect="1"/>
+          </p:cNvSpPr>
+          <p:nvPr>
+            <p:ph type="sldImg"/>
+          </p:nvPr>
+        </p:nvSpPr>
+        <p:spPr/>
+      </p:sp>
+      <p:sp>
+        <p:nvSpPr>
+          <p:cNvPr id="3" name="Notes Placeholder 2"/>
+          <p:cNvSpPr>
+            <a:spLocks noGrp="1"/>
+          </p:cNvSpPr>
+          <p:nvPr>
+            <p:ph type="body" idx="1"/>
+          </p:nvPr>
+        </p:nvSpPr>
+        <p:spPr/>
+        <p:txBody>
+          <a:bodyPr/>
+          <a:lstStyle/>
+          <a:p>
+            <a:r>
+              <a:rPr lang="de-CH" dirty="0"/>
+              <a:t>(</a:t>
+            </a:r>
+            <a:r>
+              <a:rPr lang="de-CH" dirty="0" err="1"/>
+              <a:t>be</a:t>
+            </a:r>
+            <a:r>
+              <a:rPr lang="de-CH" dirty="0"/>
+              <a:t>)</a:t>
+            </a:r>
+            <a:endParaRPr lang="en-US" dirty="0"/>
+          </a:p>
+        </p:txBody>
+      </p:sp>
+      <p:sp>
+        <p:nvSpPr>
+          <p:cNvPr id="4" name="Slide Number Placeholder 3"/>
+          <p:cNvSpPr>
+            <a:spLocks noGrp="1"/>
+          </p:cNvSpPr>
+          <p:nvPr>
+            <p:ph type="sldNum" sz="quarter" idx="5"/>
+          </p:nvPr>
+        </p:nvSpPr>
+        <p:spPr/>
+        <p:txBody>
+          <a:bodyPr/>
+          <a:lstStyle/>
+          <a:p>
+            <a:fld id="{2DA66685-3D22-47BB-B74E-10995D7F8271}" type="slidenum">
+              <a:rPr lang="en-US" smtClean="0"/>
+              <a:t>12</a:t>
+            </a:fld>
+            <a:endParaRPr lang="en-US"/>
+          </a:p>
+        </p:txBody>
+      </p:sp>
+    </p:spTree>
+    <p:extLst>
+      <p:ext uri="{BB962C8B-B14F-4D97-AF65-F5344CB8AC3E}">
+        <p14:creationId xmlns:p14="http://schemas.microsoft.com/office/powerpoint/2010/main" val="985321730"/>
       </p:ext>
     </p:extLst>
   </p:cSld>
@@ -3099,7 +5829,7 @@
           <a:p>
             <a:fld id="{69F73540-DFB5-4816-8066-5D194A0B149D}" type="datetimeFigureOut">
               <a:rPr lang="de-CH" smtClean="0"/>
-              <a:t>19.01.2025</a:t>
+              <a:t>22.01.2025</a:t>
             </a:fld>
             <a:endParaRPr lang="de-CH"/>
           </a:p>
@@ -3141,7 +5871,7 @@
           <a:p>
             <a:fld id="{AB8F96E3-2EAC-4C18-B216-7E9D85CA2F89}" type="slidenum">
               <a:rPr lang="de-CH" smtClean="0"/>
-              <a:t>‹Nr.›</a:t>
+              <a:t>‹#›</a:t>
             </a:fld>
             <a:endParaRPr lang="de-CH"/>
           </a:p>
@@ -3374,7 +6104,7 @@
           <a:p>
             <a:fld id="{69F73540-DFB5-4816-8066-5D194A0B149D}" type="datetimeFigureOut">
               <a:rPr lang="de-CH" smtClean="0"/>
-              <a:t>19.01.2025</a:t>
+              <a:t>22.01.2025</a:t>
             </a:fld>
             <a:endParaRPr lang="de-CH"/>
           </a:p>
@@ -3416,7 +6146,7 @@
           <a:p>
             <a:fld id="{AB8F96E3-2EAC-4C18-B216-7E9D85CA2F89}" type="slidenum">
               <a:rPr lang="de-CH" smtClean="0"/>
-              <a:t>‹Nr.›</a:t>
+              <a:t>‹#›</a:t>
             </a:fld>
             <a:endParaRPr lang="de-CH"/>
           </a:p>
@@ -3568,7 +6298,7 @@
           <a:p>
             <a:fld id="{69F73540-DFB5-4816-8066-5D194A0B149D}" type="datetimeFigureOut">
               <a:rPr lang="de-CH" smtClean="0"/>
-              <a:t>19.01.2025</a:t>
+              <a:t>22.01.2025</a:t>
             </a:fld>
             <a:endParaRPr lang="de-CH"/>
           </a:p>
@@ -3610,7 +6340,7 @@
           <a:p>
             <a:fld id="{AB8F96E3-2EAC-4C18-B216-7E9D85CA2F89}" type="slidenum">
               <a:rPr lang="de-CH" smtClean="0"/>
-              <a:t>‹Nr.›</a:t>
+              <a:t>‹#›</a:t>
             </a:fld>
             <a:endParaRPr lang="de-CH"/>
           </a:p>
@@ -3841,7 +6571,7 @@
           <a:p>
             <a:fld id="{69F73540-DFB5-4816-8066-5D194A0B149D}" type="datetimeFigureOut">
               <a:rPr lang="de-CH" smtClean="0"/>
-              <a:t>19.01.2025</a:t>
+              <a:t>22.01.2025</a:t>
             </a:fld>
             <a:endParaRPr lang="de-CH"/>
           </a:p>
@@ -3883,7 +6613,7 @@
           <a:p>
             <a:fld id="{AB8F96E3-2EAC-4C18-B216-7E9D85CA2F89}" type="slidenum">
               <a:rPr lang="de-CH" smtClean="0"/>
-              <a:t>‹Nr.›</a:t>
+              <a:t>‹#›</a:t>
             </a:fld>
             <a:endParaRPr lang="de-CH"/>
           </a:p>
@@ -4182,7 +6912,7 @@
           <a:p>
             <a:fld id="{69F73540-DFB5-4816-8066-5D194A0B149D}" type="datetimeFigureOut">
               <a:rPr lang="de-CH" smtClean="0"/>
-              <a:t>19.01.2025</a:t>
+              <a:t>22.01.2025</a:t>
             </a:fld>
             <a:endParaRPr lang="de-CH"/>
           </a:p>
@@ -4224,7 +6954,7 @@
           <a:p>
             <a:fld id="{AB8F96E3-2EAC-4C18-B216-7E9D85CA2F89}" type="slidenum">
               <a:rPr lang="de-CH" smtClean="0"/>
-              <a:t>‹Nr.›</a:t>
+              <a:t>‹#›</a:t>
             </a:fld>
             <a:endParaRPr lang="de-CH"/>
           </a:p>
@@ -4805,7 +7535,7 @@
           <a:p>
             <a:fld id="{69F73540-DFB5-4816-8066-5D194A0B149D}" type="datetimeFigureOut">
               <a:rPr lang="de-CH" smtClean="0"/>
-              <a:t>19.01.2025</a:t>
+              <a:t>22.01.2025</a:t>
             </a:fld>
             <a:endParaRPr lang="de-CH"/>
           </a:p>
@@ -4847,7 +7577,7 @@
           <a:p>
             <a:fld id="{AB8F96E3-2EAC-4C18-B216-7E9D85CA2F89}" type="slidenum">
               <a:rPr lang="de-CH" smtClean="0"/>
-              <a:t>‹Nr.›</a:t>
+              <a:t>‹#›</a:t>
             </a:fld>
             <a:endParaRPr lang="de-CH"/>
           </a:p>
@@ -5665,7 +8395,7 @@
           <a:p>
             <a:fld id="{69F73540-DFB5-4816-8066-5D194A0B149D}" type="datetimeFigureOut">
               <a:rPr lang="de-CH" smtClean="0"/>
-              <a:t>19.01.2025</a:t>
+              <a:t>22.01.2025</a:t>
             </a:fld>
             <a:endParaRPr lang="de-CH"/>
           </a:p>
@@ -5707,7 +8437,7 @@
           <a:p>
             <a:fld id="{AB8F96E3-2EAC-4C18-B216-7E9D85CA2F89}" type="slidenum">
               <a:rPr lang="de-CH" smtClean="0"/>
-              <a:t>‹Nr.›</a:t>
+              <a:t>‹#›</a:t>
             </a:fld>
             <a:endParaRPr lang="de-CH"/>
           </a:p>
@@ -5835,7 +8565,7 @@
           <a:p>
             <a:fld id="{69F73540-DFB5-4816-8066-5D194A0B149D}" type="datetimeFigureOut">
               <a:rPr lang="de-CH" smtClean="0"/>
-              <a:t>19.01.2025</a:t>
+              <a:t>22.01.2025</a:t>
             </a:fld>
             <a:endParaRPr lang="de-CH"/>
           </a:p>
@@ -5877,7 +8607,7 @@
           <a:p>
             <a:fld id="{AB8F96E3-2EAC-4C18-B216-7E9D85CA2F89}" type="slidenum">
               <a:rPr lang="de-CH" smtClean="0"/>
-              <a:t>‹Nr.›</a:t>
+              <a:t>‹#›</a:t>
             </a:fld>
             <a:endParaRPr lang="de-CH"/>
           </a:p>
@@ -6015,7 +8745,7 @@
           <a:p>
             <a:fld id="{69F73540-DFB5-4816-8066-5D194A0B149D}" type="datetimeFigureOut">
               <a:rPr lang="de-CH" smtClean="0"/>
-              <a:t>19.01.2025</a:t>
+              <a:t>22.01.2025</a:t>
             </a:fld>
             <a:endParaRPr lang="de-CH"/>
           </a:p>
@@ -6057,7 +8787,7 @@
           <a:p>
             <a:fld id="{AB8F96E3-2EAC-4C18-B216-7E9D85CA2F89}" type="slidenum">
               <a:rPr lang="de-CH" smtClean="0"/>
-              <a:t>‹Nr.›</a:t>
+              <a:t>‹#›</a:t>
             </a:fld>
             <a:endParaRPr lang="de-CH"/>
           </a:p>
@@ -6185,7 +8915,7 @@
           <a:p>
             <a:fld id="{69F73540-DFB5-4816-8066-5D194A0B149D}" type="datetimeFigureOut">
               <a:rPr lang="de-CH" smtClean="0"/>
-              <a:t>19.01.2025</a:t>
+              <a:t>22.01.2025</a:t>
             </a:fld>
             <a:endParaRPr lang="de-CH"/>
           </a:p>
@@ -6227,7 +8957,7 @@
           <a:p>
             <a:fld id="{AB8F96E3-2EAC-4C18-B216-7E9D85CA2F89}" type="slidenum">
               <a:rPr lang="de-CH" smtClean="0"/>
-              <a:t>‹Nr.›</a:t>
+              <a:t>‹#›</a:t>
             </a:fld>
             <a:endParaRPr lang="de-CH"/>
           </a:p>
@@ -6432,7 +9162,7 @@
           <a:p>
             <a:fld id="{69F73540-DFB5-4816-8066-5D194A0B149D}" type="datetimeFigureOut">
               <a:rPr lang="de-CH" smtClean="0"/>
-              <a:t>19.01.2025</a:t>
+              <a:t>22.01.2025</a:t>
             </a:fld>
             <a:endParaRPr lang="de-CH"/>
           </a:p>
@@ -6474,7 +9204,7 @@
           <a:p>
             <a:fld id="{AB8F96E3-2EAC-4C18-B216-7E9D85CA2F89}" type="slidenum">
               <a:rPr lang="de-CH" smtClean="0"/>
-              <a:t>‹Nr.›</a:t>
+              <a:t>‹#›</a:t>
             </a:fld>
             <a:endParaRPr lang="de-CH"/>
           </a:p>
@@ -6724,7 +9454,7 @@
           <a:p>
             <a:fld id="{69F73540-DFB5-4816-8066-5D194A0B149D}" type="datetimeFigureOut">
               <a:rPr lang="de-CH" smtClean="0"/>
-              <a:t>19.01.2025</a:t>
+              <a:t>22.01.2025</a:t>
             </a:fld>
             <a:endParaRPr lang="de-CH"/>
           </a:p>
@@ -6766,7 +9496,7 @@
           <a:p>
             <a:fld id="{AB8F96E3-2EAC-4C18-B216-7E9D85CA2F89}" type="slidenum">
               <a:rPr lang="de-CH" smtClean="0"/>
-              <a:t>‹Nr.›</a:t>
+              <a:t>‹#›</a:t>
             </a:fld>
             <a:endParaRPr lang="de-CH"/>
           </a:p>
@@ -7168,7 +9898,7 @@
           <a:p>
             <a:fld id="{69F73540-DFB5-4816-8066-5D194A0B149D}" type="datetimeFigureOut">
               <a:rPr lang="de-CH" smtClean="0"/>
-              <a:t>19.01.2025</a:t>
+              <a:t>22.01.2025</a:t>
             </a:fld>
             <a:endParaRPr lang="de-CH"/>
           </a:p>
@@ -7210,7 +9940,7 @@
           <a:p>
             <a:fld id="{AB8F96E3-2EAC-4C18-B216-7E9D85CA2F89}" type="slidenum">
               <a:rPr lang="de-CH" smtClean="0"/>
-              <a:t>‹Nr.›</a:t>
+              <a:t>‹#›</a:t>
             </a:fld>
             <a:endParaRPr lang="de-CH"/>
           </a:p>
@@ -7286,7 +10016,7 @@
           <a:p>
             <a:fld id="{69F73540-DFB5-4816-8066-5D194A0B149D}" type="datetimeFigureOut">
               <a:rPr lang="de-CH" smtClean="0"/>
-              <a:t>19.01.2025</a:t>
+              <a:t>22.01.2025</a:t>
             </a:fld>
             <a:endParaRPr lang="de-CH"/>
           </a:p>
@@ -7328,7 +10058,7 @@
           <a:p>
             <a:fld id="{AB8F96E3-2EAC-4C18-B216-7E9D85CA2F89}" type="slidenum">
               <a:rPr lang="de-CH" smtClean="0"/>
-              <a:t>‹Nr.›</a:t>
+              <a:t>‹#›</a:t>
             </a:fld>
             <a:endParaRPr lang="de-CH"/>
           </a:p>
@@ -7381,7 +10111,7 @@
           <a:p>
             <a:fld id="{69F73540-DFB5-4816-8066-5D194A0B149D}" type="datetimeFigureOut">
               <a:rPr lang="de-CH" smtClean="0"/>
-              <a:t>19.01.2025</a:t>
+              <a:t>22.01.2025</a:t>
             </a:fld>
             <a:endParaRPr lang="de-CH"/>
           </a:p>
@@ -7423,7 +10153,7 @@
           <a:p>
             <a:fld id="{AB8F96E3-2EAC-4C18-B216-7E9D85CA2F89}" type="slidenum">
               <a:rPr lang="de-CH" smtClean="0"/>
-              <a:t>‹Nr.›</a:t>
+              <a:t>‹#›</a:t>
             </a:fld>
             <a:endParaRPr lang="de-CH"/>
           </a:p>
@@ -7660,7 +10390,7 @@
           <a:p>
             <a:fld id="{69F73540-DFB5-4816-8066-5D194A0B149D}" type="datetimeFigureOut">
               <a:rPr lang="de-CH" smtClean="0"/>
-              <a:t>19.01.2025</a:t>
+              <a:t>22.01.2025</a:t>
             </a:fld>
             <a:endParaRPr lang="de-CH"/>
           </a:p>
@@ -7702,7 +10432,7 @@
           <a:p>
             <a:fld id="{AB8F96E3-2EAC-4C18-B216-7E9D85CA2F89}" type="slidenum">
               <a:rPr lang="de-CH" smtClean="0"/>
-              <a:t>‹Nr.›</a:t>
+              <a:t>‹#›</a:t>
             </a:fld>
             <a:endParaRPr lang="de-CH"/>
           </a:p>
@@ -7935,7 +10665,7 @@
           <a:p>
             <a:fld id="{69F73540-DFB5-4816-8066-5D194A0B149D}" type="datetimeFigureOut">
               <a:rPr lang="de-CH" smtClean="0"/>
-              <a:t>19.01.2025</a:t>
+              <a:t>22.01.2025</a:t>
             </a:fld>
             <a:endParaRPr lang="de-CH"/>
           </a:p>
@@ -7977,7 +10707,7 @@
           <a:p>
             <a:fld id="{AB8F96E3-2EAC-4C18-B216-7E9D85CA2F89}" type="slidenum">
               <a:rPr lang="de-CH" smtClean="0"/>
-              <a:t>‹Nr.›</a:t>
+              <a:t>‹#›</a:t>
             </a:fld>
             <a:endParaRPr lang="de-CH"/>
           </a:p>
@@ -8364,7 +11094,7 @@
           <a:p>
             <a:fld id="{69F73540-DFB5-4816-8066-5D194A0B149D}" type="datetimeFigureOut">
               <a:rPr lang="de-CH" smtClean="0"/>
-              <a:t>19.01.2025</a:t>
+              <a:t>22.01.2025</a:t>
             </a:fld>
             <a:endParaRPr lang="de-CH"/>
           </a:p>
@@ -8443,7 +11173,7 @@
           <a:p>
             <a:fld id="{AB8F96E3-2EAC-4C18-B216-7E9D85CA2F89}" type="slidenum">
               <a:rPr lang="de-CH" smtClean="0"/>
-              <a:t>‹Nr.›</a:t>
+              <a:t>‹#›</a:t>
             </a:fld>
             <a:endParaRPr lang="de-CH"/>
           </a:p>
@@ -9086,7 +11816,7 @@
           <p:nvPr/>
         </p:nvPicPr>
         <p:blipFill>
-          <a:blip r:embed="rId2"/>
+          <a:blip r:embed="rId3"/>
           <a:stretch>
             <a:fillRect/>
           </a:stretch>
@@ -9116,7 +11846,7 @@
           <p:nvPr/>
         </p:nvPicPr>
         <p:blipFill>
-          <a:blip r:embed="rId3"/>
+          <a:blip r:embed="rId4"/>
           <a:stretch>
             <a:fillRect/>
           </a:stretch>
@@ -9253,7 +11983,7 @@
           <p:nvPr/>
         </p:nvPicPr>
         <p:blipFill>
-          <a:blip r:embed="rId2"/>
+          <a:blip r:embed="rId3"/>
           <a:stretch>
             <a:fillRect/>
           </a:stretch>
@@ -9283,7 +12013,7 @@
           <p:nvPr/>
         </p:nvPicPr>
         <p:blipFill>
-          <a:blip r:embed="rId3"/>
+          <a:blip r:embed="rId4"/>
           <a:stretch>
             <a:fillRect/>
           </a:stretch>
@@ -9473,7 +12203,7 @@
             </a:r>
             <a:r>
               <a:rPr lang="de-CH" dirty="0" err="1"/>
-              <a:t>datasets</a:t>
+              <a:t>data</a:t>
             </a:r>
             <a:br>
               <a:rPr lang="de-CH" dirty="0"/>
@@ -9549,7 +12279,7 @@
           <p:nvPr/>
         </p:nvPicPr>
         <p:blipFill>
-          <a:blip r:embed="rId2"/>
+          <a:blip r:embed="rId3"/>
           <a:stretch>
             <a:fillRect/>
           </a:stretch>
@@ -10106,293 +12836,51 @@
           <a:lstStyle/>
           <a:p>
             <a:r>
-              <a:rPr lang="de-CH" dirty="0"/>
-              <a:t>Monolingual vs. multilingual </a:t>
-            </a:r>
-            <a:r>
-              <a:rPr lang="de-CH" dirty="0" err="1"/>
-              <a:t>training</a:t>
-            </a:r>
-            <a:r>
-              <a:rPr lang="de-CH" dirty="0"/>
-              <a:t>:</a:t>
+              <a:rPr lang="en-US" dirty="0"/>
+              <a:t>Monolingual vs. multilingual training:</a:t>
             </a:r>
           </a:p>
           <a:p>
             <a:pPr lvl="1"/>
             <a:r>
-              <a:rPr lang="de-CH" dirty="0" err="1"/>
-              <a:t>Less</a:t>
-            </a:r>
-            <a:r>
-              <a:rPr lang="de-CH" dirty="0"/>
-              <a:t> </a:t>
-            </a:r>
-            <a:r>
-              <a:rPr lang="de-CH" dirty="0" err="1"/>
-              <a:t>computational</a:t>
-            </a:r>
-            <a:r>
-              <a:rPr lang="de-CH" dirty="0"/>
-              <a:t> power </a:t>
-            </a:r>
-            <a:r>
-              <a:rPr lang="de-CH" dirty="0" err="1"/>
-              <a:t>needed</a:t>
-            </a:r>
-            <a:endParaRPr lang="de-CH" dirty="0"/>
+              <a:rPr lang="en-US" dirty="0"/>
+              <a:t>Less computational power needed</a:t>
+            </a:r>
           </a:p>
           <a:p>
             <a:pPr lvl="1"/>
             <a:r>
-              <a:rPr lang="de-CH" dirty="0"/>
-              <a:t>Simpler </a:t>
-            </a:r>
-            <a:r>
-              <a:rPr lang="de-CH" dirty="0" err="1"/>
-              <a:t>setup</a:t>
-            </a:r>
-            <a:r>
-              <a:rPr lang="de-CH" dirty="0"/>
-              <a:t>, </a:t>
-            </a:r>
-            <a:r>
-              <a:rPr lang="de-CH" dirty="0" err="1"/>
-              <a:t>faster</a:t>
-            </a:r>
-            <a:r>
-              <a:rPr lang="de-CH" dirty="0"/>
-              <a:t> </a:t>
-            </a:r>
-            <a:r>
-              <a:rPr lang="de-CH" dirty="0" err="1"/>
-              <a:t>training</a:t>
-            </a:r>
-            <a:endParaRPr lang="de-CH" dirty="0"/>
+              <a:rPr lang="en-US" dirty="0"/>
+              <a:t>Simpler setup, faster training</a:t>
+            </a:r>
           </a:p>
           <a:p>
             <a:pPr lvl="1"/>
             <a:r>
-              <a:rPr lang="de-CH" dirty="0"/>
-              <a:t>Zero-</a:t>
-            </a:r>
-            <a:r>
-              <a:rPr lang="de-CH" dirty="0" err="1"/>
-              <a:t>shot</a:t>
-            </a:r>
-            <a:r>
-              <a:rPr lang="de-CH" dirty="0"/>
-              <a:t>-cross-lingual </a:t>
-            </a:r>
-            <a:r>
-              <a:rPr lang="de-CH" dirty="0" err="1"/>
-              <a:t>capacities</a:t>
-            </a:r>
-            <a:r>
-              <a:rPr lang="de-CH" dirty="0"/>
-              <a:t> </a:t>
-            </a:r>
-            <a:r>
-              <a:rPr lang="de-CH" dirty="0" err="1"/>
-              <a:t>of</a:t>
-            </a:r>
-            <a:r>
-              <a:rPr lang="de-CH" dirty="0"/>
-              <a:t> </a:t>
-            </a:r>
-            <a:r>
-              <a:rPr lang="de-CH" dirty="0" err="1"/>
-              <a:t>the</a:t>
-            </a:r>
-            <a:r>
-              <a:rPr lang="de-CH" dirty="0"/>
-              <a:t> </a:t>
-            </a:r>
-            <a:r>
-              <a:rPr lang="de-CH" dirty="0" err="1"/>
-              <a:t>models</a:t>
-            </a:r>
-            <a:r>
-              <a:rPr lang="de-CH" dirty="0"/>
-              <a:t> </a:t>
-            </a:r>
-            <a:r>
-              <a:rPr lang="de-CH" dirty="0" err="1"/>
-              <a:t>can</a:t>
-            </a:r>
-            <a:r>
-              <a:rPr lang="de-CH" dirty="0"/>
-              <a:t> </a:t>
-            </a:r>
-            <a:r>
-              <a:rPr lang="de-CH" dirty="0" err="1"/>
-              <a:t>be</a:t>
-            </a:r>
-            <a:r>
-              <a:rPr lang="de-CH" dirty="0"/>
-              <a:t> </a:t>
-            </a:r>
-            <a:r>
-              <a:rPr lang="de-CH" dirty="0" err="1"/>
-              <a:t>used</a:t>
-            </a:r>
-            <a:endParaRPr lang="de-CH" dirty="0"/>
+              <a:rPr lang="en-US" dirty="0"/>
+              <a:t>Zero-shot-cross-lingual capacities of the models can be used</a:t>
+            </a:r>
           </a:p>
           <a:p>
             <a:pPr lvl="1"/>
             <a:r>
-              <a:rPr lang="de-CH" dirty="0"/>
-              <a:t>Evaluation </a:t>
-            </a:r>
-            <a:r>
-              <a:rPr lang="de-CH" dirty="0" err="1"/>
-              <a:t>of</a:t>
-            </a:r>
-            <a:r>
-              <a:rPr lang="de-CH" dirty="0"/>
-              <a:t> </a:t>
-            </a:r>
-            <a:r>
-              <a:rPr lang="de-CH" dirty="0" err="1"/>
-              <a:t>cross</a:t>
-            </a:r>
-            <a:r>
-              <a:rPr lang="de-CH" dirty="0"/>
-              <a:t>-lingual </a:t>
-            </a:r>
-            <a:r>
-              <a:rPr lang="de-CH" dirty="0" err="1"/>
-              <a:t>transfer</a:t>
-            </a:r>
-            <a:r>
-              <a:rPr lang="de-CH" dirty="0"/>
-              <a:t> </a:t>
-            </a:r>
-            <a:r>
-              <a:rPr lang="de-CH" dirty="0" err="1"/>
-              <a:t>is</a:t>
-            </a:r>
-            <a:r>
-              <a:rPr lang="de-CH" dirty="0"/>
-              <a:t> </a:t>
-            </a:r>
-            <a:r>
-              <a:rPr lang="de-CH" dirty="0" err="1"/>
-              <a:t>easier</a:t>
-            </a:r>
-            <a:endParaRPr lang="de-CH" dirty="0"/>
+              <a:rPr lang="en-US" dirty="0"/>
+              <a:t>Evaluation of cross-lingual transfer is easier</a:t>
+            </a:r>
           </a:p>
           <a:p>
             <a:pPr lvl="1"/>
             <a:r>
-              <a:rPr lang="de-CH" dirty="0" err="1"/>
-              <a:t>Less</a:t>
-            </a:r>
-            <a:r>
-              <a:rPr lang="de-CH" dirty="0"/>
-              <a:t> </a:t>
-            </a:r>
-            <a:r>
-              <a:rPr lang="de-CH" dirty="0" err="1"/>
-              <a:t>complicated</a:t>
-            </a:r>
-            <a:r>
-              <a:rPr lang="de-CH" dirty="0"/>
-              <a:t> </a:t>
-            </a:r>
-            <a:r>
-              <a:rPr lang="de-CH" dirty="0" err="1"/>
-              <a:t>because</a:t>
-            </a:r>
-            <a:r>
-              <a:rPr lang="de-CH" dirty="0"/>
-              <a:t> </a:t>
-            </a:r>
-            <a:r>
-              <a:rPr lang="de-CH" dirty="0" err="1"/>
-              <a:t>no</a:t>
-            </a:r>
-            <a:r>
-              <a:rPr lang="de-CH" dirty="0"/>
-              <a:t> </a:t>
-            </a:r>
-            <a:r>
-              <a:rPr lang="de-CH" dirty="0" err="1"/>
-              <a:t>data</a:t>
-            </a:r>
-            <a:r>
-              <a:rPr lang="de-CH" dirty="0"/>
-              <a:t> </a:t>
-            </a:r>
-            <a:r>
-              <a:rPr lang="de-CH" dirty="0" err="1"/>
-              <a:t>fusion</a:t>
-            </a:r>
-            <a:r>
-              <a:rPr lang="de-CH" dirty="0"/>
-              <a:t> </a:t>
-            </a:r>
-            <a:r>
-              <a:rPr lang="de-CH"/>
-              <a:t>necessary</a:t>
-            </a:r>
-            <a:endParaRPr lang="de-CH" dirty="0"/>
+              <a:rPr lang="en-US" dirty="0"/>
+              <a:t>Less complicated because no data fusion necessary</a:t>
+            </a:r>
           </a:p>
           <a:p>
             <a:pPr lvl="1"/>
             <a:r>
-              <a:rPr lang="de-CH" dirty="0" err="1"/>
-              <a:t>Easier</a:t>
-            </a:r>
-            <a:r>
-              <a:rPr lang="de-CH" dirty="0"/>
-              <a:t> </a:t>
-            </a:r>
-            <a:r>
-              <a:rPr lang="de-CH" dirty="0" err="1"/>
-              <a:t>to</a:t>
-            </a:r>
-            <a:r>
-              <a:rPr lang="de-CH" dirty="0"/>
-              <a:t> </a:t>
-            </a:r>
-            <a:r>
-              <a:rPr lang="de-CH" dirty="0" err="1"/>
-              <a:t>recognize</a:t>
-            </a:r>
-            <a:r>
-              <a:rPr lang="de-CH" dirty="0"/>
-              <a:t> </a:t>
-            </a:r>
-            <a:r>
-              <a:rPr lang="de-CH" dirty="0" err="1"/>
-              <a:t>generalization</a:t>
-            </a:r>
-            <a:r>
-              <a:rPr lang="de-CH" dirty="0"/>
-              <a:t> and </a:t>
-            </a:r>
-            <a:r>
-              <a:rPr lang="de-CH" dirty="0" err="1"/>
-              <a:t>language</a:t>
-            </a:r>
-            <a:r>
-              <a:rPr lang="de-CH" dirty="0"/>
-              <a:t> </a:t>
-            </a:r>
-            <a:r>
-              <a:rPr lang="de-CH" dirty="0" err="1"/>
-              <a:t>specific</a:t>
-            </a:r>
-            <a:r>
-              <a:rPr lang="de-CH" dirty="0"/>
-              <a:t> </a:t>
-            </a:r>
-            <a:r>
-              <a:rPr lang="de-CH" dirty="0" err="1"/>
-              <a:t>challenges</a:t>
-            </a:r>
-            <a:endParaRPr lang="en-US" dirty="0"/>
+              <a:rPr lang="en-US" dirty="0"/>
+              <a:t>Easier to recognize generalization and language specific challenges</a:t>
+            </a:r>
           </a:p>
         </p:txBody>
       </p:sp>
@@ -10594,7 +13082,7 @@
           <p:nvPr/>
         </p:nvPicPr>
         <p:blipFill>
-          <a:blip r:embed="rId2"/>
+          <a:blip r:embed="rId3"/>
           <a:stretch>
             <a:fillRect/>
           </a:stretch>
@@ -10689,7 +13177,7 @@
           <a:lstStyle/>
           <a:p>
             <a:r>
-              <a:rPr lang="en-US" dirty="0"/>
+              <a:rPr lang="en-US" i="1" dirty="0"/>
               <a:t>Build a Multilingual Named Entity Recognition (NER) system using transformer models. The goal is to identify named entities (e.g., persons, organizations, locations) in texts across multiple languages (at least for 3 languages) without training separate models for each language. The project will focus on fine-tuning a multilingual model and exploring how effectively it can perform NER in multiple languages.  For evaluation, compare the performance of the models using appropriate metrics. Also, check if the model generalizes across languages and analyze any language-specific challenges.</a:t>
             </a:r>
           </a:p>
@@ -10842,15 +13330,15 @@
           <p:nvPr/>
         </p:nvPicPr>
         <p:blipFill>
-          <a:blip r:embed="rId2"/>
+          <a:blip r:embed="rId3"/>
           <a:stretch>
             <a:fillRect/>
           </a:stretch>
         </p:blipFill>
         <p:spPr>
           <a:xfrm>
-            <a:off x="2564544" y="3738707"/>
-            <a:ext cx="4953036" cy="1733563"/>
+            <a:off x="2564543" y="3738707"/>
+            <a:ext cx="6089001" cy="2131151"/>
           </a:xfrm>
           <a:prstGeom prst="rect">
             <a:avLst/>
@@ -11125,7 +13613,7 @@
           <p:cNvPr id="2" name="Title 1">
             <a:extLst>
               <a:ext uri="{FF2B5EF4-FFF2-40B4-BE49-F238E27FC236}">
-                <a16:creationId xmlns:a16="http://schemas.microsoft.com/office/drawing/2014/main" id="{0913BBCD-948C-44D6-9FAF-BA651248C8F9}"/>
+                <a16:creationId xmlns:a16="http://schemas.microsoft.com/office/drawing/2014/main" id="{D4AAD14F-2959-4EA0-BB14-A1E34AEEA914}"/>
               </a:ext>
             </a:extLst>
           </p:cNvPr>
@@ -11142,65 +13630,45 @@
           <a:lstStyle/>
           <a:p>
             <a:r>
-              <a:rPr lang="de-CH" dirty="0" err="1"/>
+              <a:rPr lang="en-US" dirty="0"/>
               <a:t>Results</a:t>
             </a:r>
-            <a:r>
-              <a:rPr lang="de-CH" dirty="0"/>
-              <a:t> (</a:t>
-            </a:r>
-            <a:r>
-              <a:rPr lang="de-CH" dirty="0" err="1"/>
-              <a:t>be</a:t>
-            </a:r>
-            <a:r>
-              <a:rPr lang="de-CH" dirty="0"/>
-              <a:t>)</a:t>
-            </a:r>
-            <a:br>
-              <a:rPr lang="de-CH" dirty="0"/>
-            </a:br>
-            <a:endParaRPr lang="en-US" dirty="0"/>
-          </a:p>
-        </p:txBody>
-      </p:sp>
-      <p:sp>
-        <p:nvSpPr>
-          <p:cNvPr id="7" name="Inhaltsplatzhalter 6">
+          </a:p>
+        </p:txBody>
+      </p:sp>
+      <p:pic>
+        <p:nvPicPr>
+          <p:cNvPr id="5" name="Content Placeholder 4">
             <a:extLst>
               <a:ext uri="{FF2B5EF4-FFF2-40B4-BE49-F238E27FC236}">
-                <a16:creationId xmlns:a16="http://schemas.microsoft.com/office/drawing/2014/main" id="{639653A5-8A1D-9C8E-F2B7-D4447928D14E}"/>
+                <a16:creationId xmlns:a16="http://schemas.microsoft.com/office/drawing/2014/main" id="{D08A0C31-C2E5-452C-BBA8-4BFE117870AE}"/>
               </a:ext>
             </a:extLst>
           </p:cNvPr>
-          <p:cNvSpPr>
-            <a:spLocks noGrp="1"/>
-          </p:cNvSpPr>
+          <p:cNvPicPr>
+            <a:picLocks noGrp="1" noChangeAspect="1"/>
+          </p:cNvPicPr>
           <p:nvPr>
             <p:ph idx="1"/>
           </p:nvPr>
-        </p:nvSpPr>
+        </p:nvPicPr>
+        <p:blipFill>
+          <a:blip r:embed="rId3"/>
+          <a:stretch>
+            <a:fillRect/>
+          </a:stretch>
+        </p:blipFill>
         <p:spPr>
           <a:xfrm>
-            <a:off x="1103312" y="2539353"/>
-            <a:ext cx="8946541" cy="3709046"/>
+            <a:off x="1040276" y="1327355"/>
+            <a:ext cx="8251207" cy="5134782"/>
           </a:xfrm>
         </p:spPr>
-        <p:txBody>
-          <a:bodyPr/>
-          <a:lstStyle/>
-          <a:p>
-            <a:pPr marL="0" indent="0">
-              <a:buNone/>
-            </a:pPr>
-            <a:endParaRPr lang="de-CH" dirty="0"/>
-          </a:p>
-        </p:txBody>
-      </p:sp>
+      </p:pic>
     </p:spTree>
     <p:extLst>
       <p:ext uri="{BB962C8B-B14F-4D97-AF65-F5344CB8AC3E}">
-        <p14:creationId xmlns:p14="http://schemas.microsoft.com/office/powerpoint/2010/main" val="4079610711"/>
+        <p14:creationId xmlns:p14="http://schemas.microsoft.com/office/powerpoint/2010/main" val="750345977"/>
       </p:ext>
     </p:extLst>
   </p:cSld>
@@ -11232,7 +13700,7 @@
           <p:cNvPr id="2" name="Title 1">
             <a:extLst>
               <a:ext uri="{FF2B5EF4-FFF2-40B4-BE49-F238E27FC236}">
-                <a16:creationId xmlns:a16="http://schemas.microsoft.com/office/drawing/2014/main" id="{36262027-BF33-4B1C-9478-81791AD91589}"/>
+                <a16:creationId xmlns:a16="http://schemas.microsoft.com/office/drawing/2014/main" id="{0913BBCD-948C-44D6-9FAF-BA651248C8F9}"/>
               </a:ext>
             </a:extLst>
           </p:cNvPr>
@@ -11249,28 +13717,12 @@
           <a:lstStyle/>
           <a:p>
             <a:r>
-              <a:rPr lang="de-CH" dirty="0" err="1"/>
-              <a:t>Contrast</a:t>
-            </a:r>
-            <a:r>
-              <a:rPr lang="de-CH" dirty="0"/>
-              <a:t> </a:t>
-            </a:r>
-            <a:r>
-              <a:rPr lang="de-CH" dirty="0" err="1"/>
-              <a:t>approaches</a:t>
-            </a:r>
-            <a:r>
-              <a:rPr lang="de-CH" dirty="0"/>
-              <a:t> (</a:t>
-            </a:r>
-            <a:r>
-              <a:rPr lang="de-CH" dirty="0" err="1"/>
-              <a:t>ju</a:t>
-            </a:r>
-            <a:r>
-              <a:rPr lang="de-CH" dirty="0"/>
-              <a:t>)</a:t>
+              <a:rPr lang="de-CH" dirty="0"/>
+              <a:t>Possible </a:t>
+            </a:r>
+            <a:r>
+              <a:rPr lang="de-CH" dirty="0" err="1"/>
+              <a:t>improvement</a:t>
             </a:r>
             <a:br>
               <a:rPr lang="de-CH" dirty="0"/>
@@ -11281,10 +13733,10 @@
       </p:sp>
       <p:sp>
         <p:nvSpPr>
-          <p:cNvPr id="3" name="Content Placeholder 2">
+          <p:cNvPr id="7" name="Inhaltsplatzhalter 6">
             <a:extLst>
               <a:ext uri="{FF2B5EF4-FFF2-40B4-BE49-F238E27FC236}">
-                <a16:creationId xmlns:a16="http://schemas.microsoft.com/office/drawing/2014/main" id="{7DA777B3-D815-424E-A73C-C2D1CF60108D}"/>
+                <a16:creationId xmlns:a16="http://schemas.microsoft.com/office/drawing/2014/main" id="{639653A5-8A1D-9C8E-F2B7-D4447928D14E}"/>
               </a:ext>
             </a:extLst>
           </p:cNvPr>
@@ -11295,11 +13747,64 @@
             <p:ph idx="1"/>
           </p:nvPr>
         </p:nvSpPr>
-        <p:spPr/>
+        <p:spPr>
+          <a:xfrm>
+            <a:off x="1103312" y="2539353"/>
+            <a:ext cx="8946541" cy="3709046"/>
+          </a:xfrm>
+        </p:spPr>
         <p:txBody>
           <a:bodyPr/>
           <a:lstStyle/>
           <a:p>
+            <a:pPr marL="0" indent="0">
+              <a:buNone/>
+            </a:pPr>
+            <a:r>
+              <a:rPr lang="en-US" dirty="0"/>
+              <a:t>To improve the model we could:</a:t>
+            </a:r>
+          </a:p>
+          <a:p>
+            <a:r>
+              <a:rPr lang="en-US" dirty="0"/>
+              <a:t>Improve the datasets</a:t>
+            </a:r>
+          </a:p>
+          <a:p>
+            <a:r>
+              <a:rPr lang="en-US" dirty="0"/>
+              <a:t>Increase the learning rate</a:t>
+            </a:r>
+          </a:p>
+          <a:p>
+            <a:r>
+              <a:rPr lang="en-US" dirty="0"/>
+              <a:t>Increase the batch size</a:t>
+            </a:r>
+          </a:p>
+          <a:p>
+            <a:r>
+              <a:rPr lang="en-US" dirty="0"/>
+              <a:t>Increase epochs</a:t>
+            </a:r>
+          </a:p>
+          <a:p>
+            <a:r>
+              <a:rPr lang="en-US" dirty="0"/>
+              <a:t>Apply early stopping</a:t>
+            </a:r>
+          </a:p>
+          <a:p>
+            <a:r>
+              <a:rPr lang="en-US" dirty="0"/>
+              <a:t>…</a:t>
+            </a:r>
+          </a:p>
+          <a:p>
+            <a:pPr marL="0" indent="0">
+              <a:buNone/>
+            </a:pPr>
             <a:endParaRPr lang="en-US" dirty="0"/>
           </a:p>
         </p:txBody>
@@ -11307,7 +13812,7 @@
     </p:spTree>
     <p:extLst>
       <p:ext uri="{BB962C8B-B14F-4D97-AF65-F5344CB8AC3E}">
-        <p14:creationId xmlns:p14="http://schemas.microsoft.com/office/powerpoint/2010/main" val="1608941473"/>
+        <p14:creationId xmlns:p14="http://schemas.microsoft.com/office/powerpoint/2010/main" val="4079610711"/>
       </p:ext>
     </p:extLst>
   </p:cSld>
@@ -11336,10 +13841,10 @@
       </p:grpSpPr>
       <p:sp>
         <p:nvSpPr>
-          <p:cNvPr id="2" name="Titel 1">
+          <p:cNvPr id="2" name="Title 1">
             <a:extLst>
               <a:ext uri="{FF2B5EF4-FFF2-40B4-BE49-F238E27FC236}">
-                <a16:creationId xmlns:a16="http://schemas.microsoft.com/office/drawing/2014/main" id="{26D64721-2D18-1513-64DD-F728523A8896}"/>
+                <a16:creationId xmlns:a16="http://schemas.microsoft.com/office/drawing/2014/main" id="{36262027-BF33-4B1C-9478-81791AD91589}"/>
               </a:ext>
             </a:extLst>
           </p:cNvPr>
@@ -11357,23 +13862,15 @@
           <a:p>
             <a:r>
               <a:rPr lang="de-CH" dirty="0" err="1"/>
-              <a:t>Limitations</a:t>
-            </a:r>
-            <a:r>
-              <a:rPr lang="de-CH" dirty="0"/>
-              <a:t> </a:t>
-            </a:r>
-            <a:r>
-              <a:rPr lang="de-CH" dirty="0" err="1"/>
-              <a:t>of</a:t>
-            </a:r>
-            <a:r>
-              <a:rPr lang="de-CH" dirty="0"/>
-              <a:t> </a:t>
-            </a:r>
-            <a:r>
-              <a:rPr lang="de-CH" dirty="0" err="1"/>
-              <a:t>approach</a:t>
+              <a:t>Contrast</a:t>
+            </a:r>
+            <a:r>
+              <a:rPr lang="de-CH" dirty="0"/>
+              <a:t> </a:t>
+            </a:r>
+            <a:r>
+              <a:rPr lang="de-CH" dirty="0" err="1"/>
+              <a:t>approaches</a:t>
             </a:r>
             <a:r>
               <a:rPr lang="de-CH" dirty="0"/>
@@ -11381,29 +13878,25 @@
             </a:r>
             <a:r>
               <a:rPr lang="de-CH" dirty="0" err="1"/>
-              <a:t>be</a:t>
-            </a:r>
-            <a:r>
-              <a:rPr lang="de-CH" dirty="0"/>
-              <a:t>, </a:t>
-            </a:r>
-            <a:r>
-              <a:rPr lang="de-CH" dirty="0" err="1"/>
               <a:t>ju</a:t>
             </a:r>
             <a:r>
               <a:rPr lang="de-CH" dirty="0"/>
               <a:t>)</a:t>
             </a:r>
-          </a:p>
-        </p:txBody>
-      </p:sp>
-      <p:sp>
-        <p:nvSpPr>
-          <p:cNvPr id="3" name="Inhaltsplatzhalter 2">
+            <a:br>
+              <a:rPr lang="de-CH" dirty="0"/>
+            </a:br>
+            <a:endParaRPr lang="en-US" dirty="0"/>
+          </a:p>
+        </p:txBody>
+      </p:sp>
+      <p:sp>
+        <p:nvSpPr>
+          <p:cNvPr id="3" name="Content Placeholder 2">
             <a:extLst>
               <a:ext uri="{FF2B5EF4-FFF2-40B4-BE49-F238E27FC236}">
-                <a16:creationId xmlns:a16="http://schemas.microsoft.com/office/drawing/2014/main" id="{398B9ADA-9FB8-2F8B-5F36-AA300ED16F67}"/>
+                <a16:creationId xmlns:a16="http://schemas.microsoft.com/office/drawing/2014/main" id="{7DA777B3-D815-424E-A73C-C2D1CF60108D}"/>
               </a:ext>
             </a:extLst>
           </p:cNvPr>
@@ -11419,14 +13912,14 @@
           <a:bodyPr/>
           <a:lstStyle/>
           <a:p>
-            <a:endParaRPr lang="de-CH"/>
+            <a:endParaRPr lang="en-US" dirty="0"/>
           </a:p>
         </p:txBody>
       </p:sp>
     </p:spTree>
     <p:extLst>
       <p:ext uri="{BB962C8B-B14F-4D97-AF65-F5344CB8AC3E}">
-        <p14:creationId xmlns:p14="http://schemas.microsoft.com/office/powerpoint/2010/main" val="2671724893"/>
+        <p14:creationId xmlns:p14="http://schemas.microsoft.com/office/powerpoint/2010/main" val="1608941473"/>
       </p:ext>
     </p:extLst>
   </p:cSld>
@@ -11455,10 +13948,10 @@
       </p:grpSpPr>
       <p:sp>
         <p:nvSpPr>
-          <p:cNvPr id="2" name="Title 1">
+          <p:cNvPr id="2" name="Titel 1">
             <a:extLst>
               <a:ext uri="{FF2B5EF4-FFF2-40B4-BE49-F238E27FC236}">
-                <a16:creationId xmlns:a16="http://schemas.microsoft.com/office/drawing/2014/main" id="{9FBABDAD-57E8-41A2-B50B-0F0C1F4E6F60}"/>
+                <a16:creationId xmlns:a16="http://schemas.microsoft.com/office/drawing/2014/main" id="{26D64721-2D18-1513-64DD-F728523A8896}"/>
               </a:ext>
             </a:extLst>
           </p:cNvPr>
@@ -11476,41 +13969,34 @@
           <a:p>
             <a:r>
               <a:rPr lang="de-CH" dirty="0" err="1"/>
-              <a:t>Learnings</a:t>
-            </a:r>
-            <a:r>
-              <a:rPr lang="de-CH" dirty="0"/>
-              <a:t> (</a:t>
-            </a:r>
-            <a:r>
-              <a:rPr lang="de-CH" dirty="0" err="1"/>
-              <a:t>be</a:t>
-            </a:r>
-            <a:r>
-              <a:rPr lang="de-CH" dirty="0"/>
-              <a:t>, </a:t>
-            </a:r>
-            <a:r>
-              <a:rPr lang="de-CH" dirty="0" err="1"/>
-              <a:t>ju</a:t>
-            </a:r>
-            <a:r>
-              <a:rPr lang="de-CH" dirty="0"/>
-              <a:t>)</a:t>
-            </a:r>
-            <a:br>
-              <a:rPr lang="de-CH" dirty="0"/>
-            </a:br>
-            <a:endParaRPr lang="en-US" dirty="0"/>
-          </a:p>
-        </p:txBody>
-      </p:sp>
-      <p:sp>
-        <p:nvSpPr>
-          <p:cNvPr id="3" name="Content Placeholder 2">
+              <a:t>Limitations</a:t>
+            </a:r>
+            <a:r>
+              <a:rPr lang="de-CH" dirty="0"/>
+              <a:t> </a:t>
+            </a:r>
+            <a:r>
+              <a:rPr lang="de-CH" dirty="0" err="1"/>
+              <a:t>of</a:t>
+            </a:r>
+            <a:r>
+              <a:rPr lang="de-CH" dirty="0"/>
+              <a:t> </a:t>
+            </a:r>
+            <a:r>
+              <a:rPr lang="de-CH" dirty="0" err="1"/>
+              <a:t>approach</a:t>
+            </a:r>
+            <a:endParaRPr lang="de-CH" dirty="0"/>
+          </a:p>
+        </p:txBody>
+      </p:sp>
+      <p:sp>
+        <p:nvSpPr>
+          <p:cNvPr id="3" name="Inhaltsplatzhalter 2">
             <a:extLst>
               <a:ext uri="{FF2B5EF4-FFF2-40B4-BE49-F238E27FC236}">
-                <a16:creationId xmlns:a16="http://schemas.microsoft.com/office/drawing/2014/main" id="{2E2948E8-3EAA-4651-ACEE-3A97178783D4}"/>
+                <a16:creationId xmlns:a16="http://schemas.microsoft.com/office/drawing/2014/main" id="{398B9ADA-9FB8-2F8B-5F36-AA300ED16F67}"/>
               </a:ext>
             </a:extLst>
           </p:cNvPr>
@@ -11526,14 +14012,35 @@
           <a:bodyPr/>
           <a:lstStyle/>
           <a:p>
-            <a:endParaRPr lang="en-US"/>
+            <a:r>
+              <a:rPr lang="en-US" dirty="0"/>
+              <a:t>Not explicitly optimized to multilingualism</a:t>
+            </a:r>
+          </a:p>
+          <a:p>
+            <a:r>
+              <a:rPr lang="en-US" dirty="0"/>
+              <a:t>Didn’t learn enough patterns to compare the languages</a:t>
+            </a:r>
+          </a:p>
+          <a:p>
+            <a:r>
+              <a:rPr lang="en-US" dirty="0"/>
+              <a:t>Therefore is not reliable on low resource languages</a:t>
+            </a:r>
+          </a:p>
+          <a:p>
+            <a:r>
+              <a:rPr lang="en-US" dirty="0"/>
+              <a:t>Very likely to overfit in one language</a:t>
+            </a:r>
           </a:p>
         </p:txBody>
       </p:sp>
     </p:spTree>
     <p:extLst>
       <p:ext uri="{BB962C8B-B14F-4D97-AF65-F5344CB8AC3E}">
-        <p14:creationId xmlns:p14="http://schemas.microsoft.com/office/powerpoint/2010/main" val="2800151962"/>
+        <p14:creationId xmlns:p14="http://schemas.microsoft.com/office/powerpoint/2010/main" val="2671724893"/>
       </p:ext>
     </p:extLst>
   </p:cSld>
@@ -11565,6 +14072,168 @@
           <p:cNvPr id="2" name="Title 1">
             <a:extLst>
               <a:ext uri="{FF2B5EF4-FFF2-40B4-BE49-F238E27FC236}">
+                <a16:creationId xmlns:a16="http://schemas.microsoft.com/office/drawing/2014/main" id="{9FBABDAD-57E8-41A2-B50B-0F0C1F4E6F60}"/>
+              </a:ext>
+            </a:extLst>
+          </p:cNvPr>
+          <p:cNvSpPr>
+            <a:spLocks noGrp="1"/>
+          </p:cNvSpPr>
+          <p:nvPr>
+            <p:ph type="title"/>
+          </p:nvPr>
+        </p:nvSpPr>
+        <p:spPr/>
+        <p:txBody>
+          <a:bodyPr/>
+          <a:lstStyle/>
+          <a:p>
+            <a:r>
+              <a:rPr lang="de-CH" dirty="0" err="1"/>
+              <a:t>Learnings</a:t>
+            </a:r>
+            <a:br>
+              <a:rPr lang="de-CH" dirty="0"/>
+            </a:br>
+            <a:endParaRPr lang="en-US" dirty="0"/>
+          </a:p>
+        </p:txBody>
+      </p:sp>
+      <p:sp>
+        <p:nvSpPr>
+          <p:cNvPr id="3" name="Content Placeholder 2">
+            <a:extLst>
+              <a:ext uri="{FF2B5EF4-FFF2-40B4-BE49-F238E27FC236}">
+                <a16:creationId xmlns:a16="http://schemas.microsoft.com/office/drawing/2014/main" id="{2E2948E8-3EAA-4651-ACEE-3A97178783D4}"/>
+              </a:ext>
+            </a:extLst>
+          </p:cNvPr>
+          <p:cNvSpPr>
+            <a:spLocks noGrp="1"/>
+          </p:cNvSpPr>
+          <p:nvPr>
+            <p:ph idx="1"/>
+          </p:nvPr>
+        </p:nvSpPr>
+        <p:spPr/>
+        <p:txBody>
+          <a:bodyPr>
+            <a:normAutofit fontScale="92500"/>
+          </a:bodyPr>
+          <a:lstStyle/>
+          <a:p>
+            <a:pPr marL="0" indent="0">
+              <a:buNone/>
+            </a:pPr>
+            <a:r>
+              <a:rPr lang="en-US" dirty="0"/>
+              <a:t>Concerning the task:</a:t>
+            </a:r>
+          </a:p>
+          <a:p>
+            <a:r>
+              <a:rPr lang="en-US" dirty="0"/>
+              <a:t>Label list in strings vs. numbers can be more handy &gt; label map is useful</a:t>
+            </a:r>
+          </a:p>
+          <a:p>
+            <a:r>
+              <a:rPr lang="en-US" dirty="0"/>
+              <a:t>Some very long sentences may distort the results</a:t>
+            </a:r>
+          </a:p>
+          <a:p>
+            <a:r>
+              <a:rPr lang="en-US" dirty="0"/>
+              <a:t>English and German are not necessarily closer to each other than English and Italian or English and French</a:t>
+            </a:r>
+          </a:p>
+          <a:p>
+            <a:pPr marL="0" indent="0">
+              <a:buNone/>
+            </a:pPr>
+            <a:endParaRPr lang="en-US" dirty="0"/>
+          </a:p>
+          <a:p>
+            <a:pPr marL="0" indent="0">
+              <a:buNone/>
+            </a:pPr>
+            <a:r>
+              <a:rPr lang="en-US" dirty="0"/>
+              <a:t>In General:</a:t>
+            </a:r>
+          </a:p>
+          <a:p>
+            <a:r>
+              <a:rPr lang="en-US" dirty="0"/>
+              <a:t>It was very effective and fun to work together on this</a:t>
+            </a:r>
+          </a:p>
+          <a:p>
+            <a:r>
+              <a:rPr lang="en-US" dirty="0"/>
+              <a:t>Getting used to the environment with GitHub, </a:t>
+            </a:r>
+            <a:r>
+              <a:rPr lang="en-US" dirty="0" err="1"/>
+              <a:t>Huggingface</a:t>
+            </a:r>
+            <a:r>
+              <a:rPr lang="en-US" dirty="0"/>
+              <a:t> and </a:t>
+            </a:r>
+            <a:r>
+              <a:rPr lang="en-US" dirty="0" err="1"/>
+              <a:t>Ubelix</a:t>
+            </a:r>
+            <a:endParaRPr lang="en-US" dirty="0"/>
+          </a:p>
+          <a:p>
+            <a:r>
+              <a:rPr lang="en-US" dirty="0"/>
+              <a:t>The Internet at Starbucks is very bad ;)</a:t>
+            </a:r>
+          </a:p>
+          <a:p>
+            <a:endParaRPr lang="en-US" dirty="0"/>
+          </a:p>
+        </p:txBody>
+      </p:sp>
+    </p:spTree>
+    <p:extLst>
+      <p:ext uri="{BB962C8B-B14F-4D97-AF65-F5344CB8AC3E}">
+        <p14:creationId xmlns:p14="http://schemas.microsoft.com/office/powerpoint/2010/main" val="2800151962"/>
+      </p:ext>
+    </p:extLst>
+  </p:cSld>
+  <p:clrMapOvr>
+    <a:masterClrMapping/>
+  </p:clrMapOvr>
+</p:sld>
+</file>
+
+<file path=ppt/slides/slide27.xml><?xml version="1.0" encoding="utf-8"?>
+<p:sld xmlns:a="http://schemas.openxmlformats.org/drawingml/2006/main" xmlns:r="http://schemas.openxmlformats.org/officeDocument/2006/relationships" xmlns:p="http://schemas.openxmlformats.org/presentationml/2006/main">
+  <p:cSld>
+    <p:spTree>
+      <p:nvGrpSpPr>
+        <p:cNvPr id="1" name=""/>
+        <p:cNvGrpSpPr/>
+        <p:nvPr/>
+      </p:nvGrpSpPr>
+      <p:grpSpPr>
+        <a:xfrm>
+          <a:off x="0" y="0"/>
+          <a:ext cx="0" cy="0"/>
+          <a:chOff x="0" y="0"/>
+          <a:chExt cx="0" cy="0"/>
+        </a:xfrm>
+      </p:grpSpPr>
+      <p:sp>
+        <p:nvSpPr>
+          <p:cNvPr id="2" name="Title 1">
+            <a:extLst>
+              <a:ext uri="{FF2B5EF4-FFF2-40B4-BE49-F238E27FC236}">
                 <a16:creationId xmlns:a16="http://schemas.microsoft.com/office/drawing/2014/main" id="{2ED5ED2D-F749-4853-AC3A-C7183786CD9B}"/>
               </a:ext>
             </a:extLst>
@@ -11592,31 +14261,36 @@
           </a:p>
         </p:txBody>
       </p:sp>
-      <p:sp>
-        <p:nvSpPr>
-          <p:cNvPr id="3" name="Content Placeholder 2">
+      <p:pic>
+        <p:nvPicPr>
+          <p:cNvPr id="9" name="Picture 8">
             <a:extLst>
               <a:ext uri="{FF2B5EF4-FFF2-40B4-BE49-F238E27FC236}">
-                <a16:creationId xmlns:a16="http://schemas.microsoft.com/office/drawing/2014/main" id="{E6E61AFF-283E-4E18-BD81-C6E41CCE2287}"/>
+                <a16:creationId xmlns:a16="http://schemas.microsoft.com/office/drawing/2014/main" id="{73CAA198-542A-4EB9-B682-9C914CE89190}"/>
               </a:ext>
             </a:extLst>
           </p:cNvPr>
-          <p:cNvSpPr>
-            <a:spLocks noGrp="1"/>
-          </p:cNvSpPr>
-          <p:nvPr>
-            <p:ph idx="1"/>
-          </p:nvPr>
-        </p:nvSpPr>
-        <p:spPr/>
-        <p:txBody>
-          <a:bodyPr/>
-          <a:lstStyle/>
-          <a:p>
-            <a:endParaRPr lang="en-US"/>
-          </a:p>
-        </p:txBody>
-      </p:sp>
+          <p:cNvPicPr>
+            <a:picLocks noChangeAspect="1"/>
+          </p:cNvPicPr>
+          <p:nvPr/>
+        </p:nvPicPr>
+        <p:blipFill>
+          <a:blip r:embed="rId2"/>
+          <a:stretch>
+            <a:fillRect/>
+          </a:stretch>
+        </p:blipFill>
+        <p:spPr>
+          <a:xfrm>
+            <a:off x="3087329" y="2330011"/>
+            <a:ext cx="4707068" cy="3057877"/>
+          </a:xfrm>
+          <a:prstGeom prst="rect">
+            <a:avLst/>
+          </a:prstGeom>
+        </p:spPr>
+      </p:pic>
     </p:spTree>
     <p:extLst>
       <p:ext uri="{BB962C8B-B14F-4D97-AF65-F5344CB8AC3E}">
@@ -11630,7 +14304,7 @@
 </p:sld>
 </file>
 
-<file path=ppt/slides/slide27.xml><?xml version="1.0" encoding="utf-8"?>
+<file path=ppt/slides/slide28.xml><?xml version="1.0" encoding="utf-8"?>
 <p:sld xmlns:a="http://schemas.openxmlformats.org/drawingml/2006/main" xmlns:r="http://schemas.openxmlformats.org/officeDocument/2006/relationships" xmlns:p="http://schemas.openxmlformats.org/presentationml/2006/main">
   <p:cSld>
     <p:spTree>
@@ -11753,7 +14427,7 @@
         <p:spPr/>
         <p:txBody>
           <a:bodyPr>
-            <a:normAutofit fontScale="92500" lnSpcReduction="20000"/>
+            <a:normAutofit fontScale="85000" lnSpcReduction="20000"/>
           </a:bodyPr>
           <a:lstStyle/>
           <a:p>
@@ -11816,7 +14490,7 @@
             </a:r>
             <a:r>
               <a:rPr lang="de-CH" dirty="0" err="1"/>
-              <a:t>datasets</a:t>
+              <a:t>data</a:t>
             </a:r>
             <a:endParaRPr lang="de-CH" dirty="0"/>
           </a:p>
@@ -11839,7 +14513,7 @@
             </a:r>
             <a:r>
               <a:rPr lang="de-CH" dirty="0" err="1"/>
-              <a:t>datasets</a:t>
+              <a:t>data</a:t>
             </a:r>
             <a:endParaRPr lang="de-CH" dirty="0"/>
           </a:p>
@@ -11899,6 +14573,17 @@
             <a:r>
               <a:rPr lang="de-CH" dirty="0" err="1"/>
               <a:t>Results</a:t>
+            </a:r>
+            <a:endParaRPr lang="de-CH" dirty="0"/>
+          </a:p>
+          <a:p>
+            <a:r>
+              <a:rPr lang="de-CH" dirty="0"/>
+              <a:t>Possible </a:t>
+            </a:r>
+            <a:r>
+              <a:rPr lang="de-CH" dirty="0" err="1"/>
+              <a:t>improvement</a:t>
             </a:r>
             <a:endParaRPr lang="de-CH" dirty="0"/>
           </a:p>
@@ -12539,14 +15224,14 @@
           <p:nvPr>
             <p:extLst>
               <p:ext uri="{D42A27DB-BD31-4B8C-83A1-F6EECF244321}">
-                <p14:modId xmlns:p14="http://schemas.microsoft.com/office/powerpoint/2010/main" val="1096517763"/>
+                <p14:modId xmlns:p14="http://schemas.microsoft.com/office/powerpoint/2010/main" val="3042848404"/>
               </p:ext>
             </p:extLst>
           </p:nvPr>
         </p:nvGraphicFramePr>
         <p:xfrm>
           <a:off x="6096000" y="5377373"/>
-          <a:ext cx="2617910" cy="871026"/>
+          <a:ext cx="2617910" cy="873115"/>
         </p:xfrm>
         <a:graphic>
           <a:graphicData uri="http://schemas.openxmlformats.org/drawingml/2006/table">
@@ -12765,7 +15450,7 @@
                   </a:ext>
                 </a:extLst>
               </a:tr>
-              <a:tr h="435513">
+              <a:tr h="437602">
                 <a:tc>
                   <a:txBody>
                     <a:bodyPr/>
@@ -13028,7 +15713,7 @@
             </a:r>
             <a:r>
               <a:rPr lang="de-CH" dirty="0" err="1"/>
-              <a:t>datasets</a:t>
+              <a:t>data</a:t>
             </a:r>
             <a:endParaRPr lang="en-US" dirty="0"/>
           </a:p>
@@ -13097,15 +15782,15 @@
             </a:r>
             <a:r>
               <a:rPr lang="de-CH" dirty="0" err="1"/>
-              <a:t>trainings</a:t>
-            </a:r>
-            <a:r>
-              <a:rPr lang="de-CH" dirty="0"/>
-              <a:t> </a:t>
-            </a:r>
-            <a:r>
-              <a:rPr lang="de-CH" dirty="0" err="1"/>
-              <a:t>set</a:t>
+              <a:t>training</a:t>
+            </a:r>
+            <a:r>
+              <a:rPr lang="de-CH" dirty="0"/>
+              <a:t> </a:t>
+            </a:r>
+            <a:r>
+              <a:rPr lang="de-CH" dirty="0" err="1"/>
+              <a:t>sets</a:t>
             </a:r>
             <a:endParaRPr lang="en-US" dirty="0"/>
           </a:p>
@@ -13385,7 +16070,7 @@
           </p:nvPr>
         </p:nvPicPr>
         <p:blipFill>
-          <a:blip r:embed="rId2"/>
+          <a:blip r:embed="rId3"/>
           <a:stretch>
             <a:fillRect/>
           </a:stretch>
@@ -13412,7 +16097,7 @@
           <p:nvPr/>
         </p:nvPicPr>
         <p:blipFill>
-          <a:blip r:embed="rId3"/>
+          <a:blip r:embed="rId4"/>
           <a:stretch>
             <a:fillRect/>
           </a:stretch>
@@ -13549,7 +16234,7 @@
           <p:nvPr/>
         </p:nvPicPr>
         <p:blipFill>
-          <a:blip r:embed="rId2"/>
+          <a:blip r:embed="rId3"/>
           <a:stretch>
             <a:fillRect/>
           </a:stretch>
@@ -13579,7 +16264,7 @@
           <p:nvPr/>
         </p:nvPicPr>
         <p:blipFill>
-          <a:blip r:embed="rId3"/>
+          <a:blip r:embed="rId4"/>
           <a:stretch>
             <a:fillRect/>
           </a:stretch>

--- a/CAS NLP Module 4_jd_bb.pptx
+++ b/CAS NLP Module 4_jd_bb.pptx
@@ -5,7 +5,7 @@
     <p:sldMasterId id="2147483660" r:id="rId1"/>
   </p:sldMasterIdLst>
   <p:notesMasterIdLst>
-    <p:notesMasterId r:id="rId30"/>
+    <p:notesMasterId r:id="rId35"/>
   </p:notesMasterIdLst>
   <p:sldIdLst>
     <p:sldId id="256" r:id="rId2"/>
@@ -32,10 +32,15 @@
     <p:sldId id="286" r:id="rId23"/>
     <p:sldId id="264" r:id="rId24"/>
     <p:sldId id="265" r:id="rId25"/>
-    <p:sldId id="283" r:id="rId26"/>
-    <p:sldId id="266" r:id="rId27"/>
-    <p:sldId id="267" r:id="rId28"/>
-    <p:sldId id="268" r:id="rId29"/>
+    <p:sldId id="287" r:id="rId26"/>
+    <p:sldId id="288" r:id="rId27"/>
+    <p:sldId id="289" r:id="rId28"/>
+    <p:sldId id="290" r:id="rId29"/>
+    <p:sldId id="291" r:id="rId30"/>
+    <p:sldId id="283" r:id="rId31"/>
+    <p:sldId id="266" r:id="rId32"/>
+    <p:sldId id="267" r:id="rId33"/>
+    <p:sldId id="268" r:id="rId34"/>
   </p:sldIdLst>
   <p:sldSz cx="12192000" cy="6858000"/>
   <p:notesSz cx="6858000" cy="9144000"/>
@@ -382,7 +387,7 @@
           <a:p>
             <a:fld id="{2DA66685-3D22-47BB-B74E-10995D7F8271}" type="slidenum">
               <a:rPr lang="en-US" smtClean="0"/>
-              <a:t>‹#›</a:t>
+              <a:t>‹Nr.›</a:t>
             </a:fld>
             <a:endParaRPr lang="en-US"/>
           </a:p>
@@ -631,6 +636,213 @@
               <a:rPr lang="de-CH" dirty="0"/>
               <a:t>)</a:t>
             </a:r>
+          </a:p>
+          <a:p>
+            <a:r>
+              <a:rPr lang="en-US" dirty="0"/>
+              <a:t>We have removed the punctuation, as many tokens only consisted of punctuation during the first run. </a:t>
+            </a:r>
+            <a:endParaRPr lang="de-CH" dirty="0"/>
+          </a:p>
+          <a:p>
+            <a:r>
+              <a:rPr lang="de-CH" dirty="0"/>
+              <a:t>The </a:t>
+            </a:r>
+            <a:r>
+              <a:rPr lang="de-CH" dirty="0" err="1"/>
+              <a:t>labels</a:t>
+            </a:r>
+            <a:r>
+              <a:rPr lang="de-CH" dirty="0"/>
+              <a:t> in </a:t>
+            </a:r>
+            <a:r>
+              <a:rPr lang="de-CH" dirty="0" err="1"/>
+              <a:t>the</a:t>
+            </a:r>
+            <a:r>
+              <a:rPr lang="de-CH" dirty="0"/>
+              <a:t> </a:t>
+            </a:r>
+            <a:r>
+              <a:rPr lang="de-CH" dirty="0" err="1"/>
+              <a:t>dataset</a:t>
+            </a:r>
+            <a:r>
+              <a:rPr lang="de-CH" dirty="0"/>
+              <a:t> </a:t>
+            </a:r>
+            <a:r>
+              <a:rPr lang="de-CH" dirty="0" err="1"/>
+              <a:t>are</a:t>
+            </a:r>
+            <a:r>
+              <a:rPr lang="de-CH" dirty="0"/>
+              <a:t> </a:t>
+            </a:r>
+            <a:r>
+              <a:rPr lang="de-CH" dirty="0" err="1"/>
+              <a:t>numeric</a:t>
+            </a:r>
+            <a:r>
+              <a:rPr lang="de-CH" dirty="0"/>
+              <a:t> so </a:t>
+            </a:r>
+            <a:r>
+              <a:rPr lang="de-CH" dirty="0" err="1"/>
+              <a:t>we</a:t>
+            </a:r>
+            <a:r>
+              <a:rPr lang="de-CH" dirty="0"/>
+              <a:t> </a:t>
+            </a:r>
+            <a:r>
+              <a:rPr lang="de-CH" dirty="0" err="1"/>
+              <a:t>had</a:t>
+            </a:r>
+            <a:r>
+              <a:rPr lang="de-CH" dirty="0"/>
+              <a:t> </a:t>
+            </a:r>
+            <a:r>
+              <a:rPr lang="de-CH" dirty="0" err="1"/>
+              <a:t>to</a:t>
+            </a:r>
+            <a:r>
+              <a:rPr lang="de-CH" dirty="0"/>
+              <a:t> match </a:t>
+            </a:r>
+            <a:r>
+              <a:rPr lang="de-CH" dirty="0" err="1"/>
+              <a:t>the</a:t>
+            </a:r>
+            <a:r>
+              <a:rPr lang="de-CH" dirty="0"/>
+              <a:t> </a:t>
+            </a:r>
+            <a:r>
+              <a:rPr lang="de-CH" dirty="0" err="1"/>
+              <a:t>numeric</a:t>
+            </a:r>
+            <a:r>
+              <a:rPr lang="de-CH" dirty="0"/>
+              <a:t> </a:t>
+            </a:r>
+            <a:r>
+              <a:rPr lang="de-CH" dirty="0" err="1"/>
+              <a:t>labels</a:t>
+            </a:r>
+            <a:r>
+              <a:rPr lang="de-CH" dirty="0"/>
+              <a:t> </a:t>
+            </a:r>
+            <a:r>
+              <a:rPr lang="de-CH" dirty="0" err="1"/>
+              <a:t>to</a:t>
+            </a:r>
+            <a:r>
+              <a:rPr lang="de-CH" dirty="0"/>
+              <a:t> </a:t>
+            </a:r>
+            <a:r>
+              <a:rPr lang="de-CH" dirty="0" err="1"/>
+              <a:t>our</a:t>
+            </a:r>
+            <a:r>
+              <a:rPr lang="de-CH" dirty="0"/>
+              <a:t> </a:t>
+            </a:r>
+            <a:r>
+              <a:rPr lang="de-CH" dirty="0" err="1"/>
+              <a:t>chosen</a:t>
+            </a:r>
+            <a:r>
+              <a:rPr lang="de-CH" dirty="0"/>
+              <a:t> </a:t>
+            </a:r>
+            <a:r>
+              <a:rPr lang="de-CH" dirty="0" err="1"/>
+              <a:t>labels</a:t>
+            </a:r>
+            <a:r>
+              <a:rPr lang="de-CH" dirty="0"/>
+              <a:t> (</a:t>
+            </a:r>
+            <a:r>
+              <a:rPr lang="de-CH" dirty="0" err="1"/>
+              <a:t>labels</a:t>
+            </a:r>
+            <a:r>
+              <a:rPr lang="de-CH" dirty="0"/>
+              <a:t> </a:t>
+            </a:r>
+            <a:r>
+              <a:rPr lang="en-US" b="0" i="0" dirty="0">
+                <a:solidFill>
+                  <a:srgbClr val="292929"/>
+                </a:solidFill>
+                <a:effectLst/>
+                <a:latin typeface="Roboto" panose="02000000000000000000" pitchFamily="2" charset="0"/>
+              </a:rPr>
+              <a:t>according to the IOB format).</a:t>
+            </a:r>
+          </a:p>
+          <a:p>
+            <a:r>
+              <a:rPr lang="en-US" b="0" i="0" dirty="0">
+                <a:solidFill>
+                  <a:srgbClr val="292929"/>
+                </a:solidFill>
+                <a:effectLst/>
+                <a:latin typeface="Roboto" panose="02000000000000000000" pitchFamily="2" charset="0"/>
+              </a:rPr>
+              <a:t>We also did a visualization to see if there were any big changes between the original and the preprocessed dataset. </a:t>
+            </a:r>
+          </a:p>
+          <a:p>
+            <a:endParaRPr lang="en-US" dirty="0"/>
+          </a:p>
+          <a:p>
+            <a:endParaRPr lang="en-US" dirty="0"/>
+          </a:p>
+          <a:p>
+            <a:pPr algn="l">
+              <a:spcAft>
+                <a:spcPts val="1500"/>
+              </a:spcAft>
+            </a:pPr>
+            <a:r>
+              <a:rPr lang="en-US" b="0" i="0" dirty="0">
+                <a:solidFill>
+                  <a:srgbClr val="292929"/>
+                </a:solidFill>
+                <a:effectLst/>
+                <a:latin typeface="Roboto" panose="02000000000000000000" pitchFamily="2" charset="0"/>
+              </a:rPr>
+              <a:t>101: [CLS] token, which signals the start of the sequence.</a:t>
+            </a:r>
+            <a:br>
+              <a:rPr lang="en-US" b="0" i="0" dirty="0">
+                <a:solidFill>
+                  <a:srgbClr val="292929"/>
+                </a:solidFill>
+                <a:effectLst/>
+                <a:latin typeface="Roboto" panose="02000000000000000000" pitchFamily="2" charset="0"/>
+              </a:rPr>
+            </a:br>
+            <a:r>
+              <a:rPr lang="en-US" b="0" i="0" dirty="0">
+                <a:solidFill>
+                  <a:srgbClr val="292929"/>
+                </a:solidFill>
+                <a:effectLst/>
+                <a:latin typeface="Roboto" panose="02000000000000000000" pitchFamily="2" charset="0"/>
+              </a:rPr>
+              <a:t>102: [SEP] token, which marks the end of the sequence.</a:t>
+            </a:r>
+          </a:p>
+          <a:p>
             <a:endParaRPr lang="en-US" dirty="0"/>
           </a:p>
         </p:txBody>
@@ -1219,7 +1431,194 @@
               <a:rPr lang="de-CH" dirty="0"/>
               <a:t>)</a:t>
             </a:r>
-            <a:endParaRPr lang="en-US" dirty="0"/>
+          </a:p>
+          <a:p>
+            <a:r>
+              <a:rPr lang="de-CH" dirty="0"/>
+              <a:t>Load </a:t>
+            </a:r>
+            <a:r>
+              <a:rPr lang="de-CH" dirty="0" err="1"/>
+              <a:t>model</a:t>
+            </a:r>
+            <a:r>
+              <a:rPr lang="de-CH" dirty="0"/>
+              <a:t> (</a:t>
+            </a:r>
+            <a:r>
+              <a:rPr lang="de-CH" dirty="0" err="1"/>
+              <a:t>Wikineural</a:t>
+            </a:r>
+            <a:r>
+              <a:rPr lang="de-CH" dirty="0"/>
+              <a:t> </a:t>
+            </a:r>
+            <a:r>
+              <a:rPr lang="de-CH" dirty="0" err="1"/>
+              <a:t>from</a:t>
+            </a:r>
+            <a:r>
+              <a:rPr lang="de-CH" dirty="0"/>
+              <a:t> </a:t>
+            </a:r>
+            <a:r>
+              <a:rPr lang="de-CH" dirty="0" err="1"/>
+              <a:t>Babelscape</a:t>
+            </a:r>
+            <a:r>
+              <a:rPr lang="de-CH" dirty="0"/>
+              <a:t>), </a:t>
+            </a:r>
+            <a:r>
+              <a:rPr lang="de-CH" dirty="0" err="1"/>
+              <a:t>map</a:t>
+            </a:r>
+            <a:r>
+              <a:rPr lang="de-CH" dirty="0"/>
+              <a:t> </a:t>
+            </a:r>
+            <a:r>
+              <a:rPr lang="de-CH" dirty="0" err="1"/>
+              <a:t>string</a:t>
+            </a:r>
+            <a:r>
+              <a:rPr lang="de-CH" dirty="0"/>
+              <a:t> </a:t>
+            </a:r>
+            <a:r>
+              <a:rPr lang="de-CH" dirty="0" err="1"/>
+              <a:t>labels</a:t>
+            </a:r>
+            <a:r>
+              <a:rPr lang="de-CH" dirty="0"/>
+              <a:t> </a:t>
+            </a:r>
+            <a:r>
+              <a:rPr lang="de-CH" dirty="0" err="1"/>
+              <a:t>to</a:t>
+            </a:r>
+            <a:r>
+              <a:rPr lang="de-CH" dirty="0"/>
+              <a:t> </a:t>
+            </a:r>
+            <a:r>
+              <a:rPr lang="de-CH" dirty="0" err="1"/>
+              <a:t>numeric</a:t>
+            </a:r>
+            <a:r>
+              <a:rPr lang="de-CH" dirty="0"/>
+              <a:t> </a:t>
+            </a:r>
+            <a:r>
+              <a:rPr lang="de-CH" dirty="0" err="1"/>
+              <a:t>labels</a:t>
+            </a:r>
+            <a:r>
+              <a:rPr lang="de-CH" dirty="0"/>
+              <a:t> </a:t>
+            </a:r>
+            <a:r>
+              <a:rPr lang="de-CH" dirty="0" err="1"/>
+              <a:t>of</a:t>
+            </a:r>
+            <a:r>
+              <a:rPr lang="de-CH" dirty="0"/>
+              <a:t> </a:t>
+            </a:r>
+            <a:r>
+              <a:rPr lang="de-CH" dirty="0" err="1"/>
+              <a:t>model</a:t>
+            </a:r>
+            <a:r>
+              <a:rPr lang="de-CH" dirty="0"/>
+              <a:t>, </a:t>
+            </a:r>
+            <a:r>
+              <a:rPr lang="de-CH" dirty="0" err="1"/>
+              <a:t>load</a:t>
+            </a:r>
+            <a:r>
+              <a:rPr lang="de-CH" dirty="0"/>
+              <a:t> </a:t>
+            </a:r>
+            <a:r>
+              <a:rPr lang="de-CH" dirty="0" err="1"/>
+              <a:t>train</a:t>
+            </a:r>
+            <a:r>
+              <a:rPr lang="de-CH" dirty="0"/>
+              <a:t>, </a:t>
+            </a:r>
+            <a:r>
+              <a:rPr lang="de-CH" dirty="0" err="1"/>
+              <a:t>test</a:t>
+            </a:r>
+            <a:r>
+              <a:rPr lang="de-CH" dirty="0"/>
+              <a:t> and </a:t>
+            </a:r>
+            <a:r>
+              <a:rPr lang="de-CH" dirty="0" err="1"/>
+              <a:t>validation</a:t>
+            </a:r>
+            <a:r>
+              <a:rPr lang="de-CH" dirty="0"/>
+              <a:t> </a:t>
+            </a:r>
+            <a:r>
+              <a:rPr lang="de-CH" dirty="0" err="1"/>
+              <a:t>split</a:t>
+            </a:r>
+            <a:r>
+              <a:rPr lang="de-CH" dirty="0"/>
+              <a:t>, </a:t>
+            </a:r>
+            <a:r>
+              <a:rPr lang="de-CH" dirty="0" err="1"/>
+              <a:t>create</a:t>
+            </a:r>
+            <a:r>
+              <a:rPr lang="de-CH" dirty="0"/>
+              <a:t> </a:t>
+            </a:r>
+            <a:r>
+              <a:rPr lang="de-CH" dirty="0" err="1"/>
+              <a:t>data</a:t>
+            </a:r>
+            <a:r>
+              <a:rPr lang="de-CH" dirty="0"/>
+              <a:t> </a:t>
+            </a:r>
+            <a:r>
+              <a:rPr lang="de-CH" dirty="0" err="1"/>
+              <a:t>collator</a:t>
+            </a:r>
+            <a:r>
+              <a:rPr lang="de-CH" dirty="0"/>
+              <a:t> (</a:t>
+            </a:r>
+            <a:r>
+              <a:rPr lang="en-US" dirty="0"/>
+              <a:t>helps us to format and pad the batches), create trainer, train, save fine tuned model</a:t>
+            </a:r>
+          </a:p>
+          <a:p>
+            <a:r>
+              <a:rPr lang="en-US" dirty="0"/>
+              <a:t>- Tendency to overfitting</a:t>
+            </a:r>
+          </a:p>
+          <a:p>
+            <a:r>
+              <a:rPr lang="en-US" dirty="0"/>
+              <a:t>Training loss: the smaller the better, 0 would be ideal</a:t>
+            </a:r>
+          </a:p>
+          <a:p>
+            <a:r>
+              <a:rPr lang="en-US" dirty="0"/>
+              <a:t>Validation loss: the smaller the better, 0 would be ideal</a:t>
+            </a:r>
           </a:p>
         </p:txBody>
       </p:sp>
@@ -1317,6 +1716,80 @@
             </a:r>
           </a:p>
           <a:p>
+            <a:r>
+              <a:rPr lang="de-CH" dirty="0" err="1"/>
+              <a:t>For</a:t>
+            </a:r>
+            <a:r>
+              <a:rPr lang="de-CH" dirty="0"/>
+              <a:t> </a:t>
+            </a:r>
+            <a:r>
+              <a:rPr lang="de-CH" dirty="0" err="1"/>
+              <a:t>the</a:t>
+            </a:r>
+            <a:r>
+              <a:rPr lang="de-CH" dirty="0"/>
+              <a:t> </a:t>
+            </a:r>
+            <a:r>
+              <a:rPr lang="de-CH" dirty="0" err="1"/>
+              <a:t>evaluation</a:t>
+            </a:r>
+            <a:r>
+              <a:rPr lang="de-CH" dirty="0"/>
+              <a:t> </a:t>
+            </a:r>
+            <a:r>
+              <a:rPr lang="de-CH" dirty="0" err="1"/>
+              <a:t>we</a:t>
+            </a:r>
+            <a:r>
+              <a:rPr lang="de-CH" dirty="0"/>
+              <a:t> </a:t>
+            </a:r>
+            <a:r>
+              <a:rPr lang="de-CH" dirty="0" err="1"/>
+              <a:t>used</a:t>
+            </a:r>
+            <a:r>
+              <a:rPr lang="de-CH" dirty="0"/>
+              <a:t> </a:t>
+            </a:r>
+            <a:r>
+              <a:rPr lang="de-CH" dirty="0" err="1"/>
+              <a:t>the</a:t>
+            </a:r>
+            <a:r>
+              <a:rPr lang="de-CH" dirty="0"/>
+              <a:t> </a:t>
+            </a:r>
+            <a:r>
+              <a:rPr lang="de-CH" dirty="0" err="1"/>
+              <a:t>python</a:t>
+            </a:r>
+            <a:r>
+              <a:rPr lang="de-CH" dirty="0"/>
+              <a:t> </a:t>
+            </a:r>
+            <a:r>
+              <a:rPr lang="de-CH" dirty="0" err="1"/>
+              <a:t>library</a:t>
+            </a:r>
+            <a:r>
+              <a:rPr lang="de-CH" dirty="0"/>
+              <a:t> </a:t>
+            </a:r>
+            <a:r>
+              <a:rPr lang="de-CH" dirty="0" err="1"/>
+              <a:t>seqeval</a:t>
+            </a:r>
+            <a:r>
+              <a:rPr lang="de-CH" dirty="0"/>
+              <a:t>. </a:t>
+            </a:r>
+          </a:p>
+          <a:p>
             <a:pPr marL="0" marR="0" lvl="0" indent="0" algn="l" defTabSz="914400" rtl="0" eaLnBrk="1" fontAlgn="auto" latinLnBrk="0" hangingPunct="1">
               <a:lnSpc>
                 <a:spcPct val="100000"/>
@@ -1346,7 +1819,7 @@
                 <a:effectLst/>
                 <a:latin typeface="__fkGroteskNeue_598ab8"/>
               </a:rPr>
-              <a:t> answers the question: "Out of all the positive predictions we made, how many were true?"</a:t>
+              <a:t> answers the question: "Out of all the positive predictions we made, how many were true? (e.g. LOC: 22% of predicted LOC labels were correct)</a:t>
             </a:r>
             <a:endParaRPr lang="en-US" b="0" i="0" u="none" strike="noStrike" dirty="0">
               <a:effectLst/>
@@ -1384,7 +1857,7 @@
                 <a:effectLst/>
                 <a:latin typeface="__fkGroteskNeue_598ab8"/>
               </a:rPr>
-              <a:t> answers the question: "Out of all the data points that should be predicted as true, how many did we correctly predict as true?"</a:t>
+              <a:t> answers the question: "Out of all the data points that should be predicted as true, how many did we correctly predict as true?“ (e.g. LOC: 25% of actual LOC labels were correctly identified)</a:t>
             </a:r>
             <a:endParaRPr lang="en-US" b="0" i="0" u="none" strike="noStrike" dirty="0">
               <a:effectLst/>
@@ -1428,8 +1901,109 @@
                 <a:effectLst/>
                 <a:latin typeface="__fkGroteskNeue_598ab8"/>
               </a:rPr>
-              <a:t>is a single metric that combines precision and recall, providing a balanced measure of a model's performance</a:t>
-            </a:r>
+              <a:t>is a single metric that combines precision and recall, providing a balanced measure of a model's performance (our model is below average)</a:t>
+            </a:r>
+          </a:p>
+          <a:p>
+            <a:pPr marL="0" marR="0" lvl="0" indent="0" algn="l" defTabSz="914400" rtl="0" eaLnBrk="1" fontAlgn="auto" latinLnBrk="0" hangingPunct="1">
+              <a:lnSpc>
+                <a:spcPct val="100000"/>
+              </a:lnSpc>
+              <a:spcBef>
+                <a:spcPts val="0"/>
+              </a:spcBef>
+              <a:spcAft>
+                <a:spcPts val="0"/>
+              </a:spcAft>
+              <a:buClrTx/>
+              <a:buSzTx/>
+              <a:buFontTx/>
+              <a:buNone/>
+              <a:tabLst/>
+              <a:defRPr/>
+            </a:pPr>
+            <a:r>
+              <a:rPr lang="en-US" b="1" i="0" dirty="0">
+                <a:effectLst/>
+                <a:latin typeface="__fkGroteskNeue_598ab8"/>
+              </a:rPr>
+              <a:t>Support</a:t>
+            </a:r>
+            <a:r>
+              <a:rPr lang="en-US" b="0" i="0" dirty="0">
+                <a:effectLst/>
+                <a:latin typeface="__fkGroteskNeue_598ab8"/>
+              </a:rPr>
+              <a:t>: e.g. LOC: there were 5237 LOC entities in the dataset</a:t>
+            </a:r>
+          </a:p>
+          <a:p>
+            <a:pPr marL="0" marR="0" lvl="0" indent="0" algn="l" defTabSz="914400" rtl="0" eaLnBrk="1" fontAlgn="auto" latinLnBrk="0" hangingPunct="1">
+              <a:lnSpc>
+                <a:spcPct val="100000"/>
+              </a:lnSpc>
+              <a:spcBef>
+                <a:spcPts val="0"/>
+              </a:spcBef>
+              <a:spcAft>
+                <a:spcPts val="0"/>
+              </a:spcAft>
+              <a:buClrTx/>
+              <a:buSzTx/>
+              <a:buFontTx/>
+              <a:buNone/>
+              <a:tabLst/>
+              <a:defRPr/>
+            </a:pPr>
+            <a:endParaRPr lang="en-US" b="0" i="0" dirty="0">
+              <a:effectLst/>
+              <a:latin typeface="__fkGroteskNeue_598ab8"/>
+            </a:endParaRPr>
+          </a:p>
+          <a:p>
+            <a:pPr marL="0" marR="0" lvl="0" indent="0" algn="l" defTabSz="914400" rtl="0" eaLnBrk="1" fontAlgn="auto" latinLnBrk="0" hangingPunct="1">
+              <a:lnSpc>
+                <a:spcPct val="100000"/>
+              </a:lnSpc>
+              <a:spcBef>
+                <a:spcPts val="0"/>
+              </a:spcBef>
+              <a:spcAft>
+                <a:spcPts val="0"/>
+              </a:spcAft>
+              <a:buClrTx/>
+              <a:buSzTx/>
+              <a:buFontTx/>
+              <a:buNone/>
+              <a:tabLst/>
+              <a:defRPr/>
+            </a:pPr>
+            <a:r>
+              <a:rPr lang="en-US" b="0" i="0" dirty="0">
+                <a:effectLst/>
+                <a:latin typeface="__fkGroteskNeue_598ab8"/>
+              </a:rPr>
+              <a:t>Accuracy is not so suitable for NER tasks, as it quickly becomes meaningless. For example, there are often many 0 labels and if the model then simply predicts all tokens with 0, it can still achieve a high level of accuracy without recognizing any “real” labels. </a:t>
+            </a:r>
+          </a:p>
+          <a:p>
+            <a:pPr marL="0" marR="0" lvl="0" indent="0" algn="l" defTabSz="914400" rtl="0" eaLnBrk="1" fontAlgn="auto" latinLnBrk="0" hangingPunct="1">
+              <a:lnSpc>
+                <a:spcPct val="100000"/>
+              </a:lnSpc>
+              <a:spcBef>
+                <a:spcPts val="0"/>
+              </a:spcBef>
+              <a:spcAft>
+                <a:spcPts val="0"/>
+              </a:spcAft>
+              <a:buClrTx/>
+              <a:buSzTx/>
+              <a:buFontTx/>
+              <a:buNone/>
+              <a:tabLst/>
+              <a:defRPr/>
+            </a:pPr>
             <a:endParaRPr lang="en-US" b="0" i="0" u="none" strike="noStrike" dirty="0">
               <a:effectLst/>
               <a:latin typeface="var(--font-berkeley-mono)"/>
@@ -1496,7 +2070,7 @@
       </p:grpSpPr>
       <p:sp>
         <p:nvSpPr>
-          <p:cNvPr id="2" name="Slide Image Placeholder 1"/>
+          <p:cNvPr id="2" name="Folienbildplatzhalter 1"/>
           <p:cNvSpPr>
             <a:spLocks noGrp="1" noRot="1" noChangeAspect="1"/>
           </p:cNvSpPr>
@@ -1508,7 +2082,7 @@
       </p:sp>
       <p:sp>
         <p:nvSpPr>
-          <p:cNvPr id="3" name="Notes Placeholder 2"/>
+          <p:cNvPr id="3" name="Notizenplatzhalter 2"/>
           <p:cNvSpPr>
             <a:spLocks noGrp="1"/>
           </p:cNvSpPr>
@@ -1521,46 +2095,293 @@
           <a:bodyPr/>
           <a:lstStyle/>
           <a:p>
-            <a:pPr marL="0" marR="0" lvl="0" indent="0" algn="l" defTabSz="914400" rtl="0" eaLnBrk="1" fontAlgn="auto" latinLnBrk="0" hangingPunct="1">
-              <a:lnSpc>
-                <a:spcPct val="100000"/>
-              </a:lnSpc>
-              <a:spcBef>
-                <a:spcPts val="0"/>
-              </a:spcBef>
-              <a:spcAft>
-                <a:spcPts val="0"/>
-              </a:spcAft>
-              <a:buClrTx/>
-              <a:buSzTx/>
-              <a:buFontTx/>
-              <a:buNone/>
-              <a:tabLst/>
-              <a:defRPr/>
-            </a:pPr>
-            <a:r>
-              <a:rPr lang="de-CH" dirty="0"/>
-              <a:t>The </a:t>
-            </a:r>
-            <a:r>
-              <a:rPr lang="de-CH" dirty="0" err="1"/>
-              <a:t>results</a:t>
-            </a:r>
-            <a:r>
-              <a:rPr lang="de-CH" dirty="0"/>
-              <a:t> </a:t>
-            </a:r>
-            <a:r>
-              <a:rPr lang="de-CH" dirty="0" err="1"/>
-              <a:t>are</a:t>
-            </a:r>
-            <a:r>
-              <a:rPr lang="de-CH" dirty="0"/>
-              <a:t> </a:t>
-            </a:r>
-            <a:r>
-              <a:rPr lang="de-CH" dirty="0" err="1"/>
-              <a:t>pretty</a:t>
+            <a:r>
+              <a:rPr lang="de-CH" dirty="0"/>
+              <a:t>As </a:t>
+            </a:r>
+            <a:r>
+              <a:rPr lang="de-CH" dirty="0" err="1"/>
+              <a:t>you</a:t>
+            </a:r>
+            <a:r>
+              <a:rPr lang="de-CH" dirty="0"/>
+              <a:t> </a:t>
+            </a:r>
+            <a:r>
+              <a:rPr lang="de-CH" dirty="0" err="1"/>
+              <a:t>can</a:t>
+            </a:r>
+            <a:r>
+              <a:rPr lang="de-CH" dirty="0"/>
+              <a:t> </a:t>
+            </a:r>
+            <a:r>
+              <a:rPr lang="de-CH" dirty="0" err="1"/>
+              <a:t>see</a:t>
+            </a:r>
+            <a:r>
+              <a:rPr lang="de-CH" dirty="0"/>
+              <a:t> </a:t>
+            </a:r>
+            <a:r>
+              <a:rPr lang="de-CH" dirty="0" err="1"/>
+              <a:t>the</a:t>
+            </a:r>
+            <a:r>
+              <a:rPr lang="de-CH" dirty="0"/>
+              <a:t> </a:t>
+            </a:r>
+            <a:r>
+              <a:rPr lang="de-CH" dirty="0" err="1"/>
+              <a:t>model</a:t>
+            </a:r>
+            <a:r>
+              <a:rPr lang="de-CH" dirty="0"/>
+              <a:t> </a:t>
+            </a:r>
+            <a:r>
+              <a:rPr lang="de-CH" dirty="0" err="1"/>
+              <a:t>performed</a:t>
+            </a:r>
+            <a:r>
+              <a:rPr lang="de-CH" dirty="0"/>
+              <a:t> </a:t>
+            </a:r>
+            <a:r>
+              <a:rPr lang="de-CH" dirty="0" err="1"/>
+              <a:t>even</a:t>
+            </a:r>
+            <a:r>
+              <a:rPr lang="de-CH" dirty="0"/>
+              <a:t> </a:t>
+            </a:r>
+            <a:r>
+              <a:rPr lang="de-CH" dirty="0" err="1"/>
+              <a:t>worse</a:t>
+            </a:r>
+            <a:r>
+              <a:rPr lang="de-CH" dirty="0"/>
+              <a:t> in French and </a:t>
+            </a:r>
+            <a:r>
+              <a:rPr lang="de-CH" dirty="0" err="1"/>
+              <a:t>Italian</a:t>
+            </a:r>
+            <a:r>
+              <a:rPr lang="de-CH" dirty="0"/>
+              <a:t>, </a:t>
+            </a:r>
+            <a:r>
+              <a:rPr lang="de-CH" dirty="0" err="1"/>
+              <a:t>which</a:t>
+            </a:r>
+            <a:r>
+              <a:rPr lang="de-CH" dirty="0"/>
+              <a:t> </a:t>
+            </a:r>
+            <a:r>
+              <a:rPr lang="de-CH" dirty="0" err="1"/>
+              <a:t>is</a:t>
+            </a:r>
+            <a:r>
+              <a:rPr lang="de-CH" dirty="0"/>
+              <a:t> not </a:t>
+            </a:r>
+            <a:r>
+              <a:rPr lang="de-CH" dirty="0" err="1"/>
+              <a:t>surprising</a:t>
+            </a:r>
+            <a:r>
+              <a:rPr lang="de-CH" dirty="0"/>
+              <a:t> </a:t>
+            </a:r>
+            <a:r>
+              <a:rPr lang="de-CH" dirty="0" err="1"/>
+              <a:t>since</a:t>
+            </a:r>
+            <a:r>
+              <a:rPr lang="de-CH" dirty="0"/>
+              <a:t> </a:t>
+            </a:r>
+            <a:r>
+              <a:rPr lang="de-CH" dirty="0" err="1"/>
+              <a:t>we</a:t>
+            </a:r>
+            <a:r>
+              <a:rPr lang="de-CH" dirty="0"/>
+              <a:t> </a:t>
+            </a:r>
+            <a:r>
+              <a:rPr lang="de-CH" dirty="0" err="1"/>
+              <a:t>did</a:t>
+            </a:r>
+            <a:r>
+              <a:rPr lang="de-CH" dirty="0"/>
+              <a:t> a </a:t>
+            </a:r>
+            <a:r>
+              <a:rPr lang="de-CH" dirty="0" err="1"/>
+              <a:t>zero</a:t>
+            </a:r>
+            <a:r>
+              <a:rPr lang="de-CH" dirty="0"/>
+              <a:t> </a:t>
+            </a:r>
+            <a:r>
+              <a:rPr lang="de-CH" dirty="0" err="1"/>
+              <a:t>shot</a:t>
+            </a:r>
+            <a:r>
+              <a:rPr lang="de-CH" dirty="0"/>
+              <a:t> </a:t>
+            </a:r>
+            <a:r>
+              <a:rPr lang="de-CH" dirty="0" err="1"/>
+              <a:t>cross</a:t>
+            </a:r>
+            <a:r>
+              <a:rPr lang="de-CH" dirty="0"/>
+              <a:t> </a:t>
+            </a:r>
+            <a:r>
+              <a:rPr lang="de-CH" dirty="0" err="1"/>
+              <a:t>lingual</a:t>
+            </a:r>
+            <a:r>
+              <a:rPr lang="de-CH" dirty="0"/>
+              <a:t> </a:t>
+            </a:r>
+            <a:r>
+              <a:rPr lang="de-CH" dirty="0" err="1"/>
+              <a:t>transfer</a:t>
+            </a:r>
+            <a:r>
+              <a:rPr lang="de-CH" dirty="0"/>
+              <a:t> (</a:t>
+            </a:r>
+            <a:r>
+              <a:rPr lang="de-CH" dirty="0" err="1"/>
+              <a:t>which</a:t>
+            </a:r>
+            <a:r>
+              <a:rPr lang="de-CH" dirty="0"/>
+              <a:t> </a:t>
+            </a:r>
+            <a:r>
+              <a:rPr lang="de-CH" dirty="0" err="1"/>
+              <a:t>means</a:t>
+            </a:r>
+            <a:r>
+              <a:rPr lang="de-CH" dirty="0"/>
+              <a:t> </a:t>
+            </a:r>
+            <a:r>
+              <a:rPr lang="de-CH" dirty="0" err="1"/>
+              <a:t>we</a:t>
+            </a:r>
+            <a:r>
+              <a:rPr lang="de-CH" dirty="0"/>
+              <a:t> </a:t>
+            </a:r>
+            <a:r>
+              <a:rPr lang="de-CH" dirty="0" err="1"/>
+              <a:t>only</a:t>
+            </a:r>
+            <a:r>
+              <a:rPr lang="de-CH" dirty="0"/>
+              <a:t> </a:t>
+            </a:r>
+            <a:r>
+              <a:rPr lang="de-CH" dirty="0" err="1"/>
+              <a:t>trained</a:t>
+            </a:r>
+            <a:r>
+              <a:rPr lang="de-CH" dirty="0"/>
+              <a:t> </a:t>
+            </a:r>
+            <a:r>
+              <a:rPr lang="de-CH" dirty="0" err="1"/>
+              <a:t>the</a:t>
+            </a:r>
+            <a:r>
+              <a:rPr lang="de-CH" dirty="0"/>
+              <a:t> </a:t>
+            </a:r>
+            <a:r>
+              <a:rPr lang="de-CH" dirty="0" err="1"/>
+              <a:t>model</a:t>
+            </a:r>
+            <a:r>
+              <a:rPr lang="de-CH" dirty="0"/>
+              <a:t> in English and </a:t>
+            </a:r>
+            <a:r>
+              <a:rPr lang="de-CH" dirty="0" err="1"/>
+              <a:t>then</a:t>
+            </a:r>
+            <a:r>
+              <a:rPr lang="de-CH" dirty="0"/>
+              <a:t> </a:t>
+            </a:r>
+            <a:r>
+              <a:rPr lang="de-CH" dirty="0" err="1"/>
+              <a:t>applied</a:t>
+            </a:r>
+            <a:r>
+              <a:rPr lang="de-CH" dirty="0"/>
+              <a:t> </a:t>
+            </a:r>
+            <a:r>
+              <a:rPr lang="de-CH" dirty="0" err="1"/>
+              <a:t>it</a:t>
+            </a:r>
+            <a:r>
+              <a:rPr lang="de-CH" dirty="0"/>
+              <a:t> </a:t>
+            </a:r>
+            <a:r>
+              <a:rPr lang="de-CH" dirty="0" err="1"/>
+              <a:t>to</a:t>
+            </a:r>
+            <a:r>
+              <a:rPr lang="de-CH" dirty="0"/>
+              <a:t> </a:t>
+            </a:r>
+            <a:r>
+              <a:rPr lang="de-CH" dirty="0" err="1"/>
+              <a:t>other</a:t>
+            </a:r>
+            <a:r>
+              <a:rPr lang="de-CH" dirty="0"/>
+              <a:t> </a:t>
+            </a:r>
+            <a:r>
+              <a:rPr lang="de-CH" dirty="0" err="1"/>
+              <a:t>languages</a:t>
+            </a:r>
+            <a:r>
+              <a:rPr lang="de-CH" dirty="0"/>
+              <a:t>). </a:t>
+            </a:r>
+            <a:r>
+              <a:rPr lang="de-CH" dirty="0" err="1"/>
+              <a:t>It</a:t>
+            </a:r>
+            <a:r>
+              <a:rPr lang="de-CH" dirty="0"/>
+              <a:t> </a:t>
+            </a:r>
+            <a:r>
+              <a:rPr lang="de-CH" dirty="0" err="1"/>
+              <a:t>performs</a:t>
+            </a:r>
+            <a:r>
+              <a:rPr lang="de-CH" dirty="0"/>
+              <a:t> </a:t>
+            </a:r>
+            <a:r>
+              <a:rPr lang="de-CH" dirty="0" err="1"/>
+              <a:t>as</a:t>
             </a:r>
             <a:r>
               <a:rPr lang="de-CH" dirty="0"/>
@@ -1572,83 +2393,147 @@
             </a:r>
             <a:r>
               <a:rPr lang="de-CH" dirty="0"/>
-              <a:t>. </a:t>
-            </a:r>
-            <a:r>
-              <a:rPr lang="de-CH" dirty="0" err="1"/>
-              <a:t>We</a:t>
-            </a:r>
-            <a:r>
-              <a:rPr lang="de-CH" dirty="0"/>
-              <a:t> </a:t>
-            </a:r>
-            <a:r>
-              <a:rPr lang="de-CH" dirty="0" err="1"/>
-              <a:t>tested</a:t>
-            </a:r>
-            <a:r>
-              <a:rPr lang="de-CH" dirty="0"/>
-              <a:t> </a:t>
-            </a:r>
-            <a:r>
-              <a:rPr lang="de-CH" dirty="0" err="1"/>
-              <a:t>the</a:t>
-            </a:r>
-            <a:r>
-              <a:rPr lang="de-CH" dirty="0"/>
-              <a:t> </a:t>
-            </a:r>
-            <a:r>
-              <a:rPr lang="de-CH" dirty="0" err="1"/>
-              <a:t>model</a:t>
-            </a:r>
-            <a:r>
-              <a:rPr lang="de-CH" dirty="0"/>
-              <a:t> </a:t>
-            </a:r>
-            <a:r>
-              <a:rPr lang="de-CH" dirty="0" err="1"/>
-              <a:t>with</a:t>
-            </a:r>
-            <a:r>
-              <a:rPr lang="de-CH" dirty="0"/>
-              <a:t> </a:t>
-            </a:r>
-            <a:r>
-              <a:rPr lang="de-CH" dirty="0" err="1"/>
-              <a:t>sentences</a:t>
-            </a:r>
-            <a:r>
-              <a:rPr lang="de-CH" dirty="0"/>
-              <a:t> and </a:t>
-            </a:r>
-            <a:r>
-              <a:rPr lang="de-CH" dirty="0" err="1"/>
-              <a:t>realized</a:t>
-            </a:r>
-            <a:r>
-              <a:rPr lang="de-CH" dirty="0"/>
-              <a:t> </a:t>
-            </a:r>
-            <a:r>
-              <a:rPr lang="de-CH" dirty="0" err="1"/>
-              <a:t>that</a:t>
-            </a:r>
-            <a:r>
-              <a:rPr lang="de-CH" dirty="0"/>
-              <a:t> </a:t>
-            </a:r>
-            <a:r>
-              <a:rPr lang="de-CH" dirty="0" err="1"/>
-              <a:t>the</a:t>
-            </a:r>
-            <a:r>
-              <a:rPr lang="de-CH" dirty="0"/>
-              <a:t> </a:t>
-            </a:r>
-            <a:r>
-              <a:rPr lang="de-CH" dirty="0" err="1"/>
-              <a:t>labels</a:t>
+              <a:t> in German </a:t>
+            </a:r>
+            <a:r>
+              <a:rPr lang="de-CH" dirty="0" err="1"/>
+              <a:t>as</a:t>
+            </a:r>
+            <a:r>
+              <a:rPr lang="de-CH" dirty="0"/>
+              <a:t> </a:t>
+            </a:r>
+            <a:r>
+              <a:rPr lang="de-CH" dirty="0" err="1"/>
+              <a:t>it</a:t>
+            </a:r>
+            <a:r>
+              <a:rPr lang="de-CH" dirty="0"/>
+              <a:t> </a:t>
+            </a:r>
+            <a:r>
+              <a:rPr lang="de-CH" dirty="0" err="1"/>
+              <a:t>does</a:t>
+            </a:r>
+            <a:r>
+              <a:rPr lang="de-CH" dirty="0"/>
+              <a:t> in English, </a:t>
+            </a:r>
+            <a:r>
+              <a:rPr lang="de-CH" dirty="0" err="1"/>
+              <a:t>which</a:t>
+            </a:r>
+            <a:r>
+              <a:rPr lang="de-CH" dirty="0"/>
+              <a:t> </a:t>
+            </a:r>
+            <a:r>
+              <a:rPr lang="de-CH" dirty="0" err="1"/>
+              <a:t>is</a:t>
+            </a:r>
+            <a:r>
+              <a:rPr lang="de-CH" dirty="0"/>
+              <a:t> a </a:t>
+            </a:r>
+            <a:r>
+              <a:rPr lang="de-CH" dirty="0" err="1"/>
+              <a:t>little</a:t>
+            </a:r>
+            <a:r>
+              <a:rPr lang="de-CH" dirty="0"/>
+              <a:t> </a:t>
+            </a:r>
+            <a:r>
+              <a:rPr lang="de-CH" dirty="0" err="1"/>
+              <a:t>better</a:t>
+            </a:r>
+            <a:r>
+              <a:rPr lang="de-CH" dirty="0"/>
+              <a:t> </a:t>
+            </a:r>
+            <a:r>
+              <a:rPr lang="de-CH" dirty="0" err="1"/>
+              <a:t>than</a:t>
+            </a:r>
+            <a:r>
+              <a:rPr lang="de-CH" dirty="0"/>
+              <a:t> in French and </a:t>
+            </a:r>
+            <a:r>
+              <a:rPr lang="de-CH" dirty="0" err="1"/>
+              <a:t>Italian</a:t>
+            </a:r>
+            <a:r>
+              <a:rPr lang="de-CH" dirty="0"/>
+              <a:t>. This </a:t>
+            </a:r>
+            <a:r>
+              <a:rPr lang="de-CH" dirty="0" err="1"/>
+              <a:t>could</a:t>
+            </a:r>
+            <a:r>
+              <a:rPr lang="de-CH" dirty="0"/>
+              <a:t> </a:t>
+            </a:r>
+            <a:r>
+              <a:rPr lang="de-CH" dirty="0" err="1"/>
+              <a:t>be</a:t>
+            </a:r>
+            <a:r>
+              <a:rPr lang="de-CH" dirty="0"/>
+              <a:t> </a:t>
+            </a:r>
+            <a:r>
+              <a:rPr lang="de-CH" dirty="0" err="1"/>
+              <a:t>because</a:t>
+            </a:r>
+            <a:r>
+              <a:rPr lang="de-CH" dirty="0"/>
+              <a:t> French and </a:t>
+            </a:r>
+            <a:r>
+              <a:rPr lang="de-CH" dirty="0" err="1"/>
+              <a:t>Italian</a:t>
+            </a:r>
+            <a:r>
+              <a:rPr lang="de-CH" dirty="0"/>
+              <a:t> </a:t>
+            </a:r>
+            <a:r>
+              <a:rPr lang="de-CH" dirty="0" err="1"/>
+              <a:t>both</a:t>
+            </a:r>
+            <a:r>
+              <a:rPr lang="de-CH" dirty="0"/>
+              <a:t> </a:t>
+            </a:r>
+            <a:r>
+              <a:rPr lang="de-CH" dirty="0" err="1"/>
+              <a:t>belong</a:t>
+            </a:r>
+            <a:r>
+              <a:rPr lang="de-CH" dirty="0"/>
+              <a:t> </a:t>
+            </a:r>
+            <a:r>
+              <a:rPr lang="de-CH" dirty="0" err="1"/>
+              <a:t>to</a:t>
+            </a:r>
+            <a:r>
+              <a:rPr lang="de-CH" dirty="0"/>
+              <a:t> </a:t>
+            </a:r>
+            <a:r>
+              <a:rPr lang="de-CH" dirty="0" err="1"/>
+              <a:t>another</a:t>
+            </a:r>
+            <a:r>
+              <a:rPr lang="de-CH" dirty="0"/>
+              <a:t> </a:t>
+            </a:r>
+            <a:r>
+              <a:rPr lang="de-CH" dirty="0" err="1"/>
+              <a:t>family</a:t>
             </a:r>
             <a:r>
               <a:rPr lang="de-CH" dirty="0"/>
@@ -1664,210 +2549,26 @@
             </a:r>
             <a:r>
               <a:rPr lang="de-CH" dirty="0" err="1"/>
-              <a:t>the</a:t>
-            </a:r>
-            <a:r>
-              <a:rPr lang="de-CH" dirty="0"/>
-              <a:t> </a:t>
-            </a:r>
-            <a:r>
-              <a:rPr lang="de-CH" dirty="0" err="1"/>
-              <a:t>persons</a:t>
-            </a:r>
-            <a:r>
-              <a:rPr lang="de-CH" dirty="0"/>
-              <a:t> </a:t>
-            </a:r>
-            <a:r>
-              <a:rPr lang="de-CH" dirty="0" err="1"/>
-              <a:t>weren’t</a:t>
-            </a:r>
-            <a:r>
-              <a:rPr lang="de-CH" dirty="0"/>
-              <a:t> </a:t>
-            </a:r>
-            <a:r>
-              <a:rPr lang="de-CH" dirty="0" err="1"/>
-              <a:t>recognized</a:t>
-            </a:r>
-            <a:r>
-              <a:rPr lang="de-CH" dirty="0"/>
-              <a:t> </a:t>
-            </a:r>
-            <a:r>
-              <a:rPr lang="de-CH" dirty="0" err="1"/>
-              <a:t>correctly</a:t>
-            </a:r>
-            <a:r>
-              <a:rPr lang="de-CH" dirty="0"/>
-              <a:t>.</a:t>
-            </a:r>
-          </a:p>
-          <a:p>
-            <a:endParaRPr lang="en-US" dirty="0"/>
-          </a:p>
-          <a:p>
-            <a:r>
-              <a:rPr lang="en-US" dirty="0" err="1"/>
-              <a:t>label_map</a:t>
-            </a:r>
-            <a:r>
-              <a:rPr lang="en-US" dirty="0"/>
-              <a:t> </a:t>
-            </a:r>
-            <a:r>
-              <a:rPr lang="en-US" b="1" dirty="0">
-                <a:effectLst/>
-              </a:rPr>
-              <a:t>=</a:t>
-            </a:r>
-            <a:r>
-              <a:rPr lang="en-US" dirty="0"/>
-              <a:t> </a:t>
-            </a:r>
-            <a:r>
-              <a:rPr lang="en-US" dirty="0">
-                <a:effectLst/>
-              </a:rPr>
-              <a:t>{0:</a:t>
-            </a:r>
-            <a:r>
-              <a:rPr lang="en-US" dirty="0"/>
-              <a:t> </a:t>
-            </a:r>
-            <a:r>
-              <a:rPr lang="en-US" dirty="0">
-                <a:effectLst/>
-              </a:rPr>
-              <a:t>'O',</a:t>
-            </a:r>
-            <a:r>
-              <a:rPr lang="en-US" dirty="0"/>
-              <a:t> </a:t>
-            </a:r>
-            <a:r>
-              <a:rPr lang="en-US" dirty="0">
-                <a:effectLst/>
-              </a:rPr>
-              <a:t>1:</a:t>
-            </a:r>
-            <a:r>
-              <a:rPr lang="en-US" dirty="0"/>
-              <a:t> </a:t>
-            </a:r>
-            <a:r>
-              <a:rPr lang="en-US" dirty="0">
-                <a:effectLst/>
-              </a:rPr>
-              <a:t>'B-PER',</a:t>
-            </a:r>
-            <a:r>
-              <a:rPr lang="en-US" dirty="0"/>
-              <a:t> </a:t>
-            </a:r>
-            <a:r>
-              <a:rPr lang="en-US" dirty="0">
-                <a:effectLst/>
-              </a:rPr>
-              <a:t>2:</a:t>
-            </a:r>
-            <a:r>
-              <a:rPr lang="en-US" dirty="0"/>
-              <a:t> </a:t>
-            </a:r>
-            <a:r>
-              <a:rPr lang="en-US" dirty="0">
-                <a:effectLst/>
-              </a:rPr>
-              <a:t>'I-PER',</a:t>
-            </a:r>
-            <a:r>
-              <a:rPr lang="en-US" dirty="0"/>
-              <a:t> </a:t>
-            </a:r>
-            <a:r>
-              <a:rPr lang="en-US" dirty="0">
-                <a:effectLst/>
-              </a:rPr>
-              <a:t>3:</a:t>
-            </a:r>
-            <a:r>
-              <a:rPr lang="en-US" dirty="0"/>
-              <a:t> </a:t>
-            </a:r>
-            <a:r>
-              <a:rPr lang="en-US" dirty="0">
-                <a:effectLst/>
-              </a:rPr>
-              <a:t>'B-ORG',</a:t>
-            </a:r>
-            <a:r>
-              <a:rPr lang="en-US" dirty="0"/>
-              <a:t> </a:t>
-            </a:r>
-            <a:r>
-              <a:rPr lang="en-US" dirty="0">
-                <a:effectLst/>
-              </a:rPr>
-              <a:t>4:</a:t>
-            </a:r>
-            <a:r>
-              <a:rPr lang="en-US" dirty="0"/>
-              <a:t> </a:t>
-            </a:r>
-            <a:r>
-              <a:rPr lang="en-US" dirty="0">
-                <a:effectLst/>
-              </a:rPr>
-              <a:t>'I-ORG',</a:t>
-            </a:r>
-            <a:r>
-              <a:rPr lang="en-US" dirty="0"/>
-              <a:t> </a:t>
-            </a:r>
-            <a:r>
-              <a:rPr lang="en-US" dirty="0">
-                <a:effectLst/>
-              </a:rPr>
-              <a:t>5:</a:t>
-            </a:r>
-            <a:r>
-              <a:rPr lang="en-US" dirty="0"/>
-              <a:t> </a:t>
-            </a:r>
-            <a:r>
-              <a:rPr lang="en-US" dirty="0">
-                <a:effectLst/>
-              </a:rPr>
-              <a:t>'B-LOC',</a:t>
-            </a:r>
-            <a:r>
-              <a:rPr lang="en-US" dirty="0"/>
-              <a:t> </a:t>
-            </a:r>
-            <a:r>
-              <a:rPr lang="en-US" dirty="0">
-                <a:effectLst/>
-              </a:rPr>
-              <a:t>6:</a:t>
-            </a:r>
-            <a:r>
-              <a:rPr lang="en-US" dirty="0"/>
-              <a:t> </a:t>
-            </a:r>
-            <a:r>
-              <a:rPr lang="en-US" dirty="0">
-                <a:effectLst/>
-              </a:rPr>
-              <a:t>'I-LOC'}</a:t>
-            </a:r>
-            <a:endParaRPr lang="en-US" dirty="0"/>
-          </a:p>
-        </p:txBody>
-      </p:sp>
-      <p:sp>
-        <p:nvSpPr>
-          <p:cNvPr id="4" name="Slide Number Placeholder 3"/>
+              <a:t>languages</a:t>
+            </a:r>
+            <a:r>
+              <a:rPr lang="de-CH" dirty="0"/>
+              <a:t> </a:t>
+            </a:r>
+            <a:r>
+              <a:rPr lang="de-CH" dirty="0" err="1"/>
+              <a:t>than</a:t>
+            </a:r>
+            <a:r>
+              <a:rPr lang="de-CH" dirty="0"/>
+              <a:t> German and English. </a:t>
+            </a:r>
+          </a:p>
+        </p:txBody>
+      </p:sp>
+      <p:sp>
+        <p:nvSpPr>
+          <p:cNvPr id="4" name="Foliennummernplatzhalter 3"/>
           <p:cNvSpPr>
             <a:spLocks noGrp="1"/>
           </p:cNvSpPr>
@@ -1882,7 +2583,7 @@
           <a:p>
             <a:fld id="{2DA66685-3D22-47BB-B74E-10995D7F8271}" type="slidenum">
               <a:rPr lang="en-US" smtClean="0"/>
-              <a:t>22</a:t>
+              <a:t>21</a:t>
             </a:fld>
             <a:endParaRPr lang="en-US"/>
           </a:p>
@@ -1891,7 +2592,7 @@
     </p:spTree>
     <p:extLst>
       <p:ext uri="{BB962C8B-B14F-4D97-AF65-F5344CB8AC3E}">
-        <p14:creationId xmlns:p14="http://schemas.microsoft.com/office/powerpoint/2010/main" val="4154047419"/>
+        <p14:creationId xmlns:p14="http://schemas.microsoft.com/office/powerpoint/2010/main" val="4040372577"/>
       </p:ext>
     </p:extLst>
   </p:cSld>
@@ -1945,76 +2646,346 @@
           <a:bodyPr/>
           <a:lstStyle/>
           <a:p>
+            <a:pPr marL="0" marR="0" lvl="0" indent="0" algn="l" defTabSz="914400" rtl="0" eaLnBrk="1" fontAlgn="auto" latinLnBrk="0" hangingPunct="1">
+              <a:lnSpc>
+                <a:spcPct val="100000"/>
+              </a:lnSpc>
+              <a:spcBef>
+                <a:spcPts val="0"/>
+              </a:spcBef>
+              <a:spcAft>
+                <a:spcPts val="0"/>
+              </a:spcAft>
+              <a:buClrTx/>
+              <a:buSzTx/>
+              <a:buFontTx/>
+              <a:buNone/>
+              <a:tabLst/>
+              <a:defRPr/>
+            </a:pPr>
+            <a:r>
+              <a:rPr lang="de-CH" dirty="0"/>
+              <a:t>The </a:t>
+            </a:r>
+            <a:r>
+              <a:rPr lang="de-CH" dirty="0" err="1"/>
+              <a:t>results</a:t>
+            </a:r>
+            <a:r>
+              <a:rPr lang="de-CH" dirty="0"/>
+              <a:t> </a:t>
+            </a:r>
+            <a:r>
+              <a:rPr lang="de-CH" dirty="0" err="1"/>
+              <a:t>are</a:t>
+            </a:r>
+            <a:r>
+              <a:rPr lang="de-CH" dirty="0"/>
+              <a:t> </a:t>
+            </a:r>
+            <a:r>
+              <a:rPr lang="de-CH" dirty="0" err="1"/>
+              <a:t>pretty</a:t>
+            </a:r>
+            <a:r>
+              <a:rPr lang="de-CH" dirty="0"/>
+              <a:t> </a:t>
+            </a:r>
+            <a:r>
+              <a:rPr lang="de-CH" dirty="0" err="1"/>
+              <a:t>bad</a:t>
+            </a:r>
+            <a:r>
+              <a:rPr lang="de-CH" dirty="0"/>
+              <a:t>. </a:t>
+            </a:r>
+            <a:r>
+              <a:rPr lang="de-CH" dirty="0" err="1"/>
+              <a:t>We</a:t>
+            </a:r>
+            <a:r>
+              <a:rPr lang="de-CH" dirty="0"/>
+              <a:t> </a:t>
+            </a:r>
+            <a:r>
+              <a:rPr lang="de-CH" dirty="0" err="1"/>
+              <a:t>tested</a:t>
+            </a:r>
+            <a:r>
+              <a:rPr lang="de-CH" dirty="0"/>
+              <a:t> </a:t>
+            </a:r>
+            <a:r>
+              <a:rPr lang="de-CH" dirty="0" err="1"/>
+              <a:t>the</a:t>
+            </a:r>
+            <a:r>
+              <a:rPr lang="de-CH" dirty="0"/>
+              <a:t> </a:t>
+            </a:r>
+            <a:r>
+              <a:rPr lang="de-CH" dirty="0" err="1"/>
+              <a:t>model</a:t>
+            </a:r>
+            <a:r>
+              <a:rPr lang="de-CH" dirty="0"/>
+              <a:t> </a:t>
+            </a:r>
+            <a:r>
+              <a:rPr lang="de-CH" dirty="0" err="1"/>
+              <a:t>with</a:t>
+            </a:r>
+            <a:r>
+              <a:rPr lang="de-CH" dirty="0"/>
+              <a:t> </a:t>
+            </a:r>
+            <a:r>
+              <a:rPr lang="de-CH" dirty="0" err="1"/>
+              <a:t>sentences</a:t>
+            </a:r>
+            <a:r>
+              <a:rPr lang="de-CH" dirty="0"/>
+              <a:t> and </a:t>
+            </a:r>
+            <a:r>
+              <a:rPr lang="de-CH" dirty="0" err="1"/>
+              <a:t>realized</a:t>
+            </a:r>
+            <a:r>
+              <a:rPr lang="de-CH" dirty="0"/>
+              <a:t> </a:t>
+            </a:r>
+            <a:r>
+              <a:rPr lang="de-CH" dirty="0" err="1"/>
+              <a:t>that</a:t>
+            </a:r>
+            <a:r>
+              <a:rPr lang="de-CH" dirty="0"/>
+              <a:t> </a:t>
+            </a:r>
+            <a:r>
+              <a:rPr lang="de-CH" dirty="0" err="1"/>
+              <a:t>the</a:t>
+            </a:r>
+            <a:r>
+              <a:rPr lang="de-CH" dirty="0"/>
+              <a:t> </a:t>
+            </a:r>
+            <a:r>
+              <a:rPr lang="de-CH" dirty="0" err="1"/>
+              <a:t>labels</a:t>
+            </a:r>
+            <a:r>
+              <a:rPr lang="de-CH" dirty="0"/>
+              <a:t> </a:t>
+            </a:r>
+            <a:r>
+              <a:rPr lang="de-CH" dirty="0" err="1"/>
+              <a:t>of</a:t>
+            </a:r>
+            <a:r>
+              <a:rPr lang="de-CH" dirty="0"/>
+              <a:t> </a:t>
+            </a:r>
+            <a:r>
+              <a:rPr lang="de-CH" dirty="0" err="1"/>
+              <a:t>the</a:t>
+            </a:r>
+            <a:r>
+              <a:rPr lang="de-CH" dirty="0"/>
+              <a:t> </a:t>
+            </a:r>
+            <a:r>
+              <a:rPr lang="de-CH" dirty="0" err="1"/>
+              <a:t>persons</a:t>
+            </a:r>
+            <a:r>
+              <a:rPr lang="de-CH" dirty="0"/>
+              <a:t> </a:t>
+            </a:r>
+            <a:r>
+              <a:rPr lang="de-CH" dirty="0" err="1"/>
+              <a:t>weren’t</a:t>
+            </a:r>
+            <a:r>
+              <a:rPr lang="de-CH" dirty="0"/>
+              <a:t> </a:t>
+            </a:r>
+            <a:r>
+              <a:rPr lang="de-CH" dirty="0" err="1"/>
+              <a:t>recognized</a:t>
+            </a:r>
+            <a:r>
+              <a:rPr lang="de-CH" dirty="0"/>
+              <a:t> </a:t>
+            </a:r>
+            <a:r>
+              <a:rPr lang="de-CH" dirty="0" err="1"/>
+              <a:t>correctly</a:t>
+            </a:r>
+            <a:r>
+              <a:rPr lang="de-CH" dirty="0"/>
+              <a:t>.</a:t>
+            </a:r>
+          </a:p>
+          <a:p>
+            <a:endParaRPr lang="en-US" dirty="0"/>
+          </a:p>
+          <a:p>
+            <a:r>
+              <a:rPr lang="en-US" dirty="0" err="1"/>
+              <a:t>label_map</a:t>
+            </a:r>
             <a:r>
               <a:rPr lang="en-US" dirty="0"/>
-              <a:t>There are several ways to improve the model. But d</a:t>
-            </a:r>
-            <a:r>
-              <a:rPr lang="de-CH" dirty="0" err="1"/>
-              <a:t>ue</a:t>
-            </a:r>
-            <a:r>
-              <a:rPr lang="de-CH" dirty="0"/>
-              <a:t> </a:t>
-            </a:r>
-            <a:r>
-              <a:rPr lang="de-CH" dirty="0" err="1"/>
-              <a:t>to</a:t>
-            </a:r>
-            <a:r>
-              <a:rPr lang="de-CH" dirty="0"/>
-              <a:t> </a:t>
-            </a:r>
-            <a:r>
-              <a:rPr lang="de-CH" dirty="0" err="1"/>
-              <a:t>resource</a:t>
-            </a:r>
-            <a:r>
-              <a:rPr lang="de-CH" dirty="0"/>
-              <a:t> </a:t>
-            </a:r>
-            <a:r>
-              <a:rPr lang="de-CH" dirty="0" err="1"/>
-              <a:t>constraints</a:t>
-            </a:r>
-            <a:r>
-              <a:rPr lang="de-CH" dirty="0"/>
-              <a:t> </a:t>
-            </a:r>
-            <a:r>
-              <a:rPr lang="de-CH" dirty="0" err="1"/>
-              <a:t>we</a:t>
-            </a:r>
-            <a:r>
-              <a:rPr lang="de-CH" dirty="0"/>
-              <a:t> </a:t>
-            </a:r>
-            <a:r>
-              <a:rPr lang="de-CH" dirty="0" err="1"/>
-              <a:t>refrain</a:t>
-            </a:r>
-            <a:r>
-              <a:rPr lang="de-CH" dirty="0"/>
-              <a:t> </a:t>
-            </a:r>
-            <a:r>
-              <a:rPr lang="de-CH" dirty="0" err="1"/>
-              <a:t>from</a:t>
-            </a:r>
-            <a:r>
-              <a:rPr lang="de-CH" dirty="0"/>
-              <a:t> </a:t>
-            </a:r>
-            <a:r>
-              <a:rPr lang="de-CH" dirty="0" err="1"/>
-              <a:t>doing</a:t>
-            </a:r>
-            <a:r>
-              <a:rPr lang="de-CH" dirty="0"/>
-              <a:t> so.</a:t>
-            </a:r>
-          </a:p>
-          <a:p>
+              <a:t> </a:t>
+            </a:r>
+            <a:r>
+              <a:rPr lang="en-US" b="1" dirty="0">
+                <a:effectLst/>
+              </a:rPr>
+              <a:t>=</a:t>
+            </a:r>
+            <a:r>
+              <a:rPr lang="en-US" dirty="0"/>
+              <a:t> </a:t>
+            </a:r>
+            <a:r>
+              <a:rPr lang="en-US" dirty="0">
+                <a:effectLst/>
+              </a:rPr>
+              <a:t>{0:</a:t>
+            </a:r>
+            <a:r>
+              <a:rPr lang="en-US" dirty="0"/>
+              <a:t> </a:t>
+            </a:r>
+            <a:r>
+              <a:rPr lang="en-US" dirty="0">
+                <a:effectLst/>
+              </a:rPr>
+              <a:t>'O',</a:t>
+            </a:r>
+            <a:r>
+              <a:rPr lang="en-US" dirty="0"/>
+              <a:t> </a:t>
+            </a:r>
+            <a:r>
+              <a:rPr lang="en-US" dirty="0">
+                <a:effectLst/>
+              </a:rPr>
+              <a:t>1:</a:t>
+            </a:r>
+            <a:r>
+              <a:rPr lang="en-US" dirty="0"/>
+              <a:t> </a:t>
+            </a:r>
+            <a:r>
+              <a:rPr lang="en-US" dirty="0">
+                <a:effectLst/>
+              </a:rPr>
+              <a:t>'B-PER',</a:t>
+            </a:r>
+            <a:r>
+              <a:rPr lang="en-US" dirty="0"/>
+              <a:t> </a:t>
+            </a:r>
+            <a:r>
+              <a:rPr lang="en-US" dirty="0">
+                <a:effectLst/>
+              </a:rPr>
+              <a:t>2:</a:t>
+            </a:r>
+            <a:r>
+              <a:rPr lang="en-US" dirty="0"/>
+              <a:t> </a:t>
+            </a:r>
+            <a:r>
+              <a:rPr lang="en-US" dirty="0">
+                <a:effectLst/>
+              </a:rPr>
+              <a:t>'I-PER',</a:t>
+            </a:r>
+            <a:r>
+              <a:rPr lang="en-US" dirty="0"/>
+              <a:t> </a:t>
+            </a:r>
+            <a:r>
+              <a:rPr lang="en-US" dirty="0">
+                <a:effectLst/>
+              </a:rPr>
+              <a:t>3:</a:t>
+            </a:r>
+            <a:r>
+              <a:rPr lang="en-US" dirty="0"/>
+              <a:t> </a:t>
+            </a:r>
+            <a:r>
+              <a:rPr lang="en-US" dirty="0">
+                <a:effectLst/>
+              </a:rPr>
+              <a:t>'B-ORG',</a:t>
+            </a:r>
+            <a:r>
+              <a:rPr lang="en-US" dirty="0"/>
+              <a:t> </a:t>
+            </a:r>
+            <a:r>
+              <a:rPr lang="en-US" dirty="0">
+                <a:effectLst/>
+              </a:rPr>
+              <a:t>4:</a:t>
+            </a:r>
+            <a:r>
+              <a:rPr lang="en-US" dirty="0"/>
+              <a:t> </a:t>
+            </a:r>
+            <a:r>
+              <a:rPr lang="en-US" dirty="0">
+                <a:effectLst/>
+              </a:rPr>
+              <a:t>'I-ORG',</a:t>
+            </a:r>
+            <a:r>
+              <a:rPr lang="en-US" dirty="0"/>
+              <a:t> </a:t>
+            </a:r>
+            <a:r>
+              <a:rPr lang="en-US" dirty="0">
+                <a:effectLst/>
+              </a:rPr>
+              <a:t>5:</a:t>
+            </a:r>
+            <a:r>
+              <a:rPr lang="en-US" dirty="0"/>
+              <a:t> </a:t>
+            </a:r>
+            <a:r>
+              <a:rPr lang="en-US" dirty="0">
+                <a:effectLst/>
+              </a:rPr>
+              <a:t>'B-LOC',</a:t>
+            </a:r>
+            <a:r>
+              <a:rPr lang="en-US" dirty="0"/>
+              <a:t> </a:t>
+            </a:r>
+            <a:r>
+              <a:rPr lang="en-US" dirty="0">
+                <a:effectLst/>
+              </a:rPr>
+              <a:t>6:</a:t>
+            </a:r>
+            <a:r>
+              <a:rPr lang="en-US" dirty="0"/>
+              <a:t> </a:t>
+            </a:r>
+            <a:r>
+              <a:rPr lang="en-US" dirty="0">
+                <a:effectLst/>
+              </a:rPr>
+              <a:t>'I-LOC'}</a:t>
+            </a:r>
             <a:endParaRPr lang="en-US" dirty="0"/>
           </a:p>
         </p:txBody>
@@ -2036,7 +3007,7 @@
           <a:p>
             <a:fld id="{2DA66685-3D22-47BB-B74E-10995D7F8271}" type="slidenum">
               <a:rPr lang="en-US" smtClean="0"/>
-              <a:t>23</a:t>
+              <a:t>22</a:t>
             </a:fld>
             <a:endParaRPr lang="en-US"/>
           </a:p>
@@ -2045,7 +3016,7 @@
     </p:spTree>
     <p:extLst>
       <p:ext uri="{BB962C8B-B14F-4D97-AF65-F5344CB8AC3E}">
-        <p14:creationId xmlns:p14="http://schemas.microsoft.com/office/powerpoint/2010/main" val="3358975839"/>
+        <p14:creationId xmlns:p14="http://schemas.microsoft.com/office/powerpoint/2010/main" val="4154047419"/>
       </p:ext>
     </p:extLst>
   </p:cSld>
@@ -3709,6 +4680,76 @@
           <a:bodyPr/>
           <a:lstStyle/>
           <a:p>
+            <a:r>
+              <a:rPr lang="en-US" dirty="0"/>
+              <a:t>There are several ways to improve the model. But d</a:t>
+            </a:r>
+            <a:r>
+              <a:rPr lang="de-CH" dirty="0" err="1"/>
+              <a:t>ue</a:t>
+            </a:r>
+            <a:r>
+              <a:rPr lang="de-CH" dirty="0"/>
+              <a:t> </a:t>
+            </a:r>
+            <a:r>
+              <a:rPr lang="de-CH" dirty="0" err="1"/>
+              <a:t>to</a:t>
+            </a:r>
+            <a:r>
+              <a:rPr lang="de-CH" dirty="0"/>
+              <a:t> </a:t>
+            </a:r>
+            <a:r>
+              <a:rPr lang="de-CH" dirty="0" err="1"/>
+              <a:t>resource</a:t>
+            </a:r>
+            <a:r>
+              <a:rPr lang="de-CH" dirty="0"/>
+              <a:t> </a:t>
+            </a:r>
+            <a:r>
+              <a:rPr lang="de-CH" dirty="0" err="1"/>
+              <a:t>constraints</a:t>
+            </a:r>
+            <a:r>
+              <a:rPr lang="de-CH" dirty="0"/>
+              <a:t> </a:t>
+            </a:r>
+            <a:r>
+              <a:rPr lang="de-CH" dirty="0" err="1"/>
+              <a:t>we</a:t>
+            </a:r>
+            <a:r>
+              <a:rPr lang="de-CH" dirty="0"/>
+              <a:t> </a:t>
+            </a:r>
+            <a:r>
+              <a:rPr lang="de-CH" dirty="0" err="1"/>
+              <a:t>refrain</a:t>
+            </a:r>
+            <a:r>
+              <a:rPr lang="de-CH" dirty="0"/>
+              <a:t> </a:t>
+            </a:r>
+            <a:r>
+              <a:rPr lang="de-CH" dirty="0" err="1"/>
+              <a:t>from</a:t>
+            </a:r>
+            <a:r>
+              <a:rPr lang="de-CH" dirty="0"/>
+              <a:t> </a:t>
+            </a:r>
+            <a:r>
+              <a:rPr lang="de-CH" dirty="0" err="1"/>
+              <a:t>doing</a:t>
+            </a:r>
+            <a:r>
+              <a:rPr lang="de-CH" dirty="0"/>
+              <a:t> so.</a:t>
+            </a:r>
+          </a:p>
+          <a:p>
             <a:endParaRPr lang="en-US" dirty="0"/>
           </a:p>
         </p:txBody>
@@ -3716,6 +4757,418 @@
       <p:sp>
         <p:nvSpPr>
           <p:cNvPr id="4" name="Slide Number Placeholder 3"/>
+          <p:cNvSpPr>
+            <a:spLocks noGrp="1"/>
+          </p:cNvSpPr>
+          <p:nvPr>
+            <p:ph type="sldNum" sz="quarter" idx="5"/>
+          </p:nvPr>
+        </p:nvSpPr>
+        <p:spPr/>
+        <p:txBody>
+          <a:bodyPr/>
+          <a:lstStyle/>
+          <a:p>
+            <a:fld id="{2DA66685-3D22-47BB-B74E-10995D7F8271}" type="slidenum">
+              <a:rPr lang="en-US" smtClean="0"/>
+              <a:t>23</a:t>
+            </a:fld>
+            <a:endParaRPr lang="en-US"/>
+          </a:p>
+        </p:txBody>
+      </p:sp>
+    </p:spTree>
+    <p:extLst>
+      <p:ext uri="{BB962C8B-B14F-4D97-AF65-F5344CB8AC3E}">
+        <p14:creationId xmlns:p14="http://schemas.microsoft.com/office/powerpoint/2010/main" val="3358975839"/>
+      </p:ext>
+    </p:extLst>
+  </p:cSld>
+  <p:clrMapOvr>
+    <a:masterClrMapping/>
+  </p:clrMapOvr>
+</p:notes>
+</file>
+
+<file path=ppt/notesSlides/notesSlide21.xml><?xml version="1.0" encoding="utf-8"?>
+<p:notes xmlns:a="http://schemas.openxmlformats.org/drawingml/2006/main" xmlns:r="http://schemas.openxmlformats.org/officeDocument/2006/relationships" xmlns:p="http://schemas.openxmlformats.org/presentationml/2006/main">
+  <p:cSld>
+    <p:spTree>
+      <p:nvGrpSpPr>
+        <p:cNvPr id="1" name=""/>
+        <p:cNvGrpSpPr/>
+        <p:nvPr/>
+      </p:nvGrpSpPr>
+      <p:grpSpPr>
+        <a:xfrm>
+          <a:off x="0" y="0"/>
+          <a:ext cx="0" cy="0"/>
+          <a:chOff x="0" y="0"/>
+          <a:chExt cx="0" cy="0"/>
+        </a:xfrm>
+      </p:grpSpPr>
+      <p:sp>
+        <p:nvSpPr>
+          <p:cNvPr id="2" name="Folienbildplatzhalter 1"/>
+          <p:cNvSpPr>
+            <a:spLocks noGrp="1" noRot="1" noChangeAspect="1"/>
+          </p:cNvSpPr>
+          <p:nvPr>
+            <p:ph type="sldImg"/>
+          </p:nvPr>
+        </p:nvSpPr>
+        <p:spPr/>
+      </p:sp>
+      <p:sp>
+        <p:nvSpPr>
+          <p:cNvPr id="3" name="Notizenplatzhalter 2"/>
+          <p:cNvSpPr>
+            <a:spLocks noGrp="1"/>
+          </p:cNvSpPr>
+          <p:nvPr>
+            <p:ph type="body" idx="1"/>
+          </p:nvPr>
+        </p:nvSpPr>
+        <p:spPr/>
+        <p:txBody>
+          <a:bodyPr/>
+          <a:lstStyle/>
+          <a:p>
+            <a:r>
+              <a:rPr lang="de-CH" dirty="0"/>
+              <a:t>(</a:t>
+            </a:r>
+            <a:r>
+              <a:rPr lang="de-CH" dirty="0" err="1"/>
+              <a:t>ju</a:t>
+            </a:r>
+            <a:r>
+              <a:rPr lang="de-CH" dirty="0"/>
+              <a:t>)</a:t>
+            </a:r>
+          </a:p>
+          <a:p>
+            <a:r>
+              <a:rPr lang="de-CH" dirty="0"/>
+              <a:t>Arrow </a:t>
+            </a:r>
+            <a:r>
+              <a:rPr lang="de-CH" dirty="0" err="1"/>
+              <a:t>file</a:t>
+            </a:r>
+            <a:r>
+              <a:rPr lang="de-CH" dirty="0"/>
+              <a:t> = </a:t>
+            </a:r>
+            <a:r>
+              <a:rPr lang="en-US" dirty="0"/>
+              <a:t>a column-oriented format that is well suited for large amounts of data</a:t>
+            </a:r>
+          </a:p>
+          <a:p>
+            <a:r>
+              <a:rPr lang="en-US" dirty="0" err="1"/>
+              <a:t>ConLL</a:t>
+            </a:r>
+            <a:r>
+              <a:rPr lang="en-US" dirty="0"/>
+              <a:t> file = Conference on Natural Language Learning, a text file in a table-like structure</a:t>
+            </a:r>
+            <a:endParaRPr lang="de-CH" dirty="0"/>
+          </a:p>
+          <a:p>
+            <a:r>
+              <a:rPr lang="de-CH" dirty="0"/>
+              <a:t>Flair </a:t>
+            </a:r>
+            <a:r>
+              <a:rPr lang="de-CH" dirty="0" err="1"/>
+              <a:t>cannot</a:t>
+            </a:r>
+            <a:r>
+              <a:rPr lang="de-CH" dirty="0"/>
+              <a:t> </a:t>
+            </a:r>
+            <a:r>
+              <a:rPr lang="de-CH" dirty="0" err="1"/>
+              <a:t>work</a:t>
+            </a:r>
+            <a:r>
+              <a:rPr lang="de-CH" dirty="0"/>
+              <a:t> </a:t>
+            </a:r>
+            <a:r>
+              <a:rPr lang="de-CH" dirty="0" err="1"/>
+              <a:t>with</a:t>
+            </a:r>
+            <a:r>
+              <a:rPr lang="de-CH" dirty="0"/>
+              <a:t> </a:t>
+            </a:r>
+            <a:r>
+              <a:rPr lang="de-CH" dirty="0" err="1"/>
+              <a:t>arrow</a:t>
+            </a:r>
+            <a:r>
+              <a:rPr lang="de-CH" dirty="0"/>
+              <a:t> </a:t>
+            </a:r>
+            <a:r>
+              <a:rPr lang="de-CH" dirty="0" err="1"/>
+              <a:t>files</a:t>
+            </a:r>
+            <a:r>
+              <a:rPr lang="de-CH" dirty="0"/>
+              <a:t>. </a:t>
+            </a:r>
+          </a:p>
+          <a:p>
+            <a:endParaRPr lang="de-CH" dirty="0"/>
+          </a:p>
+        </p:txBody>
+      </p:sp>
+      <p:sp>
+        <p:nvSpPr>
+          <p:cNvPr id="4" name="Foliennummernplatzhalter 3"/>
+          <p:cNvSpPr>
+            <a:spLocks noGrp="1"/>
+          </p:cNvSpPr>
+          <p:nvPr>
+            <p:ph type="sldNum" sz="quarter" idx="5"/>
+          </p:nvPr>
+        </p:nvSpPr>
+        <p:spPr/>
+        <p:txBody>
+          <a:bodyPr/>
+          <a:lstStyle/>
+          <a:p>
+            <a:fld id="{2DA66685-3D22-47BB-B74E-10995D7F8271}" type="slidenum">
+              <a:rPr lang="en-US" smtClean="0"/>
+              <a:t>24</a:t>
+            </a:fld>
+            <a:endParaRPr lang="en-US"/>
+          </a:p>
+        </p:txBody>
+      </p:sp>
+    </p:spTree>
+    <p:extLst>
+      <p:ext uri="{BB962C8B-B14F-4D97-AF65-F5344CB8AC3E}">
+        <p14:creationId xmlns:p14="http://schemas.microsoft.com/office/powerpoint/2010/main" val="3716521905"/>
+      </p:ext>
+    </p:extLst>
+  </p:cSld>
+  <p:clrMapOvr>
+    <a:masterClrMapping/>
+  </p:clrMapOvr>
+</p:notes>
+</file>
+
+<file path=ppt/notesSlides/notesSlide22.xml><?xml version="1.0" encoding="utf-8"?>
+<p:notes xmlns:a="http://schemas.openxmlformats.org/drawingml/2006/main" xmlns:r="http://schemas.openxmlformats.org/officeDocument/2006/relationships" xmlns:p="http://schemas.openxmlformats.org/presentationml/2006/main">
+  <p:cSld>
+    <p:spTree>
+      <p:nvGrpSpPr>
+        <p:cNvPr id="1" name=""/>
+        <p:cNvGrpSpPr/>
+        <p:nvPr/>
+      </p:nvGrpSpPr>
+      <p:grpSpPr>
+        <a:xfrm>
+          <a:off x="0" y="0"/>
+          <a:ext cx="0" cy="0"/>
+          <a:chOff x="0" y="0"/>
+          <a:chExt cx="0" cy="0"/>
+        </a:xfrm>
+      </p:grpSpPr>
+      <p:sp>
+        <p:nvSpPr>
+          <p:cNvPr id="2" name="Folienbildplatzhalter 1"/>
+          <p:cNvSpPr>
+            <a:spLocks noGrp="1" noRot="1" noChangeAspect="1"/>
+          </p:cNvSpPr>
+          <p:nvPr>
+            <p:ph type="sldImg"/>
+          </p:nvPr>
+        </p:nvSpPr>
+        <p:spPr/>
+      </p:sp>
+      <p:sp>
+        <p:nvSpPr>
+          <p:cNvPr id="3" name="Notizenplatzhalter 2"/>
+          <p:cNvSpPr>
+            <a:spLocks noGrp="1"/>
+          </p:cNvSpPr>
+          <p:nvPr>
+            <p:ph type="body" idx="1"/>
+          </p:nvPr>
+        </p:nvSpPr>
+        <p:spPr/>
+        <p:txBody>
+          <a:bodyPr/>
+          <a:lstStyle/>
+          <a:p>
+            <a:r>
+              <a:rPr lang="de-CH" dirty="0"/>
+              <a:t>As </a:t>
+            </a:r>
+            <a:r>
+              <a:rPr lang="de-CH" dirty="0" err="1"/>
+              <a:t>you</a:t>
+            </a:r>
+            <a:r>
+              <a:rPr lang="de-CH" dirty="0"/>
+              <a:t> </a:t>
+            </a:r>
+            <a:r>
+              <a:rPr lang="de-CH" dirty="0" err="1"/>
+              <a:t>can</a:t>
+            </a:r>
+            <a:r>
+              <a:rPr lang="de-CH" dirty="0"/>
+              <a:t> </a:t>
+            </a:r>
+            <a:r>
+              <a:rPr lang="de-CH" dirty="0" err="1"/>
+              <a:t>see</a:t>
+            </a:r>
+            <a:r>
+              <a:rPr lang="de-CH" dirty="0"/>
+              <a:t> </a:t>
+            </a:r>
+            <a:r>
+              <a:rPr lang="de-CH" dirty="0" err="1"/>
+              <a:t>the</a:t>
+            </a:r>
+            <a:r>
+              <a:rPr lang="de-CH" dirty="0"/>
+              <a:t> </a:t>
+            </a:r>
+            <a:r>
+              <a:rPr lang="de-CH" dirty="0" err="1"/>
+              <a:t>performance</a:t>
+            </a:r>
+            <a:r>
+              <a:rPr lang="de-CH" dirty="0"/>
+              <a:t> </a:t>
+            </a:r>
+            <a:r>
+              <a:rPr lang="de-CH" dirty="0" err="1"/>
+              <a:t>is</a:t>
+            </a:r>
+            <a:r>
+              <a:rPr lang="de-CH" dirty="0"/>
+              <a:t> </a:t>
+            </a:r>
+            <a:r>
+              <a:rPr lang="de-CH" dirty="0" err="1"/>
+              <a:t>better</a:t>
+            </a:r>
+            <a:r>
+              <a:rPr lang="de-CH" dirty="0"/>
+              <a:t> </a:t>
+            </a:r>
+            <a:r>
+              <a:rPr lang="de-CH" dirty="0" err="1"/>
+              <a:t>with</a:t>
+            </a:r>
+            <a:r>
+              <a:rPr lang="de-CH" dirty="0"/>
+              <a:t> </a:t>
+            </a:r>
+            <a:r>
+              <a:rPr lang="de-CH" dirty="0" err="1"/>
+              <a:t>the</a:t>
+            </a:r>
+            <a:r>
+              <a:rPr lang="de-CH" dirty="0"/>
+              <a:t> Flair </a:t>
+            </a:r>
+            <a:r>
+              <a:rPr lang="de-CH" dirty="0" err="1"/>
+              <a:t>model</a:t>
+            </a:r>
+            <a:r>
+              <a:rPr lang="de-CH" dirty="0"/>
+              <a:t> </a:t>
+            </a:r>
+            <a:r>
+              <a:rPr lang="de-CH" dirty="0" err="1"/>
+              <a:t>than</a:t>
+            </a:r>
+            <a:r>
+              <a:rPr lang="de-CH" dirty="0"/>
+              <a:t> </a:t>
+            </a:r>
+            <a:r>
+              <a:rPr lang="de-CH" dirty="0" err="1"/>
+              <a:t>the</a:t>
+            </a:r>
+            <a:r>
+              <a:rPr lang="de-CH" dirty="0"/>
+              <a:t> </a:t>
+            </a:r>
+            <a:r>
+              <a:rPr lang="de-CH" dirty="0" err="1"/>
+              <a:t>performance</a:t>
+            </a:r>
+            <a:r>
+              <a:rPr lang="de-CH" dirty="0"/>
+              <a:t> </a:t>
+            </a:r>
+            <a:r>
+              <a:rPr lang="de-CH" dirty="0" err="1"/>
+              <a:t>of</a:t>
+            </a:r>
+            <a:r>
+              <a:rPr lang="de-CH" dirty="0"/>
+              <a:t> </a:t>
+            </a:r>
+            <a:r>
+              <a:rPr lang="de-CH" dirty="0" err="1"/>
+              <a:t>our</a:t>
+            </a:r>
+            <a:r>
+              <a:rPr lang="de-CH" dirty="0"/>
+              <a:t> </a:t>
+            </a:r>
+            <a:r>
+              <a:rPr lang="de-CH" dirty="0" err="1"/>
+              <a:t>fine</a:t>
+            </a:r>
+            <a:r>
+              <a:rPr lang="de-CH" dirty="0"/>
+              <a:t> </a:t>
+            </a:r>
+            <a:r>
+              <a:rPr lang="de-CH" dirty="0" err="1"/>
+              <a:t>tuned</a:t>
+            </a:r>
+            <a:r>
+              <a:rPr lang="de-CH" dirty="0"/>
+              <a:t> </a:t>
+            </a:r>
+            <a:r>
+              <a:rPr lang="de-CH" dirty="0" err="1"/>
+              <a:t>transformers</a:t>
+            </a:r>
+            <a:r>
+              <a:rPr lang="de-CH" dirty="0"/>
+              <a:t> </a:t>
+            </a:r>
+            <a:r>
+              <a:rPr lang="de-CH" dirty="0" err="1"/>
+              <a:t>model</a:t>
+            </a:r>
+            <a:r>
+              <a:rPr lang="de-CH" dirty="0"/>
+              <a:t>. </a:t>
+            </a:r>
+          </a:p>
+        </p:txBody>
+      </p:sp>
+      <p:sp>
+        <p:nvSpPr>
+          <p:cNvPr id="4" name="Foliennummernplatzhalter 3"/>
           <p:cNvSpPr>
             <a:spLocks noGrp="1"/>
           </p:cNvSpPr>
@@ -3731,6 +5184,607 @@
             <a:fld id="{2DA66685-3D22-47BB-B74E-10995D7F8271}" type="slidenum">
               <a:rPr lang="en-US" smtClean="0"/>
               <a:t>25</a:t>
+            </a:fld>
+            <a:endParaRPr lang="en-US"/>
+          </a:p>
+        </p:txBody>
+      </p:sp>
+    </p:spTree>
+    <p:extLst>
+      <p:ext uri="{BB962C8B-B14F-4D97-AF65-F5344CB8AC3E}">
+        <p14:creationId xmlns:p14="http://schemas.microsoft.com/office/powerpoint/2010/main" val="828986900"/>
+      </p:ext>
+    </p:extLst>
+  </p:cSld>
+  <p:clrMapOvr>
+    <a:masterClrMapping/>
+  </p:clrMapOvr>
+</p:notes>
+</file>
+
+<file path=ppt/notesSlides/notesSlide23.xml><?xml version="1.0" encoding="utf-8"?>
+<p:notes xmlns:a="http://schemas.openxmlformats.org/drawingml/2006/main" xmlns:r="http://schemas.openxmlformats.org/officeDocument/2006/relationships" xmlns:p="http://schemas.openxmlformats.org/presentationml/2006/main">
+  <p:cSld>
+    <p:spTree>
+      <p:nvGrpSpPr>
+        <p:cNvPr id="1" name=""/>
+        <p:cNvGrpSpPr/>
+        <p:nvPr/>
+      </p:nvGrpSpPr>
+      <p:grpSpPr>
+        <a:xfrm>
+          <a:off x="0" y="0"/>
+          <a:ext cx="0" cy="0"/>
+          <a:chOff x="0" y="0"/>
+          <a:chExt cx="0" cy="0"/>
+        </a:xfrm>
+      </p:grpSpPr>
+      <p:sp>
+        <p:nvSpPr>
+          <p:cNvPr id="2" name="Folienbildplatzhalter 1"/>
+          <p:cNvSpPr>
+            <a:spLocks noGrp="1" noRot="1" noChangeAspect="1"/>
+          </p:cNvSpPr>
+          <p:nvPr>
+            <p:ph type="sldImg"/>
+          </p:nvPr>
+        </p:nvSpPr>
+        <p:spPr/>
+      </p:sp>
+      <p:sp>
+        <p:nvSpPr>
+          <p:cNvPr id="3" name="Notizenplatzhalter 2"/>
+          <p:cNvSpPr>
+            <a:spLocks noGrp="1"/>
+          </p:cNvSpPr>
+          <p:nvPr>
+            <p:ph type="body" idx="1"/>
+          </p:nvPr>
+        </p:nvSpPr>
+        <p:spPr/>
+        <p:txBody>
+          <a:bodyPr/>
+          <a:lstStyle/>
+          <a:p>
+            <a:r>
+              <a:rPr lang="de-CH" dirty="0" err="1"/>
+              <a:t>For</a:t>
+            </a:r>
+            <a:r>
+              <a:rPr lang="de-CH" dirty="0"/>
+              <a:t> German, French and </a:t>
+            </a:r>
+            <a:r>
+              <a:rPr lang="de-CH" dirty="0" err="1"/>
+              <a:t>Italian</a:t>
+            </a:r>
+            <a:r>
+              <a:rPr lang="de-CH" dirty="0"/>
+              <a:t> </a:t>
+            </a:r>
+            <a:r>
+              <a:rPr lang="de-CH" dirty="0" err="1"/>
+              <a:t>we</a:t>
+            </a:r>
+            <a:r>
+              <a:rPr lang="de-CH" dirty="0"/>
+              <a:t> </a:t>
+            </a:r>
+            <a:r>
+              <a:rPr lang="de-CH" dirty="0" err="1"/>
+              <a:t>didn’t</a:t>
+            </a:r>
+            <a:r>
+              <a:rPr lang="de-CH" dirty="0"/>
+              <a:t> do a </a:t>
+            </a:r>
+            <a:r>
+              <a:rPr lang="de-CH" dirty="0" err="1"/>
+              <a:t>whole</a:t>
+            </a:r>
+            <a:r>
+              <a:rPr lang="de-CH" dirty="0"/>
+              <a:t> </a:t>
+            </a:r>
+            <a:r>
+              <a:rPr lang="de-CH" dirty="0" err="1"/>
+              <a:t>evaluation</a:t>
+            </a:r>
+            <a:r>
+              <a:rPr lang="de-CH" dirty="0"/>
+              <a:t> </a:t>
+            </a:r>
+            <a:r>
+              <a:rPr lang="de-CH" dirty="0" err="1"/>
+              <a:t>report</a:t>
+            </a:r>
+            <a:r>
+              <a:rPr lang="de-CH" dirty="0"/>
+              <a:t>. </a:t>
+            </a:r>
+            <a:r>
+              <a:rPr lang="de-CH" dirty="0" err="1"/>
+              <a:t>We</a:t>
+            </a:r>
+            <a:r>
+              <a:rPr lang="de-CH" dirty="0"/>
+              <a:t> also just </a:t>
+            </a:r>
+            <a:r>
+              <a:rPr lang="de-CH" dirty="0" err="1"/>
+              <a:t>used</a:t>
+            </a:r>
+            <a:r>
+              <a:rPr lang="de-CH" dirty="0"/>
+              <a:t> </a:t>
+            </a:r>
+            <a:r>
+              <a:rPr lang="de-CH" dirty="0" err="1"/>
+              <a:t>the</a:t>
+            </a:r>
+            <a:r>
+              <a:rPr lang="de-CH" dirty="0"/>
+              <a:t> </a:t>
+            </a:r>
+            <a:r>
+              <a:rPr lang="de-CH" dirty="0" err="1"/>
+              <a:t>first</a:t>
+            </a:r>
+            <a:r>
+              <a:rPr lang="de-CH" dirty="0"/>
+              <a:t> 10 </a:t>
+            </a:r>
+            <a:r>
+              <a:rPr lang="de-CH" dirty="0" err="1"/>
+              <a:t>sentences</a:t>
+            </a:r>
+            <a:r>
+              <a:rPr lang="de-CH" dirty="0"/>
+              <a:t> </a:t>
+            </a:r>
+            <a:r>
+              <a:rPr lang="de-CH" dirty="0" err="1"/>
+              <a:t>to</a:t>
+            </a:r>
+            <a:r>
+              <a:rPr lang="de-CH" dirty="0"/>
+              <a:t> </a:t>
+            </a:r>
+            <a:r>
+              <a:rPr lang="de-CH" dirty="0" err="1"/>
+              <a:t>see</a:t>
+            </a:r>
+            <a:r>
+              <a:rPr lang="de-CH" dirty="0"/>
+              <a:t> </a:t>
+            </a:r>
+            <a:r>
+              <a:rPr lang="de-CH" dirty="0" err="1"/>
+              <a:t>how</a:t>
+            </a:r>
+            <a:r>
+              <a:rPr lang="de-CH" dirty="0"/>
+              <a:t> </a:t>
+            </a:r>
+            <a:r>
+              <a:rPr lang="de-CH" dirty="0" err="1"/>
+              <a:t>the</a:t>
+            </a:r>
+            <a:r>
+              <a:rPr lang="de-CH" dirty="0"/>
+              <a:t> </a:t>
+            </a:r>
+            <a:r>
+              <a:rPr lang="de-CH" dirty="0" err="1"/>
+              <a:t>fine</a:t>
+            </a:r>
+            <a:r>
+              <a:rPr lang="de-CH" dirty="0"/>
+              <a:t> </a:t>
+            </a:r>
+            <a:r>
+              <a:rPr lang="de-CH" dirty="0" err="1"/>
+              <a:t>tuned</a:t>
+            </a:r>
+            <a:r>
+              <a:rPr lang="de-CH" dirty="0"/>
+              <a:t> </a:t>
+            </a:r>
+            <a:r>
+              <a:rPr lang="de-CH" dirty="0" err="1"/>
+              <a:t>model</a:t>
+            </a:r>
+            <a:r>
+              <a:rPr lang="de-CH" dirty="0"/>
+              <a:t> </a:t>
+            </a:r>
+            <a:r>
+              <a:rPr lang="de-CH" dirty="0" err="1"/>
+              <a:t>would</a:t>
+            </a:r>
+            <a:r>
+              <a:rPr lang="de-CH" dirty="0"/>
+              <a:t> perform. </a:t>
+            </a:r>
+          </a:p>
+        </p:txBody>
+      </p:sp>
+      <p:sp>
+        <p:nvSpPr>
+          <p:cNvPr id="4" name="Foliennummernplatzhalter 3"/>
+          <p:cNvSpPr>
+            <a:spLocks noGrp="1"/>
+          </p:cNvSpPr>
+          <p:nvPr>
+            <p:ph type="sldNum" sz="quarter" idx="5"/>
+          </p:nvPr>
+        </p:nvSpPr>
+        <p:spPr/>
+        <p:txBody>
+          <a:bodyPr/>
+          <a:lstStyle/>
+          <a:p>
+            <a:fld id="{2DA66685-3D22-47BB-B74E-10995D7F8271}" type="slidenum">
+              <a:rPr lang="en-US" smtClean="0"/>
+              <a:t>27</a:t>
+            </a:fld>
+            <a:endParaRPr lang="en-US"/>
+          </a:p>
+        </p:txBody>
+      </p:sp>
+    </p:spTree>
+    <p:extLst>
+      <p:ext uri="{BB962C8B-B14F-4D97-AF65-F5344CB8AC3E}">
+        <p14:creationId xmlns:p14="http://schemas.microsoft.com/office/powerpoint/2010/main" val="4140770442"/>
+      </p:ext>
+    </p:extLst>
+  </p:cSld>
+  <p:clrMapOvr>
+    <a:masterClrMapping/>
+  </p:clrMapOvr>
+</p:notes>
+</file>
+
+<file path=ppt/notesSlides/notesSlide24.xml><?xml version="1.0" encoding="utf-8"?>
+<p:notes xmlns:a="http://schemas.openxmlformats.org/drawingml/2006/main" xmlns:r="http://schemas.openxmlformats.org/officeDocument/2006/relationships" xmlns:p="http://schemas.openxmlformats.org/presentationml/2006/main">
+  <p:cSld>
+    <p:spTree>
+      <p:nvGrpSpPr>
+        <p:cNvPr id="1" name=""/>
+        <p:cNvGrpSpPr/>
+        <p:nvPr/>
+      </p:nvGrpSpPr>
+      <p:grpSpPr>
+        <a:xfrm>
+          <a:off x="0" y="0"/>
+          <a:ext cx="0" cy="0"/>
+          <a:chOff x="0" y="0"/>
+          <a:chExt cx="0" cy="0"/>
+        </a:xfrm>
+      </p:grpSpPr>
+      <p:sp>
+        <p:nvSpPr>
+          <p:cNvPr id="2" name="Folienbildplatzhalter 1"/>
+          <p:cNvSpPr>
+            <a:spLocks noGrp="1" noRot="1" noChangeAspect="1"/>
+          </p:cNvSpPr>
+          <p:nvPr>
+            <p:ph type="sldImg"/>
+          </p:nvPr>
+        </p:nvSpPr>
+        <p:spPr/>
+      </p:sp>
+      <p:sp>
+        <p:nvSpPr>
+          <p:cNvPr id="3" name="Notizenplatzhalter 2"/>
+          <p:cNvSpPr>
+            <a:spLocks noGrp="1"/>
+          </p:cNvSpPr>
+          <p:nvPr>
+            <p:ph type="body" idx="1"/>
+          </p:nvPr>
+        </p:nvSpPr>
+        <p:spPr/>
+        <p:txBody>
+          <a:bodyPr/>
+          <a:lstStyle/>
+          <a:p>
+            <a:r>
+              <a:rPr lang="de-CH" dirty="0"/>
+              <a:t>As </a:t>
+            </a:r>
+            <a:r>
+              <a:rPr lang="de-CH" dirty="0" err="1"/>
+              <a:t>you</a:t>
+            </a:r>
+            <a:r>
+              <a:rPr lang="de-CH" dirty="0"/>
+              <a:t> </a:t>
+            </a:r>
+            <a:r>
+              <a:rPr lang="de-CH" dirty="0" err="1"/>
+              <a:t>can</a:t>
+            </a:r>
+            <a:r>
+              <a:rPr lang="de-CH" dirty="0"/>
+              <a:t> </a:t>
+            </a:r>
+            <a:r>
+              <a:rPr lang="de-CH" dirty="0" err="1"/>
+              <a:t>see</a:t>
+            </a:r>
+            <a:r>
+              <a:rPr lang="de-CH" dirty="0"/>
+              <a:t> </a:t>
+            </a:r>
+            <a:r>
+              <a:rPr lang="de-CH" dirty="0" err="1"/>
+              <a:t>the</a:t>
+            </a:r>
+            <a:r>
+              <a:rPr lang="de-CH" dirty="0"/>
+              <a:t> </a:t>
+            </a:r>
+            <a:r>
+              <a:rPr lang="de-CH" dirty="0" err="1"/>
+              <a:t>performance</a:t>
+            </a:r>
+            <a:r>
+              <a:rPr lang="de-CH" dirty="0"/>
+              <a:t> </a:t>
+            </a:r>
+            <a:r>
+              <a:rPr lang="de-CH" dirty="0" err="1"/>
+              <a:t>is</a:t>
+            </a:r>
+            <a:r>
+              <a:rPr lang="de-CH" dirty="0"/>
+              <a:t> </a:t>
+            </a:r>
+            <a:r>
+              <a:rPr lang="de-CH" dirty="0" err="1"/>
+              <a:t>quite</a:t>
+            </a:r>
+            <a:r>
+              <a:rPr lang="de-CH" dirty="0"/>
+              <a:t> </a:t>
+            </a:r>
+            <a:r>
+              <a:rPr lang="de-CH" dirty="0" err="1"/>
+              <a:t>bad</a:t>
+            </a:r>
+            <a:r>
+              <a:rPr lang="de-CH" dirty="0"/>
+              <a:t> in French. </a:t>
+            </a:r>
+          </a:p>
+        </p:txBody>
+      </p:sp>
+      <p:sp>
+        <p:nvSpPr>
+          <p:cNvPr id="4" name="Foliennummernplatzhalter 3"/>
+          <p:cNvSpPr>
+            <a:spLocks noGrp="1"/>
+          </p:cNvSpPr>
+          <p:nvPr>
+            <p:ph type="sldNum" sz="quarter" idx="5"/>
+          </p:nvPr>
+        </p:nvSpPr>
+        <p:spPr/>
+        <p:txBody>
+          <a:bodyPr/>
+          <a:lstStyle/>
+          <a:p>
+            <a:fld id="{2DA66685-3D22-47BB-B74E-10995D7F8271}" type="slidenum">
+              <a:rPr lang="en-US" smtClean="0"/>
+              <a:t>28</a:t>
+            </a:fld>
+            <a:endParaRPr lang="en-US"/>
+          </a:p>
+        </p:txBody>
+      </p:sp>
+    </p:spTree>
+    <p:extLst>
+      <p:ext uri="{BB962C8B-B14F-4D97-AF65-F5344CB8AC3E}">
+        <p14:creationId xmlns:p14="http://schemas.microsoft.com/office/powerpoint/2010/main" val="1248923457"/>
+      </p:ext>
+    </p:extLst>
+  </p:cSld>
+  <p:clrMapOvr>
+    <a:masterClrMapping/>
+  </p:clrMapOvr>
+</p:notes>
+</file>
+
+<file path=ppt/notesSlides/notesSlide25.xml><?xml version="1.0" encoding="utf-8"?>
+<p:notes xmlns:a="http://schemas.openxmlformats.org/drawingml/2006/main" xmlns:r="http://schemas.openxmlformats.org/officeDocument/2006/relationships" xmlns:p="http://schemas.openxmlformats.org/presentationml/2006/main">
+  <p:cSld>
+    <p:spTree>
+      <p:nvGrpSpPr>
+        <p:cNvPr id="1" name=""/>
+        <p:cNvGrpSpPr/>
+        <p:nvPr/>
+      </p:nvGrpSpPr>
+      <p:grpSpPr>
+        <a:xfrm>
+          <a:off x="0" y="0"/>
+          <a:ext cx="0" cy="0"/>
+          <a:chOff x="0" y="0"/>
+          <a:chExt cx="0" cy="0"/>
+        </a:xfrm>
+      </p:grpSpPr>
+      <p:sp>
+        <p:nvSpPr>
+          <p:cNvPr id="2" name="Folienbildplatzhalter 1"/>
+          <p:cNvSpPr>
+            <a:spLocks noGrp="1" noRot="1" noChangeAspect="1"/>
+          </p:cNvSpPr>
+          <p:nvPr>
+            <p:ph type="sldImg"/>
+          </p:nvPr>
+        </p:nvSpPr>
+        <p:spPr/>
+      </p:sp>
+      <p:sp>
+        <p:nvSpPr>
+          <p:cNvPr id="3" name="Notizenplatzhalter 2"/>
+          <p:cNvSpPr>
+            <a:spLocks noGrp="1"/>
+          </p:cNvSpPr>
+          <p:nvPr>
+            <p:ph type="body" idx="1"/>
+          </p:nvPr>
+        </p:nvSpPr>
+        <p:spPr/>
+        <p:txBody>
+          <a:bodyPr/>
+          <a:lstStyle/>
+          <a:p>
+            <a:r>
+              <a:rPr lang="de-CH" dirty="0" err="1"/>
+              <a:t>It</a:t>
+            </a:r>
+            <a:r>
+              <a:rPr lang="de-CH" dirty="0"/>
+              <a:t> </a:t>
+            </a:r>
+            <a:r>
+              <a:rPr lang="de-CH" dirty="0" err="1"/>
+              <a:t>is</a:t>
+            </a:r>
+            <a:r>
+              <a:rPr lang="de-CH" dirty="0"/>
+              <a:t> also </a:t>
+            </a:r>
+            <a:r>
+              <a:rPr lang="de-CH" dirty="0" err="1"/>
+              <a:t>quite</a:t>
+            </a:r>
+            <a:r>
+              <a:rPr lang="de-CH" dirty="0"/>
+              <a:t> </a:t>
+            </a:r>
+            <a:r>
+              <a:rPr lang="de-CH" dirty="0" err="1"/>
+              <a:t>bad</a:t>
+            </a:r>
+            <a:r>
+              <a:rPr lang="de-CH" dirty="0"/>
+              <a:t> in </a:t>
+            </a:r>
+            <a:r>
+              <a:rPr lang="de-CH" dirty="0" err="1"/>
+              <a:t>Italian</a:t>
+            </a:r>
+            <a:r>
+              <a:rPr lang="de-CH" dirty="0"/>
+              <a:t>. </a:t>
+            </a:r>
+          </a:p>
+        </p:txBody>
+      </p:sp>
+      <p:sp>
+        <p:nvSpPr>
+          <p:cNvPr id="4" name="Foliennummernplatzhalter 3"/>
+          <p:cNvSpPr>
+            <a:spLocks noGrp="1"/>
+          </p:cNvSpPr>
+          <p:nvPr>
+            <p:ph type="sldNum" sz="quarter" idx="5"/>
+          </p:nvPr>
+        </p:nvSpPr>
+        <p:spPr/>
+        <p:txBody>
+          <a:bodyPr/>
+          <a:lstStyle/>
+          <a:p>
+            <a:fld id="{2DA66685-3D22-47BB-B74E-10995D7F8271}" type="slidenum">
+              <a:rPr lang="en-US" smtClean="0"/>
+              <a:t>29</a:t>
+            </a:fld>
+            <a:endParaRPr lang="en-US"/>
+          </a:p>
+        </p:txBody>
+      </p:sp>
+    </p:spTree>
+    <p:extLst>
+      <p:ext uri="{BB962C8B-B14F-4D97-AF65-F5344CB8AC3E}">
+        <p14:creationId xmlns:p14="http://schemas.microsoft.com/office/powerpoint/2010/main" val="1411656322"/>
+      </p:ext>
+    </p:extLst>
+  </p:cSld>
+  <p:clrMapOvr>
+    <a:masterClrMapping/>
+  </p:clrMapOvr>
+</p:notes>
+</file>
+
+<file path=ppt/notesSlides/notesSlide26.xml><?xml version="1.0" encoding="utf-8"?>
+<p:notes xmlns:a="http://schemas.openxmlformats.org/drawingml/2006/main" xmlns:r="http://schemas.openxmlformats.org/officeDocument/2006/relationships" xmlns:p="http://schemas.openxmlformats.org/presentationml/2006/main">
+  <p:cSld>
+    <p:spTree>
+      <p:nvGrpSpPr>
+        <p:cNvPr id="1" name=""/>
+        <p:cNvGrpSpPr/>
+        <p:nvPr/>
+      </p:nvGrpSpPr>
+      <p:grpSpPr>
+        <a:xfrm>
+          <a:off x="0" y="0"/>
+          <a:ext cx="0" cy="0"/>
+          <a:chOff x="0" y="0"/>
+          <a:chExt cx="0" cy="0"/>
+        </a:xfrm>
+      </p:grpSpPr>
+      <p:sp>
+        <p:nvSpPr>
+          <p:cNvPr id="2" name="Slide Image Placeholder 1"/>
+          <p:cNvSpPr>
+            <a:spLocks noGrp="1" noRot="1" noChangeAspect="1"/>
+          </p:cNvSpPr>
+          <p:nvPr>
+            <p:ph type="sldImg"/>
+          </p:nvPr>
+        </p:nvSpPr>
+        <p:spPr/>
+      </p:sp>
+      <p:sp>
+        <p:nvSpPr>
+          <p:cNvPr id="3" name="Notes Placeholder 2"/>
+          <p:cNvSpPr>
+            <a:spLocks noGrp="1"/>
+          </p:cNvSpPr>
+          <p:nvPr>
+            <p:ph type="body" idx="1"/>
+          </p:nvPr>
+        </p:nvSpPr>
+        <p:spPr/>
+        <p:txBody>
+          <a:bodyPr/>
+          <a:lstStyle/>
+          <a:p>
+            <a:endParaRPr lang="en-US" dirty="0"/>
+          </a:p>
+        </p:txBody>
+      </p:sp>
+      <p:sp>
+        <p:nvSpPr>
+          <p:cNvPr id="4" name="Slide Number Placeholder 3"/>
+          <p:cNvSpPr>
+            <a:spLocks noGrp="1"/>
+          </p:cNvSpPr>
+          <p:nvPr>
+            <p:ph type="sldNum" sz="quarter" idx="5"/>
+          </p:nvPr>
+        </p:nvSpPr>
+        <p:spPr/>
+        <p:txBody>
+          <a:bodyPr/>
+          <a:lstStyle/>
+          <a:p>
+            <a:fld id="{2DA66685-3D22-47BB-B74E-10995D7F8271}" type="slidenum">
+              <a:rPr lang="en-US" smtClean="0"/>
+              <a:t>30</a:t>
             </a:fld>
             <a:endParaRPr lang="en-US"/>
           </a:p>
@@ -5871,7 +7925,7 @@
           <a:p>
             <a:fld id="{AB8F96E3-2EAC-4C18-B216-7E9D85CA2F89}" type="slidenum">
               <a:rPr lang="de-CH" smtClean="0"/>
-              <a:t>‹#›</a:t>
+              <a:t>‹Nr.›</a:t>
             </a:fld>
             <a:endParaRPr lang="de-CH"/>
           </a:p>
@@ -6146,7 +8200,7 @@
           <a:p>
             <a:fld id="{AB8F96E3-2EAC-4C18-B216-7E9D85CA2F89}" type="slidenum">
               <a:rPr lang="de-CH" smtClean="0"/>
-              <a:t>‹#›</a:t>
+              <a:t>‹Nr.›</a:t>
             </a:fld>
             <a:endParaRPr lang="de-CH"/>
           </a:p>
@@ -6340,7 +8394,7 @@
           <a:p>
             <a:fld id="{AB8F96E3-2EAC-4C18-B216-7E9D85CA2F89}" type="slidenum">
               <a:rPr lang="de-CH" smtClean="0"/>
-              <a:t>‹#›</a:t>
+              <a:t>‹Nr.›</a:t>
             </a:fld>
             <a:endParaRPr lang="de-CH"/>
           </a:p>
@@ -6613,7 +8667,7 @@
           <a:p>
             <a:fld id="{AB8F96E3-2EAC-4C18-B216-7E9D85CA2F89}" type="slidenum">
               <a:rPr lang="de-CH" smtClean="0"/>
-              <a:t>‹#›</a:t>
+              <a:t>‹Nr.›</a:t>
             </a:fld>
             <a:endParaRPr lang="de-CH"/>
           </a:p>
@@ -6954,7 +9008,7 @@
           <a:p>
             <a:fld id="{AB8F96E3-2EAC-4C18-B216-7E9D85CA2F89}" type="slidenum">
               <a:rPr lang="de-CH" smtClean="0"/>
-              <a:t>‹#›</a:t>
+              <a:t>‹Nr.›</a:t>
             </a:fld>
             <a:endParaRPr lang="de-CH"/>
           </a:p>
@@ -7577,7 +9631,7 @@
           <a:p>
             <a:fld id="{AB8F96E3-2EAC-4C18-B216-7E9D85CA2F89}" type="slidenum">
               <a:rPr lang="de-CH" smtClean="0"/>
-              <a:t>‹#›</a:t>
+              <a:t>‹Nr.›</a:t>
             </a:fld>
             <a:endParaRPr lang="de-CH"/>
           </a:p>
@@ -8437,7 +10491,7 @@
           <a:p>
             <a:fld id="{AB8F96E3-2EAC-4C18-B216-7E9D85CA2F89}" type="slidenum">
               <a:rPr lang="de-CH" smtClean="0"/>
-              <a:t>‹#›</a:t>
+              <a:t>‹Nr.›</a:t>
             </a:fld>
             <a:endParaRPr lang="de-CH"/>
           </a:p>
@@ -8607,7 +10661,7 @@
           <a:p>
             <a:fld id="{AB8F96E3-2EAC-4C18-B216-7E9D85CA2F89}" type="slidenum">
               <a:rPr lang="de-CH" smtClean="0"/>
-              <a:t>‹#›</a:t>
+              <a:t>‹Nr.›</a:t>
             </a:fld>
             <a:endParaRPr lang="de-CH"/>
           </a:p>
@@ -8787,7 +10841,7 @@
           <a:p>
             <a:fld id="{AB8F96E3-2EAC-4C18-B216-7E9D85CA2F89}" type="slidenum">
               <a:rPr lang="de-CH" smtClean="0"/>
-              <a:t>‹#›</a:t>
+              <a:t>‹Nr.›</a:t>
             </a:fld>
             <a:endParaRPr lang="de-CH"/>
           </a:p>
@@ -8957,7 +11011,7 @@
           <a:p>
             <a:fld id="{AB8F96E3-2EAC-4C18-B216-7E9D85CA2F89}" type="slidenum">
               <a:rPr lang="de-CH" smtClean="0"/>
-              <a:t>‹#›</a:t>
+              <a:t>‹Nr.›</a:t>
             </a:fld>
             <a:endParaRPr lang="de-CH"/>
           </a:p>
@@ -9204,7 +11258,7 @@
           <a:p>
             <a:fld id="{AB8F96E3-2EAC-4C18-B216-7E9D85CA2F89}" type="slidenum">
               <a:rPr lang="de-CH" smtClean="0"/>
-              <a:t>‹#›</a:t>
+              <a:t>‹Nr.›</a:t>
             </a:fld>
             <a:endParaRPr lang="de-CH"/>
           </a:p>
@@ -9496,7 +11550,7 @@
           <a:p>
             <a:fld id="{AB8F96E3-2EAC-4C18-B216-7E9D85CA2F89}" type="slidenum">
               <a:rPr lang="de-CH" smtClean="0"/>
-              <a:t>‹#›</a:t>
+              <a:t>‹Nr.›</a:t>
             </a:fld>
             <a:endParaRPr lang="de-CH"/>
           </a:p>
@@ -9940,7 +11994,7 @@
           <a:p>
             <a:fld id="{AB8F96E3-2EAC-4C18-B216-7E9D85CA2F89}" type="slidenum">
               <a:rPr lang="de-CH" smtClean="0"/>
-              <a:t>‹#›</a:t>
+              <a:t>‹Nr.›</a:t>
             </a:fld>
             <a:endParaRPr lang="de-CH"/>
           </a:p>
@@ -10058,7 +12112,7 @@
           <a:p>
             <a:fld id="{AB8F96E3-2EAC-4C18-B216-7E9D85CA2F89}" type="slidenum">
               <a:rPr lang="de-CH" smtClean="0"/>
-              <a:t>‹#›</a:t>
+              <a:t>‹Nr.›</a:t>
             </a:fld>
             <a:endParaRPr lang="de-CH"/>
           </a:p>
@@ -10153,7 +12207,7 @@
           <a:p>
             <a:fld id="{AB8F96E3-2EAC-4C18-B216-7E9D85CA2F89}" type="slidenum">
               <a:rPr lang="de-CH" smtClean="0"/>
-              <a:t>‹#›</a:t>
+              <a:t>‹Nr.›</a:t>
             </a:fld>
             <a:endParaRPr lang="de-CH"/>
           </a:p>
@@ -10432,7 +12486,7 @@
           <a:p>
             <a:fld id="{AB8F96E3-2EAC-4C18-B216-7E9D85CA2F89}" type="slidenum">
               <a:rPr lang="de-CH" smtClean="0"/>
-              <a:t>‹#›</a:t>
+              <a:t>‹Nr.›</a:t>
             </a:fld>
             <a:endParaRPr lang="de-CH"/>
           </a:p>
@@ -10707,7 +12761,7 @@
           <a:p>
             <a:fld id="{AB8F96E3-2EAC-4C18-B216-7E9D85CA2F89}" type="slidenum">
               <a:rPr lang="de-CH" smtClean="0"/>
-              <a:t>‹#›</a:t>
+              <a:t>‹Nr.›</a:t>
             </a:fld>
             <a:endParaRPr lang="de-CH"/>
           </a:p>
@@ -11173,7 +13227,7 @@
           <a:p>
             <a:fld id="{AB8F96E3-2EAC-4C18-B216-7E9D85CA2F89}" type="slidenum">
               <a:rPr lang="de-CH" smtClean="0"/>
-              <a:t>‹#›</a:t>
+              <a:t>‹Nr.›</a:t>
             </a:fld>
             <a:endParaRPr lang="de-CH"/>
           </a:p>
@@ -12253,7 +14307,13 @@
           <a:p>
             <a:r>
               <a:rPr lang="en-US" dirty="0"/>
-              <a:t>Tokenize dataset </a:t>
+              <a:t>Tokenize dataset</a:t>
+            </a:r>
+          </a:p>
+          <a:p>
+            <a:r>
+              <a:rPr lang="en-US" dirty="0"/>
+              <a:t>Apply mapped labels to tokenized dataset</a:t>
             </a:r>
           </a:p>
           <a:p>
@@ -13309,7 +15369,7 @@
           <a:p>
             <a:r>
               <a:rPr lang="en-US" dirty="0"/>
-              <a:t>Classification report</a:t>
+              <a:t>Evaluation report</a:t>
             </a:r>
             <a:endParaRPr lang="de-CH" dirty="0"/>
           </a:p>
@@ -13503,7 +15563,7 @@
           <p:nvPr/>
         </p:nvPicPr>
         <p:blipFill>
-          <a:blip r:embed="rId2"/>
+          <a:blip r:embed="rId3"/>
           <a:stretch>
             <a:fillRect/>
           </a:stretch>
@@ -13533,7 +15593,7 @@
           <p:nvPr/>
         </p:nvPicPr>
         <p:blipFill>
-          <a:blip r:embed="rId3"/>
+          <a:blip r:embed="rId4"/>
           <a:stretch>
             <a:fillRect/>
           </a:stretch>
@@ -13563,7 +15623,7 @@
           <p:nvPr/>
         </p:nvPicPr>
         <p:blipFill>
-          <a:blip r:embed="rId4"/>
+          <a:blip r:embed="rId5"/>
           <a:stretch>
             <a:fillRect/>
           </a:stretch>
@@ -13874,15 +15934,7 @@
             </a:r>
             <a:r>
               <a:rPr lang="de-CH" dirty="0"/>
-              <a:t> (</a:t>
-            </a:r>
-            <a:r>
-              <a:rPr lang="de-CH" dirty="0" err="1"/>
-              <a:t>ju</a:t>
-            </a:r>
-            <a:r>
-              <a:rPr lang="de-CH" dirty="0"/>
-              <a:t>)</a:t>
+              <a:t> </a:t>
             </a:r>
             <a:br>
               <a:rPr lang="de-CH" dirty="0"/>
@@ -13912,7 +15964,53 @@
           <a:bodyPr/>
           <a:lstStyle/>
           <a:p>
+            <a:r>
+              <a:rPr lang="en-US" dirty="0"/>
+              <a:t>Flair</a:t>
+            </a:r>
+          </a:p>
+          <a:p>
+            <a:r>
+              <a:rPr lang="en-US" dirty="0"/>
+              <a:t>Convert arrow files to txt files in </a:t>
+            </a:r>
+            <a:r>
+              <a:rPr lang="en-US" dirty="0" err="1"/>
+              <a:t>ConLL</a:t>
+            </a:r>
+            <a:r>
+              <a:rPr lang="en-US" dirty="0"/>
+              <a:t> format</a:t>
+            </a:r>
+          </a:p>
+          <a:p>
+            <a:r>
+              <a:rPr lang="en-US" dirty="0"/>
+              <a:t>Create embeddings with </a:t>
+            </a:r>
+            <a:r>
+              <a:rPr lang="en-US" dirty="0" err="1"/>
+              <a:t>GloVe</a:t>
+            </a:r>
             <a:endParaRPr lang="en-US" dirty="0"/>
+          </a:p>
+          <a:p>
+            <a:r>
+              <a:rPr lang="en-US" dirty="0"/>
+              <a:t>Train model on English</a:t>
+            </a:r>
+          </a:p>
+          <a:p>
+            <a:r>
+              <a:rPr lang="en-US" dirty="0"/>
+              <a:t>Save fine tuned model </a:t>
+            </a:r>
+          </a:p>
+          <a:p>
+            <a:r>
+              <a:rPr lang="en-US" dirty="0"/>
+              <a:t>Use fine tuned model on German, French and Italian</a:t>
+            </a:r>
           </a:p>
         </p:txBody>
       </p:sp>
@@ -13951,7 +16049,7 @@
           <p:cNvPr id="2" name="Titel 1">
             <a:extLst>
               <a:ext uri="{FF2B5EF4-FFF2-40B4-BE49-F238E27FC236}">
-                <a16:creationId xmlns:a16="http://schemas.microsoft.com/office/drawing/2014/main" id="{26D64721-2D18-1513-64DD-F728523A8896}"/>
+                <a16:creationId xmlns:a16="http://schemas.microsoft.com/office/drawing/2014/main" id="{D8B98F5A-ED04-F109-DD02-BA88B13AB0C9}"/>
               </a:ext>
             </a:extLst>
           </p:cNvPr>
@@ -13969,78 +16067,86 @@
           <a:p>
             <a:r>
               <a:rPr lang="de-CH" dirty="0" err="1"/>
-              <a:t>Limitations</a:t>
-            </a:r>
-            <a:r>
-              <a:rPr lang="de-CH" dirty="0"/>
-              <a:t> </a:t>
-            </a:r>
-            <a:r>
-              <a:rPr lang="de-CH" dirty="0" err="1"/>
-              <a:t>of</a:t>
-            </a:r>
-            <a:r>
-              <a:rPr lang="de-CH" dirty="0"/>
-              <a:t> </a:t>
-            </a:r>
-            <a:r>
-              <a:rPr lang="de-CH" dirty="0" err="1"/>
-              <a:t>approach</a:t>
-            </a:r>
-            <a:endParaRPr lang="de-CH" dirty="0"/>
-          </a:p>
-        </p:txBody>
-      </p:sp>
-      <p:sp>
-        <p:nvSpPr>
-          <p:cNvPr id="3" name="Inhaltsplatzhalter 2">
+              <a:t>Results</a:t>
+            </a:r>
+            <a:r>
+              <a:rPr lang="de-CH" dirty="0"/>
+              <a:t> </a:t>
+            </a:r>
+            <a:r>
+              <a:rPr lang="de-CH" dirty="0" err="1"/>
+              <a:t>for</a:t>
+            </a:r>
+            <a:r>
+              <a:rPr lang="de-CH" dirty="0"/>
+              <a:t> English </a:t>
+            </a:r>
+          </a:p>
+        </p:txBody>
+      </p:sp>
+      <p:pic>
+        <p:nvPicPr>
+          <p:cNvPr id="7" name="Inhaltsplatzhalter 6">
             <a:extLst>
               <a:ext uri="{FF2B5EF4-FFF2-40B4-BE49-F238E27FC236}">
-                <a16:creationId xmlns:a16="http://schemas.microsoft.com/office/drawing/2014/main" id="{398B9ADA-9FB8-2F8B-5F36-AA300ED16F67}"/>
+                <a16:creationId xmlns:a16="http://schemas.microsoft.com/office/drawing/2014/main" id="{84E1C3BF-A1F0-B7BA-AD5C-854F5A6D389E}"/>
               </a:ext>
             </a:extLst>
           </p:cNvPr>
-          <p:cNvSpPr>
-            <a:spLocks noGrp="1"/>
-          </p:cNvSpPr>
+          <p:cNvPicPr>
+            <a:picLocks noGrp="1" noChangeAspect="1"/>
+          </p:cNvPicPr>
           <p:nvPr>
             <p:ph idx="1"/>
           </p:nvPr>
-        </p:nvSpPr>
-        <p:spPr/>
-        <p:txBody>
-          <a:bodyPr/>
-          <a:lstStyle/>
-          <a:p>
-            <a:r>
-              <a:rPr lang="en-US" dirty="0"/>
-              <a:t>Not explicitly optimized to multilingualism</a:t>
-            </a:r>
-          </a:p>
-          <a:p>
-            <a:r>
-              <a:rPr lang="en-US" dirty="0"/>
-              <a:t>Didn’t learn enough patterns to compare the languages</a:t>
-            </a:r>
-          </a:p>
-          <a:p>
-            <a:r>
-              <a:rPr lang="en-US" dirty="0"/>
-              <a:t>Therefore is not reliable on low resource languages</a:t>
-            </a:r>
-          </a:p>
-          <a:p>
-            <a:r>
-              <a:rPr lang="en-US" dirty="0"/>
-              <a:t>Very likely to overfit in one language</a:t>
-            </a:r>
-          </a:p>
-        </p:txBody>
-      </p:sp>
+        </p:nvPicPr>
+        <p:blipFill>
+          <a:blip r:embed="rId3"/>
+          <a:stretch>
+            <a:fillRect/>
+          </a:stretch>
+        </p:blipFill>
+        <p:spPr>
+          <a:xfrm>
+            <a:off x="2857484" y="4398363"/>
+            <a:ext cx="5702316" cy="2398289"/>
+          </a:xfrm>
+        </p:spPr>
+      </p:pic>
+      <p:pic>
+        <p:nvPicPr>
+          <p:cNvPr id="9" name="Grafik 8">
+            <a:extLst>
+              <a:ext uri="{FF2B5EF4-FFF2-40B4-BE49-F238E27FC236}">
+                <a16:creationId xmlns:a16="http://schemas.microsoft.com/office/drawing/2014/main" id="{DF160402-B574-4426-E675-B444324F8BD0}"/>
+              </a:ext>
+            </a:extLst>
+          </p:cNvPr>
+          <p:cNvPicPr>
+            <a:picLocks noChangeAspect="1"/>
+          </p:cNvPicPr>
+          <p:nvPr/>
+        </p:nvPicPr>
+        <p:blipFill>
+          <a:blip r:embed="rId4"/>
+          <a:stretch>
+            <a:fillRect/>
+          </a:stretch>
+        </p:blipFill>
+        <p:spPr>
+          <a:xfrm>
+            <a:off x="704818" y="1152983"/>
+            <a:ext cx="9709182" cy="3194363"/>
+          </a:xfrm>
+          <a:prstGeom prst="rect">
+            <a:avLst/>
+          </a:prstGeom>
+        </p:spPr>
+      </p:pic>
     </p:spTree>
     <p:extLst>
       <p:ext uri="{BB962C8B-B14F-4D97-AF65-F5344CB8AC3E}">
-        <p14:creationId xmlns:p14="http://schemas.microsoft.com/office/powerpoint/2010/main" val="2671724893"/>
+        <p14:creationId xmlns:p14="http://schemas.microsoft.com/office/powerpoint/2010/main" val="1695897361"/>
       </p:ext>
     </p:extLst>
   </p:cSld>
@@ -14069,6 +16175,825 @@
       </p:grpSpPr>
       <p:sp>
         <p:nvSpPr>
+          <p:cNvPr id="2" name="Titel 1">
+            <a:extLst>
+              <a:ext uri="{FF2B5EF4-FFF2-40B4-BE49-F238E27FC236}">
+                <a16:creationId xmlns:a16="http://schemas.microsoft.com/office/drawing/2014/main" id="{DD6228C8-F3A0-B73E-F95D-D2B76D6A9ECC}"/>
+              </a:ext>
+            </a:extLst>
+          </p:cNvPr>
+          <p:cNvSpPr>
+            <a:spLocks noGrp="1"/>
+          </p:cNvSpPr>
+          <p:nvPr>
+            <p:ph type="title"/>
+          </p:nvPr>
+        </p:nvSpPr>
+        <p:spPr/>
+        <p:txBody>
+          <a:bodyPr/>
+          <a:lstStyle/>
+          <a:p>
+            <a:r>
+              <a:rPr lang="de-CH" dirty="0" err="1"/>
+              <a:t>Results</a:t>
+            </a:r>
+            <a:r>
+              <a:rPr lang="de-CH" dirty="0"/>
+              <a:t> </a:t>
+            </a:r>
+            <a:r>
+              <a:rPr lang="de-CH" dirty="0" err="1"/>
+              <a:t>for</a:t>
+            </a:r>
+            <a:r>
+              <a:rPr lang="de-CH" dirty="0"/>
+              <a:t> English</a:t>
+            </a:r>
+          </a:p>
+        </p:txBody>
+      </p:sp>
+      <p:pic>
+        <p:nvPicPr>
+          <p:cNvPr id="5" name="Inhaltsplatzhalter 4">
+            <a:extLst>
+              <a:ext uri="{FF2B5EF4-FFF2-40B4-BE49-F238E27FC236}">
+                <a16:creationId xmlns:a16="http://schemas.microsoft.com/office/drawing/2014/main" id="{69A54D95-6E57-4215-0DB2-F958F946D784}"/>
+              </a:ext>
+            </a:extLst>
+          </p:cNvPr>
+          <p:cNvPicPr>
+            <a:picLocks noGrp="1" noChangeAspect="1"/>
+          </p:cNvPicPr>
+          <p:nvPr>
+            <p:ph idx="1"/>
+          </p:nvPr>
+        </p:nvPicPr>
+        <p:blipFill>
+          <a:blip r:embed="rId2"/>
+          <a:stretch>
+            <a:fillRect/>
+          </a:stretch>
+        </p:blipFill>
+        <p:spPr>
+          <a:xfrm>
+            <a:off x="295561" y="2593975"/>
+            <a:ext cx="11779590" cy="1670050"/>
+          </a:xfrm>
+        </p:spPr>
+      </p:pic>
+    </p:spTree>
+    <p:extLst>
+      <p:ext uri="{BB962C8B-B14F-4D97-AF65-F5344CB8AC3E}">
+        <p14:creationId xmlns:p14="http://schemas.microsoft.com/office/powerpoint/2010/main" val="2077570911"/>
+      </p:ext>
+    </p:extLst>
+  </p:cSld>
+  <p:clrMapOvr>
+    <a:masterClrMapping/>
+  </p:clrMapOvr>
+</p:sld>
+</file>
+
+<file path=ppt/slides/slide27.xml><?xml version="1.0" encoding="utf-8"?>
+<p:sld xmlns:a="http://schemas.openxmlformats.org/drawingml/2006/main" xmlns:r="http://schemas.openxmlformats.org/officeDocument/2006/relationships" xmlns:p="http://schemas.openxmlformats.org/presentationml/2006/main">
+  <p:cSld>
+    <p:spTree>
+      <p:nvGrpSpPr>
+        <p:cNvPr id="1" name=""/>
+        <p:cNvGrpSpPr/>
+        <p:nvPr/>
+      </p:nvGrpSpPr>
+      <p:grpSpPr>
+        <a:xfrm>
+          <a:off x="0" y="0"/>
+          <a:ext cx="0" cy="0"/>
+          <a:chOff x="0" y="0"/>
+          <a:chExt cx="0" cy="0"/>
+        </a:xfrm>
+      </p:grpSpPr>
+      <p:sp>
+        <p:nvSpPr>
+          <p:cNvPr id="2" name="Titel 1">
+            <a:extLst>
+              <a:ext uri="{FF2B5EF4-FFF2-40B4-BE49-F238E27FC236}">
+                <a16:creationId xmlns:a16="http://schemas.microsoft.com/office/drawing/2014/main" id="{4A945722-903F-F4AC-D83C-FE0AE9CC0D5F}"/>
+              </a:ext>
+            </a:extLst>
+          </p:cNvPr>
+          <p:cNvSpPr>
+            <a:spLocks noGrp="1"/>
+          </p:cNvSpPr>
+          <p:nvPr>
+            <p:ph type="title"/>
+          </p:nvPr>
+        </p:nvSpPr>
+        <p:spPr/>
+        <p:txBody>
+          <a:bodyPr/>
+          <a:lstStyle/>
+          <a:p>
+            <a:r>
+              <a:rPr lang="de-CH" dirty="0" err="1"/>
+              <a:t>Results</a:t>
+            </a:r>
+            <a:r>
+              <a:rPr lang="de-CH" dirty="0"/>
+              <a:t> </a:t>
+            </a:r>
+            <a:r>
+              <a:rPr lang="de-CH" dirty="0" err="1"/>
+              <a:t>for</a:t>
+            </a:r>
+            <a:r>
+              <a:rPr lang="de-CH" dirty="0"/>
+              <a:t> German</a:t>
+            </a:r>
+          </a:p>
+        </p:txBody>
+      </p:sp>
+      <p:pic>
+        <p:nvPicPr>
+          <p:cNvPr id="7" name="Inhaltsplatzhalter 6">
+            <a:extLst>
+              <a:ext uri="{FF2B5EF4-FFF2-40B4-BE49-F238E27FC236}">
+                <a16:creationId xmlns:a16="http://schemas.microsoft.com/office/drawing/2014/main" id="{B1929C4D-BE40-E4D8-5076-35874C167033}"/>
+              </a:ext>
+            </a:extLst>
+          </p:cNvPr>
+          <p:cNvPicPr>
+            <a:picLocks noGrp="1" noChangeAspect="1"/>
+          </p:cNvPicPr>
+          <p:nvPr>
+            <p:ph idx="1"/>
+          </p:nvPr>
+        </p:nvPicPr>
+        <p:blipFill>
+          <a:blip r:embed="rId3"/>
+          <a:stretch>
+            <a:fillRect/>
+          </a:stretch>
+        </p:blipFill>
+        <p:spPr>
+          <a:xfrm>
+            <a:off x="139669" y="2647951"/>
+            <a:ext cx="11999818" cy="1962150"/>
+          </a:xfrm>
+        </p:spPr>
+      </p:pic>
+    </p:spTree>
+    <p:extLst>
+      <p:ext uri="{BB962C8B-B14F-4D97-AF65-F5344CB8AC3E}">
+        <p14:creationId xmlns:p14="http://schemas.microsoft.com/office/powerpoint/2010/main" val="4185579172"/>
+      </p:ext>
+    </p:extLst>
+  </p:cSld>
+  <p:clrMapOvr>
+    <a:masterClrMapping/>
+  </p:clrMapOvr>
+</p:sld>
+</file>
+
+<file path=ppt/slides/slide28.xml><?xml version="1.0" encoding="utf-8"?>
+<p:sld xmlns:a="http://schemas.openxmlformats.org/drawingml/2006/main" xmlns:r="http://schemas.openxmlformats.org/officeDocument/2006/relationships" xmlns:p="http://schemas.openxmlformats.org/presentationml/2006/main">
+  <p:cSld>
+    <p:spTree>
+      <p:nvGrpSpPr>
+        <p:cNvPr id="1" name=""/>
+        <p:cNvGrpSpPr/>
+        <p:nvPr/>
+      </p:nvGrpSpPr>
+      <p:grpSpPr>
+        <a:xfrm>
+          <a:off x="0" y="0"/>
+          <a:ext cx="0" cy="0"/>
+          <a:chOff x="0" y="0"/>
+          <a:chExt cx="0" cy="0"/>
+        </a:xfrm>
+      </p:grpSpPr>
+      <p:sp>
+        <p:nvSpPr>
+          <p:cNvPr id="2" name="Titel 1">
+            <a:extLst>
+              <a:ext uri="{FF2B5EF4-FFF2-40B4-BE49-F238E27FC236}">
+                <a16:creationId xmlns:a16="http://schemas.microsoft.com/office/drawing/2014/main" id="{ED4506AB-7F98-085E-E684-6397C0C1A093}"/>
+              </a:ext>
+            </a:extLst>
+          </p:cNvPr>
+          <p:cNvSpPr>
+            <a:spLocks noGrp="1"/>
+          </p:cNvSpPr>
+          <p:nvPr>
+            <p:ph type="title"/>
+          </p:nvPr>
+        </p:nvSpPr>
+        <p:spPr/>
+        <p:txBody>
+          <a:bodyPr/>
+          <a:lstStyle/>
+          <a:p>
+            <a:r>
+              <a:rPr lang="de-CH" dirty="0" err="1"/>
+              <a:t>Results</a:t>
+            </a:r>
+            <a:r>
+              <a:rPr lang="de-CH" dirty="0"/>
+              <a:t> </a:t>
+            </a:r>
+            <a:r>
+              <a:rPr lang="de-CH" dirty="0" err="1"/>
+              <a:t>for</a:t>
+            </a:r>
+            <a:r>
+              <a:rPr lang="de-CH" dirty="0"/>
+              <a:t> French</a:t>
+            </a:r>
+          </a:p>
+        </p:txBody>
+      </p:sp>
+      <p:pic>
+        <p:nvPicPr>
+          <p:cNvPr id="5" name="Inhaltsplatzhalter 4">
+            <a:extLst>
+              <a:ext uri="{FF2B5EF4-FFF2-40B4-BE49-F238E27FC236}">
+                <a16:creationId xmlns:a16="http://schemas.microsoft.com/office/drawing/2014/main" id="{099B2637-AD9A-6820-4299-9D3C60C8962D}"/>
+              </a:ext>
+            </a:extLst>
+          </p:cNvPr>
+          <p:cNvPicPr>
+            <a:picLocks noGrp="1" noChangeAspect="1"/>
+          </p:cNvPicPr>
+          <p:nvPr>
+            <p:ph idx="1"/>
+          </p:nvPr>
+        </p:nvPicPr>
+        <p:blipFill>
+          <a:blip r:embed="rId3"/>
+          <a:stretch>
+            <a:fillRect/>
+          </a:stretch>
+        </p:blipFill>
+        <p:spPr>
+          <a:xfrm>
+            <a:off x="69313" y="3289300"/>
+            <a:ext cx="12053374" cy="915636"/>
+          </a:xfrm>
+        </p:spPr>
+      </p:pic>
+    </p:spTree>
+    <p:extLst>
+      <p:ext uri="{BB962C8B-B14F-4D97-AF65-F5344CB8AC3E}">
+        <p14:creationId xmlns:p14="http://schemas.microsoft.com/office/powerpoint/2010/main" val="734212539"/>
+      </p:ext>
+    </p:extLst>
+  </p:cSld>
+  <p:clrMapOvr>
+    <a:masterClrMapping/>
+  </p:clrMapOvr>
+</p:sld>
+</file>
+
+<file path=ppt/slides/slide29.xml><?xml version="1.0" encoding="utf-8"?>
+<p:sld xmlns:a="http://schemas.openxmlformats.org/drawingml/2006/main" xmlns:r="http://schemas.openxmlformats.org/officeDocument/2006/relationships" xmlns:p="http://schemas.openxmlformats.org/presentationml/2006/main">
+  <p:cSld>
+    <p:spTree>
+      <p:nvGrpSpPr>
+        <p:cNvPr id="1" name=""/>
+        <p:cNvGrpSpPr/>
+        <p:nvPr/>
+      </p:nvGrpSpPr>
+      <p:grpSpPr>
+        <a:xfrm>
+          <a:off x="0" y="0"/>
+          <a:ext cx="0" cy="0"/>
+          <a:chOff x="0" y="0"/>
+          <a:chExt cx="0" cy="0"/>
+        </a:xfrm>
+      </p:grpSpPr>
+      <p:sp>
+        <p:nvSpPr>
+          <p:cNvPr id="2" name="Titel 1">
+            <a:extLst>
+              <a:ext uri="{FF2B5EF4-FFF2-40B4-BE49-F238E27FC236}">
+                <a16:creationId xmlns:a16="http://schemas.microsoft.com/office/drawing/2014/main" id="{C6E185AE-3F6F-1960-E2CE-70A1650639A5}"/>
+              </a:ext>
+            </a:extLst>
+          </p:cNvPr>
+          <p:cNvSpPr>
+            <a:spLocks noGrp="1"/>
+          </p:cNvSpPr>
+          <p:nvPr>
+            <p:ph type="title"/>
+          </p:nvPr>
+        </p:nvSpPr>
+        <p:spPr/>
+        <p:txBody>
+          <a:bodyPr/>
+          <a:lstStyle/>
+          <a:p>
+            <a:r>
+              <a:rPr lang="de-CH" dirty="0" err="1"/>
+              <a:t>Results</a:t>
+            </a:r>
+            <a:r>
+              <a:rPr lang="de-CH" dirty="0"/>
+              <a:t> </a:t>
+            </a:r>
+            <a:r>
+              <a:rPr lang="de-CH" dirty="0" err="1"/>
+              <a:t>for</a:t>
+            </a:r>
+            <a:r>
+              <a:rPr lang="de-CH" dirty="0"/>
+              <a:t> </a:t>
+            </a:r>
+            <a:r>
+              <a:rPr lang="de-CH" dirty="0" err="1"/>
+              <a:t>Italian</a:t>
+            </a:r>
+            <a:endParaRPr lang="de-CH" dirty="0"/>
+          </a:p>
+        </p:txBody>
+      </p:sp>
+      <p:pic>
+        <p:nvPicPr>
+          <p:cNvPr id="5" name="Inhaltsplatzhalter 4">
+            <a:extLst>
+              <a:ext uri="{FF2B5EF4-FFF2-40B4-BE49-F238E27FC236}">
+                <a16:creationId xmlns:a16="http://schemas.microsoft.com/office/drawing/2014/main" id="{BAF31C6D-01A1-BDA3-7C68-A016DF94F998}"/>
+              </a:ext>
+            </a:extLst>
+          </p:cNvPr>
+          <p:cNvPicPr>
+            <a:picLocks noGrp="1" noChangeAspect="1"/>
+          </p:cNvPicPr>
+          <p:nvPr>
+            <p:ph idx="1"/>
+          </p:nvPr>
+        </p:nvPicPr>
+        <p:blipFill>
+          <a:blip r:embed="rId3"/>
+          <a:stretch>
+            <a:fillRect/>
+          </a:stretch>
+        </p:blipFill>
+        <p:spPr>
+          <a:xfrm>
+            <a:off x="123826" y="3187700"/>
+            <a:ext cx="11944347" cy="1257300"/>
+          </a:xfrm>
+        </p:spPr>
+      </p:pic>
+    </p:spTree>
+    <p:extLst>
+      <p:ext uri="{BB962C8B-B14F-4D97-AF65-F5344CB8AC3E}">
+        <p14:creationId xmlns:p14="http://schemas.microsoft.com/office/powerpoint/2010/main" val="3627086147"/>
+      </p:ext>
+    </p:extLst>
+  </p:cSld>
+  <p:clrMapOvr>
+    <a:masterClrMapping/>
+  </p:clrMapOvr>
+</p:sld>
+</file>
+
+<file path=ppt/slides/slide3.xml><?xml version="1.0" encoding="utf-8"?>
+<p:sld xmlns:a="http://schemas.openxmlformats.org/drawingml/2006/main" xmlns:r="http://schemas.openxmlformats.org/officeDocument/2006/relationships" xmlns:p="http://schemas.openxmlformats.org/presentationml/2006/main">
+  <p:cSld>
+    <p:spTree>
+      <p:nvGrpSpPr>
+        <p:cNvPr id="1" name=""/>
+        <p:cNvGrpSpPr/>
+        <p:nvPr/>
+      </p:nvGrpSpPr>
+      <p:grpSpPr>
+        <a:xfrm>
+          <a:off x="0" y="0"/>
+          <a:ext cx="0" cy="0"/>
+          <a:chOff x="0" y="0"/>
+          <a:chExt cx="0" cy="0"/>
+        </a:xfrm>
+      </p:grpSpPr>
+      <p:sp>
+        <p:nvSpPr>
+          <p:cNvPr id="2" name="Title 1">
+            <a:extLst>
+              <a:ext uri="{FF2B5EF4-FFF2-40B4-BE49-F238E27FC236}">
+                <a16:creationId xmlns:a16="http://schemas.microsoft.com/office/drawing/2014/main" id="{593736D7-2E17-4633-BC4C-48F7586D0322}"/>
+              </a:ext>
+            </a:extLst>
+          </p:cNvPr>
+          <p:cNvSpPr>
+            <a:spLocks noGrp="1"/>
+          </p:cNvSpPr>
+          <p:nvPr>
+            <p:ph type="title"/>
+          </p:nvPr>
+        </p:nvSpPr>
+        <p:spPr/>
+        <p:txBody>
+          <a:bodyPr/>
+          <a:lstStyle/>
+          <a:p>
+            <a:r>
+              <a:rPr lang="de-CH" dirty="0"/>
+              <a:t>Agenda</a:t>
+            </a:r>
+          </a:p>
+        </p:txBody>
+      </p:sp>
+      <p:sp>
+        <p:nvSpPr>
+          <p:cNvPr id="3" name="Content Placeholder 2">
+            <a:extLst>
+              <a:ext uri="{FF2B5EF4-FFF2-40B4-BE49-F238E27FC236}">
+                <a16:creationId xmlns:a16="http://schemas.microsoft.com/office/drawing/2014/main" id="{A09B2B0E-CFA1-4601-8E70-BDCC1305D1CF}"/>
+              </a:ext>
+            </a:extLst>
+          </p:cNvPr>
+          <p:cNvSpPr>
+            <a:spLocks noGrp="1"/>
+          </p:cNvSpPr>
+          <p:nvPr>
+            <p:ph idx="1"/>
+          </p:nvPr>
+        </p:nvSpPr>
+        <p:spPr/>
+        <p:txBody>
+          <a:bodyPr>
+            <a:normAutofit fontScale="85000" lnSpcReduction="20000"/>
+          </a:bodyPr>
+          <a:lstStyle/>
+          <a:p>
+            <a:r>
+              <a:rPr lang="de-CH" dirty="0" err="1"/>
+              <a:t>Define</a:t>
+            </a:r>
+            <a:r>
+              <a:rPr lang="de-CH" dirty="0"/>
+              <a:t> </a:t>
+            </a:r>
+            <a:r>
+              <a:rPr lang="de-CH" dirty="0" err="1"/>
+              <a:t>languages</a:t>
+            </a:r>
+            <a:r>
+              <a:rPr lang="de-CH" dirty="0"/>
+              <a:t>: EN, DE, FR, IT</a:t>
+            </a:r>
+          </a:p>
+          <a:p>
+            <a:r>
+              <a:rPr lang="de-CH" dirty="0" err="1"/>
+              <a:t>Choose</a:t>
+            </a:r>
+            <a:r>
+              <a:rPr lang="de-CH" dirty="0"/>
+              <a:t> a </a:t>
+            </a:r>
+            <a:r>
+              <a:rPr lang="de-CH" dirty="0" err="1"/>
+              <a:t>model</a:t>
+            </a:r>
+            <a:r>
+              <a:rPr lang="de-CH" dirty="0"/>
+              <a:t> and a </a:t>
+            </a:r>
+            <a:r>
+              <a:rPr lang="de-CH" dirty="0" err="1"/>
+              <a:t>dataset</a:t>
+            </a:r>
+            <a:endParaRPr lang="de-CH" dirty="0"/>
+          </a:p>
+          <a:p>
+            <a:r>
+              <a:rPr lang="de-CH" dirty="0" err="1"/>
+              <a:t>Know</a:t>
+            </a:r>
+            <a:r>
+              <a:rPr lang="de-CH" dirty="0"/>
+              <a:t> </a:t>
+            </a:r>
+            <a:r>
+              <a:rPr lang="de-CH" dirty="0" err="1"/>
+              <a:t>your</a:t>
+            </a:r>
+            <a:r>
+              <a:rPr lang="de-CH" dirty="0"/>
+              <a:t> </a:t>
+            </a:r>
+            <a:r>
+              <a:rPr lang="de-CH" dirty="0" err="1"/>
+              <a:t>data</a:t>
+            </a:r>
+            <a:endParaRPr lang="de-CH" dirty="0"/>
+          </a:p>
+          <a:p>
+            <a:r>
+              <a:rPr lang="de-CH" dirty="0" err="1"/>
+              <a:t>Preprocess</a:t>
+            </a:r>
+            <a:r>
+              <a:rPr lang="de-CH" dirty="0"/>
+              <a:t> </a:t>
+            </a:r>
+            <a:r>
+              <a:rPr lang="de-CH" dirty="0" err="1"/>
+              <a:t>the</a:t>
+            </a:r>
+            <a:r>
+              <a:rPr lang="de-CH" dirty="0"/>
+              <a:t> </a:t>
+            </a:r>
+            <a:r>
+              <a:rPr lang="de-CH" dirty="0" err="1"/>
+              <a:t>data</a:t>
+            </a:r>
+            <a:endParaRPr lang="de-CH" dirty="0"/>
+          </a:p>
+          <a:p>
+            <a:r>
+              <a:rPr lang="de-CH" dirty="0"/>
+              <a:t>Train and </a:t>
+            </a:r>
+            <a:r>
+              <a:rPr lang="de-CH" dirty="0" err="1"/>
+              <a:t>test</a:t>
+            </a:r>
+            <a:r>
+              <a:rPr lang="de-CH" dirty="0"/>
+              <a:t> </a:t>
+            </a:r>
+            <a:r>
+              <a:rPr lang="de-CH" dirty="0" err="1"/>
+              <a:t>the</a:t>
+            </a:r>
+            <a:r>
+              <a:rPr lang="de-CH" dirty="0"/>
+              <a:t> </a:t>
+            </a:r>
+            <a:r>
+              <a:rPr lang="de-CH" dirty="0" err="1"/>
+              <a:t>model</a:t>
+            </a:r>
+            <a:r>
+              <a:rPr lang="de-CH" dirty="0"/>
+              <a:t> in EN</a:t>
+            </a:r>
+          </a:p>
+          <a:p>
+            <a:r>
+              <a:rPr lang="de-CH" dirty="0"/>
+              <a:t>Test </a:t>
+            </a:r>
+            <a:r>
+              <a:rPr lang="de-CH" dirty="0" err="1"/>
+              <a:t>the</a:t>
+            </a:r>
+            <a:r>
+              <a:rPr lang="de-CH" dirty="0"/>
+              <a:t> </a:t>
+            </a:r>
+            <a:r>
+              <a:rPr lang="de-CH" dirty="0" err="1"/>
+              <a:t>model</a:t>
+            </a:r>
+            <a:r>
+              <a:rPr lang="de-CH" dirty="0"/>
+              <a:t> in DE, FR and IT</a:t>
+            </a:r>
+          </a:p>
+          <a:p>
+            <a:r>
+              <a:rPr lang="de-CH" dirty="0" err="1"/>
+              <a:t>Results</a:t>
+            </a:r>
+            <a:endParaRPr lang="de-CH" dirty="0"/>
+          </a:p>
+          <a:p>
+            <a:r>
+              <a:rPr lang="de-CH" dirty="0"/>
+              <a:t>Possible </a:t>
+            </a:r>
+            <a:r>
+              <a:rPr lang="de-CH" dirty="0" err="1"/>
+              <a:t>improvement</a:t>
+            </a:r>
+            <a:endParaRPr lang="de-CH" dirty="0"/>
+          </a:p>
+          <a:p>
+            <a:r>
+              <a:rPr lang="de-CH" dirty="0" err="1"/>
+              <a:t>Contrast</a:t>
+            </a:r>
+            <a:r>
+              <a:rPr lang="de-CH" dirty="0"/>
+              <a:t> </a:t>
+            </a:r>
+            <a:r>
+              <a:rPr lang="de-CH" dirty="0" err="1"/>
+              <a:t>approaches</a:t>
+            </a:r>
+            <a:endParaRPr lang="de-CH" dirty="0"/>
+          </a:p>
+          <a:p>
+            <a:r>
+              <a:rPr lang="de-CH" dirty="0" err="1"/>
+              <a:t>Limitations</a:t>
+            </a:r>
+            <a:r>
+              <a:rPr lang="de-CH" dirty="0"/>
+              <a:t> </a:t>
+            </a:r>
+            <a:r>
+              <a:rPr lang="de-CH" dirty="0" err="1"/>
+              <a:t>of</a:t>
+            </a:r>
+            <a:r>
+              <a:rPr lang="de-CH" dirty="0"/>
+              <a:t> </a:t>
+            </a:r>
+            <a:r>
+              <a:rPr lang="de-CH" dirty="0" err="1"/>
+              <a:t>approach</a:t>
+            </a:r>
+            <a:endParaRPr lang="de-CH" dirty="0"/>
+          </a:p>
+          <a:p>
+            <a:r>
+              <a:rPr lang="de-CH" dirty="0" err="1"/>
+              <a:t>Learnings</a:t>
+            </a:r>
+            <a:endParaRPr lang="de-CH" dirty="0"/>
+          </a:p>
+          <a:p>
+            <a:r>
+              <a:rPr lang="de-CH" dirty="0" err="1"/>
+              <a:t>Discussion</a:t>
+            </a:r>
+            <a:endParaRPr lang="de-CH" dirty="0"/>
+          </a:p>
+          <a:p>
+            <a:endParaRPr lang="de-CH" dirty="0"/>
+          </a:p>
+          <a:p>
+            <a:endParaRPr lang="de-CH" dirty="0"/>
+          </a:p>
+        </p:txBody>
+      </p:sp>
+    </p:spTree>
+    <p:extLst>
+      <p:ext uri="{BB962C8B-B14F-4D97-AF65-F5344CB8AC3E}">
+        <p14:creationId xmlns:p14="http://schemas.microsoft.com/office/powerpoint/2010/main" val="3250465406"/>
+      </p:ext>
+    </p:extLst>
+  </p:cSld>
+  <p:clrMapOvr>
+    <a:masterClrMapping/>
+  </p:clrMapOvr>
+</p:sld>
+</file>
+
+<file path=ppt/slides/slide30.xml><?xml version="1.0" encoding="utf-8"?>
+<p:sld xmlns:a="http://schemas.openxmlformats.org/drawingml/2006/main" xmlns:r="http://schemas.openxmlformats.org/officeDocument/2006/relationships" xmlns:p="http://schemas.openxmlformats.org/presentationml/2006/main">
+  <p:cSld>
+    <p:spTree>
+      <p:nvGrpSpPr>
+        <p:cNvPr id="1" name=""/>
+        <p:cNvGrpSpPr/>
+        <p:nvPr/>
+      </p:nvGrpSpPr>
+      <p:grpSpPr>
+        <a:xfrm>
+          <a:off x="0" y="0"/>
+          <a:ext cx="0" cy="0"/>
+          <a:chOff x="0" y="0"/>
+          <a:chExt cx="0" cy="0"/>
+        </a:xfrm>
+      </p:grpSpPr>
+      <p:sp>
+        <p:nvSpPr>
+          <p:cNvPr id="2" name="Titel 1">
+            <a:extLst>
+              <a:ext uri="{FF2B5EF4-FFF2-40B4-BE49-F238E27FC236}">
+                <a16:creationId xmlns:a16="http://schemas.microsoft.com/office/drawing/2014/main" id="{26D64721-2D18-1513-64DD-F728523A8896}"/>
+              </a:ext>
+            </a:extLst>
+          </p:cNvPr>
+          <p:cNvSpPr>
+            <a:spLocks noGrp="1"/>
+          </p:cNvSpPr>
+          <p:nvPr>
+            <p:ph type="title"/>
+          </p:nvPr>
+        </p:nvSpPr>
+        <p:spPr/>
+        <p:txBody>
+          <a:bodyPr/>
+          <a:lstStyle/>
+          <a:p>
+            <a:r>
+              <a:rPr lang="de-CH" dirty="0" err="1"/>
+              <a:t>Limitations</a:t>
+            </a:r>
+            <a:r>
+              <a:rPr lang="de-CH" dirty="0"/>
+              <a:t> </a:t>
+            </a:r>
+            <a:r>
+              <a:rPr lang="de-CH" dirty="0" err="1"/>
+              <a:t>of</a:t>
+            </a:r>
+            <a:r>
+              <a:rPr lang="de-CH" dirty="0"/>
+              <a:t> </a:t>
+            </a:r>
+            <a:r>
+              <a:rPr lang="de-CH" dirty="0" err="1"/>
+              <a:t>approach</a:t>
+            </a:r>
+            <a:endParaRPr lang="de-CH" dirty="0"/>
+          </a:p>
+        </p:txBody>
+      </p:sp>
+      <p:sp>
+        <p:nvSpPr>
+          <p:cNvPr id="3" name="Inhaltsplatzhalter 2">
+            <a:extLst>
+              <a:ext uri="{FF2B5EF4-FFF2-40B4-BE49-F238E27FC236}">
+                <a16:creationId xmlns:a16="http://schemas.microsoft.com/office/drawing/2014/main" id="{398B9ADA-9FB8-2F8B-5F36-AA300ED16F67}"/>
+              </a:ext>
+            </a:extLst>
+          </p:cNvPr>
+          <p:cNvSpPr>
+            <a:spLocks noGrp="1"/>
+          </p:cNvSpPr>
+          <p:nvPr>
+            <p:ph idx="1"/>
+          </p:nvPr>
+        </p:nvSpPr>
+        <p:spPr/>
+        <p:txBody>
+          <a:bodyPr/>
+          <a:lstStyle/>
+          <a:p>
+            <a:r>
+              <a:rPr lang="en-US" dirty="0"/>
+              <a:t>Not explicitly optimized to multilingualism</a:t>
+            </a:r>
+          </a:p>
+          <a:p>
+            <a:r>
+              <a:rPr lang="en-US" dirty="0"/>
+              <a:t>Didn’t learn enough patterns to compare the languages</a:t>
+            </a:r>
+          </a:p>
+          <a:p>
+            <a:r>
+              <a:rPr lang="en-US" dirty="0"/>
+              <a:t>Therefore is not reliable on low resource languages</a:t>
+            </a:r>
+          </a:p>
+          <a:p>
+            <a:r>
+              <a:rPr lang="en-US" dirty="0"/>
+              <a:t>Very likely to overfit in one language</a:t>
+            </a:r>
+          </a:p>
+        </p:txBody>
+      </p:sp>
+    </p:spTree>
+    <p:extLst>
+      <p:ext uri="{BB962C8B-B14F-4D97-AF65-F5344CB8AC3E}">
+        <p14:creationId xmlns:p14="http://schemas.microsoft.com/office/powerpoint/2010/main" val="2671724893"/>
+      </p:ext>
+    </p:extLst>
+  </p:cSld>
+  <p:clrMapOvr>
+    <a:masterClrMapping/>
+  </p:clrMapOvr>
+</p:sld>
+</file>
+
+<file path=ppt/slides/slide31.xml><?xml version="1.0" encoding="utf-8"?>
+<p:sld xmlns:a="http://schemas.openxmlformats.org/drawingml/2006/main" xmlns:r="http://schemas.openxmlformats.org/officeDocument/2006/relationships" xmlns:p="http://schemas.openxmlformats.org/presentationml/2006/main">
+  <p:cSld>
+    <p:spTree>
+      <p:nvGrpSpPr>
+        <p:cNvPr id="1" name=""/>
+        <p:cNvGrpSpPr/>
+        <p:nvPr/>
+      </p:nvGrpSpPr>
+      <p:grpSpPr>
+        <a:xfrm>
+          <a:off x="0" y="0"/>
+          <a:ext cx="0" cy="0"/>
+          <a:chOff x="0" y="0"/>
+          <a:chExt cx="0" cy="0"/>
+        </a:xfrm>
+      </p:grpSpPr>
+      <p:sp>
+        <p:nvSpPr>
           <p:cNvPr id="2" name="Title 1">
             <a:extLst>
               <a:ext uri="{FF2B5EF4-FFF2-40B4-BE49-F238E27FC236}">
@@ -14212,7 +17137,7 @@
 </p:sld>
 </file>
 
-<file path=ppt/slides/slide27.xml><?xml version="1.0" encoding="utf-8"?>
+<file path=ppt/slides/slide32.xml><?xml version="1.0" encoding="utf-8"?>
 <p:sld xmlns:a="http://schemas.openxmlformats.org/drawingml/2006/main" xmlns:r="http://schemas.openxmlformats.org/officeDocument/2006/relationships" xmlns:p="http://schemas.openxmlformats.org/presentationml/2006/main">
   <p:cSld>
     <p:spTree>
@@ -14304,7 +17229,7 @@
 </p:sld>
 </file>
 
-<file path=ppt/slides/slide28.xml><?xml version="1.0" encoding="utf-8"?>
+<file path=ppt/slides/slide33.xml><?xml version="1.0" encoding="utf-8"?>
 <p:sld xmlns:a="http://schemas.openxmlformats.org/drawingml/2006/main" xmlns:r="http://schemas.openxmlformats.org/officeDocument/2006/relationships" xmlns:p="http://schemas.openxmlformats.org/presentationml/2006/main">
   <p:cSld>
     <p:spTree>
@@ -14354,303 +17279,6 @@
     <p:extLst>
       <p:ext uri="{BB962C8B-B14F-4D97-AF65-F5344CB8AC3E}">
         <p14:creationId xmlns:p14="http://schemas.microsoft.com/office/powerpoint/2010/main" val="1273115057"/>
-      </p:ext>
-    </p:extLst>
-  </p:cSld>
-  <p:clrMapOvr>
-    <a:masterClrMapping/>
-  </p:clrMapOvr>
-</p:sld>
-</file>
-
-<file path=ppt/slides/slide3.xml><?xml version="1.0" encoding="utf-8"?>
-<p:sld xmlns:a="http://schemas.openxmlformats.org/drawingml/2006/main" xmlns:r="http://schemas.openxmlformats.org/officeDocument/2006/relationships" xmlns:p="http://schemas.openxmlformats.org/presentationml/2006/main">
-  <p:cSld>
-    <p:spTree>
-      <p:nvGrpSpPr>
-        <p:cNvPr id="1" name=""/>
-        <p:cNvGrpSpPr/>
-        <p:nvPr/>
-      </p:nvGrpSpPr>
-      <p:grpSpPr>
-        <a:xfrm>
-          <a:off x="0" y="0"/>
-          <a:ext cx="0" cy="0"/>
-          <a:chOff x="0" y="0"/>
-          <a:chExt cx="0" cy="0"/>
-        </a:xfrm>
-      </p:grpSpPr>
-      <p:sp>
-        <p:nvSpPr>
-          <p:cNvPr id="2" name="Title 1">
-            <a:extLst>
-              <a:ext uri="{FF2B5EF4-FFF2-40B4-BE49-F238E27FC236}">
-                <a16:creationId xmlns:a16="http://schemas.microsoft.com/office/drawing/2014/main" id="{593736D7-2E17-4633-BC4C-48F7586D0322}"/>
-              </a:ext>
-            </a:extLst>
-          </p:cNvPr>
-          <p:cNvSpPr>
-            <a:spLocks noGrp="1"/>
-          </p:cNvSpPr>
-          <p:nvPr>
-            <p:ph type="title"/>
-          </p:nvPr>
-        </p:nvSpPr>
-        <p:spPr/>
-        <p:txBody>
-          <a:bodyPr/>
-          <a:lstStyle/>
-          <a:p>
-            <a:r>
-              <a:rPr lang="de-CH" dirty="0"/>
-              <a:t>Agenda</a:t>
-            </a:r>
-          </a:p>
-        </p:txBody>
-      </p:sp>
-      <p:sp>
-        <p:nvSpPr>
-          <p:cNvPr id="3" name="Content Placeholder 2">
-            <a:extLst>
-              <a:ext uri="{FF2B5EF4-FFF2-40B4-BE49-F238E27FC236}">
-                <a16:creationId xmlns:a16="http://schemas.microsoft.com/office/drawing/2014/main" id="{A09B2B0E-CFA1-4601-8E70-BDCC1305D1CF}"/>
-              </a:ext>
-            </a:extLst>
-          </p:cNvPr>
-          <p:cNvSpPr>
-            <a:spLocks noGrp="1"/>
-          </p:cNvSpPr>
-          <p:nvPr>
-            <p:ph idx="1"/>
-          </p:nvPr>
-        </p:nvSpPr>
-        <p:spPr/>
-        <p:txBody>
-          <a:bodyPr>
-            <a:normAutofit fontScale="85000" lnSpcReduction="20000"/>
-          </a:bodyPr>
-          <a:lstStyle/>
-          <a:p>
-            <a:r>
-              <a:rPr lang="de-CH" dirty="0" err="1"/>
-              <a:t>Define</a:t>
-            </a:r>
-            <a:r>
-              <a:rPr lang="de-CH" dirty="0"/>
-              <a:t> </a:t>
-            </a:r>
-            <a:r>
-              <a:rPr lang="de-CH" dirty="0" err="1"/>
-              <a:t>languages</a:t>
-            </a:r>
-            <a:r>
-              <a:rPr lang="de-CH" dirty="0"/>
-              <a:t>: EN, DE, FR, IT</a:t>
-            </a:r>
-          </a:p>
-          <a:p>
-            <a:r>
-              <a:rPr lang="de-CH" dirty="0" err="1"/>
-              <a:t>Choose</a:t>
-            </a:r>
-            <a:r>
-              <a:rPr lang="de-CH" dirty="0"/>
-              <a:t> a </a:t>
-            </a:r>
-            <a:r>
-              <a:rPr lang="de-CH" dirty="0" err="1"/>
-              <a:t>model</a:t>
-            </a:r>
-            <a:r>
-              <a:rPr lang="de-CH" dirty="0"/>
-              <a:t> and a </a:t>
-            </a:r>
-            <a:r>
-              <a:rPr lang="de-CH" dirty="0" err="1"/>
-              <a:t>dataset</a:t>
-            </a:r>
-            <a:endParaRPr lang="de-CH" dirty="0"/>
-          </a:p>
-          <a:p>
-            <a:r>
-              <a:rPr lang="de-CH" dirty="0" err="1"/>
-              <a:t>Know</a:t>
-            </a:r>
-            <a:r>
-              <a:rPr lang="de-CH" dirty="0"/>
-              <a:t> </a:t>
-            </a:r>
-            <a:r>
-              <a:rPr lang="de-CH" dirty="0" err="1"/>
-              <a:t>your</a:t>
-            </a:r>
-            <a:r>
-              <a:rPr lang="de-CH" dirty="0"/>
-              <a:t> </a:t>
-            </a:r>
-            <a:r>
-              <a:rPr lang="de-CH" dirty="0" err="1"/>
-              <a:t>data</a:t>
-            </a:r>
-            <a:endParaRPr lang="de-CH" dirty="0"/>
-          </a:p>
-          <a:p>
-            <a:r>
-              <a:rPr lang="de-CH" dirty="0" err="1"/>
-              <a:t>Preprocess</a:t>
-            </a:r>
-            <a:r>
-              <a:rPr lang="de-CH" dirty="0"/>
-              <a:t> </a:t>
-            </a:r>
-            <a:r>
-              <a:rPr lang="de-CH" dirty="0" err="1"/>
-              <a:t>the</a:t>
-            </a:r>
-            <a:r>
-              <a:rPr lang="de-CH" dirty="0"/>
-              <a:t> </a:t>
-            </a:r>
-            <a:r>
-              <a:rPr lang="de-CH" dirty="0" err="1"/>
-              <a:t>data</a:t>
-            </a:r>
-            <a:endParaRPr lang="de-CH" dirty="0"/>
-          </a:p>
-          <a:p>
-            <a:r>
-              <a:rPr lang="de-CH" dirty="0"/>
-              <a:t>Train and </a:t>
-            </a:r>
-            <a:r>
-              <a:rPr lang="de-CH" dirty="0" err="1"/>
-              <a:t>test</a:t>
-            </a:r>
-            <a:r>
-              <a:rPr lang="de-CH" dirty="0"/>
-              <a:t> </a:t>
-            </a:r>
-            <a:r>
-              <a:rPr lang="de-CH" dirty="0" err="1"/>
-              <a:t>the</a:t>
-            </a:r>
-            <a:r>
-              <a:rPr lang="de-CH" dirty="0"/>
-              <a:t> </a:t>
-            </a:r>
-            <a:r>
-              <a:rPr lang="de-CH" dirty="0" err="1"/>
-              <a:t>model</a:t>
-            </a:r>
-            <a:r>
-              <a:rPr lang="de-CH" dirty="0"/>
-              <a:t> in EN</a:t>
-            </a:r>
-          </a:p>
-          <a:p>
-            <a:r>
-              <a:rPr lang="de-CH" dirty="0"/>
-              <a:t>Test </a:t>
-            </a:r>
-            <a:r>
-              <a:rPr lang="de-CH" dirty="0" err="1"/>
-              <a:t>the</a:t>
-            </a:r>
-            <a:r>
-              <a:rPr lang="de-CH" dirty="0"/>
-              <a:t> </a:t>
-            </a:r>
-            <a:r>
-              <a:rPr lang="de-CH" dirty="0" err="1"/>
-              <a:t>model</a:t>
-            </a:r>
-            <a:r>
-              <a:rPr lang="de-CH" dirty="0"/>
-              <a:t> in DE, FR and IT</a:t>
-            </a:r>
-          </a:p>
-          <a:p>
-            <a:r>
-              <a:rPr lang="de-CH" dirty="0" err="1"/>
-              <a:t>Results</a:t>
-            </a:r>
-            <a:endParaRPr lang="de-CH" dirty="0"/>
-          </a:p>
-          <a:p>
-            <a:r>
-              <a:rPr lang="de-CH" dirty="0"/>
-              <a:t>Possible </a:t>
-            </a:r>
-            <a:r>
-              <a:rPr lang="de-CH" dirty="0" err="1"/>
-              <a:t>improvement</a:t>
-            </a:r>
-            <a:endParaRPr lang="de-CH" dirty="0"/>
-          </a:p>
-          <a:p>
-            <a:r>
-              <a:rPr lang="de-CH" dirty="0" err="1"/>
-              <a:t>Contrast</a:t>
-            </a:r>
-            <a:r>
-              <a:rPr lang="de-CH" dirty="0"/>
-              <a:t> </a:t>
-            </a:r>
-            <a:r>
-              <a:rPr lang="de-CH" dirty="0" err="1"/>
-              <a:t>approaches</a:t>
-            </a:r>
-            <a:endParaRPr lang="de-CH" dirty="0"/>
-          </a:p>
-          <a:p>
-            <a:r>
-              <a:rPr lang="de-CH" dirty="0" err="1"/>
-              <a:t>Limitations</a:t>
-            </a:r>
-            <a:r>
-              <a:rPr lang="de-CH" dirty="0"/>
-              <a:t> </a:t>
-            </a:r>
-            <a:r>
-              <a:rPr lang="de-CH" dirty="0" err="1"/>
-              <a:t>of</a:t>
-            </a:r>
-            <a:r>
-              <a:rPr lang="de-CH" dirty="0"/>
-              <a:t> </a:t>
-            </a:r>
-            <a:r>
-              <a:rPr lang="de-CH" dirty="0" err="1"/>
-              <a:t>approach</a:t>
-            </a:r>
-            <a:endParaRPr lang="de-CH" dirty="0"/>
-          </a:p>
-          <a:p>
-            <a:r>
-              <a:rPr lang="de-CH" dirty="0" err="1"/>
-              <a:t>Learnings</a:t>
-            </a:r>
-            <a:endParaRPr lang="de-CH" dirty="0"/>
-          </a:p>
-          <a:p>
-            <a:r>
-              <a:rPr lang="de-CH" dirty="0" err="1"/>
-              <a:t>Discussion</a:t>
-            </a:r>
-            <a:endParaRPr lang="de-CH" dirty="0"/>
-          </a:p>
-          <a:p>
-            <a:endParaRPr lang="de-CH" dirty="0"/>
-          </a:p>
-          <a:p>
-            <a:endParaRPr lang="de-CH" dirty="0"/>
-          </a:p>
-        </p:txBody>
-      </p:sp>
-    </p:spTree>
-    <p:extLst>
-      <p:ext uri="{BB962C8B-B14F-4D97-AF65-F5344CB8AC3E}">
-        <p14:creationId xmlns:p14="http://schemas.microsoft.com/office/powerpoint/2010/main" val="3250465406"/>
       </p:ext>
     </p:extLst>
   </p:cSld>

--- a/CAS NLP Module 4_jd_bb.pptx
+++ b/CAS NLP Module 4_jd_bb.pptx
@@ -229,7 +229,7 @@
           <a:p>
             <a:fld id="{E51474CE-351A-4402-BD16-5C3CE3808280}" type="datetimeFigureOut">
               <a:rPr lang="en-US" smtClean="0"/>
-              <a:t>1/22/2025</a:t>
+              <a:t>1/23/2025</a:t>
             </a:fld>
             <a:endParaRPr lang="en-US"/>
           </a:p>
@@ -927,7 +927,70 @@
           <a:bodyPr/>
           <a:lstStyle/>
           <a:p>
-            <a:endParaRPr lang="de-CH" dirty="0"/>
+            <a:r>
+              <a:rPr lang="de-CH" dirty="0" err="1"/>
+              <a:t>There</a:t>
+            </a:r>
+            <a:r>
+              <a:rPr lang="de-CH" dirty="0"/>
+              <a:t> </a:t>
+            </a:r>
+            <a:r>
+              <a:rPr lang="de-CH" dirty="0" err="1"/>
+              <a:t>are</a:t>
+            </a:r>
+            <a:r>
+              <a:rPr lang="de-CH" dirty="0"/>
+              <a:t> </a:t>
+            </a:r>
+            <a:r>
+              <a:rPr lang="de-CH" dirty="0" err="1"/>
+              <a:t>more</a:t>
+            </a:r>
+            <a:r>
+              <a:rPr lang="de-CH" dirty="0"/>
+              <a:t> I </a:t>
+            </a:r>
+            <a:r>
+              <a:rPr lang="de-CH" dirty="0" err="1"/>
+              <a:t>than</a:t>
+            </a:r>
+            <a:r>
+              <a:rPr lang="de-CH" dirty="0"/>
+              <a:t> B </a:t>
+            </a:r>
+            <a:r>
+              <a:rPr lang="de-CH" dirty="0" err="1"/>
+              <a:t>tagged</a:t>
+            </a:r>
+            <a:r>
+              <a:rPr lang="de-CH" dirty="0"/>
+              <a:t> </a:t>
+            </a:r>
+            <a:r>
+              <a:rPr lang="de-CH" dirty="0" err="1"/>
+              <a:t>entities</a:t>
+            </a:r>
+            <a:r>
+              <a:rPr lang="de-CH" dirty="0"/>
+              <a:t> in all </a:t>
+            </a:r>
+            <a:r>
+              <a:rPr lang="de-CH" dirty="0" err="1"/>
+              <a:t>entity</a:t>
+            </a:r>
+            <a:r>
+              <a:rPr lang="de-CH" dirty="0"/>
+              <a:t> </a:t>
+            </a:r>
+            <a:r>
+              <a:rPr lang="de-CH" dirty="0" err="1"/>
+              <a:t>types</a:t>
+            </a:r>
+            <a:r>
+              <a:rPr lang="de-CH" dirty="0"/>
+              <a:t>. </a:t>
+            </a:r>
           </a:p>
         </p:txBody>
       </p:sp>
@@ -1029,7 +1092,50 @@
           <a:bodyPr/>
           <a:lstStyle/>
           <a:p>
-            <a:endParaRPr lang="de-CH" dirty="0"/>
+            <a:r>
+              <a:rPr lang="de-CH" dirty="0"/>
+              <a:t>More B </a:t>
+            </a:r>
+            <a:r>
+              <a:rPr lang="de-CH" dirty="0" err="1"/>
+              <a:t>tagged</a:t>
+            </a:r>
+            <a:r>
+              <a:rPr lang="de-CH" dirty="0"/>
+              <a:t> </a:t>
+            </a:r>
+            <a:r>
+              <a:rPr lang="de-CH" dirty="0" err="1"/>
+              <a:t>entities</a:t>
+            </a:r>
+            <a:r>
+              <a:rPr lang="de-CH" dirty="0"/>
+              <a:t> in </a:t>
+            </a:r>
+            <a:r>
+              <a:rPr lang="de-CH" dirty="0" err="1"/>
+              <a:t>the</a:t>
+            </a:r>
+            <a:r>
+              <a:rPr lang="de-CH" dirty="0"/>
+              <a:t> </a:t>
+            </a:r>
+            <a:r>
+              <a:rPr lang="de-CH" dirty="0" err="1"/>
+              <a:t>location</a:t>
+            </a:r>
+            <a:r>
+              <a:rPr lang="de-CH" dirty="0"/>
+              <a:t> </a:t>
+            </a:r>
+            <a:r>
+              <a:rPr lang="de-CH" dirty="0" err="1"/>
+              <a:t>entities</a:t>
+            </a:r>
+            <a:r>
+              <a:rPr lang="de-CH" dirty="0"/>
+              <a:t>. </a:t>
+            </a:r>
           </a:p>
         </p:txBody>
       </p:sp>
@@ -1137,6 +1243,89 @@
           <a:bodyPr/>
           <a:lstStyle/>
           <a:p>
+            <a:pPr marL="0" marR="0" lvl="0" indent="0" algn="l" defTabSz="914400" rtl="0" eaLnBrk="1" fontAlgn="auto" latinLnBrk="0" hangingPunct="1">
+              <a:lnSpc>
+                <a:spcPct val="100000"/>
+              </a:lnSpc>
+              <a:spcBef>
+                <a:spcPts val="0"/>
+              </a:spcBef>
+              <a:spcAft>
+                <a:spcPts val="0"/>
+              </a:spcAft>
+              <a:buClrTx/>
+              <a:buSzTx/>
+              <a:buFontTx/>
+              <a:buNone/>
+              <a:tabLst/>
+              <a:defRPr/>
+            </a:pPr>
+            <a:r>
+              <a:rPr lang="de-CH" dirty="0" err="1"/>
+              <a:t>There</a:t>
+            </a:r>
+            <a:r>
+              <a:rPr lang="de-CH" dirty="0"/>
+              <a:t> </a:t>
+            </a:r>
+            <a:r>
+              <a:rPr lang="de-CH" dirty="0" err="1"/>
+              <a:t>are</a:t>
+            </a:r>
+            <a:r>
+              <a:rPr lang="de-CH" dirty="0"/>
+              <a:t> </a:t>
+            </a:r>
+            <a:r>
+              <a:rPr lang="de-CH" dirty="0" err="1"/>
+              <a:t>more</a:t>
+            </a:r>
+            <a:r>
+              <a:rPr lang="de-CH" dirty="0"/>
+              <a:t> I </a:t>
+            </a:r>
+            <a:r>
+              <a:rPr lang="de-CH" dirty="0" err="1"/>
+              <a:t>than</a:t>
+            </a:r>
+            <a:r>
+              <a:rPr lang="de-CH" dirty="0"/>
+              <a:t> B </a:t>
+            </a:r>
+            <a:r>
+              <a:rPr lang="de-CH" dirty="0" err="1"/>
+              <a:t>tagged</a:t>
+            </a:r>
+            <a:r>
+              <a:rPr lang="de-CH" dirty="0"/>
+              <a:t> </a:t>
+            </a:r>
+            <a:r>
+              <a:rPr lang="de-CH" dirty="0" err="1"/>
+              <a:t>entities</a:t>
+            </a:r>
+            <a:r>
+              <a:rPr lang="de-CH" dirty="0"/>
+              <a:t> in all </a:t>
+            </a:r>
+            <a:r>
+              <a:rPr lang="de-CH" dirty="0" err="1"/>
+              <a:t>entity</a:t>
+            </a:r>
+            <a:r>
+              <a:rPr lang="de-CH" dirty="0"/>
+              <a:t> </a:t>
+            </a:r>
+            <a:r>
+              <a:rPr lang="de-CH" dirty="0" err="1"/>
+              <a:t>types</a:t>
+            </a:r>
+            <a:r>
+              <a:rPr lang="de-CH" dirty="0"/>
+              <a:t>. </a:t>
+            </a:r>
+          </a:p>
+          <a:p>
             <a:endParaRPr lang="de-CH" dirty="0"/>
           </a:p>
         </p:txBody>
@@ -1245,6 +1434,73 @@
           <a:bodyPr/>
           <a:lstStyle/>
           <a:p>
+            <a:pPr marL="0" marR="0" lvl="0" indent="0" algn="l" defTabSz="914400" rtl="0" eaLnBrk="1" fontAlgn="auto" latinLnBrk="0" hangingPunct="1">
+              <a:lnSpc>
+                <a:spcPct val="100000"/>
+              </a:lnSpc>
+              <a:spcBef>
+                <a:spcPts val="0"/>
+              </a:spcBef>
+              <a:spcAft>
+                <a:spcPts val="0"/>
+              </a:spcAft>
+              <a:buClrTx/>
+              <a:buSzTx/>
+              <a:buFontTx/>
+              <a:buNone/>
+              <a:tabLst/>
+              <a:defRPr/>
+            </a:pPr>
+            <a:r>
+              <a:rPr lang="de-CH" dirty="0"/>
+              <a:t>More B </a:t>
+            </a:r>
+            <a:r>
+              <a:rPr lang="de-CH" dirty="0" err="1"/>
+              <a:t>tagged</a:t>
+            </a:r>
+            <a:r>
+              <a:rPr lang="de-CH" dirty="0"/>
+              <a:t> </a:t>
+            </a:r>
+            <a:r>
+              <a:rPr lang="de-CH" dirty="0" err="1"/>
+              <a:t>entities</a:t>
+            </a:r>
+            <a:r>
+              <a:rPr lang="de-CH" dirty="0"/>
+              <a:t> in </a:t>
+            </a:r>
+            <a:r>
+              <a:rPr lang="de-CH" dirty="0" err="1"/>
+              <a:t>the</a:t>
+            </a:r>
+            <a:r>
+              <a:rPr lang="de-CH" dirty="0"/>
+              <a:t> </a:t>
+            </a:r>
+            <a:r>
+              <a:rPr lang="de-CH" dirty="0" err="1"/>
+              <a:t>location</a:t>
+            </a:r>
+            <a:r>
+              <a:rPr lang="de-CH" dirty="0"/>
+              <a:t> </a:t>
+            </a:r>
+            <a:r>
+              <a:rPr lang="de-CH" dirty="0" err="1"/>
+              <a:t>entities</a:t>
+            </a:r>
+            <a:r>
+              <a:rPr lang="de-CH" dirty="0"/>
+              <a:t>. </a:t>
+            </a:r>
+          </a:p>
+          <a:p>
+            <a:r>
+              <a:rPr lang="en-US" dirty="0"/>
+              <a:t>The differences between the languages could stem from different annotation styles. With persons and organizations, on the other hand, it is clear: as these often consist of several tokens, there are more I tagged entities here in all languages. The fact that there are more B tagged entities in LOC in German and Italian could be due to the fact that German and Italian place names increasingly consist of only one word. But that is just a hypothesis. </a:t>
+            </a:r>
             <a:endParaRPr lang="de-CH" dirty="0"/>
           </a:p>
         </p:txBody>
@@ -7883,7 +8139,7 @@
           <a:p>
             <a:fld id="{69F73540-DFB5-4816-8066-5D194A0B149D}" type="datetimeFigureOut">
               <a:rPr lang="de-CH" smtClean="0"/>
-              <a:t>22.01.2025</a:t>
+              <a:t>23.01.2025</a:t>
             </a:fld>
             <a:endParaRPr lang="de-CH"/>
           </a:p>
@@ -8158,7 +8414,7 @@
           <a:p>
             <a:fld id="{69F73540-DFB5-4816-8066-5D194A0B149D}" type="datetimeFigureOut">
               <a:rPr lang="de-CH" smtClean="0"/>
-              <a:t>22.01.2025</a:t>
+              <a:t>23.01.2025</a:t>
             </a:fld>
             <a:endParaRPr lang="de-CH"/>
           </a:p>
@@ -8352,7 +8608,7 @@
           <a:p>
             <a:fld id="{69F73540-DFB5-4816-8066-5D194A0B149D}" type="datetimeFigureOut">
               <a:rPr lang="de-CH" smtClean="0"/>
-              <a:t>22.01.2025</a:t>
+              <a:t>23.01.2025</a:t>
             </a:fld>
             <a:endParaRPr lang="de-CH"/>
           </a:p>
@@ -8625,7 +8881,7 @@
           <a:p>
             <a:fld id="{69F73540-DFB5-4816-8066-5D194A0B149D}" type="datetimeFigureOut">
               <a:rPr lang="de-CH" smtClean="0"/>
-              <a:t>22.01.2025</a:t>
+              <a:t>23.01.2025</a:t>
             </a:fld>
             <a:endParaRPr lang="de-CH"/>
           </a:p>
@@ -8966,7 +9222,7 @@
           <a:p>
             <a:fld id="{69F73540-DFB5-4816-8066-5D194A0B149D}" type="datetimeFigureOut">
               <a:rPr lang="de-CH" smtClean="0"/>
-              <a:t>22.01.2025</a:t>
+              <a:t>23.01.2025</a:t>
             </a:fld>
             <a:endParaRPr lang="de-CH"/>
           </a:p>
@@ -9589,7 +9845,7 @@
           <a:p>
             <a:fld id="{69F73540-DFB5-4816-8066-5D194A0B149D}" type="datetimeFigureOut">
               <a:rPr lang="de-CH" smtClean="0"/>
-              <a:t>22.01.2025</a:t>
+              <a:t>23.01.2025</a:t>
             </a:fld>
             <a:endParaRPr lang="de-CH"/>
           </a:p>
@@ -10449,7 +10705,7 @@
           <a:p>
             <a:fld id="{69F73540-DFB5-4816-8066-5D194A0B149D}" type="datetimeFigureOut">
               <a:rPr lang="de-CH" smtClean="0"/>
-              <a:t>22.01.2025</a:t>
+              <a:t>23.01.2025</a:t>
             </a:fld>
             <a:endParaRPr lang="de-CH"/>
           </a:p>
@@ -10619,7 +10875,7 @@
           <a:p>
             <a:fld id="{69F73540-DFB5-4816-8066-5D194A0B149D}" type="datetimeFigureOut">
               <a:rPr lang="de-CH" smtClean="0"/>
-              <a:t>22.01.2025</a:t>
+              <a:t>23.01.2025</a:t>
             </a:fld>
             <a:endParaRPr lang="de-CH"/>
           </a:p>
@@ -10799,7 +11055,7 @@
           <a:p>
             <a:fld id="{69F73540-DFB5-4816-8066-5D194A0B149D}" type="datetimeFigureOut">
               <a:rPr lang="de-CH" smtClean="0"/>
-              <a:t>22.01.2025</a:t>
+              <a:t>23.01.2025</a:t>
             </a:fld>
             <a:endParaRPr lang="de-CH"/>
           </a:p>
@@ -10969,7 +11225,7 @@
           <a:p>
             <a:fld id="{69F73540-DFB5-4816-8066-5D194A0B149D}" type="datetimeFigureOut">
               <a:rPr lang="de-CH" smtClean="0"/>
-              <a:t>22.01.2025</a:t>
+              <a:t>23.01.2025</a:t>
             </a:fld>
             <a:endParaRPr lang="de-CH"/>
           </a:p>
@@ -11216,7 +11472,7 @@
           <a:p>
             <a:fld id="{69F73540-DFB5-4816-8066-5D194A0B149D}" type="datetimeFigureOut">
               <a:rPr lang="de-CH" smtClean="0"/>
-              <a:t>22.01.2025</a:t>
+              <a:t>23.01.2025</a:t>
             </a:fld>
             <a:endParaRPr lang="de-CH"/>
           </a:p>
@@ -11508,7 +11764,7 @@
           <a:p>
             <a:fld id="{69F73540-DFB5-4816-8066-5D194A0B149D}" type="datetimeFigureOut">
               <a:rPr lang="de-CH" smtClean="0"/>
-              <a:t>22.01.2025</a:t>
+              <a:t>23.01.2025</a:t>
             </a:fld>
             <a:endParaRPr lang="de-CH"/>
           </a:p>
@@ -11952,7 +12208,7 @@
           <a:p>
             <a:fld id="{69F73540-DFB5-4816-8066-5D194A0B149D}" type="datetimeFigureOut">
               <a:rPr lang="de-CH" smtClean="0"/>
-              <a:t>22.01.2025</a:t>
+              <a:t>23.01.2025</a:t>
             </a:fld>
             <a:endParaRPr lang="de-CH"/>
           </a:p>
@@ -12070,7 +12326,7 @@
           <a:p>
             <a:fld id="{69F73540-DFB5-4816-8066-5D194A0B149D}" type="datetimeFigureOut">
               <a:rPr lang="de-CH" smtClean="0"/>
-              <a:t>22.01.2025</a:t>
+              <a:t>23.01.2025</a:t>
             </a:fld>
             <a:endParaRPr lang="de-CH"/>
           </a:p>
@@ -12165,7 +12421,7 @@
           <a:p>
             <a:fld id="{69F73540-DFB5-4816-8066-5D194A0B149D}" type="datetimeFigureOut">
               <a:rPr lang="de-CH" smtClean="0"/>
-              <a:t>22.01.2025</a:t>
+              <a:t>23.01.2025</a:t>
             </a:fld>
             <a:endParaRPr lang="de-CH"/>
           </a:p>
@@ -12444,7 +12700,7 @@
           <a:p>
             <a:fld id="{69F73540-DFB5-4816-8066-5D194A0B149D}" type="datetimeFigureOut">
               <a:rPr lang="de-CH" smtClean="0"/>
-              <a:t>22.01.2025</a:t>
+              <a:t>23.01.2025</a:t>
             </a:fld>
             <a:endParaRPr lang="de-CH"/>
           </a:p>
@@ -12719,7 +12975,7 @@
           <a:p>
             <a:fld id="{69F73540-DFB5-4816-8066-5D194A0B149D}" type="datetimeFigureOut">
               <a:rPr lang="de-CH" smtClean="0"/>
-              <a:t>22.01.2025</a:t>
+              <a:t>23.01.2025</a:t>
             </a:fld>
             <a:endParaRPr lang="de-CH"/>
           </a:p>
@@ -13148,7 +13404,7 @@
           <a:p>
             <a:fld id="{69F73540-DFB5-4816-8066-5D194A0B149D}" type="datetimeFigureOut">
               <a:rPr lang="de-CH" smtClean="0"/>
-              <a:t>22.01.2025</a:t>
+              <a:t>23.01.2025</a:t>
             </a:fld>
             <a:endParaRPr lang="de-CH"/>
           </a:p>
@@ -14430,10 +14686,10 @@
       </p:sp>
       <p:pic>
         <p:nvPicPr>
-          <p:cNvPr id="5" name="Grafik 4">
+          <p:cNvPr id="7" name="Grafik 6">
             <a:extLst>
               <a:ext uri="{FF2B5EF4-FFF2-40B4-BE49-F238E27FC236}">
-                <a16:creationId xmlns:a16="http://schemas.microsoft.com/office/drawing/2014/main" id="{DE9D98E0-9D2C-48F2-B605-4F9AB1386237}"/>
+                <a16:creationId xmlns:a16="http://schemas.microsoft.com/office/drawing/2014/main" id="{367BD055-FF8C-E40A-2686-0E7AFAC71D0F}"/>
               </a:ext>
             </a:extLst>
           </p:cNvPr>
@@ -14450,8 +14706,8 @@
         </p:blipFill>
         <p:spPr>
           <a:xfrm>
-            <a:off x="1864724" y="1326711"/>
-            <a:ext cx="7352173" cy="5319567"/>
+            <a:off x="2219297" y="1152983"/>
+            <a:ext cx="7639106" cy="5448340"/>
           </a:xfrm>
           <a:prstGeom prst="rect">
             <a:avLst/>
@@ -14540,10 +14796,10 @@
       </p:sp>
       <p:pic>
         <p:nvPicPr>
-          <p:cNvPr id="4" name="Grafik 3">
+          <p:cNvPr id="5" name="Grafik 4">
             <a:extLst>
               <a:ext uri="{FF2B5EF4-FFF2-40B4-BE49-F238E27FC236}">
-                <a16:creationId xmlns:a16="http://schemas.microsoft.com/office/drawing/2014/main" id="{0D155C9C-59A5-DD0F-3739-C600F108619D}"/>
+                <a16:creationId xmlns:a16="http://schemas.microsoft.com/office/drawing/2014/main" id="{DE0B368D-12F6-CEE0-F002-913707F1C195}"/>
               </a:ext>
             </a:extLst>
           </p:cNvPr>
@@ -14560,8 +14816,8 @@
         </p:blipFill>
         <p:spPr>
           <a:xfrm>
-            <a:off x="2141166" y="1292764"/>
-            <a:ext cx="7436985" cy="5308148"/>
+            <a:off x="2387574" y="1252517"/>
+            <a:ext cx="7048552" cy="5457865"/>
           </a:xfrm>
           <a:prstGeom prst="rect">
             <a:avLst/>
@@ -14650,10 +14906,10 @@
       </p:sp>
       <p:pic>
         <p:nvPicPr>
-          <p:cNvPr id="4" name="Grafik 3">
+          <p:cNvPr id="5" name="Grafik 4">
             <a:extLst>
               <a:ext uri="{FF2B5EF4-FFF2-40B4-BE49-F238E27FC236}">
-                <a16:creationId xmlns:a16="http://schemas.microsoft.com/office/drawing/2014/main" id="{2C8CC483-E16E-8A09-DA9D-D147E541A76C}"/>
+                <a16:creationId xmlns:a16="http://schemas.microsoft.com/office/drawing/2014/main" id="{549311B1-BBB3-3A64-8B78-DFAD1C984696}"/>
               </a:ext>
             </a:extLst>
           </p:cNvPr>
@@ -14670,8 +14926,8 @@
         </p:blipFill>
         <p:spPr>
           <a:xfrm>
-            <a:off x="1921004" y="1317476"/>
-            <a:ext cx="7343208" cy="5187155"/>
+            <a:off x="2449487" y="1152983"/>
+            <a:ext cx="6924726" cy="5429290"/>
           </a:xfrm>
           <a:prstGeom prst="rect">
             <a:avLst/>
@@ -14760,10 +15016,10 @@
       </p:sp>
       <p:pic>
         <p:nvPicPr>
-          <p:cNvPr id="4" name="Grafik 3">
+          <p:cNvPr id="5" name="Grafik 4">
             <a:extLst>
               <a:ext uri="{FF2B5EF4-FFF2-40B4-BE49-F238E27FC236}">
-                <a16:creationId xmlns:a16="http://schemas.microsoft.com/office/drawing/2014/main" id="{2F772168-0485-CD1E-DAFB-FF3022070A22}"/>
+                <a16:creationId xmlns:a16="http://schemas.microsoft.com/office/drawing/2014/main" id="{AA5CAD63-ACD4-E3CC-04BA-D80268C0603F}"/>
               </a:ext>
             </a:extLst>
           </p:cNvPr>
@@ -14780,8 +15036,8 @@
         </p:blipFill>
         <p:spPr>
           <a:xfrm>
-            <a:off x="2141166" y="1295638"/>
-            <a:ext cx="7318060" cy="5199673"/>
+            <a:off x="2500287" y="1152983"/>
+            <a:ext cx="6924726" cy="5410240"/>
           </a:xfrm>
           <a:prstGeom prst="rect">
             <a:avLst/>

--- a/CAS NLP Module 4_jd_bb.pptx
+++ b/CAS NLP Module 4_jd_bb.pptx
@@ -5,7 +5,7 @@
     <p:sldMasterId id="2147483660" r:id="rId1"/>
   </p:sldMasterIdLst>
   <p:notesMasterIdLst>
-    <p:notesMasterId r:id="rId35"/>
+    <p:notesMasterId r:id="rId36"/>
   </p:notesMasterIdLst>
   <p:sldIdLst>
     <p:sldId id="256" r:id="rId2"/>
@@ -29,18 +29,19 @@
     <p:sldId id="284" r:id="rId20"/>
     <p:sldId id="285" r:id="rId21"/>
     <p:sldId id="263" r:id="rId22"/>
-    <p:sldId id="286" r:id="rId23"/>
-    <p:sldId id="264" r:id="rId24"/>
-    <p:sldId id="265" r:id="rId25"/>
-    <p:sldId id="287" r:id="rId26"/>
-    <p:sldId id="288" r:id="rId27"/>
-    <p:sldId id="289" r:id="rId28"/>
-    <p:sldId id="290" r:id="rId29"/>
-    <p:sldId id="291" r:id="rId30"/>
-    <p:sldId id="283" r:id="rId31"/>
-    <p:sldId id="266" r:id="rId32"/>
-    <p:sldId id="267" r:id="rId33"/>
-    <p:sldId id="268" r:id="rId34"/>
+    <p:sldId id="292" r:id="rId23"/>
+    <p:sldId id="286" r:id="rId24"/>
+    <p:sldId id="264" r:id="rId25"/>
+    <p:sldId id="265" r:id="rId26"/>
+    <p:sldId id="287" r:id="rId27"/>
+    <p:sldId id="288" r:id="rId28"/>
+    <p:sldId id="289" r:id="rId29"/>
+    <p:sldId id="290" r:id="rId30"/>
+    <p:sldId id="291" r:id="rId31"/>
+    <p:sldId id="283" r:id="rId32"/>
+    <p:sldId id="266" r:id="rId33"/>
+    <p:sldId id="267" r:id="rId34"/>
+    <p:sldId id="268" r:id="rId35"/>
   </p:sldIdLst>
   <p:sldSz cx="12192000" cy="6858000"/>
   <p:notesSz cx="6858000" cy="9144000"/>
@@ -229,7 +230,7 @@
           <a:p>
             <a:fld id="{E51474CE-351A-4402-BD16-5C3CE3808280}" type="datetimeFigureOut">
               <a:rPr lang="en-US" smtClean="0"/>
-              <a:t>1/23/2025</a:t>
+              <a:t>1/24/2025</a:t>
             </a:fld>
             <a:endParaRPr lang="en-US"/>
           </a:p>
@@ -387,7 +388,7 @@
           <a:p>
             <a:fld id="{2DA66685-3D22-47BB-B74E-10995D7F8271}" type="slidenum">
               <a:rPr lang="en-US" smtClean="0"/>
-              <a:t>‹Nr.›</a:t>
+              <a:t>‹#›</a:t>
             </a:fld>
             <a:endParaRPr lang="en-US"/>
           </a:p>
@@ -2902,345 +2903,263 @@
           <a:bodyPr/>
           <a:lstStyle/>
           <a:p>
-            <a:pPr marL="0" marR="0" lvl="0" indent="0" algn="l" defTabSz="914400" rtl="0" eaLnBrk="1" fontAlgn="auto" latinLnBrk="0" hangingPunct="1">
-              <a:lnSpc>
-                <a:spcPct val="100000"/>
-              </a:lnSpc>
-              <a:spcBef>
-                <a:spcPts val="0"/>
-              </a:spcBef>
-              <a:spcAft>
-                <a:spcPts val="0"/>
-              </a:spcAft>
-              <a:buClrTx/>
-              <a:buSzTx/>
-              <a:buFontTx/>
-              <a:buNone/>
-              <a:tabLst/>
-              <a:defRPr/>
-            </a:pPr>
-            <a:r>
-              <a:rPr lang="de-CH" dirty="0"/>
-              <a:t>The </a:t>
-            </a:r>
-            <a:r>
-              <a:rPr lang="de-CH" dirty="0" err="1"/>
-              <a:t>results</a:t>
-            </a:r>
-            <a:r>
-              <a:rPr lang="de-CH" dirty="0"/>
-              <a:t> </a:t>
-            </a:r>
-            <a:r>
-              <a:rPr lang="de-CH" dirty="0" err="1"/>
-              <a:t>are</a:t>
-            </a:r>
-            <a:r>
-              <a:rPr lang="de-CH" dirty="0"/>
-              <a:t> </a:t>
-            </a:r>
-            <a:r>
-              <a:rPr lang="de-CH" dirty="0" err="1"/>
-              <a:t>pretty</a:t>
-            </a:r>
-            <a:r>
-              <a:rPr lang="de-CH" dirty="0"/>
-              <a:t> </a:t>
-            </a:r>
-            <a:r>
-              <a:rPr lang="de-CH" dirty="0" err="1"/>
-              <a:t>bad</a:t>
-            </a:r>
-            <a:r>
-              <a:rPr lang="de-CH" dirty="0"/>
-              <a:t>. </a:t>
-            </a:r>
-            <a:r>
-              <a:rPr lang="de-CH" dirty="0" err="1"/>
-              <a:t>We</a:t>
-            </a:r>
-            <a:r>
-              <a:rPr lang="de-CH" dirty="0"/>
-              <a:t> </a:t>
-            </a:r>
-            <a:r>
-              <a:rPr lang="de-CH" dirty="0" err="1"/>
-              <a:t>tested</a:t>
-            </a:r>
-            <a:r>
-              <a:rPr lang="de-CH" dirty="0"/>
-              <a:t> </a:t>
-            </a:r>
-            <a:r>
-              <a:rPr lang="de-CH" dirty="0" err="1"/>
-              <a:t>the</a:t>
-            </a:r>
-            <a:r>
-              <a:rPr lang="de-CH" dirty="0"/>
-              <a:t> </a:t>
-            </a:r>
-            <a:r>
-              <a:rPr lang="de-CH" dirty="0" err="1"/>
+            <a:r>
+              <a:rPr lang="de-CH" sz="1800" dirty="0">
+                <a:effectLst/>
+                <a:latin typeface="Calibri" panose="020F0502020204030204" pitchFamily="34" charset="0"/>
+              </a:rPr>
+              <a:t>Kyle </a:t>
+            </a:r>
+            <a:r>
+              <a:rPr lang="de-CH" sz="1800" dirty="0" err="1">
+                <a:effectLst/>
+                <a:latin typeface="Calibri" panose="020F0502020204030204" pitchFamily="34" charset="0"/>
+              </a:rPr>
+              <a:t>Shuffer</a:t>
+            </a:r>
+            <a:r>
+              <a:rPr lang="de-CH" sz="1800" dirty="0">
+                <a:effectLst/>
+                <a:latin typeface="Calibri" panose="020F0502020204030204" pitchFamily="34" charset="0"/>
+              </a:rPr>
+              <a:t>: </a:t>
+            </a:r>
+            <a:r>
+              <a:rPr lang="de-CH" sz="1800" dirty="0" err="1">
+                <a:effectLst/>
+                <a:latin typeface="Calibri" panose="020F0502020204030204" pitchFamily="34" charset="0"/>
+              </a:rPr>
+              <a:t>Two</a:t>
+            </a:r>
+            <a:r>
+              <a:rPr lang="de-CH" sz="1800" dirty="0">
+                <a:effectLst/>
+                <a:latin typeface="Calibri" panose="020F0502020204030204" pitchFamily="34" charset="0"/>
+              </a:rPr>
+              <a:t>-dimensional </a:t>
+            </a:r>
+            <a:r>
+              <a:rPr lang="de-CH" sz="1800" dirty="0" err="1">
+                <a:effectLst/>
+                <a:latin typeface="Calibri" panose="020F0502020204030204" pitchFamily="34" charset="0"/>
+              </a:rPr>
+              <a:t>plot</a:t>
+            </a:r>
+            <a:r>
+              <a:rPr lang="de-CH" sz="1800" dirty="0">
+                <a:effectLst/>
+                <a:latin typeface="Calibri" panose="020F0502020204030204" pitchFamily="34" charset="0"/>
+              </a:rPr>
+              <a:t> </a:t>
+            </a:r>
+            <a:r>
+              <a:rPr lang="de-CH" sz="1800" dirty="0" err="1">
+                <a:effectLst/>
+                <a:latin typeface="Calibri" panose="020F0502020204030204" pitchFamily="34" charset="0"/>
+              </a:rPr>
+              <a:t>of</a:t>
+            </a:r>
+            <a:r>
+              <a:rPr lang="de-CH" sz="1800" dirty="0">
+                <a:effectLst/>
+                <a:latin typeface="Calibri" panose="020F0502020204030204" pitchFamily="34" charset="0"/>
+              </a:rPr>
+              <a:t> </a:t>
+            </a:r>
+            <a:r>
+              <a:rPr lang="de-CH" sz="1800" dirty="0" err="1">
+                <a:effectLst/>
+                <a:latin typeface="Calibri" panose="020F0502020204030204" pitchFamily="34" charset="0"/>
+              </a:rPr>
+              <a:t>sentences</a:t>
+            </a:r>
+            <a:r>
+              <a:rPr lang="de-CH" sz="1800" dirty="0">
+                <a:effectLst/>
+                <a:latin typeface="Calibri" panose="020F0502020204030204" pitchFamily="34" charset="0"/>
+              </a:rPr>
+              <a:t> after </a:t>
+            </a:r>
+            <a:r>
+              <a:rPr lang="de-CH" sz="1800" dirty="0" err="1">
+                <a:effectLst/>
+                <a:latin typeface="Calibri" panose="020F0502020204030204" pitchFamily="34" charset="0"/>
+              </a:rPr>
+              <a:t>being</a:t>
+            </a:r>
+            <a:r>
+              <a:rPr lang="de-CH" sz="1800" dirty="0">
+                <a:effectLst/>
+                <a:latin typeface="Calibri" panose="020F0502020204030204" pitchFamily="34" charset="0"/>
+              </a:rPr>
+              <a:t> </a:t>
+            </a:r>
+            <a:r>
+              <a:rPr lang="de-CH" sz="1800" dirty="0" err="1">
+                <a:effectLst/>
+                <a:latin typeface="Calibri" panose="020F0502020204030204" pitchFamily="34" charset="0"/>
+              </a:rPr>
+              <a:t>encoded</a:t>
+            </a:r>
+            <a:r>
+              <a:rPr lang="de-CH" sz="1800" dirty="0">
+                <a:effectLst/>
+                <a:latin typeface="Calibri" panose="020F0502020204030204" pitchFamily="34" charset="0"/>
+              </a:rPr>
+              <a:t> </a:t>
+            </a:r>
+            <a:r>
+              <a:rPr lang="de-CH" sz="1800" dirty="0" err="1">
+                <a:effectLst/>
+                <a:latin typeface="Calibri" panose="020F0502020204030204" pitchFamily="34" charset="0"/>
+              </a:rPr>
+              <a:t>by</a:t>
+            </a:r>
+            <a:r>
+              <a:rPr lang="de-CH" sz="1800" dirty="0">
+                <a:effectLst/>
+                <a:latin typeface="Calibri" panose="020F0502020204030204" pitchFamily="34" charset="0"/>
+              </a:rPr>
+              <a:t> </a:t>
+            </a:r>
+            <a:r>
+              <a:rPr lang="de-CH" sz="1800" dirty="0" err="1">
+                <a:effectLst/>
+                <a:latin typeface="Calibri" panose="020F0502020204030204" pitchFamily="34" charset="0"/>
+              </a:rPr>
+              <a:t>fine-tuned</a:t>
+            </a:r>
+            <a:r>
+              <a:rPr lang="de-CH" sz="1800" dirty="0">
+                <a:effectLst/>
+                <a:latin typeface="Calibri" panose="020F0502020204030204" pitchFamily="34" charset="0"/>
+              </a:rPr>
+              <a:t> XLM-R </a:t>
+            </a:r>
+            <a:r>
+              <a:rPr lang="de-CH" sz="1800" dirty="0" err="1">
+                <a:effectLst/>
+                <a:latin typeface="Calibri" panose="020F0502020204030204" pitchFamily="34" charset="0"/>
+              </a:rPr>
               <a:t>model</a:t>
             </a:r>
             <a:r>
-              <a:rPr lang="de-CH" dirty="0"/>
-              <a:t> </a:t>
-            </a:r>
-            <a:r>
-              <a:rPr lang="de-CH" dirty="0" err="1"/>
-              <a:t>with</a:t>
-            </a:r>
-            <a:r>
-              <a:rPr lang="de-CH" dirty="0"/>
-              <a:t> </a:t>
-            </a:r>
-            <a:r>
-              <a:rPr lang="de-CH" dirty="0" err="1"/>
-              <a:t>sentences</a:t>
-            </a:r>
-            <a:r>
-              <a:rPr lang="de-CH" dirty="0"/>
-              <a:t> and </a:t>
-            </a:r>
-            <a:r>
-              <a:rPr lang="de-CH" dirty="0" err="1"/>
-              <a:t>realized</a:t>
-            </a:r>
-            <a:r>
-              <a:rPr lang="de-CH" dirty="0"/>
-              <a:t> </a:t>
-            </a:r>
-            <a:r>
-              <a:rPr lang="de-CH" dirty="0" err="1"/>
-              <a:t>that</a:t>
-            </a:r>
-            <a:r>
-              <a:rPr lang="de-CH" dirty="0"/>
-              <a:t> </a:t>
-            </a:r>
-            <a:r>
-              <a:rPr lang="de-CH" dirty="0" err="1"/>
-              <a:t>the</a:t>
-            </a:r>
-            <a:r>
-              <a:rPr lang="de-CH" dirty="0"/>
-              <a:t> </a:t>
-            </a:r>
-            <a:r>
-              <a:rPr lang="de-CH" dirty="0" err="1"/>
-              <a:t>labels</a:t>
-            </a:r>
-            <a:r>
-              <a:rPr lang="de-CH" dirty="0"/>
-              <a:t> </a:t>
-            </a:r>
-            <a:r>
-              <a:rPr lang="de-CH" dirty="0" err="1"/>
-              <a:t>of</a:t>
-            </a:r>
-            <a:r>
-              <a:rPr lang="de-CH" dirty="0"/>
-              <a:t> </a:t>
-            </a:r>
-            <a:r>
-              <a:rPr lang="de-CH" dirty="0" err="1"/>
-              <a:t>the</a:t>
-            </a:r>
-            <a:r>
-              <a:rPr lang="de-CH" dirty="0"/>
-              <a:t> </a:t>
-            </a:r>
-            <a:r>
-              <a:rPr lang="de-CH" dirty="0" err="1"/>
-              <a:t>persons</a:t>
-            </a:r>
-            <a:r>
-              <a:rPr lang="de-CH" dirty="0"/>
-              <a:t> </a:t>
-            </a:r>
-            <a:r>
-              <a:rPr lang="de-CH" dirty="0" err="1"/>
-              <a:t>weren’t</a:t>
-            </a:r>
-            <a:r>
-              <a:rPr lang="de-CH" dirty="0"/>
-              <a:t> </a:t>
-            </a:r>
-            <a:r>
-              <a:rPr lang="de-CH" dirty="0" err="1"/>
-              <a:t>recognized</a:t>
-            </a:r>
-            <a:r>
-              <a:rPr lang="de-CH" dirty="0"/>
-              <a:t> </a:t>
-            </a:r>
-            <a:r>
-              <a:rPr lang="de-CH" dirty="0" err="1"/>
-              <a:t>correctly</a:t>
-            </a:r>
-            <a:r>
-              <a:rPr lang="de-CH" dirty="0"/>
+              <a:rPr lang="de-CH" sz="1800" dirty="0">
+                <a:effectLst/>
+                <a:latin typeface="Calibri" panose="020F0502020204030204" pitchFamily="34" charset="0"/>
+              </a:rPr>
               <a:t>.</a:t>
             </a:r>
-          </a:p>
-          <a:p>
             <a:endParaRPr lang="en-US" dirty="0"/>
           </a:p>
           <a:p>
-            <a:r>
-              <a:rPr lang="en-US" dirty="0" err="1"/>
-              <a:t>label_map</a:t>
-            </a:r>
-            <a:r>
-              <a:rPr lang="en-US" dirty="0"/>
-              <a:t> </a:t>
-            </a:r>
-            <a:r>
-              <a:rPr lang="en-US" b="1" dirty="0">
-                <a:effectLst/>
-              </a:rPr>
-              <a:t>=</a:t>
-            </a:r>
-            <a:r>
-              <a:rPr lang="en-US" dirty="0"/>
-              <a:t> </a:t>
-            </a:r>
-            <a:r>
-              <a:rPr lang="en-US" dirty="0">
-                <a:effectLst/>
-              </a:rPr>
-              <a:t>{0:</a:t>
-            </a:r>
-            <a:r>
-              <a:rPr lang="en-US" dirty="0"/>
-              <a:t> </a:t>
-            </a:r>
-            <a:r>
-              <a:rPr lang="en-US" dirty="0">
-                <a:effectLst/>
-              </a:rPr>
-              <a:t>'O',</a:t>
-            </a:r>
-            <a:r>
-              <a:rPr lang="en-US" dirty="0"/>
-              <a:t> </a:t>
-            </a:r>
-            <a:r>
-              <a:rPr lang="en-US" dirty="0">
-                <a:effectLst/>
-              </a:rPr>
-              <a:t>1:</a:t>
-            </a:r>
-            <a:r>
-              <a:rPr lang="en-US" dirty="0"/>
-              <a:t> </a:t>
-            </a:r>
-            <a:r>
-              <a:rPr lang="en-US" dirty="0">
-                <a:effectLst/>
-              </a:rPr>
-              <a:t>'B-PER',</a:t>
-            </a:r>
-            <a:r>
-              <a:rPr lang="en-US" dirty="0"/>
-              <a:t> </a:t>
-            </a:r>
-            <a:r>
-              <a:rPr lang="en-US" dirty="0">
-                <a:effectLst/>
-              </a:rPr>
-              <a:t>2:</a:t>
-            </a:r>
-            <a:r>
-              <a:rPr lang="en-US" dirty="0"/>
-              <a:t> </a:t>
-            </a:r>
-            <a:r>
-              <a:rPr lang="en-US" dirty="0">
-                <a:effectLst/>
-              </a:rPr>
-              <a:t>'I-PER',</a:t>
-            </a:r>
-            <a:r>
-              <a:rPr lang="en-US" dirty="0"/>
-              <a:t> </a:t>
-            </a:r>
-            <a:r>
-              <a:rPr lang="en-US" dirty="0">
-                <a:effectLst/>
-              </a:rPr>
-              <a:t>3:</a:t>
-            </a:r>
-            <a:r>
-              <a:rPr lang="en-US" dirty="0"/>
-              <a:t> </a:t>
-            </a:r>
-            <a:r>
-              <a:rPr lang="en-US" dirty="0">
-                <a:effectLst/>
-              </a:rPr>
-              <a:t>'B-ORG',</a:t>
-            </a:r>
-            <a:r>
-              <a:rPr lang="en-US" dirty="0"/>
-              <a:t> </a:t>
-            </a:r>
-            <a:r>
-              <a:rPr lang="en-US" dirty="0">
-                <a:effectLst/>
-              </a:rPr>
-              <a:t>4:</a:t>
-            </a:r>
-            <a:r>
-              <a:rPr lang="en-US" dirty="0"/>
-              <a:t> </a:t>
-            </a:r>
-            <a:r>
-              <a:rPr lang="en-US" dirty="0">
-                <a:effectLst/>
-              </a:rPr>
-              <a:t>'I-ORG',</a:t>
-            </a:r>
-            <a:r>
-              <a:rPr lang="en-US" dirty="0"/>
-              <a:t> </a:t>
-            </a:r>
-            <a:r>
-              <a:rPr lang="en-US" dirty="0">
-                <a:effectLst/>
-              </a:rPr>
-              <a:t>5:</a:t>
-            </a:r>
-            <a:r>
-              <a:rPr lang="en-US" dirty="0"/>
-              <a:t> </a:t>
-            </a:r>
-            <a:r>
-              <a:rPr lang="en-US" dirty="0">
-                <a:effectLst/>
-              </a:rPr>
-              <a:t>'B-LOC',</a:t>
-            </a:r>
-            <a:r>
-              <a:rPr lang="en-US" dirty="0"/>
-              <a:t> </a:t>
-            </a:r>
-            <a:r>
-              <a:rPr lang="en-US" dirty="0">
-                <a:effectLst/>
-              </a:rPr>
-              <a:t>6:</a:t>
-            </a:r>
-            <a:r>
-              <a:rPr lang="en-US" dirty="0"/>
-              <a:t> </a:t>
-            </a:r>
-            <a:r>
-              <a:rPr lang="en-US" dirty="0">
-                <a:effectLst/>
-              </a:rPr>
-              <a:t>'I-LOC'}</a:t>
+            <a:endParaRPr lang="en-US" dirty="0"/>
+          </a:p>
+          <a:p>
+            <a:r>
+              <a:rPr lang="en-US" sz="1800" dirty="0">
+                <a:effectLst/>
+                <a:latin typeface="Calibri" panose="020F0502020204030204" pitchFamily="34" charset="0"/>
+              </a:rPr>
+              <a:t>The figure shows how languages are clearly separated by the fine-tuned XLM-R model, and additionally displays intuitive overlap between some languages, such as that seen between Chinese and Japanese in the lower-left corner of the figure. The languages we used include: Italian (it), Chinese (</a:t>
+            </a:r>
+            <a:r>
+              <a:rPr lang="en-US" sz="1800" dirty="0" err="1">
+                <a:effectLst/>
+                <a:latin typeface="Calibri" panose="020F0502020204030204" pitchFamily="34" charset="0"/>
+              </a:rPr>
+              <a:t>zh</a:t>
+            </a:r>
+            <a:r>
+              <a:rPr lang="en-US" sz="1800" dirty="0">
+                <a:effectLst/>
+                <a:latin typeface="Calibri" panose="020F0502020204030204" pitchFamily="34" charset="0"/>
+              </a:rPr>
+              <a:t>), German (de), Arabic (</a:t>
+            </a:r>
+            <a:r>
+              <a:rPr lang="en-US" sz="1800" dirty="0" err="1">
+                <a:effectLst/>
+                <a:latin typeface="Calibri" panose="020F0502020204030204" pitchFamily="34" charset="0"/>
+              </a:rPr>
+              <a:t>ar</a:t>
+            </a:r>
+            <a:r>
+              <a:rPr lang="en-US" sz="1800" dirty="0">
+                <a:effectLst/>
+                <a:latin typeface="Calibri" panose="020F0502020204030204" pitchFamily="34" charset="0"/>
+              </a:rPr>
+              <a:t>), English (</a:t>
+            </a:r>
+            <a:r>
+              <a:rPr lang="en-US" sz="1800" dirty="0" err="1">
+                <a:effectLst/>
+                <a:latin typeface="Calibri" panose="020F0502020204030204" pitchFamily="34" charset="0"/>
+              </a:rPr>
+              <a:t>en</a:t>
+            </a:r>
+            <a:r>
+              <a:rPr lang="en-US" sz="1800" dirty="0">
+                <a:effectLst/>
+                <a:latin typeface="Calibri" panose="020F0502020204030204" pitchFamily="34" charset="0"/>
+              </a:rPr>
+              <a:t>), Danish (da), Hebrew (he), Spanish (es), French (</a:t>
+            </a:r>
+            <a:r>
+              <a:rPr lang="en-US" sz="1800" dirty="0" err="1">
+                <a:effectLst/>
+                <a:latin typeface="Calibri" panose="020F0502020204030204" pitchFamily="34" charset="0"/>
+              </a:rPr>
+              <a:t>fr</a:t>
+            </a:r>
+            <a:r>
+              <a:rPr lang="en-US" sz="1800" dirty="0">
+                <a:effectLst/>
+                <a:latin typeface="Calibri" panose="020F0502020204030204" pitchFamily="34" charset="0"/>
+              </a:rPr>
+              <a:t>), Hindi (hi), Russian (</a:t>
+            </a:r>
+            <a:r>
+              <a:rPr lang="en-US" sz="1800" dirty="0" err="1">
+                <a:effectLst/>
+                <a:latin typeface="Calibri" panose="020F0502020204030204" pitchFamily="34" charset="0"/>
+              </a:rPr>
+              <a:t>ru</a:t>
+            </a:r>
+            <a:r>
+              <a:rPr lang="en-US" sz="1800" dirty="0">
+                <a:effectLst/>
+                <a:latin typeface="Calibri" panose="020F0502020204030204" pitchFamily="34" charset="0"/>
+              </a:rPr>
+              <a:t>), Japanese (ja), Korean (ko), Swahili (</a:t>
+            </a:r>
+            <a:r>
+              <a:rPr lang="en-US" sz="1800" dirty="0" err="1">
+                <a:effectLst/>
+                <a:latin typeface="Calibri" panose="020F0502020204030204" pitchFamily="34" charset="0"/>
+              </a:rPr>
+              <a:t>sw</a:t>
+            </a:r>
+            <a:r>
+              <a:rPr lang="en-US" sz="1800" dirty="0">
+                <a:effectLst/>
+                <a:latin typeface="Calibri" panose="020F0502020204030204" pitchFamily="34" charset="0"/>
+              </a:rPr>
+              <a:t>) and Yoruba (</a:t>
+            </a:r>
+            <a:r>
+              <a:rPr lang="en-US" sz="1800" dirty="0" err="1">
+                <a:effectLst/>
+                <a:latin typeface="Calibri" panose="020F0502020204030204" pitchFamily="34" charset="0"/>
+              </a:rPr>
+              <a:t>yo</a:t>
+            </a:r>
+            <a:r>
+              <a:rPr lang="en-US" sz="1800" dirty="0">
+                <a:effectLst/>
+                <a:latin typeface="Calibri" panose="020F0502020204030204" pitchFamily="34" charset="0"/>
+              </a:rPr>
+              <a:t>). </a:t>
             </a:r>
             <a:endParaRPr lang="en-US" dirty="0"/>
           </a:p>
@@ -3272,7 +3191,7 @@
     </p:spTree>
     <p:extLst>
       <p:ext uri="{BB962C8B-B14F-4D97-AF65-F5344CB8AC3E}">
-        <p14:creationId xmlns:p14="http://schemas.microsoft.com/office/powerpoint/2010/main" val="4154047419"/>
+        <p14:creationId xmlns:p14="http://schemas.microsoft.com/office/powerpoint/2010/main" val="3386321585"/>
       </p:ext>
     </p:extLst>
   </p:cSld>
@@ -4936,76 +4855,346 @@
           <a:bodyPr/>
           <a:lstStyle/>
           <a:p>
+            <a:pPr marL="0" marR="0" lvl="0" indent="0" algn="l" defTabSz="914400" rtl="0" eaLnBrk="1" fontAlgn="auto" latinLnBrk="0" hangingPunct="1">
+              <a:lnSpc>
+                <a:spcPct val="100000"/>
+              </a:lnSpc>
+              <a:spcBef>
+                <a:spcPts val="0"/>
+              </a:spcBef>
+              <a:spcAft>
+                <a:spcPts val="0"/>
+              </a:spcAft>
+              <a:buClrTx/>
+              <a:buSzTx/>
+              <a:buFontTx/>
+              <a:buNone/>
+              <a:tabLst/>
+              <a:defRPr/>
+            </a:pPr>
+            <a:r>
+              <a:rPr lang="de-CH" dirty="0"/>
+              <a:t>The </a:t>
+            </a:r>
+            <a:r>
+              <a:rPr lang="de-CH" dirty="0" err="1"/>
+              <a:t>results</a:t>
+            </a:r>
+            <a:r>
+              <a:rPr lang="de-CH" dirty="0"/>
+              <a:t> </a:t>
+            </a:r>
+            <a:r>
+              <a:rPr lang="de-CH" dirty="0" err="1"/>
+              <a:t>are</a:t>
+            </a:r>
+            <a:r>
+              <a:rPr lang="de-CH" dirty="0"/>
+              <a:t> </a:t>
+            </a:r>
+            <a:r>
+              <a:rPr lang="de-CH" dirty="0" err="1"/>
+              <a:t>pretty</a:t>
+            </a:r>
+            <a:r>
+              <a:rPr lang="de-CH" dirty="0"/>
+              <a:t> </a:t>
+            </a:r>
+            <a:r>
+              <a:rPr lang="de-CH" dirty="0" err="1"/>
+              <a:t>bad</a:t>
+            </a:r>
+            <a:r>
+              <a:rPr lang="de-CH" dirty="0"/>
+              <a:t>. </a:t>
+            </a:r>
+            <a:r>
+              <a:rPr lang="de-CH" dirty="0" err="1"/>
+              <a:t>We</a:t>
+            </a:r>
+            <a:r>
+              <a:rPr lang="de-CH" dirty="0"/>
+              <a:t> </a:t>
+            </a:r>
+            <a:r>
+              <a:rPr lang="de-CH" dirty="0" err="1"/>
+              <a:t>tested</a:t>
+            </a:r>
+            <a:r>
+              <a:rPr lang="de-CH" dirty="0"/>
+              <a:t> </a:t>
+            </a:r>
+            <a:r>
+              <a:rPr lang="de-CH" dirty="0" err="1"/>
+              <a:t>the</a:t>
+            </a:r>
+            <a:r>
+              <a:rPr lang="de-CH" dirty="0"/>
+              <a:t> </a:t>
+            </a:r>
+            <a:r>
+              <a:rPr lang="de-CH" dirty="0" err="1"/>
+              <a:t>model</a:t>
+            </a:r>
+            <a:r>
+              <a:rPr lang="de-CH" dirty="0"/>
+              <a:t> </a:t>
+            </a:r>
+            <a:r>
+              <a:rPr lang="de-CH" dirty="0" err="1"/>
+              <a:t>with</a:t>
+            </a:r>
+            <a:r>
+              <a:rPr lang="de-CH" dirty="0"/>
+              <a:t> </a:t>
+            </a:r>
+            <a:r>
+              <a:rPr lang="de-CH" dirty="0" err="1"/>
+              <a:t>sentences</a:t>
+            </a:r>
+            <a:r>
+              <a:rPr lang="de-CH" dirty="0"/>
+              <a:t> and </a:t>
+            </a:r>
+            <a:r>
+              <a:rPr lang="de-CH" dirty="0" err="1"/>
+              <a:t>realized</a:t>
+            </a:r>
+            <a:r>
+              <a:rPr lang="de-CH" dirty="0"/>
+              <a:t> </a:t>
+            </a:r>
+            <a:r>
+              <a:rPr lang="de-CH" dirty="0" err="1"/>
+              <a:t>that</a:t>
+            </a:r>
+            <a:r>
+              <a:rPr lang="de-CH" dirty="0"/>
+              <a:t> </a:t>
+            </a:r>
+            <a:r>
+              <a:rPr lang="de-CH" dirty="0" err="1"/>
+              <a:t>the</a:t>
+            </a:r>
+            <a:r>
+              <a:rPr lang="de-CH" dirty="0"/>
+              <a:t> </a:t>
+            </a:r>
+            <a:r>
+              <a:rPr lang="de-CH" dirty="0" err="1"/>
+              <a:t>labels</a:t>
+            </a:r>
+            <a:r>
+              <a:rPr lang="de-CH" dirty="0"/>
+              <a:t> </a:t>
+            </a:r>
+            <a:r>
+              <a:rPr lang="de-CH" dirty="0" err="1"/>
+              <a:t>of</a:t>
+            </a:r>
+            <a:r>
+              <a:rPr lang="de-CH" dirty="0"/>
+              <a:t> </a:t>
+            </a:r>
+            <a:r>
+              <a:rPr lang="de-CH" dirty="0" err="1"/>
+              <a:t>the</a:t>
+            </a:r>
+            <a:r>
+              <a:rPr lang="de-CH" dirty="0"/>
+              <a:t> </a:t>
+            </a:r>
+            <a:r>
+              <a:rPr lang="de-CH" dirty="0" err="1"/>
+              <a:t>persons</a:t>
+            </a:r>
+            <a:r>
+              <a:rPr lang="de-CH" dirty="0"/>
+              <a:t> </a:t>
+            </a:r>
+            <a:r>
+              <a:rPr lang="de-CH" dirty="0" err="1"/>
+              <a:t>weren’t</a:t>
+            </a:r>
+            <a:r>
+              <a:rPr lang="de-CH" dirty="0"/>
+              <a:t> </a:t>
+            </a:r>
+            <a:r>
+              <a:rPr lang="de-CH" dirty="0" err="1"/>
+              <a:t>recognized</a:t>
+            </a:r>
+            <a:r>
+              <a:rPr lang="de-CH" dirty="0"/>
+              <a:t> </a:t>
+            </a:r>
+            <a:r>
+              <a:rPr lang="de-CH" dirty="0" err="1"/>
+              <a:t>correctly</a:t>
+            </a:r>
+            <a:r>
+              <a:rPr lang="de-CH" dirty="0"/>
+              <a:t>.</a:t>
+            </a:r>
+          </a:p>
+          <a:p>
+            <a:endParaRPr lang="en-US" dirty="0"/>
+          </a:p>
+          <a:p>
+            <a:r>
+              <a:rPr lang="en-US" dirty="0" err="1"/>
+              <a:t>label_map</a:t>
+            </a:r>
             <a:r>
               <a:rPr lang="en-US" dirty="0"/>
-              <a:t>There are several ways to improve the model. But d</a:t>
-            </a:r>
-            <a:r>
-              <a:rPr lang="de-CH" dirty="0" err="1"/>
-              <a:t>ue</a:t>
-            </a:r>
-            <a:r>
-              <a:rPr lang="de-CH" dirty="0"/>
-              <a:t> </a:t>
-            </a:r>
-            <a:r>
-              <a:rPr lang="de-CH" dirty="0" err="1"/>
-              <a:t>to</a:t>
-            </a:r>
-            <a:r>
-              <a:rPr lang="de-CH" dirty="0"/>
-              <a:t> </a:t>
-            </a:r>
-            <a:r>
-              <a:rPr lang="de-CH" dirty="0" err="1"/>
-              <a:t>resource</a:t>
-            </a:r>
-            <a:r>
-              <a:rPr lang="de-CH" dirty="0"/>
-              <a:t> </a:t>
-            </a:r>
-            <a:r>
-              <a:rPr lang="de-CH" dirty="0" err="1"/>
-              <a:t>constraints</a:t>
-            </a:r>
-            <a:r>
-              <a:rPr lang="de-CH" dirty="0"/>
-              <a:t> </a:t>
-            </a:r>
-            <a:r>
-              <a:rPr lang="de-CH" dirty="0" err="1"/>
-              <a:t>we</a:t>
-            </a:r>
-            <a:r>
-              <a:rPr lang="de-CH" dirty="0"/>
-              <a:t> </a:t>
-            </a:r>
-            <a:r>
-              <a:rPr lang="de-CH" dirty="0" err="1"/>
-              <a:t>refrain</a:t>
-            </a:r>
-            <a:r>
-              <a:rPr lang="de-CH" dirty="0"/>
-              <a:t> </a:t>
-            </a:r>
-            <a:r>
-              <a:rPr lang="de-CH" dirty="0" err="1"/>
-              <a:t>from</a:t>
-            </a:r>
-            <a:r>
-              <a:rPr lang="de-CH" dirty="0"/>
-              <a:t> </a:t>
-            </a:r>
-            <a:r>
-              <a:rPr lang="de-CH" dirty="0" err="1"/>
-              <a:t>doing</a:t>
-            </a:r>
-            <a:r>
-              <a:rPr lang="de-CH" dirty="0"/>
-              <a:t> so.</a:t>
-            </a:r>
-          </a:p>
-          <a:p>
+              <a:t> </a:t>
+            </a:r>
+            <a:r>
+              <a:rPr lang="en-US" b="1" dirty="0">
+                <a:effectLst/>
+              </a:rPr>
+              <a:t>=</a:t>
+            </a:r>
+            <a:r>
+              <a:rPr lang="en-US" dirty="0"/>
+              <a:t> </a:t>
+            </a:r>
+            <a:r>
+              <a:rPr lang="en-US" dirty="0">
+                <a:effectLst/>
+              </a:rPr>
+              <a:t>{0:</a:t>
+            </a:r>
+            <a:r>
+              <a:rPr lang="en-US" dirty="0"/>
+              <a:t> </a:t>
+            </a:r>
+            <a:r>
+              <a:rPr lang="en-US" dirty="0">
+                <a:effectLst/>
+              </a:rPr>
+              <a:t>'O',</a:t>
+            </a:r>
+            <a:r>
+              <a:rPr lang="en-US" dirty="0"/>
+              <a:t> </a:t>
+            </a:r>
+            <a:r>
+              <a:rPr lang="en-US" dirty="0">
+                <a:effectLst/>
+              </a:rPr>
+              <a:t>1:</a:t>
+            </a:r>
+            <a:r>
+              <a:rPr lang="en-US" dirty="0"/>
+              <a:t> </a:t>
+            </a:r>
+            <a:r>
+              <a:rPr lang="en-US" dirty="0">
+                <a:effectLst/>
+              </a:rPr>
+              <a:t>'B-PER',</a:t>
+            </a:r>
+            <a:r>
+              <a:rPr lang="en-US" dirty="0"/>
+              <a:t> </a:t>
+            </a:r>
+            <a:r>
+              <a:rPr lang="en-US" dirty="0">
+                <a:effectLst/>
+              </a:rPr>
+              <a:t>2:</a:t>
+            </a:r>
+            <a:r>
+              <a:rPr lang="en-US" dirty="0"/>
+              <a:t> </a:t>
+            </a:r>
+            <a:r>
+              <a:rPr lang="en-US" dirty="0">
+                <a:effectLst/>
+              </a:rPr>
+              <a:t>'I-PER',</a:t>
+            </a:r>
+            <a:r>
+              <a:rPr lang="en-US" dirty="0"/>
+              <a:t> </a:t>
+            </a:r>
+            <a:r>
+              <a:rPr lang="en-US" dirty="0">
+                <a:effectLst/>
+              </a:rPr>
+              <a:t>3:</a:t>
+            </a:r>
+            <a:r>
+              <a:rPr lang="en-US" dirty="0"/>
+              <a:t> </a:t>
+            </a:r>
+            <a:r>
+              <a:rPr lang="en-US" dirty="0">
+                <a:effectLst/>
+              </a:rPr>
+              <a:t>'B-ORG',</a:t>
+            </a:r>
+            <a:r>
+              <a:rPr lang="en-US" dirty="0"/>
+              <a:t> </a:t>
+            </a:r>
+            <a:r>
+              <a:rPr lang="en-US" dirty="0">
+                <a:effectLst/>
+              </a:rPr>
+              <a:t>4:</a:t>
+            </a:r>
+            <a:r>
+              <a:rPr lang="en-US" dirty="0"/>
+              <a:t> </a:t>
+            </a:r>
+            <a:r>
+              <a:rPr lang="en-US" dirty="0">
+                <a:effectLst/>
+              </a:rPr>
+              <a:t>'I-ORG',</a:t>
+            </a:r>
+            <a:r>
+              <a:rPr lang="en-US" dirty="0"/>
+              <a:t> </a:t>
+            </a:r>
+            <a:r>
+              <a:rPr lang="en-US" dirty="0">
+                <a:effectLst/>
+              </a:rPr>
+              <a:t>5:</a:t>
+            </a:r>
+            <a:r>
+              <a:rPr lang="en-US" dirty="0"/>
+              <a:t> </a:t>
+            </a:r>
+            <a:r>
+              <a:rPr lang="en-US" dirty="0">
+                <a:effectLst/>
+              </a:rPr>
+              <a:t>'B-LOC',</a:t>
+            </a:r>
+            <a:r>
+              <a:rPr lang="en-US" dirty="0"/>
+              <a:t> </a:t>
+            </a:r>
+            <a:r>
+              <a:rPr lang="en-US" dirty="0">
+                <a:effectLst/>
+              </a:rPr>
+              <a:t>6:</a:t>
+            </a:r>
+            <a:r>
+              <a:rPr lang="en-US" dirty="0"/>
+              <a:t> </a:t>
+            </a:r>
+            <a:r>
+              <a:rPr lang="en-US" dirty="0">
+                <a:effectLst/>
+              </a:rPr>
+              <a:t>'I-LOC'}</a:t>
+            </a:r>
             <a:endParaRPr lang="en-US" dirty="0"/>
           </a:p>
         </p:txBody>
@@ -5036,7 +5225,7 @@
     </p:spTree>
     <p:extLst>
       <p:ext uri="{BB962C8B-B14F-4D97-AF65-F5344CB8AC3E}">
-        <p14:creationId xmlns:p14="http://schemas.microsoft.com/office/powerpoint/2010/main" val="3358975839"/>
+        <p14:creationId xmlns:p14="http://schemas.microsoft.com/office/powerpoint/2010/main" val="4154047419"/>
       </p:ext>
     </p:extLst>
   </p:cSld>
@@ -5065,7 +5254,7 @@
       </p:grpSpPr>
       <p:sp>
         <p:nvSpPr>
-          <p:cNvPr id="2" name="Folienbildplatzhalter 1"/>
+          <p:cNvPr id="2" name="Slide Image Placeholder 1"/>
           <p:cNvSpPr>
             <a:spLocks noGrp="1" noRot="1" noChangeAspect="1"/>
           </p:cNvSpPr>
@@ -5077,7 +5266,7 @@
       </p:sp>
       <p:sp>
         <p:nvSpPr>
-          <p:cNvPr id="3" name="Notizenplatzhalter 2"/>
+          <p:cNvPr id="3" name="Notes Placeholder 2"/>
           <p:cNvSpPr>
             <a:spLocks noGrp="1"/>
           </p:cNvSpPr>
@@ -5091,101 +5280,82 @@
           <a:lstStyle/>
           <a:p>
             <a:r>
-              <a:rPr lang="de-CH" dirty="0"/>
-              <a:t>(</a:t>
-            </a:r>
-            <a:r>
-              <a:rPr lang="de-CH" dirty="0" err="1"/>
-              <a:t>ju</a:t>
-            </a:r>
-            <a:r>
-              <a:rPr lang="de-CH" dirty="0"/>
-              <a:t>)</a:t>
-            </a:r>
-          </a:p>
-          <a:p>
-            <a:r>
-              <a:rPr lang="de-CH" dirty="0"/>
-              <a:t>Arrow </a:t>
-            </a:r>
-            <a:r>
-              <a:rPr lang="de-CH" dirty="0" err="1"/>
-              <a:t>file</a:t>
-            </a:r>
-            <a:r>
-              <a:rPr lang="de-CH" dirty="0"/>
-              <a:t> = </a:t>
-            </a:r>
-            <a:r>
               <a:rPr lang="en-US" dirty="0"/>
-              <a:t>a column-oriented format that is well suited for large amounts of data</a:t>
-            </a:r>
-          </a:p>
-          <a:p>
-            <a:r>
-              <a:rPr lang="en-US" dirty="0" err="1"/>
-              <a:t>ConLL</a:t>
-            </a:r>
-            <a:r>
-              <a:rPr lang="en-US" dirty="0"/>
-              <a:t> file = Conference on Natural Language Learning, a text file in a table-like structure</a:t>
-            </a:r>
-            <a:endParaRPr lang="de-CH" dirty="0"/>
-          </a:p>
-          <a:p>
-            <a:r>
-              <a:rPr lang="de-CH" dirty="0"/>
-              <a:t>Flair </a:t>
-            </a:r>
-            <a:r>
-              <a:rPr lang="de-CH" dirty="0" err="1"/>
-              <a:t>cannot</a:t>
-            </a:r>
-            <a:r>
-              <a:rPr lang="de-CH" dirty="0"/>
-              <a:t> </a:t>
-            </a:r>
-            <a:r>
-              <a:rPr lang="de-CH" dirty="0" err="1"/>
-              <a:t>work</a:t>
-            </a:r>
-            <a:r>
-              <a:rPr lang="de-CH" dirty="0"/>
-              <a:t> </a:t>
-            </a:r>
-            <a:r>
-              <a:rPr lang="de-CH" dirty="0" err="1"/>
-              <a:t>with</a:t>
-            </a:r>
-            <a:r>
-              <a:rPr lang="de-CH" dirty="0"/>
-              <a:t> </a:t>
-            </a:r>
-            <a:r>
-              <a:rPr lang="de-CH" dirty="0" err="1"/>
-              <a:t>arrow</a:t>
-            </a:r>
-            <a:r>
-              <a:rPr lang="de-CH" dirty="0"/>
-              <a:t> </a:t>
-            </a:r>
-            <a:r>
-              <a:rPr lang="de-CH" dirty="0" err="1"/>
-              <a:t>files</a:t>
-            </a:r>
-            <a:r>
-              <a:rPr lang="de-CH" dirty="0"/>
-              <a:t>. </a:t>
-            </a:r>
-          </a:p>
-          <a:p>
-            <a:endParaRPr lang="de-CH" dirty="0"/>
-          </a:p>
-        </p:txBody>
-      </p:sp>
-      <p:sp>
-        <p:nvSpPr>
-          <p:cNvPr id="4" name="Foliennummernplatzhalter 3"/>
+              <a:t>There are several ways to improve the model. But d</a:t>
+            </a:r>
+            <a:r>
+              <a:rPr lang="de-CH" dirty="0" err="1"/>
+              <a:t>ue</a:t>
+            </a:r>
+            <a:r>
+              <a:rPr lang="de-CH" dirty="0"/>
+              <a:t> </a:t>
+            </a:r>
+            <a:r>
+              <a:rPr lang="de-CH" dirty="0" err="1"/>
+              <a:t>to</a:t>
+            </a:r>
+            <a:r>
+              <a:rPr lang="de-CH" dirty="0"/>
+              <a:t> </a:t>
+            </a:r>
+            <a:r>
+              <a:rPr lang="de-CH" dirty="0" err="1"/>
+              <a:t>resource</a:t>
+            </a:r>
+            <a:r>
+              <a:rPr lang="de-CH" dirty="0"/>
+              <a:t> </a:t>
+            </a:r>
+            <a:r>
+              <a:rPr lang="de-CH" dirty="0" err="1"/>
+              <a:t>constraints</a:t>
+            </a:r>
+            <a:r>
+              <a:rPr lang="de-CH" dirty="0"/>
+              <a:t> </a:t>
+            </a:r>
+            <a:r>
+              <a:rPr lang="de-CH" dirty="0" err="1"/>
+              <a:t>we</a:t>
+            </a:r>
+            <a:r>
+              <a:rPr lang="de-CH" dirty="0"/>
+              <a:t> </a:t>
+            </a:r>
+            <a:r>
+              <a:rPr lang="de-CH" dirty="0" err="1"/>
+              <a:t>refrain</a:t>
+            </a:r>
+            <a:r>
+              <a:rPr lang="de-CH" dirty="0"/>
+              <a:t> </a:t>
+            </a:r>
+            <a:r>
+              <a:rPr lang="de-CH" dirty="0" err="1"/>
+              <a:t>from</a:t>
+            </a:r>
+            <a:r>
+              <a:rPr lang="de-CH" dirty="0"/>
+              <a:t> </a:t>
+            </a:r>
+            <a:r>
+              <a:rPr lang="de-CH" dirty="0" err="1"/>
+              <a:t>doing</a:t>
+            </a:r>
+            <a:r>
+              <a:rPr lang="de-CH" dirty="0"/>
+              <a:t> so.</a:t>
+            </a:r>
+          </a:p>
+          <a:p>
+            <a:endParaRPr lang="en-US" dirty="0"/>
+          </a:p>
+        </p:txBody>
+      </p:sp>
+      <p:sp>
+        <p:nvSpPr>
+          <p:cNvPr id="4" name="Slide Number Placeholder 3"/>
           <p:cNvSpPr>
             <a:spLocks noGrp="1"/>
           </p:cNvSpPr>
@@ -5209,7 +5379,7 @@
     </p:spTree>
     <p:extLst>
       <p:ext uri="{BB962C8B-B14F-4D97-AF65-F5344CB8AC3E}">
-        <p14:creationId xmlns:p14="http://schemas.microsoft.com/office/powerpoint/2010/main" val="3716521905"/>
+        <p14:creationId xmlns:p14="http://schemas.microsoft.com/office/powerpoint/2010/main" val="3358975839"/>
       </p:ext>
     </p:extLst>
   </p:cSld>
@@ -5265,59 +5435,62 @@
           <a:p>
             <a:r>
               <a:rPr lang="de-CH" dirty="0"/>
-              <a:t>As </a:t>
-            </a:r>
-            <a:r>
-              <a:rPr lang="de-CH" dirty="0" err="1"/>
-              <a:t>you</a:t>
-            </a:r>
-            <a:r>
-              <a:rPr lang="de-CH" dirty="0"/>
-              <a:t> </a:t>
-            </a:r>
-            <a:r>
-              <a:rPr lang="de-CH" dirty="0" err="1"/>
-              <a:t>can</a:t>
-            </a:r>
-            <a:r>
-              <a:rPr lang="de-CH" dirty="0"/>
-              <a:t> </a:t>
-            </a:r>
-            <a:r>
-              <a:rPr lang="de-CH" dirty="0" err="1"/>
-              <a:t>see</a:t>
-            </a:r>
-            <a:r>
-              <a:rPr lang="de-CH" dirty="0"/>
-              <a:t> </a:t>
-            </a:r>
-            <a:r>
-              <a:rPr lang="de-CH" dirty="0" err="1"/>
-              <a:t>the</a:t>
-            </a:r>
-            <a:r>
-              <a:rPr lang="de-CH" dirty="0"/>
-              <a:t> </a:t>
-            </a:r>
-            <a:r>
-              <a:rPr lang="de-CH" dirty="0" err="1"/>
-              <a:t>performance</a:t>
-            </a:r>
-            <a:r>
-              <a:rPr lang="de-CH" dirty="0"/>
-              <a:t> </a:t>
-            </a:r>
-            <a:r>
-              <a:rPr lang="de-CH" dirty="0" err="1"/>
-              <a:t>is</a:t>
-            </a:r>
-            <a:r>
-              <a:rPr lang="de-CH" dirty="0"/>
-              <a:t> </a:t>
-            </a:r>
-            <a:r>
-              <a:rPr lang="de-CH" dirty="0" err="1"/>
-              <a:t>better</a:t>
+              <a:t>(</a:t>
+            </a:r>
+            <a:r>
+              <a:rPr lang="de-CH" dirty="0" err="1"/>
+              <a:t>ju</a:t>
+            </a:r>
+            <a:r>
+              <a:rPr lang="de-CH" dirty="0"/>
+              <a:t>)</a:t>
+            </a:r>
+          </a:p>
+          <a:p>
+            <a:r>
+              <a:rPr lang="de-CH" dirty="0"/>
+              <a:t>Arrow </a:t>
+            </a:r>
+            <a:r>
+              <a:rPr lang="de-CH" dirty="0" err="1"/>
+              <a:t>file</a:t>
+            </a:r>
+            <a:r>
+              <a:rPr lang="de-CH" dirty="0"/>
+              <a:t> = </a:t>
+            </a:r>
+            <a:r>
+              <a:rPr lang="en-US" dirty="0"/>
+              <a:t>a column-oriented format that is well suited for large amounts of data</a:t>
+            </a:r>
+          </a:p>
+          <a:p>
+            <a:r>
+              <a:rPr lang="en-US" dirty="0" err="1"/>
+              <a:t>ConLL</a:t>
+            </a:r>
+            <a:r>
+              <a:rPr lang="en-US" dirty="0"/>
+              <a:t> file = Conference on Natural Language Learning, a text file in a table-like structure</a:t>
+            </a:r>
+            <a:endParaRPr lang="de-CH" dirty="0"/>
+          </a:p>
+          <a:p>
+            <a:r>
+              <a:rPr lang="de-CH" dirty="0"/>
+              <a:t>Flair </a:t>
+            </a:r>
+            <a:r>
+              <a:rPr lang="de-CH" dirty="0" err="1"/>
+              <a:t>cannot</a:t>
+            </a:r>
+            <a:r>
+              <a:rPr lang="de-CH" dirty="0"/>
+              <a:t> </a:t>
+            </a:r>
+            <a:r>
+              <a:rPr lang="de-CH" dirty="0" err="1"/>
+              <a:t>work</a:t>
             </a:r>
             <a:r>
               <a:rPr lang="de-CH" dirty="0"/>
@@ -5333,92 +5506,23 @@
             </a:r>
             <a:r>
               <a:rPr lang="de-CH" dirty="0" err="1"/>
-              <a:t>the</a:t>
-            </a:r>
-            <a:r>
-              <a:rPr lang="de-CH" dirty="0"/>
-              <a:t> Flair </a:t>
-            </a:r>
-            <a:r>
-              <a:rPr lang="de-CH" dirty="0" err="1"/>
-              <a:t>model</a:t>
-            </a:r>
-            <a:r>
-              <a:rPr lang="de-CH" dirty="0"/>
-              <a:t> </a:t>
-            </a:r>
-            <a:r>
-              <a:rPr lang="de-CH" dirty="0" err="1"/>
-              <a:t>than</a:t>
-            </a:r>
-            <a:r>
-              <a:rPr lang="de-CH" dirty="0"/>
-              <a:t> </a:t>
-            </a:r>
-            <a:r>
-              <a:rPr lang="de-CH" dirty="0" err="1"/>
-              <a:t>the</a:t>
-            </a:r>
-            <a:r>
-              <a:rPr lang="de-CH" dirty="0"/>
-              <a:t> </a:t>
-            </a:r>
-            <a:r>
-              <a:rPr lang="de-CH" dirty="0" err="1"/>
-              <a:t>performance</a:t>
-            </a:r>
-            <a:r>
-              <a:rPr lang="de-CH" dirty="0"/>
-              <a:t> </a:t>
-            </a:r>
-            <a:r>
-              <a:rPr lang="de-CH" dirty="0" err="1"/>
-              <a:t>of</a:t>
-            </a:r>
-            <a:r>
-              <a:rPr lang="de-CH" dirty="0"/>
-              <a:t> </a:t>
-            </a:r>
-            <a:r>
-              <a:rPr lang="de-CH" dirty="0" err="1"/>
-              <a:t>our</a:t>
-            </a:r>
-            <a:r>
-              <a:rPr lang="de-CH" dirty="0"/>
-              <a:t> </a:t>
-            </a:r>
-            <a:r>
-              <a:rPr lang="de-CH" dirty="0" err="1"/>
-              <a:t>fine</a:t>
-            </a:r>
-            <a:r>
-              <a:rPr lang="de-CH" dirty="0"/>
-              <a:t> </a:t>
-            </a:r>
-            <a:r>
-              <a:rPr lang="de-CH" dirty="0" err="1"/>
-              <a:t>tuned</a:t>
-            </a:r>
-            <a:r>
-              <a:rPr lang="de-CH" dirty="0"/>
-              <a:t> </a:t>
-            </a:r>
-            <a:r>
-              <a:rPr lang="de-CH" dirty="0" err="1"/>
-              <a:t>transformers</a:t>
-            </a:r>
-            <a:r>
-              <a:rPr lang="de-CH" dirty="0"/>
-              <a:t> </a:t>
-            </a:r>
-            <a:r>
-              <a:rPr lang="de-CH" dirty="0" err="1"/>
-              <a:t>model</a:t>
+              <a:t>arrow</a:t>
+            </a:r>
+            <a:r>
+              <a:rPr lang="de-CH" dirty="0"/>
+              <a:t> </a:t>
+            </a:r>
+            <a:r>
+              <a:rPr lang="de-CH" dirty="0" err="1"/>
+              <a:t>files</a:t>
             </a:r>
             <a:r>
               <a:rPr lang="de-CH" dirty="0"/>
               <a:t>. </a:t>
             </a:r>
+          </a:p>
+          <a:p>
+            <a:endParaRPr lang="de-CH" dirty="0"/>
           </a:p>
         </p:txBody>
       </p:sp>
@@ -5448,7 +5552,7 @@
     </p:spTree>
     <p:extLst>
       <p:ext uri="{BB962C8B-B14F-4D97-AF65-F5344CB8AC3E}">
-        <p14:creationId xmlns:p14="http://schemas.microsoft.com/office/powerpoint/2010/main" val="828986900"/>
+        <p14:creationId xmlns:p14="http://schemas.microsoft.com/office/powerpoint/2010/main" val="3716521905"/>
       </p:ext>
     </p:extLst>
   </p:cSld>
@@ -5503,164 +5607,160 @@
           <a:lstStyle/>
           <a:p>
             <a:r>
-              <a:rPr lang="de-CH" dirty="0" err="1"/>
-              <a:t>For</a:t>
-            </a:r>
-            <a:r>
-              <a:rPr lang="de-CH" dirty="0"/>
-              <a:t> German, French and </a:t>
-            </a:r>
-            <a:r>
-              <a:rPr lang="de-CH" dirty="0" err="1"/>
-              <a:t>Italian</a:t>
-            </a:r>
-            <a:r>
-              <a:rPr lang="de-CH" dirty="0"/>
-              <a:t> </a:t>
-            </a:r>
-            <a:r>
-              <a:rPr lang="de-CH" dirty="0" err="1"/>
-              <a:t>we</a:t>
-            </a:r>
-            <a:r>
-              <a:rPr lang="de-CH" dirty="0"/>
-              <a:t> </a:t>
-            </a:r>
-            <a:r>
-              <a:rPr lang="de-CH" dirty="0" err="1"/>
-              <a:t>didn’t</a:t>
-            </a:r>
-            <a:r>
-              <a:rPr lang="de-CH" dirty="0"/>
-              <a:t> do a </a:t>
-            </a:r>
-            <a:r>
-              <a:rPr lang="de-CH" dirty="0" err="1"/>
-              <a:t>whole</a:t>
-            </a:r>
-            <a:r>
-              <a:rPr lang="de-CH" dirty="0"/>
-              <a:t> </a:t>
-            </a:r>
-            <a:r>
-              <a:rPr lang="de-CH" dirty="0" err="1"/>
-              <a:t>evaluation</a:t>
-            </a:r>
-            <a:r>
-              <a:rPr lang="de-CH" dirty="0"/>
-              <a:t> </a:t>
-            </a:r>
-            <a:r>
-              <a:rPr lang="de-CH" dirty="0" err="1"/>
-              <a:t>report</a:t>
+              <a:rPr lang="de-CH" dirty="0"/>
+              <a:t>As </a:t>
+            </a:r>
+            <a:r>
+              <a:rPr lang="de-CH" dirty="0" err="1"/>
+              <a:t>you</a:t>
+            </a:r>
+            <a:r>
+              <a:rPr lang="de-CH" dirty="0"/>
+              <a:t> </a:t>
+            </a:r>
+            <a:r>
+              <a:rPr lang="de-CH" dirty="0" err="1"/>
+              <a:t>can</a:t>
+            </a:r>
+            <a:r>
+              <a:rPr lang="de-CH" dirty="0"/>
+              <a:t> </a:t>
+            </a:r>
+            <a:r>
+              <a:rPr lang="de-CH" dirty="0" err="1"/>
+              <a:t>see</a:t>
+            </a:r>
+            <a:r>
+              <a:rPr lang="de-CH" dirty="0"/>
+              <a:t> </a:t>
+            </a:r>
+            <a:r>
+              <a:rPr lang="de-CH" dirty="0" err="1"/>
+              <a:t>the</a:t>
+            </a:r>
+            <a:r>
+              <a:rPr lang="de-CH" dirty="0"/>
+              <a:t> </a:t>
+            </a:r>
+            <a:r>
+              <a:rPr lang="de-CH" dirty="0" err="1"/>
+              <a:t>performance</a:t>
+            </a:r>
+            <a:r>
+              <a:rPr lang="de-CH" dirty="0"/>
+              <a:t> </a:t>
+            </a:r>
+            <a:r>
+              <a:rPr lang="de-CH" dirty="0" err="1"/>
+              <a:t>is</a:t>
+            </a:r>
+            <a:r>
+              <a:rPr lang="de-CH" dirty="0"/>
+              <a:t> </a:t>
+            </a:r>
+            <a:r>
+              <a:rPr lang="de-CH" dirty="0" err="1"/>
+              <a:t>better</a:t>
+            </a:r>
+            <a:r>
+              <a:rPr lang="de-CH" dirty="0"/>
+              <a:t> </a:t>
+            </a:r>
+            <a:r>
+              <a:rPr lang="de-CH" dirty="0" err="1"/>
+              <a:t>with</a:t>
+            </a:r>
+            <a:r>
+              <a:rPr lang="de-CH" dirty="0"/>
+              <a:t> </a:t>
+            </a:r>
+            <a:r>
+              <a:rPr lang="de-CH" dirty="0" err="1"/>
+              <a:t>the</a:t>
+            </a:r>
+            <a:r>
+              <a:rPr lang="de-CH" dirty="0"/>
+              <a:t> Flair </a:t>
+            </a:r>
+            <a:r>
+              <a:rPr lang="de-CH" dirty="0" err="1"/>
+              <a:t>model</a:t>
+            </a:r>
+            <a:r>
+              <a:rPr lang="de-CH" dirty="0"/>
+              <a:t> </a:t>
+            </a:r>
+            <a:r>
+              <a:rPr lang="de-CH" dirty="0" err="1"/>
+              <a:t>than</a:t>
+            </a:r>
+            <a:r>
+              <a:rPr lang="de-CH" dirty="0"/>
+              <a:t> </a:t>
+            </a:r>
+            <a:r>
+              <a:rPr lang="de-CH" dirty="0" err="1"/>
+              <a:t>the</a:t>
+            </a:r>
+            <a:r>
+              <a:rPr lang="de-CH" dirty="0"/>
+              <a:t> </a:t>
+            </a:r>
+            <a:r>
+              <a:rPr lang="de-CH" dirty="0" err="1"/>
+              <a:t>performance</a:t>
+            </a:r>
+            <a:r>
+              <a:rPr lang="de-CH" dirty="0"/>
+              <a:t> </a:t>
+            </a:r>
+            <a:r>
+              <a:rPr lang="de-CH" dirty="0" err="1"/>
+              <a:t>of</a:t>
+            </a:r>
+            <a:r>
+              <a:rPr lang="de-CH" dirty="0"/>
+              <a:t> </a:t>
+            </a:r>
+            <a:r>
+              <a:rPr lang="de-CH" dirty="0" err="1"/>
+              <a:t>our</a:t>
+            </a:r>
+            <a:r>
+              <a:rPr lang="de-CH" dirty="0"/>
+              <a:t> </a:t>
+            </a:r>
+            <a:r>
+              <a:rPr lang="de-CH" dirty="0" err="1"/>
+              <a:t>fine</a:t>
+            </a:r>
+            <a:r>
+              <a:rPr lang="de-CH" dirty="0"/>
+              <a:t> </a:t>
+            </a:r>
+            <a:r>
+              <a:rPr lang="de-CH" dirty="0" err="1"/>
+              <a:t>tuned</a:t>
+            </a:r>
+            <a:r>
+              <a:rPr lang="de-CH" dirty="0"/>
+              <a:t> </a:t>
+            </a:r>
+            <a:r>
+              <a:rPr lang="de-CH" dirty="0" err="1"/>
+              <a:t>transformers</a:t>
+            </a:r>
+            <a:r>
+              <a:rPr lang="de-CH" dirty="0"/>
+              <a:t> </a:t>
+            </a:r>
+            <a:r>
+              <a:rPr lang="de-CH" dirty="0" err="1"/>
+              <a:t>model</a:t>
             </a:r>
             <a:r>
               <a:rPr lang="de-CH" dirty="0"/>
               <a:t>. </a:t>
-            </a:r>
-            <a:r>
-              <a:rPr lang="de-CH" dirty="0" err="1"/>
-              <a:t>We</a:t>
-            </a:r>
-            <a:r>
-              <a:rPr lang="de-CH" dirty="0"/>
-              <a:t> also just </a:t>
-            </a:r>
-            <a:r>
-              <a:rPr lang="de-CH" dirty="0" err="1"/>
-              <a:t>used</a:t>
-            </a:r>
-            <a:r>
-              <a:rPr lang="de-CH" dirty="0"/>
-              <a:t> </a:t>
-            </a:r>
-            <a:r>
-              <a:rPr lang="de-CH" dirty="0" err="1"/>
-              <a:t>the</a:t>
-            </a:r>
-            <a:r>
-              <a:rPr lang="de-CH" dirty="0"/>
-              <a:t> </a:t>
-            </a:r>
-            <a:r>
-              <a:rPr lang="de-CH" dirty="0" err="1"/>
-              <a:t>first</a:t>
-            </a:r>
-            <a:r>
-              <a:rPr lang="de-CH" dirty="0"/>
-              <a:t> 10 </a:t>
-            </a:r>
-            <a:r>
-              <a:rPr lang="de-CH" dirty="0" err="1"/>
-              <a:t>sentences</a:t>
-            </a:r>
-            <a:r>
-              <a:rPr lang="de-CH" dirty="0"/>
-              <a:t> </a:t>
-            </a:r>
-            <a:r>
-              <a:rPr lang="de-CH" dirty="0" err="1"/>
-              <a:t>to</a:t>
-            </a:r>
-            <a:r>
-              <a:rPr lang="de-CH" dirty="0"/>
-              <a:t> </a:t>
-            </a:r>
-            <a:r>
-              <a:rPr lang="de-CH" dirty="0" err="1"/>
-              <a:t>see</a:t>
-            </a:r>
-            <a:r>
-              <a:rPr lang="de-CH" dirty="0"/>
-              <a:t> </a:t>
-            </a:r>
-            <a:r>
-              <a:rPr lang="de-CH" dirty="0" err="1"/>
-              <a:t>how</a:t>
-            </a:r>
-            <a:r>
-              <a:rPr lang="de-CH" dirty="0"/>
-              <a:t> </a:t>
-            </a:r>
-            <a:r>
-              <a:rPr lang="de-CH" dirty="0" err="1"/>
-              <a:t>the</a:t>
-            </a:r>
-            <a:r>
-              <a:rPr lang="de-CH" dirty="0"/>
-              <a:t> </a:t>
-            </a:r>
-            <a:r>
-              <a:rPr lang="de-CH" dirty="0" err="1"/>
-              <a:t>fine</a:t>
-            </a:r>
-            <a:r>
-              <a:rPr lang="de-CH" dirty="0"/>
-              <a:t> </a:t>
-            </a:r>
-            <a:r>
-              <a:rPr lang="de-CH" dirty="0" err="1"/>
-              <a:t>tuned</a:t>
-            </a:r>
-            <a:r>
-              <a:rPr lang="de-CH" dirty="0"/>
-              <a:t> </a:t>
-            </a:r>
-            <a:r>
-              <a:rPr lang="de-CH" dirty="0" err="1"/>
-              <a:t>model</a:t>
-            </a:r>
-            <a:r>
-              <a:rPr lang="de-CH" dirty="0"/>
-              <a:t> </a:t>
-            </a:r>
-            <a:r>
-              <a:rPr lang="de-CH" dirty="0" err="1"/>
-              <a:t>would</a:t>
-            </a:r>
-            <a:r>
-              <a:rPr lang="de-CH" dirty="0"/>
-              <a:t> perform. </a:t>
             </a:r>
           </a:p>
         </p:txBody>
@@ -5682,7 +5782,7 @@
           <a:p>
             <a:fld id="{2DA66685-3D22-47BB-B74E-10995D7F8271}" type="slidenum">
               <a:rPr lang="en-US" smtClean="0"/>
-              <a:t>27</a:t>
+              <a:t>26</a:t>
             </a:fld>
             <a:endParaRPr lang="en-US"/>
           </a:p>
@@ -5691,7 +5791,7 @@
     </p:spTree>
     <p:extLst>
       <p:ext uri="{BB962C8B-B14F-4D97-AF65-F5344CB8AC3E}">
-        <p14:creationId xmlns:p14="http://schemas.microsoft.com/office/powerpoint/2010/main" val="4140770442"/>
+        <p14:creationId xmlns:p14="http://schemas.microsoft.com/office/powerpoint/2010/main" val="828986900"/>
       </p:ext>
     </p:extLst>
   </p:cSld>
@@ -5746,20 +5846,104 @@
           <a:lstStyle/>
           <a:p>
             <a:r>
-              <a:rPr lang="de-CH" dirty="0"/>
-              <a:t>As </a:t>
-            </a:r>
-            <a:r>
-              <a:rPr lang="de-CH" dirty="0" err="1"/>
-              <a:t>you</a:t>
-            </a:r>
-            <a:r>
-              <a:rPr lang="de-CH" dirty="0"/>
-              <a:t> </a:t>
-            </a:r>
-            <a:r>
-              <a:rPr lang="de-CH" dirty="0" err="1"/>
-              <a:t>can</a:t>
+              <a:rPr lang="de-CH" dirty="0" err="1"/>
+              <a:t>For</a:t>
+            </a:r>
+            <a:r>
+              <a:rPr lang="de-CH" dirty="0"/>
+              <a:t> German, French and </a:t>
+            </a:r>
+            <a:r>
+              <a:rPr lang="de-CH" dirty="0" err="1"/>
+              <a:t>Italian</a:t>
+            </a:r>
+            <a:r>
+              <a:rPr lang="de-CH" dirty="0"/>
+              <a:t> </a:t>
+            </a:r>
+            <a:r>
+              <a:rPr lang="de-CH" dirty="0" err="1"/>
+              <a:t>we</a:t>
+            </a:r>
+            <a:r>
+              <a:rPr lang="de-CH" dirty="0"/>
+              <a:t> </a:t>
+            </a:r>
+            <a:r>
+              <a:rPr lang="de-CH" dirty="0" err="1"/>
+              <a:t>didn’t</a:t>
+            </a:r>
+            <a:r>
+              <a:rPr lang="de-CH" dirty="0"/>
+              <a:t> do a </a:t>
+            </a:r>
+            <a:r>
+              <a:rPr lang="de-CH" dirty="0" err="1"/>
+              <a:t>whole</a:t>
+            </a:r>
+            <a:r>
+              <a:rPr lang="de-CH" dirty="0"/>
+              <a:t> </a:t>
+            </a:r>
+            <a:r>
+              <a:rPr lang="de-CH" dirty="0" err="1"/>
+              <a:t>evaluation</a:t>
+            </a:r>
+            <a:r>
+              <a:rPr lang="de-CH" dirty="0"/>
+              <a:t> </a:t>
+            </a:r>
+            <a:r>
+              <a:rPr lang="de-CH" dirty="0" err="1"/>
+              <a:t>report</a:t>
+            </a:r>
+            <a:r>
+              <a:rPr lang="de-CH" dirty="0"/>
+              <a:t>. </a:t>
+            </a:r>
+            <a:r>
+              <a:rPr lang="de-CH" dirty="0" err="1"/>
+              <a:t>We</a:t>
+            </a:r>
+            <a:r>
+              <a:rPr lang="de-CH" dirty="0"/>
+              <a:t> also just </a:t>
+            </a:r>
+            <a:r>
+              <a:rPr lang="de-CH" dirty="0" err="1"/>
+              <a:t>used</a:t>
+            </a:r>
+            <a:r>
+              <a:rPr lang="de-CH" dirty="0"/>
+              <a:t> </a:t>
+            </a:r>
+            <a:r>
+              <a:rPr lang="de-CH" dirty="0" err="1"/>
+              <a:t>the</a:t>
+            </a:r>
+            <a:r>
+              <a:rPr lang="de-CH" dirty="0"/>
+              <a:t> </a:t>
+            </a:r>
+            <a:r>
+              <a:rPr lang="de-CH" dirty="0" err="1"/>
+              <a:t>first</a:t>
+            </a:r>
+            <a:r>
+              <a:rPr lang="de-CH" dirty="0"/>
+              <a:t> 10 </a:t>
+            </a:r>
+            <a:r>
+              <a:rPr lang="de-CH" dirty="0" err="1"/>
+              <a:t>sentences</a:t>
+            </a:r>
+            <a:r>
+              <a:rPr lang="de-CH" dirty="0"/>
+              <a:t> </a:t>
+            </a:r>
+            <a:r>
+              <a:rPr lang="de-CH" dirty="0" err="1"/>
+              <a:t>to</a:t>
             </a:r>
             <a:r>
               <a:rPr lang="de-CH" dirty="0"/>
@@ -5775,6 +5959,14 @@
             </a:r>
             <a:r>
               <a:rPr lang="de-CH" dirty="0" err="1"/>
+              <a:t>how</a:t>
+            </a:r>
+            <a:r>
+              <a:rPr lang="de-CH" dirty="0"/>
+              <a:t> </a:t>
+            </a:r>
+            <a:r>
+              <a:rPr lang="de-CH" dirty="0" err="1"/>
               <a:t>the</a:t>
             </a:r>
             <a:r>
@@ -5783,35 +5975,35 @@
             </a:r>
             <a:r>
               <a:rPr lang="de-CH" dirty="0" err="1"/>
-              <a:t>performance</a:t>
-            </a:r>
-            <a:r>
-              <a:rPr lang="de-CH" dirty="0"/>
-              <a:t> </a:t>
-            </a:r>
-            <a:r>
-              <a:rPr lang="de-CH" dirty="0" err="1"/>
-              <a:t>is</a:t>
-            </a:r>
-            <a:r>
-              <a:rPr lang="de-CH" dirty="0"/>
-              <a:t> </a:t>
-            </a:r>
-            <a:r>
-              <a:rPr lang="de-CH" dirty="0" err="1"/>
-              <a:t>quite</a:t>
-            </a:r>
-            <a:r>
-              <a:rPr lang="de-CH" dirty="0"/>
-              <a:t> </a:t>
-            </a:r>
-            <a:r>
-              <a:rPr lang="de-CH" dirty="0" err="1"/>
-              <a:t>bad</a:t>
-            </a:r>
-            <a:r>
-              <a:rPr lang="de-CH" dirty="0"/>
-              <a:t> in French. </a:t>
+              <a:t>fine</a:t>
+            </a:r>
+            <a:r>
+              <a:rPr lang="de-CH" dirty="0"/>
+              <a:t> </a:t>
+            </a:r>
+            <a:r>
+              <a:rPr lang="de-CH" dirty="0" err="1"/>
+              <a:t>tuned</a:t>
+            </a:r>
+            <a:r>
+              <a:rPr lang="de-CH" dirty="0"/>
+              <a:t> </a:t>
+            </a:r>
+            <a:r>
+              <a:rPr lang="de-CH" dirty="0" err="1"/>
+              <a:t>model</a:t>
+            </a:r>
+            <a:r>
+              <a:rPr lang="de-CH" dirty="0"/>
+              <a:t> </a:t>
+            </a:r>
+            <a:r>
+              <a:rPr lang="de-CH" dirty="0" err="1"/>
+              <a:t>would</a:t>
+            </a:r>
+            <a:r>
+              <a:rPr lang="de-CH" dirty="0"/>
+              <a:t> perform. </a:t>
             </a:r>
           </a:p>
         </p:txBody>
@@ -5842,7 +6034,7 @@
     </p:spTree>
     <p:extLst>
       <p:ext uri="{BB962C8B-B14F-4D97-AF65-F5344CB8AC3E}">
-        <p14:creationId xmlns:p14="http://schemas.microsoft.com/office/powerpoint/2010/main" val="1248923457"/>
+        <p14:creationId xmlns:p14="http://schemas.microsoft.com/office/powerpoint/2010/main" val="4140770442"/>
       </p:ext>
     </p:extLst>
   </p:cSld>
@@ -5897,8 +6089,44 @@
           <a:lstStyle/>
           <a:p>
             <a:r>
-              <a:rPr lang="de-CH" dirty="0" err="1"/>
-              <a:t>It</a:t>
+              <a:rPr lang="de-CH" dirty="0"/>
+              <a:t>As </a:t>
+            </a:r>
+            <a:r>
+              <a:rPr lang="de-CH" dirty="0" err="1"/>
+              <a:t>you</a:t>
+            </a:r>
+            <a:r>
+              <a:rPr lang="de-CH" dirty="0"/>
+              <a:t> </a:t>
+            </a:r>
+            <a:r>
+              <a:rPr lang="de-CH" dirty="0" err="1"/>
+              <a:t>can</a:t>
+            </a:r>
+            <a:r>
+              <a:rPr lang="de-CH" dirty="0"/>
+              <a:t> </a:t>
+            </a:r>
+            <a:r>
+              <a:rPr lang="de-CH" dirty="0" err="1"/>
+              <a:t>see</a:t>
+            </a:r>
+            <a:r>
+              <a:rPr lang="de-CH" dirty="0"/>
+              <a:t> </a:t>
+            </a:r>
+            <a:r>
+              <a:rPr lang="de-CH" dirty="0" err="1"/>
+              <a:t>the</a:t>
+            </a:r>
+            <a:r>
+              <a:rPr lang="de-CH" dirty="0"/>
+              <a:t> </a:t>
+            </a:r>
+            <a:r>
+              <a:rPr lang="de-CH" dirty="0" err="1"/>
+              <a:t>performance</a:t>
             </a:r>
             <a:r>
               <a:rPr lang="de-CH" dirty="0"/>
@@ -5910,7 +6138,7 @@
             </a:r>
             <a:r>
               <a:rPr lang="de-CH" dirty="0"/>
-              <a:t> also </a:t>
+              <a:t> </a:t>
             </a:r>
             <a:r>
               <a:rPr lang="de-CH" dirty="0" err="1"/>
@@ -5926,15 +6154,7 @@
             </a:r>
             <a:r>
               <a:rPr lang="de-CH" dirty="0"/>
-              <a:t> in </a:t>
-            </a:r>
-            <a:r>
-              <a:rPr lang="de-CH" dirty="0" err="1"/>
-              <a:t>Italian</a:t>
-            </a:r>
-            <a:r>
-              <a:rPr lang="de-CH" dirty="0"/>
-              <a:t>. </a:t>
+              <a:t> in French. </a:t>
             </a:r>
           </a:p>
         </p:txBody>
@@ -5965,7 +6185,7 @@
     </p:spTree>
     <p:extLst>
       <p:ext uri="{BB962C8B-B14F-4D97-AF65-F5344CB8AC3E}">
-        <p14:creationId xmlns:p14="http://schemas.microsoft.com/office/powerpoint/2010/main" val="1411656322"/>
+        <p14:creationId xmlns:p14="http://schemas.microsoft.com/office/powerpoint/2010/main" val="1248923457"/>
       </p:ext>
     </p:extLst>
   </p:cSld>
@@ -5994,7 +6214,7 @@
       </p:grpSpPr>
       <p:sp>
         <p:nvSpPr>
-          <p:cNvPr id="2" name="Slide Image Placeholder 1"/>
+          <p:cNvPr id="2" name="Folienbildplatzhalter 1"/>
           <p:cNvSpPr>
             <a:spLocks noGrp="1" noRot="1" noChangeAspect="1"/>
           </p:cNvSpPr>
@@ -6006,7 +6226,7 @@
       </p:sp>
       <p:sp>
         <p:nvSpPr>
-          <p:cNvPr id="3" name="Notes Placeholder 2"/>
+          <p:cNvPr id="3" name="Notizenplatzhalter 2"/>
           <p:cNvSpPr>
             <a:spLocks noGrp="1"/>
           </p:cNvSpPr>
@@ -6019,13 +6239,52 @@
           <a:bodyPr/>
           <a:lstStyle/>
           <a:p>
-            <a:endParaRPr lang="en-US" dirty="0"/>
-          </a:p>
-        </p:txBody>
-      </p:sp>
-      <p:sp>
-        <p:nvSpPr>
-          <p:cNvPr id="4" name="Slide Number Placeholder 3"/>
+            <a:r>
+              <a:rPr lang="de-CH" dirty="0" err="1"/>
+              <a:t>It</a:t>
+            </a:r>
+            <a:r>
+              <a:rPr lang="de-CH" dirty="0"/>
+              <a:t> </a:t>
+            </a:r>
+            <a:r>
+              <a:rPr lang="de-CH" dirty="0" err="1"/>
+              <a:t>is</a:t>
+            </a:r>
+            <a:r>
+              <a:rPr lang="de-CH" dirty="0"/>
+              <a:t> also </a:t>
+            </a:r>
+            <a:r>
+              <a:rPr lang="de-CH" dirty="0" err="1"/>
+              <a:t>quite</a:t>
+            </a:r>
+            <a:r>
+              <a:rPr lang="de-CH" dirty="0"/>
+              <a:t> </a:t>
+            </a:r>
+            <a:r>
+              <a:rPr lang="de-CH" dirty="0" err="1"/>
+              <a:t>bad</a:t>
+            </a:r>
+            <a:r>
+              <a:rPr lang="de-CH" dirty="0"/>
+              <a:t> in </a:t>
+            </a:r>
+            <a:r>
+              <a:rPr lang="de-CH" dirty="0" err="1"/>
+              <a:t>Italian</a:t>
+            </a:r>
+            <a:r>
+              <a:rPr lang="de-CH" dirty="0"/>
+              <a:t>. </a:t>
+            </a:r>
+          </a:p>
+        </p:txBody>
+      </p:sp>
+      <p:sp>
+        <p:nvSpPr>
+          <p:cNvPr id="4" name="Foliennummernplatzhalter 3"/>
           <p:cNvSpPr>
             <a:spLocks noGrp="1"/>
           </p:cNvSpPr>
@@ -6041,6 +6300,90 @@
             <a:fld id="{2DA66685-3D22-47BB-B74E-10995D7F8271}" type="slidenum">
               <a:rPr lang="en-US" smtClean="0"/>
               <a:t>30</a:t>
+            </a:fld>
+            <a:endParaRPr lang="en-US"/>
+          </a:p>
+        </p:txBody>
+      </p:sp>
+    </p:spTree>
+    <p:extLst>
+      <p:ext uri="{BB962C8B-B14F-4D97-AF65-F5344CB8AC3E}">
+        <p14:creationId xmlns:p14="http://schemas.microsoft.com/office/powerpoint/2010/main" val="1411656322"/>
+      </p:ext>
+    </p:extLst>
+  </p:cSld>
+  <p:clrMapOvr>
+    <a:masterClrMapping/>
+  </p:clrMapOvr>
+</p:notes>
+</file>
+
+<file path=ppt/notesSlides/notesSlide27.xml><?xml version="1.0" encoding="utf-8"?>
+<p:notes xmlns:a="http://schemas.openxmlformats.org/drawingml/2006/main" xmlns:r="http://schemas.openxmlformats.org/officeDocument/2006/relationships" xmlns:p="http://schemas.openxmlformats.org/presentationml/2006/main">
+  <p:cSld>
+    <p:spTree>
+      <p:nvGrpSpPr>
+        <p:cNvPr id="1" name=""/>
+        <p:cNvGrpSpPr/>
+        <p:nvPr/>
+      </p:nvGrpSpPr>
+      <p:grpSpPr>
+        <a:xfrm>
+          <a:off x="0" y="0"/>
+          <a:ext cx="0" cy="0"/>
+          <a:chOff x="0" y="0"/>
+          <a:chExt cx="0" cy="0"/>
+        </a:xfrm>
+      </p:grpSpPr>
+      <p:sp>
+        <p:nvSpPr>
+          <p:cNvPr id="2" name="Slide Image Placeholder 1"/>
+          <p:cNvSpPr>
+            <a:spLocks noGrp="1" noRot="1" noChangeAspect="1"/>
+          </p:cNvSpPr>
+          <p:nvPr>
+            <p:ph type="sldImg"/>
+          </p:nvPr>
+        </p:nvSpPr>
+        <p:spPr/>
+      </p:sp>
+      <p:sp>
+        <p:nvSpPr>
+          <p:cNvPr id="3" name="Notes Placeholder 2"/>
+          <p:cNvSpPr>
+            <a:spLocks noGrp="1"/>
+          </p:cNvSpPr>
+          <p:nvPr>
+            <p:ph type="body" idx="1"/>
+          </p:nvPr>
+        </p:nvSpPr>
+        <p:spPr/>
+        <p:txBody>
+          <a:bodyPr/>
+          <a:lstStyle/>
+          <a:p>
+            <a:endParaRPr lang="en-US" dirty="0"/>
+          </a:p>
+        </p:txBody>
+      </p:sp>
+      <p:sp>
+        <p:nvSpPr>
+          <p:cNvPr id="4" name="Slide Number Placeholder 3"/>
+          <p:cNvSpPr>
+            <a:spLocks noGrp="1"/>
+          </p:cNvSpPr>
+          <p:nvPr>
+            <p:ph type="sldNum" sz="quarter" idx="5"/>
+          </p:nvPr>
+        </p:nvSpPr>
+        <p:spPr/>
+        <p:txBody>
+          <a:bodyPr/>
+          <a:lstStyle/>
+          <a:p>
+            <a:fld id="{2DA66685-3D22-47BB-B74E-10995D7F8271}" type="slidenum">
+              <a:rPr lang="en-US" smtClean="0"/>
+              <a:t>31</a:t>
             </a:fld>
             <a:endParaRPr lang="en-US"/>
           </a:p>
@@ -8139,7 +8482,7 @@
           <a:p>
             <a:fld id="{69F73540-DFB5-4816-8066-5D194A0B149D}" type="datetimeFigureOut">
               <a:rPr lang="de-CH" smtClean="0"/>
-              <a:t>23.01.2025</a:t>
+              <a:t>24.01.2025</a:t>
             </a:fld>
             <a:endParaRPr lang="de-CH"/>
           </a:p>
@@ -8181,7 +8524,7 @@
           <a:p>
             <a:fld id="{AB8F96E3-2EAC-4C18-B216-7E9D85CA2F89}" type="slidenum">
               <a:rPr lang="de-CH" smtClean="0"/>
-              <a:t>‹Nr.›</a:t>
+              <a:t>‹#›</a:t>
             </a:fld>
             <a:endParaRPr lang="de-CH"/>
           </a:p>
@@ -8414,7 +8757,7 @@
           <a:p>
             <a:fld id="{69F73540-DFB5-4816-8066-5D194A0B149D}" type="datetimeFigureOut">
               <a:rPr lang="de-CH" smtClean="0"/>
-              <a:t>23.01.2025</a:t>
+              <a:t>24.01.2025</a:t>
             </a:fld>
             <a:endParaRPr lang="de-CH"/>
           </a:p>
@@ -8456,7 +8799,7 @@
           <a:p>
             <a:fld id="{AB8F96E3-2EAC-4C18-B216-7E9D85CA2F89}" type="slidenum">
               <a:rPr lang="de-CH" smtClean="0"/>
-              <a:t>‹Nr.›</a:t>
+              <a:t>‹#›</a:t>
             </a:fld>
             <a:endParaRPr lang="de-CH"/>
           </a:p>
@@ -8608,7 +8951,7 @@
           <a:p>
             <a:fld id="{69F73540-DFB5-4816-8066-5D194A0B149D}" type="datetimeFigureOut">
               <a:rPr lang="de-CH" smtClean="0"/>
-              <a:t>23.01.2025</a:t>
+              <a:t>24.01.2025</a:t>
             </a:fld>
             <a:endParaRPr lang="de-CH"/>
           </a:p>
@@ -8650,7 +8993,7 @@
           <a:p>
             <a:fld id="{AB8F96E3-2EAC-4C18-B216-7E9D85CA2F89}" type="slidenum">
               <a:rPr lang="de-CH" smtClean="0"/>
-              <a:t>‹Nr.›</a:t>
+              <a:t>‹#›</a:t>
             </a:fld>
             <a:endParaRPr lang="de-CH"/>
           </a:p>
@@ -8881,7 +9224,7 @@
           <a:p>
             <a:fld id="{69F73540-DFB5-4816-8066-5D194A0B149D}" type="datetimeFigureOut">
               <a:rPr lang="de-CH" smtClean="0"/>
-              <a:t>23.01.2025</a:t>
+              <a:t>24.01.2025</a:t>
             </a:fld>
             <a:endParaRPr lang="de-CH"/>
           </a:p>
@@ -8923,7 +9266,7 @@
           <a:p>
             <a:fld id="{AB8F96E3-2EAC-4C18-B216-7E9D85CA2F89}" type="slidenum">
               <a:rPr lang="de-CH" smtClean="0"/>
-              <a:t>‹Nr.›</a:t>
+              <a:t>‹#›</a:t>
             </a:fld>
             <a:endParaRPr lang="de-CH"/>
           </a:p>
@@ -9222,7 +9565,7 @@
           <a:p>
             <a:fld id="{69F73540-DFB5-4816-8066-5D194A0B149D}" type="datetimeFigureOut">
               <a:rPr lang="de-CH" smtClean="0"/>
-              <a:t>23.01.2025</a:t>
+              <a:t>24.01.2025</a:t>
             </a:fld>
             <a:endParaRPr lang="de-CH"/>
           </a:p>
@@ -9264,7 +9607,7 @@
           <a:p>
             <a:fld id="{AB8F96E3-2EAC-4C18-B216-7E9D85CA2F89}" type="slidenum">
               <a:rPr lang="de-CH" smtClean="0"/>
-              <a:t>‹Nr.›</a:t>
+              <a:t>‹#›</a:t>
             </a:fld>
             <a:endParaRPr lang="de-CH"/>
           </a:p>
@@ -9845,7 +10188,7 @@
           <a:p>
             <a:fld id="{69F73540-DFB5-4816-8066-5D194A0B149D}" type="datetimeFigureOut">
               <a:rPr lang="de-CH" smtClean="0"/>
-              <a:t>23.01.2025</a:t>
+              <a:t>24.01.2025</a:t>
             </a:fld>
             <a:endParaRPr lang="de-CH"/>
           </a:p>
@@ -9887,7 +10230,7 @@
           <a:p>
             <a:fld id="{AB8F96E3-2EAC-4C18-B216-7E9D85CA2F89}" type="slidenum">
               <a:rPr lang="de-CH" smtClean="0"/>
-              <a:t>‹Nr.›</a:t>
+              <a:t>‹#›</a:t>
             </a:fld>
             <a:endParaRPr lang="de-CH"/>
           </a:p>
@@ -10705,7 +11048,7 @@
           <a:p>
             <a:fld id="{69F73540-DFB5-4816-8066-5D194A0B149D}" type="datetimeFigureOut">
               <a:rPr lang="de-CH" smtClean="0"/>
-              <a:t>23.01.2025</a:t>
+              <a:t>24.01.2025</a:t>
             </a:fld>
             <a:endParaRPr lang="de-CH"/>
           </a:p>
@@ -10747,7 +11090,7 @@
           <a:p>
             <a:fld id="{AB8F96E3-2EAC-4C18-B216-7E9D85CA2F89}" type="slidenum">
               <a:rPr lang="de-CH" smtClean="0"/>
-              <a:t>‹Nr.›</a:t>
+              <a:t>‹#›</a:t>
             </a:fld>
             <a:endParaRPr lang="de-CH"/>
           </a:p>
@@ -10875,7 +11218,7 @@
           <a:p>
             <a:fld id="{69F73540-DFB5-4816-8066-5D194A0B149D}" type="datetimeFigureOut">
               <a:rPr lang="de-CH" smtClean="0"/>
-              <a:t>23.01.2025</a:t>
+              <a:t>24.01.2025</a:t>
             </a:fld>
             <a:endParaRPr lang="de-CH"/>
           </a:p>
@@ -10917,7 +11260,7 @@
           <a:p>
             <a:fld id="{AB8F96E3-2EAC-4C18-B216-7E9D85CA2F89}" type="slidenum">
               <a:rPr lang="de-CH" smtClean="0"/>
-              <a:t>‹Nr.›</a:t>
+              <a:t>‹#›</a:t>
             </a:fld>
             <a:endParaRPr lang="de-CH"/>
           </a:p>
@@ -11055,7 +11398,7 @@
           <a:p>
             <a:fld id="{69F73540-DFB5-4816-8066-5D194A0B149D}" type="datetimeFigureOut">
               <a:rPr lang="de-CH" smtClean="0"/>
-              <a:t>23.01.2025</a:t>
+              <a:t>24.01.2025</a:t>
             </a:fld>
             <a:endParaRPr lang="de-CH"/>
           </a:p>
@@ -11097,7 +11440,7 @@
           <a:p>
             <a:fld id="{AB8F96E3-2EAC-4C18-B216-7E9D85CA2F89}" type="slidenum">
               <a:rPr lang="de-CH" smtClean="0"/>
-              <a:t>‹Nr.›</a:t>
+              <a:t>‹#›</a:t>
             </a:fld>
             <a:endParaRPr lang="de-CH"/>
           </a:p>
@@ -11225,7 +11568,7 @@
           <a:p>
             <a:fld id="{69F73540-DFB5-4816-8066-5D194A0B149D}" type="datetimeFigureOut">
               <a:rPr lang="de-CH" smtClean="0"/>
-              <a:t>23.01.2025</a:t>
+              <a:t>24.01.2025</a:t>
             </a:fld>
             <a:endParaRPr lang="de-CH"/>
           </a:p>
@@ -11267,7 +11610,7 @@
           <a:p>
             <a:fld id="{AB8F96E3-2EAC-4C18-B216-7E9D85CA2F89}" type="slidenum">
               <a:rPr lang="de-CH" smtClean="0"/>
-              <a:t>‹Nr.›</a:t>
+              <a:t>‹#›</a:t>
             </a:fld>
             <a:endParaRPr lang="de-CH"/>
           </a:p>
@@ -11472,7 +11815,7 @@
           <a:p>
             <a:fld id="{69F73540-DFB5-4816-8066-5D194A0B149D}" type="datetimeFigureOut">
               <a:rPr lang="de-CH" smtClean="0"/>
-              <a:t>23.01.2025</a:t>
+              <a:t>24.01.2025</a:t>
             </a:fld>
             <a:endParaRPr lang="de-CH"/>
           </a:p>
@@ -11514,7 +11857,7 @@
           <a:p>
             <a:fld id="{AB8F96E3-2EAC-4C18-B216-7E9D85CA2F89}" type="slidenum">
               <a:rPr lang="de-CH" smtClean="0"/>
-              <a:t>‹Nr.›</a:t>
+              <a:t>‹#›</a:t>
             </a:fld>
             <a:endParaRPr lang="de-CH"/>
           </a:p>
@@ -11764,7 +12107,7 @@
           <a:p>
             <a:fld id="{69F73540-DFB5-4816-8066-5D194A0B149D}" type="datetimeFigureOut">
               <a:rPr lang="de-CH" smtClean="0"/>
-              <a:t>23.01.2025</a:t>
+              <a:t>24.01.2025</a:t>
             </a:fld>
             <a:endParaRPr lang="de-CH"/>
           </a:p>
@@ -11806,7 +12149,7 @@
           <a:p>
             <a:fld id="{AB8F96E3-2EAC-4C18-B216-7E9D85CA2F89}" type="slidenum">
               <a:rPr lang="de-CH" smtClean="0"/>
-              <a:t>‹Nr.›</a:t>
+              <a:t>‹#›</a:t>
             </a:fld>
             <a:endParaRPr lang="de-CH"/>
           </a:p>
@@ -12208,7 +12551,7 @@
           <a:p>
             <a:fld id="{69F73540-DFB5-4816-8066-5D194A0B149D}" type="datetimeFigureOut">
               <a:rPr lang="de-CH" smtClean="0"/>
-              <a:t>23.01.2025</a:t>
+              <a:t>24.01.2025</a:t>
             </a:fld>
             <a:endParaRPr lang="de-CH"/>
           </a:p>
@@ -12250,7 +12593,7 @@
           <a:p>
             <a:fld id="{AB8F96E3-2EAC-4C18-B216-7E9D85CA2F89}" type="slidenum">
               <a:rPr lang="de-CH" smtClean="0"/>
-              <a:t>‹Nr.›</a:t>
+              <a:t>‹#›</a:t>
             </a:fld>
             <a:endParaRPr lang="de-CH"/>
           </a:p>
@@ -12326,7 +12669,7 @@
           <a:p>
             <a:fld id="{69F73540-DFB5-4816-8066-5D194A0B149D}" type="datetimeFigureOut">
               <a:rPr lang="de-CH" smtClean="0"/>
-              <a:t>23.01.2025</a:t>
+              <a:t>24.01.2025</a:t>
             </a:fld>
             <a:endParaRPr lang="de-CH"/>
           </a:p>
@@ -12368,7 +12711,7 @@
           <a:p>
             <a:fld id="{AB8F96E3-2EAC-4C18-B216-7E9D85CA2F89}" type="slidenum">
               <a:rPr lang="de-CH" smtClean="0"/>
-              <a:t>‹Nr.›</a:t>
+              <a:t>‹#›</a:t>
             </a:fld>
             <a:endParaRPr lang="de-CH"/>
           </a:p>
@@ -12421,7 +12764,7 @@
           <a:p>
             <a:fld id="{69F73540-DFB5-4816-8066-5D194A0B149D}" type="datetimeFigureOut">
               <a:rPr lang="de-CH" smtClean="0"/>
-              <a:t>23.01.2025</a:t>
+              <a:t>24.01.2025</a:t>
             </a:fld>
             <a:endParaRPr lang="de-CH"/>
           </a:p>
@@ -12463,7 +12806,7 @@
           <a:p>
             <a:fld id="{AB8F96E3-2EAC-4C18-B216-7E9D85CA2F89}" type="slidenum">
               <a:rPr lang="de-CH" smtClean="0"/>
-              <a:t>‹Nr.›</a:t>
+              <a:t>‹#›</a:t>
             </a:fld>
             <a:endParaRPr lang="de-CH"/>
           </a:p>
@@ -12700,7 +13043,7 @@
           <a:p>
             <a:fld id="{69F73540-DFB5-4816-8066-5D194A0B149D}" type="datetimeFigureOut">
               <a:rPr lang="de-CH" smtClean="0"/>
-              <a:t>23.01.2025</a:t>
+              <a:t>24.01.2025</a:t>
             </a:fld>
             <a:endParaRPr lang="de-CH"/>
           </a:p>
@@ -12742,7 +13085,7 @@
           <a:p>
             <a:fld id="{AB8F96E3-2EAC-4C18-B216-7E9D85CA2F89}" type="slidenum">
               <a:rPr lang="de-CH" smtClean="0"/>
-              <a:t>‹Nr.›</a:t>
+              <a:t>‹#›</a:t>
             </a:fld>
             <a:endParaRPr lang="de-CH"/>
           </a:p>
@@ -12975,7 +13318,7 @@
           <a:p>
             <a:fld id="{69F73540-DFB5-4816-8066-5D194A0B149D}" type="datetimeFigureOut">
               <a:rPr lang="de-CH" smtClean="0"/>
-              <a:t>23.01.2025</a:t>
+              <a:t>24.01.2025</a:t>
             </a:fld>
             <a:endParaRPr lang="de-CH"/>
           </a:p>
@@ -13017,7 +13360,7 @@
           <a:p>
             <a:fld id="{AB8F96E3-2EAC-4C18-B216-7E9D85CA2F89}" type="slidenum">
               <a:rPr lang="de-CH" smtClean="0"/>
-              <a:t>‹Nr.›</a:t>
+              <a:t>‹#›</a:t>
             </a:fld>
             <a:endParaRPr lang="de-CH"/>
           </a:p>
@@ -13404,7 +13747,7 @@
           <a:p>
             <a:fld id="{69F73540-DFB5-4816-8066-5D194A0B149D}" type="datetimeFigureOut">
               <a:rPr lang="de-CH" smtClean="0"/>
-              <a:t>23.01.2025</a:t>
+              <a:t>24.01.2025</a:t>
             </a:fld>
             <a:endParaRPr lang="de-CH"/>
           </a:p>
@@ -13483,7 +13826,7 @@
           <a:p>
             <a:fld id="{AB8F96E3-2EAC-4C18-B216-7E9D85CA2F89}" type="slidenum">
               <a:rPr lang="de-CH" smtClean="0"/>
-              <a:t>‹Nr.›</a:t>
+              <a:t>‹#›</a:t>
             </a:fld>
             <a:endParaRPr lang="de-CH"/>
           </a:p>
@@ -15924,6 +16267,109 @@
           <a:chExt cx="0" cy="0"/>
         </a:xfrm>
       </p:grpSpPr>
+      <p:pic>
+        <p:nvPicPr>
+          <p:cNvPr id="5" name="Content Placeholder 4">
+            <a:extLst>
+              <a:ext uri="{FF2B5EF4-FFF2-40B4-BE49-F238E27FC236}">
+                <a16:creationId xmlns:a16="http://schemas.microsoft.com/office/drawing/2014/main" id="{0DB02C7E-5228-488E-B5FB-4EA0E3F45B29}"/>
+              </a:ext>
+            </a:extLst>
+          </p:cNvPr>
+          <p:cNvPicPr>
+            <a:picLocks noGrp="1" noChangeAspect="1"/>
+          </p:cNvPicPr>
+          <p:nvPr>
+            <p:ph idx="1"/>
+          </p:nvPr>
+        </p:nvPicPr>
+        <p:blipFill>
+          <a:blip r:embed="rId3"/>
+          <a:stretch>
+            <a:fillRect/>
+          </a:stretch>
+        </p:blipFill>
+        <p:spPr>
+          <a:xfrm>
+            <a:off x="1978344" y="662570"/>
+            <a:ext cx="6446097" cy="5155667"/>
+          </a:xfrm>
+        </p:spPr>
+      </p:pic>
+      <p:sp>
+        <p:nvSpPr>
+          <p:cNvPr id="9" name="TextBox 8">
+            <a:extLst>
+              <a:ext uri="{FF2B5EF4-FFF2-40B4-BE49-F238E27FC236}">
+                <a16:creationId xmlns:a16="http://schemas.microsoft.com/office/drawing/2014/main" id="{3BBC340D-49A1-4BB3-A8A8-7D5DE356AA98}"/>
+              </a:ext>
+            </a:extLst>
+          </p:cNvPr>
+          <p:cNvSpPr txBox="1"/>
+          <p:nvPr/>
+        </p:nvSpPr>
+        <p:spPr>
+          <a:xfrm>
+            <a:off x="914401" y="6075480"/>
+            <a:ext cx="8573984" cy="369332"/>
+          </a:xfrm>
+          <a:prstGeom prst="rect">
+            <a:avLst/>
+          </a:prstGeom>
+          <a:noFill/>
+        </p:spPr>
+        <p:txBody>
+          <a:bodyPr wrap="square" rtlCol="0">
+            <a:spAutoFit/>
+          </a:bodyPr>
+          <a:lstStyle/>
+          <a:p>
+            <a:r>
+              <a:rPr lang="en-US" dirty="0"/>
+              <a:t>From: </a:t>
+            </a:r>
+            <a:r>
+              <a:rPr lang="en-US" sz="1800" dirty="0">
+                <a:effectLst/>
+                <a:latin typeface="Calibri" panose="020F0502020204030204" pitchFamily="34" charset="0"/>
+                <a:hlinkClick r:id="rId4"/>
+              </a:rPr>
+              <a:t>Issue #153 - Language Clustering for Multilingual Named Entity Recognition</a:t>
+            </a:r>
+            <a:endParaRPr lang="en-US" dirty="0"/>
+          </a:p>
+        </p:txBody>
+      </p:sp>
+    </p:spTree>
+    <p:extLst>
+      <p:ext uri="{BB962C8B-B14F-4D97-AF65-F5344CB8AC3E}">
+        <p14:creationId xmlns:p14="http://schemas.microsoft.com/office/powerpoint/2010/main" val="2650656337"/>
+      </p:ext>
+    </p:extLst>
+  </p:cSld>
+  <p:clrMapOvr>
+    <a:masterClrMapping/>
+  </p:clrMapOvr>
+</p:sld>
+</file>
+
+<file path=ppt/slides/slide23.xml><?xml version="1.0" encoding="utf-8"?>
+<p:sld xmlns:a="http://schemas.openxmlformats.org/drawingml/2006/main" xmlns:r="http://schemas.openxmlformats.org/officeDocument/2006/relationships" xmlns:p="http://schemas.openxmlformats.org/presentationml/2006/main">
+  <p:cSld>
+    <p:spTree>
+      <p:nvGrpSpPr>
+        <p:cNvPr id="1" name=""/>
+        <p:cNvGrpSpPr/>
+        <p:nvPr/>
+      </p:nvGrpSpPr>
+      <p:grpSpPr>
+        <a:xfrm>
+          <a:off x="0" y="0"/>
+          <a:ext cx="0" cy="0"/>
+          <a:chOff x="0" y="0"/>
+          <a:chExt cx="0" cy="0"/>
+        </a:xfrm>
+      </p:grpSpPr>
       <p:sp>
         <p:nvSpPr>
           <p:cNvPr id="2" name="Title 1">
@@ -15994,150 +16440,6 @@
 </p:sld>
 </file>
 
-<file path=ppt/slides/slide23.xml><?xml version="1.0" encoding="utf-8"?>
-<p:sld xmlns:a="http://schemas.openxmlformats.org/drawingml/2006/main" xmlns:r="http://schemas.openxmlformats.org/officeDocument/2006/relationships" xmlns:p="http://schemas.openxmlformats.org/presentationml/2006/main">
-  <p:cSld>
-    <p:spTree>
-      <p:nvGrpSpPr>
-        <p:cNvPr id="1" name=""/>
-        <p:cNvGrpSpPr/>
-        <p:nvPr/>
-      </p:nvGrpSpPr>
-      <p:grpSpPr>
-        <a:xfrm>
-          <a:off x="0" y="0"/>
-          <a:ext cx="0" cy="0"/>
-          <a:chOff x="0" y="0"/>
-          <a:chExt cx="0" cy="0"/>
-        </a:xfrm>
-      </p:grpSpPr>
-      <p:sp>
-        <p:nvSpPr>
-          <p:cNvPr id="2" name="Title 1">
-            <a:extLst>
-              <a:ext uri="{FF2B5EF4-FFF2-40B4-BE49-F238E27FC236}">
-                <a16:creationId xmlns:a16="http://schemas.microsoft.com/office/drawing/2014/main" id="{0913BBCD-948C-44D6-9FAF-BA651248C8F9}"/>
-              </a:ext>
-            </a:extLst>
-          </p:cNvPr>
-          <p:cNvSpPr>
-            <a:spLocks noGrp="1"/>
-          </p:cNvSpPr>
-          <p:nvPr>
-            <p:ph type="title"/>
-          </p:nvPr>
-        </p:nvSpPr>
-        <p:spPr/>
-        <p:txBody>
-          <a:bodyPr/>
-          <a:lstStyle/>
-          <a:p>
-            <a:r>
-              <a:rPr lang="de-CH" dirty="0"/>
-              <a:t>Possible </a:t>
-            </a:r>
-            <a:r>
-              <a:rPr lang="de-CH" dirty="0" err="1"/>
-              <a:t>improvement</a:t>
-            </a:r>
-            <a:br>
-              <a:rPr lang="de-CH" dirty="0"/>
-            </a:br>
-            <a:endParaRPr lang="en-US" dirty="0"/>
-          </a:p>
-        </p:txBody>
-      </p:sp>
-      <p:sp>
-        <p:nvSpPr>
-          <p:cNvPr id="7" name="Inhaltsplatzhalter 6">
-            <a:extLst>
-              <a:ext uri="{FF2B5EF4-FFF2-40B4-BE49-F238E27FC236}">
-                <a16:creationId xmlns:a16="http://schemas.microsoft.com/office/drawing/2014/main" id="{639653A5-8A1D-9C8E-F2B7-D4447928D14E}"/>
-              </a:ext>
-            </a:extLst>
-          </p:cNvPr>
-          <p:cNvSpPr>
-            <a:spLocks noGrp="1"/>
-          </p:cNvSpPr>
-          <p:nvPr>
-            <p:ph idx="1"/>
-          </p:nvPr>
-        </p:nvSpPr>
-        <p:spPr>
-          <a:xfrm>
-            <a:off x="1103312" y="2539353"/>
-            <a:ext cx="8946541" cy="3709046"/>
-          </a:xfrm>
-        </p:spPr>
-        <p:txBody>
-          <a:bodyPr/>
-          <a:lstStyle/>
-          <a:p>
-            <a:pPr marL="0" indent="0">
-              <a:buNone/>
-            </a:pPr>
-            <a:r>
-              <a:rPr lang="en-US" dirty="0"/>
-              <a:t>To improve the model we could:</a:t>
-            </a:r>
-          </a:p>
-          <a:p>
-            <a:r>
-              <a:rPr lang="en-US" dirty="0"/>
-              <a:t>Improve the datasets</a:t>
-            </a:r>
-          </a:p>
-          <a:p>
-            <a:r>
-              <a:rPr lang="en-US" dirty="0"/>
-              <a:t>Increase the learning rate</a:t>
-            </a:r>
-          </a:p>
-          <a:p>
-            <a:r>
-              <a:rPr lang="en-US" dirty="0"/>
-              <a:t>Increase the batch size</a:t>
-            </a:r>
-          </a:p>
-          <a:p>
-            <a:r>
-              <a:rPr lang="en-US" dirty="0"/>
-              <a:t>Increase epochs</a:t>
-            </a:r>
-          </a:p>
-          <a:p>
-            <a:r>
-              <a:rPr lang="en-US" dirty="0"/>
-              <a:t>Apply early stopping</a:t>
-            </a:r>
-          </a:p>
-          <a:p>
-            <a:r>
-              <a:rPr lang="en-US" dirty="0"/>
-              <a:t>…</a:t>
-            </a:r>
-          </a:p>
-          <a:p>
-            <a:pPr marL="0" indent="0">
-              <a:buNone/>
-            </a:pPr>
-            <a:endParaRPr lang="en-US" dirty="0"/>
-          </a:p>
-        </p:txBody>
-      </p:sp>
-    </p:spTree>
-    <p:extLst>
-      <p:ext uri="{BB962C8B-B14F-4D97-AF65-F5344CB8AC3E}">
-        <p14:creationId xmlns:p14="http://schemas.microsoft.com/office/powerpoint/2010/main" val="4079610711"/>
-      </p:ext>
-    </p:extLst>
-  </p:cSld>
-  <p:clrMapOvr>
-    <a:masterClrMapping/>
-  </p:clrMapOvr>
-</p:sld>
-</file>
-
 <file path=ppt/slides/slide24.xml><?xml version="1.0" encoding="utf-8"?>
 <p:sld xmlns:a="http://schemas.openxmlformats.org/drawingml/2006/main" xmlns:r="http://schemas.openxmlformats.org/officeDocument/2006/relationships" xmlns:p="http://schemas.openxmlformats.org/presentationml/2006/main">
   <p:cSld>
@@ -16160,6 +16462,150 @@
           <p:cNvPr id="2" name="Title 1">
             <a:extLst>
               <a:ext uri="{FF2B5EF4-FFF2-40B4-BE49-F238E27FC236}">
+                <a16:creationId xmlns:a16="http://schemas.microsoft.com/office/drawing/2014/main" id="{0913BBCD-948C-44D6-9FAF-BA651248C8F9}"/>
+              </a:ext>
+            </a:extLst>
+          </p:cNvPr>
+          <p:cNvSpPr>
+            <a:spLocks noGrp="1"/>
+          </p:cNvSpPr>
+          <p:nvPr>
+            <p:ph type="title"/>
+          </p:nvPr>
+        </p:nvSpPr>
+        <p:spPr/>
+        <p:txBody>
+          <a:bodyPr/>
+          <a:lstStyle/>
+          <a:p>
+            <a:r>
+              <a:rPr lang="de-CH" dirty="0"/>
+              <a:t>Possible </a:t>
+            </a:r>
+            <a:r>
+              <a:rPr lang="de-CH" dirty="0" err="1"/>
+              <a:t>improvement</a:t>
+            </a:r>
+            <a:br>
+              <a:rPr lang="de-CH" dirty="0"/>
+            </a:br>
+            <a:endParaRPr lang="en-US" dirty="0"/>
+          </a:p>
+        </p:txBody>
+      </p:sp>
+      <p:sp>
+        <p:nvSpPr>
+          <p:cNvPr id="7" name="Inhaltsplatzhalter 6">
+            <a:extLst>
+              <a:ext uri="{FF2B5EF4-FFF2-40B4-BE49-F238E27FC236}">
+                <a16:creationId xmlns:a16="http://schemas.microsoft.com/office/drawing/2014/main" id="{639653A5-8A1D-9C8E-F2B7-D4447928D14E}"/>
+              </a:ext>
+            </a:extLst>
+          </p:cNvPr>
+          <p:cNvSpPr>
+            <a:spLocks noGrp="1"/>
+          </p:cNvSpPr>
+          <p:nvPr>
+            <p:ph idx="1"/>
+          </p:nvPr>
+        </p:nvSpPr>
+        <p:spPr>
+          <a:xfrm>
+            <a:off x="1103312" y="2539353"/>
+            <a:ext cx="8946541" cy="3709046"/>
+          </a:xfrm>
+        </p:spPr>
+        <p:txBody>
+          <a:bodyPr/>
+          <a:lstStyle/>
+          <a:p>
+            <a:pPr marL="0" indent="0">
+              <a:buNone/>
+            </a:pPr>
+            <a:r>
+              <a:rPr lang="en-US" dirty="0"/>
+              <a:t>To improve the model we could:</a:t>
+            </a:r>
+          </a:p>
+          <a:p>
+            <a:r>
+              <a:rPr lang="en-US" dirty="0"/>
+              <a:t>Improve the datasets</a:t>
+            </a:r>
+          </a:p>
+          <a:p>
+            <a:r>
+              <a:rPr lang="en-US" dirty="0"/>
+              <a:t>Increase the learning rate</a:t>
+            </a:r>
+          </a:p>
+          <a:p>
+            <a:r>
+              <a:rPr lang="en-US" dirty="0"/>
+              <a:t>Increase the batch size</a:t>
+            </a:r>
+          </a:p>
+          <a:p>
+            <a:r>
+              <a:rPr lang="en-US" dirty="0"/>
+              <a:t>Increase epochs</a:t>
+            </a:r>
+          </a:p>
+          <a:p>
+            <a:r>
+              <a:rPr lang="en-US" dirty="0"/>
+              <a:t>Apply early stopping</a:t>
+            </a:r>
+          </a:p>
+          <a:p>
+            <a:r>
+              <a:rPr lang="en-US" dirty="0"/>
+              <a:t>…</a:t>
+            </a:r>
+          </a:p>
+          <a:p>
+            <a:pPr marL="0" indent="0">
+              <a:buNone/>
+            </a:pPr>
+            <a:endParaRPr lang="en-US" dirty="0"/>
+          </a:p>
+        </p:txBody>
+      </p:sp>
+    </p:spTree>
+    <p:extLst>
+      <p:ext uri="{BB962C8B-B14F-4D97-AF65-F5344CB8AC3E}">
+        <p14:creationId xmlns:p14="http://schemas.microsoft.com/office/powerpoint/2010/main" val="4079610711"/>
+      </p:ext>
+    </p:extLst>
+  </p:cSld>
+  <p:clrMapOvr>
+    <a:masterClrMapping/>
+  </p:clrMapOvr>
+</p:sld>
+</file>
+
+<file path=ppt/slides/slide25.xml><?xml version="1.0" encoding="utf-8"?>
+<p:sld xmlns:a="http://schemas.openxmlformats.org/drawingml/2006/main" xmlns:r="http://schemas.openxmlformats.org/officeDocument/2006/relationships" xmlns:p="http://schemas.openxmlformats.org/presentationml/2006/main">
+  <p:cSld>
+    <p:spTree>
+      <p:nvGrpSpPr>
+        <p:cNvPr id="1" name=""/>
+        <p:cNvGrpSpPr/>
+        <p:nvPr/>
+      </p:nvGrpSpPr>
+      <p:grpSpPr>
+        <a:xfrm>
+          <a:off x="0" y="0"/>
+          <a:ext cx="0" cy="0"/>
+          <a:chOff x="0" y="0"/>
+          <a:chExt cx="0" cy="0"/>
+        </a:xfrm>
+      </p:grpSpPr>
+      <p:sp>
+        <p:nvSpPr>
+          <p:cNvPr id="2" name="Title 1">
+            <a:extLst>
+              <a:ext uri="{FF2B5EF4-FFF2-40B4-BE49-F238E27FC236}">
                 <a16:creationId xmlns:a16="http://schemas.microsoft.com/office/drawing/2014/main" id="{36262027-BF33-4B1C-9478-81791AD91589}"/>
               </a:ext>
             </a:extLst>
@@ -16283,7 +16729,7 @@
 </p:sld>
 </file>
 
-<file path=ppt/slides/slide25.xml><?xml version="1.0" encoding="utf-8"?>
+<file path=ppt/slides/slide26.xml><?xml version="1.0" encoding="utf-8"?>
 <p:sld xmlns:a="http://schemas.openxmlformats.org/drawingml/2006/main" xmlns:r="http://schemas.openxmlformats.org/officeDocument/2006/relationships" xmlns:p="http://schemas.openxmlformats.org/presentationml/2006/main">
   <p:cSld>
     <p:spTree>
@@ -16412,7 +16858,7 @@
 </p:sld>
 </file>
 
-<file path=ppt/slides/slide26.xml><?xml version="1.0" encoding="utf-8"?>
+<file path=ppt/slides/slide27.xml><?xml version="1.0" encoding="utf-8"?>
 <p:sld xmlns:a="http://schemas.openxmlformats.org/drawingml/2006/main" xmlns:r="http://schemas.openxmlformats.org/officeDocument/2006/relationships" xmlns:p="http://schemas.openxmlformats.org/presentationml/2006/main">
   <p:cSld>
     <p:spTree>
@@ -16511,7 +16957,7 @@
 </p:sld>
 </file>
 
-<file path=ppt/slides/slide27.xml><?xml version="1.0" encoding="utf-8"?>
+<file path=ppt/slides/slide28.xml><?xml version="1.0" encoding="utf-8"?>
 <p:sld xmlns:a="http://schemas.openxmlformats.org/drawingml/2006/main" xmlns:r="http://schemas.openxmlformats.org/officeDocument/2006/relationships" xmlns:p="http://schemas.openxmlformats.org/presentationml/2006/main">
   <p:cSld>
     <p:spTree>
@@ -16610,7 +17056,7 @@
 </p:sld>
 </file>
 
-<file path=ppt/slides/slide28.xml><?xml version="1.0" encoding="utf-8"?>
+<file path=ppt/slides/slide29.xml><?xml version="1.0" encoding="utf-8"?>
 <p:sld xmlns:a="http://schemas.openxmlformats.org/drawingml/2006/main" xmlns:r="http://schemas.openxmlformats.org/officeDocument/2006/relationships" xmlns:p="http://schemas.openxmlformats.org/presentationml/2006/main">
   <p:cSld>
     <p:spTree>
@@ -16700,110 +17146,6 @@
     <p:extLst>
       <p:ext uri="{BB962C8B-B14F-4D97-AF65-F5344CB8AC3E}">
         <p14:creationId xmlns:p14="http://schemas.microsoft.com/office/powerpoint/2010/main" val="734212539"/>
-      </p:ext>
-    </p:extLst>
-  </p:cSld>
-  <p:clrMapOvr>
-    <a:masterClrMapping/>
-  </p:clrMapOvr>
-</p:sld>
-</file>
-
-<file path=ppt/slides/slide29.xml><?xml version="1.0" encoding="utf-8"?>
-<p:sld xmlns:a="http://schemas.openxmlformats.org/drawingml/2006/main" xmlns:r="http://schemas.openxmlformats.org/officeDocument/2006/relationships" xmlns:p="http://schemas.openxmlformats.org/presentationml/2006/main">
-  <p:cSld>
-    <p:spTree>
-      <p:nvGrpSpPr>
-        <p:cNvPr id="1" name=""/>
-        <p:cNvGrpSpPr/>
-        <p:nvPr/>
-      </p:nvGrpSpPr>
-      <p:grpSpPr>
-        <a:xfrm>
-          <a:off x="0" y="0"/>
-          <a:ext cx="0" cy="0"/>
-          <a:chOff x="0" y="0"/>
-          <a:chExt cx="0" cy="0"/>
-        </a:xfrm>
-      </p:grpSpPr>
-      <p:sp>
-        <p:nvSpPr>
-          <p:cNvPr id="2" name="Titel 1">
-            <a:extLst>
-              <a:ext uri="{FF2B5EF4-FFF2-40B4-BE49-F238E27FC236}">
-                <a16:creationId xmlns:a16="http://schemas.microsoft.com/office/drawing/2014/main" id="{C6E185AE-3F6F-1960-E2CE-70A1650639A5}"/>
-              </a:ext>
-            </a:extLst>
-          </p:cNvPr>
-          <p:cNvSpPr>
-            <a:spLocks noGrp="1"/>
-          </p:cNvSpPr>
-          <p:nvPr>
-            <p:ph type="title"/>
-          </p:nvPr>
-        </p:nvSpPr>
-        <p:spPr/>
-        <p:txBody>
-          <a:bodyPr/>
-          <a:lstStyle/>
-          <a:p>
-            <a:r>
-              <a:rPr lang="de-CH" dirty="0" err="1"/>
-              <a:t>Results</a:t>
-            </a:r>
-            <a:r>
-              <a:rPr lang="de-CH" dirty="0"/>
-              <a:t> </a:t>
-            </a:r>
-            <a:r>
-              <a:rPr lang="de-CH" dirty="0" err="1"/>
-              <a:t>for</a:t>
-            </a:r>
-            <a:r>
-              <a:rPr lang="de-CH" dirty="0"/>
-              <a:t> </a:t>
-            </a:r>
-            <a:r>
-              <a:rPr lang="de-CH" dirty="0" err="1"/>
-              <a:t>Italian</a:t>
-            </a:r>
-            <a:endParaRPr lang="de-CH" dirty="0"/>
-          </a:p>
-        </p:txBody>
-      </p:sp>
-      <p:pic>
-        <p:nvPicPr>
-          <p:cNvPr id="5" name="Inhaltsplatzhalter 4">
-            <a:extLst>
-              <a:ext uri="{FF2B5EF4-FFF2-40B4-BE49-F238E27FC236}">
-                <a16:creationId xmlns:a16="http://schemas.microsoft.com/office/drawing/2014/main" id="{BAF31C6D-01A1-BDA3-7C68-A016DF94F998}"/>
-              </a:ext>
-            </a:extLst>
-          </p:cNvPr>
-          <p:cNvPicPr>
-            <a:picLocks noGrp="1" noChangeAspect="1"/>
-          </p:cNvPicPr>
-          <p:nvPr>
-            <p:ph idx="1"/>
-          </p:nvPr>
-        </p:nvPicPr>
-        <p:blipFill>
-          <a:blip r:embed="rId3"/>
-          <a:stretch>
-            <a:fillRect/>
-          </a:stretch>
-        </p:blipFill>
-        <p:spPr>
-          <a:xfrm>
-            <a:off x="123826" y="3187700"/>
-            <a:ext cx="11944347" cy="1257300"/>
-          </a:xfrm>
-        </p:spPr>
-      </p:pic>
-    </p:spTree>
-    <p:extLst>
-      <p:ext uri="{BB962C8B-B14F-4D97-AF65-F5344CB8AC3E}">
-        <p14:creationId xmlns:p14="http://schemas.microsoft.com/office/powerpoint/2010/main" val="3627086147"/>
       </p:ext>
     </p:extLst>
   </p:cSld>
@@ -17132,7 +17474,7 @@
           <p:cNvPr id="2" name="Titel 1">
             <a:extLst>
               <a:ext uri="{FF2B5EF4-FFF2-40B4-BE49-F238E27FC236}">
-                <a16:creationId xmlns:a16="http://schemas.microsoft.com/office/drawing/2014/main" id="{26D64721-2D18-1513-64DD-F728523A8896}"/>
+                <a16:creationId xmlns:a16="http://schemas.microsoft.com/office/drawing/2014/main" id="{C6E185AE-3F6F-1960-E2CE-70A1650639A5}"/>
               </a:ext>
             </a:extLst>
           </p:cNvPr>
@@ -17150,78 +17492,61 @@
           <a:p>
             <a:r>
               <a:rPr lang="de-CH" dirty="0" err="1"/>
-              <a:t>Limitations</a:t>
-            </a:r>
-            <a:r>
-              <a:rPr lang="de-CH" dirty="0"/>
-              <a:t> </a:t>
-            </a:r>
-            <a:r>
-              <a:rPr lang="de-CH" dirty="0" err="1"/>
-              <a:t>of</a:t>
-            </a:r>
-            <a:r>
-              <a:rPr lang="de-CH" dirty="0"/>
-              <a:t> </a:t>
-            </a:r>
-            <a:r>
-              <a:rPr lang="de-CH" dirty="0" err="1"/>
-              <a:t>approach</a:t>
+              <a:t>Results</a:t>
+            </a:r>
+            <a:r>
+              <a:rPr lang="de-CH" dirty="0"/>
+              <a:t> </a:t>
+            </a:r>
+            <a:r>
+              <a:rPr lang="de-CH" dirty="0" err="1"/>
+              <a:t>for</a:t>
+            </a:r>
+            <a:r>
+              <a:rPr lang="de-CH" dirty="0"/>
+              <a:t> </a:t>
+            </a:r>
+            <a:r>
+              <a:rPr lang="de-CH" dirty="0" err="1"/>
+              <a:t>Italian</a:t>
             </a:r>
             <a:endParaRPr lang="de-CH" dirty="0"/>
           </a:p>
         </p:txBody>
       </p:sp>
-      <p:sp>
-        <p:nvSpPr>
-          <p:cNvPr id="3" name="Inhaltsplatzhalter 2">
+      <p:pic>
+        <p:nvPicPr>
+          <p:cNvPr id="5" name="Inhaltsplatzhalter 4">
             <a:extLst>
               <a:ext uri="{FF2B5EF4-FFF2-40B4-BE49-F238E27FC236}">
-                <a16:creationId xmlns:a16="http://schemas.microsoft.com/office/drawing/2014/main" id="{398B9ADA-9FB8-2F8B-5F36-AA300ED16F67}"/>
+                <a16:creationId xmlns:a16="http://schemas.microsoft.com/office/drawing/2014/main" id="{BAF31C6D-01A1-BDA3-7C68-A016DF94F998}"/>
               </a:ext>
             </a:extLst>
           </p:cNvPr>
-          <p:cNvSpPr>
-            <a:spLocks noGrp="1"/>
-          </p:cNvSpPr>
+          <p:cNvPicPr>
+            <a:picLocks noGrp="1" noChangeAspect="1"/>
+          </p:cNvPicPr>
           <p:nvPr>
             <p:ph idx="1"/>
           </p:nvPr>
-        </p:nvSpPr>
-        <p:spPr/>
-        <p:txBody>
-          <a:bodyPr/>
-          <a:lstStyle/>
-          <a:p>
-            <a:r>
-              <a:rPr lang="en-US" dirty="0"/>
-              <a:t>Not explicitly optimized to multilingualism</a:t>
-            </a:r>
-          </a:p>
-          <a:p>
-            <a:r>
-              <a:rPr lang="en-US" dirty="0"/>
-              <a:t>Didn’t learn enough patterns to compare the languages</a:t>
-            </a:r>
-          </a:p>
-          <a:p>
-            <a:r>
-              <a:rPr lang="en-US" dirty="0"/>
-              <a:t>Therefore is not reliable on low resource languages</a:t>
-            </a:r>
-          </a:p>
-          <a:p>
-            <a:r>
-              <a:rPr lang="en-US" dirty="0"/>
-              <a:t>Very likely to overfit in one language</a:t>
-            </a:r>
-          </a:p>
-        </p:txBody>
-      </p:sp>
+        </p:nvPicPr>
+        <p:blipFill>
+          <a:blip r:embed="rId3"/>
+          <a:stretch>
+            <a:fillRect/>
+          </a:stretch>
+        </p:blipFill>
+        <p:spPr>
+          <a:xfrm>
+            <a:off x="123826" y="3187700"/>
+            <a:ext cx="11944347" cy="1257300"/>
+          </a:xfrm>
+        </p:spPr>
+      </p:pic>
     </p:spTree>
     <p:extLst>
       <p:ext uri="{BB962C8B-B14F-4D97-AF65-F5344CB8AC3E}">
-        <p14:creationId xmlns:p14="http://schemas.microsoft.com/office/powerpoint/2010/main" val="2671724893"/>
+        <p14:creationId xmlns:p14="http://schemas.microsoft.com/office/powerpoint/2010/main" val="3627086147"/>
       </p:ext>
     </p:extLst>
   </p:cSld>
@@ -17250,6 +17575,127 @@
       </p:grpSpPr>
       <p:sp>
         <p:nvSpPr>
+          <p:cNvPr id="2" name="Titel 1">
+            <a:extLst>
+              <a:ext uri="{FF2B5EF4-FFF2-40B4-BE49-F238E27FC236}">
+                <a16:creationId xmlns:a16="http://schemas.microsoft.com/office/drawing/2014/main" id="{26D64721-2D18-1513-64DD-F728523A8896}"/>
+              </a:ext>
+            </a:extLst>
+          </p:cNvPr>
+          <p:cNvSpPr>
+            <a:spLocks noGrp="1"/>
+          </p:cNvSpPr>
+          <p:nvPr>
+            <p:ph type="title"/>
+          </p:nvPr>
+        </p:nvSpPr>
+        <p:spPr/>
+        <p:txBody>
+          <a:bodyPr/>
+          <a:lstStyle/>
+          <a:p>
+            <a:r>
+              <a:rPr lang="de-CH" dirty="0" err="1"/>
+              <a:t>Limitations</a:t>
+            </a:r>
+            <a:r>
+              <a:rPr lang="de-CH" dirty="0"/>
+              <a:t> </a:t>
+            </a:r>
+            <a:r>
+              <a:rPr lang="de-CH" dirty="0" err="1"/>
+              <a:t>of</a:t>
+            </a:r>
+            <a:r>
+              <a:rPr lang="de-CH" dirty="0"/>
+              <a:t> </a:t>
+            </a:r>
+            <a:r>
+              <a:rPr lang="de-CH" dirty="0" err="1"/>
+              <a:t>approach</a:t>
+            </a:r>
+            <a:endParaRPr lang="de-CH" dirty="0"/>
+          </a:p>
+        </p:txBody>
+      </p:sp>
+      <p:sp>
+        <p:nvSpPr>
+          <p:cNvPr id="3" name="Inhaltsplatzhalter 2">
+            <a:extLst>
+              <a:ext uri="{FF2B5EF4-FFF2-40B4-BE49-F238E27FC236}">
+                <a16:creationId xmlns:a16="http://schemas.microsoft.com/office/drawing/2014/main" id="{398B9ADA-9FB8-2F8B-5F36-AA300ED16F67}"/>
+              </a:ext>
+            </a:extLst>
+          </p:cNvPr>
+          <p:cNvSpPr>
+            <a:spLocks noGrp="1"/>
+          </p:cNvSpPr>
+          <p:nvPr>
+            <p:ph idx="1"/>
+          </p:nvPr>
+        </p:nvSpPr>
+        <p:spPr/>
+        <p:txBody>
+          <a:bodyPr/>
+          <a:lstStyle/>
+          <a:p>
+            <a:r>
+              <a:rPr lang="en-US" dirty="0"/>
+              <a:t>Not explicitly optimized to multilingualism</a:t>
+            </a:r>
+          </a:p>
+          <a:p>
+            <a:r>
+              <a:rPr lang="en-US" dirty="0"/>
+              <a:t>Didn’t learn enough patterns to compare the languages</a:t>
+            </a:r>
+          </a:p>
+          <a:p>
+            <a:r>
+              <a:rPr lang="en-US" dirty="0"/>
+              <a:t>Therefore is not reliable on low resource languages</a:t>
+            </a:r>
+          </a:p>
+          <a:p>
+            <a:r>
+              <a:rPr lang="en-US" dirty="0"/>
+              <a:t>Very likely to overfit in one language</a:t>
+            </a:r>
+          </a:p>
+        </p:txBody>
+      </p:sp>
+    </p:spTree>
+    <p:extLst>
+      <p:ext uri="{BB962C8B-B14F-4D97-AF65-F5344CB8AC3E}">
+        <p14:creationId xmlns:p14="http://schemas.microsoft.com/office/powerpoint/2010/main" val="2671724893"/>
+      </p:ext>
+    </p:extLst>
+  </p:cSld>
+  <p:clrMapOvr>
+    <a:masterClrMapping/>
+  </p:clrMapOvr>
+</p:sld>
+</file>
+
+<file path=ppt/slides/slide32.xml><?xml version="1.0" encoding="utf-8"?>
+<p:sld xmlns:a="http://schemas.openxmlformats.org/drawingml/2006/main" xmlns:r="http://schemas.openxmlformats.org/officeDocument/2006/relationships" xmlns:p="http://schemas.openxmlformats.org/presentationml/2006/main">
+  <p:cSld>
+    <p:spTree>
+      <p:nvGrpSpPr>
+        <p:cNvPr id="1" name=""/>
+        <p:cNvGrpSpPr/>
+        <p:nvPr/>
+      </p:nvGrpSpPr>
+      <p:grpSpPr>
+        <a:xfrm>
+          <a:off x="0" y="0"/>
+          <a:ext cx="0" cy="0"/>
+          <a:chOff x="0" y="0"/>
+          <a:chExt cx="0" cy="0"/>
+        </a:xfrm>
+      </p:grpSpPr>
+      <p:sp>
+        <p:nvSpPr>
           <p:cNvPr id="2" name="Title 1">
             <a:extLst>
               <a:ext uri="{FF2B5EF4-FFF2-40B4-BE49-F238E27FC236}">
@@ -17347,7 +17793,7 @@
           <a:p>
             <a:r>
               <a:rPr lang="en-US" dirty="0"/>
-              <a:t>It was very effective and fun to work together on this</a:t>
+              <a:t>It was very effective and fun to work together on this.</a:t>
             </a:r>
           </a:p>
           <a:p>
@@ -17372,7 +17818,7 @@
           <a:p>
             <a:r>
               <a:rPr lang="en-US" dirty="0"/>
-              <a:t>The Internet at Starbucks is very bad ;)</a:t>
+              <a:t>The Internet at Starbucks is pretty bad ;).</a:t>
             </a:r>
           </a:p>
           <a:p>
@@ -17393,7 +17839,7 @@
 </p:sld>
 </file>
 
-<file path=ppt/slides/slide32.xml><?xml version="1.0" encoding="utf-8"?>
+<file path=ppt/slides/slide33.xml><?xml version="1.0" encoding="utf-8"?>
 <p:sld xmlns:a="http://schemas.openxmlformats.org/drawingml/2006/main" xmlns:r="http://schemas.openxmlformats.org/officeDocument/2006/relationships" xmlns:p="http://schemas.openxmlformats.org/presentationml/2006/main">
   <p:cSld>
     <p:spTree>
@@ -17485,7 +17931,7 @@
 </p:sld>
 </file>
 
-<file path=ppt/slides/slide33.xml><?xml version="1.0" encoding="utf-8"?>
+<file path=ppt/slides/slide34.xml><?xml version="1.0" encoding="utf-8"?>
 <p:sld xmlns:a="http://schemas.openxmlformats.org/drawingml/2006/main" xmlns:r="http://schemas.openxmlformats.org/officeDocument/2006/relationships" xmlns:p="http://schemas.openxmlformats.org/presentationml/2006/main">
   <p:cSld>
     <p:spTree>

--- a/CAS NLP Module 4_jd_bb.pptx
+++ b/CAS NLP Module 4_jd_bb.pptx
@@ -230,7 +230,7 @@
           <a:p>
             <a:fld id="{E51474CE-351A-4402-BD16-5C3CE3808280}" type="datetimeFigureOut">
               <a:rPr lang="en-US" smtClean="0"/>
-              <a:t>1/24/2025</a:t>
+              <a:t>1/27/2025</a:t>
             </a:fld>
             <a:endParaRPr lang="en-US"/>
           </a:p>
@@ -388,7 +388,7 @@
           <a:p>
             <a:fld id="{2DA66685-3D22-47BB-B74E-10995D7F8271}" type="slidenum">
               <a:rPr lang="en-US" smtClean="0"/>
-              <a:t>‹#›</a:t>
+              <a:t>‹Nr.›</a:t>
             </a:fld>
             <a:endParaRPr lang="en-US"/>
           </a:p>
@@ -929,12 +929,8 @@
           <a:lstStyle/>
           <a:p>
             <a:r>
-              <a:rPr lang="de-CH" dirty="0" err="1"/>
-              <a:t>There</a:t>
-            </a:r>
-            <a:r>
-              <a:rPr lang="de-CH" dirty="0"/>
-              <a:t> </a:t>
+              <a:rPr lang="de-CH" dirty="0"/>
+              <a:t>There </a:t>
             </a:r>
             <a:r>
               <a:rPr lang="de-CH" dirty="0" err="1"/>
@@ -1262,12 +1258,8 @@
               <a:defRPr/>
             </a:pPr>
             <a:r>
-              <a:rPr lang="de-CH" dirty="0" err="1"/>
-              <a:t>There</a:t>
-            </a:r>
-            <a:r>
-              <a:rPr lang="de-CH" dirty="0"/>
-              <a:t> </a:t>
+              <a:rPr lang="de-CH" dirty="0"/>
+              <a:t>There </a:t>
             </a:r>
             <a:r>
               <a:rPr lang="de-CH" dirty="0" err="1"/>
@@ -1974,12 +1966,8 @@
           </a:p>
           <a:p>
             <a:r>
-              <a:rPr lang="de-CH" dirty="0" err="1"/>
-              <a:t>For</a:t>
-            </a:r>
-            <a:r>
-              <a:rPr lang="de-CH" dirty="0"/>
-              <a:t> </a:t>
+              <a:rPr lang="de-CH" dirty="0"/>
+              <a:t>For </a:t>
             </a:r>
             <a:r>
               <a:rPr lang="de-CH" dirty="0" err="1"/>
@@ -2618,15 +2606,7 @@
             </a:r>
             <a:r>
               <a:rPr lang="de-CH" dirty="0"/>
-              <a:t>). </a:t>
-            </a:r>
-            <a:r>
-              <a:rPr lang="de-CH" dirty="0" err="1"/>
-              <a:t>It</a:t>
-            </a:r>
-            <a:r>
-              <a:rPr lang="de-CH" dirty="0"/>
-              <a:t> </a:t>
+              <a:t>). It </a:t>
             </a:r>
             <a:r>
               <a:rPr lang="de-CH" dirty="0" err="1"/>
@@ -3924,21 +3904,7 @@
                 <a:effectLst/>
                 <a:latin typeface="__fkGroteskNeue_598ab8"/>
               </a:rPr>
-              <a:t>: </a:t>
-            </a:r>
-            <a:r>
-              <a:rPr lang="de-CH" sz="1800" b="0" i="0" dirty="0" err="1">
-                <a:effectLst/>
-                <a:latin typeface="__fkGroteskNeue_598ab8"/>
-              </a:rPr>
-              <a:t>It</a:t>
-            </a:r>
-            <a:r>
-              <a:rPr lang="de-CH" sz="1800" b="0" i="0" dirty="0">
-                <a:effectLst/>
-                <a:latin typeface="__fkGroteskNeue_598ab8"/>
-              </a:rPr>
-              <a:t> </a:t>
+              <a:t>: It </a:t>
             </a:r>
             <a:r>
               <a:rPr lang="de-CH" sz="1800" b="0" i="0" dirty="0" err="1">
@@ -4376,21 +4342,7 @@
                 <a:effectLst/>
                 <a:latin typeface="__fkGroteskNeue_598ab8"/>
               </a:rPr>
-              <a:t>Performance: </a:t>
-            </a:r>
-            <a:r>
-              <a:rPr lang="de-CH" sz="1800" b="0" i="0" dirty="0" err="1">
-                <a:effectLst/>
-                <a:latin typeface="__fkGroteskNeue_598ab8"/>
-              </a:rPr>
-              <a:t>It</a:t>
-            </a:r>
-            <a:r>
-              <a:rPr lang="de-CH" sz="1800" b="0" i="0" dirty="0">
-                <a:effectLst/>
-                <a:latin typeface="__fkGroteskNeue_598ab8"/>
-              </a:rPr>
-              <a:t> </a:t>
+              <a:t>Performance: It </a:t>
             </a:r>
             <a:r>
               <a:rPr lang="de-CH" sz="1800" b="0" i="0" dirty="0" err="1">
@@ -5846,12 +5798,8 @@
           <a:lstStyle/>
           <a:p>
             <a:r>
-              <a:rPr lang="de-CH" dirty="0" err="1"/>
-              <a:t>For</a:t>
-            </a:r>
-            <a:r>
-              <a:rPr lang="de-CH" dirty="0"/>
-              <a:t> German, French and </a:t>
+              <a:rPr lang="de-CH" dirty="0"/>
+              <a:t>For German, French and </a:t>
             </a:r>
             <a:r>
               <a:rPr lang="de-CH" dirty="0" err="1"/>
@@ -6240,12 +6188,8 @@
           <a:lstStyle/>
           <a:p>
             <a:r>
-              <a:rPr lang="de-CH" dirty="0" err="1"/>
-              <a:t>It</a:t>
-            </a:r>
-            <a:r>
-              <a:rPr lang="de-CH" dirty="0"/>
-              <a:t> </a:t>
+              <a:rPr lang="de-CH" dirty="0"/>
+              <a:t>It </a:t>
             </a:r>
             <a:r>
               <a:rPr lang="de-CH" dirty="0" err="1"/>
@@ -6402,6 +6346,90 @@
 </p:notes>
 </file>
 
+<file path=ppt/notesSlides/notesSlide28.xml><?xml version="1.0" encoding="utf-8"?>
+<p:notes xmlns:a="http://schemas.openxmlformats.org/drawingml/2006/main" xmlns:r="http://schemas.openxmlformats.org/officeDocument/2006/relationships" xmlns:p="http://schemas.openxmlformats.org/presentationml/2006/main">
+  <p:cSld>
+    <p:spTree>
+      <p:nvGrpSpPr>
+        <p:cNvPr id="1" name=""/>
+        <p:cNvGrpSpPr/>
+        <p:nvPr/>
+      </p:nvGrpSpPr>
+      <p:grpSpPr>
+        <a:xfrm>
+          <a:off x="0" y="0"/>
+          <a:ext cx="0" cy="0"/>
+          <a:chOff x="0" y="0"/>
+          <a:chExt cx="0" cy="0"/>
+        </a:xfrm>
+      </p:grpSpPr>
+      <p:sp>
+        <p:nvSpPr>
+          <p:cNvPr id="2" name="Folienbildplatzhalter 1"/>
+          <p:cNvSpPr>
+            <a:spLocks noGrp="1" noRot="1" noChangeAspect="1"/>
+          </p:cNvSpPr>
+          <p:nvPr>
+            <p:ph type="sldImg"/>
+          </p:nvPr>
+        </p:nvSpPr>
+        <p:spPr/>
+      </p:sp>
+      <p:sp>
+        <p:nvSpPr>
+          <p:cNvPr id="3" name="Notizenplatzhalter 2"/>
+          <p:cNvSpPr>
+            <a:spLocks noGrp="1"/>
+          </p:cNvSpPr>
+          <p:nvPr>
+            <p:ph type="body" idx="1"/>
+          </p:nvPr>
+        </p:nvSpPr>
+        <p:spPr/>
+        <p:txBody>
+          <a:bodyPr/>
+          <a:lstStyle/>
+          <a:p>
+            <a:endParaRPr lang="de-CH" dirty="0"/>
+          </a:p>
+        </p:txBody>
+      </p:sp>
+      <p:sp>
+        <p:nvSpPr>
+          <p:cNvPr id="4" name="Foliennummernplatzhalter 3"/>
+          <p:cNvSpPr>
+            <a:spLocks noGrp="1"/>
+          </p:cNvSpPr>
+          <p:nvPr>
+            <p:ph type="sldNum" sz="quarter" idx="5"/>
+          </p:nvPr>
+        </p:nvSpPr>
+        <p:spPr/>
+        <p:txBody>
+          <a:bodyPr/>
+          <a:lstStyle/>
+          <a:p>
+            <a:fld id="{2DA66685-3D22-47BB-B74E-10995D7F8271}" type="slidenum">
+              <a:rPr lang="en-US" smtClean="0"/>
+              <a:t>32</a:t>
+            </a:fld>
+            <a:endParaRPr lang="en-US"/>
+          </a:p>
+        </p:txBody>
+      </p:sp>
+    </p:spTree>
+    <p:extLst>
+      <p:ext uri="{BB962C8B-B14F-4D97-AF65-F5344CB8AC3E}">
+        <p14:creationId xmlns:p14="http://schemas.microsoft.com/office/powerpoint/2010/main" val="2411613700"/>
+      </p:ext>
+    </p:extLst>
+  </p:cSld>
+  <p:clrMapOvr>
+    <a:masterClrMapping/>
+  </p:clrMapOvr>
+</p:notes>
+</file>
+
 <file path=ppt/notesSlides/notesSlide3.xml><?xml version="1.0" encoding="utf-8"?>
 <p:notes xmlns:a="http://schemas.openxmlformats.org/drawingml/2006/main" xmlns:r="http://schemas.openxmlformats.org/officeDocument/2006/relationships" xmlns:p="http://schemas.openxmlformats.org/presentationml/2006/main">
   <p:cSld>
@@ -8482,7 +8510,7 @@
           <a:p>
             <a:fld id="{69F73540-DFB5-4816-8066-5D194A0B149D}" type="datetimeFigureOut">
               <a:rPr lang="de-CH" smtClean="0"/>
-              <a:t>24.01.2025</a:t>
+              <a:t>27.01.2025</a:t>
             </a:fld>
             <a:endParaRPr lang="de-CH"/>
           </a:p>
@@ -8524,7 +8552,7 @@
           <a:p>
             <a:fld id="{AB8F96E3-2EAC-4C18-B216-7E9D85CA2F89}" type="slidenum">
               <a:rPr lang="de-CH" smtClean="0"/>
-              <a:t>‹#›</a:t>
+              <a:t>‹Nr.›</a:t>
             </a:fld>
             <a:endParaRPr lang="de-CH"/>
           </a:p>
@@ -8757,7 +8785,7 @@
           <a:p>
             <a:fld id="{69F73540-DFB5-4816-8066-5D194A0B149D}" type="datetimeFigureOut">
               <a:rPr lang="de-CH" smtClean="0"/>
-              <a:t>24.01.2025</a:t>
+              <a:t>27.01.2025</a:t>
             </a:fld>
             <a:endParaRPr lang="de-CH"/>
           </a:p>
@@ -8799,7 +8827,7 @@
           <a:p>
             <a:fld id="{AB8F96E3-2EAC-4C18-B216-7E9D85CA2F89}" type="slidenum">
               <a:rPr lang="de-CH" smtClean="0"/>
-              <a:t>‹#›</a:t>
+              <a:t>‹Nr.›</a:t>
             </a:fld>
             <a:endParaRPr lang="de-CH"/>
           </a:p>
@@ -8951,7 +8979,7 @@
           <a:p>
             <a:fld id="{69F73540-DFB5-4816-8066-5D194A0B149D}" type="datetimeFigureOut">
               <a:rPr lang="de-CH" smtClean="0"/>
-              <a:t>24.01.2025</a:t>
+              <a:t>27.01.2025</a:t>
             </a:fld>
             <a:endParaRPr lang="de-CH"/>
           </a:p>
@@ -8993,7 +9021,7 @@
           <a:p>
             <a:fld id="{AB8F96E3-2EAC-4C18-B216-7E9D85CA2F89}" type="slidenum">
               <a:rPr lang="de-CH" smtClean="0"/>
-              <a:t>‹#›</a:t>
+              <a:t>‹Nr.›</a:t>
             </a:fld>
             <a:endParaRPr lang="de-CH"/>
           </a:p>
@@ -9224,7 +9252,7 @@
           <a:p>
             <a:fld id="{69F73540-DFB5-4816-8066-5D194A0B149D}" type="datetimeFigureOut">
               <a:rPr lang="de-CH" smtClean="0"/>
-              <a:t>24.01.2025</a:t>
+              <a:t>27.01.2025</a:t>
             </a:fld>
             <a:endParaRPr lang="de-CH"/>
           </a:p>
@@ -9266,7 +9294,7 @@
           <a:p>
             <a:fld id="{AB8F96E3-2EAC-4C18-B216-7E9D85CA2F89}" type="slidenum">
               <a:rPr lang="de-CH" smtClean="0"/>
-              <a:t>‹#›</a:t>
+              <a:t>‹Nr.›</a:t>
             </a:fld>
             <a:endParaRPr lang="de-CH"/>
           </a:p>
@@ -9565,7 +9593,7 @@
           <a:p>
             <a:fld id="{69F73540-DFB5-4816-8066-5D194A0B149D}" type="datetimeFigureOut">
               <a:rPr lang="de-CH" smtClean="0"/>
-              <a:t>24.01.2025</a:t>
+              <a:t>27.01.2025</a:t>
             </a:fld>
             <a:endParaRPr lang="de-CH"/>
           </a:p>
@@ -9607,7 +9635,7 @@
           <a:p>
             <a:fld id="{AB8F96E3-2EAC-4C18-B216-7E9D85CA2F89}" type="slidenum">
               <a:rPr lang="de-CH" smtClean="0"/>
-              <a:t>‹#›</a:t>
+              <a:t>‹Nr.›</a:t>
             </a:fld>
             <a:endParaRPr lang="de-CH"/>
           </a:p>
@@ -10188,7 +10216,7 @@
           <a:p>
             <a:fld id="{69F73540-DFB5-4816-8066-5D194A0B149D}" type="datetimeFigureOut">
               <a:rPr lang="de-CH" smtClean="0"/>
-              <a:t>24.01.2025</a:t>
+              <a:t>27.01.2025</a:t>
             </a:fld>
             <a:endParaRPr lang="de-CH"/>
           </a:p>
@@ -10230,7 +10258,7 @@
           <a:p>
             <a:fld id="{AB8F96E3-2EAC-4C18-B216-7E9D85CA2F89}" type="slidenum">
               <a:rPr lang="de-CH" smtClean="0"/>
-              <a:t>‹#›</a:t>
+              <a:t>‹Nr.›</a:t>
             </a:fld>
             <a:endParaRPr lang="de-CH"/>
           </a:p>
@@ -11048,7 +11076,7 @@
           <a:p>
             <a:fld id="{69F73540-DFB5-4816-8066-5D194A0B149D}" type="datetimeFigureOut">
               <a:rPr lang="de-CH" smtClean="0"/>
-              <a:t>24.01.2025</a:t>
+              <a:t>27.01.2025</a:t>
             </a:fld>
             <a:endParaRPr lang="de-CH"/>
           </a:p>
@@ -11090,7 +11118,7 @@
           <a:p>
             <a:fld id="{AB8F96E3-2EAC-4C18-B216-7E9D85CA2F89}" type="slidenum">
               <a:rPr lang="de-CH" smtClean="0"/>
-              <a:t>‹#›</a:t>
+              <a:t>‹Nr.›</a:t>
             </a:fld>
             <a:endParaRPr lang="de-CH"/>
           </a:p>
@@ -11218,7 +11246,7 @@
           <a:p>
             <a:fld id="{69F73540-DFB5-4816-8066-5D194A0B149D}" type="datetimeFigureOut">
               <a:rPr lang="de-CH" smtClean="0"/>
-              <a:t>24.01.2025</a:t>
+              <a:t>27.01.2025</a:t>
             </a:fld>
             <a:endParaRPr lang="de-CH"/>
           </a:p>
@@ -11260,7 +11288,7 @@
           <a:p>
             <a:fld id="{AB8F96E3-2EAC-4C18-B216-7E9D85CA2F89}" type="slidenum">
               <a:rPr lang="de-CH" smtClean="0"/>
-              <a:t>‹#›</a:t>
+              <a:t>‹Nr.›</a:t>
             </a:fld>
             <a:endParaRPr lang="de-CH"/>
           </a:p>
@@ -11398,7 +11426,7 @@
           <a:p>
             <a:fld id="{69F73540-DFB5-4816-8066-5D194A0B149D}" type="datetimeFigureOut">
               <a:rPr lang="de-CH" smtClean="0"/>
-              <a:t>24.01.2025</a:t>
+              <a:t>27.01.2025</a:t>
             </a:fld>
             <a:endParaRPr lang="de-CH"/>
           </a:p>
@@ -11440,7 +11468,7 @@
           <a:p>
             <a:fld id="{AB8F96E3-2EAC-4C18-B216-7E9D85CA2F89}" type="slidenum">
               <a:rPr lang="de-CH" smtClean="0"/>
-              <a:t>‹#›</a:t>
+              <a:t>‹Nr.›</a:t>
             </a:fld>
             <a:endParaRPr lang="de-CH"/>
           </a:p>
@@ -11568,7 +11596,7 @@
           <a:p>
             <a:fld id="{69F73540-DFB5-4816-8066-5D194A0B149D}" type="datetimeFigureOut">
               <a:rPr lang="de-CH" smtClean="0"/>
-              <a:t>24.01.2025</a:t>
+              <a:t>27.01.2025</a:t>
             </a:fld>
             <a:endParaRPr lang="de-CH"/>
           </a:p>
@@ -11610,7 +11638,7 @@
           <a:p>
             <a:fld id="{AB8F96E3-2EAC-4C18-B216-7E9D85CA2F89}" type="slidenum">
               <a:rPr lang="de-CH" smtClean="0"/>
-              <a:t>‹#›</a:t>
+              <a:t>‹Nr.›</a:t>
             </a:fld>
             <a:endParaRPr lang="de-CH"/>
           </a:p>
@@ -11815,7 +11843,7 @@
           <a:p>
             <a:fld id="{69F73540-DFB5-4816-8066-5D194A0B149D}" type="datetimeFigureOut">
               <a:rPr lang="de-CH" smtClean="0"/>
-              <a:t>24.01.2025</a:t>
+              <a:t>27.01.2025</a:t>
             </a:fld>
             <a:endParaRPr lang="de-CH"/>
           </a:p>
@@ -11857,7 +11885,7 @@
           <a:p>
             <a:fld id="{AB8F96E3-2EAC-4C18-B216-7E9D85CA2F89}" type="slidenum">
               <a:rPr lang="de-CH" smtClean="0"/>
-              <a:t>‹#›</a:t>
+              <a:t>‹Nr.›</a:t>
             </a:fld>
             <a:endParaRPr lang="de-CH"/>
           </a:p>
@@ -12107,7 +12135,7 @@
           <a:p>
             <a:fld id="{69F73540-DFB5-4816-8066-5D194A0B149D}" type="datetimeFigureOut">
               <a:rPr lang="de-CH" smtClean="0"/>
-              <a:t>24.01.2025</a:t>
+              <a:t>27.01.2025</a:t>
             </a:fld>
             <a:endParaRPr lang="de-CH"/>
           </a:p>
@@ -12149,7 +12177,7 @@
           <a:p>
             <a:fld id="{AB8F96E3-2EAC-4C18-B216-7E9D85CA2F89}" type="slidenum">
               <a:rPr lang="de-CH" smtClean="0"/>
-              <a:t>‹#›</a:t>
+              <a:t>‹Nr.›</a:t>
             </a:fld>
             <a:endParaRPr lang="de-CH"/>
           </a:p>
@@ -12551,7 +12579,7 @@
           <a:p>
             <a:fld id="{69F73540-DFB5-4816-8066-5D194A0B149D}" type="datetimeFigureOut">
               <a:rPr lang="de-CH" smtClean="0"/>
-              <a:t>24.01.2025</a:t>
+              <a:t>27.01.2025</a:t>
             </a:fld>
             <a:endParaRPr lang="de-CH"/>
           </a:p>
@@ -12593,7 +12621,7 @@
           <a:p>
             <a:fld id="{AB8F96E3-2EAC-4C18-B216-7E9D85CA2F89}" type="slidenum">
               <a:rPr lang="de-CH" smtClean="0"/>
-              <a:t>‹#›</a:t>
+              <a:t>‹Nr.›</a:t>
             </a:fld>
             <a:endParaRPr lang="de-CH"/>
           </a:p>
@@ -12669,7 +12697,7 @@
           <a:p>
             <a:fld id="{69F73540-DFB5-4816-8066-5D194A0B149D}" type="datetimeFigureOut">
               <a:rPr lang="de-CH" smtClean="0"/>
-              <a:t>24.01.2025</a:t>
+              <a:t>27.01.2025</a:t>
             </a:fld>
             <a:endParaRPr lang="de-CH"/>
           </a:p>
@@ -12711,7 +12739,7 @@
           <a:p>
             <a:fld id="{AB8F96E3-2EAC-4C18-B216-7E9D85CA2F89}" type="slidenum">
               <a:rPr lang="de-CH" smtClean="0"/>
-              <a:t>‹#›</a:t>
+              <a:t>‹Nr.›</a:t>
             </a:fld>
             <a:endParaRPr lang="de-CH"/>
           </a:p>
@@ -12764,7 +12792,7 @@
           <a:p>
             <a:fld id="{69F73540-DFB5-4816-8066-5D194A0B149D}" type="datetimeFigureOut">
               <a:rPr lang="de-CH" smtClean="0"/>
-              <a:t>24.01.2025</a:t>
+              <a:t>27.01.2025</a:t>
             </a:fld>
             <a:endParaRPr lang="de-CH"/>
           </a:p>
@@ -12806,7 +12834,7 @@
           <a:p>
             <a:fld id="{AB8F96E3-2EAC-4C18-B216-7E9D85CA2F89}" type="slidenum">
               <a:rPr lang="de-CH" smtClean="0"/>
-              <a:t>‹#›</a:t>
+              <a:t>‹Nr.›</a:t>
             </a:fld>
             <a:endParaRPr lang="de-CH"/>
           </a:p>
@@ -13043,7 +13071,7 @@
           <a:p>
             <a:fld id="{69F73540-DFB5-4816-8066-5D194A0B149D}" type="datetimeFigureOut">
               <a:rPr lang="de-CH" smtClean="0"/>
-              <a:t>24.01.2025</a:t>
+              <a:t>27.01.2025</a:t>
             </a:fld>
             <a:endParaRPr lang="de-CH"/>
           </a:p>
@@ -13085,7 +13113,7 @@
           <a:p>
             <a:fld id="{AB8F96E3-2EAC-4C18-B216-7E9D85CA2F89}" type="slidenum">
               <a:rPr lang="de-CH" smtClean="0"/>
-              <a:t>‹#›</a:t>
+              <a:t>‹Nr.›</a:t>
             </a:fld>
             <a:endParaRPr lang="de-CH"/>
           </a:p>
@@ -13318,7 +13346,7 @@
           <a:p>
             <a:fld id="{69F73540-DFB5-4816-8066-5D194A0B149D}" type="datetimeFigureOut">
               <a:rPr lang="de-CH" smtClean="0"/>
-              <a:t>24.01.2025</a:t>
+              <a:t>27.01.2025</a:t>
             </a:fld>
             <a:endParaRPr lang="de-CH"/>
           </a:p>
@@ -13360,7 +13388,7 @@
           <a:p>
             <a:fld id="{AB8F96E3-2EAC-4C18-B216-7E9D85CA2F89}" type="slidenum">
               <a:rPr lang="de-CH" smtClean="0"/>
-              <a:t>‹#›</a:t>
+              <a:t>‹Nr.›</a:t>
             </a:fld>
             <a:endParaRPr lang="de-CH"/>
           </a:p>
@@ -13747,7 +13775,7 @@
           <a:p>
             <a:fld id="{69F73540-DFB5-4816-8066-5D194A0B149D}" type="datetimeFigureOut">
               <a:rPr lang="de-CH" smtClean="0"/>
-              <a:t>24.01.2025</a:t>
+              <a:t>27.01.2025</a:t>
             </a:fld>
             <a:endParaRPr lang="de-CH"/>
           </a:p>
@@ -13826,7 +13854,7 @@
           <a:p>
             <a:fld id="{AB8F96E3-2EAC-4C18-B216-7E9D85CA2F89}" type="slidenum">
               <a:rPr lang="de-CH" smtClean="0"/>
-              <a:t>‹#›</a:t>
+              <a:t>‹Nr.›</a:t>
             </a:fld>
             <a:endParaRPr lang="de-CH"/>
           </a:p>
@@ -17742,7 +17770,12 @@
             <p:ph idx="1"/>
           </p:nvPr>
         </p:nvSpPr>
-        <p:spPr/>
+        <p:spPr>
+          <a:xfrm>
+            <a:off x="1104293" y="1525595"/>
+            <a:ext cx="8946541" cy="4195481"/>
+          </a:xfrm>
+        </p:spPr>
         <p:txBody>
           <a:bodyPr>
             <a:normAutofit fontScale="92500"/>
@@ -18352,7 +18385,12 @@
             <p:ph idx="1"/>
           </p:nvPr>
         </p:nvSpPr>
-        <p:spPr/>
+        <p:spPr>
+          <a:xfrm>
+            <a:off x="1104293" y="1407790"/>
+            <a:ext cx="8946541" cy="4195481"/>
+          </a:xfrm>
+        </p:spPr>
         <p:txBody>
           <a:bodyPr>
             <a:normAutofit/>
@@ -18554,13 +18592,13 @@
           <p:nvPr>
             <p:extLst>
               <p:ext uri="{D42A27DB-BD31-4B8C-83A1-F6EECF244321}">
-                <p14:modId xmlns:p14="http://schemas.microsoft.com/office/powerpoint/2010/main" val="3042848404"/>
+                <p14:modId xmlns:p14="http://schemas.microsoft.com/office/powerpoint/2010/main" val="376499692"/>
               </p:ext>
             </p:extLst>
           </p:nvPr>
         </p:nvGraphicFramePr>
         <p:xfrm>
-          <a:off x="6096000" y="5377373"/>
+          <a:off x="6219416" y="4844441"/>
           <a:ext cx="2617910" cy="873115"/>
         </p:xfrm>
         <a:graphic>

--- a/CAS NLP Module 4_jd_bb.pptx
+++ b/CAS NLP Module 4_jd_bb.pptx
@@ -230,7 +230,7 @@
           <a:p>
             <a:fld id="{E51474CE-351A-4402-BD16-5C3CE3808280}" type="datetimeFigureOut">
               <a:rPr lang="en-US" smtClean="0"/>
-              <a:t>1/24/2025</a:t>
+              <a:t>1/28/2025</a:t>
             </a:fld>
             <a:endParaRPr lang="en-US"/>
           </a:p>
@@ -8482,7 +8482,7 @@
           <a:p>
             <a:fld id="{69F73540-DFB5-4816-8066-5D194A0B149D}" type="datetimeFigureOut">
               <a:rPr lang="de-CH" smtClean="0"/>
-              <a:t>24.01.2025</a:t>
+              <a:t>28.01.2025</a:t>
             </a:fld>
             <a:endParaRPr lang="de-CH"/>
           </a:p>
@@ -8757,7 +8757,7 @@
           <a:p>
             <a:fld id="{69F73540-DFB5-4816-8066-5D194A0B149D}" type="datetimeFigureOut">
               <a:rPr lang="de-CH" smtClean="0"/>
-              <a:t>24.01.2025</a:t>
+              <a:t>28.01.2025</a:t>
             </a:fld>
             <a:endParaRPr lang="de-CH"/>
           </a:p>
@@ -8951,7 +8951,7 @@
           <a:p>
             <a:fld id="{69F73540-DFB5-4816-8066-5D194A0B149D}" type="datetimeFigureOut">
               <a:rPr lang="de-CH" smtClean="0"/>
-              <a:t>24.01.2025</a:t>
+              <a:t>28.01.2025</a:t>
             </a:fld>
             <a:endParaRPr lang="de-CH"/>
           </a:p>
@@ -9224,7 +9224,7 @@
           <a:p>
             <a:fld id="{69F73540-DFB5-4816-8066-5D194A0B149D}" type="datetimeFigureOut">
               <a:rPr lang="de-CH" smtClean="0"/>
-              <a:t>24.01.2025</a:t>
+              <a:t>28.01.2025</a:t>
             </a:fld>
             <a:endParaRPr lang="de-CH"/>
           </a:p>
@@ -9565,7 +9565,7 @@
           <a:p>
             <a:fld id="{69F73540-DFB5-4816-8066-5D194A0B149D}" type="datetimeFigureOut">
               <a:rPr lang="de-CH" smtClean="0"/>
-              <a:t>24.01.2025</a:t>
+              <a:t>28.01.2025</a:t>
             </a:fld>
             <a:endParaRPr lang="de-CH"/>
           </a:p>
@@ -10188,7 +10188,7 @@
           <a:p>
             <a:fld id="{69F73540-DFB5-4816-8066-5D194A0B149D}" type="datetimeFigureOut">
               <a:rPr lang="de-CH" smtClean="0"/>
-              <a:t>24.01.2025</a:t>
+              <a:t>28.01.2025</a:t>
             </a:fld>
             <a:endParaRPr lang="de-CH"/>
           </a:p>
@@ -11048,7 +11048,7 @@
           <a:p>
             <a:fld id="{69F73540-DFB5-4816-8066-5D194A0B149D}" type="datetimeFigureOut">
               <a:rPr lang="de-CH" smtClean="0"/>
-              <a:t>24.01.2025</a:t>
+              <a:t>28.01.2025</a:t>
             </a:fld>
             <a:endParaRPr lang="de-CH"/>
           </a:p>
@@ -11218,7 +11218,7 @@
           <a:p>
             <a:fld id="{69F73540-DFB5-4816-8066-5D194A0B149D}" type="datetimeFigureOut">
               <a:rPr lang="de-CH" smtClean="0"/>
-              <a:t>24.01.2025</a:t>
+              <a:t>28.01.2025</a:t>
             </a:fld>
             <a:endParaRPr lang="de-CH"/>
           </a:p>
@@ -11398,7 +11398,7 @@
           <a:p>
             <a:fld id="{69F73540-DFB5-4816-8066-5D194A0B149D}" type="datetimeFigureOut">
               <a:rPr lang="de-CH" smtClean="0"/>
-              <a:t>24.01.2025</a:t>
+              <a:t>28.01.2025</a:t>
             </a:fld>
             <a:endParaRPr lang="de-CH"/>
           </a:p>
@@ -11568,7 +11568,7 @@
           <a:p>
             <a:fld id="{69F73540-DFB5-4816-8066-5D194A0B149D}" type="datetimeFigureOut">
               <a:rPr lang="de-CH" smtClean="0"/>
-              <a:t>24.01.2025</a:t>
+              <a:t>28.01.2025</a:t>
             </a:fld>
             <a:endParaRPr lang="de-CH"/>
           </a:p>
@@ -11815,7 +11815,7 @@
           <a:p>
             <a:fld id="{69F73540-DFB5-4816-8066-5D194A0B149D}" type="datetimeFigureOut">
               <a:rPr lang="de-CH" smtClean="0"/>
-              <a:t>24.01.2025</a:t>
+              <a:t>28.01.2025</a:t>
             </a:fld>
             <a:endParaRPr lang="de-CH"/>
           </a:p>
@@ -12107,7 +12107,7 @@
           <a:p>
             <a:fld id="{69F73540-DFB5-4816-8066-5D194A0B149D}" type="datetimeFigureOut">
               <a:rPr lang="de-CH" smtClean="0"/>
-              <a:t>24.01.2025</a:t>
+              <a:t>28.01.2025</a:t>
             </a:fld>
             <a:endParaRPr lang="de-CH"/>
           </a:p>
@@ -12551,7 +12551,7 @@
           <a:p>
             <a:fld id="{69F73540-DFB5-4816-8066-5D194A0B149D}" type="datetimeFigureOut">
               <a:rPr lang="de-CH" smtClean="0"/>
-              <a:t>24.01.2025</a:t>
+              <a:t>28.01.2025</a:t>
             </a:fld>
             <a:endParaRPr lang="de-CH"/>
           </a:p>
@@ -12669,7 +12669,7 @@
           <a:p>
             <a:fld id="{69F73540-DFB5-4816-8066-5D194A0B149D}" type="datetimeFigureOut">
               <a:rPr lang="de-CH" smtClean="0"/>
-              <a:t>24.01.2025</a:t>
+              <a:t>28.01.2025</a:t>
             </a:fld>
             <a:endParaRPr lang="de-CH"/>
           </a:p>
@@ -12764,7 +12764,7 @@
           <a:p>
             <a:fld id="{69F73540-DFB5-4816-8066-5D194A0B149D}" type="datetimeFigureOut">
               <a:rPr lang="de-CH" smtClean="0"/>
-              <a:t>24.01.2025</a:t>
+              <a:t>28.01.2025</a:t>
             </a:fld>
             <a:endParaRPr lang="de-CH"/>
           </a:p>
@@ -13043,7 +13043,7 @@
           <a:p>
             <a:fld id="{69F73540-DFB5-4816-8066-5D194A0B149D}" type="datetimeFigureOut">
               <a:rPr lang="de-CH" smtClean="0"/>
-              <a:t>24.01.2025</a:t>
+              <a:t>28.01.2025</a:t>
             </a:fld>
             <a:endParaRPr lang="de-CH"/>
           </a:p>
@@ -13318,7 +13318,7 @@
           <a:p>
             <a:fld id="{69F73540-DFB5-4816-8066-5D194A0B149D}" type="datetimeFigureOut">
               <a:rPr lang="de-CH" smtClean="0"/>
-              <a:t>24.01.2025</a:t>
+              <a:t>28.01.2025</a:t>
             </a:fld>
             <a:endParaRPr lang="de-CH"/>
           </a:p>
@@ -13747,7 +13747,7 @@
           <a:p>
             <a:fld id="{69F73540-DFB5-4816-8066-5D194A0B149D}" type="datetimeFigureOut">
               <a:rPr lang="de-CH" smtClean="0"/>
-              <a:t>24.01.2025</a:t>
+              <a:t>28.01.2025</a:t>
             </a:fld>
             <a:endParaRPr lang="de-CH"/>
           </a:p>
